--- a/JavaLecture/LectureFile/java 6강 객체지향.pptx
+++ b/JavaLecture/LectureFile/java 6강 객체지향.pptx
@@ -5,7 +5,7 @@
     <p:sldMasterId id="2147483648" r:id="rId1"/>
   </p:sldMasterIdLst>
   <p:notesMasterIdLst>
-    <p:notesMasterId r:id="rId65"/>
+    <p:notesMasterId r:id="rId67"/>
   </p:notesMasterIdLst>
   <p:sldIdLst>
     <p:sldId id="257" r:id="rId2"/>
@@ -25,52 +25,54 @@
     <p:sldId id="533" r:id="rId16"/>
     <p:sldId id="534" r:id="rId17"/>
     <p:sldId id="535" r:id="rId18"/>
-    <p:sldId id="570" r:id="rId19"/>
-    <p:sldId id="571" r:id="rId20"/>
-    <p:sldId id="567" r:id="rId21"/>
-    <p:sldId id="281" r:id="rId22"/>
-    <p:sldId id="577" r:id="rId23"/>
-    <p:sldId id="574" r:id="rId24"/>
-    <p:sldId id="575" r:id="rId25"/>
-    <p:sldId id="576" r:id="rId26"/>
-    <p:sldId id="537" r:id="rId27"/>
-    <p:sldId id="541" r:id="rId28"/>
-    <p:sldId id="543" r:id="rId29"/>
-    <p:sldId id="551" r:id="rId30"/>
-    <p:sldId id="540" r:id="rId31"/>
-    <p:sldId id="542" r:id="rId32"/>
-    <p:sldId id="550" r:id="rId33"/>
-    <p:sldId id="552" r:id="rId34"/>
-    <p:sldId id="539" r:id="rId35"/>
-    <p:sldId id="544" r:id="rId36"/>
-    <p:sldId id="564" r:id="rId37"/>
-    <p:sldId id="565" r:id="rId38"/>
-    <p:sldId id="566" r:id="rId39"/>
-    <p:sldId id="547" r:id="rId40"/>
-    <p:sldId id="548" r:id="rId41"/>
-    <p:sldId id="583" r:id="rId42"/>
-    <p:sldId id="584" r:id="rId43"/>
-    <p:sldId id="374" r:id="rId44"/>
-    <p:sldId id="546" r:id="rId45"/>
-    <p:sldId id="554" r:id="rId46"/>
-    <p:sldId id="555" r:id="rId47"/>
-    <p:sldId id="556" r:id="rId48"/>
-    <p:sldId id="557" r:id="rId49"/>
-    <p:sldId id="558" r:id="rId50"/>
-    <p:sldId id="549" r:id="rId51"/>
-    <p:sldId id="559" r:id="rId52"/>
-    <p:sldId id="560" r:id="rId53"/>
-    <p:sldId id="562" r:id="rId54"/>
-    <p:sldId id="561" r:id="rId55"/>
-    <p:sldId id="553" r:id="rId56"/>
-    <p:sldId id="580" r:id="rId57"/>
-    <p:sldId id="585" r:id="rId58"/>
-    <p:sldId id="581" r:id="rId59"/>
-    <p:sldId id="586" r:id="rId60"/>
-    <p:sldId id="587" r:id="rId61"/>
-    <p:sldId id="563" r:id="rId62"/>
-    <p:sldId id="582" r:id="rId63"/>
-    <p:sldId id="275" r:id="rId64"/>
+    <p:sldId id="588" r:id="rId19"/>
+    <p:sldId id="570" r:id="rId20"/>
+    <p:sldId id="571" r:id="rId21"/>
+    <p:sldId id="567" r:id="rId22"/>
+    <p:sldId id="281" r:id="rId23"/>
+    <p:sldId id="577" r:id="rId24"/>
+    <p:sldId id="574" r:id="rId25"/>
+    <p:sldId id="575" r:id="rId26"/>
+    <p:sldId id="576" r:id="rId27"/>
+    <p:sldId id="537" r:id="rId28"/>
+    <p:sldId id="541" r:id="rId29"/>
+    <p:sldId id="543" r:id="rId30"/>
+    <p:sldId id="551" r:id="rId31"/>
+    <p:sldId id="540" r:id="rId32"/>
+    <p:sldId id="542" r:id="rId33"/>
+    <p:sldId id="550" r:id="rId34"/>
+    <p:sldId id="552" r:id="rId35"/>
+    <p:sldId id="539" r:id="rId36"/>
+    <p:sldId id="544" r:id="rId37"/>
+    <p:sldId id="564" r:id="rId38"/>
+    <p:sldId id="565" r:id="rId39"/>
+    <p:sldId id="566" r:id="rId40"/>
+    <p:sldId id="547" r:id="rId41"/>
+    <p:sldId id="548" r:id="rId42"/>
+    <p:sldId id="583" r:id="rId43"/>
+    <p:sldId id="584" r:id="rId44"/>
+    <p:sldId id="374" r:id="rId45"/>
+    <p:sldId id="546" r:id="rId46"/>
+    <p:sldId id="554" r:id="rId47"/>
+    <p:sldId id="555" r:id="rId48"/>
+    <p:sldId id="556" r:id="rId49"/>
+    <p:sldId id="557" r:id="rId50"/>
+    <p:sldId id="558" r:id="rId51"/>
+    <p:sldId id="549" r:id="rId52"/>
+    <p:sldId id="559" r:id="rId53"/>
+    <p:sldId id="560" r:id="rId54"/>
+    <p:sldId id="562" r:id="rId55"/>
+    <p:sldId id="561" r:id="rId56"/>
+    <p:sldId id="553" r:id="rId57"/>
+    <p:sldId id="589" r:id="rId58"/>
+    <p:sldId id="580" r:id="rId59"/>
+    <p:sldId id="585" r:id="rId60"/>
+    <p:sldId id="581" r:id="rId61"/>
+    <p:sldId id="586" r:id="rId62"/>
+    <p:sldId id="587" r:id="rId63"/>
+    <p:sldId id="563" r:id="rId64"/>
+    <p:sldId id="582" r:id="rId65"/>
+    <p:sldId id="275" r:id="rId66"/>
   </p:sldIdLst>
   <p:sldSz cx="18288000" cy="10287000"/>
   <p:notesSz cx="7104063" cy="10234613"/>
@@ -270,7 +272,7 @@
           <a:p>
             <a:fld id="{D79F2C30-10E1-4C46-91DC-BBDB9629E720}" type="datetimeFigureOut">
               <a:rPr lang="ko-KR" altLang="en-US" smtClean="0"/>
-              <a:t>2023-04-15</a:t>
+              <a:t>2023-10-15</a:t>
             </a:fld>
             <a:endParaRPr lang="ko-KR" altLang="en-US"/>
           </a:p>
@@ -602,7 +604,7 @@
           <a:p>
             <a:fld id="{50FC2DCF-6074-47D8-9A40-8DDAA9ED0A57}" type="slidenum">
               <a:rPr lang="ko-KR" altLang="en-US" smtClean="0"/>
-              <a:t>32</a:t>
+              <a:t>33</a:t>
             </a:fld>
             <a:endParaRPr lang="ko-KR" altLang="en-US"/>
           </a:p>
@@ -686,7 +688,7 @@
           <a:p>
             <a:fld id="{50FC2DCF-6074-47D8-9A40-8DDAA9ED0A57}" type="slidenum">
               <a:rPr lang="ko-KR" altLang="en-US" smtClean="0"/>
-              <a:t>50</a:t>
+              <a:t>51</a:t>
             </a:fld>
             <a:endParaRPr lang="ko-KR" altLang="en-US"/>
           </a:p>
@@ -770,7 +772,7 @@
           <a:p>
             <a:fld id="{50FC2DCF-6074-47D8-9A40-8DDAA9ED0A57}" type="slidenum">
               <a:rPr lang="ko-KR" altLang="en-US" smtClean="0"/>
-              <a:t>51</a:t>
+              <a:t>52</a:t>
             </a:fld>
             <a:endParaRPr lang="ko-KR" altLang="en-US"/>
           </a:p>
@@ -982,7 +984,7 @@
           <a:p>
             <a:fld id="{F8166F1F-CE9B-4651-A6AA-CD717754106B}" type="datetimeFigureOut">
               <a:rPr lang="en-US" smtClean="0"/>
-              <a:t>4/15/2023</a:t>
+              <a:t>10/15/2023</a:t>
             </a:fld>
             <a:endParaRPr lang="en-US"/>
           </a:p>
@@ -1185,7 +1187,7 @@
           <a:p>
             <a:fld id="{A76116CE-C4A3-4A05-B2D7-7C2E9A889C0F}" type="datetimeFigureOut">
               <a:rPr lang="en-US" smtClean="0"/>
-              <a:t>4/15/2023</a:t>
+              <a:t>10/15/2023</a:t>
             </a:fld>
             <a:endParaRPr lang="en-US"/>
           </a:p>
@@ -1388,7 +1390,7 @@
           <a:p>
             <a:fld id="{A76116CE-C4A3-4A05-B2D7-7C2E9A889C0F}" type="datetimeFigureOut">
               <a:rPr lang="en-US" smtClean="0"/>
-              <a:t>4/15/2023</a:t>
+              <a:t>10/15/2023</a:t>
             </a:fld>
             <a:endParaRPr lang="en-US"/>
           </a:p>
@@ -1593,7 +1595,7 @@
           <a:p>
             <a:fld id="{A76116CE-C4A3-4A05-B2D7-7C2E9A889C0F}" type="datetimeFigureOut">
               <a:rPr lang="en-US" smtClean="0"/>
-              <a:t>4/15/2023</a:t>
+              <a:t>10/15/2023</a:t>
             </a:fld>
             <a:endParaRPr lang="en-US"/>
           </a:p>
@@ -1863,7 +1865,7 @@
           <a:p>
             <a:fld id="{A76116CE-C4A3-4A05-B2D7-7C2E9A889C0F}" type="datetimeFigureOut">
               <a:rPr lang="en-US" smtClean="0"/>
-              <a:t>4/15/2023</a:t>
+              <a:t>10/15/2023</a:t>
             </a:fld>
             <a:endParaRPr lang="en-US"/>
           </a:p>
@@ -2181,7 +2183,7 @@
           <a:p>
             <a:fld id="{A76116CE-C4A3-4A05-B2D7-7C2E9A889C0F}" type="datetimeFigureOut">
               <a:rPr lang="en-US" smtClean="0"/>
-              <a:t>4/15/2023</a:t>
+              <a:t>10/15/2023</a:t>
             </a:fld>
             <a:endParaRPr lang="en-US"/>
           </a:p>
@@ -2639,7 +2641,7 @@
           <a:p>
             <a:fld id="{A76116CE-C4A3-4A05-B2D7-7C2E9A889C0F}" type="datetimeFigureOut">
               <a:rPr lang="en-US" smtClean="0"/>
-              <a:t>4/15/2023</a:t>
+              <a:t>10/15/2023</a:t>
             </a:fld>
             <a:endParaRPr lang="en-US"/>
           </a:p>
@@ -2783,7 +2785,7 @@
           <a:p>
             <a:fld id="{A76116CE-C4A3-4A05-B2D7-7C2E9A889C0F}" type="datetimeFigureOut">
               <a:rPr lang="en-US" smtClean="0"/>
-              <a:t>4/15/2023</a:t>
+              <a:t>10/15/2023</a:t>
             </a:fld>
             <a:endParaRPr lang="en-US"/>
           </a:p>
@@ -2897,7 +2899,7 @@
           <a:p>
             <a:fld id="{A76116CE-C4A3-4A05-B2D7-7C2E9A889C0F}" type="datetimeFigureOut">
               <a:rPr lang="en-US" smtClean="0"/>
-              <a:t>4/15/2023</a:t>
+              <a:t>10/15/2023</a:t>
             </a:fld>
             <a:endParaRPr lang="en-US"/>
           </a:p>
@@ -3200,7 +3202,7 @@
           <a:p>
             <a:fld id="{A76116CE-C4A3-4A05-B2D7-7C2E9A889C0F}" type="datetimeFigureOut">
               <a:rPr lang="en-US" smtClean="0"/>
-              <a:t>4/15/2023</a:t>
+              <a:t>10/15/2023</a:t>
             </a:fld>
             <a:endParaRPr lang="en-US"/>
           </a:p>
@@ -3480,7 +3482,7 @@
           <a:p>
             <a:fld id="{A76116CE-C4A3-4A05-B2D7-7C2E9A889C0F}" type="datetimeFigureOut">
               <a:rPr lang="en-US" smtClean="0"/>
-              <a:t>4/15/2023</a:t>
+              <a:t>10/15/2023</a:t>
             </a:fld>
             <a:endParaRPr lang="en-US"/>
           </a:p>
@@ -4953,7 +4955,7 @@
         </p:blipFill>
         <p:spPr>
           <a:xfrm>
-            <a:off x="16078200" y="1266825"/>
+            <a:off x="15824202" y="2352675"/>
             <a:ext cx="1419225" cy="1647825"/>
           </a:xfrm>
           <a:prstGeom prst="rect">
@@ -4977,7 +4979,7 @@
         </p:blipFill>
         <p:spPr>
           <a:xfrm>
-            <a:off x="16078200" y="3619500"/>
+            <a:off x="15824202" y="4705350"/>
             <a:ext cx="1419225" cy="1647825"/>
           </a:xfrm>
           <a:prstGeom prst="rect">
@@ -5001,7 +5003,7 @@
         </p:blipFill>
         <p:spPr>
           <a:xfrm>
-            <a:off x="16078200" y="6067425"/>
+            <a:off x="15824202" y="7153275"/>
             <a:ext cx="1419225" cy="1647825"/>
           </a:xfrm>
           <a:prstGeom prst="rect">
@@ -5025,7 +5027,7 @@
         </p:nvCxnSpPr>
         <p:spPr>
           <a:xfrm flipV="1">
-            <a:off x="11226798" y="1943100"/>
+            <a:off x="10972800" y="2495550"/>
             <a:ext cx="4546602" cy="971550"/>
           </a:xfrm>
           <a:prstGeom prst="straightConnector1">
@@ -5066,7 +5068,7 @@
         </p:nvCxnSpPr>
         <p:spPr>
           <a:xfrm flipV="1">
-            <a:off x="11226798" y="4610100"/>
+            <a:off x="10972800" y="5162550"/>
             <a:ext cx="4546602" cy="266700"/>
           </a:xfrm>
           <a:prstGeom prst="straightConnector1">
@@ -5107,7 +5109,7 @@
         </p:nvCxnSpPr>
         <p:spPr>
           <a:xfrm>
-            <a:off x="11226798" y="6705600"/>
+            <a:off x="10972800" y="7258050"/>
             <a:ext cx="4546602" cy="185737"/>
           </a:xfrm>
           <a:prstGeom prst="straightConnector1">
@@ -5146,7 +5148,7 @@
         </p:nvSpPr>
         <p:spPr>
           <a:xfrm>
-            <a:off x="15930562" y="502570"/>
+            <a:off x="15676564" y="1588420"/>
             <a:ext cx="1714500" cy="769441"/>
           </a:xfrm>
           <a:prstGeom prst="rect">
@@ -5204,7 +5206,7 @@
         </p:nvSpPr>
         <p:spPr>
           <a:xfrm>
-            <a:off x="15930562" y="2819400"/>
+            <a:off x="15676564" y="3905250"/>
             <a:ext cx="1714500" cy="769441"/>
           </a:xfrm>
           <a:prstGeom prst="rect">
@@ -5262,7 +5264,7 @@
         </p:nvSpPr>
         <p:spPr>
           <a:xfrm>
-            <a:off x="15819267" y="5325199"/>
+            <a:off x="15565269" y="6411049"/>
             <a:ext cx="1714500" cy="769441"/>
           </a:xfrm>
           <a:prstGeom prst="rect">
@@ -5303,6 +5305,77 @@
               <a:latin typeface="G마켓 산스 Bold"/>
               <a:ea typeface="G마켓 산스 Medium" panose="02000000000000000000" pitchFamily="50" charset="-127"/>
             </a:endParaRPr>
+          </a:p>
+        </p:txBody>
+      </p:sp>
+      <p:sp>
+        <p:nvSpPr>
+          <p:cNvPr id="12" name="TextBox 11">
+            <a:extLst>
+              <a:ext uri="{FF2B5EF4-FFF2-40B4-BE49-F238E27FC236}">
+                <a16:creationId xmlns="" xmlns:a16="http://schemas.microsoft.com/office/drawing/2014/main" id="{131CAA11-625D-884F-94CC-6654A5C13F00}"/>
+              </a:ext>
+            </a:extLst>
+          </p:cNvPr>
+          <p:cNvSpPr txBox="1"/>
+          <p:nvPr/>
+        </p:nvSpPr>
+        <p:spPr>
+          <a:xfrm>
+            <a:off x="14020800" y="639781"/>
+            <a:ext cx="4572000" cy="830997"/>
+          </a:xfrm>
+          <a:prstGeom prst="rect">
+            <a:avLst/>
+          </a:prstGeom>
+          <a:noFill/>
+        </p:spPr>
+        <p:txBody>
+          <a:bodyPr wrap="square" rtlCol="0">
+            <a:spAutoFit/>
+          </a:bodyPr>
+          <a:lstStyle/>
+          <a:p>
+            <a:r>
+              <a:rPr lang="ko-KR" altLang="en-US" sz="4800">
+                <a:solidFill>
+                  <a:srgbClr val="4C50BC"/>
+                </a:solidFill>
+                <a:latin typeface="G마켓 산스 Medium" panose="02000000000000000000" pitchFamily="50" charset="-127"/>
+                <a:ea typeface="G마켓 산스 Medium" panose="02000000000000000000" pitchFamily="50" charset="-127"/>
+              </a:rPr>
+              <a:t>객체</a:t>
+            </a:r>
+            <a:r>
+              <a:rPr lang="en-US" altLang="ko-KR" sz="4800">
+                <a:solidFill>
+                  <a:srgbClr val="4C50BC"/>
+                </a:solidFill>
+                <a:latin typeface="G마켓 산스 Medium" panose="02000000000000000000" pitchFamily="50" charset="-127"/>
+                <a:ea typeface="G마켓 산스 Medium" panose="02000000000000000000" pitchFamily="50" charset="-127"/>
+              </a:rPr>
+              <a:t>(</a:t>
+            </a:r>
+            <a:r>
+              <a:rPr lang="ko-KR" altLang="en-US" sz="4800">
+                <a:solidFill>
+                  <a:srgbClr val="4C50BC"/>
+                </a:solidFill>
+                <a:latin typeface="G마켓 산스 Medium" panose="02000000000000000000" pitchFamily="50" charset="-127"/>
+                <a:ea typeface="G마켓 산스 Medium" panose="02000000000000000000" pitchFamily="50" charset="-127"/>
+              </a:rPr>
+              <a:t>인스턴스</a:t>
+            </a:r>
+            <a:r>
+              <a:rPr lang="en-US" altLang="ko-KR" sz="4800">
+                <a:solidFill>
+                  <a:srgbClr val="4C50BC"/>
+                </a:solidFill>
+                <a:latin typeface="G마켓 산스 Medium" panose="02000000000000000000" pitchFamily="50" charset="-127"/>
+                <a:ea typeface="G마켓 산스 Medium" panose="02000000000000000000" pitchFamily="50" charset="-127"/>
+              </a:rPr>
+              <a:t>)</a:t>
+            </a:r>
           </a:p>
         </p:txBody>
       </p:sp>
@@ -6382,7 +6455,7 @@
       </p:grpSpPr>
       <p:pic>
         <p:nvPicPr>
-          <p:cNvPr id="6" name="그림 5"/>
+          <p:cNvPr id="17" name="그림 16"/>
           <p:cNvPicPr>
             <a:picLocks noChangeAspect="1"/>
           </p:cNvPicPr>
@@ -6396,8 +6469,56 @@
         </p:blipFill>
         <p:spPr>
           <a:xfrm>
-            <a:off x="1371600" y="52921"/>
-            <a:ext cx="7848600" cy="10195979"/>
+            <a:off x="6982794" y="6448425"/>
+            <a:ext cx="5343525" cy="2809875"/>
+          </a:xfrm>
+          <a:prstGeom prst="rect">
+            <a:avLst/>
+          </a:prstGeom>
+        </p:spPr>
+      </p:pic>
+      <p:pic>
+        <p:nvPicPr>
+          <p:cNvPr id="5" name="그림 4"/>
+          <p:cNvPicPr>
+            <a:picLocks noChangeAspect="1"/>
+          </p:cNvPicPr>
+          <p:nvPr/>
+        </p:nvPicPr>
+        <p:blipFill>
+          <a:blip r:embed="rId3"/>
+          <a:stretch>
+            <a:fillRect/>
+          </a:stretch>
+        </p:blipFill>
+        <p:spPr>
+          <a:xfrm>
+            <a:off x="6962865" y="114300"/>
+            <a:ext cx="5305335" cy="5866789"/>
+          </a:xfrm>
+          <a:prstGeom prst="rect">
+            <a:avLst/>
+          </a:prstGeom>
+        </p:spPr>
+      </p:pic>
+      <p:pic>
+        <p:nvPicPr>
+          <p:cNvPr id="2" name="그림 1"/>
+          <p:cNvPicPr>
+            <a:picLocks noChangeAspect="1"/>
+          </p:cNvPicPr>
+          <p:nvPr/>
+        </p:nvPicPr>
+        <p:blipFill>
+          <a:blip r:embed="rId4"/>
+          <a:stretch>
+            <a:fillRect/>
+          </a:stretch>
+        </p:blipFill>
+        <p:spPr>
+          <a:xfrm>
+            <a:off x="304800" y="266700"/>
+            <a:ext cx="3824300" cy="3186917"/>
           </a:xfrm>
           <a:prstGeom prst="rect">
             <a:avLst/>
@@ -6420,8 +6541,8 @@
         </p:nvCxnSpPr>
         <p:spPr>
           <a:xfrm flipV="1">
-            <a:off x="6096000" y="2208431"/>
-            <a:ext cx="2286000" cy="420469"/>
+            <a:off x="3048000" y="647701"/>
+            <a:ext cx="4648200" cy="1752600"/>
           </a:xfrm>
           <a:prstGeom prst="straightConnector1">
             <a:avLst/>
@@ -6459,8 +6580,8 @@
         </p:nvSpPr>
         <p:spPr>
           <a:xfrm>
-            <a:off x="1400908" y="52920"/>
-            <a:ext cx="4695092" cy="5700179"/>
+            <a:off x="1305130" y="2171700"/>
+            <a:ext cx="1742870" cy="533399"/>
           </a:xfrm>
           <a:prstGeom prst="rect">
             <a:avLst/>
@@ -6511,7 +6632,7 @@
         </p:nvSpPr>
         <p:spPr>
           <a:xfrm>
-            <a:off x="8534400" y="1982569"/>
+            <a:off x="2977075" y="2433026"/>
             <a:ext cx="6400800" cy="646331"/>
           </a:xfrm>
           <a:prstGeom prst="rect">
@@ -6569,7 +6690,7 @@
         </p:nvSpPr>
         <p:spPr>
           <a:xfrm>
-            <a:off x="10210800" y="7581900"/>
+            <a:off x="4269837" y="7741606"/>
             <a:ext cx="3815275" cy="646331"/>
           </a:xfrm>
           <a:prstGeom prst="rect">
@@ -6603,9 +6724,33 @@
           </a:p>
         </p:txBody>
       </p:sp>
+      <p:pic>
+        <p:nvPicPr>
+          <p:cNvPr id="14" name="그림 13"/>
+          <p:cNvPicPr>
+            <a:picLocks noChangeAspect="1"/>
+          </p:cNvPicPr>
+          <p:nvPr/>
+        </p:nvPicPr>
+        <p:blipFill>
+          <a:blip r:embed="rId4"/>
+          <a:stretch>
+            <a:fillRect/>
+          </a:stretch>
+        </p:blipFill>
+        <p:spPr>
+          <a:xfrm>
+            <a:off x="264415" y="5866789"/>
+            <a:ext cx="3824300" cy="3186917"/>
+          </a:xfrm>
+          <a:prstGeom prst="rect">
+            <a:avLst/>
+          </a:prstGeom>
+        </p:spPr>
+      </p:pic>
       <p:cxnSp>
         <p:nvCxnSpPr>
-          <p:cNvPr id="13" name="직선 화살표 연결선 12">
+          <p:cNvPr id="15" name="직선 화살표 연결선 14">
             <a:extLst>
               <a:ext uri="{FF2B5EF4-FFF2-40B4-BE49-F238E27FC236}">
                 <a16:creationId xmlns="" xmlns:a16="http://schemas.microsoft.com/office/drawing/2014/main" id="{299DF5EC-9DF4-5255-06AC-0A7CE4FF58C3}"/>
@@ -6619,8 +6764,8 @@
         </p:nvCxnSpPr>
         <p:spPr>
           <a:xfrm>
-            <a:off x="6177475" y="7792135"/>
-            <a:ext cx="4033325" cy="18365"/>
+            <a:off x="3581400" y="6663920"/>
+            <a:ext cx="4267200" cy="873328"/>
           </a:xfrm>
           <a:prstGeom prst="straightConnector1">
             <a:avLst/>
@@ -6644,6 +6789,58 @@
           </a:fontRef>
         </p:style>
       </p:cxnSp>
+      <p:sp>
+        <p:nvSpPr>
+          <p:cNvPr id="16" name="직사각형 15">
+            <a:extLst>
+              <a:ext uri="{FF2B5EF4-FFF2-40B4-BE49-F238E27FC236}">
+                <a16:creationId xmlns="" xmlns:a16="http://schemas.microsoft.com/office/drawing/2014/main" id="{FFF506F9-840A-0508-4CAF-3AC711D8D5CE}"/>
+              </a:ext>
+            </a:extLst>
+          </p:cNvPr>
+          <p:cNvSpPr/>
+          <p:nvPr/>
+        </p:nvSpPr>
+        <p:spPr>
+          <a:xfrm>
+            <a:off x="1838530" y="6435319"/>
+            <a:ext cx="1742870" cy="533399"/>
+          </a:xfrm>
+          <a:prstGeom prst="rect">
+            <a:avLst/>
+          </a:prstGeom>
+          <a:noFill/>
+          <a:ln>
+            <a:solidFill>
+              <a:srgbClr val="FF0000"/>
+            </a:solidFill>
+          </a:ln>
+        </p:spPr>
+        <p:style>
+          <a:lnRef idx="2">
+            <a:schemeClr val="accent2">
+              <a:shade val="50000"/>
+            </a:schemeClr>
+          </a:lnRef>
+          <a:fillRef idx="1">
+            <a:schemeClr val="accent2"/>
+          </a:fillRef>
+          <a:effectRef idx="0">
+            <a:schemeClr val="accent2"/>
+          </a:effectRef>
+          <a:fontRef idx="minor">
+            <a:schemeClr val="lt1"/>
+          </a:fontRef>
+        </p:style>
+        <p:txBody>
+          <a:bodyPr rtlCol="0" anchor="ctr"/>
+          <a:lstStyle/>
+          <a:p>
+            <a:pPr algn="ctr"/>
+            <a:endParaRPr lang="ko-KR" altLang="en-US"/>
+          </a:p>
+        </p:txBody>
+      </p:sp>
     </p:spTree>
     <p:extLst>
       <p:ext uri="{BB962C8B-B14F-4D97-AF65-F5344CB8AC3E}">
@@ -12380,7 +12577,7 @@
         </p:nvGrpSpPr>
         <p:grpSpPr>
           <a:xfrm>
-            <a:off x="9712778" y="1088147"/>
+            <a:off x="9753154" y="1028643"/>
             <a:ext cx="3393622" cy="1114286"/>
             <a:chOff x="2803727" y="4828571"/>
             <a:chExt cx="3393622" cy="1114286"/>
@@ -14078,6 +14275,261 @@
       </p:grpSpPr>
       <p:pic>
         <p:nvPicPr>
+          <p:cNvPr id="14" name="그림 13"/>
+          <p:cNvPicPr>
+            <a:picLocks noChangeAspect="1"/>
+          </p:cNvPicPr>
+          <p:nvPr/>
+        </p:nvPicPr>
+        <p:blipFill>
+          <a:blip r:embed="rId2"/>
+          <a:stretch>
+            <a:fillRect/>
+          </a:stretch>
+        </p:blipFill>
+        <p:spPr>
+          <a:xfrm>
+            <a:off x="592080" y="1409700"/>
+            <a:ext cx="7256520" cy="6003121"/>
+          </a:xfrm>
+          <a:prstGeom prst="rect">
+            <a:avLst/>
+          </a:prstGeom>
+        </p:spPr>
+      </p:pic>
+      <p:sp>
+        <p:nvSpPr>
+          <p:cNvPr id="4" name="TextBox 3">
+            <a:extLst>
+              <a:ext uri="{FF2B5EF4-FFF2-40B4-BE49-F238E27FC236}">
+                <a16:creationId xmlns="" xmlns:a16="http://schemas.microsoft.com/office/drawing/2014/main" id="{DF7DDD33-9412-2802-339A-E55446AC2DA7}"/>
+              </a:ext>
+            </a:extLst>
+          </p:cNvPr>
+          <p:cNvSpPr txBox="1"/>
+          <p:nvPr/>
+        </p:nvSpPr>
+        <p:spPr>
+          <a:xfrm>
+            <a:off x="609600" y="495300"/>
+            <a:ext cx="5234125" cy="769441"/>
+          </a:xfrm>
+          <a:prstGeom prst="rect">
+            <a:avLst/>
+          </a:prstGeom>
+          <a:noFill/>
+        </p:spPr>
+        <p:txBody>
+          <a:bodyPr wrap="none" rtlCol="0">
+            <a:spAutoFit/>
+          </a:bodyPr>
+          <a:lstStyle/>
+          <a:p>
+            <a:r>
+              <a:rPr lang="ko-KR" altLang="en-US" sz="4400" smtClean="0">
+                <a:solidFill>
+                  <a:srgbClr val="4C50BC"/>
+                </a:solidFill>
+                <a:latin typeface="G마켓 산스 Bold"/>
+                <a:ea typeface="G마켓 산스 Medium" panose="02000000000000000000" pitchFamily="50" charset="-127"/>
+              </a:rPr>
+              <a:t>클래스간의 호출구조</a:t>
+            </a:r>
+            <a:endParaRPr lang="ko-KR" altLang="en-US" sz="4400" dirty="0">
+              <a:solidFill>
+                <a:srgbClr val="4C50BC"/>
+              </a:solidFill>
+              <a:latin typeface="G마켓 산스 Bold"/>
+              <a:ea typeface="G마켓 산스 Medium" panose="02000000000000000000" pitchFamily="50" charset="-127"/>
+            </a:endParaRPr>
+          </a:p>
+        </p:txBody>
+      </p:sp>
+      <p:pic>
+        <p:nvPicPr>
+          <p:cNvPr id="7" name="그림 6"/>
+          <p:cNvPicPr>
+            <a:picLocks noChangeAspect="1"/>
+          </p:cNvPicPr>
+          <p:nvPr/>
+        </p:nvPicPr>
+        <p:blipFill>
+          <a:blip r:embed="rId3"/>
+          <a:stretch>
+            <a:fillRect/>
+          </a:stretch>
+        </p:blipFill>
+        <p:spPr>
+          <a:xfrm>
+            <a:off x="10515600" y="522849"/>
+            <a:ext cx="6595462" cy="7620000"/>
+          </a:xfrm>
+          <a:prstGeom prst="rect">
+            <a:avLst/>
+          </a:prstGeom>
+        </p:spPr>
+      </p:pic>
+      <p:cxnSp>
+        <p:nvCxnSpPr>
+          <p:cNvPr id="8" name="직선 화살표 연결선 7">
+            <a:extLst>
+              <a:ext uri="{FF2B5EF4-FFF2-40B4-BE49-F238E27FC236}">
+                <a16:creationId xmlns:a16="http://schemas.microsoft.com/office/drawing/2014/main" xmlns="" id="{299DF5EC-9DF4-5255-06AC-0A7CE4FF58C3}"/>
+              </a:ext>
+            </a:extLst>
+          </p:cNvPr>
+          <p:cNvCxnSpPr>
+            <a:cxnSpLocks/>
+          </p:cNvCxnSpPr>
+          <p:nvPr/>
+        </p:nvCxnSpPr>
+        <p:spPr>
+          <a:xfrm flipH="1">
+            <a:off x="6705600" y="952500"/>
+            <a:ext cx="3810000" cy="2133600"/>
+          </a:xfrm>
+          <a:prstGeom prst="straightConnector1">
+            <a:avLst/>
+          </a:prstGeom>
+          <a:ln w="38100">
+            <a:tailEnd type="triangle"/>
+          </a:ln>
+        </p:spPr>
+        <p:style>
+          <a:lnRef idx="1">
+            <a:schemeClr val="accent2"/>
+          </a:lnRef>
+          <a:fillRef idx="0">
+            <a:schemeClr val="accent2"/>
+          </a:fillRef>
+          <a:effectRef idx="0">
+            <a:schemeClr val="accent2"/>
+          </a:effectRef>
+          <a:fontRef idx="minor">
+            <a:schemeClr val="tx1"/>
+          </a:fontRef>
+        </p:style>
+      </p:cxnSp>
+      <p:sp>
+        <p:nvSpPr>
+          <p:cNvPr id="10" name="TextBox 9">
+            <a:extLst>
+              <a:ext uri="{FF2B5EF4-FFF2-40B4-BE49-F238E27FC236}">
+                <a16:creationId xmlns:a16="http://schemas.microsoft.com/office/drawing/2014/main" xmlns="" id="{C6D113C6-EA5C-788F-0C77-E7CE6EBB865F}"/>
+              </a:ext>
+            </a:extLst>
+          </p:cNvPr>
+          <p:cNvSpPr txBox="1"/>
+          <p:nvPr/>
+        </p:nvSpPr>
+        <p:spPr>
+          <a:xfrm>
+            <a:off x="838200" y="8610014"/>
+            <a:ext cx="16916400" cy="1200329"/>
+          </a:xfrm>
+          <a:prstGeom prst="rect">
+            <a:avLst/>
+          </a:prstGeom>
+          <a:noFill/>
+        </p:spPr>
+        <p:txBody>
+          <a:bodyPr wrap="square" rtlCol="0">
+            <a:spAutoFit/>
+          </a:bodyPr>
+          <a:lstStyle/>
+          <a:p>
+            <a:r>
+              <a:rPr lang="en-US" altLang="ko-KR" sz="3600" smtClean="0">
+                <a:solidFill>
+                  <a:srgbClr val="FF0000"/>
+                </a:solidFill>
+                <a:latin typeface="G마켓 산스 Medium" panose="02000000000000000000" pitchFamily="50" charset="-127"/>
+                <a:ea typeface="G마켓 산스 Medium" panose="02000000000000000000" pitchFamily="50" charset="-127"/>
+              </a:rPr>
+              <a:t>main</a:t>
+            </a:r>
+            <a:r>
+              <a:rPr lang="ko-KR" altLang="en-US" sz="3600" smtClean="0">
+                <a:solidFill>
+                  <a:srgbClr val="FF0000"/>
+                </a:solidFill>
+                <a:latin typeface="G마켓 산스 Medium" panose="02000000000000000000" pitchFamily="50" charset="-127"/>
+                <a:ea typeface="G마켓 산스 Medium" panose="02000000000000000000" pitchFamily="50" charset="-127"/>
+              </a:rPr>
+              <a:t>메서드에서 </a:t>
+            </a:r>
+            <a:r>
+              <a:rPr lang="en-US" altLang="ko-KR" sz="3600" smtClean="0">
+                <a:solidFill>
+                  <a:srgbClr val="FF0000"/>
+                </a:solidFill>
+                <a:latin typeface="G마켓 산스 Medium" panose="02000000000000000000" pitchFamily="50" charset="-127"/>
+                <a:ea typeface="G마켓 산스 Medium" panose="02000000000000000000" pitchFamily="50" charset="-127"/>
+              </a:rPr>
+              <a:t>Student</a:t>
+            </a:r>
+            <a:r>
+              <a:rPr lang="ko-KR" altLang="en-US" sz="3600" smtClean="0">
+                <a:solidFill>
+                  <a:srgbClr val="FF0000"/>
+                </a:solidFill>
+                <a:latin typeface="G마켓 산스 Medium" panose="02000000000000000000" pitchFamily="50" charset="-127"/>
+                <a:ea typeface="G마켓 산스 Medium" panose="02000000000000000000" pitchFamily="50" charset="-127"/>
+              </a:rPr>
+              <a:t> 클래스를 객체화 하여 사용하지 않으면 그냥 설계도인 상태 이므로 실행되지 않는다</a:t>
+            </a:r>
+            <a:r>
+              <a:rPr lang="en-US" altLang="ko-KR" sz="3600" smtClean="0">
+                <a:solidFill>
+                  <a:srgbClr val="FF0000"/>
+                </a:solidFill>
+                <a:latin typeface="G마켓 산스 Medium" panose="02000000000000000000" pitchFamily="50" charset="-127"/>
+                <a:ea typeface="G마켓 산스 Medium" panose="02000000000000000000" pitchFamily="50" charset="-127"/>
+              </a:rPr>
+              <a:t>.</a:t>
+            </a:r>
+            <a:endParaRPr lang="en-US" altLang="ko-KR" sz="3600" dirty="0">
+              <a:solidFill>
+                <a:srgbClr val="FF0000"/>
+              </a:solidFill>
+              <a:latin typeface="G마켓 산스 Medium" panose="02000000000000000000" pitchFamily="50" charset="-127"/>
+              <a:ea typeface="G마켓 산스 Medium" panose="02000000000000000000" pitchFamily="50" charset="-127"/>
+            </a:endParaRPr>
+          </a:p>
+        </p:txBody>
+      </p:sp>
+    </p:spTree>
+    <p:extLst>
+      <p:ext uri="{BB962C8B-B14F-4D97-AF65-F5344CB8AC3E}">
+        <p14:creationId xmlns:p14="http://schemas.microsoft.com/office/powerpoint/2010/main" val="4005167842"/>
+      </p:ext>
+    </p:extLst>
+  </p:cSld>
+  <p:clrMapOvr>
+    <a:masterClrMapping/>
+  </p:clrMapOvr>
+</p:sld>
+</file>
+
+<file path=ppt/slides/slide19.xml><?xml version="1.0" encoding="utf-8"?>
+<p:sld xmlns:a="http://schemas.openxmlformats.org/drawingml/2006/main" xmlns:r="http://schemas.openxmlformats.org/officeDocument/2006/relationships" xmlns:p="http://schemas.openxmlformats.org/presentationml/2006/main">
+  <p:cSld>
+    <p:spTree>
+      <p:nvGrpSpPr>
+        <p:cNvPr id="1" name=""/>
+        <p:cNvGrpSpPr/>
+        <p:nvPr/>
+      </p:nvGrpSpPr>
+      <p:grpSpPr>
+        <a:xfrm>
+          <a:off x="0" y="0"/>
+          <a:ext cx="0" cy="0"/>
+          <a:chOff x="0" y="0"/>
+          <a:chExt cx="0" cy="0"/>
+        </a:xfrm>
+      </p:grpSpPr>
+      <p:pic>
+        <p:nvPicPr>
           <p:cNvPr id="4" name="그림 3"/>
           <p:cNvPicPr>
             <a:picLocks noChangeAspect="1"/>
@@ -14281,296 +14733,6 @@
     <p:extLst>
       <p:ext uri="{BB962C8B-B14F-4D97-AF65-F5344CB8AC3E}">
         <p14:creationId xmlns:p14="http://schemas.microsoft.com/office/powerpoint/2010/main" val="3385615683"/>
-      </p:ext>
-    </p:extLst>
-  </p:cSld>
-  <p:clrMapOvr>
-    <a:masterClrMapping/>
-  </p:clrMapOvr>
-  <p:timing>
-    <p:tnLst>
-      <p:par>
-        <p:cTn id="1" dur="indefinite" restart="never" nodeType="tmRoot"/>
-      </p:par>
-    </p:tnLst>
-  </p:timing>
-</p:sld>
-</file>
-
-<file path=ppt/slides/slide19.xml><?xml version="1.0" encoding="utf-8"?>
-<p:sld xmlns:a="http://schemas.openxmlformats.org/drawingml/2006/main" xmlns:r="http://schemas.openxmlformats.org/officeDocument/2006/relationships" xmlns:p="http://schemas.openxmlformats.org/presentationml/2006/main">
-  <p:cSld>
-    <p:spTree>
-      <p:nvGrpSpPr>
-        <p:cNvPr id="1" name=""/>
-        <p:cNvGrpSpPr/>
-        <p:nvPr/>
-      </p:nvGrpSpPr>
-      <p:grpSpPr>
-        <a:xfrm>
-          <a:off x="0" y="0"/>
-          <a:ext cx="0" cy="0"/>
-          <a:chOff x="0" y="0"/>
-          <a:chExt cx="0" cy="0"/>
-        </a:xfrm>
-      </p:grpSpPr>
-      <p:sp>
-        <p:nvSpPr>
-          <p:cNvPr id="4" name="TextBox 3">
-            <a:extLst>
-              <a:ext uri="{FF2B5EF4-FFF2-40B4-BE49-F238E27FC236}">
-                <a16:creationId xmlns="" xmlns:a16="http://schemas.microsoft.com/office/drawing/2014/main" id="{DF7DDD33-9412-2802-339A-E55446AC2DA7}"/>
-              </a:ext>
-            </a:extLst>
-          </p:cNvPr>
-          <p:cNvSpPr txBox="1"/>
-          <p:nvPr/>
-        </p:nvSpPr>
-        <p:spPr>
-          <a:xfrm>
-            <a:off x="990600" y="571500"/>
-            <a:ext cx="14794435" cy="769441"/>
-          </a:xfrm>
-          <a:prstGeom prst="rect">
-            <a:avLst/>
-          </a:prstGeom>
-          <a:noFill/>
-        </p:spPr>
-        <p:txBody>
-          <a:bodyPr wrap="none" rtlCol="0">
-            <a:spAutoFit/>
-          </a:bodyPr>
-          <a:lstStyle/>
-          <a:p>
-            <a:r>
-              <a:rPr lang="ko-KR" altLang="en-US" sz="4400" smtClean="0">
-                <a:solidFill>
-                  <a:srgbClr val="4C50BC"/>
-                </a:solidFill>
-                <a:latin typeface="G마켓 산스 Bold"/>
-                <a:ea typeface="G마켓 산스 Medium" panose="02000000000000000000" pitchFamily="50" charset="-127"/>
-              </a:rPr>
-              <a:t>실습의 편의를 위해 </a:t>
-            </a:r>
-            <a:r>
-              <a:rPr lang="en-US" altLang="ko-KR" sz="4400" smtClean="0">
-                <a:solidFill>
-                  <a:srgbClr val="4C50BC"/>
-                </a:solidFill>
-                <a:latin typeface="G마켓 산스 Bold"/>
-                <a:ea typeface="G마켓 산스 Medium" panose="02000000000000000000" pitchFamily="50" charset="-127"/>
-              </a:rPr>
-              <a:t>Main </a:t>
-            </a:r>
-            <a:r>
-              <a:rPr lang="ko-KR" altLang="en-US" sz="4400" smtClean="0">
-                <a:solidFill>
-                  <a:srgbClr val="4C50BC"/>
-                </a:solidFill>
-                <a:latin typeface="G마켓 산스 Bold"/>
-                <a:ea typeface="G마켓 산스 Medium" panose="02000000000000000000" pitchFamily="50" charset="-127"/>
-              </a:rPr>
-              <a:t>클래스 위에 클래스들을 추가하자</a:t>
-            </a:r>
-            <a:endParaRPr lang="ko-KR" altLang="en-US" sz="4400" dirty="0">
-              <a:solidFill>
-                <a:srgbClr val="4C50BC"/>
-              </a:solidFill>
-              <a:latin typeface="G마켓 산스 Bold"/>
-              <a:ea typeface="G마켓 산스 Medium" panose="02000000000000000000" pitchFamily="50" charset="-127"/>
-            </a:endParaRPr>
-          </a:p>
-        </p:txBody>
-      </p:sp>
-      <p:pic>
-        <p:nvPicPr>
-          <p:cNvPr id="5" name="그림 4"/>
-          <p:cNvPicPr>
-            <a:picLocks noChangeAspect="1"/>
-          </p:cNvPicPr>
-          <p:nvPr/>
-        </p:nvPicPr>
-        <p:blipFill>
-          <a:blip r:embed="rId2"/>
-          <a:stretch>
-            <a:fillRect/>
-          </a:stretch>
-        </p:blipFill>
-        <p:spPr>
-          <a:xfrm>
-            <a:off x="1010528" y="1377868"/>
-            <a:ext cx="8666871" cy="8508137"/>
-          </a:xfrm>
-          <a:prstGeom prst="rect">
-            <a:avLst/>
-          </a:prstGeom>
-        </p:spPr>
-      </p:pic>
-      <p:cxnSp>
-        <p:nvCxnSpPr>
-          <p:cNvPr id="6" name="직선 화살표 연결선 5">
-            <a:extLst>
-              <a:ext uri="{FF2B5EF4-FFF2-40B4-BE49-F238E27FC236}">
-                <a16:creationId xmlns="" xmlns:a16="http://schemas.microsoft.com/office/drawing/2014/main" id="{299DF5EC-9DF4-5255-06AC-0A7CE4FF58C3}"/>
-              </a:ext>
-            </a:extLst>
-          </p:cNvPr>
-          <p:cNvCxnSpPr>
-            <a:cxnSpLocks/>
-          </p:cNvCxnSpPr>
-          <p:nvPr/>
-        </p:nvCxnSpPr>
-        <p:spPr>
-          <a:xfrm>
-            <a:off x="3505200" y="3695700"/>
-            <a:ext cx="1828800" cy="0"/>
-          </a:xfrm>
-          <a:prstGeom prst="straightConnector1">
-            <a:avLst/>
-          </a:prstGeom>
-          <a:ln w="38100">
-            <a:tailEnd type="triangle"/>
-          </a:ln>
-        </p:spPr>
-        <p:style>
-          <a:lnRef idx="1">
-            <a:schemeClr val="accent2"/>
-          </a:lnRef>
-          <a:fillRef idx="0">
-            <a:schemeClr val="accent2"/>
-          </a:fillRef>
-          <a:effectRef idx="0">
-            <a:schemeClr val="accent2"/>
-          </a:effectRef>
-          <a:fontRef idx="minor">
-            <a:schemeClr val="tx1"/>
-          </a:fontRef>
-        </p:style>
-      </p:cxnSp>
-      <p:sp>
-        <p:nvSpPr>
-          <p:cNvPr id="7" name="TextBox 6">
-            <a:extLst>
-              <a:ext uri="{FF2B5EF4-FFF2-40B4-BE49-F238E27FC236}">
-                <a16:creationId xmlns="" xmlns:a16="http://schemas.microsoft.com/office/drawing/2014/main" id="{C6D113C6-EA5C-788F-0C77-E7CE6EBB865F}"/>
-              </a:ext>
-            </a:extLst>
-          </p:cNvPr>
-          <p:cNvSpPr txBox="1"/>
-          <p:nvPr/>
-        </p:nvSpPr>
-        <p:spPr>
-          <a:xfrm>
-            <a:off x="5410200" y="3390900"/>
-            <a:ext cx="8382000" cy="646331"/>
-          </a:xfrm>
-          <a:prstGeom prst="rect">
-            <a:avLst/>
-          </a:prstGeom>
-          <a:noFill/>
-        </p:spPr>
-        <p:txBody>
-          <a:bodyPr wrap="square" rtlCol="0">
-            <a:spAutoFit/>
-          </a:bodyPr>
-          <a:lstStyle/>
-          <a:p>
-            <a:r>
-              <a:rPr lang="en-US" altLang="ko-KR" sz="3600" smtClean="0">
-                <a:solidFill>
-                  <a:srgbClr val="FF0000"/>
-                </a:solidFill>
-                <a:latin typeface="G마켓 산스 Medium" panose="02000000000000000000" pitchFamily="50" charset="-127"/>
-                <a:ea typeface="G마켓 산스 Medium" panose="02000000000000000000" pitchFamily="50" charset="-127"/>
-              </a:rPr>
-              <a:t>Main </a:t>
-            </a:r>
-            <a:r>
-              <a:rPr lang="ko-KR" altLang="en-US" sz="3600" smtClean="0">
-                <a:solidFill>
-                  <a:srgbClr val="FF0000"/>
-                </a:solidFill>
-                <a:latin typeface="G마켓 산스 Medium" panose="02000000000000000000" pitchFamily="50" charset="-127"/>
-                <a:ea typeface="G마켓 산스 Medium" panose="02000000000000000000" pitchFamily="50" charset="-127"/>
-              </a:rPr>
-              <a:t>클래스 위에 클래스를 작성한다</a:t>
-            </a:r>
-            <a:r>
-              <a:rPr lang="en-US" altLang="ko-KR" sz="3600" smtClean="0">
-                <a:solidFill>
-                  <a:srgbClr val="FF0000"/>
-                </a:solidFill>
-                <a:latin typeface="G마켓 산스 Medium" panose="02000000000000000000" pitchFamily="50" charset="-127"/>
-                <a:ea typeface="G마켓 산스 Medium" panose="02000000000000000000" pitchFamily="50" charset="-127"/>
-              </a:rPr>
-              <a:t>.</a:t>
-            </a:r>
-            <a:endParaRPr lang="en-US" altLang="ko-KR" sz="3600" dirty="0">
-              <a:solidFill>
-                <a:srgbClr val="FF0000"/>
-              </a:solidFill>
-              <a:latin typeface="G마켓 산스 Medium" panose="02000000000000000000" pitchFamily="50" charset="-127"/>
-              <a:ea typeface="G마켓 산스 Medium" panose="02000000000000000000" pitchFamily="50" charset="-127"/>
-            </a:endParaRPr>
-          </a:p>
-        </p:txBody>
-      </p:sp>
-      <p:sp>
-        <p:nvSpPr>
-          <p:cNvPr id="8" name="직사각형 7">
-            <a:extLst>
-              <a:ext uri="{FF2B5EF4-FFF2-40B4-BE49-F238E27FC236}">
-                <a16:creationId xmlns="" xmlns:a16="http://schemas.microsoft.com/office/drawing/2014/main" id="{FFF506F9-840A-0508-4CAF-3AC711D8D5CE}"/>
-              </a:ext>
-            </a:extLst>
-          </p:cNvPr>
-          <p:cNvSpPr/>
-          <p:nvPr/>
-        </p:nvSpPr>
-        <p:spPr>
-          <a:xfrm>
-            <a:off x="1010528" y="3390900"/>
-            <a:ext cx="2494672" cy="1752600"/>
-          </a:xfrm>
-          <a:prstGeom prst="rect">
-            <a:avLst/>
-          </a:prstGeom>
-          <a:noFill/>
-          <a:ln>
-            <a:solidFill>
-              <a:srgbClr val="FF0000"/>
-            </a:solidFill>
-          </a:ln>
-        </p:spPr>
-        <p:style>
-          <a:lnRef idx="2">
-            <a:schemeClr val="accent2">
-              <a:shade val="50000"/>
-            </a:schemeClr>
-          </a:lnRef>
-          <a:fillRef idx="1">
-            <a:schemeClr val="accent2"/>
-          </a:fillRef>
-          <a:effectRef idx="0">
-            <a:schemeClr val="accent2"/>
-          </a:effectRef>
-          <a:fontRef idx="minor">
-            <a:schemeClr val="lt1"/>
-          </a:fontRef>
-        </p:style>
-        <p:txBody>
-          <a:bodyPr rtlCol="0" anchor="ctr"/>
-          <a:lstStyle/>
-          <a:p>
-            <a:pPr algn="ctr"/>
-            <a:endParaRPr lang="ko-KR" altLang="en-US"/>
-          </a:p>
-        </p:txBody>
-      </p:sp>
-    </p:spTree>
-    <p:extLst>
-      <p:ext uri="{BB962C8B-B14F-4D97-AF65-F5344CB8AC3E}">
-        <p14:creationId xmlns:p14="http://schemas.microsoft.com/office/powerpoint/2010/main" val="1929626615"/>
       </p:ext>
     </p:extLst>
   </p:cSld>
@@ -15103,6 +15265,548 @@
           <p:cNvPr id="4" name="TextBox 3">
             <a:extLst>
               <a:ext uri="{FF2B5EF4-FFF2-40B4-BE49-F238E27FC236}">
+                <a16:creationId xmlns="" xmlns:a16="http://schemas.microsoft.com/office/drawing/2014/main" id="{DF7DDD33-9412-2802-339A-E55446AC2DA7}"/>
+              </a:ext>
+            </a:extLst>
+          </p:cNvPr>
+          <p:cNvSpPr txBox="1"/>
+          <p:nvPr/>
+        </p:nvSpPr>
+        <p:spPr>
+          <a:xfrm>
+            <a:off x="838200" y="342900"/>
+            <a:ext cx="4147289" cy="769441"/>
+          </a:xfrm>
+          <a:prstGeom prst="rect">
+            <a:avLst/>
+          </a:prstGeom>
+          <a:noFill/>
+        </p:spPr>
+        <p:txBody>
+          <a:bodyPr wrap="none" rtlCol="0">
+            <a:spAutoFit/>
+          </a:bodyPr>
+          <a:lstStyle/>
+          <a:p>
+            <a:r>
+              <a:rPr lang="ko-KR" altLang="en-US" sz="4400" smtClean="0">
+                <a:solidFill>
+                  <a:srgbClr val="4C50BC"/>
+                </a:solidFill>
+                <a:latin typeface="G마켓 산스 Bold"/>
+                <a:ea typeface="G마켓 산스 Medium" panose="02000000000000000000" pitchFamily="50" charset="-127"/>
+              </a:rPr>
+              <a:t>클래스 </a:t>
+            </a:r>
+            <a:r>
+              <a:rPr lang="ko-KR" altLang="en-US" sz="4400" smtClean="0">
+                <a:solidFill>
+                  <a:srgbClr val="4C50BC"/>
+                </a:solidFill>
+                <a:latin typeface="G마켓 산스 Bold"/>
+                <a:ea typeface="G마켓 산스 Medium" panose="02000000000000000000" pitchFamily="50" charset="-127"/>
+              </a:rPr>
+              <a:t>추가하기</a:t>
+            </a:r>
+            <a:endParaRPr lang="ko-KR" altLang="en-US" sz="4400" dirty="0">
+              <a:solidFill>
+                <a:srgbClr val="4C50BC"/>
+              </a:solidFill>
+              <a:latin typeface="G마켓 산스 Bold"/>
+              <a:ea typeface="G마켓 산스 Medium" panose="02000000000000000000" pitchFamily="50" charset="-127"/>
+            </a:endParaRPr>
+          </a:p>
+        </p:txBody>
+      </p:sp>
+      <p:pic>
+        <p:nvPicPr>
+          <p:cNvPr id="3" name="그림 2"/>
+          <p:cNvPicPr>
+            <a:picLocks noChangeAspect="1"/>
+          </p:cNvPicPr>
+          <p:nvPr/>
+        </p:nvPicPr>
+        <p:blipFill>
+          <a:blip r:embed="rId2"/>
+          <a:stretch>
+            <a:fillRect/>
+          </a:stretch>
+        </p:blipFill>
+        <p:spPr>
+          <a:xfrm>
+            <a:off x="990600" y="2567345"/>
+            <a:ext cx="8519604" cy="2347555"/>
+          </a:xfrm>
+          <a:prstGeom prst="rect">
+            <a:avLst/>
+          </a:prstGeom>
+        </p:spPr>
+      </p:pic>
+      <p:sp>
+        <p:nvSpPr>
+          <p:cNvPr id="9" name="TextBox 8">
+            <a:extLst>
+              <a:ext uri="{FF2B5EF4-FFF2-40B4-BE49-F238E27FC236}">
+                <a16:creationId xmlns="" xmlns:a16="http://schemas.microsoft.com/office/drawing/2014/main" id="{52176D31-35F7-8916-46FA-6095EFEC1E49}"/>
+              </a:ext>
+            </a:extLst>
+          </p:cNvPr>
+          <p:cNvSpPr txBox="1"/>
+          <p:nvPr/>
+        </p:nvSpPr>
+        <p:spPr>
+          <a:xfrm>
+            <a:off x="838200" y="1638300"/>
+            <a:ext cx="9677400" cy="707886"/>
+          </a:xfrm>
+          <a:prstGeom prst="rect">
+            <a:avLst/>
+          </a:prstGeom>
+          <a:noFill/>
+        </p:spPr>
+        <p:txBody>
+          <a:bodyPr wrap="square" rtlCol="0">
+            <a:spAutoFit/>
+          </a:bodyPr>
+          <a:lstStyle/>
+          <a:p>
+            <a:r>
+              <a:rPr lang="ko-KR" altLang="en-US" sz="4000" smtClean="0">
+                <a:solidFill>
+                  <a:schemeClr val="tx1">
+                    <a:lumMod val="50000"/>
+                    <a:lumOff val="50000"/>
+                  </a:schemeClr>
+                </a:solidFill>
+                <a:latin typeface="G마켓 산스 Medium" panose="02000000000000000000" pitchFamily="50" charset="-127"/>
+                <a:ea typeface="G마켓 산스 Medium" panose="02000000000000000000" pitchFamily="50" charset="-127"/>
+              </a:rPr>
+              <a:t>패키지 우클릭 </a:t>
+            </a:r>
+            <a:r>
+              <a:rPr lang="en-US" altLang="ko-KR" sz="4000" smtClean="0">
+                <a:solidFill>
+                  <a:schemeClr val="tx1">
+                    <a:lumMod val="50000"/>
+                    <a:lumOff val="50000"/>
+                  </a:schemeClr>
+                </a:solidFill>
+                <a:latin typeface="G마켓 산스 Medium" panose="02000000000000000000" pitchFamily="50" charset="-127"/>
+                <a:ea typeface="G마켓 산스 Medium" panose="02000000000000000000" pitchFamily="50" charset="-127"/>
+              </a:rPr>
+              <a:t>-&gt; new -&gt; Class</a:t>
+            </a:r>
+            <a:endParaRPr lang="en-US" altLang="ko-KR" sz="4000" dirty="0">
+              <a:solidFill>
+                <a:schemeClr val="tx1">
+                  <a:lumMod val="50000"/>
+                  <a:lumOff val="50000"/>
+                </a:schemeClr>
+              </a:solidFill>
+              <a:latin typeface="G마켓 산스 Medium" panose="02000000000000000000" pitchFamily="50" charset="-127"/>
+              <a:ea typeface="G마켓 산스 Medium" panose="02000000000000000000" pitchFamily="50" charset="-127"/>
+            </a:endParaRPr>
+          </a:p>
+        </p:txBody>
+      </p:sp>
+      <p:pic>
+        <p:nvPicPr>
+          <p:cNvPr id="10" name="그림 9"/>
+          <p:cNvPicPr>
+            <a:picLocks noChangeAspect="1"/>
+          </p:cNvPicPr>
+          <p:nvPr/>
+        </p:nvPicPr>
+        <p:blipFill>
+          <a:blip r:embed="rId3"/>
+          <a:stretch>
+            <a:fillRect/>
+          </a:stretch>
+        </p:blipFill>
+        <p:spPr>
+          <a:xfrm>
+            <a:off x="10210800" y="1374352"/>
+            <a:ext cx="7086600" cy="8236120"/>
+          </a:xfrm>
+          <a:prstGeom prst="rect">
+            <a:avLst/>
+          </a:prstGeom>
+        </p:spPr>
+      </p:pic>
+      <p:cxnSp>
+        <p:nvCxnSpPr>
+          <p:cNvPr id="11" name="직선 화살표 연결선 10">
+            <a:extLst>
+              <a:ext uri="{FF2B5EF4-FFF2-40B4-BE49-F238E27FC236}">
+                <a16:creationId xmlns:a16="http://schemas.microsoft.com/office/drawing/2014/main" xmlns="" id="{299DF5EC-9DF4-5255-06AC-0A7CE4FF58C3}"/>
+              </a:ext>
+            </a:extLst>
+          </p:cNvPr>
+          <p:cNvCxnSpPr>
+            <a:cxnSpLocks/>
+          </p:cNvCxnSpPr>
+          <p:nvPr/>
+        </p:nvCxnSpPr>
+        <p:spPr>
+          <a:xfrm flipH="1">
+            <a:off x="9753600" y="4457700"/>
+            <a:ext cx="1905000" cy="1143000"/>
+          </a:xfrm>
+          <a:prstGeom prst="straightConnector1">
+            <a:avLst/>
+          </a:prstGeom>
+          <a:ln w="38100">
+            <a:tailEnd type="triangle"/>
+          </a:ln>
+        </p:spPr>
+        <p:style>
+          <a:lnRef idx="1">
+            <a:schemeClr val="accent2"/>
+          </a:lnRef>
+          <a:fillRef idx="0">
+            <a:schemeClr val="accent2"/>
+          </a:fillRef>
+          <a:effectRef idx="0">
+            <a:schemeClr val="accent2"/>
+          </a:effectRef>
+          <a:fontRef idx="minor">
+            <a:schemeClr val="tx1"/>
+          </a:fontRef>
+        </p:style>
+      </p:cxnSp>
+      <p:sp>
+        <p:nvSpPr>
+          <p:cNvPr id="12" name="직사각형 11">
+            <a:extLst>
+              <a:ext uri="{FF2B5EF4-FFF2-40B4-BE49-F238E27FC236}">
+                <a16:creationId xmlns:a16="http://schemas.microsoft.com/office/drawing/2014/main" xmlns="" id="{FFF506F9-840A-0508-4CAF-3AC711D8D5CE}"/>
+              </a:ext>
+            </a:extLst>
+          </p:cNvPr>
+          <p:cNvSpPr/>
+          <p:nvPr/>
+        </p:nvSpPr>
+        <p:spPr>
+          <a:xfrm>
+            <a:off x="11658600" y="4076700"/>
+            <a:ext cx="1447800" cy="381000"/>
+          </a:xfrm>
+          <a:prstGeom prst="rect">
+            <a:avLst/>
+          </a:prstGeom>
+          <a:noFill/>
+          <a:ln>
+            <a:solidFill>
+              <a:srgbClr val="FF0000"/>
+            </a:solidFill>
+          </a:ln>
+        </p:spPr>
+        <p:style>
+          <a:lnRef idx="2">
+            <a:schemeClr val="accent2">
+              <a:shade val="50000"/>
+            </a:schemeClr>
+          </a:lnRef>
+          <a:fillRef idx="1">
+            <a:schemeClr val="accent2"/>
+          </a:fillRef>
+          <a:effectRef idx="0">
+            <a:schemeClr val="accent2"/>
+          </a:effectRef>
+          <a:fontRef idx="minor">
+            <a:schemeClr val="lt1"/>
+          </a:fontRef>
+        </p:style>
+        <p:txBody>
+          <a:bodyPr rtlCol="0" anchor="ctr"/>
+          <a:lstStyle/>
+          <a:p>
+            <a:pPr algn="ctr"/>
+            <a:endParaRPr lang="ko-KR" altLang="en-US"/>
+          </a:p>
+        </p:txBody>
+      </p:sp>
+      <p:sp>
+        <p:nvSpPr>
+          <p:cNvPr id="13" name="TextBox 12">
+            <a:extLst>
+              <a:ext uri="{FF2B5EF4-FFF2-40B4-BE49-F238E27FC236}">
+                <a16:creationId xmlns:a16="http://schemas.microsoft.com/office/drawing/2014/main" xmlns="" id="{C6D113C6-EA5C-788F-0C77-E7CE6EBB865F}"/>
+              </a:ext>
+            </a:extLst>
+          </p:cNvPr>
+          <p:cNvSpPr txBox="1"/>
+          <p:nvPr/>
+        </p:nvSpPr>
+        <p:spPr>
+          <a:xfrm>
+            <a:off x="5562600" y="5816254"/>
+            <a:ext cx="6400800" cy="646331"/>
+          </a:xfrm>
+          <a:prstGeom prst="rect">
+            <a:avLst/>
+          </a:prstGeom>
+          <a:noFill/>
+        </p:spPr>
+        <p:txBody>
+          <a:bodyPr wrap="square" rtlCol="0">
+            <a:spAutoFit/>
+          </a:bodyPr>
+          <a:lstStyle/>
+          <a:p>
+            <a:r>
+              <a:rPr lang="ko-KR" altLang="en-US" sz="3600" smtClean="0">
+                <a:solidFill>
+                  <a:srgbClr val="FF0000"/>
+                </a:solidFill>
+                <a:latin typeface="G마켓 산스 Medium" panose="02000000000000000000" pitchFamily="50" charset="-127"/>
+                <a:ea typeface="G마켓 산스 Medium" panose="02000000000000000000" pitchFamily="50" charset="-127"/>
+              </a:rPr>
+              <a:t>클래스이름</a:t>
+            </a:r>
+            <a:r>
+              <a:rPr lang="en-US" altLang="ko-KR" sz="3600" smtClean="0">
+                <a:solidFill>
+                  <a:srgbClr val="FF0000"/>
+                </a:solidFill>
+                <a:latin typeface="G마켓 산스 Medium" panose="02000000000000000000" pitchFamily="50" charset="-127"/>
+                <a:ea typeface="G마켓 산스 Medium" panose="02000000000000000000" pitchFamily="50" charset="-127"/>
+              </a:rPr>
+              <a:t>(</a:t>
+            </a:r>
+            <a:r>
+              <a:rPr lang="ko-KR" altLang="en-US" sz="3600" smtClean="0">
+                <a:solidFill>
+                  <a:srgbClr val="FF0000"/>
+                </a:solidFill>
+                <a:latin typeface="G마켓 산스 Medium" panose="02000000000000000000" pitchFamily="50" charset="-127"/>
+                <a:ea typeface="G마켓 산스 Medium" panose="02000000000000000000" pitchFamily="50" charset="-127"/>
+              </a:rPr>
+              <a:t>첫글자 대문자 권장</a:t>
+            </a:r>
+            <a:r>
+              <a:rPr lang="en-US" altLang="ko-KR" sz="3600" smtClean="0">
+                <a:solidFill>
+                  <a:srgbClr val="FF0000"/>
+                </a:solidFill>
+                <a:latin typeface="G마켓 산스 Medium" panose="02000000000000000000" pitchFamily="50" charset="-127"/>
+                <a:ea typeface="G마켓 산스 Medium" panose="02000000000000000000" pitchFamily="50" charset="-127"/>
+              </a:rPr>
+              <a:t>)</a:t>
+            </a:r>
+            <a:endParaRPr lang="en-US" altLang="ko-KR" sz="3600" dirty="0">
+              <a:solidFill>
+                <a:srgbClr val="FF0000"/>
+              </a:solidFill>
+              <a:latin typeface="G마켓 산스 Medium" panose="02000000000000000000" pitchFamily="50" charset="-127"/>
+              <a:ea typeface="G마켓 산스 Medium" panose="02000000000000000000" pitchFamily="50" charset="-127"/>
+            </a:endParaRPr>
+          </a:p>
+        </p:txBody>
+      </p:sp>
+      <p:sp>
+        <p:nvSpPr>
+          <p:cNvPr id="16" name="직사각형 15">
+            <a:extLst>
+              <a:ext uri="{FF2B5EF4-FFF2-40B4-BE49-F238E27FC236}">
+                <a16:creationId xmlns:a16="http://schemas.microsoft.com/office/drawing/2014/main" xmlns="" id="{FFF506F9-840A-0508-4CAF-3AC711D8D5CE}"/>
+              </a:ext>
+            </a:extLst>
+          </p:cNvPr>
+          <p:cNvSpPr/>
+          <p:nvPr/>
+        </p:nvSpPr>
+        <p:spPr>
+          <a:xfrm>
+            <a:off x="11658600" y="6793643"/>
+            <a:ext cx="609600" cy="381000"/>
+          </a:xfrm>
+          <a:prstGeom prst="rect">
+            <a:avLst/>
+          </a:prstGeom>
+          <a:noFill/>
+          <a:ln>
+            <a:solidFill>
+              <a:srgbClr val="FF0000"/>
+            </a:solidFill>
+          </a:ln>
+        </p:spPr>
+        <p:style>
+          <a:lnRef idx="2">
+            <a:schemeClr val="accent2">
+              <a:shade val="50000"/>
+            </a:schemeClr>
+          </a:lnRef>
+          <a:fillRef idx="1">
+            <a:schemeClr val="accent2"/>
+          </a:fillRef>
+          <a:effectRef idx="0">
+            <a:schemeClr val="accent2"/>
+          </a:effectRef>
+          <a:fontRef idx="minor">
+            <a:schemeClr val="lt1"/>
+          </a:fontRef>
+        </p:style>
+        <p:txBody>
+          <a:bodyPr rtlCol="0" anchor="ctr"/>
+          <a:lstStyle/>
+          <a:p>
+            <a:pPr algn="ctr"/>
+            <a:endParaRPr lang="ko-KR" altLang="en-US"/>
+          </a:p>
+        </p:txBody>
+      </p:sp>
+      <p:cxnSp>
+        <p:nvCxnSpPr>
+          <p:cNvPr id="17" name="직선 화살표 연결선 16">
+            <a:extLst>
+              <a:ext uri="{FF2B5EF4-FFF2-40B4-BE49-F238E27FC236}">
+                <a16:creationId xmlns:a16="http://schemas.microsoft.com/office/drawing/2014/main" xmlns="" id="{299DF5EC-9DF4-5255-06AC-0A7CE4FF58C3}"/>
+              </a:ext>
+            </a:extLst>
+          </p:cNvPr>
+          <p:cNvCxnSpPr>
+            <a:cxnSpLocks/>
+          </p:cNvCxnSpPr>
+          <p:nvPr/>
+        </p:nvCxnSpPr>
+        <p:spPr>
+          <a:xfrm flipH="1">
+            <a:off x="9563100" y="6984143"/>
+            <a:ext cx="1905000" cy="1143000"/>
+          </a:xfrm>
+          <a:prstGeom prst="straightConnector1">
+            <a:avLst/>
+          </a:prstGeom>
+          <a:ln w="38100">
+            <a:tailEnd type="triangle"/>
+          </a:ln>
+        </p:spPr>
+        <p:style>
+          <a:lnRef idx="1">
+            <a:schemeClr val="accent2"/>
+          </a:lnRef>
+          <a:fillRef idx="0">
+            <a:schemeClr val="accent2"/>
+          </a:fillRef>
+          <a:effectRef idx="0">
+            <a:schemeClr val="accent2"/>
+          </a:effectRef>
+          <a:fontRef idx="minor">
+            <a:schemeClr val="tx1"/>
+          </a:fontRef>
+        </p:style>
+      </p:cxnSp>
+      <p:sp>
+        <p:nvSpPr>
+          <p:cNvPr id="18" name="TextBox 17">
+            <a:extLst>
+              <a:ext uri="{FF2B5EF4-FFF2-40B4-BE49-F238E27FC236}">
+                <a16:creationId xmlns:a16="http://schemas.microsoft.com/office/drawing/2014/main" xmlns="" id="{C6D113C6-EA5C-788F-0C77-E7CE6EBB865F}"/>
+              </a:ext>
+            </a:extLst>
+          </p:cNvPr>
+          <p:cNvSpPr txBox="1"/>
+          <p:nvPr/>
+        </p:nvSpPr>
+        <p:spPr>
+          <a:xfrm>
+            <a:off x="990600" y="8222476"/>
+            <a:ext cx="11277600" cy="646331"/>
+          </a:xfrm>
+          <a:prstGeom prst="rect">
+            <a:avLst/>
+          </a:prstGeom>
+          <a:noFill/>
+        </p:spPr>
+        <p:txBody>
+          <a:bodyPr wrap="square" rtlCol="0">
+            <a:spAutoFit/>
+          </a:bodyPr>
+          <a:lstStyle/>
+          <a:p>
+            <a:r>
+              <a:rPr lang="ko-KR" altLang="en-US" sz="3600" smtClean="0">
+                <a:solidFill>
+                  <a:srgbClr val="FF0000"/>
+                </a:solidFill>
+                <a:latin typeface="G마켓 산스 Medium" panose="02000000000000000000" pitchFamily="50" charset="-127"/>
+                <a:ea typeface="G마켓 산스 Medium" panose="02000000000000000000" pitchFamily="50" charset="-127"/>
+              </a:rPr>
+              <a:t>엔트리포인트를 가지는 </a:t>
+            </a:r>
+            <a:r>
+              <a:rPr lang="en-US" altLang="ko-KR" sz="3600" smtClean="0">
+                <a:solidFill>
+                  <a:srgbClr val="FF0000"/>
+                </a:solidFill>
+                <a:latin typeface="G마켓 산스 Medium" panose="02000000000000000000" pitchFamily="50" charset="-127"/>
+                <a:ea typeface="G마켓 산스 Medium" panose="02000000000000000000" pitchFamily="50" charset="-127"/>
+              </a:rPr>
+              <a:t>Main</a:t>
+            </a:r>
+            <a:r>
+              <a:rPr lang="ko-KR" altLang="en-US" sz="3600" smtClean="0">
+                <a:solidFill>
+                  <a:srgbClr val="FF0000"/>
+                </a:solidFill>
+                <a:latin typeface="G마켓 산스 Medium" panose="02000000000000000000" pitchFamily="50" charset="-127"/>
+                <a:ea typeface="G마켓 산스 Medium" panose="02000000000000000000" pitchFamily="50" charset="-127"/>
+              </a:rPr>
+              <a:t>클래스 일경우에만 체크</a:t>
+            </a:r>
+            <a:endParaRPr lang="en-US" altLang="ko-KR" sz="3600" dirty="0">
+              <a:solidFill>
+                <a:srgbClr val="FF0000"/>
+              </a:solidFill>
+              <a:latin typeface="G마켓 산스 Medium" panose="02000000000000000000" pitchFamily="50" charset="-127"/>
+              <a:ea typeface="G마켓 산스 Medium" panose="02000000000000000000" pitchFamily="50" charset="-127"/>
+            </a:endParaRPr>
+          </a:p>
+        </p:txBody>
+      </p:sp>
+    </p:spTree>
+    <p:extLst>
+      <p:ext uri="{BB962C8B-B14F-4D97-AF65-F5344CB8AC3E}">
+        <p14:creationId xmlns:p14="http://schemas.microsoft.com/office/powerpoint/2010/main" val="1929626615"/>
+      </p:ext>
+    </p:extLst>
+  </p:cSld>
+  <p:clrMapOvr>
+    <a:masterClrMapping/>
+  </p:clrMapOvr>
+  <p:timing>
+    <p:tnLst>
+      <p:par>
+        <p:cTn id="1" dur="indefinite" restart="never" nodeType="tmRoot"/>
+      </p:par>
+    </p:tnLst>
+  </p:timing>
+</p:sld>
+</file>
+
+<file path=ppt/slides/slide21.xml><?xml version="1.0" encoding="utf-8"?>
+<p:sld xmlns:a="http://schemas.openxmlformats.org/drawingml/2006/main" xmlns:r="http://schemas.openxmlformats.org/officeDocument/2006/relationships" xmlns:p="http://schemas.openxmlformats.org/presentationml/2006/main">
+  <p:cSld>
+    <p:spTree>
+      <p:nvGrpSpPr>
+        <p:cNvPr id="1" name=""/>
+        <p:cNvGrpSpPr/>
+        <p:nvPr/>
+      </p:nvGrpSpPr>
+      <p:grpSpPr>
+        <a:xfrm>
+          <a:off x="0" y="0"/>
+          <a:ext cx="0" cy="0"/>
+          <a:chOff x="0" y="0"/>
+          <a:chExt cx="0" cy="0"/>
+        </a:xfrm>
+      </p:grpSpPr>
+      <p:sp>
+        <p:nvSpPr>
+          <p:cNvPr id="4" name="TextBox 3">
+            <a:extLst>
+              <a:ext uri="{FF2B5EF4-FFF2-40B4-BE49-F238E27FC236}">
                 <a16:creationId xmlns="" xmlns:a16="http://schemas.microsoft.com/office/drawing/2014/main" id="{37C30BAF-D498-C798-BC14-1718488A3435}"/>
               </a:ext>
             </a:extLst>
@@ -15236,6 +15940,16 @@
                 <a:ea typeface="G마켓 산스 Medium" panose="02000000000000000000" pitchFamily="50" charset="-127"/>
               </a:rPr>
               <a:t>.</a:t>
+            </a:r>
+            <a:r>
+              <a:rPr lang="en-US" altLang="ko-KR" sz="3200" smtClean="0">
+                <a:solidFill>
+                  <a:srgbClr val="FF0000"/>
+                </a:solidFill>
+                <a:latin typeface="G마켓 산스 Medium" panose="02000000000000000000" pitchFamily="50" charset="-127"/>
+                <a:ea typeface="G마켓 산스 Medium" panose="02000000000000000000" pitchFamily="50" charset="-127"/>
+              </a:rPr>
+              <a:t>(normal)</a:t>
             </a:r>
           </a:p>
           <a:p>
@@ -15533,7 +16247,7 @@
 </p:sld>
 </file>
 
-<file path=ppt/slides/slide21.xml><?xml version="1.0" encoding="utf-8"?>
+<file path=ppt/slides/slide22.xml><?xml version="1.0" encoding="utf-8"?>
 <p:sld xmlns:a="http://schemas.openxmlformats.org/drawingml/2006/main" xmlns:r="http://schemas.openxmlformats.org/officeDocument/2006/relationships" xmlns:p="http://schemas.openxmlformats.org/presentationml/2006/main">
   <p:cSld>
     <p:bg>
@@ -15790,238 +16504,6 @@
     <p:extLst>
       <p:ext uri="{BB962C8B-B14F-4D97-AF65-F5344CB8AC3E}">
         <p14:creationId xmlns:p14="http://schemas.microsoft.com/office/powerpoint/2010/main" val="52312865"/>
-      </p:ext>
-    </p:extLst>
-  </p:cSld>
-  <p:clrMapOvr>
-    <a:masterClrMapping/>
-  </p:clrMapOvr>
-  <p:timing>
-    <p:tnLst>
-      <p:par>
-        <p:cTn id="1" dur="indefinite" restart="never" nodeType="tmRoot"/>
-      </p:par>
-    </p:tnLst>
-  </p:timing>
-</p:sld>
-</file>
-
-<file path=ppt/slides/slide22.xml><?xml version="1.0" encoding="utf-8"?>
-<p:sld xmlns:a="http://schemas.openxmlformats.org/drawingml/2006/main" xmlns:r="http://schemas.openxmlformats.org/officeDocument/2006/relationships" xmlns:p="http://schemas.openxmlformats.org/presentationml/2006/main">
-  <p:cSld>
-    <p:spTree>
-      <p:nvGrpSpPr>
-        <p:cNvPr id="1" name=""/>
-        <p:cNvGrpSpPr/>
-        <p:nvPr/>
-      </p:nvGrpSpPr>
-      <p:grpSpPr>
-        <a:xfrm>
-          <a:off x="0" y="0"/>
-          <a:ext cx="0" cy="0"/>
-          <a:chOff x="0" y="0"/>
-          <a:chExt cx="0" cy="0"/>
-        </a:xfrm>
-      </p:grpSpPr>
-      <p:pic>
-        <p:nvPicPr>
-          <p:cNvPr id="4" name="_x215505520" descr="EMB0000365c1c4b"/>
-          <p:cNvPicPr>
-            <a:picLocks noChangeAspect="1" noChangeArrowheads="1"/>
-          </p:cNvPicPr>
-          <p:nvPr/>
-        </p:nvPicPr>
-        <p:blipFill>
-          <a:blip r:embed="rId2">
-            <a:extLst>
-              <a:ext uri="{28A0092B-C50C-407E-A947-70E740481C1C}">
-                <a14:useLocalDpi xmlns:a14="http://schemas.microsoft.com/office/drawing/2010/main" val="0"/>
-              </a:ext>
-            </a:extLst>
-          </a:blip>
-          <a:srcRect/>
-          <a:stretch>
-            <a:fillRect/>
-          </a:stretch>
-        </p:blipFill>
-        <p:spPr bwMode="auto">
-          <a:xfrm>
-            <a:off x="12344400" y="2317967"/>
-            <a:ext cx="4544939" cy="4203266"/>
-          </a:xfrm>
-          <a:prstGeom prst="rect">
-            <a:avLst/>
-          </a:prstGeom>
-          <a:noFill/>
-          <a:extLst>
-            <a:ext uri="{909E8E84-426E-40DD-AFC4-6F175D3DCCD1}">
-              <a14:hiddenFill xmlns:a14="http://schemas.microsoft.com/office/drawing/2010/main">
-                <a:solidFill>
-                  <a:srgbClr val="FFFFFF"/>
-                </a:solidFill>
-              </a14:hiddenFill>
-            </a:ext>
-          </a:extLst>
-        </p:spPr>
-      </p:pic>
-      <p:pic>
-        <p:nvPicPr>
-          <p:cNvPr id="9" name="그림 8"/>
-          <p:cNvPicPr>
-            <a:picLocks noChangeAspect="1"/>
-          </p:cNvPicPr>
-          <p:nvPr/>
-        </p:nvPicPr>
-        <p:blipFill>
-          <a:blip r:embed="rId3"/>
-          <a:stretch>
-            <a:fillRect/>
-          </a:stretch>
-        </p:blipFill>
-        <p:spPr>
-          <a:xfrm>
-            <a:off x="457200" y="2781300"/>
-            <a:ext cx="9819333" cy="3581400"/>
-          </a:xfrm>
-          <a:prstGeom prst="rect">
-            <a:avLst/>
-          </a:prstGeom>
-        </p:spPr>
-      </p:pic>
-      <p:cxnSp>
-        <p:nvCxnSpPr>
-          <p:cNvPr id="10" name="직선 화살표 연결선 9">
-            <a:extLst>
-              <a:ext uri="{FF2B5EF4-FFF2-40B4-BE49-F238E27FC236}">
-                <a16:creationId xmlns="" xmlns:a16="http://schemas.microsoft.com/office/drawing/2014/main" id="{299DF5EC-9DF4-5255-06AC-0A7CE4FF58C3}"/>
-              </a:ext>
-            </a:extLst>
-          </p:cNvPr>
-          <p:cNvCxnSpPr>
-            <a:cxnSpLocks/>
-          </p:cNvCxnSpPr>
-          <p:nvPr/>
-        </p:nvCxnSpPr>
-        <p:spPr>
-          <a:xfrm flipV="1">
-            <a:off x="6553200" y="2628900"/>
-            <a:ext cx="5791200" cy="1676400"/>
-          </a:xfrm>
-          <a:prstGeom prst="straightConnector1">
-            <a:avLst/>
-          </a:prstGeom>
-          <a:ln w="38100">
-            <a:tailEnd type="triangle"/>
-          </a:ln>
-        </p:spPr>
-        <p:style>
-          <a:lnRef idx="1">
-            <a:schemeClr val="accent2"/>
-          </a:lnRef>
-          <a:fillRef idx="0">
-            <a:schemeClr val="accent2"/>
-          </a:fillRef>
-          <a:effectRef idx="0">
-            <a:schemeClr val="accent2"/>
-          </a:effectRef>
-          <a:fontRef idx="minor">
-            <a:schemeClr val="tx1"/>
-          </a:fontRef>
-        </p:style>
-      </p:cxnSp>
-      <p:cxnSp>
-        <p:nvCxnSpPr>
-          <p:cNvPr id="12" name="직선 화살표 연결선 11">
-            <a:extLst>
-              <a:ext uri="{FF2B5EF4-FFF2-40B4-BE49-F238E27FC236}">
-                <a16:creationId xmlns="" xmlns:a16="http://schemas.microsoft.com/office/drawing/2014/main" id="{299DF5EC-9DF4-5255-06AC-0A7CE4FF58C3}"/>
-              </a:ext>
-            </a:extLst>
-          </p:cNvPr>
-          <p:cNvCxnSpPr>
-            <a:cxnSpLocks/>
-          </p:cNvCxnSpPr>
-          <p:nvPr/>
-        </p:nvCxnSpPr>
-        <p:spPr>
-          <a:xfrm flipH="1" flipV="1">
-            <a:off x="3581400" y="4914900"/>
-            <a:ext cx="10439400" cy="1143000"/>
-          </a:xfrm>
-          <a:prstGeom prst="straightConnector1">
-            <a:avLst/>
-          </a:prstGeom>
-          <a:ln w="38100">
-            <a:tailEnd type="triangle"/>
-          </a:ln>
-        </p:spPr>
-        <p:style>
-          <a:lnRef idx="1">
-            <a:schemeClr val="accent2"/>
-          </a:lnRef>
-          <a:fillRef idx="0">
-            <a:schemeClr val="accent2"/>
-          </a:fillRef>
-          <a:effectRef idx="0">
-            <a:schemeClr val="accent2"/>
-          </a:effectRef>
-          <a:fontRef idx="minor">
-            <a:schemeClr val="tx1"/>
-          </a:fontRef>
-        </p:style>
-      </p:cxnSp>
-      <p:sp>
-        <p:nvSpPr>
-          <p:cNvPr id="15" name="TextBox 14">
-            <a:extLst>
-              <a:ext uri="{FF2B5EF4-FFF2-40B4-BE49-F238E27FC236}">
-                <a16:creationId xmlns="" xmlns:a16="http://schemas.microsoft.com/office/drawing/2014/main" id="{37C30BAF-D498-C798-BC14-1718488A3435}"/>
-              </a:ext>
-            </a:extLst>
-          </p:cNvPr>
-          <p:cNvSpPr txBox="1"/>
-          <p:nvPr/>
-        </p:nvSpPr>
-        <p:spPr>
-          <a:xfrm>
-            <a:off x="800100" y="421027"/>
-            <a:ext cx="2209800" cy="830997"/>
-          </a:xfrm>
-          <a:prstGeom prst="rect">
-            <a:avLst/>
-          </a:prstGeom>
-          <a:noFill/>
-        </p:spPr>
-        <p:txBody>
-          <a:bodyPr wrap="square" rtlCol="0">
-            <a:spAutoFit/>
-          </a:bodyPr>
-          <a:lstStyle/>
-          <a:p>
-            <a:r>
-              <a:rPr lang="ko-KR" altLang="en-US" sz="4800">
-                <a:solidFill>
-                  <a:srgbClr val="4C50BC"/>
-                </a:solidFill>
-                <a:latin typeface="G마켓 산스 Medium" panose="02000000000000000000" pitchFamily="50" charset="-127"/>
-                <a:ea typeface="G마켓 산스 Medium" panose="02000000000000000000" pitchFamily="50" charset="-127"/>
-              </a:rPr>
-              <a:t>메서드</a:t>
-            </a:r>
-            <a:endParaRPr lang="en-US" altLang="ko-KR" sz="4800" dirty="0">
-              <a:solidFill>
-                <a:srgbClr val="4C50BC"/>
-              </a:solidFill>
-              <a:latin typeface="G마켓 산스 Medium" panose="02000000000000000000" pitchFamily="50" charset="-127"/>
-              <a:ea typeface="G마켓 산스 Medium" panose="02000000000000000000" pitchFamily="50" charset="-127"/>
-            </a:endParaRPr>
-          </a:p>
-        </p:txBody>
-      </p:sp>
-    </p:spTree>
-    <p:extLst>
-      <p:ext uri="{BB962C8B-B14F-4D97-AF65-F5344CB8AC3E}">
-        <p14:creationId xmlns:p14="http://schemas.microsoft.com/office/powerpoint/2010/main" val="1463746824"/>
       </p:ext>
     </p:extLst>
   </p:cSld>
@@ -16057,6 +16539,238 @@
       </p:grpSpPr>
       <p:pic>
         <p:nvPicPr>
+          <p:cNvPr id="4" name="_x215505520" descr="EMB0000365c1c4b"/>
+          <p:cNvPicPr>
+            <a:picLocks noChangeAspect="1" noChangeArrowheads="1"/>
+          </p:cNvPicPr>
+          <p:nvPr/>
+        </p:nvPicPr>
+        <p:blipFill>
+          <a:blip r:embed="rId2">
+            <a:extLst>
+              <a:ext uri="{28A0092B-C50C-407E-A947-70E740481C1C}">
+                <a14:useLocalDpi xmlns:a14="http://schemas.microsoft.com/office/drawing/2010/main" val="0"/>
+              </a:ext>
+            </a:extLst>
+          </a:blip>
+          <a:srcRect/>
+          <a:stretch>
+            <a:fillRect/>
+          </a:stretch>
+        </p:blipFill>
+        <p:spPr bwMode="auto">
+          <a:xfrm>
+            <a:off x="12344400" y="2317967"/>
+            <a:ext cx="4544939" cy="4203266"/>
+          </a:xfrm>
+          <a:prstGeom prst="rect">
+            <a:avLst/>
+          </a:prstGeom>
+          <a:noFill/>
+          <a:extLst>
+            <a:ext uri="{909E8E84-426E-40DD-AFC4-6F175D3DCCD1}">
+              <a14:hiddenFill xmlns:a14="http://schemas.microsoft.com/office/drawing/2010/main">
+                <a:solidFill>
+                  <a:srgbClr val="FFFFFF"/>
+                </a:solidFill>
+              </a14:hiddenFill>
+            </a:ext>
+          </a:extLst>
+        </p:spPr>
+      </p:pic>
+      <p:pic>
+        <p:nvPicPr>
+          <p:cNvPr id="9" name="그림 8"/>
+          <p:cNvPicPr>
+            <a:picLocks noChangeAspect="1"/>
+          </p:cNvPicPr>
+          <p:nvPr/>
+        </p:nvPicPr>
+        <p:blipFill>
+          <a:blip r:embed="rId3"/>
+          <a:stretch>
+            <a:fillRect/>
+          </a:stretch>
+        </p:blipFill>
+        <p:spPr>
+          <a:xfrm>
+            <a:off x="457200" y="2781300"/>
+            <a:ext cx="9819333" cy="3581400"/>
+          </a:xfrm>
+          <a:prstGeom prst="rect">
+            <a:avLst/>
+          </a:prstGeom>
+        </p:spPr>
+      </p:pic>
+      <p:cxnSp>
+        <p:nvCxnSpPr>
+          <p:cNvPr id="10" name="직선 화살표 연결선 9">
+            <a:extLst>
+              <a:ext uri="{FF2B5EF4-FFF2-40B4-BE49-F238E27FC236}">
+                <a16:creationId xmlns="" xmlns:a16="http://schemas.microsoft.com/office/drawing/2014/main" id="{299DF5EC-9DF4-5255-06AC-0A7CE4FF58C3}"/>
+              </a:ext>
+            </a:extLst>
+          </p:cNvPr>
+          <p:cNvCxnSpPr>
+            <a:cxnSpLocks/>
+          </p:cNvCxnSpPr>
+          <p:nvPr/>
+        </p:nvCxnSpPr>
+        <p:spPr>
+          <a:xfrm flipV="1">
+            <a:off x="6553200" y="2628900"/>
+            <a:ext cx="5791200" cy="1676400"/>
+          </a:xfrm>
+          <a:prstGeom prst="straightConnector1">
+            <a:avLst/>
+          </a:prstGeom>
+          <a:ln w="38100">
+            <a:tailEnd type="triangle"/>
+          </a:ln>
+        </p:spPr>
+        <p:style>
+          <a:lnRef idx="1">
+            <a:schemeClr val="accent2"/>
+          </a:lnRef>
+          <a:fillRef idx="0">
+            <a:schemeClr val="accent2"/>
+          </a:fillRef>
+          <a:effectRef idx="0">
+            <a:schemeClr val="accent2"/>
+          </a:effectRef>
+          <a:fontRef idx="minor">
+            <a:schemeClr val="tx1"/>
+          </a:fontRef>
+        </p:style>
+      </p:cxnSp>
+      <p:cxnSp>
+        <p:nvCxnSpPr>
+          <p:cNvPr id="12" name="직선 화살표 연결선 11">
+            <a:extLst>
+              <a:ext uri="{FF2B5EF4-FFF2-40B4-BE49-F238E27FC236}">
+                <a16:creationId xmlns="" xmlns:a16="http://schemas.microsoft.com/office/drawing/2014/main" id="{299DF5EC-9DF4-5255-06AC-0A7CE4FF58C3}"/>
+              </a:ext>
+            </a:extLst>
+          </p:cNvPr>
+          <p:cNvCxnSpPr>
+            <a:cxnSpLocks/>
+          </p:cNvCxnSpPr>
+          <p:nvPr/>
+        </p:nvCxnSpPr>
+        <p:spPr>
+          <a:xfrm flipH="1" flipV="1">
+            <a:off x="3581400" y="4914900"/>
+            <a:ext cx="10439400" cy="1143000"/>
+          </a:xfrm>
+          <a:prstGeom prst="straightConnector1">
+            <a:avLst/>
+          </a:prstGeom>
+          <a:ln w="38100">
+            <a:tailEnd type="triangle"/>
+          </a:ln>
+        </p:spPr>
+        <p:style>
+          <a:lnRef idx="1">
+            <a:schemeClr val="accent2"/>
+          </a:lnRef>
+          <a:fillRef idx="0">
+            <a:schemeClr val="accent2"/>
+          </a:fillRef>
+          <a:effectRef idx="0">
+            <a:schemeClr val="accent2"/>
+          </a:effectRef>
+          <a:fontRef idx="minor">
+            <a:schemeClr val="tx1"/>
+          </a:fontRef>
+        </p:style>
+      </p:cxnSp>
+      <p:sp>
+        <p:nvSpPr>
+          <p:cNvPr id="15" name="TextBox 14">
+            <a:extLst>
+              <a:ext uri="{FF2B5EF4-FFF2-40B4-BE49-F238E27FC236}">
+                <a16:creationId xmlns="" xmlns:a16="http://schemas.microsoft.com/office/drawing/2014/main" id="{37C30BAF-D498-C798-BC14-1718488A3435}"/>
+              </a:ext>
+            </a:extLst>
+          </p:cNvPr>
+          <p:cNvSpPr txBox="1"/>
+          <p:nvPr/>
+        </p:nvSpPr>
+        <p:spPr>
+          <a:xfrm>
+            <a:off x="800100" y="421027"/>
+            <a:ext cx="2209800" cy="830997"/>
+          </a:xfrm>
+          <a:prstGeom prst="rect">
+            <a:avLst/>
+          </a:prstGeom>
+          <a:noFill/>
+        </p:spPr>
+        <p:txBody>
+          <a:bodyPr wrap="square" rtlCol="0">
+            <a:spAutoFit/>
+          </a:bodyPr>
+          <a:lstStyle/>
+          <a:p>
+            <a:r>
+              <a:rPr lang="ko-KR" altLang="en-US" sz="4800">
+                <a:solidFill>
+                  <a:srgbClr val="4C50BC"/>
+                </a:solidFill>
+                <a:latin typeface="G마켓 산스 Medium" panose="02000000000000000000" pitchFamily="50" charset="-127"/>
+                <a:ea typeface="G마켓 산스 Medium" panose="02000000000000000000" pitchFamily="50" charset="-127"/>
+              </a:rPr>
+              <a:t>메서드</a:t>
+            </a:r>
+            <a:endParaRPr lang="en-US" altLang="ko-KR" sz="4800" dirty="0">
+              <a:solidFill>
+                <a:srgbClr val="4C50BC"/>
+              </a:solidFill>
+              <a:latin typeface="G마켓 산스 Medium" panose="02000000000000000000" pitchFamily="50" charset="-127"/>
+              <a:ea typeface="G마켓 산스 Medium" panose="02000000000000000000" pitchFamily="50" charset="-127"/>
+            </a:endParaRPr>
+          </a:p>
+        </p:txBody>
+      </p:sp>
+    </p:spTree>
+    <p:extLst>
+      <p:ext uri="{BB962C8B-B14F-4D97-AF65-F5344CB8AC3E}">
+        <p14:creationId xmlns:p14="http://schemas.microsoft.com/office/powerpoint/2010/main" val="1463746824"/>
+      </p:ext>
+    </p:extLst>
+  </p:cSld>
+  <p:clrMapOvr>
+    <a:masterClrMapping/>
+  </p:clrMapOvr>
+  <p:timing>
+    <p:tnLst>
+      <p:par>
+        <p:cTn id="1" dur="indefinite" restart="never" nodeType="tmRoot"/>
+      </p:par>
+    </p:tnLst>
+  </p:timing>
+</p:sld>
+</file>
+
+<file path=ppt/slides/slide24.xml><?xml version="1.0" encoding="utf-8"?>
+<p:sld xmlns:a="http://schemas.openxmlformats.org/drawingml/2006/main" xmlns:r="http://schemas.openxmlformats.org/officeDocument/2006/relationships" xmlns:p="http://schemas.openxmlformats.org/presentationml/2006/main">
+  <p:cSld>
+    <p:spTree>
+      <p:nvGrpSpPr>
+        <p:cNvPr id="1" name=""/>
+        <p:cNvGrpSpPr/>
+        <p:nvPr/>
+      </p:nvGrpSpPr>
+      <p:grpSpPr>
+        <a:xfrm>
+          <a:off x="0" y="0"/>
+          <a:ext cx="0" cy="0"/>
+          <a:chOff x="0" y="0"/>
+          <a:chExt cx="0" cy="0"/>
+        </a:xfrm>
+      </p:grpSpPr>
+      <p:pic>
+        <p:nvPicPr>
           <p:cNvPr id="5" name="그림 4"/>
           <p:cNvPicPr>
             <a:picLocks noChangeAspect="1"/>
@@ -16258,197 +16972,6 @@
     <p:extLst>
       <p:ext uri="{BB962C8B-B14F-4D97-AF65-F5344CB8AC3E}">
         <p14:creationId xmlns:p14="http://schemas.microsoft.com/office/powerpoint/2010/main" val="2878301373"/>
-      </p:ext>
-    </p:extLst>
-  </p:cSld>
-  <p:clrMapOvr>
-    <a:masterClrMapping/>
-  </p:clrMapOvr>
-  <p:timing>
-    <p:tnLst>
-      <p:par>
-        <p:cTn id="1" dur="indefinite" restart="never" nodeType="tmRoot"/>
-      </p:par>
-    </p:tnLst>
-  </p:timing>
-</p:sld>
-</file>
-
-<file path=ppt/slides/slide24.xml><?xml version="1.0" encoding="utf-8"?>
-<p:sld xmlns:a="http://schemas.openxmlformats.org/drawingml/2006/main" xmlns:r="http://schemas.openxmlformats.org/officeDocument/2006/relationships" xmlns:p="http://schemas.openxmlformats.org/presentationml/2006/main">
-  <p:cSld>
-    <p:spTree>
-      <p:nvGrpSpPr>
-        <p:cNvPr id="1" name=""/>
-        <p:cNvGrpSpPr/>
-        <p:nvPr/>
-      </p:nvGrpSpPr>
-      <p:grpSpPr>
-        <a:xfrm>
-          <a:off x="0" y="0"/>
-          <a:ext cx="0" cy="0"/>
-          <a:chOff x="0" y="0"/>
-          <a:chExt cx="0" cy="0"/>
-        </a:xfrm>
-      </p:grpSpPr>
-      <p:sp>
-        <p:nvSpPr>
-          <p:cNvPr id="4" name="TextBox 3">
-            <a:extLst>
-              <a:ext uri="{FF2B5EF4-FFF2-40B4-BE49-F238E27FC236}">
-                <a16:creationId xmlns="" xmlns:a16="http://schemas.microsoft.com/office/drawing/2014/main" id="{37C30BAF-D498-C798-BC14-1718488A3435}"/>
-              </a:ext>
-            </a:extLst>
-          </p:cNvPr>
-          <p:cNvSpPr txBox="1"/>
-          <p:nvPr/>
-        </p:nvSpPr>
-        <p:spPr>
-          <a:xfrm>
-            <a:off x="838200" y="1104900"/>
-            <a:ext cx="12687300" cy="830997"/>
-          </a:xfrm>
-          <a:prstGeom prst="rect">
-            <a:avLst/>
-          </a:prstGeom>
-          <a:noFill/>
-        </p:spPr>
-        <p:txBody>
-          <a:bodyPr wrap="square" rtlCol="0">
-            <a:spAutoFit/>
-          </a:bodyPr>
-          <a:lstStyle/>
-          <a:p>
-            <a:r>
-              <a:rPr lang="ko-KR" altLang="en-US" sz="4800" smtClean="0">
-                <a:solidFill>
-                  <a:srgbClr val="4C50BC"/>
-                </a:solidFill>
-                <a:latin typeface="G마켓 산스 Medium" panose="02000000000000000000" pitchFamily="50" charset="-127"/>
-                <a:ea typeface="G마켓 산스 Medium" panose="02000000000000000000" pitchFamily="50" charset="-127"/>
-              </a:rPr>
-              <a:t>그냥 직접 변수값을 변경하면 안되는가</a:t>
-            </a:r>
-            <a:r>
-              <a:rPr lang="en-US" altLang="ko-KR" sz="4800" smtClean="0">
-                <a:solidFill>
-                  <a:srgbClr val="4C50BC"/>
-                </a:solidFill>
-                <a:latin typeface="G마켓 산스 Medium" panose="02000000000000000000" pitchFamily="50" charset="-127"/>
-                <a:ea typeface="G마켓 산스 Medium" panose="02000000000000000000" pitchFamily="50" charset="-127"/>
-              </a:rPr>
-              <a:t>?</a:t>
-            </a:r>
-            <a:endParaRPr lang="en-US" altLang="ko-KR" sz="4800" dirty="0">
-              <a:solidFill>
-                <a:srgbClr val="4C50BC"/>
-              </a:solidFill>
-              <a:latin typeface="G마켓 산스 Medium" panose="02000000000000000000" pitchFamily="50" charset="-127"/>
-              <a:ea typeface="G마켓 산스 Medium" panose="02000000000000000000" pitchFamily="50" charset="-127"/>
-            </a:endParaRPr>
-          </a:p>
-        </p:txBody>
-      </p:sp>
-      <p:pic>
-        <p:nvPicPr>
-          <p:cNvPr id="5" name="그림 4"/>
-          <p:cNvPicPr>
-            <a:picLocks noChangeAspect="1"/>
-          </p:cNvPicPr>
-          <p:nvPr/>
-        </p:nvPicPr>
-        <p:blipFill>
-          <a:blip r:embed="rId2"/>
-          <a:stretch>
-            <a:fillRect/>
-          </a:stretch>
-        </p:blipFill>
-        <p:spPr>
-          <a:xfrm>
-            <a:off x="9879149" y="2798690"/>
-            <a:ext cx="8180251" cy="3564010"/>
-          </a:xfrm>
-          <a:prstGeom prst="rect">
-            <a:avLst/>
-          </a:prstGeom>
-        </p:spPr>
-      </p:pic>
-      <p:pic>
-        <p:nvPicPr>
-          <p:cNvPr id="6" name="그림 5"/>
-          <p:cNvPicPr>
-            <a:picLocks noChangeAspect="1"/>
-          </p:cNvPicPr>
-          <p:nvPr/>
-        </p:nvPicPr>
-        <p:blipFill>
-          <a:blip r:embed="rId3"/>
-          <a:stretch>
-            <a:fillRect/>
-          </a:stretch>
-        </p:blipFill>
-        <p:spPr>
-          <a:xfrm>
-            <a:off x="10551" y="2710749"/>
-            <a:ext cx="7877760" cy="3493902"/>
-          </a:xfrm>
-          <a:prstGeom prst="rect">
-            <a:avLst/>
-          </a:prstGeom>
-        </p:spPr>
-      </p:pic>
-      <p:sp>
-        <p:nvSpPr>
-          <p:cNvPr id="7" name="TextBox 6">
-            <a:extLst>
-              <a:ext uri="{FF2B5EF4-FFF2-40B4-BE49-F238E27FC236}">
-                <a16:creationId xmlns="" xmlns:a16="http://schemas.microsoft.com/office/drawing/2014/main" id="{37C30BAF-D498-C798-BC14-1718488A3435}"/>
-              </a:ext>
-            </a:extLst>
-          </p:cNvPr>
-          <p:cNvSpPr txBox="1"/>
-          <p:nvPr/>
-        </p:nvSpPr>
-        <p:spPr>
-          <a:xfrm>
-            <a:off x="8228229" y="4042201"/>
-            <a:ext cx="1650920" cy="830997"/>
-          </a:xfrm>
-          <a:prstGeom prst="rect">
-            <a:avLst/>
-          </a:prstGeom>
-          <a:noFill/>
-        </p:spPr>
-        <p:txBody>
-          <a:bodyPr wrap="square" rtlCol="0">
-            <a:spAutoFit/>
-          </a:bodyPr>
-          <a:lstStyle/>
-          <a:p>
-            <a:r>
-              <a:rPr lang="en-US" altLang="ko-KR" sz="4800" smtClean="0">
-                <a:solidFill>
-                  <a:srgbClr val="4C50BC"/>
-                </a:solidFill>
-                <a:latin typeface="G마켓 산스 Medium" panose="02000000000000000000" pitchFamily="50" charset="-127"/>
-                <a:ea typeface="G마켓 산스 Medium" panose="02000000000000000000" pitchFamily="50" charset="-127"/>
-              </a:rPr>
-              <a:t>VS</a:t>
-            </a:r>
-            <a:endParaRPr lang="en-US" altLang="ko-KR" sz="4800" dirty="0">
-              <a:solidFill>
-                <a:srgbClr val="4C50BC"/>
-              </a:solidFill>
-              <a:latin typeface="G마켓 산스 Medium" panose="02000000000000000000" pitchFamily="50" charset="-127"/>
-              <a:ea typeface="G마켓 산스 Medium" panose="02000000000000000000" pitchFamily="50" charset="-127"/>
-            </a:endParaRPr>
-          </a:p>
-        </p:txBody>
-      </p:sp>
-    </p:spTree>
-    <p:extLst>
-      <p:ext uri="{BB962C8B-B14F-4D97-AF65-F5344CB8AC3E}">
-        <p14:creationId xmlns:p14="http://schemas.microsoft.com/office/powerpoint/2010/main" val="4277126588"/>
       </p:ext>
     </p:extLst>
   </p:cSld>
@@ -16496,6 +17019,197 @@
         </p:nvSpPr>
         <p:spPr>
           <a:xfrm>
+            <a:off x="838200" y="1104900"/>
+            <a:ext cx="12687300" cy="830997"/>
+          </a:xfrm>
+          <a:prstGeom prst="rect">
+            <a:avLst/>
+          </a:prstGeom>
+          <a:noFill/>
+        </p:spPr>
+        <p:txBody>
+          <a:bodyPr wrap="square" rtlCol="0">
+            <a:spAutoFit/>
+          </a:bodyPr>
+          <a:lstStyle/>
+          <a:p>
+            <a:r>
+              <a:rPr lang="ko-KR" altLang="en-US" sz="4800" smtClean="0">
+                <a:solidFill>
+                  <a:srgbClr val="4C50BC"/>
+                </a:solidFill>
+                <a:latin typeface="G마켓 산스 Medium" panose="02000000000000000000" pitchFamily="50" charset="-127"/>
+                <a:ea typeface="G마켓 산스 Medium" panose="02000000000000000000" pitchFamily="50" charset="-127"/>
+              </a:rPr>
+              <a:t>그냥 직접 변수값을 변경하면 안되는가</a:t>
+            </a:r>
+            <a:r>
+              <a:rPr lang="en-US" altLang="ko-KR" sz="4800" smtClean="0">
+                <a:solidFill>
+                  <a:srgbClr val="4C50BC"/>
+                </a:solidFill>
+                <a:latin typeface="G마켓 산스 Medium" panose="02000000000000000000" pitchFamily="50" charset="-127"/>
+                <a:ea typeface="G마켓 산스 Medium" panose="02000000000000000000" pitchFamily="50" charset="-127"/>
+              </a:rPr>
+              <a:t>?</a:t>
+            </a:r>
+            <a:endParaRPr lang="en-US" altLang="ko-KR" sz="4800" dirty="0">
+              <a:solidFill>
+                <a:srgbClr val="4C50BC"/>
+              </a:solidFill>
+              <a:latin typeface="G마켓 산스 Medium" panose="02000000000000000000" pitchFamily="50" charset="-127"/>
+              <a:ea typeface="G마켓 산스 Medium" panose="02000000000000000000" pitchFamily="50" charset="-127"/>
+            </a:endParaRPr>
+          </a:p>
+        </p:txBody>
+      </p:sp>
+      <p:pic>
+        <p:nvPicPr>
+          <p:cNvPr id="5" name="그림 4"/>
+          <p:cNvPicPr>
+            <a:picLocks noChangeAspect="1"/>
+          </p:cNvPicPr>
+          <p:nvPr/>
+        </p:nvPicPr>
+        <p:blipFill>
+          <a:blip r:embed="rId2"/>
+          <a:stretch>
+            <a:fillRect/>
+          </a:stretch>
+        </p:blipFill>
+        <p:spPr>
+          <a:xfrm>
+            <a:off x="9879149" y="2798690"/>
+            <a:ext cx="8180251" cy="3564010"/>
+          </a:xfrm>
+          <a:prstGeom prst="rect">
+            <a:avLst/>
+          </a:prstGeom>
+        </p:spPr>
+      </p:pic>
+      <p:pic>
+        <p:nvPicPr>
+          <p:cNvPr id="6" name="그림 5"/>
+          <p:cNvPicPr>
+            <a:picLocks noChangeAspect="1"/>
+          </p:cNvPicPr>
+          <p:nvPr/>
+        </p:nvPicPr>
+        <p:blipFill>
+          <a:blip r:embed="rId3"/>
+          <a:stretch>
+            <a:fillRect/>
+          </a:stretch>
+        </p:blipFill>
+        <p:spPr>
+          <a:xfrm>
+            <a:off x="10551" y="2710749"/>
+            <a:ext cx="7877760" cy="3493902"/>
+          </a:xfrm>
+          <a:prstGeom prst="rect">
+            <a:avLst/>
+          </a:prstGeom>
+        </p:spPr>
+      </p:pic>
+      <p:sp>
+        <p:nvSpPr>
+          <p:cNvPr id="7" name="TextBox 6">
+            <a:extLst>
+              <a:ext uri="{FF2B5EF4-FFF2-40B4-BE49-F238E27FC236}">
+                <a16:creationId xmlns="" xmlns:a16="http://schemas.microsoft.com/office/drawing/2014/main" id="{37C30BAF-D498-C798-BC14-1718488A3435}"/>
+              </a:ext>
+            </a:extLst>
+          </p:cNvPr>
+          <p:cNvSpPr txBox="1"/>
+          <p:nvPr/>
+        </p:nvSpPr>
+        <p:spPr>
+          <a:xfrm>
+            <a:off x="8228229" y="4042201"/>
+            <a:ext cx="1650920" cy="830997"/>
+          </a:xfrm>
+          <a:prstGeom prst="rect">
+            <a:avLst/>
+          </a:prstGeom>
+          <a:noFill/>
+        </p:spPr>
+        <p:txBody>
+          <a:bodyPr wrap="square" rtlCol="0">
+            <a:spAutoFit/>
+          </a:bodyPr>
+          <a:lstStyle/>
+          <a:p>
+            <a:r>
+              <a:rPr lang="en-US" altLang="ko-KR" sz="4800" smtClean="0">
+                <a:solidFill>
+                  <a:srgbClr val="4C50BC"/>
+                </a:solidFill>
+                <a:latin typeface="G마켓 산스 Medium" panose="02000000000000000000" pitchFamily="50" charset="-127"/>
+                <a:ea typeface="G마켓 산스 Medium" panose="02000000000000000000" pitchFamily="50" charset="-127"/>
+              </a:rPr>
+              <a:t>VS</a:t>
+            </a:r>
+            <a:endParaRPr lang="en-US" altLang="ko-KR" sz="4800" dirty="0">
+              <a:solidFill>
+                <a:srgbClr val="4C50BC"/>
+              </a:solidFill>
+              <a:latin typeface="G마켓 산스 Medium" panose="02000000000000000000" pitchFamily="50" charset="-127"/>
+              <a:ea typeface="G마켓 산스 Medium" panose="02000000000000000000" pitchFamily="50" charset="-127"/>
+            </a:endParaRPr>
+          </a:p>
+        </p:txBody>
+      </p:sp>
+    </p:spTree>
+    <p:extLst>
+      <p:ext uri="{BB962C8B-B14F-4D97-AF65-F5344CB8AC3E}">
+        <p14:creationId xmlns:p14="http://schemas.microsoft.com/office/powerpoint/2010/main" val="4277126588"/>
+      </p:ext>
+    </p:extLst>
+  </p:cSld>
+  <p:clrMapOvr>
+    <a:masterClrMapping/>
+  </p:clrMapOvr>
+  <p:timing>
+    <p:tnLst>
+      <p:par>
+        <p:cTn id="1" dur="indefinite" restart="never" nodeType="tmRoot"/>
+      </p:par>
+    </p:tnLst>
+  </p:timing>
+</p:sld>
+</file>
+
+<file path=ppt/slides/slide26.xml><?xml version="1.0" encoding="utf-8"?>
+<p:sld xmlns:a="http://schemas.openxmlformats.org/drawingml/2006/main" xmlns:r="http://schemas.openxmlformats.org/officeDocument/2006/relationships" xmlns:p="http://schemas.openxmlformats.org/presentationml/2006/main">
+  <p:cSld>
+    <p:spTree>
+      <p:nvGrpSpPr>
+        <p:cNvPr id="1" name=""/>
+        <p:cNvGrpSpPr/>
+        <p:nvPr/>
+      </p:nvGrpSpPr>
+      <p:grpSpPr>
+        <a:xfrm>
+          <a:off x="0" y="0"/>
+          <a:ext cx="0" cy="0"/>
+          <a:chOff x="0" y="0"/>
+          <a:chExt cx="0" cy="0"/>
+        </a:xfrm>
+      </p:grpSpPr>
+      <p:sp>
+        <p:nvSpPr>
+          <p:cNvPr id="4" name="TextBox 3">
+            <a:extLst>
+              <a:ext uri="{FF2B5EF4-FFF2-40B4-BE49-F238E27FC236}">
+                <a16:creationId xmlns="" xmlns:a16="http://schemas.microsoft.com/office/drawing/2014/main" id="{37C30BAF-D498-C798-BC14-1718488A3435}"/>
+              </a:ext>
+            </a:extLst>
+          </p:cNvPr>
+          <p:cNvSpPr txBox="1"/>
+          <p:nvPr/>
+        </p:nvSpPr>
+        <p:spPr>
+          <a:xfrm>
             <a:off x="3352800" y="419100"/>
             <a:ext cx="13182600" cy="830997"/>
           </a:xfrm>
@@ -16622,7 +17336,7 @@
 </p:sld>
 </file>
 
-<file path=ppt/slides/slide26.xml><?xml version="1.0" encoding="utf-8"?>
+<file path=ppt/slides/slide27.xml><?xml version="1.0" encoding="utf-8"?>
 <p:sld xmlns:a="http://schemas.openxmlformats.org/drawingml/2006/main" xmlns:r="http://schemas.openxmlformats.org/officeDocument/2006/relationships" xmlns:p="http://schemas.openxmlformats.org/presentationml/2006/main">
   <p:cSld>
     <p:spTree>
@@ -17427,7 +18141,7 @@
 </p:sld>
 </file>
 
-<file path=ppt/slides/slide27.xml><?xml version="1.0" encoding="utf-8"?>
+<file path=ppt/slides/slide28.xml><?xml version="1.0" encoding="utf-8"?>
 <p:sld xmlns:a="http://schemas.openxmlformats.org/drawingml/2006/main" xmlns:r="http://schemas.openxmlformats.org/officeDocument/2006/relationships" xmlns:p="http://schemas.openxmlformats.org/presentationml/2006/main">
   <p:cSld>
     <p:spTree>
@@ -17964,7 +18678,7 @@
 </p:sld>
 </file>
 
-<file path=ppt/slides/slide28.xml><?xml version="1.0" encoding="utf-8"?>
+<file path=ppt/slides/slide29.xml><?xml version="1.0" encoding="utf-8"?>
 <p:sld xmlns:a="http://schemas.openxmlformats.org/drawingml/2006/main" xmlns:r="http://schemas.openxmlformats.org/officeDocument/2006/relationships" xmlns:p="http://schemas.openxmlformats.org/presentationml/2006/main">
   <p:cSld>
     <p:spTree>
@@ -18224,7 +18938,17 @@
                 <a:latin typeface="G마켓 산스 Medium" panose="02000000000000000000" pitchFamily="50" charset="-127"/>
                 <a:ea typeface="G마켓 산스 Medium" panose="02000000000000000000" pitchFamily="50" charset="-127"/>
               </a:rPr>
-              <a:t>같은 클래스 안에 시그니처가 동일한 함수를 </a:t>
+              <a:t>같은 클래스 안에 시그니처가 동일한 </a:t>
+            </a:r>
+            <a:r>
+              <a:rPr lang="ko-KR" altLang="en-US" sz="4800" smtClean="0">
+                <a:solidFill>
+                  <a:srgbClr val="4C50BC"/>
+                </a:solidFill>
+                <a:latin typeface="G마켓 산스 Medium" panose="02000000000000000000" pitchFamily="50" charset="-127"/>
+                <a:ea typeface="G마켓 산스 Medium" panose="02000000000000000000" pitchFamily="50" charset="-127"/>
+              </a:rPr>
+              <a:t>메서드를 </a:t>
             </a:r>
             <a:r>
               <a:rPr lang="en-US" altLang="ko-KR" sz="4800">
@@ -18657,144 +19381,6 @@
 </p:sld>
 </file>
 
-<file path=ppt/slides/slide29.xml><?xml version="1.0" encoding="utf-8"?>
-<p:sld xmlns:a="http://schemas.openxmlformats.org/drawingml/2006/main" xmlns:r="http://schemas.openxmlformats.org/officeDocument/2006/relationships" xmlns:p="http://schemas.openxmlformats.org/presentationml/2006/main">
-  <p:cSld>
-    <p:spTree>
-      <p:nvGrpSpPr>
-        <p:cNvPr id="1" name=""/>
-        <p:cNvGrpSpPr/>
-        <p:nvPr/>
-      </p:nvGrpSpPr>
-      <p:grpSpPr>
-        <a:xfrm>
-          <a:off x="0" y="0"/>
-          <a:ext cx="0" cy="0"/>
-          <a:chOff x="0" y="0"/>
-          <a:chExt cx="0" cy="0"/>
-        </a:xfrm>
-      </p:grpSpPr>
-      <p:pic>
-        <p:nvPicPr>
-          <p:cNvPr id="5" name="그림 4">
-            <a:extLst>
-              <a:ext uri="{FF2B5EF4-FFF2-40B4-BE49-F238E27FC236}">
-                <a16:creationId xmlns="" xmlns:a16="http://schemas.microsoft.com/office/drawing/2014/main" id="{5800D7CB-7243-2BE7-E09F-3CE8B142071D}"/>
-              </a:ext>
-            </a:extLst>
-          </p:cNvPr>
-          <p:cNvPicPr>
-            <a:picLocks noChangeAspect="1"/>
-          </p:cNvPicPr>
-          <p:nvPr/>
-        </p:nvPicPr>
-        <p:blipFill>
-          <a:blip r:embed="rId2"/>
-          <a:stretch>
-            <a:fillRect/>
-          </a:stretch>
-        </p:blipFill>
-        <p:spPr>
-          <a:xfrm>
-            <a:off x="1524000" y="266699"/>
-            <a:ext cx="4648200" cy="6790017"/>
-          </a:xfrm>
-          <a:prstGeom prst="rect">
-            <a:avLst/>
-          </a:prstGeom>
-        </p:spPr>
-      </p:pic>
-      <p:sp>
-        <p:nvSpPr>
-          <p:cNvPr id="8" name="TextBox 7">
-            <a:extLst>
-              <a:ext uri="{FF2B5EF4-FFF2-40B4-BE49-F238E27FC236}">
-                <a16:creationId xmlns="" xmlns:a16="http://schemas.microsoft.com/office/drawing/2014/main" id="{A4133906-7502-9BC0-F6CB-B924688D157A}"/>
-              </a:ext>
-            </a:extLst>
-          </p:cNvPr>
-          <p:cNvSpPr txBox="1"/>
-          <p:nvPr/>
-        </p:nvSpPr>
-        <p:spPr>
-          <a:xfrm>
-            <a:off x="1752600" y="7200900"/>
-            <a:ext cx="15544800" cy="769441"/>
-          </a:xfrm>
-          <a:prstGeom prst="rect">
-            <a:avLst/>
-          </a:prstGeom>
-          <a:noFill/>
-        </p:spPr>
-        <p:txBody>
-          <a:bodyPr wrap="square" rtlCol="0">
-            <a:spAutoFit/>
-          </a:bodyPr>
-          <a:lstStyle/>
-          <a:p>
-            <a:r>
-              <a:rPr lang="ko-KR" altLang="en-US" sz="4400" dirty="0">
-                <a:solidFill>
-                  <a:srgbClr val="FF0000"/>
-                </a:solidFill>
-                <a:latin typeface="G마켓 산스 Medium" panose="02000000000000000000" pitchFamily="50" charset="-127"/>
-                <a:ea typeface="G마켓 산스 Medium" panose="02000000000000000000" pitchFamily="50" charset="-127"/>
-              </a:rPr>
-              <a:t>클래스가 다르면 </a:t>
-            </a:r>
-            <a:r>
-              <a:rPr lang="ko-KR" altLang="en-US" sz="4400" dirty="0" err="1">
-                <a:solidFill>
-                  <a:srgbClr val="FF0000"/>
-                </a:solidFill>
-                <a:latin typeface="G마켓 산스 Medium" panose="02000000000000000000" pitchFamily="50" charset="-127"/>
-                <a:ea typeface="G마켓 산스 Medium" panose="02000000000000000000" pitchFamily="50" charset="-127"/>
-              </a:rPr>
-              <a:t>시그니처가</a:t>
-            </a:r>
-            <a:r>
-              <a:rPr lang="ko-KR" altLang="en-US" sz="4400" dirty="0">
-                <a:solidFill>
-                  <a:srgbClr val="FF0000"/>
-                </a:solidFill>
-                <a:latin typeface="G마켓 산스 Medium" panose="02000000000000000000" pitchFamily="50" charset="-127"/>
-                <a:ea typeface="G마켓 산스 Medium" panose="02000000000000000000" pitchFamily="50" charset="-127"/>
-              </a:rPr>
-              <a:t> 동일해도 별개이므로 상관없다</a:t>
-            </a:r>
-            <a:r>
-              <a:rPr lang="en-US" altLang="ko-KR" sz="4400" dirty="0">
-                <a:solidFill>
-                  <a:srgbClr val="FF0000"/>
-                </a:solidFill>
-                <a:latin typeface="G마켓 산스 Medium" panose="02000000000000000000" pitchFamily="50" charset="-127"/>
-                <a:ea typeface="G마켓 산스 Medium" panose="02000000000000000000" pitchFamily="50" charset="-127"/>
-              </a:rPr>
-              <a:t>.</a:t>
-            </a:r>
-          </a:p>
-        </p:txBody>
-      </p:sp>
-    </p:spTree>
-    <p:extLst>
-      <p:ext uri="{BB962C8B-B14F-4D97-AF65-F5344CB8AC3E}">
-        <p14:creationId xmlns:p14="http://schemas.microsoft.com/office/powerpoint/2010/main" val="255397264"/>
-      </p:ext>
-    </p:extLst>
-  </p:cSld>
-  <p:clrMapOvr>
-    <a:masterClrMapping/>
-  </p:clrMapOvr>
-  <p:timing>
-    <p:tnLst>
-      <p:par>
-        <p:cTn id="1" dur="indefinite" restart="never" nodeType="tmRoot"/>
-      </p:par>
-    </p:tnLst>
-  </p:timing>
-</p:sld>
-</file>
-
 <file path=ppt/slides/slide3.xml><?xml version="1.0" encoding="utf-8"?>
 <p:sld xmlns:a="http://schemas.openxmlformats.org/drawingml/2006/main" xmlns:r="http://schemas.openxmlformats.org/officeDocument/2006/relationships" xmlns:p="http://schemas.openxmlformats.org/presentationml/2006/main">
   <p:cSld name="Slide 4">
@@ -19080,6 +19666,192 @@
           <a:chExt cx="0" cy="0"/>
         </a:xfrm>
       </p:grpSpPr>
+      <p:pic>
+        <p:nvPicPr>
+          <p:cNvPr id="5" name="그림 4">
+            <a:extLst>
+              <a:ext uri="{FF2B5EF4-FFF2-40B4-BE49-F238E27FC236}">
+                <a16:creationId xmlns="" xmlns:a16="http://schemas.microsoft.com/office/drawing/2014/main" id="{5800D7CB-7243-2BE7-E09F-3CE8B142071D}"/>
+              </a:ext>
+            </a:extLst>
+          </p:cNvPr>
+          <p:cNvPicPr>
+            <a:picLocks noChangeAspect="1"/>
+          </p:cNvPicPr>
+          <p:nvPr/>
+        </p:nvPicPr>
+        <p:blipFill>
+          <a:blip r:embed="rId2"/>
+          <a:stretch>
+            <a:fillRect/>
+          </a:stretch>
+        </p:blipFill>
+        <p:spPr>
+          <a:xfrm>
+            <a:off x="1524000" y="266699"/>
+            <a:ext cx="4648200" cy="6790017"/>
+          </a:xfrm>
+          <a:prstGeom prst="rect">
+            <a:avLst/>
+          </a:prstGeom>
+        </p:spPr>
+      </p:pic>
+      <p:sp>
+        <p:nvSpPr>
+          <p:cNvPr id="8" name="TextBox 7">
+            <a:extLst>
+              <a:ext uri="{FF2B5EF4-FFF2-40B4-BE49-F238E27FC236}">
+                <a16:creationId xmlns="" xmlns:a16="http://schemas.microsoft.com/office/drawing/2014/main" id="{A4133906-7502-9BC0-F6CB-B924688D157A}"/>
+              </a:ext>
+            </a:extLst>
+          </p:cNvPr>
+          <p:cNvSpPr txBox="1"/>
+          <p:nvPr/>
+        </p:nvSpPr>
+        <p:spPr>
+          <a:xfrm>
+            <a:off x="1752600" y="7200900"/>
+            <a:ext cx="15544800" cy="769441"/>
+          </a:xfrm>
+          <a:prstGeom prst="rect">
+            <a:avLst/>
+          </a:prstGeom>
+          <a:noFill/>
+        </p:spPr>
+        <p:txBody>
+          <a:bodyPr wrap="square" rtlCol="0">
+            <a:spAutoFit/>
+          </a:bodyPr>
+          <a:lstStyle/>
+          <a:p>
+            <a:r>
+              <a:rPr lang="ko-KR" altLang="en-US" sz="4400" dirty="0">
+                <a:solidFill>
+                  <a:srgbClr val="FF0000"/>
+                </a:solidFill>
+                <a:latin typeface="G마켓 산스 Medium" panose="02000000000000000000" pitchFamily="50" charset="-127"/>
+                <a:ea typeface="G마켓 산스 Medium" panose="02000000000000000000" pitchFamily="50" charset="-127"/>
+              </a:rPr>
+              <a:t>클래스가 다르면 </a:t>
+            </a:r>
+            <a:r>
+              <a:rPr lang="ko-KR" altLang="en-US" sz="4400" dirty="0" err="1">
+                <a:solidFill>
+                  <a:srgbClr val="FF0000"/>
+                </a:solidFill>
+                <a:latin typeface="G마켓 산스 Medium" panose="02000000000000000000" pitchFamily="50" charset="-127"/>
+                <a:ea typeface="G마켓 산스 Medium" panose="02000000000000000000" pitchFamily="50" charset="-127"/>
+              </a:rPr>
+              <a:t>시그니처가</a:t>
+            </a:r>
+            <a:r>
+              <a:rPr lang="ko-KR" altLang="en-US" sz="4400" dirty="0">
+                <a:solidFill>
+                  <a:srgbClr val="FF0000"/>
+                </a:solidFill>
+                <a:latin typeface="G마켓 산스 Medium" panose="02000000000000000000" pitchFamily="50" charset="-127"/>
+                <a:ea typeface="G마켓 산스 Medium" panose="02000000000000000000" pitchFamily="50" charset="-127"/>
+              </a:rPr>
+              <a:t> 동일해도 별개이므로 상관없다</a:t>
+            </a:r>
+            <a:r>
+              <a:rPr lang="en-US" altLang="ko-KR" sz="4400" dirty="0">
+                <a:solidFill>
+                  <a:srgbClr val="FF0000"/>
+                </a:solidFill>
+                <a:latin typeface="G마켓 산스 Medium" panose="02000000000000000000" pitchFamily="50" charset="-127"/>
+                <a:ea typeface="G마켓 산스 Medium" panose="02000000000000000000" pitchFamily="50" charset="-127"/>
+              </a:rPr>
+              <a:t>.</a:t>
+            </a:r>
+          </a:p>
+        </p:txBody>
+      </p:sp>
+    </p:spTree>
+    <p:extLst>
+      <p:ext uri="{BB962C8B-B14F-4D97-AF65-F5344CB8AC3E}">
+        <p14:creationId xmlns:p14="http://schemas.microsoft.com/office/powerpoint/2010/main" val="255397264"/>
+      </p:ext>
+    </p:extLst>
+  </p:cSld>
+  <p:clrMapOvr>
+    <a:masterClrMapping/>
+  </p:clrMapOvr>
+  <p:timing>
+    <p:tnLst>
+      <p:par>
+        <p:cTn id="1" dur="indefinite" restart="never" nodeType="tmRoot"/>
+      </p:par>
+    </p:tnLst>
+  </p:timing>
+</p:sld>
+</file>
+
+<file path=ppt/slides/slide31.xml><?xml version="1.0" encoding="utf-8"?>
+<p:sld xmlns:a="http://schemas.openxmlformats.org/drawingml/2006/main" xmlns:r="http://schemas.openxmlformats.org/officeDocument/2006/relationships" xmlns:p="http://schemas.openxmlformats.org/presentationml/2006/main">
+  <p:cSld>
+    <p:spTree>
+      <p:nvGrpSpPr>
+        <p:cNvPr id="1" name=""/>
+        <p:cNvGrpSpPr/>
+        <p:nvPr/>
+      </p:nvGrpSpPr>
+      <p:grpSpPr>
+        <a:xfrm>
+          <a:off x="0" y="0"/>
+          <a:ext cx="0" cy="0"/>
+          <a:chOff x="0" y="0"/>
+          <a:chExt cx="0" cy="0"/>
+        </a:xfrm>
+      </p:grpSpPr>
+      <p:pic>
+        <p:nvPicPr>
+          <p:cNvPr id="13" name="그림 12"/>
+          <p:cNvPicPr>
+            <a:picLocks noChangeAspect="1"/>
+          </p:cNvPicPr>
+          <p:nvPr/>
+        </p:nvPicPr>
+        <p:blipFill>
+          <a:blip r:embed="rId2"/>
+          <a:stretch>
+            <a:fillRect/>
+          </a:stretch>
+        </p:blipFill>
+        <p:spPr>
+          <a:xfrm>
+            <a:off x="10158412" y="800100"/>
+            <a:ext cx="7748588" cy="8347425"/>
+          </a:xfrm>
+          <a:prstGeom prst="rect">
+            <a:avLst/>
+          </a:prstGeom>
+        </p:spPr>
+      </p:pic>
+      <p:pic>
+        <p:nvPicPr>
+          <p:cNvPr id="3" name="그림 2"/>
+          <p:cNvPicPr>
+            <a:picLocks noChangeAspect="1"/>
+          </p:cNvPicPr>
+          <p:nvPr/>
+        </p:nvPicPr>
+        <p:blipFill>
+          <a:blip r:embed="rId3"/>
+          <a:stretch>
+            <a:fillRect/>
+          </a:stretch>
+        </p:blipFill>
+        <p:spPr>
+          <a:xfrm>
+            <a:off x="152400" y="2247901"/>
+            <a:ext cx="8276547" cy="4468136"/>
+          </a:xfrm>
+          <a:prstGeom prst="rect">
+            <a:avLst/>
+          </a:prstGeom>
+        </p:spPr>
+      </p:pic>
       <p:sp>
         <p:nvSpPr>
           <p:cNvPr id="4" name="TextBox 3">
@@ -19128,54 +19900,6 @@
           </a:p>
         </p:txBody>
       </p:sp>
-      <p:pic>
-        <p:nvPicPr>
-          <p:cNvPr id="5" name="그림 4"/>
-          <p:cNvPicPr>
-            <a:picLocks noChangeAspect="1"/>
-          </p:cNvPicPr>
-          <p:nvPr/>
-        </p:nvPicPr>
-        <p:blipFill>
-          <a:blip r:embed="rId2"/>
-          <a:stretch>
-            <a:fillRect/>
-          </a:stretch>
-        </p:blipFill>
-        <p:spPr>
-          <a:xfrm>
-            <a:off x="990599" y="1790700"/>
-            <a:ext cx="7043977" cy="5867400"/>
-          </a:xfrm>
-          <a:prstGeom prst="rect">
-            <a:avLst/>
-          </a:prstGeom>
-        </p:spPr>
-      </p:pic>
-      <p:pic>
-        <p:nvPicPr>
-          <p:cNvPr id="2" name="그림 1"/>
-          <p:cNvPicPr>
-            <a:picLocks noChangeAspect="1"/>
-          </p:cNvPicPr>
-          <p:nvPr/>
-        </p:nvPicPr>
-        <p:blipFill>
-          <a:blip r:embed="rId3"/>
-          <a:stretch>
-            <a:fillRect/>
-          </a:stretch>
-        </p:blipFill>
-        <p:spPr>
-          <a:xfrm>
-            <a:off x="2020200" y="6399627"/>
-            <a:ext cx="3423683" cy="1066800"/>
-          </a:xfrm>
-          <a:prstGeom prst="rect">
-            <a:avLst/>
-          </a:prstGeom>
-        </p:spPr>
-      </p:pic>
       <p:cxnSp>
         <p:nvCxnSpPr>
           <p:cNvPr id="7" name="직선 화살표 연결선 6">
@@ -19191,9 +19915,9 @@
           <p:nvPr/>
         </p:nvCxnSpPr>
         <p:spPr>
-          <a:xfrm>
-            <a:off x="5181600" y="6134100"/>
-            <a:ext cx="1219200" cy="0"/>
+          <a:xfrm flipH="1">
+            <a:off x="5105400" y="5570031"/>
+            <a:ext cx="575603" cy="1319585"/>
           </a:xfrm>
           <a:prstGeom prst="straightConnector1">
             <a:avLst/>
@@ -19231,8 +19955,8 @@
         </p:nvSpPr>
         <p:spPr>
           <a:xfrm>
-            <a:off x="4179154" y="5905500"/>
-            <a:ext cx="1002446" cy="457200"/>
+            <a:off x="5105400" y="4972886"/>
+            <a:ext cx="1219200" cy="457200"/>
           </a:xfrm>
           <a:prstGeom prst="rect">
             <a:avLst/>
@@ -19283,7 +20007,7 @@
         </p:nvSpPr>
         <p:spPr>
           <a:xfrm>
-            <a:off x="6400800" y="5780157"/>
+            <a:off x="2400300" y="7044775"/>
             <a:ext cx="5410200" cy="707886"/>
           </a:xfrm>
           <a:prstGeom prst="rect">
@@ -19338,14 +20062,13 @@
           </p:cNvPr>
           <p:cNvCxnSpPr>
             <a:cxnSpLocks/>
-            <a:stCxn id="11" idx="3"/>
           </p:cNvCxnSpPr>
           <p:nvPr/>
         </p:nvCxnSpPr>
         <p:spPr>
-          <a:xfrm>
-            <a:off x="6172200" y="3077543"/>
-            <a:ext cx="1828800" cy="0"/>
+          <a:xfrm flipH="1">
+            <a:off x="13258800" y="2269590"/>
+            <a:ext cx="467666" cy="1858436"/>
           </a:xfrm>
           <a:prstGeom prst="straightConnector1">
             <a:avLst/>
@@ -19383,8 +20106,8 @@
         </p:nvSpPr>
         <p:spPr>
           <a:xfrm>
-            <a:off x="4560154" y="2848943"/>
-            <a:ext cx="1612046" cy="457200"/>
+            <a:off x="13050550" y="1866900"/>
+            <a:ext cx="2722850" cy="457200"/>
           </a:xfrm>
           <a:prstGeom prst="rect">
             <a:avLst/>
@@ -19435,7 +20158,7 @@
         </p:nvSpPr>
         <p:spPr>
           <a:xfrm>
-            <a:off x="8001000" y="2723600"/>
+            <a:off x="10112326" y="4128026"/>
             <a:ext cx="8153400" cy="707886"/>
           </a:xfrm>
           <a:prstGeom prst="rect">
@@ -19512,82 +20235,14 @@
   <p:timing>
     <p:tnLst>
       <p:par>
-        <p:cTn id="1" dur="indefinite" restart="never" nodeType="tmRoot">
-          <p:childTnLst>
-            <p:seq concurrent="1" nextAc="seek">
-              <p:cTn id="2" dur="indefinite" nodeType="mainSeq">
-                <p:childTnLst>
-                  <p:par>
-                    <p:cTn id="3" fill="hold">
-                      <p:stCondLst>
-                        <p:cond delay="indefinite"/>
-                      </p:stCondLst>
-                      <p:childTnLst>
-                        <p:par>
-                          <p:cTn id="4" fill="hold">
-                            <p:stCondLst>
-                              <p:cond delay="0"/>
-                            </p:stCondLst>
-                            <p:childTnLst>
-                              <p:par>
-                                <p:cTn id="5" presetID="1" presetClass="entr" presetSubtype="0" fill="hold" nodeType="clickEffect">
-                                  <p:stCondLst>
-                                    <p:cond delay="0"/>
-                                  </p:stCondLst>
-                                  <p:childTnLst>
-                                    <p:set>
-                                      <p:cBhvr>
-                                        <p:cTn id="6" dur="1" fill="hold">
-                                          <p:stCondLst>
-                                            <p:cond delay="0"/>
-                                          </p:stCondLst>
-                                        </p:cTn>
-                                        <p:tgtEl>
-                                          <p:spTgt spid="2"/>
-                                        </p:tgtEl>
-                                        <p:attrNameLst>
-                                          <p:attrName>style.visibility</p:attrName>
-                                        </p:attrNameLst>
-                                      </p:cBhvr>
-                                      <p:to>
-                                        <p:strVal val="visible"/>
-                                      </p:to>
-                                    </p:set>
-                                  </p:childTnLst>
-                                </p:cTn>
-                              </p:par>
-                            </p:childTnLst>
-                          </p:cTn>
-                        </p:par>
-                      </p:childTnLst>
-                    </p:cTn>
-                  </p:par>
-                </p:childTnLst>
-              </p:cTn>
-              <p:prevCondLst>
-                <p:cond evt="onPrev" delay="0">
-                  <p:tgtEl>
-                    <p:sldTgt/>
-                  </p:tgtEl>
-                </p:cond>
-              </p:prevCondLst>
-              <p:nextCondLst>
-                <p:cond evt="onNext" delay="0">
-                  <p:tgtEl>
-                    <p:sldTgt/>
-                  </p:tgtEl>
-                </p:cond>
-              </p:nextCondLst>
-            </p:seq>
-          </p:childTnLst>
-        </p:cTn>
+        <p:cTn id="1" dur="indefinite" restart="never" nodeType="tmRoot"/>
       </p:par>
     </p:tnLst>
   </p:timing>
 </p:sld>
 </file>
 
-<file path=ppt/slides/slide31.xml><?xml version="1.0" encoding="utf-8"?>
+<file path=ppt/slides/slide32.xml><?xml version="1.0" encoding="utf-8"?>
 <p:sld xmlns:a="http://schemas.openxmlformats.org/drawingml/2006/main" xmlns:r="http://schemas.openxmlformats.org/officeDocument/2006/relationships" xmlns:p="http://schemas.openxmlformats.org/presentationml/2006/main">
   <p:cSld>
     <p:spTree>
@@ -19606,30 +20261,6 @@
       </p:grpSpPr>
       <p:pic>
         <p:nvPicPr>
-          <p:cNvPr id="4" name="그림 3"/>
-          <p:cNvPicPr>
-            <a:picLocks noChangeAspect="1"/>
-          </p:cNvPicPr>
-          <p:nvPr/>
-        </p:nvPicPr>
-        <p:blipFill>
-          <a:blip r:embed="rId2"/>
-          <a:stretch>
-            <a:fillRect/>
-          </a:stretch>
-        </p:blipFill>
-        <p:spPr>
-          <a:xfrm>
-            <a:off x="457200" y="342900"/>
-            <a:ext cx="5069434" cy="2057400"/>
-          </a:xfrm>
-          <a:prstGeom prst="rect">
-            <a:avLst/>
-          </a:prstGeom>
-        </p:spPr>
-      </p:pic>
-      <p:pic>
-        <p:nvPicPr>
           <p:cNvPr id="5" name="그림 4"/>
           <p:cNvPicPr>
             <a:picLocks noChangeAspect="1"/>
@@ -19637,7 +20268,7 @@
           <p:nvPr/>
         </p:nvPicPr>
         <p:blipFill>
-          <a:blip r:embed="rId3"/>
+          <a:blip r:embed="rId2"/>
           <a:stretch>
             <a:fillRect/>
           </a:stretch>
@@ -19812,7 +20443,7 @@
           <p:nvPr/>
         </p:nvPicPr>
         <p:blipFill>
-          <a:blip r:embed="rId4"/>
+          <a:blip r:embed="rId3"/>
           <a:stretch>
             <a:fillRect/>
           </a:stretch>
@@ -19936,7 +20567,7 @@
           <p:nvPr/>
         </p:nvPicPr>
         <p:blipFill>
-          <a:blip r:embed="rId5"/>
+          <a:blip r:embed="rId4"/>
           <a:stretch>
             <a:fillRect/>
           </a:stretch>
@@ -20052,6 +20683,30 @@
           </a:p>
         </p:txBody>
       </p:sp>
+      <p:pic>
+        <p:nvPicPr>
+          <p:cNvPr id="2" name="그림 1"/>
+          <p:cNvPicPr>
+            <a:picLocks noChangeAspect="1"/>
+          </p:cNvPicPr>
+          <p:nvPr/>
+        </p:nvPicPr>
+        <p:blipFill>
+          <a:blip r:embed="rId5"/>
+          <a:stretch>
+            <a:fillRect/>
+          </a:stretch>
+        </p:blipFill>
+        <p:spPr>
+          <a:xfrm>
+            <a:off x="609600" y="571499"/>
+            <a:ext cx="5385242" cy="2218505"/>
+          </a:xfrm>
+          <a:prstGeom prst="rect">
+            <a:avLst/>
+          </a:prstGeom>
+        </p:spPr>
+      </p:pic>
     </p:spTree>
     <p:extLst>
       <p:ext uri="{BB962C8B-B14F-4D97-AF65-F5344CB8AC3E}">
@@ -20271,7 +20926,7 @@
 </p:sld>
 </file>
 
-<file path=ppt/slides/slide32.xml><?xml version="1.0" encoding="utf-8"?>
+<file path=ppt/slides/slide33.xml><?xml version="1.0" encoding="utf-8"?>
 <p:sld xmlns:a="http://schemas.openxmlformats.org/drawingml/2006/main" xmlns:r="http://schemas.openxmlformats.org/officeDocument/2006/relationships" xmlns:p="http://schemas.openxmlformats.org/presentationml/2006/main">
   <p:cSld>
     <p:spTree>
@@ -20426,7 +21081,7 @@
         <p:spPr>
           <a:xfrm>
             <a:off x="381000" y="7357138"/>
-            <a:ext cx="11493371" cy="707886"/>
+            <a:ext cx="11493371" cy="1323439"/>
           </a:xfrm>
           <a:prstGeom prst="rect">
             <a:avLst/>
@@ -20467,7 +21122,66 @@
                 <a:latin typeface="G마켓 산스 Medium" panose="02000000000000000000" pitchFamily="50" charset="-127"/>
                 <a:ea typeface="G마켓 산스 Medium" panose="02000000000000000000" pitchFamily="50" charset="-127"/>
               </a:rPr>
-              <a:t> 그냥 사용한다</a:t>
+              <a:t> </a:t>
+            </a:r>
+            <a:r>
+              <a:rPr lang="ko-KR" altLang="en-US" sz="4000">
+                <a:solidFill>
+                  <a:srgbClr val="FF0000"/>
+                </a:solidFill>
+                <a:latin typeface="G마켓 산스 Medium" panose="02000000000000000000" pitchFamily="50" charset="-127"/>
+                <a:ea typeface="G마켓 산스 Medium" panose="02000000000000000000" pitchFamily="50" charset="-127"/>
+              </a:rPr>
+              <a:t>그냥 </a:t>
+            </a:r>
+            <a:r>
+              <a:rPr lang="ko-KR" altLang="en-US" sz="4000" smtClean="0">
+                <a:solidFill>
+                  <a:srgbClr val="FF0000"/>
+                </a:solidFill>
+                <a:latin typeface="G마켓 산스 Medium" panose="02000000000000000000" pitchFamily="50" charset="-127"/>
+                <a:ea typeface="G마켓 산스 Medium" panose="02000000000000000000" pitchFamily="50" charset="-127"/>
+              </a:rPr>
+              <a:t>사용한다</a:t>
+            </a:r>
+            <a:endParaRPr lang="en-US" altLang="ko-KR" sz="4000" smtClean="0">
+              <a:solidFill>
+                <a:srgbClr val="FF0000"/>
+              </a:solidFill>
+              <a:latin typeface="G마켓 산스 Medium" panose="02000000000000000000" pitchFamily="50" charset="-127"/>
+              <a:ea typeface="G마켓 산스 Medium" panose="02000000000000000000" pitchFamily="50" charset="-127"/>
+            </a:endParaRPr>
+          </a:p>
+          <a:p>
+            <a:r>
+              <a:rPr lang="en-US" altLang="ko-KR" sz="4000" smtClean="0">
+                <a:solidFill>
+                  <a:srgbClr val="FF0000"/>
+                </a:solidFill>
+                <a:latin typeface="G마켓 산스 Medium" panose="02000000000000000000" pitchFamily="50" charset="-127"/>
+                <a:ea typeface="G마켓 산스 Medium" panose="02000000000000000000" pitchFamily="50" charset="-127"/>
+              </a:rPr>
+              <a:t>(</a:t>
+            </a:r>
+            <a:r>
+              <a:rPr lang="ko-KR" altLang="en-US" sz="4000" smtClean="0">
+                <a:solidFill>
+                  <a:srgbClr val="FF0000"/>
+                </a:solidFill>
+                <a:latin typeface="G마켓 산스 Medium" panose="02000000000000000000" pitchFamily="50" charset="-127"/>
+                <a:ea typeface="G마켓 산스 Medium" panose="02000000000000000000" pitchFamily="50" charset="-127"/>
+              </a:rPr>
+              <a:t>실제 실행이 아닌 설계도를 만드는것이기때문</a:t>
+            </a:r>
+            <a:r>
+              <a:rPr lang="en-US" altLang="ko-KR" sz="4000" smtClean="0">
+                <a:solidFill>
+                  <a:srgbClr val="FF0000"/>
+                </a:solidFill>
+                <a:latin typeface="G마켓 산스 Medium" panose="02000000000000000000" pitchFamily="50" charset="-127"/>
+                <a:ea typeface="G마켓 산스 Medium" panose="02000000000000000000" pitchFamily="50" charset="-127"/>
+              </a:rPr>
+              <a:t>)</a:t>
             </a:r>
             <a:endParaRPr lang="en-US" altLang="ko-KR" sz="4000" dirty="0">
               <a:solidFill>
@@ -20673,7 +21387,7 @@
 </p:sld>
 </file>
 
-<file path=ppt/slides/slide33.xml><?xml version="1.0" encoding="utf-8"?>
+<file path=ppt/slides/slide34.xml><?xml version="1.0" encoding="utf-8"?>
 <p:sld xmlns:a="http://schemas.openxmlformats.org/drawingml/2006/main" xmlns:r="http://schemas.openxmlformats.org/officeDocument/2006/relationships" xmlns:p="http://schemas.openxmlformats.org/presentationml/2006/main">
   <p:cSld>
     <p:spTree>
@@ -20828,7 +21542,7 @@
         <p:spPr>
           <a:xfrm>
             <a:off x="165229" y="9008297"/>
-            <a:ext cx="12331571" cy="707886"/>
+            <a:ext cx="13093571" cy="707886"/>
           </a:xfrm>
           <a:prstGeom prst="rect">
             <a:avLst/>
@@ -20842,14 +21556,24 @@
           <a:lstStyle/>
           <a:p>
             <a:r>
-              <a:rPr lang="ko-KR" altLang="en-US" sz="4000" dirty="0">
+              <a:rPr lang="ko-KR" altLang="en-US" sz="4000" smtClean="0">
                 <a:solidFill>
                   <a:srgbClr val="FF0000"/>
                 </a:solidFill>
                 <a:latin typeface="G마켓 산스 Medium" panose="02000000000000000000" pitchFamily="50" charset="-127"/>
                 <a:ea typeface="G마켓 산스 Medium" panose="02000000000000000000" pitchFamily="50" charset="-127"/>
               </a:rPr>
-              <a:t>같은 클래스 에서는 객체 생성 없이 그냥 사용한다</a:t>
+              <a:t>클래스가 다르므로 객체생성 없이 그냥 사용할수 없다</a:t>
+            </a:r>
+            <a:r>
+              <a:rPr lang="en-US" altLang="ko-KR" sz="4000" smtClean="0">
+                <a:solidFill>
+                  <a:srgbClr val="FF0000"/>
+                </a:solidFill>
+                <a:latin typeface="G마켓 산스 Medium" panose="02000000000000000000" pitchFamily="50" charset="-127"/>
+                <a:ea typeface="G마켓 산스 Medium" panose="02000000000000000000" pitchFamily="50" charset="-127"/>
+              </a:rPr>
+              <a:t>.</a:t>
             </a:r>
             <a:endParaRPr lang="en-US" altLang="ko-KR" sz="4000" dirty="0">
               <a:solidFill>
@@ -21273,7 +21997,7 @@
 </p:sld>
 </file>
 
-<file path=ppt/slides/slide34.xml><?xml version="1.0" encoding="utf-8"?>
+<file path=ppt/slides/slide35.xml><?xml version="1.0" encoding="utf-8"?>
 <p:sld xmlns:a="http://schemas.openxmlformats.org/drawingml/2006/main" xmlns:r="http://schemas.openxmlformats.org/officeDocument/2006/relationships" xmlns:p="http://schemas.openxmlformats.org/presentationml/2006/main">
   <p:cSld>
     <p:spTree>
@@ -21886,7 +22610,7 @@
 </p:sld>
 </file>
 
-<file path=ppt/slides/slide35.xml><?xml version="1.0" encoding="utf-8"?>
+<file path=ppt/slides/slide36.xml><?xml version="1.0" encoding="utf-8"?>
 <p:sld xmlns:a="http://schemas.openxmlformats.org/drawingml/2006/main" xmlns:r="http://schemas.openxmlformats.org/officeDocument/2006/relationships" xmlns:p="http://schemas.openxmlformats.org/presentationml/2006/main">
   <p:cSld>
     <p:spTree>
@@ -22675,8 +23399,8 @@
 </p:sld>
 </file>
 
-<file path=ppt/slides/slide36.xml><?xml version="1.0" encoding="utf-8"?>
-<p:sld xmlns:a="http://schemas.openxmlformats.org/drawingml/2006/main" xmlns:r="http://schemas.openxmlformats.org/officeDocument/2006/relationships" xmlns:p="http://schemas.openxmlformats.org/presentationml/2006/main">
+<file path=ppt/slides/slide37.xml><?xml version="1.0" encoding="utf-8"?>
+<p:sld xmlns:a="http://schemas.openxmlformats.org/drawingml/2006/main" xmlns:r="http://schemas.openxmlformats.org/officeDocument/2006/relationships" xmlns:p="http://schemas.openxmlformats.org/presentationml/2006/main" show="0">
   <p:cSld>
     <p:spTree>
       <p:nvGrpSpPr>
@@ -23104,6 +23828,14 @@
   <p:clrMapOvr>
     <a:masterClrMapping/>
   </p:clrMapOvr>
+  <mc:AlternateContent xmlns:mc="http://schemas.openxmlformats.org/markup-compatibility/2006" xmlns:p14="http://schemas.microsoft.com/office/powerpoint/2010/main">
+    <mc:Choice Requires="p14">
+      <p:transition spd="slow" p14:dur="2000"/>
+    </mc:Choice>
+    <mc:Fallback xmlns="">
+      <p:transition spd="slow"/>
+    </mc:Fallback>
+  </mc:AlternateContent>
   <p:timing>
     <p:tnLst>
       <p:par>
@@ -23114,8 +23846,8 @@
 </p:sld>
 </file>
 
-<file path=ppt/slides/slide37.xml><?xml version="1.0" encoding="utf-8"?>
-<p:sld xmlns:a="http://schemas.openxmlformats.org/drawingml/2006/main" xmlns:r="http://schemas.openxmlformats.org/officeDocument/2006/relationships" xmlns:p="http://schemas.openxmlformats.org/presentationml/2006/main">
+<file path=ppt/slides/slide38.xml><?xml version="1.0" encoding="utf-8"?>
+<p:sld xmlns:a="http://schemas.openxmlformats.org/drawingml/2006/main" xmlns:r="http://schemas.openxmlformats.org/officeDocument/2006/relationships" xmlns:p="http://schemas.openxmlformats.org/presentationml/2006/main" show="0">
   <p:cSld>
     <p:spTree>
       <p:nvGrpSpPr>
@@ -24518,6 +25250,14 @@
   <p:clrMapOvr>
     <a:masterClrMapping/>
   </p:clrMapOvr>
+  <mc:AlternateContent xmlns:mc="http://schemas.openxmlformats.org/markup-compatibility/2006" xmlns:p14="http://schemas.microsoft.com/office/powerpoint/2010/main">
+    <mc:Choice Requires="p14">
+      <p:transition spd="slow" p14:dur="2000"/>
+    </mc:Choice>
+    <mc:Fallback xmlns="">
+      <p:transition spd="slow"/>
+    </mc:Fallback>
+  </mc:AlternateContent>
   <p:timing>
     <p:tnLst>
       <p:par>
@@ -25054,8 +25794,8 @@
 </p:sld>
 </file>
 
-<file path=ppt/slides/slide38.xml><?xml version="1.0" encoding="utf-8"?>
-<p:sld xmlns:a="http://schemas.openxmlformats.org/drawingml/2006/main" xmlns:r="http://schemas.openxmlformats.org/officeDocument/2006/relationships" xmlns:p="http://schemas.openxmlformats.org/presentationml/2006/main">
+<file path=ppt/slides/slide39.xml><?xml version="1.0" encoding="utf-8"?>
+<p:sld xmlns:a="http://schemas.openxmlformats.org/drawingml/2006/main" xmlns:r="http://schemas.openxmlformats.org/officeDocument/2006/relationships" xmlns:p="http://schemas.openxmlformats.org/presentationml/2006/main" show="0">
   <p:cSld>
     <p:spTree>
       <p:nvGrpSpPr>
@@ -25283,6 +26023,14 @@
   <p:clrMapOvr>
     <a:masterClrMapping/>
   </p:clrMapOvr>
+  <mc:AlternateContent xmlns:mc="http://schemas.openxmlformats.org/markup-compatibility/2006" xmlns:p14="http://schemas.microsoft.com/office/powerpoint/2010/main">
+    <mc:Choice Requires="p14">
+      <p:transition spd="slow" p14:dur="2000"/>
+    </mc:Choice>
+    <mc:Fallback xmlns="">
+      <p:transition spd="slow"/>
+    </mc:Fallback>
+  </mc:AlternateContent>
   <p:timing>
     <p:tnLst>
       <p:par>
@@ -25293,7 +26041,112 @@
 </p:sld>
 </file>
 
-<file path=ppt/slides/slide39.xml><?xml version="1.0" encoding="utf-8"?>
+<file path=ppt/slides/slide4.xml><?xml version="1.0" encoding="utf-8"?>
+<p:sld xmlns:a="http://schemas.openxmlformats.org/drawingml/2006/main" xmlns:r="http://schemas.openxmlformats.org/officeDocument/2006/relationships" xmlns:p="http://schemas.openxmlformats.org/presentationml/2006/main">
+  <p:cSld>
+    <p:spTree>
+      <p:nvGrpSpPr>
+        <p:cNvPr id="1" name=""/>
+        <p:cNvGrpSpPr/>
+        <p:nvPr/>
+      </p:nvGrpSpPr>
+      <p:grpSpPr>
+        <a:xfrm>
+          <a:off x="0" y="0"/>
+          <a:ext cx="0" cy="0"/>
+          <a:chOff x="0" y="0"/>
+          <a:chExt cx="0" cy="0"/>
+        </a:xfrm>
+      </p:grpSpPr>
+      <p:sp>
+        <p:nvSpPr>
+          <p:cNvPr id="4" name="TextBox 3">
+            <a:extLst>
+              <a:ext uri="{FF2B5EF4-FFF2-40B4-BE49-F238E27FC236}">
+                <a16:creationId xmlns="" xmlns:a16="http://schemas.microsoft.com/office/drawing/2014/main" id="{DF7DDD33-9412-2802-339A-E55446AC2DA7}"/>
+              </a:ext>
+            </a:extLst>
+          </p:cNvPr>
+          <p:cNvSpPr txBox="1"/>
+          <p:nvPr/>
+        </p:nvSpPr>
+        <p:spPr>
+          <a:xfrm>
+            <a:off x="4572000" y="4152900"/>
+            <a:ext cx="9562233" cy="1107996"/>
+          </a:xfrm>
+          <a:prstGeom prst="rect">
+            <a:avLst/>
+          </a:prstGeom>
+          <a:noFill/>
+        </p:spPr>
+        <p:txBody>
+          <a:bodyPr wrap="none" rtlCol="0">
+            <a:spAutoFit/>
+          </a:bodyPr>
+          <a:lstStyle/>
+          <a:p>
+            <a:r>
+              <a:rPr lang="ko-KR" altLang="en-US" sz="6600">
+                <a:solidFill>
+                  <a:srgbClr val="4C50BC"/>
+                </a:solidFill>
+                <a:latin typeface="G마켓 산스 Bold"/>
+                <a:ea typeface="G마켓 산스 Medium" panose="02000000000000000000" pitchFamily="50" charset="-127"/>
+              </a:rPr>
+              <a:t>객체 </a:t>
+            </a:r>
+            <a:r>
+              <a:rPr lang="en-US" altLang="ko-KR" sz="6600">
+                <a:solidFill>
+                  <a:srgbClr val="4C50BC"/>
+                </a:solidFill>
+                <a:latin typeface="G마켓 산스 Bold"/>
+                <a:ea typeface="G마켓 산스 Medium" panose="02000000000000000000" pitchFamily="50" charset="-127"/>
+              </a:rPr>
+              <a:t>= </a:t>
+            </a:r>
+            <a:r>
+              <a:rPr lang="ko-KR" altLang="en-US" sz="6600">
+                <a:solidFill>
+                  <a:srgbClr val="4C50BC"/>
+                </a:solidFill>
+                <a:latin typeface="G마켓 산스 Bold"/>
+                <a:ea typeface="G마켓 산스 Medium" panose="02000000000000000000" pitchFamily="50" charset="-127"/>
+              </a:rPr>
+              <a:t>실제로 존재하는것</a:t>
+            </a:r>
+            <a:endParaRPr lang="ko-KR" altLang="en-US" sz="5400" dirty="0">
+              <a:solidFill>
+                <a:srgbClr val="4C50BC"/>
+              </a:solidFill>
+              <a:latin typeface="G마켓 산스 Bold"/>
+              <a:ea typeface="G마켓 산스 Medium" panose="02000000000000000000" pitchFamily="50" charset="-127"/>
+            </a:endParaRPr>
+          </a:p>
+        </p:txBody>
+      </p:sp>
+    </p:spTree>
+    <p:extLst>
+      <p:ext uri="{BB962C8B-B14F-4D97-AF65-F5344CB8AC3E}">
+        <p14:creationId xmlns:p14="http://schemas.microsoft.com/office/powerpoint/2010/main" val="4097097114"/>
+      </p:ext>
+    </p:extLst>
+  </p:cSld>
+  <p:clrMapOvr>
+    <a:masterClrMapping/>
+  </p:clrMapOvr>
+  <p:timing>
+    <p:tnLst>
+      <p:par>
+        <p:cTn id="1" dur="indefinite" restart="never" nodeType="tmRoot"/>
+      </p:par>
+    </p:tnLst>
+  </p:timing>
+</p:sld>
+</file>
+
+<file path=ppt/slides/slide40.xml><?xml version="1.0" encoding="utf-8"?>
 <p:sld xmlns:a="http://schemas.openxmlformats.org/drawingml/2006/main" xmlns:r="http://schemas.openxmlformats.org/officeDocument/2006/relationships" xmlns:p="http://schemas.openxmlformats.org/presentationml/2006/main">
   <p:cSld>
     <p:spTree>
@@ -26204,112 +27057,7 @@
 </p:sld>
 </file>
 
-<file path=ppt/slides/slide4.xml><?xml version="1.0" encoding="utf-8"?>
-<p:sld xmlns:a="http://schemas.openxmlformats.org/drawingml/2006/main" xmlns:r="http://schemas.openxmlformats.org/officeDocument/2006/relationships" xmlns:p="http://schemas.openxmlformats.org/presentationml/2006/main">
-  <p:cSld>
-    <p:spTree>
-      <p:nvGrpSpPr>
-        <p:cNvPr id="1" name=""/>
-        <p:cNvGrpSpPr/>
-        <p:nvPr/>
-      </p:nvGrpSpPr>
-      <p:grpSpPr>
-        <a:xfrm>
-          <a:off x="0" y="0"/>
-          <a:ext cx="0" cy="0"/>
-          <a:chOff x="0" y="0"/>
-          <a:chExt cx="0" cy="0"/>
-        </a:xfrm>
-      </p:grpSpPr>
-      <p:sp>
-        <p:nvSpPr>
-          <p:cNvPr id="4" name="TextBox 3">
-            <a:extLst>
-              <a:ext uri="{FF2B5EF4-FFF2-40B4-BE49-F238E27FC236}">
-                <a16:creationId xmlns="" xmlns:a16="http://schemas.microsoft.com/office/drawing/2014/main" id="{DF7DDD33-9412-2802-339A-E55446AC2DA7}"/>
-              </a:ext>
-            </a:extLst>
-          </p:cNvPr>
-          <p:cNvSpPr txBox="1"/>
-          <p:nvPr/>
-        </p:nvSpPr>
-        <p:spPr>
-          <a:xfrm>
-            <a:off x="4572000" y="4152900"/>
-            <a:ext cx="9562233" cy="1107996"/>
-          </a:xfrm>
-          <a:prstGeom prst="rect">
-            <a:avLst/>
-          </a:prstGeom>
-          <a:noFill/>
-        </p:spPr>
-        <p:txBody>
-          <a:bodyPr wrap="none" rtlCol="0">
-            <a:spAutoFit/>
-          </a:bodyPr>
-          <a:lstStyle/>
-          <a:p>
-            <a:r>
-              <a:rPr lang="ko-KR" altLang="en-US" sz="6600">
-                <a:solidFill>
-                  <a:srgbClr val="4C50BC"/>
-                </a:solidFill>
-                <a:latin typeface="G마켓 산스 Bold"/>
-                <a:ea typeface="G마켓 산스 Medium" panose="02000000000000000000" pitchFamily="50" charset="-127"/>
-              </a:rPr>
-              <a:t>객체 </a:t>
-            </a:r>
-            <a:r>
-              <a:rPr lang="en-US" altLang="ko-KR" sz="6600">
-                <a:solidFill>
-                  <a:srgbClr val="4C50BC"/>
-                </a:solidFill>
-                <a:latin typeface="G마켓 산스 Bold"/>
-                <a:ea typeface="G마켓 산스 Medium" panose="02000000000000000000" pitchFamily="50" charset="-127"/>
-              </a:rPr>
-              <a:t>= </a:t>
-            </a:r>
-            <a:r>
-              <a:rPr lang="ko-KR" altLang="en-US" sz="6600">
-                <a:solidFill>
-                  <a:srgbClr val="4C50BC"/>
-                </a:solidFill>
-                <a:latin typeface="G마켓 산스 Bold"/>
-                <a:ea typeface="G마켓 산스 Medium" panose="02000000000000000000" pitchFamily="50" charset="-127"/>
-              </a:rPr>
-              <a:t>실제로 존재하는것</a:t>
-            </a:r>
-            <a:endParaRPr lang="ko-KR" altLang="en-US" sz="5400" dirty="0">
-              <a:solidFill>
-                <a:srgbClr val="4C50BC"/>
-              </a:solidFill>
-              <a:latin typeface="G마켓 산스 Bold"/>
-              <a:ea typeface="G마켓 산스 Medium" panose="02000000000000000000" pitchFamily="50" charset="-127"/>
-            </a:endParaRPr>
-          </a:p>
-        </p:txBody>
-      </p:sp>
-    </p:spTree>
-    <p:extLst>
-      <p:ext uri="{BB962C8B-B14F-4D97-AF65-F5344CB8AC3E}">
-        <p14:creationId xmlns:p14="http://schemas.microsoft.com/office/powerpoint/2010/main" val="4097097114"/>
-      </p:ext>
-    </p:extLst>
-  </p:cSld>
-  <p:clrMapOvr>
-    <a:masterClrMapping/>
-  </p:clrMapOvr>
-  <p:timing>
-    <p:tnLst>
-      <p:par>
-        <p:cTn id="1" dur="indefinite" restart="never" nodeType="tmRoot"/>
-      </p:par>
-    </p:tnLst>
-  </p:timing>
-</p:sld>
-</file>
-
-<file path=ppt/slides/slide40.xml><?xml version="1.0" encoding="utf-8"?>
+<file path=ppt/slides/slide41.xml><?xml version="1.0" encoding="utf-8"?>
 <p:sld xmlns:a="http://schemas.openxmlformats.org/drawingml/2006/main" xmlns:r="http://schemas.openxmlformats.org/officeDocument/2006/relationships" xmlns:p="http://schemas.openxmlformats.org/presentationml/2006/main">
   <p:cSld>
     <p:spTree>
@@ -26657,7 +27405,7 @@
 </p:sld>
 </file>
 
-<file path=ppt/slides/slide41.xml><?xml version="1.0" encoding="utf-8"?>
+<file path=ppt/slides/slide42.xml><?xml version="1.0" encoding="utf-8"?>
 <p:sld xmlns:a="http://schemas.openxmlformats.org/drawingml/2006/main" xmlns:r="http://schemas.openxmlformats.org/officeDocument/2006/relationships" xmlns:p="http://schemas.openxmlformats.org/presentationml/2006/main">
   <p:cSld>
     <p:spTree>
@@ -26689,7 +27437,7 @@
         <p:spPr>
           <a:xfrm>
             <a:off x="990600" y="869316"/>
-            <a:ext cx="16553516" cy="584775"/>
+            <a:ext cx="16553516" cy="1077218"/>
           </a:xfrm>
           <a:prstGeom prst="rect">
             <a:avLst/>
@@ -26730,58 +27478,107 @@
                 <a:latin typeface="G마켓 산스 Medium" panose="02000000000000000000" pitchFamily="50" charset="-127"/>
                 <a:ea typeface="G마켓 산스 Medium" panose="02000000000000000000" pitchFamily="50" charset="-127"/>
               </a:rPr>
-              <a:t>클래스를 구현 하여 아래의 식의 답을 출력하자</a:t>
-            </a:r>
-            <a:r>
-              <a:rPr lang="en-US" altLang="ko-KR" sz="3200" dirty="0">
+              <a:t>클래스를 구현 하여 아래의 식의 </a:t>
+            </a:r>
+            <a:r>
+              <a:rPr lang="ko-KR" altLang="en-US" sz="3200">
                 <a:solidFill>
                   <a:srgbClr val="4C50BC"/>
                 </a:solidFill>
                 <a:latin typeface="G마켓 산스 Medium" panose="02000000000000000000" pitchFamily="50" charset="-127"/>
                 <a:ea typeface="G마켓 산스 Medium" panose="02000000000000000000" pitchFamily="50" charset="-127"/>
               </a:rPr>
-              <a:t>(</a:t>
-            </a:r>
-            <a:r>
-              <a:rPr lang="ko-KR" altLang="en-US" sz="3200" dirty="0">
+              <a:t>답을 </a:t>
+            </a:r>
+            <a:r>
+              <a:rPr lang="ko-KR" altLang="en-US" sz="3200" smtClean="0">
                 <a:solidFill>
                   <a:srgbClr val="4C50BC"/>
                 </a:solidFill>
                 <a:latin typeface="G마켓 산스 Medium" panose="02000000000000000000" pitchFamily="50" charset="-127"/>
                 <a:ea typeface="G마켓 산스 Medium" panose="02000000000000000000" pitchFamily="50" charset="-127"/>
               </a:rPr>
-              <a:t>변수는 </a:t>
-            </a:r>
-            <a:r>
-              <a:rPr lang="en-US" altLang="ko-KR" sz="3200" dirty="0">
-                <a:solidFill>
-                  <a:srgbClr val="4C50BC"/>
+              <a:t>출력하자 </a:t>
+            </a:r>
+            <a:r>
+              <a:rPr lang="en-US" altLang="ko-KR" sz="3200" smtClean="0">
+                <a:solidFill>
+                  <a:srgbClr val="FF0000"/>
                 </a:solidFill>
                 <a:latin typeface="G마켓 산스 Medium" panose="02000000000000000000" pitchFamily="50" charset="-127"/>
                 <a:ea typeface="G마켓 산스 Medium" panose="02000000000000000000" pitchFamily="50" charset="-127"/>
               </a:rPr>
-              <a:t>result </a:t>
-            </a:r>
-            <a:r>
-              <a:rPr lang="ko-KR" altLang="en-US" sz="3200" dirty="0">
-                <a:solidFill>
-                  <a:srgbClr val="4C50BC"/>
+              <a:t>(</a:t>
+            </a:r>
+            <a:r>
+              <a:rPr lang="en-US" altLang="ko-KR" sz="3200" smtClean="0">
+                <a:solidFill>
+                  <a:srgbClr val="FF0000"/>
                 </a:solidFill>
                 <a:latin typeface="G마켓 산스 Medium" panose="02000000000000000000" pitchFamily="50" charset="-127"/>
                 <a:ea typeface="G마켓 산스 Medium" panose="02000000000000000000" pitchFamily="50" charset="-127"/>
               </a:rPr>
-              <a:t>한 개만 사용</a:t>
-            </a:r>
-            <a:r>
-              <a:rPr lang="en-US" altLang="ko-KR" sz="3200" dirty="0">
-                <a:solidFill>
-                  <a:srgbClr val="4C50BC"/>
+              <a:t>normal</a:t>
+            </a:r>
+            <a:r>
+              <a:rPr lang="en-US" altLang="ko-KR" sz="3200" smtClean="0">
+                <a:solidFill>
+                  <a:srgbClr val="FF0000"/>
                 </a:solidFill>
                 <a:latin typeface="G마켓 산스 Medium" panose="02000000000000000000" pitchFamily="50" charset="-127"/>
                 <a:ea typeface="G마켓 산스 Medium" panose="02000000000000000000" pitchFamily="50" charset="-127"/>
               </a:rPr>
-              <a:t>) </a:t>
-            </a:r>
+              <a:t>)</a:t>
+            </a:r>
+          </a:p>
+          <a:p>
+            <a:r>
+              <a:rPr lang="en-US" altLang="ko-KR" sz="3200" smtClean="0">
+                <a:solidFill>
+                  <a:srgbClr val="4D4848"/>
+                </a:solidFill>
+                <a:latin typeface="G마켓 산스 Medium" panose="02000000000000000000" pitchFamily="50" charset="-127"/>
+                <a:ea typeface="G마켓 산스 Medium" panose="02000000000000000000" pitchFamily="50" charset="-127"/>
+              </a:rPr>
+              <a:t>- </a:t>
+            </a:r>
+            <a:r>
+              <a:rPr lang="ko-KR" altLang="en-US" sz="3200" smtClean="0">
+                <a:solidFill>
+                  <a:srgbClr val="4D4848"/>
+                </a:solidFill>
+                <a:latin typeface="G마켓 산스 Medium" panose="02000000000000000000" pitchFamily="50" charset="-127"/>
+                <a:ea typeface="G마켓 산스 Medium" panose="02000000000000000000" pitchFamily="50" charset="-127"/>
+              </a:rPr>
+              <a:t>사칙연산 연산자 대신 </a:t>
+            </a:r>
+            <a:r>
+              <a:rPr lang="en-US" altLang="ko-KR" sz="3200" smtClean="0">
+                <a:solidFill>
+                  <a:srgbClr val="4D4848"/>
+                </a:solidFill>
+                <a:latin typeface="G마켓 산스 Medium" panose="02000000000000000000" pitchFamily="50" charset="-127"/>
+                <a:ea typeface="G마켓 산스 Medium" panose="02000000000000000000" pitchFamily="50" charset="-127"/>
+              </a:rPr>
+              <a:t>MyMath </a:t>
+            </a:r>
+            <a:r>
+              <a:rPr lang="ko-KR" altLang="en-US" sz="3200" smtClean="0">
+                <a:solidFill>
+                  <a:srgbClr val="4D4848"/>
+                </a:solidFill>
+                <a:latin typeface="G마켓 산스 Medium" panose="02000000000000000000" pitchFamily="50" charset="-127"/>
+                <a:ea typeface="G마켓 산스 Medium" panose="02000000000000000000" pitchFamily="50" charset="-127"/>
+              </a:rPr>
+              <a:t>클래스의 메서드를 이용하여 계산하자</a:t>
+            </a:r>
+            <a:endParaRPr lang="en-US" altLang="ko-KR" sz="3200" dirty="0">
+              <a:solidFill>
+                <a:srgbClr val="4D4848"/>
+              </a:solidFill>
+              <a:latin typeface="G마켓 산스 Medium" panose="02000000000000000000" pitchFamily="50" charset="-127"/>
+              <a:ea typeface="G마켓 산스 Medium" panose="02000000000000000000" pitchFamily="50" charset="-127"/>
+            </a:endParaRPr>
           </a:p>
         </p:txBody>
       </p:sp>
@@ -28328,7 +29125,7 @@
 </p:sld>
 </file>
 
-<file path=ppt/slides/slide42.xml><?xml version="1.0" encoding="utf-8"?>
+<file path=ppt/slides/slide43.xml><?xml version="1.0" encoding="utf-8"?>
 <p:sld xmlns:a="http://schemas.openxmlformats.org/drawingml/2006/main" xmlns:r="http://schemas.openxmlformats.org/officeDocument/2006/relationships" xmlns:p="http://schemas.openxmlformats.org/presentationml/2006/main">
   <p:cSld>
     <p:spTree>
@@ -28443,13 +29240,16 @@
               </a:rPr>
               <a:t> </a:t>
             </a:r>
-            <a:endParaRPr lang="en-US" altLang="ko-KR" sz="3200" smtClean="0">
-              <a:solidFill>
-                <a:srgbClr val="4C50BC"/>
-              </a:solidFill>
-              <a:latin typeface="G마켓 산스 Medium" panose="02000000000000000000" pitchFamily="50" charset="-127"/>
-              <a:ea typeface="G마켓 산스 Medium" panose="02000000000000000000" pitchFamily="50" charset="-127"/>
-            </a:endParaRPr>
+            <a:r>
+              <a:rPr lang="en-US" altLang="ko-KR" sz="3200" smtClean="0">
+                <a:solidFill>
+                  <a:srgbClr val="FF0000"/>
+                </a:solidFill>
+                <a:latin typeface="G마켓 산스 Medium" panose="02000000000000000000" pitchFamily="50" charset="-127"/>
+                <a:ea typeface="G마켓 산스 Medium" panose="02000000000000000000" pitchFamily="50" charset="-127"/>
+              </a:rPr>
+              <a:t>(Hard)</a:t>
+            </a:r>
           </a:p>
           <a:p>
             <a:r>
@@ -28586,13 +29386,13 @@
           <p:nvPr>
             <p:extLst>
               <p:ext uri="{D42A27DB-BD31-4B8C-83A1-F6EECF244321}">
-                <p14:modId xmlns:p14="http://schemas.microsoft.com/office/powerpoint/2010/main" val="3372415952"/>
+                <p14:modId xmlns:p14="http://schemas.microsoft.com/office/powerpoint/2010/main" val="2814665784"/>
               </p:ext>
             </p:extLst>
           </p:nvPr>
         </p:nvGraphicFramePr>
         <p:xfrm>
-          <a:off x="10339586" y="1517569"/>
+          <a:off x="10339586" y="2042159"/>
           <a:ext cx="6215744" cy="3596640"/>
         </p:xfrm>
         <a:graphic>
@@ -30007,7 +30807,7 @@
         </p:blipFill>
         <p:spPr>
           <a:xfrm>
-            <a:off x="533399" y="1304209"/>
+            <a:off x="533399" y="1828799"/>
             <a:ext cx="8897664" cy="8191501"/>
           </a:xfrm>
           <a:prstGeom prst="rect">
@@ -30030,7 +30830,7 @@
         </p:blipFill>
         <p:spPr>
           <a:xfrm>
-            <a:off x="533400" y="2066211"/>
+            <a:off x="533400" y="2590801"/>
             <a:ext cx="8839200" cy="4572000"/>
           </a:xfrm>
           <a:prstGeom prst="rect">
@@ -30054,7 +30854,7 @@
         </p:blipFill>
         <p:spPr>
           <a:xfrm>
-            <a:off x="10339586" y="5517352"/>
+            <a:off x="10339586" y="6041942"/>
             <a:ext cx="6399429" cy="2826547"/>
           </a:xfrm>
           <a:prstGeom prst="rect">
@@ -30150,7 +30950,7 @@
 </p:sld>
 </file>
 
-<file path=ppt/slides/slide43.xml><?xml version="1.0" encoding="utf-8"?>
+<file path=ppt/slides/slide44.xml><?xml version="1.0" encoding="utf-8"?>
 <p:sld xmlns:a="http://schemas.openxmlformats.org/drawingml/2006/main" xmlns:r="http://schemas.openxmlformats.org/officeDocument/2006/relationships" xmlns:p="http://schemas.openxmlformats.org/presentationml/2006/main">
   <p:cSld>
     <p:bg>
@@ -30477,7 +31277,7 @@
 </p:sld>
 </file>
 
-<file path=ppt/slides/slide44.xml><?xml version="1.0" encoding="utf-8"?>
+<file path=ppt/slides/slide45.xml><?xml version="1.0" encoding="utf-8"?>
 <p:sld xmlns:a="http://schemas.openxmlformats.org/drawingml/2006/main" xmlns:r="http://schemas.openxmlformats.org/officeDocument/2006/relationships" xmlns:p="http://schemas.openxmlformats.org/presentationml/2006/main">
   <p:cSld>
     <p:spTree>
@@ -31057,7 +31857,7 @@
 </p:sld>
 </file>
 
-<file path=ppt/slides/slide45.xml><?xml version="1.0" encoding="utf-8"?>
+<file path=ppt/slides/slide46.xml><?xml version="1.0" encoding="utf-8"?>
 <p:sld xmlns:a="http://schemas.openxmlformats.org/drawingml/2006/main" xmlns:r="http://schemas.openxmlformats.org/officeDocument/2006/relationships" xmlns:p="http://schemas.openxmlformats.org/presentationml/2006/main">
   <p:cSld>
     <p:spTree>
@@ -31165,7 +31965,7 @@
 </p:sld>
 </file>
 
-<file path=ppt/slides/slide46.xml><?xml version="1.0" encoding="utf-8"?>
+<file path=ppt/slides/slide47.xml><?xml version="1.0" encoding="utf-8"?>
 <p:sld xmlns:a="http://schemas.openxmlformats.org/drawingml/2006/main" xmlns:r="http://schemas.openxmlformats.org/officeDocument/2006/relationships" xmlns:p="http://schemas.openxmlformats.org/presentationml/2006/main">
   <p:cSld>
     <p:spTree>
@@ -31273,7 +32073,7 @@
 </p:sld>
 </file>
 
-<file path=ppt/slides/slide47.xml><?xml version="1.0" encoding="utf-8"?>
+<file path=ppt/slides/slide48.xml><?xml version="1.0" encoding="utf-8"?>
 <p:sld xmlns:a="http://schemas.openxmlformats.org/drawingml/2006/main" xmlns:r="http://schemas.openxmlformats.org/officeDocument/2006/relationships" xmlns:p="http://schemas.openxmlformats.org/presentationml/2006/main">
   <p:cSld>
     <p:spTree>
@@ -32164,7 +32964,7 @@
 </p:sld>
 </file>
 
-<file path=ppt/slides/slide48.xml><?xml version="1.0" encoding="utf-8"?>
+<file path=ppt/slides/slide49.xml><?xml version="1.0" encoding="utf-8"?>
 <p:sld xmlns:a="http://schemas.openxmlformats.org/drawingml/2006/main" xmlns:r="http://schemas.openxmlformats.org/officeDocument/2006/relationships" xmlns:p="http://schemas.openxmlformats.org/presentationml/2006/main">
   <p:cSld>
     <p:spTree>
@@ -33961,267 +34761,6 @@
 </p:sld>
 </file>
 
-<file path=ppt/slides/slide49.xml><?xml version="1.0" encoding="utf-8"?>
-<p:sld xmlns:a="http://schemas.openxmlformats.org/drawingml/2006/main" xmlns:r="http://schemas.openxmlformats.org/officeDocument/2006/relationships" xmlns:p="http://schemas.openxmlformats.org/presentationml/2006/main">
-  <p:cSld>
-    <p:spTree>
-      <p:nvGrpSpPr>
-        <p:cNvPr id="1" name=""/>
-        <p:cNvGrpSpPr/>
-        <p:nvPr/>
-      </p:nvGrpSpPr>
-      <p:grpSpPr>
-        <a:xfrm>
-          <a:off x="0" y="0"/>
-          <a:ext cx="0" cy="0"/>
-          <a:chOff x="0" y="0"/>
-          <a:chExt cx="0" cy="0"/>
-        </a:xfrm>
-      </p:grpSpPr>
-      <p:pic>
-        <p:nvPicPr>
-          <p:cNvPr id="5" name="그림 4">
-            <a:extLst>
-              <a:ext uri="{FF2B5EF4-FFF2-40B4-BE49-F238E27FC236}">
-                <a16:creationId xmlns="" xmlns:a16="http://schemas.microsoft.com/office/drawing/2014/main" id="{CEE2DE3F-058D-C522-8D11-5AB0CCBF2B08}"/>
-              </a:ext>
-            </a:extLst>
-          </p:cNvPr>
-          <p:cNvPicPr>
-            <a:picLocks noChangeAspect="1"/>
-          </p:cNvPicPr>
-          <p:nvPr/>
-        </p:nvPicPr>
-        <p:blipFill>
-          <a:blip r:embed="rId2"/>
-          <a:stretch>
-            <a:fillRect/>
-          </a:stretch>
-        </p:blipFill>
-        <p:spPr>
-          <a:xfrm>
-            <a:off x="1676400" y="1181100"/>
-            <a:ext cx="9170171" cy="6781800"/>
-          </a:xfrm>
-          <a:prstGeom prst="rect">
-            <a:avLst/>
-          </a:prstGeom>
-        </p:spPr>
-      </p:pic>
-      <p:cxnSp>
-        <p:nvCxnSpPr>
-          <p:cNvPr id="6" name="직선 화살표 연결선 5">
-            <a:extLst>
-              <a:ext uri="{FF2B5EF4-FFF2-40B4-BE49-F238E27FC236}">
-                <a16:creationId xmlns="" xmlns:a16="http://schemas.microsoft.com/office/drawing/2014/main" id="{DACE99B5-2B6E-2D61-1FA2-17305EEC34F4}"/>
-              </a:ext>
-            </a:extLst>
-          </p:cNvPr>
-          <p:cNvCxnSpPr>
-            <a:cxnSpLocks/>
-          </p:cNvCxnSpPr>
-          <p:nvPr/>
-        </p:nvCxnSpPr>
-        <p:spPr>
-          <a:xfrm>
-            <a:off x="8607943" y="3501614"/>
-            <a:ext cx="1219200" cy="0"/>
-          </a:xfrm>
-          <a:prstGeom prst="straightConnector1">
-            <a:avLst/>
-          </a:prstGeom>
-          <a:ln w="38100">
-            <a:tailEnd type="triangle"/>
-          </a:ln>
-        </p:spPr>
-        <p:style>
-          <a:lnRef idx="1">
-            <a:schemeClr val="accent2"/>
-          </a:lnRef>
-          <a:fillRef idx="0">
-            <a:schemeClr val="accent2"/>
-          </a:fillRef>
-          <a:effectRef idx="0">
-            <a:schemeClr val="accent2"/>
-          </a:effectRef>
-          <a:fontRef idx="minor">
-            <a:schemeClr val="tx1"/>
-          </a:fontRef>
-        </p:style>
-      </p:cxnSp>
-      <p:sp>
-        <p:nvSpPr>
-          <p:cNvPr id="7" name="직사각형 6">
-            <a:extLst>
-              <a:ext uri="{FF2B5EF4-FFF2-40B4-BE49-F238E27FC236}">
-                <a16:creationId xmlns="" xmlns:a16="http://schemas.microsoft.com/office/drawing/2014/main" id="{4469FA68-206D-3A87-3872-B35D14D8136C}"/>
-              </a:ext>
-            </a:extLst>
-          </p:cNvPr>
-          <p:cNvSpPr/>
-          <p:nvPr/>
-        </p:nvSpPr>
-        <p:spPr>
-          <a:xfrm>
-            <a:off x="3352800" y="2681889"/>
-            <a:ext cx="5255143" cy="1166211"/>
-          </a:xfrm>
-          <a:prstGeom prst="rect">
-            <a:avLst/>
-          </a:prstGeom>
-          <a:noFill/>
-          <a:ln>
-            <a:solidFill>
-              <a:srgbClr val="FF0000"/>
-            </a:solidFill>
-          </a:ln>
-        </p:spPr>
-        <p:style>
-          <a:lnRef idx="2">
-            <a:schemeClr val="accent2">
-              <a:shade val="50000"/>
-            </a:schemeClr>
-          </a:lnRef>
-          <a:fillRef idx="1">
-            <a:schemeClr val="accent2"/>
-          </a:fillRef>
-          <a:effectRef idx="0">
-            <a:schemeClr val="accent2"/>
-          </a:effectRef>
-          <a:fontRef idx="minor">
-            <a:schemeClr val="lt1"/>
-          </a:fontRef>
-        </p:style>
-        <p:txBody>
-          <a:bodyPr rtlCol="0" anchor="ctr"/>
-          <a:lstStyle/>
-          <a:p>
-            <a:pPr algn="ctr"/>
-            <a:endParaRPr lang="ko-KR" altLang="en-US"/>
-          </a:p>
-        </p:txBody>
-      </p:sp>
-      <p:sp>
-        <p:nvSpPr>
-          <p:cNvPr id="8" name="TextBox 7">
-            <a:extLst>
-              <a:ext uri="{FF2B5EF4-FFF2-40B4-BE49-F238E27FC236}">
-                <a16:creationId xmlns="" xmlns:a16="http://schemas.microsoft.com/office/drawing/2014/main" id="{3639943C-2D6D-9CBF-67F7-16ADE685FFFB}"/>
-              </a:ext>
-            </a:extLst>
-          </p:cNvPr>
-          <p:cNvSpPr txBox="1"/>
-          <p:nvPr/>
-        </p:nvSpPr>
-        <p:spPr>
-          <a:xfrm>
-            <a:off x="9982200" y="3086100"/>
-            <a:ext cx="6400800" cy="1938992"/>
-          </a:xfrm>
-          <a:prstGeom prst="rect">
-            <a:avLst/>
-          </a:prstGeom>
-          <a:noFill/>
-        </p:spPr>
-        <p:txBody>
-          <a:bodyPr wrap="square" rtlCol="0">
-            <a:spAutoFit/>
-          </a:bodyPr>
-          <a:lstStyle/>
-          <a:p>
-            <a:r>
-              <a:rPr lang="en-US" altLang="ko-KR" sz="4000" dirty="0">
-                <a:solidFill>
-                  <a:srgbClr val="FF0000"/>
-                </a:solidFill>
-                <a:latin typeface="G마켓 산스 Medium" panose="02000000000000000000" pitchFamily="50" charset="-127"/>
-                <a:ea typeface="G마켓 산스 Medium" panose="02000000000000000000" pitchFamily="50" charset="-127"/>
-              </a:rPr>
-              <a:t>13</a:t>
-            </a:r>
-            <a:r>
-              <a:rPr lang="ko-KR" altLang="en-US" sz="4000" dirty="0">
-                <a:solidFill>
-                  <a:srgbClr val="FF0000"/>
-                </a:solidFill>
-                <a:latin typeface="G마켓 산스 Medium" panose="02000000000000000000" pitchFamily="50" charset="-127"/>
-                <a:ea typeface="G마켓 산스 Medium" panose="02000000000000000000" pitchFamily="50" charset="-127"/>
-              </a:rPr>
-              <a:t>보다 큰 </a:t>
-            </a:r>
-            <a:r>
-              <a:rPr lang="ko-KR" altLang="en-US" sz="4000" dirty="0" err="1">
-                <a:solidFill>
-                  <a:srgbClr val="FF0000"/>
-                </a:solidFill>
-                <a:latin typeface="G마켓 산스 Medium" panose="02000000000000000000" pitchFamily="50" charset="-127"/>
-                <a:ea typeface="G마켓 산스 Medium" panose="02000000000000000000" pitchFamily="50" charset="-127"/>
-              </a:rPr>
-              <a:t>팩토리얼은</a:t>
-            </a:r>
-            <a:r>
-              <a:rPr lang="ko-KR" altLang="en-US" sz="4000" dirty="0">
-                <a:solidFill>
-                  <a:srgbClr val="FF0000"/>
-                </a:solidFill>
-                <a:latin typeface="G마켓 산스 Medium" panose="02000000000000000000" pitchFamily="50" charset="-127"/>
-                <a:ea typeface="G마켓 산스 Medium" panose="02000000000000000000" pitchFamily="50" charset="-127"/>
-              </a:rPr>
-              <a:t> </a:t>
-            </a:r>
-            <a:r>
-              <a:rPr lang="en-US" altLang="ko-KR" sz="4000" dirty="0">
-                <a:solidFill>
-                  <a:srgbClr val="FF0000"/>
-                </a:solidFill>
-                <a:latin typeface="G마켓 산스 Medium" panose="02000000000000000000" pitchFamily="50" charset="-127"/>
-                <a:ea typeface="G마켓 산스 Medium" panose="02000000000000000000" pitchFamily="50" charset="-127"/>
-              </a:rPr>
-              <a:t>int</a:t>
-            </a:r>
-            <a:r>
-              <a:rPr lang="ko-KR" altLang="en-US" sz="4000" dirty="0">
-                <a:solidFill>
-                  <a:srgbClr val="FF0000"/>
-                </a:solidFill>
-                <a:latin typeface="G마켓 산스 Medium" panose="02000000000000000000" pitchFamily="50" charset="-127"/>
-                <a:ea typeface="G마켓 산스 Medium" panose="02000000000000000000" pitchFamily="50" charset="-127"/>
-              </a:rPr>
-              <a:t>형보다 크고 음수는 고려하지 않는다</a:t>
-            </a:r>
-            <a:r>
-              <a:rPr lang="en-US" altLang="ko-KR" sz="4000" dirty="0">
-                <a:solidFill>
-                  <a:srgbClr val="FF0000"/>
-                </a:solidFill>
-                <a:latin typeface="G마켓 산스 Medium" panose="02000000000000000000" pitchFamily="50" charset="-127"/>
-                <a:ea typeface="G마켓 산스 Medium" panose="02000000000000000000" pitchFamily="50" charset="-127"/>
-              </a:rPr>
-              <a:t>.</a:t>
-            </a:r>
-          </a:p>
-        </p:txBody>
-      </p:sp>
-    </p:spTree>
-    <p:extLst>
-      <p:ext uri="{BB962C8B-B14F-4D97-AF65-F5344CB8AC3E}">
-        <p14:creationId xmlns:p14="http://schemas.microsoft.com/office/powerpoint/2010/main" val="1190141562"/>
-      </p:ext>
-    </p:extLst>
-  </p:cSld>
-  <p:clrMapOvr>
-    <a:masterClrMapping/>
-  </p:clrMapOvr>
-  <p:timing>
-    <p:tnLst>
-      <p:par>
-        <p:cTn id="1" dur="indefinite" restart="never" nodeType="tmRoot"/>
-      </p:par>
-    </p:tnLst>
-  </p:timing>
-</p:sld>
-</file>
-
 <file path=ppt/slides/slide5.xml><?xml version="1.0" encoding="utf-8"?>
 <p:sld xmlns:a="http://schemas.openxmlformats.org/drawingml/2006/main" xmlns:r="http://schemas.openxmlformats.org/officeDocument/2006/relationships" xmlns:p="http://schemas.openxmlformats.org/presentationml/2006/main">
   <p:cSld>
@@ -35303,6 +35842,267 @@
       </p:grpSpPr>
       <p:pic>
         <p:nvPicPr>
+          <p:cNvPr id="5" name="그림 4">
+            <a:extLst>
+              <a:ext uri="{FF2B5EF4-FFF2-40B4-BE49-F238E27FC236}">
+                <a16:creationId xmlns="" xmlns:a16="http://schemas.microsoft.com/office/drawing/2014/main" id="{CEE2DE3F-058D-C522-8D11-5AB0CCBF2B08}"/>
+              </a:ext>
+            </a:extLst>
+          </p:cNvPr>
+          <p:cNvPicPr>
+            <a:picLocks noChangeAspect="1"/>
+          </p:cNvPicPr>
+          <p:nvPr/>
+        </p:nvPicPr>
+        <p:blipFill>
+          <a:blip r:embed="rId2"/>
+          <a:stretch>
+            <a:fillRect/>
+          </a:stretch>
+        </p:blipFill>
+        <p:spPr>
+          <a:xfrm>
+            <a:off x="1676400" y="1181100"/>
+            <a:ext cx="9170171" cy="6781800"/>
+          </a:xfrm>
+          <a:prstGeom prst="rect">
+            <a:avLst/>
+          </a:prstGeom>
+        </p:spPr>
+      </p:pic>
+      <p:cxnSp>
+        <p:nvCxnSpPr>
+          <p:cNvPr id="6" name="직선 화살표 연결선 5">
+            <a:extLst>
+              <a:ext uri="{FF2B5EF4-FFF2-40B4-BE49-F238E27FC236}">
+                <a16:creationId xmlns="" xmlns:a16="http://schemas.microsoft.com/office/drawing/2014/main" id="{DACE99B5-2B6E-2D61-1FA2-17305EEC34F4}"/>
+              </a:ext>
+            </a:extLst>
+          </p:cNvPr>
+          <p:cNvCxnSpPr>
+            <a:cxnSpLocks/>
+          </p:cNvCxnSpPr>
+          <p:nvPr/>
+        </p:nvCxnSpPr>
+        <p:spPr>
+          <a:xfrm>
+            <a:off x="8607943" y="3501614"/>
+            <a:ext cx="1219200" cy="0"/>
+          </a:xfrm>
+          <a:prstGeom prst="straightConnector1">
+            <a:avLst/>
+          </a:prstGeom>
+          <a:ln w="38100">
+            <a:tailEnd type="triangle"/>
+          </a:ln>
+        </p:spPr>
+        <p:style>
+          <a:lnRef idx="1">
+            <a:schemeClr val="accent2"/>
+          </a:lnRef>
+          <a:fillRef idx="0">
+            <a:schemeClr val="accent2"/>
+          </a:fillRef>
+          <a:effectRef idx="0">
+            <a:schemeClr val="accent2"/>
+          </a:effectRef>
+          <a:fontRef idx="minor">
+            <a:schemeClr val="tx1"/>
+          </a:fontRef>
+        </p:style>
+      </p:cxnSp>
+      <p:sp>
+        <p:nvSpPr>
+          <p:cNvPr id="7" name="직사각형 6">
+            <a:extLst>
+              <a:ext uri="{FF2B5EF4-FFF2-40B4-BE49-F238E27FC236}">
+                <a16:creationId xmlns="" xmlns:a16="http://schemas.microsoft.com/office/drawing/2014/main" id="{4469FA68-206D-3A87-3872-B35D14D8136C}"/>
+              </a:ext>
+            </a:extLst>
+          </p:cNvPr>
+          <p:cNvSpPr/>
+          <p:nvPr/>
+        </p:nvSpPr>
+        <p:spPr>
+          <a:xfrm>
+            <a:off x="3352800" y="2681889"/>
+            <a:ext cx="5255143" cy="1166211"/>
+          </a:xfrm>
+          <a:prstGeom prst="rect">
+            <a:avLst/>
+          </a:prstGeom>
+          <a:noFill/>
+          <a:ln>
+            <a:solidFill>
+              <a:srgbClr val="FF0000"/>
+            </a:solidFill>
+          </a:ln>
+        </p:spPr>
+        <p:style>
+          <a:lnRef idx="2">
+            <a:schemeClr val="accent2">
+              <a:shade val="50000"/>
+            </a:schemeClr>
+          </a:lnRef>
+          <a:fillRef idx="1">
+            <a:schemeClr val="accent2"/>
+          </a:fillRef>
+          <a:effectRef idx="0">
+            <a:schemeClr val="accent2"/>
+          </a:effectRef>
+          <a:fontRef idx="minor">
+            <a:schemeClr val="lt1"/>
+          </a:fontRef>
+        </p:style>
+        <p:txBody>
+          <a:bodyPr rtlCol="0" anchor="ctr"/>
+          <a:lstStyle/>
+          <a:p>
+            <a:pPr algn="ctr"/>
+            <a:endParaRPr lang="ko-KR" altLang="en-US"/>
+          </a:p>
+        </p:txBody>
+      </p:sp>
+      <p:sp>
+        <p:nvSpPr>
+          <p:cNvPr id="8" name="TextBox 7">
+            <a:extLst>
+              <a:ext uri="{FF2B5EF4-FFF2-40B4-BE49-F238E27FC236}">
+                <a16:creationId xmlns="" xmlns:a16="http://schemas.microsoft.com/office/drawing/2014/main" id="{3639943C-2D6D-9CBF-67F7-16ADE685FFFB}"/>
+              </a:ext>
+            </a:extLst>
+          </p:cNvPr>
+          <p:cNvSpPr txBox="1"/>
+          <p:nvPr/>
+        </p:nvSpPr>
+        <p:spPr>
+          <a:xfrm>
+            <a:off x="9982200" y="3086100"/>
+            <a:ext cx="6400800" cy="1938992"/>
+          </a:xfrm>
+          <a:prstGeom prst="rect">
+            <a:avLst/>
+          </a:prstGeom>
+          <a:noFill/>
+        </p:spPr>
+        <p:txBody>
+          <a:bodyPr wrap="square" rtlCol="0">
+            <a:spAutoFit/>
+          </a:bodyPr>
+          <a:lstStyle/>
+          <a:p>
+            <a:r>
+              <a:rPr lang="en-US" altLang="ko-KR" sz="4000" dirty="0">
+                <a:solidFill>
+                  <a:srgbClr val="FF0000"/>
+                </a:solidFill>
+                <a:latin typeface="G마켓 산스 Medium" panose="02000000000000000000" pitchFamily="50" charset="-127"/>
+                <a:ea typeface="G마켓 산스 Medium" panose="02000000000000000000" pitchFamily="50" charset="-127"/>
+              </a:rPr>
+              <a:t>13</a:t>
+            </a:r>
+            <a:r>
+              <a:rPr lang="ko-KR" altLang="en-US" sz="4000" dirty="0">
+                <a:solidFill>
+                  <a:srgbClr val="FF0000"/>
+                </a:solidFill>
+                <a:latin typeface="G마켓 산스 Medium" panose="02000000000000000000" pitchFamily="50" charset="-127"/>
+                <a:ea typeface="G마켓 산스 Medium" panose="02000000000000000000" pitchFamily="50" charset="-127"/>
+              </a:rPr>
+              <a:t>보다 큰 </a:t>
+            </a:r>
+            <a:r>
+              <a:rPr lang="ko-KR" altLang="en-US" sz="4000" dirty="0" err="1">
+                <a:solidFill>
+                  <a:srgbClr val="FF0000"/>
+                </a:solidFill>
+                <a:latin typeface="G마켓 산스 Medium" panose="02000000000000000000" pitchFamily="50" charset="-127"/>
+                <a:ea typeface="G마켓 산스 Medium" panose="02000000000000000000" pitchFamily="50" charset="-127"/>
+              </a:rPr>
+              <a:t>팩토리얼은</a:t>
+            </a:r>
+            <a:r>
+              <a:rPr lang="ko-KR" altLang="en-US" sz="4000" dirty="0">
+                <a:solidFill>
+                  <a:srgbClr val="FF0000"/>
+                </a:solidFill>
+                <a:latin typeface="G마켓 산스 Medium" panose="02000000000000000000" pitchFamily="50" charset="-127"/>
+                <a:ea typeface="G마켓 산스 Medium" panose="02000000000000000000" pitchFamily="50" charset="-127"/>
+              </a:rPr>
+              <a:t> </a:t>
+            </a:r>
+            <a:r>
+              <a:rPr lang="en-US" altLang="ko-KR" sz="4000" dirty="0">
+                <a:solidFill>
+                  <a:srgbClr val="FF0000"/>
+                </a:solidFill>
+                <a:latin typeface="G마켓 산스 Medium" panose="02000000000000000000" pitchFamily="50" charset="-127"/>
+                <a:ea typeface="G마켓 산스 Medium" panose="02000000000000000000" pitchFamily="50" charset="-127"/>
+              </a:rPr>
+              <a:t>int</a:t>
+            </a:r>
+            <a:r>
+              <a:rPr lang="ko-KR" altLang="en-US" sz="4000" dirty="0">
+                <a:solidFill>
+                  <a:srgbClr val="FF0000"/>
+                </a:solidFill>
+                <a:latin typeface="G마켓 산스 Medium" panose="02000000000000000000" pitchFamily="50" charset="-127"/>
+                <a:ea typeface="G마켓 산스 Medium" panose="02000000000000000000" pitchFamily="50" charset="-127"/>
+              </a:rPr>
+              <a:t>형보다 크고 음수는 고려하지 않는다</a:t>
+            </a:r>
+            <a:r>
+              <a:rPr lang="en-US" altLang="ko-KR" sz="4000" dirty="0">
+                <a:solidFill>
+                  <a:srgbClr val="FF0000"/>
+                </a:solidFill>
+                <a:latin typeface="G마켓 산스 Medium" panose="02000000000000000000" pitchFamily="50" charset="-127"/>
+                <a:ea typeface="G마켓 산스 Medium" panose="02000000000000000000" pitchFamily="50" charset="-127"/>
+              </a:rPr>
+              <a:t>.</a:t>
+            </a:r>
+          </a:p>
+        </p:txBody>
+      </p:sp>
+    </p:spTree>
+    <p:extLst>
+      <p:ext uri="{BB962C8B-B14F-4D97-AF65-F5344CB8AC3E}">
+        <p14:creationId xmlns:p14="http://schemas.microsoft.com/office/powerpoint/2010/main" val="1190141562"/>
+      </p:ext>
+    </p:extLst>
+  </p:cSld>
+  <p:clrMapOvr>
+    <a:masterClrMapping/>
+  </p:clrMapOvr>
+  <p:timing>
+    <p:tnLst>
+      <p:par>
+        <p:cTn id="1" dur="indefinite" restart="never" nodeType="tmRoot"/>
+      </p:par>
+    </p:tnLst>
+  </p:timing>
+</p:sld>
+</file>
+
+<file path=ppt/slides/slide51.xml><?xml version="1.0" encoding="utf-8"?>
+<p:sld xmlns:a="http://schemas.openxmlformats.org/drawingml/2006/main" xmlns:r="http://schemas.openxmlformats.org/officeDocument/2006/relationships" xmlns:p="http://schemas.openxmlformats.org/presentationml/2006/main">
+  <p:cSld>
+    <p:spTree>
+      <p:nvGrpSpPr>
+        <p:cNvPr id="1" name=""/>
+        <p:cNvGrpSpPr/>
+        <p:nvPr/>
+      </p:nvGrpSpPr>
+      <p:grpSpPr>
+        <a:xfrm>
+          <a:off x="0" y="0"/>
+          <a:ext cx="0" cy="0"/>
+          <a:chOff x="0" y="0"/>
+          <a:chExt cx="0" cy="0"/>
+        </a:xfrm>
+      </p:grpSpPr>
+      <p:pic>
+        <p:nvPicPr>
           <p:cNvPr id="24" name="그림 23">
             <a:extLst>
               <a:ext uri="{FF2B5EF4-FFF2-40B4-BE49-F238E27FC236}">
@@ -36864,7 +37664,7 @@
 </p:sld>
 </file>
 
-<file path=ppt/slides/slide51.xml><?xml version="1.0" encoding="utf-8"?>
+<file path=ppt/slides/slide52.xml><?xml version="1.0" encoding="utf-8"?>
 <p:sld xmlns:a="http://schemas.openxmlformats.org/drawingml/2006/main" xmlns:r="http://schemas.openxmlformats.org/officeDocument/2006/relationships" xmlns:p="http://schemas.openxmlformats.org/presentationml/2006/main">
   <p:cSld>
     <p:spTree>
@@ -37266,7 +38066,7 @@
 </p:sld>
 </file>
 
-<file path=ppt/slides/slide52.xml><?xml version="1.0" encoding="utf-8"?>
+<file path=ppt/slides/slide53.xml><?xml version="1.0" encoding="utf-8"?>
 <p:sld xmlns:a="http://schemas.openxmlformats.org/drawingml/2006/main" xmlns:r="http://schemas.openxmlformats.org/officeDocument/2006/relationships" xmlns:p="http://schemas.openxmlformats.org/presentationml/2006/main">
   <p:cSld>
     <p:spTree>
@@ -38506,173 +39306,6 @@
 </p:sld>
 </file>
 
-<file path=ppt/slides/slide53.xml><?xml version="1.0" encoding="utf-8"?>
-<p:sld xmlns:a="http://schemas.openxmlformats.org/drawingml/2006/main" xmlns:r="http://schemas.openxmlformats.org/officeDocument/2006/relationships" xmlns:p="http://schemas.openxmlformats.org/presentationml/2006/main">
-  <p:cSld>
-    <p:spTree>
-      <p:nvGrpSpPr>
-        <p:cNvPr id="1" name=""/>
-        <p:cNvGrpSpPr/>
-        <p:nvPr/>
-      </p:nvGrpSpPr>
-      <p:grpSpPr>
-        <a:xfrm>
-          <a:off x="0" y="0"/>
-          <a:ext cx="0" cy="0"/>
-          <a:chOff x="0" y="0"/>
-          <a:chExt cx="0" cy="0"/>
-        </a:xfrm>
-      </p:grpSpPr>
-      <p:sp>
-        <p:nvSpPr>
-          <p:cNvPr id="4" name="TextBox 3">
-            <a:extLst>
-              <a:ext uri="{FF2B5EF4-FFF2-40B4-BE49-F238E27FC236}">
-                <a16:creationId xmlns="" xmlns:a16="http://schemas.microsoft.com/office/drawing/2014/main" id="{F2BD73FC-CE60-89D8-0057-91C1B7653DFF}"/>
-              </a:ext>
-            </a:extLst>
-          </p:cNvPr>
-          <p:cNvSpPr txBox="1"/>
-          <p:nvPr/>
-        </p:nvSpPr>
-        <p:spPr>
-          <a:xfrm>
-            <a:off x="2895600" y="38100"/>
-            <a:ext cx="12420600" cy="830997"/>
-          </a:xfrm>
-          <a:prstGeom prst="rect">
-            <a:avLst/>
-          </a:prstGeom>
-          <a:noFill/>
-        </p:spPr>
-        <p:txBody>
-          <a:bodyPr wrap="square" rtlCol="0">
-            <a:spAutoFit/>
-          </a:bodyPr>
-          <a:lstStyle/>
-          <a:p>
-            <a:r>
-              <a:rPr lang="ko-KR" altLang="en-US" sz="4800">
-                <a:solidFill>
-                  <a:srgbClr val="4C50BC"/>
-                </a:solidFill>
-                <a:latin typeface="G마켓 산스 Medium" panose="02000000000000000000" pitchFamily="50" charset="-127"/>
-                <a:ea typeface="G마켓 산스 Medium" panose="02000000000000000000" pitchFamily="50" charset="-127"/>
-              </a:rPr>
-              <a:t>그냥 매개변수를 배열로 만들면 되지 않나</a:t>
-            </a:r>
-            <a:r>
-              <a:rPr lang="en-US" altLang="ko-KR" sz="4800">
-                <a:solidFill>
-                  <a:srgbClr val="4C50BC"/>
-                </a:solidFill>
-                <a:latin typeface="G마켓 산스 Medium" panose="02000000000000000000" pitchFamily="50" charset="-127"/>
-                <a:ea typeface="G마켓 산스 Medium" panose="02000000000000000000" pitchFamily="50" charset="-127"/>
-              </a:rPr>
-              <a:t>?</a:t>
-            </a:r>
-            <a:endParaRPr lang="en-US" altLang="ko-KR" sz="4800" dirty="0">
-              <a:solidFill>
-                <a:srgbClr val="4C50BC"/>
-              </a:solidFill>
-              <a:latin typeface="G마켓 산스 Medium" panose="02000000000000000000" pitchFamily="50" charset="-127"/>
-              <a:ea typeface="G마켓 산스 Medium" panose="02000000000000000000" pitchFamily="50" charset="-127"/>
-            </a:endParaRPr>
-          </a:p>
-        </p:txBody>
-      </p:sp>
-      <p:pic>
-        <p:nvPicPr>
-          <p:cNvPr id="5" name="그림 4"/>
-          <p:cNvPicPr>
-            <a:picLocks noChangeAspect="1"/>
-          </p:cNvPicPr>
-          <p:nvPr/>
-        </p:nvPicPr>
-        <p:blipFill>
-          <a:blip r:embed="rId2"/>
-          <a:stretch>
-            <a:fillRect/>
-          </a:stretch>
-        </p:blipFill>
-        <p:spPr>
-          <a:xfrm>
-            <a:off x="1219200" y="876300"/>
-            <a:ext cx="4435839" cy="4038600"/>
-          </a:xfrm>
-          <a:prstGeom prst="rect">
-            <a:avLst/>
-          </a:prstGeom>
-        </p:spPr>
-      </p:pic>
-      <p:pic>
-        <p:nvPicPr>
-          <p:cNvPr id="6" name="그림 5"/>
-          <p:cNvPicPr>
-            <a:picLocks noChangeAspect="1"/>
-          </p:cNvPicPr>
-          <p:nvPr/>
-        </p:nvPicPr>
-        <p:blipFill>
-          <a:blip r:embed="rId3"/>
-          <a:stretch>
-            <a:fillRect/>
-          </a:stretch>
-        </p:blipFill>
-        <p:spPr>
-          <a:xfrm>
-            <a:off x="9601200" y="876300"/>
-            <a:ext cx="4648200" cy="4169709"/>
-          </a:xfrm>
-          <a:prstGeom prst="rect">
-            <a:avLst/>
-          </a:prstGeom>
-        </p:spPr>
-      </p:pic>
-      <p:pic>
-        <p:nvPicPr>
-          <p:cNvPr id="8" name="그림 7"/>
-          <p:cNvPicPr>
-            <a:picLocks noChangeAspect="1"/>
-          </p:cNvPicPr>
-          <p:nvPr/>
-        </p:nvPicPr>
-        <p:blipFill>
-          <a:blip r:embed="rId4"/>
-          <a:stretch>
-            <a:fillRect/>
-          </a:stretch>
-        </p:blipFill>
-        <p:spPr>
-          <a:xfrm>
-            <a:off x="1219200" y="5753100"/>
-            <a:ext cx="4667250" cy="2133600"/>
-          </a:xfrm>
-          <a:prstGeom prst="rect">
-            <a:avLst/>
-          </a:prstGeom>
-        </p:spPr>
-      </p:pic>
-    </p:spTree>
-    <p:extLst>
-      <p:ext uri="{BB962C8B-B14F-4D97-AF65-F5344CB8AC3E}">
-        <p14:creationId xmlns:p14="http://schemas.microsoft.com/office/powerpoint/2010/main" val="1220507521"/>
-      </p:ext>
-    </p:extLst>
-  </p:cSld>
-  <p:clrMapOvr>
-    <a:masterClrMapping/>
-  </p:clrMapOvr>
-  <p:timing>
-    <p:tnLst>
-      <p:par>
-        <p:cTn id="1" dur="indefinite" restart="never" nodeType="tmRoot"/>
-      </p:par>
-    </p:tnLst>
-  </p:timing>
-</p:sld>
-</file>
-
 <file path=ppt/slides/slide54.xml><?xml version="1.0" encoding="utf-8"?>
 <p:sld xmlns:a="http://schemas.openxmlformats.org/drawingml/2006/main" xmlns:r="http://schemas.openxmlformats.org/officeDocument/2006/relationships" xmlns:p="http://schemas.openxmlformats.org/presentationml/2006/main">
   <p:cSld>
@@ -38704,8 +39337,8 @@
         </p:nvSpPr>
         <p:spPr>
           <a:xfrm>
-            <a:off x="1143000" y="5753100"/>
-            <a:ext cx="16459200" cy="830997"/>
+            <a:off x="2895600" y="38100"/>
+            <a:ext cx="12420600" cy="830997"/>
           </a:xfrm>
           <a:prstGeom prst="rect">
             <a:avLst/>
@@ -38726,7 +39359,17 @@
                 <a:latin typeface="G마켓 산스 Medium" panose="02000000000000000000" pitchFamily="50" charset="-127"/>
                 <a:ea typeface="G마켓 산스 Medium" panose="02000000000000000000" pitchFamily="50" charset="-127"/>
               </a:rPr>
-              <a:t>오버로딩으로도 구현가능하나 코드가 확실히 편하고 유연하다</a:t>
+              <a:t>그냥 매개변수를 배열로 만들면 되지 않나</a:t>
+            </a:r>
+            <a:r>
+              <a:rPr lang="en-US" altLang="ko-KR" sz="4800">
+                <a:solidFill>
+                  <a:srgbClr val="4C50BC"/>
+                </a:solidFill>
+                <a:latin typeface="G마켓 산스 Medium" panose="02000000000000000000" pitchFamily="50" charset="-127"/>
+                <a:ea typeface="G마켓 산스 Medium" panose="02000000000000000000" pitchFamily="50" charset="-127"/>
+              </a:rPr>
+              <a:t>?</a:t>
             </a:r>
             <a:endParaRPr lang="en-US" altLang="ko-KR" sz="4800" dirty="0">
               <a:solidFill>
@@ -38754,8 +39397,8 @@
         </p:blipFill>
         <p:spPr>
           <a:xfrm>
-            <a:off x="931985" y="994793"/>
-            <a:ext cx="9982200" cy="1600200"/>
+            <a:off x="1219200" y="876300"/>
+            <a:ext cx="4435839" cy="4038600"/>
           </a:xfrm>
           <a:prstGeom prst="rect">
             <a:avLst/>
@@ -38778,66 +39421,42 @@
         </p:blipFill>
         <p:spPr>
           <a:xfrm>
-            <a:off x="12801600" y="994793"/>
-            <a:ext cx="4267200" cy="3920107"/>
+            <a:off x="9601200" y="876300"/>
+            <a:ext cx="4648200" cy="4169709"/>
           </a:xfrm>
           <a:prstGeom prst="rect">
             <a:avLst/>
           </a:prstGeom>
         </p:spPr>
       </p:pic>
-      <p:sp>
-        <p:nvSpPr>
-          <p:cNvPr id="7" name="TextBox 6">
-            <a:extLst>
-              <a:ext uri="{FF2B5EF4-FFF2-40B4-BE49-F238E27FC236}">
-                <a16:creationId xmlns="" xmlns:a16="http://schemas.microsoft.com/office/drawing/2014/main" id="{F2BD73FC-CE60-89D8-0057-91C1B7653DFF}"/>
-              </a:ext>
-            </a:extLst>
-          </p:cNvPr>
-          <p:cNvSpPr txBox="1"/>
-          <p:nvPr/>
-        </p:nvSpPr>
-        <p:spPr>
-          <a:xfrm>
-            <a:off x="11390142" y="1451993"/>
-            <a:ext cx="1125415" cy="1015663"/>
+      <p:pic>
+        <p:nvPicPr>
+          <p:cNvPr id="8" name="그림 7"/>
+          <p:cNvPicPr>
+            <a:picLocks noChangeAspect="1"/>
+          </p:cNvPicPr>
+          <p:nvPr/>
+        </p:nvPicPr>
+        <p:blipFill>
+          <a:blip r:embed="rId4"/>
+          <a:stretch>
+            <a:fillRect/>
+          </a:stretch>
+        </p:blipFill>
+        <p:spPr>
+          <a:xfrm>
+            <a:off x="1219200" y="5753100"/>
+            <a:ext cx="4667250" cy="2133600"/>
           </a:xfrm>
           <a:prstGeom prst="rect">
             <a:avLst/>
           </a:prstGeom>
-          <a:noFill/>
-        </p:spPr>
-        <p:txBody>
-          <a:bodyPr wrap="square" rtlCol="0">
-            <a:spAutoFit/>
-          </a:bodyPr>
-          <a:lstStyle/>
-          <a:p>
-            <a:r>
-              <a:rPr lang="en-US" altLang="ko-KR" sz="6000">
-                <a:solidFill>
-                  <a:srgbClr val="4C50BC"/>
-                </a:solidFill>
-                <a:latin typeface="G마켓 산스 Medium" panose="02000000000000000000" pitchFamily="50" charset="-127"/>
-                <a:ea typeface="G마켓 산스 Medium" panose="02000000000000000000" pitchFamily="50" charset="-127"/>
-              </a:rPr>
-              <a:t>=</a:t>
-            </a:r>
-            <a:endParaRPr lang="en-US" altLang="ko-KR" sz="4800" dirty="0">
-              <a:solidFill>
-                <a:srgbClr val="4C50BC"/>
-              </a:solidFill>
-              <a:latin typeface="G마켓 산스 Medium" panose="02000000000000000000" pitchFamily="50" charset="-127"/>
-              <a:ea typeface="G마켓 산스 Medium" panose="02000000000000000000" pitchFamily="50" charset="-127"/>
-            </a:endParaRPr>
-          </a:p>
-        </p:txBody>
-      </p:sp>
+        </p:spPr>
+      </p:pic>
     </p:spTree>
     <p:extLst>
       <p:ext uri="{BB962C8B-B14F-4D97-AF65-F5344CB8AC3E}">
-        <p14:creationId xmlns:p14="http://schemas.microsoft.com/office/powerpoint/2010/main" val="3274623239"/>
+        <p14:creationId xmlns:p14="http://schemas.microsoft.com/office/powerpoint/2010/main" val="1220507521"/>
       </p:ext>
     </p:extLst>
   </p:cSld>
@@ -38873,6 +39492,187 @@
       </p:grpSpPr>
       <p:sp>
         <p:nvSpPr>
+          <p:cNvPr id="4" name="TextBox 3">
+            <a:extLst>
+              <a:ext uri="{FF2B5EF4-FFF2-40B4-BE49-F238E27FC236}">
+                <a16:creationId xmlns="" xmlns:a16="http://schemas.microsoft.com/office/drawing/2014/main" id="{F2BD73FC-CE60-89D8-0057-91C1B7653DFF}"/>
+              </a:ext>
+            </a:extLst>
+          </p:cNvPr>
+          <p:cNvSpPr txBox="1"/>
+          <p:nvPr/>
+        </p:nvSpPr>
+        <p:spPr>
+          <a:xfrm>
+            <a:off x="1143000" y="5753100"/>
+            <a:ext cx="16459200" cy="830997"/>
+          </a:xfrm>
+          <a:prstGeom prst="rect">
+            <a:avLst/>
+          </a:prstGeom>
+          <a:noFill/>
+        </p:spPr>
+        <p:txBody>
+          <a:bodyPr wrap="square" rtlCol="0">
+            <a:spAutoFit/>
+          </a:bodyPr>
+          <a:lstStyle/>
+          <a:p>
+            <a:r>
+              <a:rPr lang="ko-KR" altLang="en-US" sz="4800">
+                <a:solidFill>
+                  <a:srgbClr val="4C50BC"/>
+                </a:solidFill>
+                <a:latin typeface="G마켓 산스 Medium" panose="02000000000000000000" pitchFamily="50" charset="-127"/>
+                <a:ea typeface="G마켓 산스 Medium" panose="02000000000000000000" pitchFamily="50" charset="-127"/>
+              </a:rPr>
+              <a:t>오버로딩으로도 구현가능하나 코드가 확실히 편하고 유연하다</a:t>
+            </a:r>
+            <a:endParaRPr lang="en-US" altLang="ko-KR" sz="4800" dirty="0">
+              <a:solidFill>
+                <a:srgbClr val="4C50BC"/>
+              </a:solidFill>
+              <a:latin typeface="G마켓 산스 Medium" panose="02000000000000000000" pitchFamily="50" charset="-127"/>
+              <a:ea typeface="G마켓 산스 Medium" panose="02000000000000000000" pitchFamily="50" charset="-127"/>
+            </a:endParaRPr>
+          </a:p>
+        </p:txBody>
+      </p:sp>
+      <p:pic>
+        <p:nvPicPr>
+          <p:cNvPr id="5" name="그림 4"/>
+          <p:cNvPicPr>
+            <a:picLocks noChangeAspect="1"/>
+          </p:cNvPicPr>
+          <p:nvPr/>
+        </p:nvPicPr>
+        <p:blipFill>
+          <a:blip r:embed="rId2"/>
+          <a:stretch>
+            <a:fillRect/>
+          </a:stretch>
+        </p:blipFill>
+        <p:spPr>
+          <a:xfrm>
+            <a:off x="931985" y="994793"/>
+            <a:ext cx="9982200" cy="1600200"/>
+          </a:xfrm>
+          <a:prstGeom prst="rect">
+            <a:avLst/>
+          </a:prstGeom>
+        </p:spPr>
+      </p:pic>
+      <p:pic>
+        <p:nvPicPr>
+          <p:cNvPr id="6" name="그림 5"/>
+          <p:cNvPicPr>
+            <a:picLocks noChangeAspect="1"/>
+          </p:cNvPicPr>
+          <p:nvPr/>
+        </p:nvPicPr>
+        <p:blipFill>
+          <a:blip r:embed="rId3"/>
+          <a:stretch>
+            <a:fillRect/>
+          </a:stretch>
+        </p:blipFill>
+        <p:spPr>
+          <a:xfrm>
+            <a:off x="12801600" y="994793"/>
+            <a:ext cx="4267200" cy="3920107"/>
+          </a:xfrm>
+          <a:prstGeom prst="rect">
+            <a:avLst/>
+          </a:prstGeom>
+        </p:spPr>
+      </p:pic>
+      <p:sp>
+        <p:nvSpPr>
+          <p:cNvPr id="7" name="TextBox 6">
+            <a:extLst>
+              <a:ext uri="{FF2B5EF4-FFF2-40B4-BE49-F238E27FC236}">
+                <a16:creationId xmlns="" xmlns:a16="http://schemas.microsoft.com/office/drawing/2014/main" id="{F2BD73FC-CE60-89D8-0057-91C1B7653DFF}"/>
+              </a:ext>
+            </a:extLst>
+          </p:cNvPr>
+          <p:cNvSpPr txBox="1"/>
+          <p:nvPr/>
+        </p:nvSpPr>
+        <p:spPr>
+          <a:xfrm>
+            <a:off x="11390142" y="1451993"/>
+            <a:ext cx="1125415" cy="1015663"/>
+          </a:xfrm>
+          <a:prstGeom prst="rect">
+            <a:avLst/>
+          </a:prstGeom>
+          <a:noFill/>
+        </p:spPr>
+        <p:txBody>
+          <a:bodyPr wrap="square" rtlCol="0">
+            <a:spAutoFit/>
+          </a:bodyPr>
+          <a:lstStyle/>
+          <a:p>
+            <a:r>
+              <a:rPr lang="en-US" altLang="ko-KR" sz="6000">
+                <a:solidFill>
+                  <a:srgbClr val="4C50BC"/>
+                </a:solidFill>
+                <a:latin typeface="G마켓 산스 Medium" panose="02000000000000000000" pitchFamily="50" charset="-127"/>
+                <a:ea typeface="G마켓 산스 Medium" panose="02000000000000000000" pitchFamily="50" charset="-127"/>
+              </a:rPr>
+              <a:t>=</a:t>
+            </a:r>
+            <a:endParaRPr lang="en-US" altLang="ko-KR" sz="4800" dirty="0">
+              <a:solidFill>
+                <a:srgbClr val="4C50BC"/>
+              </a:solidFill>
+              <a:latin typeface="G마켓 산스 Medium" panose="02000000000000000000" pitchFamily="50" charset="-127"/>
+              <a:ea typeface="G마켓 산스 Medium" panose="02000000000000000000" pitchFamily="50" charset="-127"/>
+            </a:endParaRPr>
+          </a:p>
+        </p:txBody>
+      </p:sp>
+    </p:spTree>
+    <p:extLst>
+      <p:ext uri="{BB962C8B-B14F-4D97-AF65-F5344CB8AC3E}">
+        <p14:creationId xmlns:p14="http://schemas.microsoft.com/office/powerpoint/2010/main" val="3274623239"/>
+      </p:ext>
+    </p:extLst>
+  </p:cSld>
+  <p:clrMapOvr>
+    <a:masterClrMapping/>
+  </p:clrMapOvr>
+  <p:timing>
+    <p:tnLst>
+      <p:par>
+        <p:cTn id="1" dur="indefinite" restart="never" nodeType="tmRoot"/>
+      </p:par>
+    </p:tnLst>
+  </p:timing>
+</p:sld>
+</file>
+
+<file path=ppt/slides/slide56.xml><?xml version="1.0" encoding="utf-8"?>
+<p:sld xmlns:a="http://schemas.openxmlformats.org/drawingml/2006/main" xmlns:r="http://schemas.openxmlformats.org/officeDocument/2006/relationships" xmlns:p="http://schemas.openxmlformats.org/presentationml/2006/main">
+  <p:cSld>
+    <p:spTree>
+      <p:nvGrpSpPr>
+        <p:cNvPr id="1" name=""/>
+        <p:cNvGrpSpPr/>
+        <p:nvPr/>
+      </p:nvGrpSpPr>
+      <p:grpSpPr>
+        <a:xfrm>
+          <a:off x="0" y="0"/>
+          <a:ext cx="0" cy="0"/>
+          <a:chOff x="0" y="0"/>
+          <a:chExt cx="0" cy="0"/>
+        </a:xfrm>
+      </p:grpSpPr>
+      <p:sp>
+        <p:nvSpPr>
           <p:cNvPr id="5" name="TextBox 4">
             <a:extLst>
               <a:ext uri="{FF2B5EF4-FFF2-40B4-BE49-F238E27FC236}">
@@ -39068,11 +39868,31 @@
                 <a:latin typeface="G마켓 산스 Medium" panose="02000000000000000000" pitchFamily="50" charset="-127"/>
                 <a:ea typeface="G마켓 산스 Medium" panose="02000000000000000000" pitchFamily="50" charset="-127"/>
               </a:rPr>
-              <a:t>도 가능하도록 오버로딩 해보자</a:t>
+              <a:t>도 가능하도록 오버로딩 </a:t>
+            </a:r>
+            <a:r>
+              <a:rPr lang="ko-KR" altLang="en-US" sz="3600" smtClean="0">
+                <a:solidFill>
+                  <a:srgbClr val="4C50BC"/>
+                </a:solidFill>
+                <a:latin typeface="G마켓 산스 Medium" panose="02000000000000000000" pitchFamily="50" charset="-127"/>
+                <a:ea typeface="G마켓 산스 Medium" panose="02000000000000000000" pitchFamily="50" charset="-127"/>
+              </a:rPr>
+              <a:t>해보자</a:t>
+            </a:r>
+            <a:r>
+              <a:rPr lang="en-US" altLang="ko-KR" sz="3600" smtClean="0">
+                <a:solidFill>
+                  <a:srgbClr val="FF0000"/>
+                </a:solidFill>
+                <a:latin typeface="G마켓 산스 Medium" panose="02000000000000000000" pitchFamily="50" charset="-127"/>
+                <a:ea typeface="G마켓 산스 Medium" panose="02000000000000000000" pitchFamily="50" charset="-127"/>
+              </a:rPr>
+              <a:t>(normal)</a:t>
             </a:r>
             <a:endParaRPr lang="en-US" altLang="ko-KR" sz="3600" dirty="0">
               <a:solidFill>
-                <a:srgbClr val="4C50BC"/>
+                <a:srgbClr val="FF0000"/>
               </a:solidFill>
               <a:latin typeface="G마켓 산스 Medium" panose="02000000000000000000" pitchFamily="50" charset="-127"/>
               <a:ea typeface="G마켓 산스 Medium" panose="02000000000000000000" pitchFamily="50" charset="-127"/>
@@ -39082,7 +39902,7 @@
       </p:sp>
       <p:pic>
         <p:nvPicPr>
-          <p:cNvPr id="22" name="그림 21"/>
+          <p:cNvPr id="24" name="그림 23"/>
           <p:cNvPicPr>
             <a:picLocks noChangeAspect="1"/>
           </p:cNvPicPr>
@@ -39096,8 +39916,8 @@
         </p:blipFill>
         <p:spPr>
           <a:xfrm>
-            <a:off x="1066800" y="2160032"/>
-            <a:ext cx="5566439" cy="4431268"/>
+            <a:off x="1060938" y="2276564"/>
+            <a:ext cx="8784412" cy="4419600"/>
           </a:xfrm>
           <a:prstGeom prst="rect">
             <a:avLst/>
@@ -39106,7 +39926,92 @@
       </p:pic>
       <p:pic>
         <p:nvPicPr>
-          <p:cNvPr id="23" name="그림 22"/>
+          <p:cNvPr id="25" name="그림 24"/>
+          <p:cNvPicPr>
+            <a:picLocks noChangeAspect="1"/>
+          </p:cNvPicPr>
+          <p:nvPr/>
+        </p:nvPicPr>
+        <p:blipFill>
+          <a:blip r:embed="rId3"/>
+          <a:stretch>
+            <a:fillRect/>
+          </a:stretch>
+        </p:blipFill>
+        <p:spPr>
+          <a:xfrm>
+            <a:off x="1060938" y="6819900"/>
+            <a:ext cx="3053862" cy="2732403"/>
+          </a:xfrm>
+          <a:prstGeom prst="rect">
+            <a:avLst/>
+          </a:prstGeom>
+        </p:spPr>
+      </p:pic>
+    </p:spTree>
+    <p:extLst>
+      <p:ext uri="{BB962C8B-B14F-4D97-AF65-F5344CB8AC3E}">
+        <p14:creationId xmlns:p14="http://schemas.microsoft.com/office/powerpoint/2010/main" val="3516190594"/>
+      </p:ext>
+    </p:extLst>
+  </p:cSld>
+  <p:clrMapOvr>
+    <a:masterClrMapping/>
+  </p:clrMapOvr>
+  <p:timing>
+    <p:tnLst>
+      <p:par>
+        <p:cTn id="1" dur="indefinite" restart="never" nodeType="tmRoot"/>
+      </p:par>
+    </p:tnLst>
+  </p:timing>
+</p:sld>
+</file>
+
+<file path=ppt/slides/slide57.xml><?xml version="1.0" encoding="utf-8"?>
+<p:sld xmlns:a="http://schemas.openxmlformats.org/drawingml/2006/main" xmlns:r="http://schemas.openxmlformats.org/officeDocument/2006/relationships" xmlns:p="http://schemas.openxmlformats.org/presentationml/2006/main">
+  <p:cSld>
+    <p:spTree>
+      <p:nvGrpSpPr>
+        <p:cNvPr id="1" name=""/>
+        <p:cNvGrpSpPr/>
+        <p:nvPr/>
+      </p:nvGrpSpPr>
+      <p:grpSpPr>
+        <a:xfrm>
+          <a:off x="0" y="0"/>
+          <a:ext cx="0" cy="0"/>
+          <a:chOff x="0" y="0"/>
+          <a:chExt cx="0" cy="0"/>
+        </a:xfrm>
+      </p:grpSpPr>
+      <p:pic>
+        <p:nvPicPr>
+          <p:cNvPr id="5" name="그림 4"/>
+          <p:cNvPicPr>
+            <a:picLocks noChangeAspect="1"/>
+          </p:cNvPicPr>
+          <p:nvPr/>
+        </p:nvPicPr>
+        <p:blipFill>
+          <a:blip r:embed="rId2"/>
+          <a:stretch>
+            <a:fillRect/>
+          </a:stretch>
+        </p:blipFill>
+        <p:spPr>
+          <a:xfrm>
+            <a:off x="5181600" y="2083832"/>
+            <a:ext cx="7391400" cy="5884062"/>
+          </a:xfrm>
+          <a:prstGeom prst="rect">
+            <a:avLst/>
+          </a:prstGeom>
+        </p:spPr>
+      </p:pic>
+      <p:pic>
+        <p:nvPicPr>
+          <p:cNvPr id="4" name="그림 3"/>
           <p:cNvPicPr>
             <a:picLocks noChangeAspect="1"/>
           </p:cNvPicPr>
@@ -39132,66 +40037,66 @@
         </p:blipFill>
         <p:spPr>
           <a:xfrm>
-            <a:off x="1066800" y="2171700"/>
-            <a:ext cx="5566439" cy="4431268"/>
+            <a:off x="5181600" y="2095500"/>
+            <a:ext cx="7391400" cy="5884062"/>
           </a:xfrm>
           <a:prstGeom prst="rect">
             <a:avLst/>
           </a:prstGeom>
         </p:spPr>
       </p:pic>
-      <p:pic>
-        <p:nvPicPr>
-          <p:cNvPr id="24" name="그림 23"/>
-          <p:cNvPicPr>
-            <a:picLocks noChangeAspect="1"/>
-          </p:cNvPicPr>
-          <p:nvPr/>
-        </p:nvPicPr>
-        <p:blipFill>
-          <a:blip r:embed="rId5"/>
-          <a:stretch>
-            <a:fillRect/>
-          </a:stretch>
-        </p:blipFill>
-        <p:spPr>
-          <a:xfrm>
-            <a:off x="7086600" y="2171700"/>
-            <a:ext cx="8784412" cy="4419600"/>
+      <p:sp>
+        <p:nvSpPr>
+          <p:cNvPr id="6" name="TextBox 5">
+            <a:extLst>
+              <a:ext uri="{FF2B5EF4-FFF2-40B4-BE49-F238E27FC236}">
+                <a16:creationId xmlns="" xmlns:a16="http://schemas.microsoft.com/office/drawing/2014/main" id="{F0FF9E4E-0550-E648-378E-A52F5B0499D4}"/>
+              </a:ext>
+            </a:extLst>
+          </p:cNvPr>
+          <p:cNvSpPr txBox="1"/>
+          <p:nvPr/>
+        </p:nvSpPr>
+        <p:spPr>
+          <a:xfrm>
+            <a:off x="457200" y="342900"/>
+            <a:ext cx="1752600" cy="646331"/>
           </a:xfrm>
           <a:prstGeom prst="rect">
             <a:avLst/>
           </a:prstGeom>
-        </p:spPr>
-      </p:pic>
-      <p:pic>
-        <p:nvPicPr>
-          <p:cNvPr id="25" name="그림 24"/>
-          <p:cNvPicPr>
-            <a:picLocks noChangeAspect="1"/>
-          </p:cNvPicPr>
-          <p:nvPr/>
-        </p:nvPicPr>
-        <p:blipFill>
-          <a:blip r:embed="rId6"/>
-          <a:stretch>
-            <a:fillRect/>
-          </a:stretch>
-        </p:blipFill>
-        <p:spPr>
-          <a:xfrm>
-            <a:off x="1060938" y="6819900"/>
-            <a:ext cx="3053862" cy="2732403"/>
-          </a:xfrm>
-          <a:prstGeom prst="rect">
-            <a:avLst/>
-          </a:prstGeom>
-        </p:spPr>
-      </p:pic>
+          <a:noFill/>
+        </p:spPr>
+        <p:txBody>
+          <a:bodyPr wrap="square" rtlCol="0">
+            <a:spAutoFit/>
+          </a:bodyPr>
+          <a:lstStyle/>
+          <a:p>
+            <a:r>
+              <a:rPr lang="ko-KR" altLang="en-US" sz="3600" smtClean="0">
+                <a:solidFill>
+                  <a:srgbClr val="4C50BC"/>
+                </a:solidFill>
+                <a:latin typeface="G마켓 산스 Medium" panose="02000000000000000000" pitchFamily="50" charset="-127"/>
+                <a:ea typeface="G마켓 산스 Medium" panose="02000000000000000000" pitchFamily="50" charset="-127"/>
+              </a:rPr>
+              <a:t>풀이</a:t>
+            </a:r>
+            <a:endParaRPr lang="en-US" altLang="ko-KR" sz="3600" dirty="0">
+              <a:solidFill>
+                <a:srgbClr val="FF0000"/>
+              </a:solidFill>
+              <a:latin typeface="G마켓 산스 Medium" panose="02000000000000000000" pitchFamily="50" charset="-127"/>
+              <a:ea typeface="G마켓 산스 Medium" panose="02000000000000000000" pitchFamily="50" charset="-127"/>
+            </a:endParaRPr>
+          </a:p>
+        </p:txBody>
+      </p:sp>
     </p:spTree>
     <p:extLst>
       <p:ext uri="{BB962C8B-B14F-4D97-AF65-F5344CB8AC3E}">
-        <p14:creationId xmlns:p14="http://schemas.microsoft.com/office/powerpoint/2010/main" val="3516190594"/>
+        <p14:creationId xmlns:p14="http://schemas.microsoft.com/office/powerpoint/2010/main" val="2401527130"/>
       </p:ext>
     </p:extLst>
   </p:cSld>
@@ -39232,7 +40137,7 @@
                                           </p:stCondLst>
                                         </p:cTn>
                                         <p:tgtEl>
-                                          <p:spTgt spid="23"/>
+                                          <p:spTgt spid="4"/>
                                         </p:tgtEl>
                                         <p:attrNameLst>
                                           <p:attrName>style.visibility</p:attrName>
@@ -39276,7 +40181,7 @@
 </p:sld>
 </file>
 
-<file path=ppt/slides/slide56.xml><?xml version="1.0" encoding="utf-8"?>
+<file path=ppt/slides/slide58.xml><?xml version="1.0" encoding="utf-8"?>
 <p:sld xmlns:a="http://schemas.openxmlformats.org/drawingml/2006/main" xmlns:r="http://schemas.openxmlformats.org/officeDocument/2006/relationships" xmlns:p="http://schemas.openxmlformats.org/presentationml/2006/main">
   <p:cSld>
     <p:spTree>
@@ -39308,7 +40213,7 @@
         <p:spPr>
           <a:xfrm>
             <a:off x="914400" y="647700"/>
-            <a:ext cx="11277601" cy="954107"/>
+            <a:ext cx="15773400" cy="954107"/>
           </a:xfrm>
           <a:prstGeom prst="rect">
             <a:avLst/>
@@ -39379,25 +40284,38 @@
                 <a:latin typeface="G마켓 산스 Medium" panose="02000000000000000000" pitchFamily="50" charset="-127"/>
                 <a:ea typeface="G마켓 산스 Medium" panose="02000000000000000000" pitchFamily="50" charset="-127"/>
               </a:rPr>
-              <a:t>최소값을 구하는 메서드를 추가 하자</a:t>
-            </a:r>
-            <a:r>
-              <a:rPr lang="en-US" altLang="ko-KR" sz="2800">
+              <a:t>최소값을 구하는 메서드를 추가 </a:t>
+            </a:r>
+            <a:r>
+              <a:rPr lang="ko-KR" altLang="en-US" sz="2800" smtClean="0">
                 <a:solidFill>
                   <a:srgbClr val="4C50BC"/>
                 </a:solidFill>
                 <a:latin typeface="G마켓 산스 Medium" panose="02000000000000000000" pitchFamily="50" charset="-127"/>
                 <a:ea typeface="G마켓 산스 Medium" panose="02000000000000000000" pitchFamily="50" charset="-127"/>
               </a:rPr>
+              <a:t>하자</a:t>
+            </a:r>
+            <a:r>
+              <a:rPr lang="en-US" altLang="ko-KR" sz="2800" smtClean="0">
+                <a:solidFill>
+                  <a:srgbClr val="FF0000"/>
+                </a:solidFill>
+                <a:latin typeface="G마켓 산스 Medium" panose="02000000000000000000" pitchFamily="50" charset="-127"/>
+                <a:ea typeface="G마켓 산스 Medium" panose="02000000000000000000" pitchFamily="50" charset="-127"/>
+              </a:rPr>
+              <a:t>(normal)</a:t>
+            </a:r>
+            <a:r>
+              <a:rPr lang="en-US" altLang="ko-KR" sz="2800" smtClean="0">
+                <a:solidFill>
+                  <a:srgbClr val="4C50BC"/>
+                </a:solidFill>
+                <a:latin typeface="G마켓 산스 Medium" panose="02000000000000000000" pitchFamily="50" charset="-127"/>
+                <a:ea typeface="G마켓 산스 Medium" panose="02000000000000000000" pitchFamily="50" charset="-127"/>
+              </a:rPr>
               <a:t> </a:t>
             </a:r>
-            <a:endParaRPr lang="en-US" altLang="ko-KR" sz="2800" smtClean="0">
-              <a:solidFill>
-                <a:srgbClr val="4C50BC"/>
-              </a:solidFill>
-              <a:latin typeface="G마켓 산스 Medium" panose="02000000000000000000" pitchFamily="50" charset="-127"/>
-              <a:ea typeface="G마켓 산스 Medium" panose="02000000000000000000" pitchFamily="50" charset="-127"/>
-            </a:endParaRPr>
           </a:p>
           <a:p>
             <a:r>
@@ -40419,7 +41337,7 @@
 </p:sld>
 </file>
 
-<file path=ppt/slides/slide57.xml><?xml version="1.0" encoding="utf-8"?>
+<file path=ppt/slides/slide59.xml><?xml version="1.0" encoding="utf-8"?>
 <p:sld xmlns:a="http://schemas.openxmlformats.org/drawingml/2006/main" xmlns:r="http://schemas.openxmlformats.org/officeDocument/2006/relationships" xmlns:p="http://schemas.openxmlformats.org/presentationml/2006/main">
   <p:cSld>
     <p:spTree>
@@ -40452,7 +41370,7 @@
         </p:blipFill>
         <p:spPr>
           <a:xfrm>
-            <a:off x="990600" y="190500"/>
+            <a:off x="3733800" y="190500"/>
             <a:ext cx="5791200" cy="4037398"/>
           </a:xfrm>
           <a:prstGeom prst="rect">
@@ -40476,7 +41394,7 @@
         </p:blipFill>
         <p:spPr>
           <a:xfrm>
-            <a:off x="1143000" y="4838700"/>
+            <a:off x="3886200" y="4838700"/>
             <a:ext cx="5181600" cy="5274460"/>
           </a:xfrm>
           <a:prstGeom prst="rect">
@@ -40500,7 +41418,7 @@
         </p:blipFill>
         <p:spPr>
           <a:xfrm>
-            <a:off x="8763000" y="188742"/>
+            <a:off x="11506200" y="188742"/>
             <a:ext cx="5562600" cy="5280711"/>
           </a:xfrm>
           <a:prstGeom prst="rect">
@@ -40508,78 +41426,106 @@
           </a:prstGeom>
         </p:spPr>
       </p:pic>
-      <p:pic>
-        <p:nvPicPr>
-          <p:cNvPr id="7" name="그림 6"/>
-          <p:cNvPicPr>
-            <a:picLocks noChangeAspect="1"/>
-          </p:cNvPicPr>
-          <p:nvPr/>
-        </p:nvPicPr>
-        <p:blipFill>
-          <a:blip r:embed="rId5"/>
-          <a:stretch>
-            <a:fillRect/>
-          </a:stretch>
-        </p:blipFill>
-        <p:spPr>
-          <a:xfrm>
-            <a:off x="990600" y="190500"/>
-            <a:ext cx="5791200" cy="4037398"/>
+      <p:sp>
+        <p:nvSpPr>
+          <p:cNvPr id="10" name="TextBox 9">
+            <a:extLst>
+              <a:ext uri="{FF2B5EF4-FFF2-40B4-BE49-F238E27FC236}">
+                <a16:creationId xmlns="" xmlns:a16="http://schemas.microsoft.com/office/drawing/2014/main" id="{F0FF9E4E-0550-E648-378E-A52F5B0499D4}"/>
+              </a:ext>
+            </a:extLst>
+          </p:cNvPr>
+          <p:cNvSpPr txBox="1"/>
+          <p:nvPr/>
+        </p:nvSpPr>
+        <p:spPr>
+          <a:xfrm>
+            <a:off x="457200" y="342900"/>
+            <a:ext cx="1752600" cy="646331"/>
           </a:xfrm>
           <a:prstGeom prst="rect">
             <a:avLst/>
           </a:prstGeom>
-        </p:spPr>
-      </p:pic>
-      <p:pic>
-        <p:nvPicPr>
-          <p:cNvPr id="8" name="그림 7"/>
-          <p:cNvPicPr>
-            <a:picLocks noChangeAspect="1"/>
-          </p:cNvPicPr>
-          <p:nvPr/>
-        </p:nvPicPr>
-        <p:blipFill>
-          <a:blip r:embed="rId6"/>
-          <a:stretch>
-            <a:fillRect/>
-          </a:stretch>
-        </p:blipFill>
-        <p:spPr>
-          <a:xfrm>
-            <a:off x="1143000" y="4838700"/>
-            <a:ext cx="5181600" cy="5274460"/>
+          <a:noFill/>
+        </p:spPr>
+        <p:txBody>
+          <a:bodyPr wrap="square" rtlCol="0">
+            <a:spAutoFit/>
+          </a:bodyPr>
+          <a:lstStyle/>
+          <a:p>
+            <a:r>
+              <a:rPr lang="ko-KR" altLang="en-US" sz="3600" smtClean="0">
+                <a:solidFill>
+                  <a:srgbClr val="4C50BC"/>
+                </a:solidFill>
+                <a:latin typeface="G마켓 산스 Medium" panose="02000000000000000000" pitchFamily="50" charset="-127"/>
+                <a:ea typeface="G마켓 산스 Medium" panose="02000000000000000000" pitchFamily="50" charset="-127"/>
+              </a:rPr>
+              <a:t>풀이</a:t>
+            </a:r>
+            <a:endParaRPr lang="en-US" altLang="ko-KR" sz="3600" dirty="0">
+              <a:solidFill>
+                <a:srgbClr val="FF0000"/>
+              </a:solidFill>
+              <a:latin typeface="G마켓 산스 Medium" panose="02000000000000000000" pitchFamily="50" charset="-127"/>
+              <a:ea typeface="G마켓 산스 Medium" panose="02000000000000000000" pitchFamily="50" charset="-127"/>
+            </a:endParaRPr>
+          </a:p>
+        </p:txBody>
+      </p:sp>
+      <p:sp>
+        <p:nvSpPr>
+          <p:cNvPr id="11" name="직사각형 10">
+            <a:extLst>
+              <a:ext uri="{FF2B5EF4-FFF2-40B4-BE49-F238E27FC236}">
+                <a16:creationId xmlns="" xmlns:a16="http://schemas.microsoft.com/office/drawing/2014/main" id="{A44A5771-B6CC-5534-0799-EA9B09045F81}"/>
+              </a:ext>
+            </a:extLst>
+          </p:cNvPr>
+          <p:cNvSpPr/>
+          <p:nvPr/>
+        </p:nvSpPr>
+        <p:spPr>
+          <a:xfrm>
+            <a:off x="3429000" y="197534"/>
+            <a:ext cx="14325600" cy="9915626"/>
           </a:xfrm>
           <a:prstGeom prst="rect">
             <a:avLst/>
           </a:prstGeom>
-        </p:spPr>
-      </p:pic>
-      <p:pic>
-        <p:nvPicPr>
-          <p:cNvPr id="9" name="그림 8"/>
-          <p:cNvPicPr>
-            <a:picLocks noChangeAspect="1"/>
-          </p:cNvPicPr>
-          <p:nvPr/>
-        </p:nvPicPr>
-        <p:blipFill>
-          <a:blip r:embed="rId7"/>
-          <a:stretch>
-            <a:fillRect/>
-          </a:stretch>
-        </p:blipFill>
-        <p:spPr>
-          <a:xfrm>
-            <a:off x="8763000" y="190500"/>
-            <a:ext cx="5562600" cy="5280711"/>
-          </a:xfrm>
-          <a:prstGeom prst="rect">
-            <a:avLst/>
-          </a:prstGeom>
-        </p:spPr>
-      </p:pic>
+          <a:solidFill>
+            <a:schemeClr val="bg1"/>
+          </a:solidFill>
+          <a:ln>
+            <a:noFill/>
+          </a:ln>
+        </p:spPr>
+        <p:style>
+          <a:lnRef idx="2">
+            <a:schemeClr val="accent1">
+              <a:shade val="15000"/>
+            </a:schemeClr>
+          </a:lnRef>
+          <a:fillRef idx="1">
+            <a:schemeClr val="accent1"/>
+          </a:fillRef>
+          <a:effectRef idx="0">
+            <a:schemeClr val="accent1"/>
+          </a:effectRef>
+          <a:fontRef idx="minor">
+            <a:schemeClr val="lt1"/>
+          </a:fontRef>
+        </p:style>
+        <p:txBody>
+          <a:bodyPr rtlCol="0" anchor="ctr"/>
+          <a:lstStyle/>
+          <a:p>
+            <a:pPr algn="ctr"/>
+            <a:endParaRPr lang="ko-KR" altLang="en-US"/>
+          </a:p>
+        </p:txBody>
+      </p:sp>
     </p:spTree>
     <p:extLst>
       <p:ext uri="{BB962C8B-B14F-4D97-AF65-F5344CB8AC3E}">
@@ -40611,7 +41557,7 @@
                             </p:stCondLst>
                             <p:childTnLst>
                               <p:par>
-                                <p:cTn id="5" presetID="1" presetClass="exit" presetSubtype="0" fill="hold" nodeType="clickEffect">
+                                <p:cTn id="5" presetID="1" presetClass="exit" presetSubtype="0" fill="hold" grpId="0" nodeType="clickEffect">
                                   <p:stCondLst>
                                     <p:cond delay="0"/>
                                   </p:stCondLst>
@@ -40624,61 +41570,7 @@
                                           </p:stCondLst>
                                         </p:cTn>
                                         <p:tgtEl>
-                                          <p:spTgt spid="7"/>
-                                        </p:tgtEl>
-                                        <p:attrNameLst>
-                                          <p:attrName>style.visibility</p:attrName>
-                                        </p:attrNameLst>
-                                      </p:cBhvr>
-                                      <p:to>
-                                        <p:strVal val="hidden"/>
-                                      </p:to>
-                                    </p:set>
-                                  </p:childTnLst>
-                                </p:cTn>
-                              </p:par>
-                              <p:par>
-                                <p:cTn id="7" presetID="1" presetClass="exit" presetSubtype="0" fill="hold" nodeType="withEffect">
-                                  <p:stCondLst>
-                                    <p:cond delay="0"/>
-                                  </p:stCondLst>
-                                  <p:childTnLst>
-                                    <p:set>
-                                      <p:cBhvr>
-                                        <p:cTn id="8" dur="1" fill="hold">
-                                          <p:stCondLst>
-                                            <p:cond delay="0"/>
-                                          </p:stCondLst>
-                                        </p:cTn>
-                                        <p:tgtEl>
-                                          <p:spTgt spid="8"/>
-                                        </p:tgtEl>
-                                        <p:attrNameLst>
-                                          <p:attrName>style.visibility</p:attrName>
-                                        </p:attrNameLst>
-                                      </p:cBhvr>
-                                      <p:to>
-                                        <p:strVal val="hidden"/>
-                                      </p:to>
-                                    </p:set>
-                                  </p:childTnLst>
-                                </p:cTn>
-                              </p:par>
-                              <p:par>
-                                <p:cTn id="9" presetID="1" presetClass="exit" presetSubtype="0" fill="hold" nodeType="withEffect">
-                                  <p:stCondLst>
-                                    <p:cond delay="0"/>
-                                  </p:stCondLst>
-                                  <p:childTnLst>
-                                    <p:set>
-                                      <p:cBhvr>
-                                        <p:cTn id="10" dur="1" fill="hold">
-                                          <p:stCondLst>
-                                            <p:cond delay="0"/>
-                                          </p:stCondLst>
-                                        </p:cTn>
-                                        <p:tgtEl>
-                                          <p:spTgt spid="9"/>
+                                          <p:spTgt spid="11"/>
                                         </p:tgtEl>
                                         <p:attrNameLst>
                                           <p:attrName>style.visibility</p:attrName>
@@ -40718,11 +41610,526 @@
         </p:cTn>
       </p:par>
     </p:tnLst>
+    <p:bldLst>
+      <p:bldP spid="11" grpId="0" animBg="1"/>
+    </p:bldLst>
   </p:timing>
 </p:sld>
 </file>
 
-<file path=ppt/slides/slide58.xml><?xml version="1.0" encoding="utf-8"?>
+<file path=ppt/slides/slide6.xml><?xml version="1.0" encoding="utf-8"?>
+<p:sld xmlns:a="http://schemas.openxmlformats.org/drawingml/2006/main" xmlns:r="http://schemas.openxmlformats.org/officeDocument/2006/relationships" xmlns:p="http://schemas.openxmlformats.org/presentationml/2006/main">
+  <p:cSld>
+    <p:spTree>
+      <p:nvGrpSpPr>
+        <p:cNvPr id="1" name=""/>
+        <p:cNvGrpSpPr/>
+        <p:nvPr/>
+      </p:nvGrpSpPr>
+      <p:grpSpPr>
+        <a:xfrm>
+          <a:off x="0" y="0"/>
+          <a:ext cx="0" cy="0"/>
+          <a:chOff x="0" y="0"/>
+          <a:chExt cx="0" cy="0"/>
+        </a:xfrm>
+      </p:grpSpPr>
+      <p:grpSp>
+        <p:nvGrpSpPr>
+          <p:cNvPr id="6" name="그룹 1018">
+            <a:extLst>
+              <a:ext uri="{FF2B5EF4-FFF2-40B4-BE49-F238E27FC236}">
+                <a16:creationId xmlns="" xmlns:a16="http://schemas.microsoft.com/office/drawing/2014/main" id="{0804D430-F42E-AE32-A065-FFA8C471F092}"/>
+              </a:ext>
+            </a:extLst>
+          </p:cNvPr>
+          <p:cNvGrpSpPr/>
+          <p:nvPr/>
+        </p:nvGrpSpPr>
+        <p:grpSpPr>
+          <a:xfrm>
+            <a:off x="10743029" y="2962414"/>
+            <a:ext cx="6553200" cy="1114286"/>
+            <a:chOff x="2803727" y="4828571"/>
+            <a:chExt cx="3393622" cy="1114286"/>
+          </a:xfrm>
+        </p:grpSpPr>
+        <p:pic>
+          <p:nvPicPr>
+            <p:cNvPr id="7" name="Object 61">
+              <a:extLst>
+                <a:ext uri="{FF2B5EF4-FFF2-40B4-BE49-F238E27FC236}">
+                  <a16:creationId xmlns="" xmlns:a16="http://schemas.microsoft.com/office/drawing/2014/main" id="{334A4C3A-641C-7CD9-8FEE-5EC92B28D640}"/>
+                </a:ext>
+              </a:extLst>
+            </p:cNvPr>
+            <p:cNvPicPr>
+              <a:picLocks noChangeAspect="1"/>
+            </p:cNvPicPr>
+            <p:nvPr/>
+          </p:nvPicPr>
+          <p:blipFill>
+            <a:blip r:embed="rId2" cstate="print"/>
+            <a:stretch>
+              <a:fillRect/>
+            </a:stretch>
+          </p:blipFill>
+          <p:spPr>
+            <a:xfrm>
+              <a:off x="2803727" y="4828571"/>
+              <a:ext cx="3393622" cy="1114286"/>
+            </a:xfrm>
+            <a:prstGeom prst="rect">
+              <a:avLst/>
+            </a:prstGeom>
+          </p:spPr>
+        </p:pic>
+      </p:grpSp>
+      <p:pic>
+        <p:nvPicPr>
+          <p:cNvPr id="1026" name="Picture 2" descr="https://search.pstatic.net/common/?src=http%3A%2F%2Fshop1.phinf.naver.net%2F20221115_275%2F1668446792932yRjdc_JPEG%2F69582626754453307_1626154231.jpg&amp;type=sc960_832"/>
+          <p:cNvPicPr>
+            <a:picLocks noChangeAspect="1" noChangeArrowheads="1"/>
+          </p:cNvPicPr>
+          <p:nvPr/>
+        </p:nvPicPr>
+        <p:blipFill>
+          <a:blip r:embed="rId3">
+            <a:extLst>
+              <a:ext uri="{28A0092B-C50C-407E-A947-70E740481C1C}">
+                <a14:useLocalDpi xmlns:a14="http://schemas.microsoft.com/office/drawing/2010/main" val="0"/>
+              </a:ext>
+            </a:extLst>
+          </a:blip>
+          <a:srcRect/>
+          <a:stretch>
+            <a:fillRect/>
+          </a:stretch>
+        </p:blipFill>
+        <p:spPr bwMode="auto">
+          <a:xfrm>
+            <a:off x="1905000" y="2247899"/>
+            <a:ext cx="5552583" cy="5552584"/>
+          </a:xfrm>
+          <a:prstGeom prst="rect">
+            <a:avLst/>
+          </a:prstGeom>
+          <a:noFill/>
+          <a:extLst>
+            <a:ext uri="{909E8E84-426E-40DD-AFC4-6F175D3DCCD1}">
+              <a14:hiddenFill xmlns:a14="http://schemas.microsoft.com/office/drawing/2010/main">
+                <a:solidFill>
+                  <a:srgbClr val="FFFFFF"/>
+                </a:solidFill>
+              </a14:hiddenFill>
+            </a:ext>
+          </a:extLst>
+        </p:spPr>
+      </p:pic>
+      <p:sp>
+        <p:nvSpPr>
+          <p:cNvPr id="5" name="TextBox 4">
+            <a:extLst>
+              <a:ext uri="{FF2B5EF4-FFF2-40B4-BE49-F238E27FC236}">
+                <a16:creationId xmlns="" xmlns:a16="http://schemas.microsoft.com/office/drawing/2014/main" id="{DF7DDD33-9412-2802-339A-E55446AC2DA7}"/>
+              </a:ext>
+            </a:extLst>
+          </p:cNvPr>
+          <p:cNvSpPr txBox="1"/>
+          <p:nvPr/>
+        </p:nvSpPr>
+        <p:spPr>
+          <a:xfrm>
+            <a:off x="11088851" y="3267214"/>
+            <a:ext cx="5902578" cy="584775"/>
+          </a:xfrm>
+          <a:prstGeom prst="rect">
+            <a:avLst/>
+          </a:prstGeom>
+          <a:noFill/>
+        </p:spPr>
+        <p:txBody>
+          <a:bodyPr wrap="none" rtlCol="0">
+            <a:spAutoFit/>
+          </a:bodyPr>
+          <a:lstStyle/>
+          <a:p>
+            <a:r>
+              <a:rPr lang="ko-KR" altLang="en-US" sz="3200">
+                <a:solidFill>
+                  <a:srgbClr val="4C50BC"/>
+                </a:solidFill>
+                <a:latin typeface="G마켓 산스 Bold"/>
+                <a:ea typeface="G마켓 산스 Medium" panose="02000000000000000000" pitchFamily="50" charset="-127"/>
+              </a:rPr>
+              <a:t>색상</a:t>
+            </a:r>
+            <a:r>
+              <a:rPr lang="en-US" altLang="ko-KR" sz="3200">
+                <a:solidFill>
+                  <a:srgbClr val="4C50BC"/>
+                </a:solidFill>
+                <a:latin typeface="G마켓 산스 Bold"/>
+                <a:ea typeface="G마켓 산스 Medium" panose="02000000000000000000" pitchFamily="50" charset="-127"/>
+              </a:rPr>
+              <a:t>, </a:t>
+            </a:r>
+            <a:r>
+              <a:rPr lang="ko-KR" altLang="en-US" sz="3200">
+                <a:solidFill>
+                  <a:srgbClr val="4C50BC"/>
+                </a:solidFill>
+                <a:latin typeface="G마켓 산스 Bold"/>
+                <a:ea typeface="G마켓 산스 Medium" panose="02000000000000000000" pitchFamily="50" charset="-127"/>
+              </a:rPr>
+              <a:t>기름량</a:t>
+            </a:r>
+            <a:r>
+              <a:rPr lang="en-US" altLang="ko-KR" sz="3200">
+                <a:solidFill>
+                  <a:srgbClr val="4C50BC"/>
+                </a:solidFill>
+                <a:latin typeface="G마켓 산스 Bold"/>
+                <a:ea typeface="G마켓 산스 Medium" panose="02000000000000000000" pitchFamily="50" charset="-127"/>
+              </a:rPr>
+              <a:t>, </a:t>
+            </a:r>
+            <a:r>
+              <a:rPr lang="ko-KR" altLang="en-US" sz="3200">
+                <a:solidFill>
+                  <a:srgbClr val="4C50BC"/>
+                </a:solidFill>
+                <a:latin typeface="G마켓 산스 Bold"/>
+                <a:ea typeface="G마켓 산스 Medium" panose="02000000000000000000" pitchFamily="50" charset="-127"/>
+              </a:rPr>
+              <a:t>주행거리</a:t>
+            </a:r>
+            <a:r>
+              <a:rPr lang="en-US" altLang="ko-KR" sz="3200">
+                <a:solidFill>
+                  <a:srgbClr val="4C50BC"/>
+                </a:solidFill>
+                <a:latin typeface="G마켓 산스 Bold"/>
+                <a:ea typeface="G마켓 산스 Medium" panose="02000000000000000000" pitchFamily="50" charset="-127"/>
+              </a:rPr>
+              <a:t>,</a:t>
+            </a:r>
+            <a:r>
+              <a:rPr lang="ko-KR" altLang="en-US" sz="3200">
+                <a:solidFill>
+                  <a:srgbClr val="4C50BC"/>
+                </a:solidFill>
+                <a:latin typeface="G마켓 산스 Bold"/>
+                <a:ea typeface="G마켓 산스 Medium" panose="02000000000000000000" pitchFamily="50" charset="-127"/>
+              </a:rPr>
+              <a:t>기어상태</a:t>
+            </a:r>
+            <a:endParaRPr lang="ko-KR" altLang="en-US" sz="3200" dirty="0">
+              <a:solidFill>
+                <a:srgbClr val="4C50BC"/>
+              </a:solidFill>
+              <a:latin typeface="G마켓 산스 Bold"/>
+              <a:ea typeface="G마켓 산스 Medium" panose="02000000000000000000" pitchFamily="50" charset="-127"/>
+            </a:endParaRPr>
+          </a:p>
+        </p:txBody>
+      </p:sp>
+      <p:sp>
+        <p:nvSpPr>
+          <p:cNvPr id="10" name="TextBox 9">
+            <a:extLst>
+              <a:ext uri="{FF2B5EF4-FFF2-40B4-BE49-F238E27FC236}">
+                <a16:creationId xmlns="" xmlns:a16="http://schemas.microsoft.com/office/drawing/2014/main" id="{DF7DDD33-9412-2802-339A-E55446AC2DA7}"/>
+              </a:ext>
+            </a:extLst>
+          </p:cNvPr>
+          <p:cNvSpPr txBox="1"/>
+          <p:nvPr/>
+        </p:nvSpPr>
+        <p:spPr>
+          <a:xfrm>
+            <a:off x="8534400" y="3114814"/>
+            <a:ext cx="1980029" cy="769441"/>
+          </a:xfrm>
+          <a:prstGeom prst="rect">
+            <a:avLst/>
+          </a:prstGeom>
+          <a:noFill/>
+        </p:spPr>
+        <p:txBody>
+          <a:bodyPr wrap="none" rtlCol="0">
+            <a:spAutoFit/>
+          </a:bodyPr>
+          <a:lstStyle/>
+          <a:p>
+            <a:r>
+              <a:rPr lang="ko-KR" altLang="en-US" sz="4400">
+                <a:solidFill>
+                  <a:srgbClr val="4C50BC"/>
+                </a:solidFill>
+                <a:latin typeface="G마켓 산스 Bold"/>
+                <a:ea typeface="G마켓 산스 Medium" panose="02000000000000000000" pitchFamily="50" charset="-127"/>
+              </a:rPr>
+              <a:t>데이터</a:t>
+            </a:r>
+            <a:r>
+              <a:rPr lang="en-US" altLang="ko-KR" sz="4400">
+                <a:solidFill>
+                  <a:srgbClr val="4C50BC"/>
+                </a:solidFill>
+                <a:latin typeface="G마켓 산스 Bold"/>
+                <a:ea typeface="G마켓 산스 Medium" panose="02000000000000000000" pitchFamily="50" charset="-127"/>
+              </a:rPr>
+              <a:t>:</a:t>
+            </a:r>
+            <a:endParaRPr lang="ko-KR" altLang="en-US" sz="4400" dirty="0">
+              <a:solidFill>
+                <a:srgbClr val="4C50BC"/>
+              </a:solidFill>
+              <a:latin typeface="G마켓 산스 Bold"/>
+              <a:ea typeface="G마켓 산스 Medium" panose="02000000000000000000" pitchFamily="50" charset="-127"/>
+            </a:endParaRPr>
+          </a:p>
+        </p:txBody>
+      </p:sp>
+      <p:grpSp>
+        <p:nvGrpSpPr>
+          <p:cNvPr id="11" name="그룹 1018">
+            <a:extLst>
+              <a:ext uri="{FF2B5EF4-FFF2-40B4-BE49-F238E27FC236}">
+                <a16:creationId xmlns="" xmlns:a16="http://schemas.microsoft.com/office/drawing/2014/main" id="{0804D430-F42E-AE32-A065-FFA8C471F092}"/>
+              </a:ext>
+            </a:extLst>
+          </p:cNvPr>
+          <p:cNvGrpSpPr/>
+          <p:nvPr/>
+        </p:nvGrpSpPr>
+        <p:grpSpPr>
+          <a:xfrm>
+            <a:off x="10743029" y="5553214"/>
+            <a:ext cx="6553200" cy="1114286"/>
+            <a:chOff x="2803727" y="4828571"/>
+            <a:chExt cx="3393622" cy="1114286"/>
+          </a:xfrm>
+        </p:grpSpPr>
+        <p:pic>
+          <p:nvPicPr>
+            <p:cNvPr id="12" name="Object 61">
+              <a:extLst>
+                <a:ext uri="{FF2B5EF4-FFF2-40B4-BE49-F238E27FC236}">
+                  <a16:creationId xmlns="" xmlns:a16="http://schemas.microsoft.com/office/drawing/2014/main" id="{334A4C3A-641C-7CD9-8FEE-5EC92B28D640}"/>
+                </a:ext>
+              </a:extLst>
+            </p:cNvPr>
+            <p:cNvPicPr>
+              <a:picLocks noChangeAspect="1"/>
+            </p:cNvPicPr>
+            <p:nvPr/>
+          </p:nvPicPr>
+          <p:blipFill>
+            <a:blip r:embed="rId2" cstate="print"/>
+            <a:stretch>
+              <a:fillRect/>
+            </a:stretch>
+          </p:blipFill>
+          <p:spPr>
+            <a:xfrm>
+              <a:off x="2803727" y="4828571"/>
+              <a:ext cx="3393622" cy="1114286"/>
+            </a:xfrm>
+            <a:prstGeom prst="rect">
+              <a:avLst/>
+            </a:prstGeom>
+          </p:spPr>
+        </p:pic>
+      </p:grpSp>
+      <p:sp>
+        <p:nvSpPr>
+          <p:cNvPr id="13" name="TextBox 12">
+            <a:extLst>
+              <a:ext uri="{FF2B5EF4-FFF2-40B4-BE49-F238E27FC236}">
+                <a16:creationId xmlns="" xmlns:a16="http://schemas.microsoft.com/office/drawing/2014/main" id="{DF7DDD33-9412-2802-339A-E55446AC2DA7}"/>
+              </a:ext>
+            </a:extLst>
+          </p:cNvPr>
+          <p:cNvSpPr txBox="1"/>
+          <p:nvPr/>
+        </p:nvSpPr>
+        <p:spPr>
+          <a:xfrm>
+            <a:off x="11047829" y="5806639"/>
+            <a:ext cx="6133410" cy="584775"/>
+          </a:xfrm>
+          <a:prstGeom prst="rect">
+            <a:avLst/>
+          </a:prstGeom>
+          <a:noFill/>
+        </p:spPr>
+        <p:txBody>
+          <a:bodyPr wrap="none" rtlCol="0">
+            <a:spAutoFit/>
+          </a:bodyPr>
+          <a:lstStyle/>
+          <a:p>
+            <a:r>
+              <a:rPr lang="ko-KR" altLang="en-US" sz="3200">
+                <a:solidFill>
+                  <a:srgbClr val="4C50BC"/>
+                </a:solidFill>
+                <a:latin typeface="G마켓 산스 Bold"/>
+                <a:ea typeface="G마켓 산스 Medium" panose="02000000000000000000" pitchFamily="50" charset="-127"/>
+              </a:rPr>
+              <a:t>시동</a:t>
+            </a:r>
+            <a:r>
+              <a:rPr lang="en-US" altLang="ko-KR" sz="3200">
+                <a:solidFill>
+                  <a:srgbClr val="4C50BC"/>
+                </a:solidFill>
+                <a:latin typeface="G마켓 산스 Bold"/>
+                <a:ea typeface="G마켓 산스 Medium" panose="02000000000000000000" pitchFamily="50" charset="-127"/>
+              </a:rPr>
+              <a:t>, </a:t>
+            </a:r>
+            <a:r>
+              <a:rPr lang="ko-KR" altLang="en-US" sz="3200">
+                <a:solidFill>
+                  <a:srgbClr val="4C50BC"/>
+                </a:solidFill>
+                <a:latin typeface="G마켓 산스 Bold"/>
+                <a:ea typeface="G마켓 산스 Medium" panose="02000000000000000000" pitchFamily="50" charset="-127"/>
+              </a:rPr>
+              <a:t>에어컨 가동</a:t>
+            </a:r>
+            <a:r>
+              <a:rPr lang="en-US" altLang="ko-KR" sz="3200">
+                <a:solidFill>
+                  <a:srgbClr val="4C50BC"/>
+                </a:solidFill>
+                <a:latin typeface="G마켓 산스 Bold"/>
+                <a:ea typeface="G마켓 산스 Medium" panose="02000000000000000000" pitchFamily="50" charset="-127"/>
+              </a:rPr>
+              <a:t>, </a:t>
+            </a:r>
+            <a:r>
+              <a:rPr lang="ko-KR" altLang="en-US" sz="3200">
+                <a:solidFill>
+                  <a:srgbClr val="4C50BC"/>
+                </a:solidFill>
+                <a:latin typeface="G마켓 산스 Bold"/>
+                <a:ea typeface="G마켓 산스 Medium" panose="02000000000000000000" pitchFamily="50" charset="-127"/>
+              </a:rPr>
+              <a:t>주행</a:t>
+            </a:r>
+            <a:r>
+              <a:rPr lang="en-US" altLang="ko-KR" sz="3200">
+                <a:solidFill>
+                  <a:srgbClr val="4C50BC"/>
+                </a:solidFill>
+                <a:latin typeface="G마켓 산스 Bold"/>
+                <a:ea typeface="G마켓 산스 Medium" panose="02000000000000000000" pitchFamily="50" charset="-127"/>
+              </a:rPr>
+              <a:t>, </a:t>
+            </a:r>
+            <a:r>
+              <a:rPr lang="ko-KR" altLang="en-US" sz="3200">
+                <a:solidFill>
+                  <a:srgbClr val="4C50BC"/>
+                </a:solidFill>
+                <a:latin typeface="G마켓 산스 Bold"/>
+                <a:ea typeface="G마켓 산스 Medium" panose="02000000000000000000" pitchFamily="50" charset="-127"/>
+              </a:rPr>
+              <a:t>브레이크</a:t>
+            </a:r>
+            <a:endParaRPr lang="ko-KR" altLang="en-US" sz="3200" dirty="0">
+              <a:solidFill>
+                <a:srgbClr val="4C50BC"/>
+              </a:solidFill>
+              <a:latin typeface="G마켓 산스 Bold"/>
+              <a:ea typeface="G마켓 산스 Medium" panose="02000000000000000000" pitchFamily="50" charset="-127"/>
+            </a:endParaRPr>
+          </a:p>
+        </p:txBody>
+      </p:sp>
+      <p:sp>
+        <p:nvSpPr>
+          <p:cNvPr id="14" name="TextBox 13">
+            <a:extLst>
+              <a:ext uri="{FF2B5EF4-FFF2-40B4-BE49-F238E27FC236}">
+                <a16:creationId xmlns="" xmlns:a16="http://schemas.microsoft.com/office/drawing/2014/main" id="{DF7DDD33-9412-2802-339A-E55446AC2DA7}"/>
+              </a:ext>
+            </a:extLst>
+          </p:cNvPr>
+          <p:cNvSpPr txBox="1"/>
+          <p:nvPr/>
+        </p:nvSpPr>
+        <p:spPr>
+          <a:xfrm>
+            <a:off x="8534400" y="5705614"/>
+            <a:ext cx="1436612" cy="769441"/>
+          </a:xfrm>
+          <a:prstGeom prst="rect">
+            <a:avLst/>
+          </a:prstGeom>
+          <a:noFill/>
+        </p:spPr>
+        <p:txBody>
+          <a:bodyPr wrap="none" rtlCol="0">
+            <a:spAutoFit/>
+          </a:bodyPr>
+          <a:lstStyle/>
+          <a:p>
+            <a:r>
+              <a:rPr lang="ko-KR" altLang="en-US" sz="4400">
+                <a:solidFill>
+                  <a:srgbClr val="4C50BC"/>
+                </a:solidFill>
+                <a:latin typeface="G마켓 산스 Bold"/>
+                <a:ea typeface="G마켓 산스 Medium" panose="02000000000000000000" pitchFamily="50" charset="-127"/>
+              </a:rPr>
+              <a:t>기능</a:t>
+            </a:r>
+            <a:r>
+              <a:rPr lang="en-US" altLang="ko-KR" sz="4400">
+                <a:solidFill>
+                  <a:srgbClr val="4C50BC"/>
+                </a:solidFill>
+                <a:latin typeface="G마켓 산스 Bold"/>
+                <a:ea typeface="G마켓 산스 Medium" panose="02000000000000000000" pitchFamily="50" charset="-127"/>
+              </a:rPr>
+              <a:t>:</a:t>
+            </a:r>
+            <a:endParaRPr lang="ko-KR" altLang="en-US" sz="4400" dirty="0">
+              <a:solidFill>
+                <a:srgbClr val="4C50BC"/>
+              </a:solidFill>
+              <a:latin typeface="G마켓 산스 Bold"/>
+              <a:ea typeface="G마켓 산스 Medium" panose="02000000000000000000" pitchFamily="50" charset="-127"/>
+            </a:endParaRPr>
+          </a:p>
+        </p:txBody>
+      </p:sp>
+    </p:spTree>
+    <p:extLst>
+      <p:ext uri="{BB962C8B-B14F-4D97-AF65-F5344CB8AC3E}">
+        <p14:creationId xmlns:p14="http://schemas.microsoft.com/office/powerpoint/2010/main" val="2564286032"/>
+      </p:ext>
+    </p:extLst>
+  </p:cSld>
+  <p:clrMapOvr>
+    <a:masterClrMapping/>
+  </p:clrMapOvr>
+  <p:timing>
+    <p:tnLst>
+      <p:par>
+        <p:cTn id="1" dur="indefinite" restart="never" nodeType="tmRoot"/>
+      </p:par>
+    </p:tnLst>
+  </p:timing>
+</p:sld>
+</file>
+
+<file path=ppt/slides/slide60.xml><?xml version="1.0" encoding="utf-8"?>
 <p:sld xmlns:a="http://schemas.openxmlformats.org/drawingml/2006/main" xmlns:r="http://schemas.openxmlformats.org/officeDocument/2006/relationships" xmlns:p="http://schemas.openxmlformats.org/presentationml/2006/main">
   <p:cSld>
     <p:spTree>
@@ -40838,14 +42245,14 @@
               <a:t>재귀호출 사용할것</a:t>
             </a:r>
             <a:r>
-              <a:rPr lang="en-US" altLang="ko-KR" sz="2800">
+              <a:rPr lang="en-US" altLang="ko-KR" sz="2800" smtClean="0">
                 <a:solidFill>
                   <a:srgbClr val="FF0000"/>
                 </a:solidFill>
                 <a:latin typeface="G마켓 산스 Medium" panose="02000000000000000000" pitchFamily="50" charset="-127"/>
                 <a:ea typeface="G마켓 산스 Medium" panose="02000000000000000000" pitchFamily="50" charset="-127"/>
               </a:rPr>
-              <a:t>)</a:t>
+              <a:t>)(hard)</a:t>
             </a:r>
             <a:endParaRPr lang="en-US" altLang="ko-KR" sz="2800" dirty="0">
               <a:solidFill>
@@ -41441,7 +42848,7 @@
 </p:sld>
 </file>
 
-<file path=ppt/slides/slide59.xml><?xml version="1.0" encoding="utf-8"?>
+<file path=ppt/slides/slide61.xml><?xml version="1.0" encoding="utf-8"?>
 <p:sld xmlns:a="http://schemas.openxmlformats.org/drawingml/2006/main" xmlns:r="http://schemas.openxmlformats.org/officeDocument/2006/relationships" xmlns:p="http://schemas.openxmlformats.org/presentationml/2006/main">
   <p:cSld>
     <p:spTree>
@@ -41544,13 +42951,6 @@
               </a:rPr>
               <a:t>3</a:t>
             </a:r>
-            <a:endParaRPr lang="en-US" altLang="ko-KR" sz="4000" dirty="0">
-              <a:solidFill>
-                <a:srgbClr val="FF0000"/>
-              </a:solidFill>
-              <a:latin typeface="G마켓 산스 Medium" panose="02000000000000000000" pitchFamily="50" charset="-127"/>
-              <a:ea typeface="G마켓 산스 Medium" panose="02000000000000000000" pitchFamily="50" charset="-127"/>
-            </a:endParaRPr>
           </a:p>
         </p:txBody>
       </p:sp>
@@ -41633,13 +43033,6 @@
               </a:rPr>
               <a:t>3</a:t>
             </a:r>
-            <a:endParaRPr lang="en-US" altLang="ko-KR" sz="4000" dirty="0">
-              <a:solidFill>
-                <a:srgbClr val="FF0000"/>
-              </a:solidFill>
-              <a:latin typeface="G마켓 산스 Medium" panose="02000000000000000000" pitchFamily="50" charset="-127"/>
-              <a:ea typeface="G마켓 산스 Medium" panose="02000000000000000000" pitchFamily="50" charset="-127"/>
-            </a:endParaRPr>
           </a:p>
         </p:txBody>
       </p:sp>
@@ -41681,13 +43074,6 @@
               </a:rPr>
               <a:t>3</a:t>
             </a:r>
-            <a:endParaRPr lang="en-US" altLang="ko-KR" sz="4000" dirty="0">
-              <a:solidFill>
-                <a:srgbClr val="FF0000"/>
-              </a:solidFill>
-              <a:latin typeface="G마켓 산스 Medium" panose="02000000000000000000" pitchFamily="50" charset="-127"/>
-              <a:ea typeface="G마켓 산스 Medium" panose="02000000000000000000" pitchFamily="50" charset="-127"/>
-            </a:endParaRPr>
           </a:p>
         </p:txBody>
       </p:sp>
@@ -41729,13 +43115,6 @@
               </a:rPr>
               <a:t>3</a:t>
             </a:r>
-            <a:endParaRPr lang="en-US" altLang="ko-KR" sz="4000" dirty="0">
-              <a:solidFill>
-                <a:srgbClr val="FF0000"/>
-              </a:solidFill>
-              <a:latin typeface="G마켓 산스 Medium" panose="02000000000000000000" pitchFamily="50" charset="-127"/>
-              <a:ea typeface="G마켓 산스 Medium" panose="02000000000000000000" pitchFamily="50" charset="-127"/>
-            </a:endParaRPr>
           </a:p>
         </p:txBody>
       </p:sp>
@@ -41801,13 +43180,6 @@
               </a:rPr>
               <a:t>3</a:t>
             </a:r>
-            <a:endParaRPr lang="en-US" altLang="ko-KR" sz="4000" dirty="0">
-              <a:solidFill>
-                <a:srgbClr val="FF0000"/>
-              </a:solidFill>
-              <a:latin typeface="G마켓 산스 Medium" panose="02000000000000000000" pitchFamily="50" charset="-127"/>
-              <a:ea typeface="G마켓 산스 Medium" panose="02000000000000000000" pitchFamily="50" charset="-127"/>
-            </a:endParaRPr>
           </a:p>
         </p:txBody>
       </p:sp>
@@ -41849,13 +43221,6 @@
               </a:rPr>
               <a:t>3</a:t>
             </a:r>
-            <a:endParaRPr lang="en-US" altLang="ko-KR" sz="4000" dirty="0">
-              <a:solidFill>
-                <a:srgbClr val="FF0000"/>
-              </a:solidFill>
-              <a:latin typeface="G마켓 산스 Medium" panose="02000000000000000000" pitchFamily="50" charset="-127"/>
-              <a:ea typeface="G마켓 산스 Medium" panose="02000000000000000000" pitchFamily="50" charset="-127"/>
-            </a:endParaRPr>
           </a:p>
         </p:txBody>
       </p:sp>
@@ -41897,13 +43262,6 @@
               </a:rPr>
               <a:t>3</a:t>
             </a:r>
-            <a:endParaRPr lang="en-US" altLang="ko-KR" sz="4000" dirty="0">
-              <a:solidFill>
-                <a:srgbClr val="FF0000"/>
-              </a:solidFill>
-              <a:latin typeface="G마켓 산스 Medium" panose="02000000000000000000" pitchFamily="50" charset="-127"/>
-              <a:ea typeface="G마켓 산스 Medium" panose="02000000000000000000" pitchFamily="50" charset="-127"/>
-            </a:endParaRPr>
           </a:p>
         </p:txBody>
       </p:sp>
@@ -41945,13 +43303,6 @@
               </a:rPr>
               <a:t>3</a:t>
             </a:r>
-            <a:endParaRPr lang="en-US" altLang="ko-KR" sz="4000" dirty="0">
-              <a:solidFill>
-                <a:srgbClr val="FF0000"/>
-              </a:solidFill>
-              <a:latin typeface="G마켓 산스 Medium" panose="02000000000000000000" pitchFamily="50" charset="-127"/>
-              <a:ea typeface="G마켓 산스 Medium" panose="02000000000000000000" pitchFamily="50" charset="-127"/>
-            </a:endParaRPr>
           </a:p>
         </p:txBody>
       </p:sp>
@@ -42065,13 +43416,6 @@
               </a:rPr>
               <a:t>3</a:t>
             </a:r>
-            <a:endParaRPr lang="en-US" altLang="ko-KR" sz="4000" dirty="0">
-              <a:solidFill>
-                <a:srgbClr val="FF0000"/>
-              </a:solidFill>
-              <a:latin typeface="G마켓 산스 Medium" panose="02000000000000000000" pitchFamily="50" charset="-127"/>
-              <a:ea typeface="G마켓 산스 Medium" panose="02000000000000000000" pitchFamily="50" charset="-127"/>
-            </a:endParaRPr>
           </a:p>
         </p:txBody>
       </p:sp>
@@ -42154,13 +43498,6 @@
               </a:rPr>
               <a:t>3</a:t>
             </a:r>
-            <a:endParaRPr lang="en-US" altLang="ko-KR" sz="4000" dirty="0">
-              <a:solidFill>
-                <a:srgbClr val="FF0000"/>
-              </a:solidFill>
-              <a:latin typeface="G마켓 산스 Medium" panose="02000000000000000000" pitchFamily="50" charset="-127"/>
-              <a:ea typeface="G마켓 산스 Medium" panose="02000000000000000000" pitchFamily="50" charset="-127"/>
-            </a:endParaRPr>
           </a:p>
         </p:txBody>
       </p:sp>
@@ -42202,13 +43539,6 @@
               </a:rPr>
               <a:t>3</a:t>
             </a:r>
-            <a:endParaRPr lang="en-US" altLang="ko-KR" sz="4000" dirty="0">
-              <a:solidFill>
-                <a:srgbClr val="FF0000"/>
-              </a:solidFill>
-              <a:latin typeface="G마켓 산스 Medium" panose="02000000000000000000" pitchFamily="50" charset="-127"/>
-              <a:ea typeface="G마켓 산스 Medium" panose="02000000000000000000" pitchFamily="50" charset="-127"/>
-            </a:endParaRPr>
           </a:p>
         </p:txBody>
       </p:sp>
@@ -42322,13 +43652,6 @@
               </a:rPr>
               <a:t>3</a:t>
             </a:r>
-            <a:endParaRPr lang="en-US" altLang="ko-KR" sz="4000" dirty="0">
-              <a:solidFill>
-                <a:srgbClr val="FF0000"/>
-              </a:solidFill>
-              <a:latin typeface="G마켓 산스 Medium" panose="02000000000000000000" pitchFamily="50" charset="-127"/>
-              <a:ea typeface="G마켓 산스 Medium" panose="02000000000000000000" pitchFamily="50" charset="-127"/>
-            </a:endParaRPr>
           </a:p>
         </p:txBody>
       </p:sp>
@@ -42411,13 +43734,6 @@
               </a:rPr>
               <a:t>3</a:t>
             </a:r>
-            <a:endParaRPr lang="en-US" altLang="ko-KR" sz="4000" dirty="0">
-              <a:solidFill>
-                <a:srgbClr val="FF0000"/>
-              </a:solidFill>
-              <a:latin typeface="G마켓 산스 Medium" panose="02000000000000000000" pitchFamily="50" charset="-127"/>
-              <a:ea typeface="G마켓 산스 Medium" panose="02000000000000000000" pitchFamily="50" charset="-127"/>
-            </a:endParaRPr>
           </a:p>
         </p:txBody>
       </p:sp>
@@ -42461,6 +43777,54 @@
           <a:p>
             <a:pPr algn="ctr"/>
             <a:endParaRPr lang="ko-KR" altLang="en-US"/>
+          </a:p>
+        </p:txBody>
+      </p:sp>
+      <p:sp>
+        <p:nvSpPr>
+          <p:cNvPr id="26" name="TextBox 25">
+            <a:extLst>
+              <a:ext uri="{FF2B5EF4-FFF2-40B4-BE49-F238E27FC236}">
+                <a16:creationId xmlns="" xmlns:a16="http://schemas.microsoft.com/office/drawing/2014/main" id="{F0FF9E4E-0550-E648-378E-A52F5B0499D4}"/>
+              </a:ext>
+            </a:extLst>
+          </p:cNvPr>
+          <p:cNvSpPr txBox="1"/>
+          <p:nvPr/>
+        </p:nvSpPr>
+        <p:spPr>
+          <a:xfrm>
+            <a:off x="457200" y="342900"/>
+            <a:ext cx="1752600" cy="646331"/>
+          </a:xfrm>
+          <a:prstGeom prst="rect">
+            <a:avLst/>
+          </a:prstGeom>
+          <a:noFill/>
+        </p:spPr>
+        <p:txBody>
+          <a:bodyPr wrap="square" rtlCol="0">
+            <a:spAutoFit/>
+          </a:bodyPr>
+          <a:lstStyle/>
+          <a:p>
+            <a:r>
+              <a:rPr lang="ko-KR" altLang="en-US" sz="3600" smtClean="0">
+                <a:solidFill>
+                  <a:srgbClr val="4C50BC"/>
+                </a:solidFill>
+                <a:latin typeface="G마켓 산스 Medium" panose="02000000000000000000" pitchFamily="50" charset="-127"/>
+                <a:ea typeface="G마켓 산스 Medium" panose="02000000000000000000" pitchFamily="50" charset="-127"/>
+              </a:rPr>
+              <a:t>풀이</a:t>
+            </a:r>
+            <a:endParaRPr lang="en-US" altLang="ko-KR" sz="3600" dirty="0">
+              <a:solidFill>
+                <a:srgbClr val="FF0000"/>
+              </a:solidFill>
+              <a:latin typeface="G마켓 산스 Medium" panose="02000000000000000000" pitchFamily="50" charset="-127"/>
+              <a:ea typeface="G마켓 산스 Medium" panose="02000000000000000000" pitchFamily="50" charset="-127"/>
+            </a:endParaRPr>
           </a:p>
         </p:txBody>
       </p:sp>
@@ -43527,519 +44891,7 @@
 </p:sld>
 </file>
 
-<file path=ppt/slides/slide6.xml><?xml version="1.0" encoding="utf-8"?>
-<p:sld xmlns:a="http://schemas.openxmlformats.org/drawingml/2006/main" xmlns:r="http://schemas.openxmlformats.org/officeDocument/2006/relationships" xmlns:p="http://schemas.openxmlformats.org/presentationml/2006/main">
-  <p:cSld>
-    <p:spTree>
-      <p:nvGrpSpPr>
-        <p:cNvPr id="1" name=""/>
-        <p:cNvGrpSpPr/>
-        <p:nvPr/>
-      </p:nvGrpSpPr>
-      <p:grpSpPr>
-        <a:xfrm>
-          <a:off x="0" y="0"/>
-          <a:ext cx="0" cy="0"/>
-          <a:chOff x="0" y="0"/>
-          <a:chExt cx="0" cy="0"/>
-        </a:xfrm>
-      </p:grpSpPr>
-      <p:grpSp>
-        <p:nvGrpSpPr>
-          <p:cNvPr id="6" name="그룹 1018">
-            <a:extLst>
-              <a:ext uri="{FF2B5EF4-FFF2-40B4-BE49-F238E27FC236}">
-                <a16:creationId xmlns="" xmlns:a16="http://schemas.microsoft.com/office/drawing/2014/main" id="{0804D430-F42E-AE32-A065-FFA8C471F092}"/>
-              </a:ext>
-            </a:extLst>
-          </p:cNvPr>
-          <p:cNvGrpSpPr/>
-          <p:nvPr/>
-        </p:nvGrpSpPr>
-        <p:grpSpPr>
-          <a:xfrm>
-            <a:off x="10743029" y="2962414"/>
-            <a:ext cx="6553200" cy="1114286"/>
-            <a:chOff x="2803727" y="4828571"/>
-            <a:chExt cx="3393622" cy="1114286"/>
-          </a:xfrm>
-        </p:grpSpPr>
-        <p:pic>
-          <p:nvPicPr>
-            <p:cNvPr id="7" name="Object 61">
-              <a:extLst>
-                <a:ext uri="{FF2B5EF4-FFF2-40B4-BE49-F238E27FC236}">
-                  <a16:creationId xmlns="" xmlns:a16="http://schemas.microsoft.com/office/drawing/2014/main" id="{334A4C3A-641C-7CD9-8FEE-5EC92B28D640}"/>
-                </a:ext>
-              </a:extLst>
-            </p:cNvPr>
-            <p:cNvPicPr>
-              <a:picLocks noChangeAspect="1"/>
-            </p:cNvPicPr>
-            <p:nvPr/>
-          </p:nvPicPr>
-          <p:blipFill>
-            <a:blip r:embed="rId2" cstate="print"/>
-            <a:stretch>
-              <a:fillRect/>
-            </a:stretch>
-          </p:blipFill>
-          <p:spPr>
-            <a:xfrm>
-              <a:off x="2803727" y="4828571"/>
-              <a:ext cx="3393622" cy="1114286"/>
-            </a:xfrm>
-            <a:prstGeom prst="rect">
-              <a:avLst/>
-            </a:prstGeom>
-          </p:spPr>
-        </p:pic>
-      </p:grpSp>
-      <p:pic>
-        <p:nvPicPr>
-          <p:cNvPr id="1026" name="Picture 2" descr="https://search.pstatic.net/common/?src=http%3A%2F%2Fshop1.phinf.naver.net%2F20221115_275%2F1668446792932yRjdc_JPEG%2F69582626754453307_1626154231.jpg&amp;type=sc960_832"/>
-          <p:cNvPicPr>
-            <a:picLocks noChangeAspect="1" noChangeArrowheads="1"/>
-          </p:cNvPicPr>
-          <p:nvPr/>
-        </p:nvPicPr>
-        <p:blipFill>
-          <a:blip r:embed="rId3">
-            <a:extLst>
-              <a:ext uri="{28A0092B-C50C-407E-A947-70E740481C1C}">
-                <a14:useLocalDpi xmlns:a14="http://schemas.microsoft.com/office/drawing/2010/main" val="0"/>
-              </a:ext>
-            </a:extLst>
-          </a:blip>
-          <a:srcRect/>
-          <a:stretch>
-            <a:fillRect/>
-          </a:stretch>
-        </p:blipFill>
-        <p:spPr bwMode="auto">
-          <a:xfrm>
-            <a:off x="1905000" y="2247899"/>
-            <a:ext cx="5552583" cy="5552584"/>
-          </a:xfrm>
-          <a:prstGeom prst="rect">
-            <a:avLst/>
-          </a:prstGeom>
-          <a:noFill/>
-          <a:extLst>
-            <a:ext uri="{909E8E84-426E-40DD-AFC4-6F175D3DCCD1}">
-              <a14:hiddenFill xmlns:a14="http://schemas.microsoft.com/office/drawing/2010/main">
-                <a:solidFill>
-                  <a:srgbClr val="FFFFFF"/>
-                </a:solidFill>
-              </a14:hiddenFill>
-            </a:ext>
-          </a:extLst>
-        </p:spPr>
-      </p:pic>
-      <p:sp>
-        <p:nvSpPr>
-          <p:cNvPr id="5" name="TextBox 4">
-            <a:extLst>
-              <a:ext uri="{FF2B5EF4-FFF2-40B4-BE49-F238E27FC236}">
-                <a16:creationId xmlns="" xmlns:a16="http://schemas.microsoft.com/office/drawing/2014/main" id="{DF7DDD33-9412-2802-339A-E55446AC2DA7}"/>
-              </a:ext>
-            </a:extLst>
-          </p:cNvPr>
-          <p:cNvSpPr txBox="1"/>
-          <p:nvPr/>
-        </p:nvSpPr>
-        <p:spPr>
-          <a:xfrm>
-            <a:off x="11088851" y="3267214"/>
-            <a:ext cx="5902578" cy="584775"/>
-          </a:xfrm>
-          <a:prstGeom prst="rect">
-            <a:avLst/>
-          </a:prstGeom>
-          <a:noFill/>
-        </p:spPr>
-        <p:txBody>
-          <a:bodyPr wrap="none" rtlCol="0">
-            <a:spAutoFit/>
-          </a:bodyPr>
-          <a:lstStyle/>
-          <a:p>
-            <a:r>
-              <a:rPr lang="ko-KR" altLang="en-US" sz="3200">
-                <a:solidFill>
-                  <a:srgbClr val="4C50BC"/>
-                </a:solidFill>
-                <a:latin typeface="G마켓 산스 Bold"/>
-                <a:ea typeface="G마켓 산스 Medium" panose="02000000000000000000" pitchFamily="50" charset="-127"/>
-              </a:rPr>
-              <a:t>색상</a:t>
-            </a:r>
-            <a:r>
-              <a:rPr lang="en-US" altLang="ko-KR" sz="3200">
-                <a:solidFill>
-                  <a:srgbClr val="4C50BC"/>
-                </a:solidFill>
-                <a:latin typeface="G마켓 산스 Bold"/>
-                <a:ea typeface="G마켓 산스 Medium" panose="02000000000000000000" pitchFamily="50" charset="-127"/>
-              </a:rPr>
-              <a:t>, </a:t>
-            </a:r>
-            <a:r>
-              <a:rPr lang="ko-KR" altLang="en-US" sz="3200">
-                <a:solidFill>
-                  <a:srgbClr val="4C50BC"/>
-                </a:solidFill>
-                <a:latin typeface="G마켓 산스 Bold"/>
-                <a:ea typeface="G마켓 산스 Medium" panose="02000000000000000000" pitchFamily="50" charset="-127"/>
-              </a:rPr>
-              <a:t>기름량</a:t>
-            </a:r>
-            <a:r>
-              <a:rPr lang="en-US" altLang="ko-KR" sz="3200">
-                <a:solidFill>
-                  <a:srgbClr val="4C50BC"/>
-                </a:solidFill>
-                <a:latin typeface="G마켓 산스 Bold"/>
-                <a:ea typeface="G마켓 산스 Medium" panose="02000000000000000000" pitchFamily="50" charset="-127"/>
-              </a:rPr>
-              <a:t>, </a:t>
-            </a:r>
-            <a:r>
-              <a:rPr lang="ko-KR" altLang="en-US" sz="3200">
-                <a:solidFill>
-                  <a:srgbClr val="4C50BC"/>
-                </a:solidFill>
-                <a:latin typeface="G마켓 산스 Bold"/>
-                <a:ea typeface="G마켓 산스 Medium" panose="02000000000000000000" pitchFamily="50" charset="-127"/>
-              </a:rPr>
-              <a:t>주행거리</a:t>
-            </a:r>
-            <a:r>
-              <a:rPr lang="en-US" altLang="ko-KR" sz="3200">
-                <a:solidFill>
-                  <a:srgbClr val="4C50BC"/>
-                </a:solidFill>
-                <a:latin typeface="G마켓 산스 Bold"/>
-                <a:ea typeface="G마켓 산스 Medium" panose="02000000000000000000" pitchFamily="50" charset="-127"/>
-              </a:rPr>
-              <a:t>,</a:t>
-            </a:r>
-            <a:r>
-              <a:rPr lang="ko-KR" altLang="en-US" sz="3200">
-                <a:solidFill>
-                  <a:srgbClr val="4C50BC"/>
-                </a:solidFill>
-                <a:latin typeface="G마켓 산스 Bold"/>
-                <a:ea typeface="G마켓 산스 Medium" panose="02000000000000000000" pitchFamily="50" charset="-127"/>
-              </a:rPr>
-              <a:t>기어상태</a:t>
-            </a:r>
-            <a:endParaRPr lang="ko-KR" altLang="en-US" sz="3200" dirty="0">
-              <a:solidFill>
-                <a:srgbClr val="4C50BC"/>
-              </a:solidFill>
-              <a:latin typeface="G마켓 산스 Bold"/>
-              <a:ea typeface="G마켓 산스 Medium" panose="02000000000000000000" pitchFamily="50" charset="-127"/>
-            </a:endParaRPr>
-          </a:p>
-        </p:txBody>
-      </p:sp>
-      <p:sp>
-        <p:nvSpPr>
-          <p:cNvPr id="10" name="TextBox 9">
-            <a:extLst>
-              <a:ext uri="{FF2B5EF4-FFF2-40B4-BE49-F238E27FC236}">
-                <a16:creationId xmlns="" xmlns:a16="http://schemas.microsoft.com/office/drawing/2014/main" id="{DF7DDD33-9412-2802-339A-E55446AC2DA7}"/>
-              </a:ext>
-            </a:extLst>
-          </p:cNvPr>
-          <p:cNvSpPr txBox="1"/>
-          <p:nvPr/>
-        </p:nvSpPr>
-        <p:spPr>
-          <a:xfrm>
-            <a:off x="8534400" y="3114814"/>
-            <a:ext cx="1980029" cy="769441"/>
-          </a:xfrm>
-          <a:prstGeom prst="rect">
-            <a:avLst/>
-          </a:prstGeom>
-          <a:noFill/>
-        </p:spPr>
-        <p:txBody>
-          <a:bodyPr wrap="none" rtlCol="0">
-            <a:spAutoFit/>
-          </a:bodyPr>
-          <a:lstStyle/>
-          <a:p>
-            <a:r>
-              <a:rPr lang="ko-KR" altLang="en-US" sz="4400">
-                <a:solidFill>
-                  <a:srgbClr val="4C50BC"/>
-                </a:solidFill>
-                <a:latin typeface="G마켓 산스 Bold"/>
-                <a:ea typeface="G마켓 산스 Medium" panose="02000000000000000000" pitchFamily="50" charset="-127"/>
-              </a:rPr>
-              <a:t>데이터</a:t>
-            </a:r>
-            <a:r>
-              <a:rPr lang="en-US" altLang="ko-KR" sz="4400">
-                <a:solidFill>
-                  <a:srgbClr val="4C50BC"/>
-                </a:solidFill>
-                <a:latin typeface="G마켓 산스 Bold"/>
-                <a:ea typeface="G마켓 산스 Medium" panose="02000000000000000000" pitchFamily="50" charset="-127"/>
-              </a:rPr>
-              <a:t>:</a:t>
-            </a:r>
-            <a:endParaRPr lang="ko-KR" altLang="en-US" sz="4400" dirty="0">
-              <a:solidFill>
-                <a:srgbClr val="4C50BC"/>
-              </a:solidFill>
-              <a:latin typeface="G마켓 산스 Bold"/>
-              <a:ea typeface="G마켓 산스 Medium" panose="02000000000000000000" pitchFamily="50" charset="-127"/>
-            </a:endParaRPr>
-          </a:p>
-        </p:txBody>
-      </p:sp>
-      <p:grpSp>
-        <p:nvGrpSpPr>
-          <p:cNvPr id="11" name="그룹 1018">
-            <a:extLst>
-              <a:ext uri="{FF2B5EF4-FFF2-40B4-BE49-F238E27FC236}">
-                <a16:creationId xmlns="" xmlns:a16="http://schemas.microsoft.com/office/drawing/2014/main" id="{0804D430-F42E-AE32-A065-FFA8C471F092}"/>
-              </a:ext>
-            </a:extLst>
-          </p:cNvPr>
-          <p:cNvGrpSpPr/>
-          <p:nvPr/>
-        </p:nvGrpSpPr>
-        <p:grpSpPr>
-          <a:xfrm>
-            <a:off x="10743029" y="5553214"/>
-            <a:ext cx="6553200" cy="1114286"/>
-            <a:chOff x="2803727" y="4828571"/>
-            <a:chExt cx="3393622" cy="1114286"/>
-          </a:xfrm>
-        </p:grpSpPr>
-        <p:pic>
-          <p:nvPicPr>
-            <p:cNvPr id="12" name="Object 61">
-              <a:extLst>
-                <a:ext uri="{FF2B5EF4-FFF2-40B4-BE49-F238E27FC236}">
-                  <a16:creationId xmlns="" xmlns:a16="http://schemas.microsoft.com/office/drawing/2014/main" id="{334A4C3A-641C-7CD9-8FEE-5EC92B28D640}"/>
-                </a:ext>
-              </a:extLst>
-            </p:cNvPr>
-            <p:cNvPicPr>
-              <a:picLocks noChangeAspect="1"/>
-            </p:cNvPicPr>
-            <p:nvPr/>
-          </p:nvPicPr>
-          <p:blipFill>
-            <a:blip r:embed="rId2" cstate="print"/>
-            <a:stretch>
-              <a:fillRect/>
-            </a:stretch>
-          </p:blipFill>
-          <p:spPr>
-            <a:xfrm>
-              <a:off x="2803727" y="4828571"/>
-              <a:ext cx="3393622" cy="1114286"/>
-            </a:xfrm>
-            <a:prstGeom prst="rect">
-              <a:avLst/>
-            </a:prstGeom>
-          </p:spPr>
-        </p:pic>
-      </p:grpSp>
-      <p:sp>
-        <p:nvSpPr>
-          <p:cNvPr id="13" name="TextBox 12">
-            <a:extLst>
-              <a:ext uri="{FF2B5EF4-FFF2-40B4-BE49-F238E27FC236}">
-                <a16:creationId xmlns="" xmlns:a16="http://schemas.microsoft.com/office/drawing/2014/main" id="{DF7DDD33-9412-2802-339A-E55446AC2DA7}"/>
-              </a:ext>
-            </a:extLst>
-          </p:cNvPr>
-          <p:cNvSpPr txBox="1"/>
-          <p:nvPr/>
-        </p:nvSpPr>
-        <p:spPr>
-          <a:xfrm>
-            <a:off x="11047829" y="5806639"/>
-            <a:ext cx="6133410" cy="584775"/>
-          </a:xfrm>
-          <a:prstGeom prst="rect">
-            <a:avLst/>
-          </a:prstGeom>
-          <a:noFill/>
-        </p:spPr>
-        <p:txBody>
-          <a:bodyPr wrap="none" rtlCol="0">
-            <a:spAutoFit/>
-          </a:bodyPr>
-          <a:lstStyle/>
-          <a:p>
-            <a:r>
-              <a:rPr lang="ko-KR" altLang="en-US" sz="3200">
-                <a:solidFill>
-                  <a:srgbClr val="4C50BC"/>
-                </a:solidFill>
-                <a:latin typeface="G마켓 산스 Bold"/>
-                <a:ea typeface="G마켓 산스 Medium" panose="02000000000000000000" pitchFamily="50" charset="-127"/>
-              </a:rPr>
-              <a:t>시동</a:t>
-            </a:r>
-            <a:r>
-              <a:rPr lang="en-US" altLang="ko-KR" sz="3200">
-                <a:solidFill>
-                  <a:srgbClr val="4C50BC"/>
-                </a:solidFill>
-                <a:latin typeface="G마켓 산스 Bold"/>
-                <a:ea typeface="G마켓 산스 Medium" panose="02000000000000000000" pitchFamily="50" charset="-127"/>
-              </a:rPr>
-              <a:t>, </a:t>
-            </a:r>
-            <a:r>
-              <a:rPr lang="ko-KR" altLang="en-US" sz="3200">
-                <a:solidFill>
-                  <a:srgbClr val="4C50BC"/>
-                </a:solidFill>
-                <a:latin typeface="G마켓 산스 Bold"/>
-                <a:ea typeface="G마켓 산스 Medium" panose="02000000000000000000" pitchFamily="50" charset="-127"/>
-              </a:rPr>
-              <a:t>에어컨 가동</a:t>
-            </a:r>
-            <a:r>
-              <a:rPr lang="en-US" altLang="ko-KR" sz="3200">
-                <a:solidFill>
-                  <a:srgbClr val="4C50BC"/>
-                </a:solidFill>
-                <a:latin typeface="G마켓 산스 Bold"/>
-                <a:ea typeface="G마켓 산스 Medium" panose="02000000000000000000" pitchFamily="50" charset="-127"/>
-              </a:rPr>
-              <a:t>, </a:t>
-            </a:r>
-            <a:r>
-              <a:rPr lang="ko-KR" altLang="en-US" sz="3200">
-                <a:solidFill>
-                  <a:srgbClr val="4C50BC"/>
-                </a:solidFill>
-                <a:latin typeface="G마켓 산스 Bold"/>
-                <a:ea typeface="G마켓 산스 Medium" panose="02000000000000000000" pitchFamily="50" charset="-127"/>
-              </a:rPr>
-              <a:t>주행</a:t>
-            </a:r>
-            <a:r>
-              <a:rPr lang="en-US" altLang="ko-KR" sz="3200">
-                <a:solidFill>
-                  <a:srgbClr val="4C50BC"/>
-                </a:solidFill>
-                <a:latin typeface="G마켓 산스 Bold"/>
-                <a:ea typeface="G마켓 산스 Medium" panose="02000000000000000000" pitchFamily="50" charset="-127"/>
-              </a:rPr>
-              <a:t>, </a:t>
-            </a:r>
-            <a:r>
-              <a:rPr lang="ko-KR" altLang="en-US" sz="3200">
-                <a:solidFill>
-                  <a:srgbClr val="4C50BC"/>
-                </a:solidFill>
-                <a:latin typeface="G마켓 산스 Bold"/>
-                <a:ea typeface="G마켓 산스 Medium" panose="02000000000000000000" pitchFamily="50" charset="-127"/>
-              </a:rPr>
-              <a:t>브레이크</a:t>
-            </a:r>
-            <a:endParaRPr lang="ko-KR" altLang="en-US" sz="3200" dirty="0">
-              <a:solidFill>
-                <a:srgbClr val="4C50BC"/>
-              </a:solidFill>
-              <a:latin typeface="G마켓 산스 Bold"/>
-              <a:ea typeface="G마켓 산스 Medium" panose="02000000000000000000" pitchFamily="50" charset="-127"/>
-            </a:endParaRPr>
-          </a:p>
-        </p:txBody>
-      </p:sp>
-      <p:sp>
-        <p:nvSpPr>
-          <p:cNvPr id="14" name="TextBox 13">
-            <a:extLst>
-              <a:ext uri="{FF2B5EF4-FFF2-40B4-BE49-F238E27FC236}">
-                <a16:creationId xmlns="" xmlns:a16="http://schemas.microsoft.com/office/drawing/2014/main" id="{DF7DDD33-9412-2802-339A-E55446AC2DA7}"/>
-              </a:ext>
-            </a:extLst>
-          </p:cNvPr>
-          <p:cNvSpPr txBox="1"/>
-          <p:nvPr/>
-        </p:nvSpPr>
-        <p:spPr>
-          <a:xfrm>
-            <a:off x="8534400" y="5705614"/>
-            <a:ext cx="1436612" cy="769441"/>
-          </a:xfrm>
-          <a:prstGeom prst="rect">
-            <a:avLst/>
-          </a:prstGeom>
-          <a:noFill/>
-        </p:spPr>
-        <p:txBody>
-          <a:bodyPr wrap="none" rtlCol="0">
-            <a:spAutoFit/>
-          </a:bodyPr>
-          <a:lstStyle/>
-          <a:p>
-            <a:r>
-              <a:rPr lang="ko-KR" altLang="en-US" sz="4400">
-                <a:solidFill>
-                  <a:srgbClr val="4C50BC"/>
-                </a:solidFill>
-                <a:latin typeface="G마켓 산스 Bold"/>
-                <a:ea typeface="G마켓 산스 Medium" panose="02000000000000000000" pitchFamily="50" charset="-127"/>
-              </a:rPr>
-              <a:t>기능</a:t>
-            </a:r>
-            <a:r>
-              <a:rPr lang="en-US" altLang="ko-KR" sz="4400">
-                <a:solidFill>
-                  <a:srgbClr val="4C50BC"/>
-                </a:solidFill>
-                <a:latin typeface="G마켓 산스 Bold"/>
-                <a:ea typeface="G마켓 산스 Medium" panose="02000000000000000000" pitchFamily="50" charset="-127"/>
-              </a:rPr>
-              <a:t>:</a:t>
-            </a:r>
-            <a:endParaRPr lang="ko-KR" altLang="en-US" sz="4400" dirty="0">
-              <a:solidFill>
-                <a:srgbClr val="4C50BC"/>
-              </a:solidFill>
-              <a:latin typeface="G마켓 산스 Bold"/>
-              <a:ea typeface="G마켓 산스 Medium" panose="02000000000000000000" pitchFamily="50" charset="-127"/>
-            </a:endParaRPr>
-          </a:p>
-        </p:txBody>
-      </p:sp>
-    </p:spTree>
-    <p:extLst>
-      <p:ext uri="{BB962C8B-B14F-4D97-AF65-F5344CB8AC3E}">
-        <p14:creationId xmlns:p14="http://schemas.microsoft.com/office/powerpoint/2010/main" val="2564286032"/>
-      </p:ext>
-    </p:extLst>
-  </p:cSld>
-  <p:clrMapOvr>
-    <a:masterClrMapping/>
-  </p:clrMapOvr>
-  <p:timing>
-    <p:tnLst>
-      <p:par>
-        <p:cTn id="1" dur="indefinite" restart="never" nodeType="tmRoot"/>
-      </p:par>
-    </p:tnLst>
-  </p:timing>
-</p:sld>
-</file>
-
-<file path=ppt/slides/slide60.xml><?xml version="1.0" encoding="utf-8"?>
+<file path=ppt/slides/slide62.xml><?xml version="1.0" encoding="utf-8"?>
 <p:sld xmlns:a="http://schemas.openxmlformats.org/drawingml/2006/main" xmlns:r="http://schemas.openxmlformats.org/officeDocument/2006/relationships" xmlns:p="http://schemas.openxmlformats.org/presentationml/2006/main">
   <p:cSld>
     <p:spTree>
@@ -44142,13 +44994,6 @@
               </a:rPr>
               <a:t>3</a:t>
             </a:r>
-            <a:endParaRPr lang="en-US" altLang="ko-KR" sz="4000" dirty="0">
-              <a:solidFill>
-                <a:srgbClr val="FF0000"/>
-              </a:solidFill>
-              <a:latin typeface="G마켓 산스 Medium" panose="02000000000000000000" pitchFamily="50" charset="-127"/>
-              <a:ea typeface="G마켓 산스 Medium" panose="02000000000000000000" pitchFamily="50" charset="-127"/>
-            </a:endParaRPr>
           </a:p>
         </p:txBody>
       </p:sp>
@@ -44231,13 +45076,6 @@
               </a:rPr>
               <a:t>3</a:t>
             </a:r>
-            <a:endParaRPr lang="en-US" altLang="ko-KR" sz="4000" dirty="0">
-              <a:solidFill>
-                <a:srgbClr val="FF0000"/>
-              </a:solidFill>
-              <a:latin typeface="G마켓 산스 Medium" panose="02000000000000000000" pitchFamily="50" charset="-127"/>
-              <a:ea typeface="G마켓 산스 Medium" panose="02000000000000000000" pitchFamily="50" charset="-127"/>
-            </a:endParaRPr>
           </a:p>
         </p:txBody>
       </p:sp>
@@ -44279,13 +45117,6 @@
               </a:rPr>
               <a:t>2</a:t>
             </a:r>
-            <a:endParaRPr lang="en-US" altLang="ko-KR" sz="4000" dirty="0">
-              <a:solidFill>
-                <a:srgbClr val="FF0000"/>
-              </a:solidFill>
-              <a:latin typeface="G마켓 산스 Medium" panose="02000000000000000000" pitchFamily="50" charset="-127"/>
-              <a:ea typeface="G마켓 산스 Medium" panose="02000000000000000000" pitchFamily="50" charset="-127"/>
-            </a:endParaRPr>
           </a:p>
         </p:txBody>
       </p:sp>
@@ -44375,13 +45206,6 @@
               </a:rPr>
               <a:t>2</a:t>
             </a:r>
-            <a:endParaRPr lang="en-US" altLang="ko-KR" sz="4000" dirty="0">
-              <a:solidFill>
-                <a:srgbClr val="FF0000"/>
-              </a:solidFill>
-              <a:latin typeface="G마켓 산스 Medium" panose="02000000000000000000" pitchFamily="50" charset="-127"/>
-              <a:ea typeface="G마켓 산스 Medium" panose="02000000000000000000" pitchFamily="50" charset="-127"/>
-            </a:endParaRPr>
           </a:p>
         </p:txBody>
       </p:sp>
@@ -44423,13 +45247,6 @@
               </a:rPr>
               <a:t>3</a:t>
             </a:r>
-            <a:endParaRPr lang="en-US" altLang="ko-KR" sz="4000" dirty="0">
-              <a:solidFill>
-                <a:srgbClr val="FF0000"/>
-              </a:solidFill>
-              <a:latin typeface="G마켓 산스 Medium" panose="02000000000000000000" pitchFamily="50" charset="-127"/>
-              <a:ea typeface="G마켓 산스 Medium" panose="02000000000000000000" pitchFamily="50" charset="-127"/>
-            </a:endParaRPr>
           </a:p>
         </p:txBody>
       </p:sp>
@@ -44625,13 +45442,6 @@
               </a:rPr>
               <a:t>3</a:t>
             </a:r>
-            <a:endParaRPr lang="en-US" altLang="ko-KR" sz="4000" dirty="0">
-              <a:solidFill>
-                <a:srgbClr val="FF0000"/>
-              </a:solidFill>
-              <a:latin typeface="G마켓 산스 Medium" panose="02000000000000000000" pitchFamily="50" charset="-127"/>
-              <a:ea typeface="G마켓 산스 Medium" panose="02000000000000000000" pitchFamily="50" charset="-127"/>
-            </a:endParaRPr>
           </a:p>
         </p:txBody>
       </p:sp>
@@ -44673,13 +45483,6 @@
               </a:rPr>
               <a:t>3</a:t>
             </a:r>
-            <a:endParaRPr lang="en-US" altLang="ko-KR" sz="4000" dirty="0">
-              <a:solidFill>
-                <a:srgbClr val="FF0000"/>
-              </a:solidFill>
-              <a:latin typeface="G마켓 산스 Medium" panose="02000000000000000000" pitchFamily="50" charset="-127"/>
-              <a:ea typeface="G마켓 산스 Medium" panose="02000000000000000000" pitchFamily="50" charset="-127"/>
-            </a:endParaRPr>
           </a:p>
         </p:txBody>
       </p:sp>
@@ -45450,7 +46253,7 @@
 </p:sld>
 </file>
 
-<file path=ppt/slides/slide61.xml><?xml version="1.0" encoding="utf-8"?>
+<file path=ppt/slides/slide63.xml><?xml version="1.0" encoding="utf-8"?>
 <p:sld xmlns:a="http://schemas.openxmlformats.org/drawingml/2006/main" xmlns:r="http://schemas.openxmlformats.org/officeDocument/2006/relationships" xmlns:p="http://schemas.openxmlformats.org/presentationml/2006/main">
   <p:cSld>
     <p:spTree>
@@ -45890,7 +46693,7 @@
 </p:sld>
 </file>
 
-<file path=ppt/slides/slide62.xml><?xml version="1.0" encoding="utf-8"?>
+<file path=ppt/slides/slide64.xml><?xml version="1.0" encoding="utf-8"?>
 <p:sld xmlns:a="http://schemas.openxmlformats.org/drawingml/2006/main" xmlns:r="http://schemas.openxmlformats.org/officeDocument/2006/relationships" xmlns:p="http://schemas.openxmlformats.org/presentationml/2006/main">
   <p:cSld>
     <p:spTree>
@@ -45986,15 +46789,22 @@
               <a:t>원판의 개수가 늘어나도 풀려야 한다</a:t>
             </a:r>
             <a:r>
-              <a:rPr lang="en-US" altLang="ko-KR" sz="3200">
+              <a:rPr lang="en-US" altLang="ko-KR" sz="3200" smtClean="0">
                 <a:solidFill>
                   <a:srgbClr val="FF0000"/>
                 </a:solidFill>
                 <a:latin typeface="G마켓 산스 Medium" panose="02000000000000000000" pitchFamily="50" charset="-127"/>
                 <a:ea typeface="G마켓 산스 Medium" panose="02000000000000000000" pitchFamily="50" charset="-127"/>
               </a:rPr>
-              <a:t>.)</a:t>
-            </a:r>
+              <a:t>.)(Expert)</a:t>
+            </a:r>
+            <a:endParaRPr lang="en-US" altLang="ko-KR" sz="3200">
+              <a:solidFill>
+                <a:srgbClr val="FF0000"/>
+              </a:solidFill>
+              <a:latin typeface="G마켓 산스 Medium" panose="02000000000000000000" pitchFamily="50" charset="-127"/>
+              <a:ea typeface="G마켓 산스 Medium" panose="02000000000000000000" pitchFamily="50" charset="-127"/>
+            </a:endParaRPr>
           </a:p>
           <a:p>
             <a:r>
@@ -46980,7 +47790,7 @@
 </p:sld>
 </file>
 
-<file path=ppt/slides/slide63.xml><?xml version="1.0" encoding="utf-8"?>
+<file path=ppt/slides/slide65.xml><?xml version="1.0" encoding="utf-8"?>
 <p:sld xmlns:a="http://schemas.openxmlformats.org/drawingml/2006/main" xmlns:r="http://schemas.openxmlformats.org/officeDocument/2006/relationships" xmlns:p="http://schemas.openxmlformats.org/presentationml/2006/main">
   <p:cSld name="Slide 20">
     <p:bg>

--- a/JavaLecture/LectureFile/java 6강 객체지향.pptx
+++ b/JavaLecture/LectureFile/java 6강 객체지향.pptx
@@ -20,8 +20,8 @@
     <p:sldId id="526" r:id="rId11"/>
     <p:sldId id="578" r:id="rId12"/>
     <p:sldId id="531" r:id="rId13"/>
-    <p:sldId id="569" r:id="rId14"/>
-    <p:sldId id="572" r:id="rId15"/>
+    <p:sldId id="572" r:id="rId14"/>
+    <p:sldId id="569" r:id="rId15"/>
     <p:sldId id="533" r:id="rId16"/>
     <p:sldId id="534" r:id="rId17"/>
     <p:sldId id="535" r:id="rId18"/>
@@ -272,7 +272,7 @@
           <a:p>
             <a:fld id="{D79F2C30-10E1-4C46-91DC-BBDB9629E720}" type="datetimeFigureOut">
               <a:rPr lang="ko-KR" altLang="en-US" smtClean="0"/>
-              <a:t>2023-10-15</a:t>
+              <a:t>2023-10-18 Wednesday</a:t>
             </a:fld>
             <a:endParaRPr lang="ko-KR" altLang="en-US"/>
           </a:p>
@@ -984,7 +984,7 @@
           <a:p>
             <a:fld id="{F8166F1F-CE9B-4651-A6AA-CD717754106B}" type="datetimeFigureOut">
               <a:rPr lang="en-US" smtClean="0"/>
-              <a:t>10/15/2023</a:t>
+              <a:t>10/18/2023</a:t>
             </a:fld>
             <a:endParaRPr lang="en-US"/>
           </a:p>
@@ -1187,7 +1187,7 @@
           <a:p>
             <a:fld id="{A76116CE-C4A3-4A05-B2D7-7C2E9A889C0F}" type="datetimeFigureOut">
               <a:rPr lang="en-US" smtClean="0"/>
-              <a:t>10/15/2023</a:t>
+              <a:t>10/18/2023</a:t>
             </a:fld>
             <a:endParaRPr lang="en-US"/>
           </a:p>
@@ -1390,7 +1390,7 @@
           <a:p>
             <a:fld id="{A76116CE-C4A3-4A05-B2D7-7C2E9A889C0F}" type="datetimeFigureOut">
               <a:rPr lang="en-US" smtClean="0"/>
-              <a:t>10/15/2023</a:t>
+              <a:t>10/18/2023</a:t>
             </a:fld>
             <a:endParaRPr lang="en-US"/>
           </a:p>
@@ -1595,7 +1595,7 @@
           <a:p>
             <a:fld id="{A76116CE-C4A3-4A05-B2D7-7C2E9A889C0F}" type="datetimeFigureOut">
               <a:rPr lang="en-US" smtClean="0"/>
-              <a:t>10/15/2023</a:t>
+              <a:t>10/18/2023</a:t>
             </a:fld>
             <a:endParaRPr lang="en-US"/>
           </a:p>
@@ -1865,7 +1865,7 @@
           <a:p>
             <a:fld id="{A76116CE-C4A3-4A05-B2D7-7C2E9A889C0F}" type="datetimeFigureOut">
               <a:rPr lang="en-US" smtClean="0"/>
-              <a:t>10/15/2023</a:t>
+              <a:t>10/18/2023</a:t>
             </a:fld>
             <a:endParaRPr lang="en-US"/>
           </a:p>
@@ -2183,7 +2183,7 @@
           <a:p>
             <a:fld id="{A76116CE-C4A3-4A05-B2D7-7C2E9A889C0F}" type="datetimeFigureOut">
               <a:rPr lang="en-US" smtClean="0"/>
-              <a:t>10/15/2023</a:t>
+              <a:t>10/18/2023</a:t>
             </a:fld>
             <a:endParaRPr lang="en-US"/>
           </a:p>
@@ -2641,7 +2641,7 @@
           <a:p>
             <a:fld id="{A76116CE-C4A3-4A05-B2D7-7C2E9A889C0F}" type="datetimeFigureOut">
               <a:rPr lang="en-US" smtClean="0"/>
-              <a:t>10/15/2023</a:t>
+              <a:t>10/18/2023</a:t>
             </a:fld>
             <a:endParaRPr lang="en-US"/>
           </a:p>
@@ -2785,7 +2785,7 @@
           <a:p>
             <a:fld id="{A76116CE-C4A3-4A05-B2D7-7C2E9A889C0F}" type="datetimeFigureOut">
               <a:rPr lang="en-US" smtClean="0"/>
-              <a:t>10/15/2023</a:t>
+              <a:t>10/18/2023</a:t>
             </a:fld>
             <a:endParaRPr lang="en-US"/>
           </a:p>
@@ -2899,7 +2899,7 @@
           <a:p>
             <a:fld id="{A76116CE-C4A3-4A05-B2D7-7C2E9A889C0F}" type="datetimeFigureOut">
               <a:rPr lang="en-US" smtClean="0"/>
-              <a:t>10/15/2023</a:t>
+              <a:t>10/18/2023</a:t>
             </a:fld>
             <a:endParaRPr lang="en-US"/>
           </a:p>
@@ -3202,7 +3202,7 @@
           <a:p>
             <a:fld id="{A76116CE-C4A3-4A05-B2D7-7C2E9A889C0F}" type="datetimeFigureOut">
               <a:rPr lang="en-US" smtClean="0"/>
-              <a:t>10/15/2023</a:t>
+              <a:t>10/18/2023</a:t>
             </a:fld>
             <a:endParaRPr lang="en-US"/>
           </a:p>
@@ -3482,7 +3482,7 @@
           <a:p>
             <a:fld id="{A76116CE-C4A3-4A05-B2D7-7C2E9A889C0F}" type="datetimeFigureOut">
               <a:rPr lang="en-US" smtClean="0"/>
-              <a:t>10/15/2023</a:t>
+              <a:t>10/18/2023</a:t>
             </a:fld>
             <a:endParaRPr lang="en-US"/>
           </a:p>
@@ -3599,7 +3599,7 @@
           <a:lstStyle/>
           <a:p>
             <a:r>
-              <a:rPr lang="en-US" altLang="ko-KR" sz="2800" smtClean="0">
+              <a:rPr lang="en-US" altLang="ko-KR" sz="2800">
                 <a:solidFill>
                   <a:srgbClr val="4C50BC">
                     <a:alpha val="20000"/>
@@ -3645,7 +3645,7 @@
           <a:lstStyle/>
           <a:p>
             <a:r>
-              <a:rPr lang="en-US" altLang="ko-KR" sz="2800" smtClean="0">
+              <a:rPr lang="en-US" altLang="ko-KR" sz="2800">
                 <a:solidFill>
                   <a:srgbClr val="4C50BC">
                     <a:alpha val="20000"/>
@@ -4240,7 +4240,7 @@
           <p:cNvPr id="2" name="TextBox 1">
             <a:extLst>
               <a:ext uri="{FF2B5EF4-FFF2-40B4-BE49-F238E27FC236}">
-                <a16:creationId xmlns="" xmlns:a16="http://schemas.microsoft.com/office/drawing/2014/main" id="{E9A453A8-9968-67AB-7B4A-83EEB4662AA6}"/>
+                <a16:creationId xmlns:a16="http://schemas.microsoft.com/office/drawing/2014/main" id="{E9A453A8-9968-67AB-7B4A-83EEB4662AA6}"/>
               </a:ext>
             </a:extLst>
           </p:cNvPr>
@@ -4288,7 +4288,7 @@
           <p:cNvPr id="4" name="TextBox 3">
             <a:extLst>
               <a:ext uri="{FF2B5EF4-FFF2-40B4-BE49-F238E27FC236}">
-                <a16:creationId xmlns="" xmlns:a16="http://schemas.microsoft.com/office/drawing/2014/main" id="{F4B7A35A-8AAC-4622-64BC-CAD1472D4115}"/>
+                <a16:creationId xmlns:a16="http://schemas.microsoft.com/office/drawing/2014/main" id="{F4B7A35A-8AAC-4622-64BC-CAD1472D4115}"/>
               </a:ext>
             </a:extLst>
           </p:cNvPr>
@@ -4360,7 +4360,7 @@
           <p:cNvPr id="7" name="TextBox 6">
             <a:extLst>
               <a:ext uri="{FF2B5EF4-FFF2-40B4-BE49-F238E27FC236}">
-                <a16:creationId xmlns="" xmlns:a16="http://schemas.microsoft.com/office/drawing/2014/main" id="{3ACE900A-D779-4343-6623-8588B376F0A1}"/>
+                <a16:creationId xmlns:a16="http://schemas.microsoft.com/office/drawing/2014/main" id="{3ACE900A-D779-4343-6623-8588B376F0A1}"/>
               </a:ext>
             </a:extLst>
           </p:cNvPr>
@@ -4399,13 +4399,6 @@
   <p:clrMapOvr>
     <a:masterClrMapping/>
   </p:clrMapOvr>
-  <p:timing>
-    <p:tnLst>
-      <p:par>
-        <p:cTn id="1" dur="indefinite" restart="never" nodeType="tmRoot"/>
-      </p:par>
-    </p:tnLst>
-  </p:timing>
 </p:sld>
 </file>
 
@@ -4431,7 +4424,7 @@
           <p:cNvPr id="4" name="Picture 2">
             <a:extLst>
               <a:ext uri="{FF2B5EF4-FFF2-40B4-BE49-F238E27FC236}">
-                <a16:creationId xmlns="" xmlns:a16="http://schemas.microsoft.com/office/drawing/2014/main" id="{5349EC00-55D4-A2A3-625B-D0BC1634A8C7}"/>
+                <a16:creationId xmlns:a16="http://schemas.microsoft.com/office/drawing/2014/main" id="{5349EC00-55D4-A2A3-625B-D0BC1634A8C7}"/>
               </a:ext>
             </a:extLst>
           </p:cNvPr>
@@ -4478,7 +4471,7 @@
           <p:cNvPr id="5" name="TextBox 4">
             <a:extLst>
               <a:ext uri="{FF2B5EF4-FFF2-40B4-BE49-F238E27FC236}">
-                <a16:creationId xmlns="" xmlns:a16="http://schemas.microsoft.com/office/drawing/2014/main" id="{5716CAD0-9453-E46F-22E1-4C17A785BF58}"/>
+                <a16:creationId xmlns:a16="http://schemas.microsoft.com/office/drawing/2014/main" id="{5716CAD0-9453-E46F-22E1-4C17A785BF58}"/>
               </a:ext>
             </a:extLst>
           </p:cNvPr>
@@ -4526,7 +4519,7 @@
           <p:cNvPr id="6" name="그룹 1023">
             <a:extLst>
               <a:ext uri="{FF2B5EF4-FFF2-40B4-BE49-F238E27FC236}">
-                <a16:creationId xmlns="" xmlns:a16="http://schemas.microsoft.com/office/drawing/2014/main" id="{25922995-7C90-A2A0-B277-9D20599DAC8C}"/>
+                <a16:creationId xmlns:a16="http://schemas.microsoft.com/office/drawing/2014/main" id="{25922995-7C90-A2A0-B277-9D20599DAC8C}"/>
               </a:ext>
             </a:extLst>
           </p:cNvPr>
@@ -4546,7 +4539,7 @@
             <p:cNvPr id="7" name="그룹 1024">
               <a:extLst>
                 <a:ext uri="{FF2B5EF4-FFF2-40B4-BE49-F238E27FC236}">
-                  <a16:creationId xmlns="" xmlns:a16="http://schemas.microsoft.com/office/drawing/2014/main" id="{1C864C9B-D35F-49DE-20AE-AAA52F3C897B}"/>
+                  <a16:creationId xmlns:a16="http://schemas.microsoft.com/office/drawing/2014/main" id="{1C864C9B-D35F-49DE-20AE-AAA52F3C897B}"/>
                 </a:ext>
               </a:extLst>
             </p:cNvPr>
@@ -4566,7 +4559,7 @@
               <p:cNvPr id="12" name="Object 73">
                 <a:extLst>
                   <a:ext uri="{FF2B5EF4-FFF2-40B4-BE49-F238E27FC236}">
-                    <a16:creationId xmlns="" xmlns:a16="http://schemas.microsoft.com/office/drawing/2014/main" id="{DAF19786-B4F3-6B59-E087-9445B4BD8E49}"/>
+                    <a16:creationId xmlns:a16="http://schemas.microsoft.com/office/drawing/2014/main" id="{DAF19786-B4F3-6B59-E087-9445B4BD8E49}"/>
                   </a:ext>
                 </a:extLst>
               </p:cNvPr>
@@ -4597,7 +4590,7 @@
             <p:cNvPr id="8" name="그룹 1025">
               <a:extLst>
                 <a:ext uri="{FF2B5EF4-FFF2-40B4-BE49-F238E27FC236}">
-                  <a16:creationId xmlns="" xmlns:a16="http://schemas.microsoft.com/office/drawing/2014/main" id="{2CAA926C-56A0-F21C-893B-EC3C4EB24533}"/>
+                  <a16:creationId xmlns:a16="http://schemas.microsoft.com/office/drawing/2014/main" id="{2CAA926C-56A0-F21C-893B-EC3C4EB24533}"/>
                 </a:ext>
               </a:extLst>
             </p:cNvPr>
@@ -4617,7 +4610,7 @@
               <p:cNvPr id="11" name="Object 76">
                 <a:extLst>
                   <a:ext uri="{FF2B5EF4-FFF2-40B4-BE49-F238E27FC236}">
-                    <a16:creationId xmlns="" xmlns:a16="http://schemas.microsoft.com/office/drawing/2014/main" id="{6B906307-B3BF-FDDE-D70B-CFB78A713DC6}"/>
+                    <a16:creationId xmlns:a16="http://schemas.microsoft.com/office/drawing/2014/main" id="{6B906307-B3BF-FDDE-D70B-CFB78A713DC6}"/>
                   </a:ext>
                 </a:extLst>
               </p:cNvPr>
@@ -4648,7 +4641,7 @@
             <p:cNvPr id="9" name="그룹 1026">
               <a:extLst>
                 <a:ext uri="{FF2B5EF4-FFF2-40B4-BE49-F238E27FC236}">
-                  <a16:creationId xmlns="" xmlns:a16="http://schemas.microsoft.com/office/drawing/2014/main" id="{F63608E4-E0A7-F2E7-73C7-D8B0243DD635}"/>
+                  <a16:creationId xmlns:a16="http://schemas.microsoft.com/office/drawing/2014/main" id="{F63608E4-E0A7-F2E7-73C7-D8B0243DD635}"/>
                 </a:ext>
               </a:extLst>
             </p:cNvPr>
@@ -4668,7 +4661,7 @@
               <p:cNvPr id="10" name="Object 79">
                 <a:extLst>
                   <a:ext uri="{FF2B5EF4-FFF2-40B4-BE49-F238E27FC236}">
-                    <a16:creationId xmlns="" xmlns:a16="http://schemas.microsoft.com/office/drawing/2014/main" id="{21647FB7-2C7A-9793-46A0-ADFCF18309CB}"/>
+                    <a16:creationId xmlns:a16="http://schemas.microsoft.com/office/drawing/2014/main" id="{21647FB7-2C7A-9793-46A0-ADFCF18309CB}"/>
                   </a:ext>
                 </a:extLst>
               </p:cNvPr>
@@ -4700,7 +4693,7 @@
           <p:cNvPr id="13" name="Picture 4">
             <a:extLst>
               <a:ext uri="{FF2B5EF4-FFF2-40B4-BE49-F238E27FC236}">
-                <a16:creationId xmlns="" xmlns:a16="http://schemas.microsoft.com/office/drawing/2014/main" id="{6E4B4F43-31DF-4CBA-8527-1C87B35CDB9A}"/>
+                <a16:creationId xmlns:a16="http://schemas.microsoft.com/office/drawing/2014/main" id="{6E4B4F43-31DF-4CBA-8527-1C87B35CDB9A}"/>
               </a:ext>
             </a:extLst>
           </p:cNvPr>
@@ -4747,7 +4740,7 @@
           <p:cNvPr id="14" name="TextBox 13">
             <a:extLst>
               <a:ext uri="{FF2B5EF4-FFF2-40B4-BE49-F238E27FC236}">
-                <a16:creationId xmlns="" xmlns:a16="http://schemas.microsoft.com/office/drawing/2014/main" id="{131CAA11-625D-884F-94CC-6654A5C13F00}"/>
+                <a16:creationId xmlns:a16="http://schemas.microsoft.com/office/drawing/2014/main" id="{131CAA11-625D-884F-94CC-6654A5C13F00}"/>
               </a:ext>
             </a:extLst>
           </p:cNvPr>
@@ -4818,7 +4811,7 @@
           <p:cNvPr id="15" name="TextBox 14">
             <a:extLst>
               <a:ext uri="{FF2B5EF4-FFF2-40B4-BE49-F238E27FC236}">
-                <a16:creationId xmlns="" xmlns:a16="http://schemas.microsoft.com/office/drawing/2014/main" id="{5716CAD0-9453-E46F-22E1-4C17A785BF58}"/>
+                <a16:creationId xmlns:a16="http://schemas.microsoft.com/office/drawing/2014/main" id="{5716CAD0-9453-E46F-22E1-4C17A785BF58}"/>
               </a:ext>
             </a:extLst>
           </p:cNvPr>
@@ -4828,7 +4821,7 @@
         <p:spPr>
           <a:xfrm>
             <a:off x="7286197" y="2933700"/>
-            <a:ext cx="3189211" cy="830997"/>
+            <a:ext cx="4067603" cy="830997"/>
           </a:xfrm>
           <a:prstGeom prst="rect">
             <a:avLst/>
@@ -4842,7 +4835,7 @@
           <a:lstStyle/>
           <a:p>
             <a:r>
-              <a:rPr lang="ko-KR" altLang="en-US" sz="4800">
+              <a:rPr lang="ko-KR" altLang="en-US" sz="4800" dirty="0">
                 <a:solidFill>
                   <a:srgbClr val="4C50BC"/>
                 </a:solidFill>
@@ -4851,7 +4844,7 @@
               </a:rPr>
               <a:t>인스턴스화</a:t>
             </a:r>
-            <a:endParaRPr lang="en-US" altLang="ko-KR" sz="4800">
+            <a:endParaRPr lang="en-US" altLang="ko-KR" sz="4800" dirty="0">
               <a:solidFill>
                 <a:srgbClr val="4C50BC"/>
               </a:solidFill>
@@ -4871,13 +4864,6 @@
   <p:clrMapOvr>
     <a:masterClrMapping/>
   </p:clrMapOvr>
-  <p:timing>
-    <p:tnLst>
-      <p:par>
-        <p:cTn id="1" dur="indefinite" restart="never" nodeType="tmRoot"/>
-      </p:par>
-    </p:tnLst>
-  </p:timing>
 </p:sld>
 </file>
 
@@ -5016,7 +5002,7 @@
           <p:cNvPr id="8" name="직선 화살표 연결선 7">
             <a:extLst>
               <a:ext uri="{FF2B5EF4-FFF2-40B4-BE49-F238E27FC236}">
-                <a16:creationId xmlns="" xmlns:a16="http://schemas.microsoft.com/office/drawing/2014/main" id="{299DF5EC-9DF4-5255-06AC-0A7CE4FF58C3}"/>
+                <a16:creationId xmlns:a16="http://schemas.microsoft.com/office/drawing/2014/main" id="{299DF5EC-9DF4-5255-06AC-0A7CE4FF58C3}"/>
               </a:ext>
             </a:extLst>
           </p:cNvPr>
@@ -5057,7 +5043,7 @@
           <p:cNvPr id="11" name="직선 화살표 연결선 10">
             <a:extLst>
               <a:ext uri="{FF2B5EF4-FFF2-40B4-BE49-F238E27FC236}">
-                <a16:creationId xmlns="" xmlns:a16="http://schemas.microsoft.com/office/drawing/2014/main" id="{299DF5EC-9DF4-5255-06AC-0A7CE4FF58C3}"/>
+                <a16:creationId xmlns:a16="http://schemas.microsoft.com/office/drawing/2014/main" id="{299DF5EC-9DF4-5255-06AC-0A7CE4FF58C3}"/>
               </a:ext>
             </a:extLst>
           </p:cNvPr>
@@ -5098,7 +5084,7 @@
           <p:cNvPr id="13" name="직선 화살표 연결선 12">
             <a:extLst>
               <a:ext uri="{FF2B5EF4-FFF2-40B4-BE49-F238E27FC236}">
-                <a16:creationId xmlns="" xmlns:a16="http://schemas.microsoft.com/office/drawing/2014/main" id="{299DF5EC-9DF4-5255-06AC-0A7CE4FF58C3}"/>
+                <a16:creationId xmlns:a16="http://schemas.microsoft.com/office/drawing/2014/main" id="{299DF5EC-9DF4-5255-06AC-0A7CE4FF58C3}"/>
               </a:ext>
             </a:extLst>
           </p:cNvPr>
@@ -5139,7 +5125,7 @@
           <p:cNvPr id="15" name="TextBox 14">
             <a:extLst>
               <a:ext uri="{FF2B5EF4-FFF2-40B4-BE49-F238E27FC236}">
-                <a16:creationId xmlns="" xmlns:a16="http://schemas.microsoft.com/office/drawing/2014/main" id="{181EA334-B1AD-2028-A3D8-FA8B4093DA7C}"/>
+                <a16:creationId xmlns:a16="http://schemas.microsoft.com/office/drawing/2014/main" id="{181EA334-B1AD-2028-A3D8-FA8B4093DA7C}"/>
               </a:ext>
             </a:extLst>
           </p:cNvPr>
@@ -5163,7 +5149,7 @@
           <a:lstStyle/>
           <a:p>
             <a:r>
-              <a:rPr lang="ko-KR" altLang="en-US" sz="4400" smtClean="0">
+              <a:rPr lang="ko-KR" altLang="en-US" sz="4400">
                 <a:solidFill>
                   <a:srgbClr val="4C50BC"/>
                 </a:solidFill>
@@ -5173,7 +5159,7 @@
               <a:t>유저</a:t>
             </a:r>
             <a:r>
-              <a:rPr lang="en-US" altLang="ko-KR" sz="4400" smtClean="0">
+              <a:rPr lang="en-US" altLang="ko-KR" sz="4400">
                 <a:solidFill>
                   <a:srgbClr val="4C50BC"/>
                 </a:solidFill>
@@ -5197,7 +5183,7 @@
           <p:cNvPr id="16" name="TextBox 15">
             <a:extLst>
               <a:ext uri="{FF2B5EF4-FFF2-40B4-BE49-F238E27FC236}">
-                <a16:creationId xmlns="" xmlns:a16="http://schemas.microsoft.com/office/drawing/2014/main" id="{181EA334-B1AD-2028-A3D8-FA8B4093DA7C}"/>
+                <a16:creationId xmlns:a16="http://schemas.microsoft.com/office/drawing/2014/main" id="{181EA334-B1AD-2028-A3D8-FA8B4093DA7C}"/>
               </a:ext>
             </a:extLst>
           </p:cNvPr>
@@ -5221,7 +5207,7 @@
           <a:lstStyle/>
           <a:p>
             <a:r>
-              <a:rPr lang="ko-KR" altLang="en-US" sz="4400" smtClean="0">
+              <a:rPr lang="ko-KR" altLang="en-US" sz="4400">
                 <a:solidFill>
                   <a:srgbClr val="4C50BC"/>
                 </a:solidFill>
@@ -5255,7 +5241,7 @@
           <p:cNvPr id="17" name="TextBox 16">
             <a:extLst>
               <a:ext uri="{FF2B5EF4-FFF2-40B4-BE49-F238E27FC236}">
-                <a16:creationId xmlns="" xmlns:a16="http://schemas.microsoft.com/office/drawing/2014/main" id="{181EA334-B1AD-2028-A3D8-FA8B4093DA7C}"/>
+                <a16:creationId xmlns:a16="http://schemas.microsoft.com/office/drawing/2014/main" id="{181EA334-B1AD-2028-A3D8-FA8B4093DA7C}"/>
               </a:ext>
             </a:extLst>
           </p:cNvPr>
@@ -5279,7 +5265,7 @@
           <a:lstStyle/>
           <a:p>
             <a:r>
-              <a:rPr lang="ko-KR" altLang="en-US" sz="4400" smtClean="0">
+              <a:rPr lang="ko-KR" altLang="en-US" sz="4400">
                 <a:solidFill>
                   <a:srgbClr val="4C50BC"/>
                 </a:solidFill>
@@ -5289,7 +5275,7 @@
               <a:t>유저</a:t>
             </a:r>
             <a:r>
-              <a:rPr lang="en-US" altLang="ko-KR" sz="4400" smtClean="0">
+              <a:rPr lang="en-US" altLang="ko-KR" sz="4400">
                 <a:solidFill>
                   <a:srgbClr val="4C50BC"/>
                 </a:solidFill>
@@ -5313,7 +5299,7 @@
           <p:cNvPr id="12" name="TextBox 11">
             <a:extLst>
               <a:ext uri="{FF2B5EF4-FFF2-40B4-BE49-F238E27FC236}">
-                <a16:creationId xmlns="" xmlns:a16="http://schemas.microsoft.com/office/drawing/2014/main" id="{131CAA11-625D-884F-94CC-6654A5C13F00}"/>
+                <a16:creationId xmlns:a16="http://schemas.microsoft.com/office/drawing/2014/main" id="{131CAA11-625D-884F-94CC-6654A5C13F00}"/>
               </a:ext>
             </a:extLst>
           </p:cNvPr>
@@ -5389,13 +5375,6 @@
   <p:clrMapOvr>
     <a:masterClrMapping/>
   </p:clrMapOvr>
-  <p:timing>
-    <p:tnLst>
-      <p:par>
-        <p:cTn id="1" dur="indefinite" restart="never" nodeType="tmRoot"/>
-      </p:par>
-    </p:tnLst>
-  </p:timing>
 </p:sld>
 </file>
 
@@ -5421,7 +5400,7 @@
           <p:cNvPr id="4" name="그룹 1018">
             <a:extLst>
               <a:ext uri="{FF2B5EF4-FFF2-40B4-BE49-F238E27FC236}">
-                <a16:creationId xmlns="" xmlns:a16="http://schemas.microsoft.com/office/drawing/2014/main" id="{0804D430-F42E-AE32-A065-FFA8C471F092}"/>
+                <a16:creationId xmlns:a16="http://schemas.microsoft.com/office/drawing/2014/main" id="{0804D430-F42E-AE32-A065-FFA8C471F092}"/>
               </a:ext>
             </a:extLst>
           </p:cNvPr>
@@ -5441,7 +5420,7 @@
             <p:cNvPr id="5" name="Object 61">
               <a:extLst>
                 <a:ext uri="{FF2B5EF4-FFF2-40B4-BE49-F238E27FC236}">
-                  <a16:creationId xmlns="" xmlns:a16="http://schemas.microsoft.com/office/drawing/2014/main" id="{334A4C3A-641C-7CD9-8FEE-5EC92B28D640}"/>
+                  <a16:creationId xmlns:a16="http://schemas.microsoft.com/office/drawing/2014/main" id="{334A4C3A-641C-7CD9-8FEE-5EC92B28D640}"/>
                 </a:ext>
               </a:extLst>
             </p:cNvPr>
@@ -5472,7 +5451,7 @@
           <p:cNvPr id="7" name="TextBox 6">
             <a:extLst>
               <a:ext uri="{FF2B5EF4-FFF2-40B4-BE49-F238E27FC236}">
-                <a16:creationId xmlns="" xmlns:a16="http://schemas.microsoft.com/office/drawing/2014/main" id="{DF7DDD33-9412-2802-339A-E55446AC2DA7}"/>
+                <a16:creationId xmlns:a16="http://schemas.microsoft.com/office/drawing/2014/main" id="{DF7DDD33-9412-2802-339A-E55446AC2DA7}"/>
               </a:ext>
             </a:extLst>
           </p:cNvPr>
@@ -5580,7 +5559,7 @@
           <p:cNvPr id="8" name="TextBox 7">
             <a:extLst>
               <a:ext uri="{FF2B5EF4-FFF2-40B4-BE49-F238E27FC236}">
-                <a16:creationId xmlns="" xmlns:a16="http://schemas.microsoft.com/office/drawing/2014/main" id="{DF7DDD33-9412-2802-339A-E55446AC2DA7}"/>
+                <a16:creationId xmlns:a16="http://schemas.microsoft.com/office/drawing/2014/main" id="{DF7DDD33-9412-2802-339A-E55446AC2DA7}"/>
               </a:ext>
             </a:extLst>
           </p:cNvPr>
@@ -5638,7 +5617,7 @@
           <p:cNvPr id="9" name="그룹 1018">
             <a:extLst>
               <a:ext uri="{FF2B5EF4-FFF2-40B4-BE49-F238E27FC236}">
-                <a16:creationId xmlns="" xmlns:a16="http://schemas.microsoft.com/office/drawing/2014/main" id="{0804D430-F42E-AE32-A065-FFA8C471F092}"/>
+                <a16:creationId xmlns:a16="http://schemas.microsoft.com/office/drawing/2014/main" id="{0804D430-F42E-AE32-A065-FFA8C471F092}"/>
               </a:ext>
             </a:extLst>
           </p:cNvPr>
@@ -5658,7 +5637,7 @@
             <p:cNvPr id="10" name="Object 61">
               <a:extLst>
                 <a:ext uri="{FF2B5EF4-FFF2-40B4-BE49-F238E27FC236}">
-                  <a16:creationId xmlns="" xmlns:a16="http://schemas.microsoft.com/office/drawing/2014/main" id="{334A4C3A-641C-7CD9-8FEE-5EC92B28D640}"/>
+                  <a16:creationId xmlns:a16="http://schemas.microsoft.com/office/drawing/2014/main" id="{334A4C3A-641C-7CD9-8FEE-5EC92B28D640}"/>
                 </a:ext>
               </a:extLst>
             </p:cNvPr>
@@ -5689,7 +5668,7 @@
           <p:cNvPr id="11" name="TextBox 10">
             <a:extLst>
               <a:ext uri="{FF2B5EF4-FFF2-40B4-BE49-F238E27FC236}">
-                <a16:creationId xmlns="" xmlns:a16="http://schemas.microsoft.com/office/drawing/2014/main" id="{DF7DDD33-9412-2802-339A-E55446AC2DA7}"/>
+                <a16:creationId xmlns:a16="http://schemas.microsoft.com/office/drawing/2014/main" id="{DF7DDD33-9412-2802-339A-E55446AC2DA7}"/>
               </a:ext>
             </a:extLst>
           </p:cNvPr>
@@ -5797,7 +5776,7 @@
           <p:cNvPr id="12" name="TextBox 11">
             <a:extLst>
               <a:ext uri="{FF2B5EF4-FFF2-40B4-BE49-F238E27FC236}">
-                <a16:creationId xmlns="" xmlns:a16="http://schemas.microsoft.com/office/drawing/2014/main" id="{DF7DDD33-9412-2802-339A-E55446AC2DA7}"/>
+                <a16:creationId xmlns:a16="http://schemas.microsoft.com/office/drawing/2014/main" id="{DF7DDD33-9412-2802-339A-E55446AC2DA7}"/>
               </a:ext>
             </a:extLst>
           </p:cNvPr>
@@ -5920,7 +5899,7 @@
           <p:cNvPr id="13" name="직선 화살표 연결선 12">
             <a:extLst>
               <a:ext uri="{FF2B5EF4-FFF2-40B4-BE49-F238E27FC236}">
-                <a16:creationId xmlns="" xmlns:a16="http://schemas.microsoft.com/office/drawing/2014/main" id="{299DF5EC-9DF4-5255-06AC-0A7CE4FF58C3}"/>
+                <a16:creationId xmlns:a16="http://schemas.microsoft.com/office/drawing/2014/main" id="{299DF5EC-9DF4-5255-06AC-0A7CE4FF58C3}"/>
               </a:ext>
             </a:extLst>
           </p:cNvPr>
@@ -5961,7 +5940,7 @@
           <p:cNvPr id="15" name="직선 화살표 연결선 14">
             <a:extLst>
               <a:ext uri="{FF2B5EF4-FFF2-40B4-BE49-F238E27FC236}">
-                <a16:creationId xmlns="" xmlns:a16="http://schemas.microsoft.com/office/drawing/2014/main" id="{299DF5EC-9DF4-5255-06AC-0A7CE4FF58C3}"/>
+                <a16:creationId xmlns:a16="http://schemas.microsoft.com/office/drawing/2014/main" id="{299DF5EC-9DF4-5255-06AC-0A7CE4FF58C3}"/>
               </a:ext>
             </a:extLst>
           </p:cNvPr>
@@ -6002,7 +5981,7 @@
           <p:cNvPr id="18" name="직선 화살표 연결선 17">
             <a:extLst>
               <a:ext uri="{FF2B5EF4-FFF2-40B4-BE49-F238E27FC236}">
-                <a16:creationId xmlns="" xmlns:a16="http://schemas.microsoft.com/office/drawing/2014/main" id="{299DF5EC-9DF4-5255-06AC-0A7CE4FF58C3}"/>
+                <a16:creationId xmlns:a16="http://schemas.microsoft.com/office/drawing/2014/main" id="{299DF5EC-9DF4-5255-06AC-0A7CE4FF58C3}"/>
               </a:ext>
             </a:extLst>
           </p:cNvPr>
@@ -6043,7 +6022,7 @@
           <p:cNvPr id="22" name="TextBox 21">
             <a:extLst>
               <a:ext uri="{FF2B5EF4-FFF2-40B4-BE49-F238E27FC236}">
-                <a16:creationId xmlns="" xmlns:a16="http://schemas.microsoft.com/office/drawing/2014/main" id="{C6D113C6-EA5C-788F-0C77-E7CE6EBB865F}"/>
+                <a16:creationId xmlns:a16="http://schemas.microsoft.com/office/drawing/2014/main" id="{C6D113C6-EA5C-788F-0C77-E7CE6EBB865F}"/>
               </a:ext>
             </a:extLst>
           </p:cNvPr>
@@ -6067,7 +6046,7 @@
           <a:lstStyle/>
           <a:p>
             <a:r>
-              <a:rPr lang="ko-KR" altLang="en-US" sz="3600" smtClean="0">
+              <a:rPr lang="ko-KR" altLang="en-US" sz="3600">
                 <a:solidFill>
                   <a:srgbClr val="FF0000"/>
                 </a:solidFill>
@@ -6076,7 +6055,7 @@
               </a:rPr>
               <a:t>메서드의 밖에 만들어진 변수는 </a:t>
             </a:r>
-            <a:endParaRPr lang="en-US" altLang="ko-KR" sz="3600" smtClean="0">
+            <a:endParaRPr lang="en-US" altLang="ko-KR" sz="3600">
               <a:solidFill>
                 <a:srgbClr val="FF0000"/>
               </a:solidFill>
@@ -6086,7 +6065,7 @@
           </a:p>
           <a:p>
             <a:r>
-              <a:rPr lang="ko-KR" altLang="en-US" sz="3600" smtClean="0">
+              <a:rPr lang="ko-KR" altLang="en-US" sz="3600">
                 <a:solidFill>
                   <a:srgbClr val="FF0000"/>
                 </a:solidFill>
@@ -6096,7 +6075,7 @@
               <a:t>메서드 어디서든 사용할수 있다</a:t>
             </a:r>
             <a:r>
-              <a:rPr lang="en-US" altLang="ko-KR" sz="3600" smtClean="0">
+              <a:rPr lang="en-US" altLang="ko-KR" sz="3600">
                 <a:solidFill>
                   <a:srgbClr val="FF0000"/>
                 </a:solidFill>
@@ -6120,7 +6099,7 @@
           <p:cNvPr id="23" name="직선 화살표 연결선 22">
             <a:extLst>
               <a:ext uri="{FF2B5EF4-FFF2-40B4-BE49-F238E27FC236}">
-                <a16:creationId xmlns="" xmlns:a16="http://schemas.microsoft.com/office/drawing/2014/main" id="{299DF5EC-9DF4-5255-06AC-0A7CE4FF58C3}"/>
+                <a16:creationId xmlns:a16="http://schemas.microsoft.com/office/drawing/2014/main" id="{299DF5EC-9DF4-5255-06AC-0A7CE4FF58C3}"/>
               </a:ext>
             </a:extLst>
           </p:cNvPr>
@@ -6455,7 +6434,7 @@
       </p:grpSpPr>
       <p:pic>
         <p:nvPicPr>
-          <p:cNvPr id="17" name="그림 16"/>
+          <p:cNvPr id="4" name="그림 3"/>
           <p:cNvPicPr>
             <a:picLocks noChangeAspect="1"/>
           </p:cNvPicPr>
@@ -6469,8 +6448,8 @@
         </p:blipFill>
         <p:spPr>
           <a:xfrm>
-            <a:off x="6982794" y="6448425"/>
-            <a:ext cx="5343525" cy="2809875"/>
+            <a:off x="381000" y="38100"/>
+            <a:ext cx="4724400" cy="10059560"/>
           </a:xfrm>
           <a:prstGeom prst="rect">
             <a:avLst/>
@@ -6493,431 +6472,6 @@
         </p:blipFill>
         <p:spPr>
           <a:xfrm>
-            <a:off x="6962865" y="114300"/>
-            <a:ext cx="5305335" cy="5866789"/>
-          </a:xfrm>
-          <a:prstGeom prst="rect">
-            <a:avLst/>
-          </a:prstGeom>
-        </p:spPr>
-      </p:pic>
-      <p:pic>
-        <p:nvPicPr>
-          <p:cNvPr id="2" name="그림 1"/>
-          <p:cNvPicPr>
-            <a:picLocks noChangeAspect="1"/>
-          </p:cNvPicPr>
-          <p:nvPr/>
-        </p:nvPicPr>
-        <p:blipFill>
-          <a:blip r:embed="rId4"/>
-          <a:stretch>
-            <a:fillRect/>
-          </a:stretch>
-        </p:blipFill>
-        <p:spPr>
-          <a:xfrm>
-            <a:off x="304800" y="266700"/>
-            <a:ext cx="3824300" cy="3186917"/>
-          </a:xfrm>
-          <a:prstGeom prst="rect">
-            <a:avLst/>
-          </a:prstGeom>
-        </p:spPr>
-      </p:pic>
-      <p:cxnSp>
-        <p:nvCxnSpPr>
-          <p:cNvPr id="7" name="직선 화살표 연결선 6">
-            <a:extLst>
-              <a:ext uri="{FF2B5EF4-FFF2-40B4-BE49-F238E27FC236}">
-                <a16:creationId xmlns="" xmlns:a16="http://schemas.microsoft.com/office/drawing/2014/main" id="{299DF5EC-9DF4-5255-06AC-0A7CE4FF58C3}"/>
-              </a:ext>
-            </a:extLst>
-          </p:cNvPr>
-          <p:cNvCxnSpPr>
-            <a:cxnSpLocks/>
-          </p:cNvCxnSpPr>
-          <p:nvPr/>
-        </p:nvCxnSpPr>
-        <p:spPr>
-          <a:xfrm flipV="1">
-            <a:off x="3048000" y="647701"/>
-            <a:ext cx="4648200" cy="1752600"/>
-          </a:xfrm>
-          <a:prstGeom prst="straightConnector1">
-            <a:avLst/>
-          </a:prstGeom>
-          <a:ln w="38100">
-            <a:tailEnd type="triangle"/>
-          </a:ln>
-        </p:spPr>
-        <p:style>
-          <a:lnRef idx="1">
-            <a:schemeClr val="accent2"/>
-          </a:lnRef>
-          <a:fillRef idx="0">
-            <a:schemeClr val="accent2"/>
-          </a:fillRef>
-          <a:effectRef idx="0">
-            <a:schemeClr val="accent2"/>
-          </a:effectRef>
-          <a:fontRef idx="minor">
-            <a:schemeClr val="tx1"/>
-          </a:fontRef>
-        </p:style>
-      </p:cxnSp>
-      <p:sp>
-        <p:nvSpPr>
-          <p:cNvPr id="8" name="직사각형 7">
-            <a:extLst>
-              <a:ext uri="{FF2B5EF4-FFF2-40B4-BE49-F238E27FC236}">
-                <a16:creationId xmlns="" xmlns:a16="http://schemas.microsoft.com/office/drawing/2014/main" id="{FFF506F9-840A-0508-4CAF-3AC711D8D5CE}"/>
-              </a:ext>
-            </a:extLst>
-          </p:cNvPr>
-          <p:cNvSpPr/>
-          <p:nvPr/>
-        </p:nvSpPr>
-        <p:spPr>
-          <a:xfrm>
-            <a:off x="1305130" y="2171700"/>
-            <a:ext cx="1742870" cy="533399"/>
-          </a:xfrm>
-          <a:prstGeom prst="rect">
-            <a:avLst/>
-          </a:prstGeom>
-          <a:noFill/>
-          <a:ln>
-            <a:solidFill>
-              <a:srgbClr val="FF0000"/>
-            </a:solidFill>
-          </a:ln>
-        </p:spPr>
-        <p:style>
-          <a:lnRef idx="2">
-            <a:schemeClr val="accent2">
-              <a:shade val="50000"/>
-            </a:schemeClr>
-          </a:lnRef>
-          <a:fillRef idx="1">
-            <a:schemeClr val="accent2"/>
-          </a:fillRef>
-          <a:effectRef idx="0">
-            <a:schemeClr val="accent2"/>
-          </a:effectRef>
-          <a:fontRef idx="minor">
-            <a:schemeClr val="lt1"/>
-          </a:fontRef>
-        </p:style>
-        <p:txBody>
-          <a:bodyPr rtlCol="0" anchor="ctr"/>
-          <a:lstStyle/>
-          <a:p>
-            <a:pPr algn="ctr"/>
-            <a:endParaRPr lang="ko-KR" altLang="en-US"/>
-          </a:p>
-        </p:txBody>
-      </p:sp>
-      <p:sp>
-        <p:nvSpPr>
-          <p:cNvPr id="9" name="TextBox 8">
-            <a:extLst>
-              <a:ext uri="{FF2B5EF4-FFF2-40B4-BE49-F238E27FC236}">
-                <a16:creationId xmlns="" xmlns:a16="http://schemas.microsoft.com/office/drawing/2014/main" id="{C6D113C6-EA5C-788F-0C77-E7CE6EBB865F}"/>
-              </a:ext>
-            </a:extLst>
-          </p:cNvPr>
-          <p:cNvSpPr txBox="1"/>
-          <p:nvPr/>
-        </p:nvSpPr>
-        <p:spPr>
-          <a:xfrm>
-            <a:off x="2977075" y="2433026"/>
-            <a:ext cx="6400800" cy="646331"/>
-          </a:xfrm>
-          <a:prstGeom prst="rect">
-            <a:avLst/>
-          </a:prstGeom>
-          <a:noFill/>
-        </p:spPr>
-        <p:txBody>
-          <a:bodyPr wrap="square" rtlCol="0">
-            <a:spAutoFit/>
-          </a:bodyPr>
-          <a:lstStyle/>
-          <a:p>
-            <a:r>
-              <a:rPr lang="en-US" altLang="ko-KR" sz="3600" smtClean="0">
-                <a:solidFill>
-                  <a:srgbClr val="FF0000"/>
-                </a:solidFill>
-                <a:latin typeface="G마켓 산스 Medium" panose="02000000000000000000" pitchFamily="50" charset="-127"/>
-                <a:ea typeface="G마켓 산스 Medium" panose="02000000000000000000" pitchFamily="50" charset="-127"/>
-              </a:rPr>
-              <a:t>Tv </a:t>
-            </a:r>
-            <a:r>
-              <a:rPr lang="ko-KR" altLang="en-US" sz="3600" smtClean="0">
-                <a:solidFill>
-                  <a:srgbClr val="FF0000"/>
-                </a:solidFill>
-                <a:latin typeface="G마켓 산스 Medium" panose="02000000000000000000" pitchFamily="50" charset="-127"/>
-                <a:ea typeface="G마켓 산스 Medium" panose="02000000000000000000" pitchFamily="50" charset="-127"/>
-              </a:rPr>
-              <a:t>클래스 선언</a:t>
-            </a:r>
-            <a:endParaRPr lang="en-US" altLang="ko-KR" sz="3600" dirty="0">
-              <a:solidFill>
-                <a:srgbClr val="FF0000"/>
-              </a:solidFill>
-              <a:latin typeface="G마켓 산스 Medium" panose="02000000000000000000" pitchFamily="50" charset="-127"/>
-              <a:ea typeface="G마켓 산스 Medium" panose="02000000000000000000" pitchFamily="50" charset="-127"/>
-            </a:endParaRPr>
-          </a:p>
-        </p:txBody>
-      </p:sp>
-      <p:sp>
-        <p:nvSpPr>
-          <p:cNvPr id="12" name="TextBox 11">
-            <a:extLst>
-              <a:ext uri="{FF2B5EF4-FFF2-40B4-BE49-F238E27FC236}">
-                <a16:creationId xmlns="" xmlns:a16="http://schemas.microsoft.com/office/drawing/2014/main" id="{C6D113C6-EA5C-788F-0C77-E7CE6EBB865F}"/>
-              </a:ext>
-            </a:extLst>
-          </p:cNvPr>
-          <p:cNvSpPr txBox="1"/>
-          <p:nvPr/>
-        </p:nvSpPr>
-        <p:spPr>
-          <a:xfrm>
-            <a:off x="4269837" y="7741606"/>
-            <a:ext cx="3815275" cy="646331"/>
-          </a:xfrm>
-          <a:prstGeom prst="rect">
-            <a:avLst/>
-          </a:prstGeom>
-          <a:noFill/>
-        </p:spPr>
-        <p:txBody>
-          <a:bodyPr wrap="square" rtlCol="0">
-            <a:spAutoFit/>
-          </a:bodyPr>
-          <a:lstStyle/>
-          <a:p>
-            <a:r>
-              <a:rPr lang="ko-KR" altLang="en-US" sz="3600" smtClean="0">
-                <a:solidFill>
-                  <a:srgbClr val="FF0000"/>
-                </a:solidFill>
-                <a:latin typeface="G마켓 산스 Medium" panose="02000000000000000000" pitchFamily="50" charset="-127"/>
-                <a:ea typeface="G마켓 산스 Medium" panose="02000000000000000000" pitchFamily="50" charset="-127"/>
-              </a:rPr>
-              <a:t>객체 생성후 사용</a:t>
-            </a:r>
-            <a:endParaRPr lang="en-US" altLang="ko-KR" sz="3600" dirty="0">
-              <a:solidFill>
-                <a:srgbClr val="FF0000"/>
-              </a:solidFill>
-              <a:latin typeface="G마켓 산스 Medium" panose="02000000000000000000" pitchFamily="50" charset="-127"/>
-              <a:ea typeface="G마켓 산스 Medium" panose="02000000000000000000" pitchFamily="50" charset="-127"/>
-            </a:endParaRPr>
-          </a:p>
-        </p:txBody>
-      </p:sp>
-      <p:pic>
-        <p:nvPicPr>
-          <p:cNvPr id="14" name="그림 13"/>
-          <p:cNvPicPr>
-            <a:picLocks noChangeAspect="1"/>
-          </p:cNvPicPr>
-          <p:nvPr/>
-        </p:nvPicPr>
-        <p:blipFill>
-          <a:blip r:embed="rId4"/>
-          <a:stretch>
-            <a:fillRect/>
-          </a:stretch>
-        </p:blipFill>
-        <p:spPr>
-          <a:xfrm>
-            <a:off x="264415" y="5866789"/>
-            <a:ext cx="3824300" cy="3186917"/>
-          </a:xfrm>
-          <a:prstGeom prst="rect">
-            <a:avLst/>
-          </a:prstGeom>
-        </p:spPr>
-      </p:pic>
-      <p:cxnSp>
-        <p:nvCxnSpPr>
-          <p:cNvPr id="15" name="직선 화살표 연결선 14">
-            <a:extLst>
-              <a:ext uri="{FF2B5EF4-FFF2-40B4-BE49-F238E27FC236}">
-                <a16:creationId xmlns="" xmlns:a16="http://schemas.microsoft.com/office/drawing/2014/main" id="{299DF5EC-9DF4-5255-06AC-0A7CE4FF58C3}"/>
-              </a:ext>
-            </a:extLst>
-          </p:cNvPr>
-          <p:cNvCxnSpPr>
-            <a:cxnSpLocks/>
-          </p:cNvCxnSpPr>
-          <p:nvPr/>
-        </p:nvCxnSpPr>
-        <p:spPr>
-          <a:xfrm>
-            <a:off x="3581400" y="6663920"/>
-            <a:ext cx="4267200" cy="873328"/>
-          </a:xfrm>
-          <a:prstGeom prst="straightConnector1">
-            <a:avLst/>
-          </a:prstGeom>
-          <a:ln w="38100">
-            <a:tailEnd type="triangle"/>
-          </a:ln>
-        </p:spPr>
-        <p:style>
-          <a:lnRef idx="1">
-            <a:schemeClr val="accent2"/>
-          </a:lnRef>
-          <a:fillRef idx="0">
-            <a:schemeClr val="accent2"/>
-          </a:fillRef>
-          <a:effectRef idx="0">
-            <a:schemeClr val="accent2"/>
-          </a:effectRef>
-          <a:fontRef idx="minor">
-            <a:schemeClr val="tx1"/>
-          </a:fontRef>
-        </p:style>
-      </p:cxnSp>
-      <p:sp>
-        <p:nvSpPr>
-          <p:cNvPr id="16" name="직사각형 15">
-            <a:extLst>
-              <a:ext uri="{FF2B5EF4-FFF2-40B4-BE49-F238E27FC236}">
-                <a16:creationId xmlns="" xmlns:a16="http://schemas.microsoft.com/office/drawing/2014/main" id="{FFF506F9-840A-0508-4CAF-3AC711D8D5CE}"/>
-              </a:ext>
-            </a:extLst>
-          </p:cNvPr>
-          <p:cNvSpPr/>
-          <p:nvPr/>
-        </p:nvSpPr>
-        <p:spPr>
-          <a:xfrm>
-            <a:off x="1838530" y="6435319"/>
-            <a:ext cx="1742870" cy="533399"/>
-          </a:xfrm>
-          <a:prstGeom prst="rect">
-            <a:avLst/>
-          </a:prstGeom>
-          <a:noFill/>
-          <a:ln>
-            <a:solidFill>
-              <a:srgbClr val="FF0000"/>
-            </a:solidFill>
-          </a:ln>
-        </p:spPr>
-        <p:style>
-          <a:lnRef idx="2">
-            <a:schemeClr val="accent2">
-              <a:shade val="50000"/>
-            </a:schemeClr>
-          </a:lnRef>
-          <a:fillRef idx="1">
-            <a:schemeClr val="accent2"/>
-          </a:fillRef>
-          <a:effectRef idx="0">
-            <a:schemeClr val="accent2"/>
-          </a:effectRef>
-          <a:fontRef idx="minor">
-            <a:schemeClr val="lt1"/>
-          </a:fontRef>
-        </p:style>
-        <p:txBody>
-          <a:bodyPr rtlCol="0" anchor="ctr"/>
-          <a:lstStyle/>
-          <a:p>
-            <a:pPr algn="ctr"/>
-            <a:endParaRPr lang="ko-KR" altLang="en-US"/>
-          </a:p>
-        </p:txBody>
-      </p:sp>
-    </p:spTree>
-    <p:extLst>
-      <p:ext uri="{BB962C8B-B14F-4D97-AF65-F5344CB8AC3E}">
-        <p14:creationId xmlns:p14="http://schemas.microsoft.com/office/powerpoint/2010/main" val="1220189779"/>
-      </p:ext>
-    </p:extLst>
-  </p:cSld>
-  <p:clrMapOvr>
-    <a:masterClrMapping/>
-  </p:clrMapOvr>
-  <p:timing>
-    <p:tnLst>
-      <p:par>
-        <p:cTn id="1" dur="indefinite" restart="never" nodeType="tmRoot"/>
-      </p:par>
-    </p:tnLst>
-  </p:timing>
-</p:sld>
-</file>
-
-<file path=ppt/slides/slide14.xml><?xml version="1.0" encoding="utf-8"?>
-<p:sld xmlns:a="http://schemas.openxmlformats.org/drawingml/2006/main" xmlns:r="http://schemas.openxmlformats.org/officeDocument/2006/relationships" xmlns:p="http://schemas.openxmlformats.org/presentationml/2006/main">
-  <p:cSld>
-    <p:spTree>
-      <p:nvGrpSpPr>
-        <p:cNvPr id="1" name=""/>
-        <p:cNvGrpSpPr/>
-        <p:nvPr/>
-      </p:nvGrpSpPr>
-      <p:grpSpPr>
-        <a:xfrm>
-          <a:off x="0" y="0"/>
-          <a:ext cx="0" cy="0"/>
-          <a:chOff x="0" y="0"/>
-          <a:chExt cx="0" cy="0"/>
-        </a:xfrm>
-      </p:grpSpPr>
-      <p:pic>
-        <p:nvPicPr>
-          <p:cNvPr id="4" name="그림 3"/>
-          <p:cNvPicPr>
-            <a:picLocks noChangeAspect="1"/>
-          </p:cNvPicPr>
-          <p:nvPr/>
-        </p:nvPicPr>
-        <p:blipFill>
-          <a:blip r:embed="rId2"/>
-          <a:stretch>
-            <a:fillRect/>
-          </a:stretch>
-        </p:blipFill>
-        <p:spPr>
-          <a:xfrm>
-            <a:off x="381000" y="38100"/>
-            <a:ext cx="4724400" cy="10059560"/>
-          </a:xfrm>
-          <a:prstGeom prst="rect">
-            <a:avLst/>
-          </a:prstGeom>
-        </p:spPr>
-      </p:pic>
-      <p:pic>
-        <p:nvPicPr>
-          <p:cNvPr id="5" name="그림 4"/>
-          <p:cNvPicPr>
-            <a:picLocks noChangeAspect="1"/>
-          </p:cNvPicPr>
-          <p:nvPr/>
-        </p:nvPicPr>
-        <p:blipFill>
-          <a:blip r:embed="rId3"/>
-          <a:stretch>
-            <a:fillRect/>
-          </a:stretch>
-        </p:blipFill>
-        <p:spPr>
-          <a:xfrm>
             <a:off x="7239000" y="1257300"/>
             <a:ext cx="10514097" cy="5649924"/>
           </a:xfrm>
@@ -6931,7 +6485,7 @@
           <p:cNvPr id="6" name="직사각형 5">
             <a:extLst>
               <a:ext uri="{FF2B5EF4-FFF2-40B4-BE49-F238E27FC236}">
-                <a16:creationId xmlns="" xmlns:a16="http://schemas.microsoft.com/office/drawing/2014/main" id="{FFF506F9-840A-0508-4CAF-3AC711D8D5CE}"/>
+                <a16:creationId xmlns:a16="http://schemas.microsoft.com/office/drawing/2014/main" id="{FFF506F9-840A-0508-4CAF-3AC711D8D5CE}"/>
               </a:ext>
             </a:extLst>
           </p:cNvPr>
@@ -6983,7 +6537,7 @@
           <p:cNvPr id="7" name="직사각형 6">
             <a:extLst>
               <a:ext uri="{FF2B5EF4-FFF2-40B4-BE49-F238E27FC236}">
-                <a16:creationId xmlns="" xmlns:a16="http://schemas.microsoft.com/office/drawing/2014/main" id="{FFF506F9-840A-0508-4CAF-3AC711D8D5CE}"/>
+                <a16:creationId xmlns:a16="http://schemas.microsoft.com/office/drawing/2014/main" id="{FFF506F9-840A-0508-4CAF-3AC711D8D5CE}"/>
               </a:ext>
             </a:extLst>
           </p:cNvPr>
@@ -7035,7 +6589,7 @@
           <p:cNvPr id="8" name="TextBox 7">
             <a:extLst>
               <a:ext uri="{FF2B5EF4-FFF2-40B4-BE49-F238E27FC236}">
-                <a16:creationId xmlns="" xmlns:a16="http://schemas.microsoft.com/office/drawing/2014/main" id="{C6D113C6-EA5C-788F-0C77-E7CE6EBB865F}"/>
+                <a16:creationId xmlns:a16="http://schemas.microsoft.com/office/drawing/2014/main" id="{C6D113C6-EA5C-788F-0C77-E7CE6EBB865F}"/>
               </a:ext>
             </a:extLst>
           </p:cNvPr>
@@ -7059,7 +6613,7 @@
           <a:lstStyle/>
           <a:p>
             <a:r>
-              <a:rPr lang="ko-KR" altLang="en-US" sz="3600" smtClean="0">
+              <a:rPr lang="ko-KR" altLang="en-US" sz="3600">
                 <a:solidFill>
                   <a:srgbClr val="FF0000"/>
                 </a:solidFill>
@@ -7069,7 +6623,7 @@
               <a:t>지금까지 </a:t>
             </a:r>
             <a:r>
-              <a:rPr lang="en-US" altLang="ko-KR" sz="3600" smtClean="0">
+              <a:rPr lang="en-US" altLang="ko-KR" sz="3600">
                 <a:solidFill>
                   <a:srgbClr val="FF0000"/>
                 </a:solidFill>
@@ -7079,7 +6633,7 @@
               <a:t>Main </a:t>
             </a:r>
             <a:r>
-              <a:rPr lang="ko-KR" altLang="en-US" sz="3600" smtClean="0">
+              <a:rPr lang="ko-KR" altLang="en-US" sz="3600">
                 <a:solidFill>
                   <a:srgbClr val="FF0000"/>
                 </a:solidFill>
@@ -7089,7 +6643,7 @@
               <a:t>클래스를 사용하고 있었다</a:t>
             </a:r>
             <a:r>
-              <a:rPr lang="en-US" altLang="ko-KR" sz="3600" smtClean="0">
+              <a:rPr lang="en-US" altLang="ko-KR" sz="3600">
                 <a:solidFill>
                   <a:srgbClr val="FF0000"/>
                 </a:solidFill>
@@ -7101,7 +6655,7 @@
           </a:p>
           <a:p>
             <a:r>
-              <a:rPr lang="ko-KR" altLang="en-US" sz="3600" smtClean="0">
+              <a:rPr lang="ko-KR" altLang="en-US" sz="3600">
                 <a:solidFill>
                   <a:srgbClr val="FF0000"/>
                 </a:solidFill>
@@ -7111,7 +6665,7 @@
               <a:t>객체 생성을 안하고 썻을뿐</a:t>
             </a:r>
             <a:r>
-              <a:rPr lang="en-US" altLang="ko-KR" sz="3600" smtClean="0">
+              <a:rPr lang="en-US" altLang="ko-KR" sz="3600">
                 <a:solidFill>
                   <a:srgbClr val="FF0000"/>
                 </a:solidFill>
@@ -7221,6 +6775,424 @@
 </p:sld>
 </file>
 
+<file path=ppt/slides/slide14.xml><?xml version="1.0" encoding="utf-8"?>
+<p:sld xmlns:a="http://schemas.openxmlformats.org/drawingml/2006/main" xmlns:r="http://schemas.openxmlformats.org/officeDocument/2006/relationships" xmlns:p="http://schemas.openxmlformats.org/presentationml/2006/main">
+  <p:cSld>
+    <p:spTree>
+      <p:nvGrpSpPr>
+        <p:cNvPr id="1" name=""/>
+        <p:cNvGrpSpPr/>
+        <p:nvPr/>
+      </p:nvGrpSpPr>
+      <p:grpSpPr>
+        <a:xfrm>
+          <a:off x="0" y="0"/>
+          <a:ext cx="0" cy="0"/>
+          <a:chOff x="0" y="0"/>
+          <a:chExt cx="0" cy="0"/>
+        </a:xfrm>
+      </p:grpSpPr>
+      <p:pic>
+        <p:nvPicPr>
+          <p:cNvPr id="17" name="그림 16"/>
+          <p:cNvPicPr>
+            <a:picLocks noChangeAspect="1"/>
+          </p:cNvPicPr>
+          <p:nvPr/>
+        </p:nvPicPr>
+        <p:blipFill>
+          <a:blip r:embed="rId2"/>
+          <a:stretch>
+            <a:fillRect/>
+          </a:stretch>
+        </p:blipFill>
+        <p:spPr>
+          <a:xfrm>
+            <a:off x="6982794" y="6448425"/>
+            <a:ext cx="5343525" cy="2809875"/>
+          </a:xfrm>
+          <a:prstGeom prst="rect">
+            <a:avLst/>
+          </a:prstGeom>
+        </p:spPr>
+      </p:pic>
+      <p:pic>
+        <p:nvPicPr>
+          <p:cNvPr id="5" name="그림 4"/>
+          <p:cNvPicPr>
+            <a:picLocks noChangeAspect="1"/>
+          </p:cNvPicPr>
+          <p:nvPr/>
+        </p:nvPicPr>
+        <p:blipFill>
+          <a:blip r:embed="rId3"/>
+          <a:stretch>
+            <a:fillRect/>
+          </a:stretch>
+        </p:blipFill>
+        <p:spPr>
+          <a:xfrm>
+            <a:off x="6962865" y="114300"/>
+            <a:ext cx="5305335" cy="5866789"/>
+          </a:xfrm>
+          <a:prstGeom prst="rect">
+            <a:avLst/>
+          </a:prstGeom>
+        </p:spPr>
+      </p:pic>
+      <p:pic>
+        <p:nvPicPr>
+          <p:cNvPr id="2" name="그림 1"/>
+          <p:cNvPicPr>
+            <a:picLocks noChangeAspect="1"/>
+          </p:cNvPicPr>
+          <p:nvPr/>
+        </p:nvPicPr>
+        <p:blipFill>
+          <a:blip r:embed="rId4"/>
+          <a:stretch>
+            <a:fillRect/>
+          </a:stretch>
+        </p:blipFill>
+        <p:spPr>
+          <a:xfrm>
+            <a:off x="304800" y="266700"/>
+            <a:ext cx="3824300" cy="3186917"/>
+          </a:xfrm>
+          <a:prstGeom prst="rect">
+            <a:avLst/>
+          </a:prstGeom>
+        </p:spPr>
+      </p:pic>
+      <p:cxnSp>
+        <p:nvCxnSpPr>
+          <p:cNvPr id="7" name="직선 화살표 연결선 6">
+            <a:extLst>
+              <a:ext uri="{FF2B5EF4-FFF2-40B4-BE49-F238E27FC236}">
+                <a16:creationId xmlns:a16="http://schemas.microsoft.com/office/drawing/2014/main" id="{299DF5EC-9DF4-5255-06AC-0A7CE4FF58C3}"/>
+              </a:ext>
+            </a:extLst>
+          </p:cNvPr>
+          <p:cNvCxnSpPr>
+            <a:cxnSpLocks/>
+          </p:cNvCxnSpPr>
+          <p:nvPr/>
+        </p:nvCxnSpPr>
+        <p:spPr>
+          <a:xfrm flipV="1">
+            <a:off x="3048000" y="647701"/>
+            <a:ext cx="4648200" cy="1752600"/>
+          </a:xfrm>
+          <a:prstGeom prst="straightConnector1">
+            <a:avLst/>
+          </a:prstGeom>
+          <a:ln w="38100">
+            <a:tailEnd type="triangle"/>
+          </a:ln>
+        </p:spPr>
+        <p:style>
+          <a:lnRef idx="1">
+            <a:schemeClr val="accent2"/>
+          </a:lnRef>
+          <a:fillRef idx="0">
+            <a:schemeClr val="accent2"/>
+          </a:fillRef>
+          <a:effectRef idx="0">
+            <a:schemeClr val="accent2"/>
+          </a:effectRef>
+          <a:fontRef idx="minor">
+            <a:schemeClr val="tx1"/>
+          </a:fontRef>
+        </p:style>
+      </p:cxnSp>
+      <p:sp>
+        <p:nvSpPr>
+          <p:cNvPr id="8" name="직사각형 7">
+            <a:extLst>
+              <a:ext uri="{FF2B5EF4-FFF2-40B4-BE49-F238E27FC236}">
+                <a16:creationId xmlns:a16="http://schemas.microsoft.com/office/drawing/2014/main" id="{FFF506F9-840A-0508-4CAF-3AC711D8D5CE}"/>
+              </a:ext>
+            </a:extLst>
+          </p:cNvPr>
+          <p:cNvSpPr/>
+          <p:nvPr/>
+        </p:nvSpPr>
+        <p:spPr>
+          <a:xfrm>
+            <a:off x="1305130" y="2171700"/>
+            <a:ext cx="1742870" cy="533399"/>
+          </a:xfrm>
+          <a:prstGeom prst="rect">
+            <a:avLst/>
+          </a:prstGeom>
+          <a:noFill/>
+          <a:ln>
+            <a:solidFill>
+              <a:srgbClr val="FF0000"/>
+            </a:solidFill>
+          </a:ln>
+        </p:spPr>
+        <p:style>
+          <a:lnRef idx="2">
+            <a:schemeClr val="accent2">
+              <a:shade val="50000"/>
+            </a:schemeClr>
+          </a:lnRef>
+          <a:fillRef idx="1">
+            <a:schemeClr val="accent2"/>
+          </a:fillRef>
+          <a:effectRef idx="0">
+            <a:schemeClr val="accent2"/>
+          </a:effectRef>
+          <a:fontRef idx="minor">
+            <a:schemeClr val="lt1"/>
+          </a:fontRef>
+        </p:style>
+        <p:txBody>
+          <a:bodyPr rtlCol="0" anchor="ctr"/>
+          <a:lstStyle/>
+          <a:p>
+            <a:pPr algn="ctr"/>
+            <a:endParaRPr lang="ko-KR" altLang="en-US"/>
+          </a:p>
+        </p:txBody>
+      </p:sp>
+      <p:sp>
+        <p:nvSpPr>
+          <p:cNvPr id="9" name="TextBox 8">
+            <a:extLst>
+              <a:ext uri="{FF2B5EF4-FFF2-40B4-BE49-F238E27FC236}">
+                <a16:creationId xmlns:a16="http://schemas.microsoft.com/office/drawing/2014/main" id="{C6D113C6-EA5C-788F-0C77-E7CE6EBB865F}"/>
+              </a:ext>
+            </a:extLst>
+          </p:cNvPr>
+          <p:cNvSpPr txBox="1"/>
+          <p:nvPr/>
+        </p:nvSpPr>
+        <p:spPr>
+          <a:xfrm>
+            <a:off x="2977075" y="2433026"/>
+            <a:ext cx="6400800" cy="646331"/>
+          </a:xfrm>
+          <a:prstGeom prst="rect">
+            <a:avLst/>
+          </a:prstGeom>
+          <a:noFill/>
+        </p:spPr>
+        <p:txBody>
+          <a:bodyPr wrap="square" rtlCol="0">
+            <a:spAutoFit/>
+          </a:bodyPr>
+          <a:lstStyle/>
+          <a:p>
+            <a:r>
+              <a:rPr lang="en-US" altLang="ko-KR" sz="3600">
+                <a:solidFill>
+                  <a:srgbClr val="FF0000"/>
+                </a:solidFill>
+                <a:latin typeface="G마켓 산스 Medium" panose="02000000000000000000" pitchFamily="50" charset="-127"/>
+                <a:ea typeface="G마켓 산스 Medium" panose="02000000000000000000" pitchFamily="50" charset="-127"/>
+              </a:rPr>
+              <a:t>Tv </a:t>
+            </a:r>
+            <a:r>
+              <a:rPr lang="ko-KR" altLang="en-US" sz="3600">
+                <a:solidFill>
+                  <a:srgbClr val="FF0000"/>
+                </a:solidFill>
+                <a:latin typeface="G마켓 산스 Medium" panose="02000000000000000000" pitchFamily="50" charset="-127"/>
+                <a:ea typeface="G마켓 산스 Medium" panose="02000000000000000000" pitchFamily="50" charset="-127"/>
+              </a:rPr>
+              <a:t>클래스 선언</a:t>
+            </a:r>
+            <a:endParaRPr lang="en-US" altLang="ko-KR" sz="3600" dirty="0">
+              <a:solidFill>
+                <a:srgbClr val="FF0000"/>
+              </a:solidFill>
+              <a:latin typeface="G마켓 산스 Medium" panose="02000000000000000000" pitchFamily="50" charset="-127"/>
+              <a:ea typeface="G마켓 산스 Medium" panose="02000000000000000000" pitchFamily="50" charset="-127"/>
+            </a:endParaRPr>
+          </a:p>
+        </p:txBody>
+      </p:sp>
+      <p:sp>
+        <p:nvSpPr>
+          <p:cNvPr id="12" name="TextBox 11">
+            <a:extLst>
+              <a:ext uri="{FF2B5EF4-FFF2-40B4-BE49-F238E27FC236}">
+                <a16:creationId xmlns:a16="http://schemas.microsoft.com/office/drawing/2014/main" id="{C6D113C6-EA5C-788F-0C77-E7CE6EBB865F}"/>
+              </a:ext>
+            </a:extLst>
+          </p:cNvPr>
+          <p:cNvSpPr txBox="1"/>
+          <p:nvPr/>
+        </p:nvSpPr>
+        <p:spPr>
+          <a:xfrm>
+            <a:off x="4269837" y="7741606"/>
+            <a:ext cx="3815275" cy="646331"/>
+          </a:xfrm>
+          <a:prstGeom prst="rect">
+            <a:avLst/>
+          </a:prstGeom>
+          <a:noFill/>
+        </p:spPr>
+        <p:txBody>
+          <a:bodyPr wrap="square" rtlCol="0">
+            <a:spAutoFit/>
+          </a:bodyPr>
+          <a:lstStyle/>
+          <a:p>
+            <a:r>
+              <a:rPr lang="ko-KR" altLang="en-US" sz="3600">
+                <a:solidFill>
+                  <a:srgbClr val="FF0000"/>
+                </a:solidFill>
+                <a:latin typeface="G마켓 산스 Medium" panose="02000000000000000000" pitchFamily="50" charset="-127"/>
+                <a:ea typeface="G마켓 산스 Medium" panose="02000000000000000000" pitchFamily="50" charset="-127"/>
+              </a:rPr>
+              <a:t>객체 생성후 사용</a:t>
+            </a:r>
+            <a:endParaRPr lang="en-US" altLang="ko-KR" sz="3600" dirty="0">
+              <a:solidFill>
+                <a:srgbClr val="FF0000"/>
+              </a:solidFill>
+              <a:latin typeface="G마켓 산스 Medium" panose="02000000000000000000" pitchFamily="50" charset="-127"/>
+              <a:ea typeface="G마켓 산스 Medium" panose="02000000000000000000" pitchFamily="50" charset="-127"/>
+            </a:endParaRPr>
+          </a:p>
+        </p:txBody>
+      </p:sp>
+      <p:pic>
+        <p:nvPicPr>
+          <p:cNvPr id="14" name="그림 13"/>
+          <p:cNvPicPr>
+            <a:picLocks noChangeAspect="1"/>
+          </p:cNvPicPr>
+          <p:nvPr/>
+        </p:nvPicPr>
+        <p:blipFill>
+          <a:blip r:embed="rId4"/>
+          <a:stretch>
+            <a:fillRect/>
+          </a:stretch>
+        </p:blipFill>
+        <p:spPr>
+          <a:xfrm>
+            <a:off x="264415" y="5866789"/>
+            <a:ext cx="3824300" cy="3186917"/>
+          </a:xfrm>
+          <a:prstGeom prst="rect">
+            <a:avLst/>
+          </a:prstGeom>
+        </p:spPr>
+      </p:pic>
+      <p:cxnSp>
+        <p:nvCxnSpPr>
+          <p:cNvPr id="15" name="직선 화살표 연결선 14">
+            <a:extLst>
+              <a:ext uri="{FF2B5EF4-FFF2-40B4-BE49-F238E27FC236}">
+                <a16:creationId xmlns:a16="http://schemas.microsoft.com/office/drawing/2014/main" id="{299DF5EC-9DF4-5255-06AC-0A7CE4FF58C3}"/>
+              </a:ext>
+            </a:extLst>
+          </p:cNvPr>
+          <p:cNvCxnSpPr>
+            <a:cxnSpLocks/>
+          </p:cNvCxnSpPr>
+          <p:nvPr/>
+        </p:nvCxnSpPr>
+        <p:spPr>
+          <a:xfrm>
+            <a:off x="3581400" y="6663920"/>
+            <a:ext cx="4267200" cy="873328"/>
+          </a:xfrm>
+          <a:prstGeom prst="straightConnector1">
+            <a:avLst/>
+          </a:prstGeom>
+          <a:ln w="38100">
+            <a:tailEnd type="triangle"/>
+          </a:ln>
+        </p:spPr>
+        <p:style>
+          <a:lnRef idx="1">
+            <a:schemeClr val="accent2"/>
+          </a:lnRef>
+          <a:fillRef idx="0">
+            <a:schemeClr val="accent2"/>
+          </a:fillRef>
+          <a:effectRef idx="0">
+            <a:schemeClr val="accent2"/>
+          </a:effectRef>
+          <a:fontRef idx="minor">
+            <a:schemeClr val="tx1"/>
+          </a:fontRef>
+        </p:style>
+      </p:cxnSp>
+      <p:sp>
+        <p:nvSpPr>
+          <p:cNvPr id="16" name="직사각형 15">
+            <a:extLst>
+              <a:ext uri="{FF2B5EF4-FFF2-40B4-BE49-F238E27FC236}">
+                <a16:creationId xmlns:a16="http://schemas.microsoft.com/office/drawing/2014/main" id="{FFF506F9-840A-0508-4CAF-3AC711D8D5CE}"/>
+              </a:ext>
+            </a:extLst>
+          </p:cNvPr>
+          <p:cNvSpPr/>
+          <p:nvPr/>
+        </p:nvSpPr>
+        <p:spPr>
+          <a:xfrm>
+            <a:off x="1838530" y="6435319"/>
+            <a:ext cx="1742870" cy="533399"/>
+          </a:xfrm>
+          <a:prstGeom prst="rect">
+            <a:avLst/>
+          </a:prstGeom>
+          <a:noFill/>
+          <a:ln>
+            <a:solidFill>
+              <a:srgbClr val="FF0000"/>
+            </a:solidFill>
+          </a:ln>
+        </p:spPr>
+        <p:style>
+          <a:lnRef idx="2">
+            <a:schemeClr val="accent2">
+              <a:shade val="50000"/>
+            </a:schemeClr>
+          </a:lnRef>
+          <a:fillRef idx="1">
+            <a:schemeClr val="accent2"/>
+          </a:fillRef>
+          <a:effectRef idx="0">
+            <a:schemeClr val="accent2"/>
+          </a:effectRef>
+          <a:fontRef idx="minor">
+            <a:schemeClr val="lt1"/>
+          </a:fontRef>
+        </p:style>
+        <p:txBody>
+          <a:bodyPr rtlCol="0" anchor="ctr"/>
+          <a:lstStyle/>
+          <a:p>
+            <a:pPr algn="ctr"/>
+            <a:endParaRPr lang="ko-KR" altLang="en-US"/>
+          </a:p>
+        </p:txBody>
+      </p:sp>
+    </p:spTree>
+    <p:extLst>
+      <p:ext uri="{BB962C8B-B14F-4D97-AF65-F5344CB8AC3E}">
+        <p14:creationId xmlns:p14="http://schemas.microsoft.com/office/powerpoint/2010/main" val="1220189779"/>
+      </p:ext>
+    </p:extLst>
+  </p:cSld>
+  <p:clrMapOvr>
+    <a:masterClrMapping/>
+  </p:clrMapOvr>
+</p:sld>
+</file>
+
 <file path=ppt/slides/slide15.xml><?xml version="1.0" encoding="utf-8"?>
 <p:sld xmlns:a="http://schemas.openxmlformats.org/drawingml/2006/main" xmlns:r="http://schemas.openxmlformats.org/officeDocument/2006/relationships" xmlns:p="http://schemas.openxmlformats.org/presentationml/2006/main">
   <p:cSld>
@@ -7243,7 +7215,7 @@
           <p:cNvPr id="6" name="TextBox 5">
             <a:extLst>
               <a:ext uri="{FF2B5EF4-FFF2-40B4-BE49-F238E27FC236}">
-                <a16:creationId xmlns="" xmlns:a16="http://schemas.microsoft.com/office/drawing/2014/main" id="{DF7DDD33-9412-2802-339A-E55446AC2DA7}"/>
+                <a16:creationId xmlns:a16="http://schemas.microsoft.com/office/drawing/2014/main" id="{DF7DDD33-9412-2802-339A-E55446AC2DA7}"/>
               </a:ext>
             </a:extLst>
           </p:cNvPr>
@@ -7291,7 +7263,7 @@
           <p:cNvPr id="7" name="표 16">
             <a:extLst>
               <a:ext uri="{FF2B5EF4-FFF2-40B4-BE49-F238E27FC236}">
-                <a16:creationId xmlns="" xmlns:a16="http://schemas.microsoft.com/office/drawing/2014/main" id="{F03C45C7-6EB1-7871-F0F7-945F667135C4}"/>
+                <a16:creationId xmlns:a16="http://schemas.microsoft.com/office/drawing/2014/main" id="{F03C45C7-6EB1-7871-F0F7-945F667135C4}"/>
               </a:ext>
             </a:extLst>
           </p:cNvPr>
@@ -7320,14 +7292,14 @@
                 <a:gridCol w="1600200">
                   <a:extLst>
                     <a:ext uri="{9D8B030D-6E8A-4147-A177-3AD203B41FA5}">
-                      <a16:colId xmlns="" xmlns:a16="http://schemas.microsoft.com/office/drawing/2014/main" val="2433761377"/>
+                      <a16:colId xmlns:a16="http://schemas.microsoft.com/office/drawing/2014/main" val="2433761377"/>
                     </a:ext>
                   </a:extLst>
                 </a:gridCol>
                 <a:gridCol w="1828800">
                   <a:extLst>
                     <a:ext uri="{9D8B030D-6E8A-4147-A177-3AD203B41FA5}">
-                      <a16:colId xmlns="" xmlns:a16="http://schemas.microsoft.com/office/drawing/2014/main" val="926389809"/>
+                      <a16:colId xmlns:a16="http://schemas.microsoft.com/office/drawing/2014/main" val="926389809"/>
                     </a:ext>
                   </a:extLst>
                 </a:gridCol>
@@ -7469,7 +7441,7 @@
                 </a:tc>
                 <a:extLst>
                   <a:ext uri="{0D108BD9-81ED-4DB2-BD59-A6C34878D82A}">
-                    <a16:rowId xmlns="" xmlns:a16="http://schemas.microsoft.com/office/drawing/2014/main" val="2504948727"/>
+                    <a16:rowId xmlns:a16="http://schemas.microsoft.com/office/drawing/2014/main" val="2504948727"/>
                   </a:ext>
                 </a:extLst>
               </a:tr>
@@ -7594,7 +7566,7 @@
                 </a:tc>
                 <a:extLst>
                   <a:ext uri="{0D108BD9-81ED-4DB2-BD59-A6C34878D82A}">
-                    <a16:rowId xmlns="" xmlns:a16="http://schemas.microsoft.com/office/drawing/2014/main" val="3647525178"/>
+                    <a16:rowId xmlns:a16="http://schemas.microsoft.com/office/drawing/2014/main" val="3647525178"/>
                   </a:ext>
                 </a:extLst>
               </a:tr>
@@ -7707,7 +7679,7 @@
                 </a:tc>
                 <a:extLst>
                   <a:ext uri="{0D108BD9-81ED-4DB2-BD59-A6C34878D82A}">
-                    <a16:rowId xmlns="" xmlns:a16="http://schemas.microsoft.com/office/drawing/2014/main" val="2672623231"/>
+                    <a16:rowId xmlns:a16="http://schemas.microsoft.com/office/drawing/2014/main" val="2672623231"/>
                   </a:ext>
                 </a:extLst>
               </a:tr>
@@ -7820,7 +7792,7 @@
                 </a:tc>
                 <a:extLst>
                   <a:ext uri="{0D108BD9-81ED-4DB2-BD59-A6C34878D82A}">
-                    <a16:rowId xmlns="" xmlns:a16="http://schemas.microsoft.com/office/drawing/2014/main" val="2996999142"/>
+                    <a16:rowId xmlns:a16="http://schemas.microsoft.com/office/drawing/2014/main" val="2996999142"/>
                   </a:ext>
                 </a:extLst>
               </a:tr>
@@ -7929,7 +7901,7 @@
                 </a:tc>
                 <a:extLst>
                   <a:ext uri="{0D108BD9-81ED-4DB2-BD59-A6C34878D82A}">
-                    <a16:rowId xmlns="" xmlns:a16="http://schemas.microsoft.com/office/drawing/2014/main" val="2275222586"/>
+                    <a16:rowId xmlns:a16="http://schemas.microsoft.com/office/drawing/2014/main" val="2275222586"/>
                   </a:ext>
                 </a:extLst>
               </a:tr>
@@ -8038,7 +8010,7 @@
                 </a:tc>
                 <a:extLst>
                   <a:ext uri="{0D108BD9-81ED-4DB2-BD59-A6C34878D82A}">
-                    <a16:rowId xmlns="" xmlns:a16="http://schemas.microsoft.com/office/drawing/2014/main" val="1918467740"/>
+                    <a16:rowId xmlns:a16="http://schemas.microsoft.com/office/drawing/2014/main" val="1918467740"/>
                   </a:ext>
                 </a:extLst>
               </a:tr>
@@ -8147,7 +8119,7 @@
                 </a:tc>
                 <a:extLst>
                   <a:ext uri="{0D108BD9-81ED-4DB2-BD59-A6C34878D82A}">
-                    <a16:rowId xmlns="" xmlns:a16="http://schemas.microsoft.com/office/drawing/2014/main" val="168351104"/>
+                    <a16:rowId xmlns:a16="http://schemas.microsoft.com/office/drawing/2014/main" val="168351104"/>
                   </a:ext>
                 </a:extLst>
               </a:tr>
@@ -8272,7 +8244,7 @@
                 </a:tc>
                 <a:extLst>
                   <a:ext uri="{0D108BD9-81ED-4DB2-BD59-A6C34878D82A}">
-                    <a16:rowId xmlns="" xmlns:a16="http://schemas.microsoft.com/office/drawing/2014/main" val="1446898692"/>
+                    <a16:rowId xmlns:a16="http://schemas.microsoft.com/office/drawing/2014/main" val="1446898692"/>
                   </a:ext>
                 </a:extLst>
               </a:tr>
@@ -8285,7 +8257,7 @@
           <p:cNvPr id="8" name="그룹 1018">
             <a:extLst>
               <a:ext uri="{FF2B5EF4-FFF2-40B4-BE49-F238E27FC236}">
-                <a16:creationId xmlns="" xmlns:a16="http://schemas.microsoft.com/office/drawing/2014/main" id="{0804D430-F42E-AE32-A065-FFA8C471F092}"/>
+                <a16:creationId xmlns:a16="http://schemas.microsoft.com/office/drawing/2014/main" id="{0804D430-F42E-AE32-A065-FFA8C471F092}"/>
               </a:ext>
             </a:extLst>
           </p:cNvPr>
@@ -8305,7 +8277,7 @@
             <p:cNvPr id="9" name="Object 61">
               <a:extLst>
                 <a:ext uri="{FF2B5EF4-FFF2-40B4-BE49-F238E27FC236}">
-                  <a16:creationId xmlns="" xmlns:a16="http://schemas.microsoft.com/office/drawing/2014/main" id="{334A4C3A-641C-7CD9-8FEE-5EC92B28D640}"/>
+                  <a16:creationId xmlns:a16="http://schemas.microsoft.com/office/drawing/2014/main" id="{334A4C3A-641C-7CD9-8FEE-5EC92B28D640}"/>
                 </a:ext>
               </a:extLst>
             </p:cNvPr>
@@ -8336,7 +8308,7 @@
           <p:cNvPr id="10" name="TextBox 9">
             <a:extLst>
               <a:ext uri="{FF2B5EF4-FFF2-40B4-BE49-F238E27FC236}">
-                <a16:creationId xmlns="" xmlns:a16="http://schemas.microsoft.com/office/drawing/2014/main" id="{DF7DDD33-9412-2802-339A-E55446AC2DA7}"/>
+                <a16:creationId xmlns:a16="http://schemas.microsoft.com/office/drawing/2014/main" id="{DF7DDD33-9412-2802-339A-E55446AC2DA7}"/>
               </a:ext>
             </a:extLst>
           </p:cNvPr>
@@ -8384,7 +8356,7 @@
           <p:cNvPr id="12" name="TextBox 11">
             <a:extLst>
               <a:ext uri="{FF2B5EF4-FFF2-40B4-BE49-F238E27FC236}">
-                <a16:creationId xmlns="" xmlns:a16="http://schemas.microsoft.com/office/drawing/2014/main" id="{52176D31-35F7-8916-46FA-6095EFEC1E49}"/>
+                <a16:creationId xmlns:a16="http://schemas.microsoft.com/office/drawing/2014/main" id="{52176D31-35F7-8916-46FA-6095EFEC1E49}"/>
               </a:ext>
             </a:extLst>
           </p:cNvPr>
@@ -8428,7 +8400,7 @@
           <p:cNvPr id="13" name="TextBox 12">
             <a:extLst>
               <a:ext uri="{FF2B5EF4-FFF2-40B4-BE49-F238E27FC236}">
-                <a16:creationId xmlns="" xmlns:a16="http://schemas.microsoft.com/office/drawing/2014/main" id="{52176D31-35F7-8916-46FA-6095EFEC1E49}"/>
+                <a16:creationId xmlns:a16="http://schemas.microsoft.com/office/drawing/2014/main" id="{52176D31-35F7-8916-46FA-6095EFEC1E49}"/>
               </a:ext>
             </a:extLst>
           </p:cNvPr>
@@ -8472,7 +8444,7 @@
           <p:cNvPr id="14" name="직선 화살표 연결선 13">
             <a:extLst>
               <a:ext uri="{FF2B5EF4-FFF2-40B4-BE49-F238E27FC236}">
-                <a16:creationId xmlns="" xmlns:a16="http://schemas.microsoft.com/office/drawing/2014/main" id="{299DF5EC-9DF4-5255-06AC-0A7CE4FF58C3}"/>
+                <a16:creationId xmlns:a16="http://schemas.microsoft.com/office/drawing/2014/main" id="{299DF5EC-9DF4-5255-06AC-0A7CE4FF58C3}"/>
               </a:ext>
             </a:extLst>
           </p:cNvPr>
@@ -8514,7 +8486,7 @@
           <p:cNvPr id="17" name="TextBox 16">
             <a:extLst>
               <a:ext uri="{FF2B5EF4-FFF2-40B4-BE49-F238E27FC236}">
-                <a16:creationId xmlns="" xmlns:a16="http://schemas.microsoft.com/office/drawing/2014/main" id="{A2AD056B-97A4-5BCC-4460-250160F3E171}"/>
+                <a16:creationId xmlns:a16="http://schemas.microsoft.com/office/drawing/2014/main" id="{A2AD056B-97A4-5BCC-4460-250160F3E171}"/>
               </a:ext>
             </a:extLst>
           </p:cNvPr>
@@ -8919,7 +8891,7 @@
           <p:cNvPr id="5" name="TextBox 4">
             <a:extLst>
               <a:ext uri="{FF2B5EF4-FFF2-40B4-BE49-F238E27FC236}">
-                <a16:creationId xmlns="" xmlns:a16="http://schemas.microsoft.com/office/drawing/2014/main" id="{DF7DDD33-9412-2802-339A-E55446AC2DA7}"/>
+                <a16:creationId xmlns:a16="http://schemas.microsoft.com/office/drawing/2014/main" id="{DF7DDD33-9412-2802-339A-E55446AC2DA7}"/>
               </a:ext>
             </a:extLst>
           </p:cNvPr>
@@ -9001,7 +8973,7 @@
           <p:cNvPr id="7" name="표 16">
             <a:extLst>
               <a:ext uri="{FF2B5EF4-FFF2-40B4-BE49-F238E27FC236}">
-                <a16:creationId xmlns="" xmlns:a16="http://schemas.microsoft.com/office/drawing/2014/main" id="{F03C45C7-6EB1-7871-F0F7-945F667135C4}"/>
+                <a16:creationId xmlns:a16="http://schemas.microsoft.com/office/drawing/2014/main" id="{F03C45C7-6EB1-7871-F0F7-945F667135C4}"/>
               </a:ext>
             </a:extLst>
           </p:cNvPr>
@@ -9030,14 +9002,14 @@
                 <a:gridCol w="1600200">
                   <a:extLst>
                     <a:ext uri="{9D8B030D-6E8A-4147-A177-3AD203B41FA5}">
-                      <a16:colId xmlns="" xmlns:a16="http://schemas.microsoft.com/office/drawing/2014/main" val="2433761377"/>
+                      <a16:colId xmlns:a16="http://schemas.microsoft.com/office/drawing/2014/main" val="2433761377"/>
                     </a:ext>
                   </a:extLst>
                 </a:gridCol>
                 <a:gridCol w="1828800">
                   <a:extLst>
                     <a:ext uri="{9D8B030D-6E8A-4147-A177-3AD203B41FA5}">
-                      <a16:colId xmlns="" xmlns:a16="http://schemas.microsoft.com/office/drawing/2014/main" val="926389809"/>
+                      <a16:colId xmlns:a16="http://schemas.microsoft.com/office/drawing/2014/main" val="926389809"/>
                     </a:ext>
                   </a:extLst>
                 </a:gridCol>
@@ -9179,7 +9151,7 @@
                 </a:tc>
                 <a:extLst>
                   <a:ext uri="{0D108BD9-81ED-4DB2-BD59-A6C34878D82A}">
-                    <a16:rowId xmlns="" xmlns:a16="http://schemas.microsoft.com/office/drawing/2014/main" val="2504948727"/>
+                    <a16:rowId xmlns:a16="http://schemas.microsoft.com/office/drawing/2014/main" val="2504948727"/>
                   </a:ext>
                 </a:extLst>
               </a:tr>
@@ -9308,7 +9280,7 @@
                 </a:tc>
                 <a:extLst>
                   <a:ext uri="{0D108BD9-81ED-4DB2-BD59-A6C34878D82A}">
-                    <a16:rowId xmlns="" xmlns:a16="http://schemas.microsoft.com/office/drawing/2014/main" val="3647525178"/>
+                    <a16:rowId xmlns:a16="http://schemas.microsoft.com/office/drawing/2014/main" val="3647525178"/>
                   </a:ext>
                 </a:extLst>
               </a:tr>
@@ -9421,7 +9393,7 @@
                 </a:tc>
                 <a:extLst>
                   <a:ext uri="{0D108BD9-81ED-4DB2-BD59-A6C34878D82A}">
-                    <a16:rowId xmlns="" xmlns:a16="http://schemas.microsoft.com/office/drawing/2014/main" val="2672623231"/>
+                    <a16:rowId xmlns:a16="http://schemas.microsoft.com/office/drawing/2014/main" val="2672623231"/>
                   </a:ext>
                 </a:extLst>
               </a:tr>
@@ -9534,7 +9506,7 @@
                 </a:tc>
                 <a:extLst>
                   <a:ext uri="{0D108BD9-81ED-4DB2-BD59-A6C34878D82A}">
-                    <a16:rowId xmlns="" xmlns:a16="http://schemas.microsoft.com/office/drawing/2014/main" val="2996999142"/>
+                    <a16:rowId xmlns:a16="http://schemas.microsoft.com/office/drawing/2014/main" val="2996999142"/>
                   </a:ext>
                 </a:extLst>
               </a:tr>
@@ -9643,7 +9615,7 @@
                 </a:tc>
                 <a:extLst>
                   <a:ext uri="{0D108BD9-81ED-4DB2-BD59-A6C34878D82A}">
-                    <a16:rowId xmlns="" xmlns:a16="http://schemas.microsoft.com/office/drawing/2014/main" val="2275222586"/>
+                    <a16:rowId xmlns:a16="http://schemas.microsoft.com/office/drawing/2014/main" val="2275222586"/>
                   </a:ext>
                 </a:extLst>
               </a:tr>
@@ -9752,7 +9724,7 @@
                 </a:tc>
                 <a:extLst>
                   <a:ext uri="{0D108BD9-81ED-4DB2-BD59-A6C34878D82A}">
-                    <a16:rowId xmlns="" xmlns:a16="http://schemas.microsoft.com/office/drawing/2014/main" val="1918467740"/>
+                    <a16:rowId xmlns:a16="http://schemas.microsoft.com/office/drawing/2014/main" val="1918467740"/>
                   </a:ext>
                 </a:extLst>
               </a:tr>
@@ -9861,7 +9833,7 @@
                 </a:tc>
                 <a:extLst>
                   <a:ext uri="{0D108BD9-81ED-4DB2-BD59-A6C34878D82A}">
-                    <a16:rowId xmlns="" xmlns:a16="http://schemas.microsoft.com/office/drawing/2014/main" val="168351104"/>
+                    <a16:rowId xmlns:a16="http://schemas.microsoft.com/office/drawing/2014/main" val="168351104"/>
                   </a:ext>
                 </a:extLst>
               </a:tr>
@@ -9986,7 +9958,7 @@
                 </a:tc>
                 <a:extLst>
                   <a:ext uri="{0D108BD9-81ED-4DB2-BD59-A6C34878D82A}">
-                    <a16:rowId xmlns="" xmlns:a16="http://schemas.microsoft.com/office/drawing/2014/main" val="1446898692"/>
+                    <a16:rowId xmlns:a16="http://schemas.microsoft.com/office/drawing/2014/main" val="1446898692"/>
                   </a:ext>
                 </a:extLst>
               </a:tr>
@@ -9999,7 +9971,7 @@
           <p:cNvPr id="8" name="그룹 1018">
             <a:extLst>
               <a:ext uri="{FF2B5EF4-FFF2-40B4-BE49-F238E27FC236}">
-                <a16:creationId xmlns="" xmlns:a16="http://schemas.microsoft.com/office/drawing/2014/main" id="{0804D430-F42E-AE32-A065-FFA8C471F092}"/>
+                <a16:creationId xmlns:a16="http://schemas.microsoft.com/office/drawing/2014/main" id="{0804D430-F42E-AE32-A065-FFA8C471F092}"/>
               </a:ext>
             </a:extLst>
           </p:cNvPr>
@@ -10019,7 +9991,7 @@
             <p:cNvPr id="9" name="Object 61">
               <a:extLst>
                 <a:ext uri="{FF2B5EF4-FFF2-40B4-BE49-F238E27FC236}">
-                  <a16:creationId xmlns="" xmlns:a16="http://schemas.microsoft.com/office/drawing/2014/main" id="{334A4C3A-641C-7CD9-8FEE-5EC92B28D640}"/>
+                  <a16:creationId xmlns:a16="http://schemas.microsoft.com/office/drawing/2014/main" id="{334A4C3A-641C-7CD9-8FEE-5EC92B28D640}"/>
                 </a:ext>
               </a:extLst>
             </p:cNvPr>
@@ -10050,7 +10022,7 @@
           <p:cNvPr id="10" name="TextBox 9">
             <a:extLst>
               <a:ext uri="{FF2B5EF4-FFF2-40B4-BE49-F238E27FC236}">
-                <a16:creationId xmlns="" xmlns:a16="http://schemas.microsoft.com/office/drawing/2014/main" id="{DF7DDD33-9412-2802-339A-E55446AC2DA7}"/>
+                <a16:creationId xmlns:a16="http://schemas.microsoft.com/office/drawing/2014/main" id="{DF7DDD33-9412-2802-339A-E55446AC2DA7}"/>
               </a:ext>
             </a:extLst>
           </p:cNvPr>
@@ -10098,7 +10070,7 @@
           <p:cNvPr id="11" name="TextBox 10">
             <a:extLst>
               <a:ext uri="{FF2B5EF4-FFF2-40B4-BE49-F238E27FC236}">
-                <a16:creationId xmlns="" xmlns:a16="http://schemas.microsoft.com/office/drawing/2014/main" id="{52176D31-35F7-8916-46FA-6095EFEC1E49}"/>
+                <a16:creationId xmlns:a16="http://schemas.microsoft.com/office/drawing/2014/main" id="{52176D31-35F7-8916-46FA-6095EFEC1E49}"/>
               </a:ext>
             </a:extLst>
           </p:cNvPr>
@@ -10142,7 +10114,7 @@
           <p:cNvPr id="12" name="TextBox 11">
             <a:extLst>
               <a:ext uri="{FF2B5EF4-FFF2-40B4-BE49-F238E27FC236}">
-                <a16:creationId xmlns="" xmlns:a16="http://schemas.microsoft.com/office/drawing/2014/main" id="{52176D31-35F7-8916-46FA-6095EFEC1E49}"/>
+                <a16:creationId xmlns:a16="http://schemas.microsoft.com/office/drawing/2014/main" id="{52176D31-35F7-8916-46FA-6095EFEC1E49}"/>
               </a:ext>
             </a:extLst>
           </p:cNvPr>
@@ -10186,7 +10158,7 @@
           <p:cNvPr id="13" name="직선 화살표 연결선 12">
             <a:extLst>
               <a:ext uri="{FF2B5EF4-FFF2-40B4-BE49-F238E27FC236}">
-                <a16:creationId xmlns="" xmlns:a16="http://schemas.microsoft.com/office/drawing/2014/main" id="{299DF5EC-9DF4-5255-06AC-0A7CE4FF58C3}"/>
+                <a16:creationId xmlns:a16="http://schemas.microsoft.com/office/drawing/2014/main" id="{299DF5EC-9DF4-5255-06AC-0A7CE4FF58C3}"/>
               </a:ext>
             </a:extLst>
           </p:cNvPr>
@@ -10228,7 +10200,7 @@
           <p:cNvPr id="18" name="표 16">
             <a:extLst>
               <a:ext uri="{FF2B5EF4-FFF2-40B4-BE49-F238E27FC236}">
-                <a16:creationId xmlns="" xmlns:a16="http://schemas.microsoft.com/office/drawing/2014/main" id="{F03C45C7-6EB1-7871-F0F7-945F667135C4}"/>
+                <a16:creationId xmlns:a16="http://schemas.microsoft.com/office/drawing/2014/main" id="{F03C45C7-6EB1-7871-F0F7-945F667135C4}"/>
               </a:ext>
             </a:extLst>
           </p:cNvPr>
@@ -10257,14 +10229,14 @@
                 <a:gridCol w="1600200">
                   <a:extLst>
                     <a:ext uri="{9D8B030D-6E8A-4147-A177-3AD203B41FA5}">
-                      <a16:colId xmlns="" xmlns:a16="http://schemas.microsoft.com/office/drawing/2014/main" val="2433761377"/>
+                      <a16:colId xmlns:a16="http://schemas.microsoft.com/office/drawing/2014/main" val="2433761377"/>
                     </a:ext>
                   </a:extLst>
                 </a:gridCol>
                 <a:gridCol w="1828800">
                   <a:extLst>
                     <a:ext uri="{9D8B030D-6E8A-4147-A177-3AD203B41FA5}">
-                      <a16:colId xmlns="" xmlns:a16="http://schemas.microsoft.com/office/drawing/2014/main" val="926389809"/>
+                      <a16:colId xmlns:a16="http://schemas.microsoft.com/office/drawing/2014/main" val="926389809"/>
                     </a:ext>
                   </a:extLst>
                 </a:gridCol>
@@ -10406,7 +10378,7 @@
                 </a:tc>
                 <a:extLst>
                   <a:ext uri="{0D108BD9-81ED-4DB2-BD59-A6C34878D82A}">
-                    <a16:rowId xmlns="" xmlns:a16="http://schemas.microsoft.com/office/drawing/2014/main" val="2504948727"/>
+                    <a16:rowId xmlns:a16="http://schemas.microsoft.com/office/drawing/2014/main" val="2504948727"/>
                   </a:ext>
                 </a:extLst>
               </a:tr>
@@ -10535,7 +10507,7 @@
                 </a:tc>
                 <a:extLst>
                   <a:ext uri="{0D108BD9-81ED-4DB2-BD59-A6C34878D82A}">
-                    <a16:rowId xmlns="" xmlns:a16="http://schemas.microsoft.com/office/drawing/2014/main" val="3647525178"/>
+                    <a16:rowId xmlns:a16="http://schemas.microsoft.com/office/drawing/2014/main" val="3647525178"/>
                   </a:ext>
                 </a:extLst>
               </a:tr>
@@ -10648,7 +10620,7 @@
                 </a:tc>
                 <a:extLst>
                   <a:ext uri="{0D108BD9-81ED-4DB2-BD59-A6C34878D82A}">
-                    <a16:rowId xmlns="" xmlns:a16="http://schemas.microsoft.com/office/drawing/2014/main" val="2672623231"/>
+                    <a16:rowId xmlns:a16="http://schemas.microsoft.com/office/drawing/2014/main" val="2672623231"/>
                   </a:ext>
                 </a:extLst>
               </a:tr>
@@ -10761,7 +10733,7 @@
                 </a:tc>
                 <a:extLst>
                   <a:ext uri="{0D108BD9-81ED-4DB2-BD59-A6C34878D82A}">
-                    <a16:rowId xmlns="" xmlns:a16="http://schemas.microsoft.com/office/drawing/2014/main" val="2996999142"/>
+                    <a16:rowId xmlns:a16="http://schemas.microsoft.com/office/drawing/2014/main" val="2996999142"/>
                   </a:ext>
                 </a:extLst>
               </a:tr>
@@ -10870,7 +10842,7 @@
                 </a:tc>
                 <a:extLst>
                   <a:ext uri="{0D108BD9-81ED-4DB2-BD59-A6C34878D82A}">
-                    <a16:rowId xmlns="" xmlns:a16="http://schemas.microsoft.com/office/drawing/2014/main" val="2275222586"/>
+                    <a16:rowId xmlns:a16="http://schemas.microsoft.com/office/drawing/2014/main" val="2275222586"/>
                   </a:ext>
                 </a:extLst>
               </a:tr>
@@ -10979,7 +10951,7 @@
                 </a:tc>
                 <a:extLst>
                   <a:ext uri="{0D108BD9-81ED-4DB2-BD59-A6C34878D82A}">
-                    <a16:rowId xmlns="" xmlns:a16="http://schemas.microsoft.com/office/drawing/2014/main" val="1918467740"/>
+                    <a16:rowId xmlns:a16="http://schemas.microsoft.com/office/drawing/2014/main" val="1918467740"/>
                   </a:ext>
                 </a:extLst>
               </a:tr>
@@ -11088,7 +11060,7 @@
                 </a:tc>
                 <a:extLst>
                   <a:ext uri="{0D108BD9-81ED-4DB2-BD59-A6C34878D82A}">
-                    <a16:rowId xmlns="" xmlns:a16="http://schemas.microsoft.com/office/drawing/2014/main" val="168351104"/>
+                    <a16:rowId xmlns:a16="http://schemas.microsoft.com/office/drawing/2014/main" val="168351104"/>
                   </a:ext>
                 </a:extLst>
               </a:tr>
@@ -11213,7 +11185,7 @@
                 </a:tc>
                 <a:extLst>
                   <a:ext uri="{0D108BD9-81ED-4DB2-BD59-A6C34878D82A}">
-                    <a16:rowId xmlns="" xmlns:a16="http://schemas.microsoft.com/office/drawing/2014/main" val="1446898692"/>
+                    <a16:rowId xmlns:a16="http://schemas.microsoft.com/office/drawing/2014/main" val="1446898692"/>
                   </a:ext>
                 </a:extLst>
               </a:tr>
@@ -11226,7 +11198,7 @@
           <p:cNvPr id="19" name="그룹 1018">
             <a:extLst>
               <a:ext uri="{FF2B5EF4-FFF2-40B4-BE49-F238E27FC236}">
-                <a16:creationId xmlns="" xmlns:a16="http://schemas.microsoft.com/office/drawing/2014/main" id="{0804D430-F42E-AE32-A065-FFA8C471F092}"/>
+                <a16:creationId xmlns:a16="http://schemas.microsoft.com/office/drawing/2014/main" id="{0804D430-F42E-AE32-A065-FFA8C471F092}"/>
               </a:ext>
             </a:extLst>
           </p:cNvPr>
@@ -11246,7 +11218,7 @@
             <p:cNvPr id="20" name="Object 61">
               <a:extLst>
                 <a:ext uri="{FF2B5EF4-FFF2-40B4-BE49-F238E27FC236}">
-                  <a16:creationId xmlns="" xmlns:a16="http://schemas.microsoft.com/office/drawing/2014/main" id="{334A4C3A-641C-7CD9-8FEE-5EC92B28D640}"/>
+                  <a16:creationId xmlns:a16="http://schemas.microsoft.com/office/drawing/2014/main" id="{334A4C3A-641C-7CD9-8FEE-5EC92B28D640}"/>
                 </a:ext>
               </a:extLst>
             </p:cNvPr>
@@ -11277,7 +11249,7 @@
           <p:cNvPr id="21" name="TextBox 20">
             <a:extLst>
               <a:ext uri="{FF2B5EF4-FFF2-40B4-BE49-F238E27FC236}">
-                <a16:creationId xmlns="" xmlns:a16="http://schemas.microsoft.com/office/drawing/2014/main" id="{DF7DDD33-9412-2802-339A-E55446AC2DA7}"/>
+                <a16:creationId xmlns:a16="http://schemas.microsoft.com/office/drawing/2014/main" id="{DF7DDD33-9412-2802-339A-E55446AC2DA7}"/>
               </a:ext>
             </a:extLst>
           </p:cNvPr>
@@ -11325,7 +11297,7 @@
           <p:cNvPr id="22" name="TextBox 21">
             <a:extLst>
               <a:ext uri="{FF2B5EF4-FFF2-40B4-BE49-F238E27FC236}">
-                <a16:creationId xmlns="" xmlns:a16="http://schemas.microsoft.com/office/drawing/2014/main" id="{52176D31-35F7-8916-46FA-6095EFEC1E49}"/>
+                <a16:creationId xmlns:a16="http://schemas.microsoft.com/office/drawing/2014/main" id="{52176D31-35F7-8916-46FA-6095EFEC1E49}"/>
               </a:ext>
             </a:extLst>
           </p:cNvPr>
@@ -11379,7 +11351,7 @@
           <p:cNvPr id="23" name="TextBox 22">
             <a:extLst>
               <a:ext uri="{FF2B5EF4-FFF2-40B4-BE49-F238E27FC236}">
-                <a16:creationId xmlns="" xmlns:a16="http://schemas.microsoft.com/office/drawing/2014/main" id="{52176D31-35F7-8916-46FA-6095EFEC1E49}"/>
+                <a16:creationId xmlns:a16="http://schemas.microsoft.com/office/drawing/2014/main" id="{52176D31-35F7-8916-46FA-6095EFEC1E49}"/>
               </a:ext>
             </a:extLst>
           </p:cNvPr>
@@ -11433,7 +11405,7 @@
           <p:cNvPr id="24" name="직선 화살표 연결선 23">
             <a:extLst>
               <a:ext uri="{FF2B5EF4-FFF2-40B4-BE49-F238E27FC236}">
-                <a16:creationId xmlns="" xmlns:a16="http://schemas.microsoft.com/office/drawing/2014/main" id="{299DF5EC-9DF4-5255-06AC-0A7CE4FF58C3}"/>
+                <a16:creationId xmlns:a16="http://schemas.microsoft.com/office/drawing/2014/main" id="{299DF5EC-9DF4-5255-06AC-0A7CE4FF58C3}"/>
               </a:ext>
             </a:extLst>
           </p:cNvPr>
@@ -11480,13 +11452,6 @@
   <p:clrMapOvr>
     <a:masterClrMapping/>
   </p:clrMapOvr>
-  <p:timing>
-    <p:tnLst>
-      <p:par>
-        <p:cTn id="1" dur="indefinite" restart="never" nodeType="tmRoot"/>
-      </p:par>
-    </p:tnLst>
-  </p:timing>
 </p:sld>
 </file>
 
@@ -11512,7 +11477,7 @@
           <p:cNvPr id="4" name="TextBox 3">
             <a:extLst>
               <a:ext uri="{FF2B5EF4-FFF2-40B4-BE49-F238E27FC236}">
-                <a16:creationId xmlns="" xmlns:a16="http://schemas.microsoft.com/office/drawing/2014/main" id="{DF7DDD33-9412-2802-339A-E55446AC2DA7}"/>
+                <a16:creationId xmlns:a16="http://schemas.microsoft.com/office/drawing/2014/main" id="{DF7DDD33-9412-2802-339A-E55446AC2DA7}"/>
               </a:ext>
             </a:extLst>
           </p:cNvPr>
@@ -11570,7 +11535,7 @@
           <p:cNvPr id="6" name="표 16">
             <a:extLst>
               <a:ext uri="{FF2B5EF4-FFF2-40B4-BE49-F238E27FC236}">
-                <a16:creationId xmlns="" xmlns:a16="http://schemas.microsoft.com/office/drawing/2014/main" id="{F03C45C7-6EB1-7871-F0F7-945F667135C4}"/>
+                <a16:creationId xmlns:a16="http://schemas.microsoft.com/office/drawing/2014/main" id="{F03C45C7-6EB1-7871-F0F7-945F667135C4}"/>
               </a:ext>
             </a:extLst>
           </p:cNvPr>
@@ -11599,14 +11564,14 @@
                 <a:gridCol w="1600200">
                   <a:extLst>
                     <a:ext uri="{9D8B030D-6E8A-4147-A177-3AD203B41FA5}">
-                      <a16:colId xmlns="" xmlns:a16="http://schemas.microsoft.com/office/drawing/2014/main" val="2433761377"/>
+                      <a16:colId xmlns:a16="http://schemas.microsoft.com/office/drawing/2014/main" val="2433761377"/>
                     </a:ext>
                   </a:extLst>
                 </a:gridCol>
                 <a:gridCol w="1828800">
                   <a:extLst>
                     <a:ext uri="{9D8B030D-6E8A-4147-A177-3AD203B41FA5}">
-                      <a16:colId xmlns="" xmlns:a16="http://schemas.microsoft.com/office/drawing/2014/main" val="926389809"/>
+                      <a16:colId xmlns:a16="http://schemas.microsoft.com/office/drawing/2014/main" val="926389809"/>
                     </a:ext>
                   </a:extLst>
                 </a:gridCol>
@@ -11748,7 +11713,7 @@
                 </a:tc>
                 <a:extLst>
                   <a:ext uri="{0D108BD9-81ED-4DB2-BD59-A6C34878D82A}">
-                    <a16:rowId xmlns="" xmlns:a16="http://schemas.microsoft.com/office/drawing/2014/main" val="2504948727"/>
+                    <a16:rowId xmlns:a16="http://schemas.microsoft.com/office/drawing/2014/main" val="2504948727"/>
                   </a:ext>
                 </a:extLst>
               </a:tr>
@@ -11877,7 +11842,7 @@
                 </a:tc>
                 <a:extLst>
                   <a:ext uri="{0D108BD9-81ED-4DB2-BD59-A6C34878D82A}">
-                    <a16:rowId xmlns="" xmlns:a16="http://schemas.microsoft.com/office/drawing/2014/main" val="3647525178"/>
+                    <a16:rowId xmlns:a16="http://schemas.microsoft.com/office/drawing/2014/main" val="3647525178"/>
                   </a:ext>
                 </a:extLst>
               </a:tr>
@@ -11990,7 +11955,7 @@
                 </a:tc>
                 <a:extLst>
                   <a:ext uri="{0D108BD9-81ED-4DB2-BD59-A6C34878D82A}">
-                    <a16:rowId xmlns="" xmlns:a16="http://schemas.microsoft.com/office/drawing/2014/main" val="2672623231"/>
+                    <a16:rowId xmlns:a16="http://schemas.microsoft.com/office/drawing/2014/main" val="2672623231"/>
                   </a:ext>
                 </a:extLst>
               </a:tr>
@@ -12103,7 +12068,7 @@
                 </a:tc>
                 <a:extLst>
                   <a:ext uri="{0D108BD9-81ED-4DB2-BD59-A6C34878D82A}">
-                    <a16:rowId xmlns="" xmlns:a16="http://schemas.microsoft.com/office/drawing/2014/main" val="2996999142"/>
+                    <a16:rowId xmlns:a16="http://schemas.microsoft.com/office/drawing/2014/main" val="2996999142"/>
                   </a:ext>
                 </a:extLst>
               </a:tr>
@@ -12212,7 +12177,7 @@
                 </a:tc>
                 <a:extLst>
                   <a:ext uri="{0D108BD9-81ED-4DB2-BD59-A6C34878D82A}">
-                    <a16:rowId xmlns="" xmlns:a16="http://schemas.microsoft.com/office/drawing/2014/main" val="2275222586"/>
+                    <a16:rowId xmlns:a16="http://schemas.microsoft.com/office/drawing/2014/main" val="2275222586"/>
                   </a:ext>
                 </a:extLst>
               </a:tr>
@@ -12321,7 +12286,7 @@
                 </a:tc>
                 <a:extLst>
                   <a:ext uri="{0D108BD9-81ED-4DB2-BD59-A6C34878D82A}">
-                    <a16:rowId xmlns="" xmlns:a16="http://schemas.microsoft.com/office/drawing/2014/main" val="1918467740"/>
+                    <a16:rowId xmlns:a16="http://schemas.microsoft.com/office/drawing/2014/main" val="1918467740"/>
                   </a:ext>
                 </a:extLst>
               </a:tr>
@@ -12430,7 +12395,7 @@
                 </a:tc>
                 <a:extLst>
                   <a:ext uri="{0D108BD9-81ED-4DB2-BD59-A6C34878D82A}">
-                    <a16:rowId xmlns="" xmlns:a16="http://schemas.microsoft.com/office/drawing/2014/main" val="168351104"/>
+                    <a16:rowId xmlns:a16="http://schemas.microsoft.com/office/drawing/2014/main" val="168351104"/>
                   </a:ext>
                 </a:extLst>
               </a:tr>
@@ -12555,7 +12520,7 @@
                 </a:tc>
                 <a:extLst>
                   <a:ext uri="{0D108BD9-81ED-4DB2-BD59-A6C34878D82A}">
-                    <a16:rowId xmlns="" xmlns:a16="http://schemas.microsoft.com/office/drawing/2014/main" val="1446898692"/>
+                    <a16:rowId xmlns:a16="http://schemas.microsoft.com/office/drawing/2014/main" val="1446898692"/>
                   </a:ext>
                 </a:extLst>
               </a:tr>
@@ -12568,7 +12533,7 @@
           <p:cNvPr id="7" name="그룹 1018">
             <a:extLst>
               <a:ext uri="{FF2B5EF4-FFF2-40B4-BE49-F238E27FC236}">
-                <a16:creationId xmlns="" xmlns:a16="http://schemas.microsoft.com/office/drawing/2014/main" id="{0804D430-F42E-AE32-A065-FFA8C471F092}"/>
+                <a16:creationId xmlns:a16="http://schemas.microsoft.com/office/drawing/2014/main" id="{0804D430-F42E-AE32-A065-FFA8C471F092}"/>
               </a:ext>
             </a:extLst>
           </p:cNvPr>
@@ -12588,7 +12553,7 @@
             <p:cNvPr id="8" name="Object 61">
               <a:extLst>
                 <a:ext uri="{FF2B5EF4-FFF2-40B4-BE49-F238E27FC236}">
-                  <a16:creationId xmlns="" xmlns:a16="http://schemas.microsoft.com/office/drawing/2014/main" id="{334A4C3A-641C-7CD9-8FEE-5EC92B28D640}"/>
+                  <a16:creationId xmlns:a16="http://schemas.microsoft.com/office/drawing/2014/main" id="{334A4C3A-641C-7CD9-8FEE-5EC92B28D640}"/>
                 </a:ext>
               </a:extLst>
             </p:cNvPr>
@@ -12619,7 +12584,7 @@
           <p:cNvPr id="9" name="TextBox 8">
             <a:extLst>
               <a:ext uri="{FF2B5EF4-FFF2-40B4-BE49-F238E27FC236}">
-                <a16:creationId xmlns="" xmlns:a16="http://schemas.microsoft.com/office/drawing/2014/main" id="{DF7DDD33-9412-2802-339A-E55446AC2DA7}"/>
+                <a16:creationId xmlns:a16="http://schemas.microsoft.com/office/drawing/2014/main" id="{DF7DDD33-9412-2802-339A-E55446AC2DA7}"/>
               </a:ext>
             </a:extLst>
           </p:cNvPr>
@@ -12667,7 +12632,7 @@
           <p:cNvPr id="10" name="TextBox 9">
             <a:extLst>
               <a:ext uri="{FF2B5EF4-FFF2-40B4-BE49-F238E27FC236}">
-                <a16:creationId xmlns="" xmlns:a16="http://schemas.microsoft.com/office/drawing/2014/main" id="{52176D31-35F7-8916-46FA-6095EFEC1E49}"/>
+                <a16:creationId xmlns:a16="http://schemas.microsoft.com/office/drawing/2014/main" id="{52176D31-35F7-8916-46FA-6095EFEC1E49}"/>
               </a:ext>
             </a:extLst>
           </p:cNvPr>
@@ -12711,7 +12676,7 @@
           <p:cNvPr id="11" name="TextBox 10">
             <a:extLst>
               <a:ext uri="{FF2B5EF4-FFF2-40B4-BE49-F238E27FC236}">
-                <a16:creationId xmlns="" xmlns:a16="http://schemas.microsoft.com/office/drawing/2014/main" id="{52176D31-35F7-8916-46FA-6095EFEC1E49}"/>
+                <a16:creationId xmlns:a16="http://schemas.microsoft.com/office/drawing/2014/main" id="{52176D31-35F7-8916-46FA-6095EFEC1E49}"/>
               </a:ext>
             </a:extLst>
           </p:cNvPr>
@@ -12755,7 +12720,7 @@
           <p:cNvPr id="12" name="직선 화살표 연결선 11">
             <a:extLst>
               <a:ext uri="{FF2B5EF4-FFF2-40B4-BE49-F238E27FC236}">
-                <a16:creationId xmlns="" xmlns:a16="http://schemas.microsoft.com/office/drawing/2014/main" id="{299DF5EC-9DF4-5255-06AC-0A7CE4FF58C3}"/>
+                <a16:creationId xmlns:a16="http://schemas.microsoft.com/office/drawing/2014/main" id="{299DF5EC-9DF4-5255-06AC-0A7CE4FF58C3}"/>
               </a:ext>
             </a:extLst>
           </p:cNvPr>
@@ -12797,7 +12762,7 @@
           <p:cNvPr id="13" name="표 16">
             <a:extLst>
               <a:ext uri="{FF2B5EF4-FFF2-40B4-BE49-F238E27FC236}">
-                <a16:creationId xmlns="" xmlns:a16="http://schemas.microsoft.com/office/drawing/2014/main" id="{F03C45C7-6EB1-7871-F0F7-945F667135C4}"/>
+                <a16:creationId xmlns:a16="http://schemas.microsoft.com/office/drawing/2014/main" id="{F03C45C7-6EB1-7871-F0F7-945F667135C4}"/>
               </a:ext>
             </a:extLst>
           </p:cNvPr>
@@ -12826,14 +12791,14 @@
                 <a:gridCol w="1600200">
                   <a:extLst>
                     <a:ext uri="{9D8B030D-6E8A-4147-A177-3AD203B41FA5}">
-                      <a16:colId xmlns="" xmlns:a16="http://schemas.microsoft.com/office/drawing/2014/main" val="2433761377"/>
+                      <a16:colId xmlns:a16="http://schemas.microsoft.com/office/drawing/2014/main" val="2433761377"/>
                     </a:ext>
                   </a:extLst>
                 </a:gridCol>
                 <a:gridCol w="1828800">
                   <a:extLst>
                     <a:ext uri="{9D8B030D-6E8A-4147-A177-3AD203B41FA5}">
-                      <a16:colId xmlns="" xmlns:a16="http://schemas.microsoft.com/office/drawing/2014/main" val="926389809"/>
+                      <a16:colId xmlns:a16="http://schemas.microsoft.com/office/drawing/2014/main" val="926389809"/>
                     </a:ext>
                   </a:extLst>
                 </a:gridCol>
@@ -12975,7 +12940,7 @@
                 </a:tc>
                 <a:extLst>
                   <a:ext uri="{0D108BD9-81ED-4DB2-BD59-A6C34878D82A}">
-                    <a16:rowId xmlns="" xmlns:a16="http://schemas.microsoft.com/office/drawing/2014/main" val="2504948727"/>
+                    <a16:rowId xmlns:a16="http://schemas.microsoft.com/office/drawing/2014/main" val="2504948727"/>
                   </a:ext>
                 </a:extLst>
               </a:tr>
@@ -13104,7 +13069,7 @@
                 </a:tc>
                 <a:extLst>
                   <a:ext uri="{0D108BD9-81ED-4DB2-BD59-A6C34878D82A}">
-                    <a16:rowId xmlns="" xmlns:a16="http://schemas.microsoft.com/office/drawing/2014/main" val="3647525178"/>
+                    <a16:rowId xmlns:a16="http://schemas.microsoft.com/office/drawing/2014/main" val="3647525178"/>
                   </a:ext>
                 </a:extLst>
               </a:tr>
@@ -13217,7 +13182,7 @@
                 </a:tc>
                 <a:extLst>
                   <a:ext uri="{0D108BD9-81ED-4DB2-BD59-A6C34878D82A}">
-                    <a16:rowId xmlns="" xmlns:a16="http://schemas.microsoft.com/office/drawing/2014/main" val="2672623231"/>
+                    <a16:rowId xmlns:a16="http://schemas.microsoft.com/office/drawing/2014/main" val="2672623231"/>
                   </a:ext>
                 </a:extLst>
               </a:tr>
@@ -13330,7 +13295,7 @@
                 </a:tc>
                 <a:extLst>
                   <a:ext uri="{0D108BD9-81ED-4DB2-BD59-A6C34878D82A}">
-                    <a16:rowId xmlns="" xmlns:a16="http://schemas.microsoft.com/office/drawing/2014/main" val="2996999142"/>
+                    <a16:rowId xmlns:a16="http://schemas.microsoft.com/office/drawing/2014/main" val="2996999142"/>
                   </a:ext>
                 </a:extLst>
               </a:tr>
@@ -13439,7 +13404,7 @@
                 </a:tc>
                 <a:extLst>
                   <a:ext uri="{0D108BD9-81ED-4DB2-BD59-A6C34878D82A}">
-                    <a16:rowId xmlns="" xmlns:a16="http://schemas.microsoft.com/office/drawing/2014/main" val="2275222586"/>
+                    <a16:rowId xmlns:a16="http://schemas.microsoft.com/office/drawing/2014/main" val="2275222586"/>
                   </a:ext>
                 </a:extLst>
               </a:tr>
@@ -13548,7 +13513,7 @@
                 </a:tc>
                 <a:extLst>
                   <a:ext uri="{0D108BD9-81ED-4DB2-BD59-A6C34878D82A}">
-                    <a16:rowId xmlns="" xmlns:a16="http://schemas.microsoft.com/office/drawing/2014/main" val="1918467740"/>
+                    <a16:rowId xmlns:a16="http://schemas.microsoft.com/office/drawing/2014/main" val="1918467740"/>
                   </a:ext>
                 </a:extLst>
               </a:tr>
@@ -13657,7 +13622,7 @@
                 </a:tc>
                 <a:extLst>
                   <a:ext uri="{0D108BD9-81ED-4DB2-BD59-A6C34878D82A}">
-                    <a16:rowId xmlns="" xmlns:a16="http://schemas.microsoft.com/office/drawing/2014/main" val="168351104"/>
+                    <a16:rowId xmlns:a16="http://schemas.microsoft.com/office/drawing/2014/main" val="168351104"/>
                   </a:ext>
                 </a:extLst>
               </a:tr>
@@ -13782,7 +13747,7 @@
                 </a:tc>
                 <a:extLst>
                   <a:ext uri="{0D108BD9-81ED-4DB2-BD59-A6C34878D82A}">
-                    <a16:rowId xmlns="" xmlns:a16="http://schemas.microsoft.com/office/drawing/2014/main" val="1446898692"/>
+                    <a16:rowId xmlns:a16="http://schemas.microsoft.com/office/drawing/2014/main" val="1446898692"/>
                   </a:ext>
                 </a:extLst>
               </a:tr>
@@ -13795,7 +13760,7 @@
           <p:cNvPr id="14" name="그룹 1018">
             <a:extLst>
               <a:ext uri="{FF2B5EF4-FFF2-40B4-BE49-F238E27FC236}">
-                <a16:creationId xmlns="" xmlns:a16="http://schemas.microsoft.com/office/drawing/2014/main" id="{0804D430-F42E-AE32-A065-FFA8C471F092}"/>
+                <a16:creationId xmlns:a16="http://schemas.microsoft.com/office/drawing/2014/main" id="{0804D430-F42E-AE32-A065-FFA8C471F092}"/>
               </a:ext>
             </a:extLst>
           </p:cNvPr>
@@ -13815,7 +13780,7 @@
             <p:cNvPr id="15" name="Object 61">
               <a:extLst>
                 <a:ext uri="{FF2B5EF4-FFF2-40B4-BE49-F238E27FC236}">
-                  <a16:creationId xmlns="" xmlns:a16="http://schemas.microsoft.com/office/drawing/2014/main" id="{334A4C3A-641C-7CD9-8FEE-5EC92B28D640}"/>
+                  <a16:creationId xmlns:a16="http://schemas.microsoft.com/office/drawing/2014/main" id="{334A4C3A-641C-7CD9-8FEE-5EC92B28D640}"/>
                 </a:ext>
               </a:extLst>
             </p:cNvPr>
@@ -13846,7 +13811,7 @@
           <p:cNvPr id="16" name="TextBox 15">
             <a:extLst>
               <a:ext uri="{FF2B5EF4-FFF2-40B4-BE49-F238E27FC236}">
-                <a16:creationId xmlns="" xmlns:a16="http://schemas.microsoft.com/office/drawing/2014/main" id="{DF7DDD33-9412-2802-339A-E55446AC2DA7}"/>
+                <a16:creationId xmlns:a16="http://schemas.microsoft.com/office/drawing/2014/main" id="{DF7DDD33-9412-2802-339A-E55446AC2DA7}"/>
               </a:ext>
             </a:extLst>
           </p:cNvPr>
@@ -13894,7 +13859,7 @@
           <p:cNvPr id="17" name="TextBox 16">
             <a:extLst>
               <a:ext uri="{FF2B5EF4-FFF2-40B4-BE49-F238E27FC236}">
-                <a16:creationId xmlns="" xmlns:a16="http://schemas.microsoft.com/office/drawing/2014/main" id="{52176D31-35F7-8916-46FA-6095EFEC1E49}"/>
+                <a16:creationId xmlns:a16="http://schemas.microsoft.com/office/drawing/2014/main" id="{52176D31-35F7-8916-46FA-6095EFEC1E49}"/>
               </a:ext>
             </a:extLst>
           </p:cNvPr>
@@ -13948,7 +13913,7 @@
           <p:cNvPr id="18" name="TextBox 17">
             <a:extLst>
               <a:ext uri="{FF2B5EF4-FFF2-40B4-BE49-F238E27FC236}">
-                <a16:creationId xmlns="" xmlns:a16="http://schemas.microsoft.com/office/drawing/2014/main" id="{52176D31-35F7-8916-46FA-6095EFEC1E49}"/>
+                <a16:creationId xmlns:a16="http://schemas.microsoft.com/office/drawing/2014/main" id="{52176D31-35F7-8916-46FA-6095EFEC1E49}"/>
               </a:ext>
             </a:extLst>
           </p:cNvPr>
@@ -14002,7 +13967,7 @@
           <p:cNvPr id="19" name="직선 화살표 연결선 18">
             <a:extLst>
               <a:ext uri="{FF2B5EF4-FFF2-40B4-BE49-F238E27FC236}">
-                <a16:creationId xmlns="" xmlns:a16="http://schemas.microsoft.com/office/drawing/2014/main" id="{299DF5EC-9DF4-5255-06AC-0A7CE4FF58C3}"/>
+                <a16:creationId xmlns:a16="http://schemas.microsoft.com/office/drawing/2014/main" id="{299DF5EC-9DF4-5255-06AC-0A7CE4FF58C3}"/>
               </a:ext>
             </a:extLst>
           </p:cNvPr>
@@ -14068,7 +14033,7 @@
           <p:cNvPr id="21" name="직사각형 20">
             <a:extLst>
               <a:ext uri="{FF2B5EF4-FFF2-40B4-BE49-F238E27FC236}">
-                <a16:creationId xmlns="" xmlns:a16="http://schemas.microsoft.com/office/drawing/2014/main" id="{FFF506F9-840A-0508-4CAF-3AC711D8D5CE}"/>
+                <a16:creationId xmlns:a16="http://schemas.microsoft.com/office/drawing/2014/main" id="{FFF506F9-840A-0508-4CAF-3AC711D8D5CE}"/>
               </a:ext>
             </a:extLst>
           </p:cNvPr>
@@ -14302,7 +14267,7 @@
           <p:cNvPr id="4" name="TextBox 3">
             <a:extLst>
               <a:ext uri="{FF2B5EF4-FFF2-40B4-BE49-F238E27FC236}">
-                <a16:creationId xmlns="" xmlns:a16="http://schemas.microsoft.com/office/drawing/2014/main" id="{DF7DDD33-9412-2802-339A-E55446AC2DA7}"/>
+                <a16:creationId xmlns:a16="http://schemas.microsoft.com/office/drawing/2014/main" id="{DF7DDD33-9412-2802-339A-E55446AC2DA7}"/>
               </a:ext>
             </a:extLst>
           </p:cNvPr>
@@ -14326,7 +14291,7 @@
           <a:lstStyle/>
           <a:p>
             <a:r>
-              <a:rPr lang="ko-KR" altLang="en-US" sz="4400" smtClean="0">
+              <a:rPr lang="ko-KR" altLang="en-US" sz="4400">
                 <a:solidFill>
                   <a:srgbClr val="4C50BC"/>
                 </a:solidFill>
@@ -14374,7 +14339,7 @@
           <p:cNvPr id="8" name="직선 화살표 연결선 7">
             <a:extLst>
               <a:ext uri="{FF2B5EF4-FFF2-40B4-BE49-F238E27FC236}">
-                <a16:creationId xmlns:a16="http://schemas.microsoft.com/office/drawing/2014/main" xmlns="" id="{299DF5EC-9DF4-5255-06AC-0A7CE4FF58C3}"/>
+                <a16:creationId xmlns:a16="http://schemas.microsoft.com/office/drawing/2014/main" id="{299DF5EC-9DF4-5255-06AC-0A7CE4FF58C3}"/>
               </a:ext>
             </a:extLst>
           </p:cNvPr>
@@ -14415,7 +14380,7 @@
           <p:cNvPr id="10" name="TextBox 9">
             <a:extLst>
               <a:ext uri="{FF2B5EF4-FFF2-40B4-BE49-F238E27FC236}">
-                <a16:creationId xmlns:a16="http://schemas.microsoft.com/office/drawing/2014/main" xmlns="" id="{C6D113C6-EA5C-788F-0C77-E7CE6EBB865F}"/>
+                <a16:creationId xmlns:a16="http://schemas.microsoft.com/office/drawing/2014/main" id="{C6D113C6-EA5C-788F-0C77-E7CE6EBB865F}"/>
               </a:ext>
             </a:extLst>
           </p:cNvPr>
@@ -14439,7 +14404,7 @@
           <a:lstStyle/>
           <a:p>
             <a:r>
-              <a:rPr lang="en-US" altLang="ko-KR" sz="3600" smtClean="0">
+              <a:rPr lang="en-US" altLang="ko-KR" sz="3600">
                 <a:solidFill>
                   <a:srgbClr val="FF0000"/>
                 </a:solidFill>
@@ -14449,7 +14414,7 @@
               <a:t>main</a:t>
             </a:r>
             <a:r>
-              <a:rPr lang="ko-KR" altLang="en-US" sz="3600" smtClean="0">
+              <a:rPr lang="ko-KR" altLang="en-US" sz="3600">
                 <a:solidFill>
                   <a:srgbClr val="FF0000"/>
                 </a:solidFill>
@@ -14459,7 +14424,7 @@
               <a:t>메서드에서 </a:t>
             </a:r>
             <a:r>
-              <a:rPr lang="en-US" altLang="ko-KR" sz="3600" smtClean="0">
+              <a:rPr lang="en-US" altLang="ko-KR" sz="3600">
                 <a:solidFill>
                   <a:srgbClr val="FF0000"/>
                 </a:solidFill>
@@ -14469,7 +14434,7 @@
               <a:t>Student</a:t>
             </a:r>
             <a:r>
-              <a:rPr lang="ko-KR" altLang="en-US" sz="3600" smtClean="0">
+              <a:rPr lang="ko-KR" altLang="en-US" sz="3600">
                 <a:solidFill>
                   <a:srgbClr val="FF0000"/>
                 </a:solidFill>
@@ -14479,7 +14444,7 @@
               <a:t> 클래스를 객체화 하여 사용하지 않으면 그냥 설계도인 상태 이므로 실행되지 않는다</a:t>
             </a:r>
             <a:r>
-              <a:rPr lang="en-US" altLang="ko-KR" sz="3600" smtClean="0">
+              <a:rPr lang="en-US" altLang="ko-KR" sz="3600">
                 <a:solidFill>
                   <a:srgbClr val="FF0000"/>
                 </a:solidFill>
@@ -14557,7 +14522,7 @@
           <p:cNvPr id="5" name="TextBox 4">
             <a:extLst>
               <a:ext uri="{FF2B5EF4-FFF2-40B4-BE49-F238E27FC236}">
-                <a16:creationId xmlns="" xmlns:a16="http://schemas.microsoft.com/office/drawing/2014/main" id="{37C30BAF-D498-C798-BC14-1718488A3435}"/>
+                <a16:creationId xmlns:a16="http://schemas.microsoft.com/office/drawing/2014/main" id="{37C30BAF-D498-C798-BC14-1718488A3435}"/>
               </a:ext>
             </a:extLst>
           </p:cNvPr>
@@ -14581,7 +14546,7 @@
           <a:lstStyle/>
           <a:p>
             <a:r>
-              <a:rPr lang="ko-KR" altLang="en-US" sz="4800" smtClean="0">
+              <a:rPr lang="ko-KR" altLang="en-US" sz="4800">
                 <a:solidFill>
                   <a:srgbClr val="4C50BC"/>
                 </a:solidFill>
@@ -14605,7 +14570,7 @@
           <p:cNvPr id="6" name="직선 화살표 연결선 5">
             <a:extLst>
               <a:ext uri="{FF2B5EF4-FFF2-40B4-BE49-F238E27FC236}">
-                <a16:creationId xmlns="" xmlns:a16="http://schemas.microsoft.com/office/drawing/2014/main" id="{299DF5EC-9DF4-5255-06AC-0A7CE4FF58C3}"/>
+                <a16:creationId xmlns:a16="http://schemas.microsoft.com/office/drawing/2014/main" id="{299DF5EC-9DF4-5255-06AC-0A7CE4FF58C3}"/>
               </a:ext>
             </a:extLst>
           </p:cNvPr>
@@ -14646,7 +14611,7 @@
           <p:cNvPr id="7" name="TextBox 6">
             <a:extLst>
               <a:ext uri="{FF2B5EF4-FFF2-40B4-BE49-F238E27FC236}">
-                <a16:creationId xmlns="" xmlns:a16="http://schemas.microsoft.com/office/drawing/2014/main" id="{C6D113C6-EA5C-788F-0C77-E7CE6EBB865F}"/>
+                <a16:creationId xmlns:a16="http://schemas.microsoft.com/office/drawing/2014/main" id="{C6D113C6-EA5C-788F-0C77-E7CE6EBB865F}"/>
               </a:ext>
             </a:extLst>
           </p:cNvPr>
@@ -14670,7 +14635,7 @@
           <a:lstStyle/>
           <a:p>
             <a:r>
-              <a:rPr lang="ko-KR" altLang="en-US" sz="3600" smtClean="0">
+              <a:rPr lang="ko-KR" altLang="en-US" sz="3600">
                 <a:solidFill>
                   <a:srgbClr val="FF0000"/>
                 </a:solidFill>
@@ -14680,7 +14645,7 @@
               <a:t>일반적으로 </a:t>
             </a:r>
             <a:r>
-              <a:rPr lang="en-US" altLang="ko-KR" sz="3600" smtClean="0">
+              <a:rPr lang="en-US" altLang="ko-KR" sz="3600">
                 <a:solidFill>
                   <a:srgbClr val="FF0000"/>
                 </a:solidFill>
@@ -14690,7 +14655,7 @@
               <a:t>java </a:t>
             </a:r>
             <a:r>
-              <a:rPr lang="ko-KR" altLang="en-US" sz="3600" smtClean="0">
+              <a:rPr lang="ko-KR" altLang="en-US" sz="3600">
                 <a:solidFill>
                   <a:srgbClr val="FF0000"/>
                 </a:solidFill>
@@ -14700,7 +14665,7 @@
               <a:t>파일 하나당 클래스 </a:t>
             </a:r>
             <a:r>
-              <a:rPr lang="en-US" altLang="ko-KR" sz="3600" smtClean="0">
+              <a:rPr lang="en-US" altLang="ko-KR" sz="3600">
                 <a:solidFill>
                   <a:srgbClr val="FF0000"/>
                 </a:solidFill>
@@ -14710,7 +14675,7 @@
               <a:t>1</a:t>
             </a:r>
             <a:r>
-              <a:rPr lang="ko-KR" altLang="en-US" sz="3600" smtClean="0">
+              <a:rPr lang="ko-KR" altLang="en-US" sz="3600">
                 <a:solidFill>
                   <a:srgbClr val="FF0000"/>
                 </a:solidFill>
@@ -14719,7 +14684,7 @@
               </a:rPr>
               <a:t>개</a:t>
             </a:r>
-            <a:endParaRPr lang="en-US" altLang="ko-KR" sz="3600" smtClean="0">
+            <a:endParaRPr lang="en-US" altLang="ko-KR" sz="3600">
               <a:solidFill>
                 <a:srgbClr val="FF0000"/>
               </a:solidFill>
@@ -14739,13 +14704,6 @@
   <p:clrMapOvr>
     <a:masterClrMapping/>
   </p:clrMapOvr>
-  <p:timing>
-    <p:tnLst>
-      <p:par>
-        <p:cTn id="1" dur="indefinite" restart="never" nodeType="tmRoot"/>
-      </p:par>
-    </p:tnLst>
-  </p:timing>
 </p:sld>
 </file>
 
@@ -14944,7 +14902,7 @@
           <p:cNvPr id="11" name="TextBox 10">
             <a:extLst>
               <a:ext uri="{FF2B5EF4-FFF2-40B4-BE49-F238E27FC236}">
-                <a16:creationId xmlns="" xmlns:a16="http://schemas.microsoft.com/office/drawing/2014/main" id="{9F88F580-08BE-88C2-D640-13F0026591CB}"/>
+                <a16:creationId xmlns:a16="http://schemas.microsoft.com/office/drawing/2014/main" id="{9F88F580-08BE-88C2-D640-13F0026591CB}"/>
               </a:ext>
             </a:extLst>
           </p:cNvPr>
@@ -14995,7 +14953,7 @@
           <p:cNvPr id="13" name="TextBox 12">
             <a:extLst>
               <a:ext uri="{FF2B5EF4-FFF2-40B4-BE49-F238E27FC236}">
-                <a16:creationId xmlns="" xmlns:a16="http://schemas.microsoft.com/office/drawing/2014/main" id="{72769C28-9BB6-DE9C-7B6F-264B77B8DD0E}"/>
+                <a16:creationId xmlns:a16="http://schemas.microsoft.com/office/drawing/2014/main" id="{72769C28-9BB6-DE9C-7B6F-264B77B8DD0E}"/>
               </a:ext>
             </a:extLst>
           </p:cNvPr>
@@ -15036,7 +14994,7 @@
           <p:cNvPr id="14" name="TextBox 13">
             <a:extLst>
               <a:ext uri="{FF2B5EF4-FFF2-40B4-BE49-F238E27FC236}">
-                <a16:creationId xmlns="" xmlns:a16="http://schemas.microsoft.com/office/drawing/2014/main" id="{270FBB6A-01CE-5637-78DA-58F0C974145C}"/>
+                <a16:creationId xmlns:a16="http://schemas.microsoft.com/office/drawing/2014/main" id="{270FBB6A-01CE-5637-78DA-58F0C974145C}"/>
               </a:ext>
             </a:extLst>
           </p:cNvPr>
@@ -15084,7 +15042,7 @@
           <p:cNvPr id="2" name="Object 17">
             <a:extLst>
               <a:ext uri="{FF2B5EF4-FFF2-40B4-BE49-F238E27FC236}">
-                <a16:creationId xmlns="" xmlns:a16="http://schemas.microsoft.com/office/drawing/2014/main" id="{140B283D-FE58-FA6F-6F7C-E0F1DBB62A65}"/>
+                <a16:creationId xmlns:a16="http://schemas.microsoft.com/office/drawing/2014/main" id="{140B283D-FE58-FA6F-6F7C-E0F1DBB62A65}"/>
               </a:ext>
             </a:extLst>
           </p:cNvPr>
@@ -15114,7 +15072,7 @@
           <p:cNvPr id="4" name="TextBox 3">
             <a:extLst>
               <a:ext uri="{FF2B5EF4-FFF2-40B4-BE49-F238E27FC236}">
-                <a16:creationId xmlns="" xmlns:a16="http://schemas.microsoft.com/office/drawing/2014/main" id="{2C8D0998-79BC-6FD2-59D9-8052B4A25F65}"/>
+                <a16:creationId xmlns:a16="http://schemas.microsoft.com/office/drawing/2014/main" id="{2C8D0998-79BC-6FD2-59D9-8052B4A25F65}"/>
               </a:ext>
             </a:extLst>
           </p:cNvPr>
@@ -15155,7 +15113,7 @@
           <p:cNvPr id="5" name="Object 18">
             <a:extLst>
               <a:ext uri="{FF2B5EF4-FFF2-40B4-BE49-F238E27FC236}">
-                <a16:creationId xmlns="" xmlns:a16="http://schemas.microsoft.com/office/drawing/2014/main" id="{3F58EA3E-1018-64D3-FAB2-4F6B9618FA56}"/>
+                <a16:creationId xmlns:a16="http://schemas.microsoft.com/office/drawing/2014/main" id="{3F58EA3E-1018-64D3-FAB2-4F6B9618FA56}"/>
               </a:ext>
             </a:extLst>
           </p:cNvPr>
@@ -15185,7 +15143,7 @@
           <p:cNvPr id="8" name="TextBox 7">
             <a:extLst>
               <a:ext uri="{FF2B5EF4-FFF2-40B4-BE49-F238E27FC236}">
-                <a16:creationId xmlns="" xmlns:a16="http://schemas.microsoft.com/office/drawing/2014/main" id="{681D3F16-7DCF-41AD-F5F1-0558C78C0E4D}"/>
+                <a16:creationId xmlns:a16="http://schemas.microsoft.com/office/drawing/2014/main" id="{681D3F16-7DCF-41AD-F5F1-0558C78C0E4D}"/>
               </a:ext>
             </a:extLst>
           </p:cNvPr>
@@ -15233,13 +15191,6 @@
   <p:clrMapOvr>
     <a:masterClrMapping/>
   </p:clrMapOvr>
-  <p:timing>
-    <p:tnLst>
-      <p:par>
-        <p:cTn id="1" dur="indefinite" restart="never" nodeType="tmRoot"/>
-      </p:par>
-    </p:tnLst>
-  </p:timing>
 </p:sld>
 </file>
 
@@ -15265,7 +15216,7 @@
           <p:cNvPr id="4" name="TextBox 3">
             <a:extLst>
               <a:ext uri="{FF2B5EF4-FFF2-40B4-BE49-F238E27FC236}">
-                <a16:creationId xmlns="" xmlns:a16="http://schemas.microsoft.com/office/drawing/2014/main" id="{DF7DDD33-9412-2802-339A-E55446AC2DA7}"/>
+                <a16:creationId xmlns:a16="http://schemas.microsoft.com/office/drawing/2014/main" id="{DF7DDD33-9412-2802-339A-E55446AC2DA7}"/>
               </a:ext>
             </a:extLst>
           </p:cNvPr>
@@ -15289,24 +15240,14 @@
           <a:lstStyle/>
           <a:p>
             <a:r>
-              <a:rPr lang="ko-KR" altLang="en-US" sz="4400" smtClean="0">
+              <a:rPr lang="ko-KR" altLang="en-US" sz="4400">
                 <a:solidFill>
                   <a:srgbClr val="4C50BC"/>
                 </a:solidFill>
                 <a:latin typeface="G마켓 산스 Bold"/>
                 <a:ea typeface="G마켓 산스 Medium" panose="02000000000000000000" pitchFamily="50" charset="-127"/>
               </a:rPr>
-              <a:t>클래스 </a:t>
-            </a:r>
-            <a:r>
-              <a:rPr lang="ko-KR" altLang="en-US" sz="4400" smtClean="0">
-                <a:solidFill>
-                  <a:srgbClr val="4C50BC"/>
-                </a:solidFill>
-                <a:latin typeface="G마켓 산스 Bold"/>
-                <a:ea typeface="G마켓 산스 Medium" panose="02000000000000000000" pitchFamily="50" charset="-127"/>
-              </a:rPr>
-              <a:t>추가하기</a:t>
+              <a:t>클래스 추가하기</a:t>
             </a:r>
             <a:endParaRPr lang="ko-KR" altLang="en-US" sz="4400" dirty="0">
               <a:solidFill>
@@ -15347,7 +15288,7 @@
           <p:cNvPr id="9" name="TextBox 8">
             <a:extLst>
               <a:ext uri="{FF2B5EF4-FFF2-40B4-BE49-F238E27FC236}">
-                <a16:creationId xmlns="" xmlns:a16="http://schemas.microsoft.com/office/drawing/2014/main" id="{52176D31-35F7-8916-46FA-6095EFEC1E49}"/>
+                <a16:creationId xmlns:a16="http://schemas.microsoft.com/office/drawing/2014/main" id="{52176D31-35F7-8916-46FA-6095EFEC1E49}"/>
               </a:ext>
             </a:extLst>
           </p:cNvPr>
@@ -15371,7 +15312,7 @@
           <a:lstStyle/>
           <a:p>
             <a:r>
-              <a:rPr lang="ko-KR" altLang="en-US" sz="4000" smtClean="0">
+              <a:rPr lang="ko-KR" altLang="en-US" sz="4000">
                 <a:solidFill>
                   <a:schemeClr val="tx1">
                     <a:lumMod val="50000"/>
@@ -15384,7 +15325,7 @@
               <a:t>패키지 우클릭 </a:t>
             </a:r>
             <a:r>
-              <a:rPr lang="en-US" altLang="ko-KR" sz="4000" smtClean="0">
+              <a:rPr lang="en-US" altLang="ko-KR" sz="4000">
                 <a:solidFill>
                   <a:schemeClr val="tx1">
                     <a:lumMod val="50000"/>
@@ -15438,7 +15379,7 @@
           <p:cNvPr id="11" name="직선 화살표 연결선 10">
             <a:extLst>
               <a:ext uri="{FF2B5EF4-FFF2-40B4-BE49-F238E27FC236}">
-                <a16:creationId xmlns:a16="http://schemas.microsoft.com/office/drawing/2014/main" xmlns="" id="{299DF5EC-9DF4-5255-06AC-0A7CE4FF58C3}"/>
+                <a16:creationId xmlns:a16="http://schemas.microsoft.com/office/drawing/2014/main" id="{299DF5EC-9DF4-5255-06AC-0A7CE4FF58C3}"/>
               </a:ext>
             </a:extLst>
           </p:cNvPr>
@@ -15479,7 +15420,7 @@
           <p:cNvPr id="12" name="직사각형 11">
             <a:extLst>
               <a:ext uri="{FF2B5EF4-FFF2-40B4-BE49-F238E27FC236}">
-                <a16:creationId xmlns:a16="http://schemas.microsoft.com/office/drawing/2014/main" xmlns="" id="{FFF506F9-840A-0508-4CAF-3AC711D8D5CE}"/>
+                <a16:creationId xmlns:a16="http://schemas.microsoft.com/office/drawing/2014/main" id="{FFF506F9-840A-0508-4CAF-3AC711D8D5CE}"/>
               </a:ext>
             </a:extLst>
           </p:cNvPr>
@@ -15531,7 +15472,7 @@
           <p:cNvPr id="13" name="TextBox 12">
             <a:extLst>
               <a:ext uri="{FF2B5EF4-FFF2-40B4-BE49-F238E27FC236}">
-                <a16:creationId xmlns:a16="http://schemas.microsoft.com/office/drawing/2014/main" xmlns="" id="{C6D113C6-EA5C-788F-0C77-E7CE6EBB865F}"/>
+                <a16:creationId xmlns:a16="http://schemas.microsoft.com/office/drawing/2014/main" id="{C6D113C6-EA5C-788F-0C77-E7CE6EBB865F}"/>
               </a:ext>
             </a:extLst>
           </p:cNvPr>
@@ -15541,7 +15482,7 @@
         <p:spPr>
           <a:xfrm>
             <a:off x="5562600" y="5816254"/>
-            <a:ext cx="6400800" cy="646331"/>
+            <a:ext cx="8229600" cy="646331"/>
           </a:xfrm>
           <a:prstGeom prst="rect">
             <a:avLst/>
@@ -15555,7 +15496,7 @@
           <a:lstStyle/>
           <a:p>
             <a:r>
-              <a:rPr lang="ko-KR" altLang="en-US" sz="3600" smtClean="0">
+              <a:rPr lang="ko-KR" altLang="en-US" sz="3600" dirty="0">
                 <a:solidFill>
                   <a:srgbClr val="FF0000"/>
                 </a:solidFill>
@@ -15565,7 +15506,7 @@
               <a:t>클래스이름</a:t>
             </a:r>
             <a:r>
-              <a:rPr lang="en-US" altLang="ko-KR" sz="3600" smtClean="0">
+              <a:rPr lang="en-US" altLang="ko-KR" sz="3600" dirty="0">
                 <a:solidFill>
                   <a:srgbClr val="FF0000"/>
                 </a:solidFill>
@@ -15575,32 +15516,35 @@
               <a:t>(</a:t>
             </a:r>
             <a:r>
-              <a:rPr lang="ko-KR" altLang="en-US" sz="3600" smtClean="0">
+              <a:rPr lang="ko-KR" altLang="en-US" sz="3600" dirty="0" err="1">
                 <a:solidFill>
                   <a:srgbClr val="FF0000"/>
                 </a:solidFill>
                 <a:latin typeface="G마켓 산스 Medium" panose="02000000000000000000" pitchFamily="50" charset="-127"/>
                 <a:ea typeface="G마켓 산스 Medium" panose="02000000000000000000" pitchFamily="50" charset="-127"/>
               </a:rPr>
-              <a:t>첫글자 대문자 권장</a:t>
-            </a:r>
-            <a:r>
-              <a:rPr lang="en-US" altLang="ko-KR" sz="3600" smtClean="0">
+              <a:t>첫글자</a:t>
+            </a:r>
+            <a:r>
+              <a:rPr lang="ko-KR" altLang="en-US" sz="3600" dirty="0">
                 <a:solidFill>
                   <a:srgbClr val="FF0000"/>
                 </a:solidFill>
                 <a:latin typeface="G마켓 산스 Medium" panose="02000000000000000000" pitchFamily="50" charset="-127"/>
                 <a:ea typeface="G마켓 산스 Medium" panose="02000000000000000000" pitchFamily="50" charset="-127"/>
               </a:rPr>
+              <a:t> 대문자 권장</a:t>
+            </a:r>
+            <a:r>
+              <a:rPr lang="en-US" altLang="ko-KR" sz="3600" dirty="0">
+                <a:solidFill>
+                  <a:srgbClr val="FF0000"/>
+                </a:solidFill>
+                <a:latin typeface="G마켓 산스 Medium" panose="02000000000000000000" pitchFamily="50" charset="-127"/>
+                <a:ea typeface="G마켓 산스 Medium" panose="02000000000000000000" pitchFamily="50" charset="-127"/>
+              </a:rPr>
               <a:t>)</a:t>
             </a:r>
-            <a:endParaRPr lang="en-US" altLang="ko-KR" sz="3600" dirty="0">
-              <a:solidFill>
-                <a:srgbClr val="FF0000"/>
-              </a:solidFill>
-              <a:latin typeface="G마켓 산스 Medium" panose="02000000000000000000" pitchFamily="50" charset="-127"/>
-              <a:ea typeface="G마켓 산스 Medium" panose="02000000000000000000" pitchFamily="50" charset="-127"/>
-            </a:endParaRPr>
           </a:p>
         </p:txBody>
       </p:sp>
@@ -15609,7 +15553,7 @@
           <p:cNvPr id="16" name="직사각형 15">
             <a:extLst>
               <a:ext uri="{FF2B5EF4-FFF2-40B4-BE49-F238E27FC236}">
-                <a16:creationId xmlns:a16="http://schemas.microsoft.com/office/drawing/2014/main" xmlns="" id="{FFF506F9-840A-0508-4CAF-3AC711D8D5CE}"/>
+                <a16:creationId xmlns:a16="http://schemas.microsoft.com/office/drawing/2014/main" id="{FFF506F9-840A-0508-4CAF-3AC711D8D5CE}"/>
               </a:ext>
             </a:extLst>
           </p:cNvPr>
@@ -15661,7 +15605,7 @@
           <p:cNvPr id="17" name="직선 화살표 연결선 16">
             <a:extLst>
               <a:ext uri="{FF2B5EF4-FFF2-40B4-BE49-F238E27FC236}">
-                <a16:creationId xmlns:a16="http://schemas.microsoft.com/office/drawing/2014/main" xmlns="" id="{299DF5EC-9DF4-5255-06AC-0A7CE4FF58C3}"/>
+                <a16:creationId xmlns:a16="http://schemas.microsoft.com/office/drawing/2014/main" id="{299DF5EC-9DF4-5255-06AC-0A7CE4FF58C3}"/>
               </a:ext>
             </a:extLst>
           </p:cNvPr>
@@ -15702,7 +15646,7 @@
           <p:cNvPr id="18" name="TextBox 17">
             <a:extLst>
               <a:ext uri="{FF2B5EF4-FFF2-40B4-BE49-F238E27FC236}">
-                <a16:creationId xmlns:a16="http://schemas.microsoft.com/office/drawing/2014/main" xmlns="" id="{C6D113C6-EA5C-788F-0C77-E7CE6EBB865F}"/>
+                <a16:creationId xmlns:a16="http://schemas.microsoft.com/office/drawing/2014/main" id="{C6D113C6-EA5C-788F-0C77-E7CE6EBB865F}"/>
               </a:ext>
             </a:extLst>
           </p:cNvPr>
@@ -15726,27 +15670,37 @@
           <a:lstStyle/>
           <a:p>
             <a:r>
-              <a:rPr lang="ko-KR" altLang="en-US" sz="3600" smtClean="0">
+              <a:rPr lang="ko-KR" altLang="en-US" sz="3600" dirty="0" err="1">
                 <a:solidFill>
                   <a:srgbClr val="FF0000"/>
                 </a:solidFill>
                 <a:latin typeface="G마켓 산스 Medium" panose="02000000000000000000" pitchFamily="50" charset="-127"/>
                 <a:ea typeface="G마켓 산스 Medium" panose="02000000000000000000" pitchFamily="50" charset="-127"/>
               </a:rPr>
-              <a:t>엔트리포인트를 가지는 </a:t>
-            </a:r>
-            <a:r>
-              <a:rPr lang="en-US" altLang="ko-KR" sz="3600" smtClean="0">
+              <a:t>엔트리포인트를</a:t>
+            </a:r>
+            <a:r>
+              <a:rPr lang="ko-KR" altLang="en-US" sz="3600" dirty="0">
                 <a:solidFill>
                   <a:srgbClr val="FF0000"/>
                 </a:solidFill>
                 <a:latin typeface="G마켓 산스 Medium" panose="02000000000000000000" pitchFamily="50" charset="-127"/>
                 <a:ea typeface="G마켓 산스 Medium" panose="02000000000000000000" pitchFamily="50" charset="-127"/>
               </a:rPr>
+              <a:t> 가지는 </a:t>
+            </a:r>
+            <a:r>
+              <a:rPr lang="en-US" altLang="ko-KR" sz="3600" dirty="0">
+                <a:solidFill>
+                  <a:srgbClr val="FF0000"/>
+                </a:solidFill>
+                <a:latin typeface="G마켓 산스 Medium" panose="02000000000000000000" pitchFamily="50" charset="-127"/>
+                <a:ea typeface="G마켓 산스 Medium" panose="02000000000000000000" pitchFamily="50" charset="-127"/>
+              </a:rPr>
               <a:t>Main</a:t>
             </a:r>
             <a:r>
-              <a:rPr lang="ko-KR" altLang="en-US" sz="3600" smtClean="0">
+              <a:rPr lang="ko-KR" altLang="en-US" sz="3600" dirty="0">
                 <a:solidFill>
                   <a:srgbClr val="FF0000"/>
                 </a:solidFill>
@@ -15775,13 +15729,6 @@
   <p:clrMapOvr>
     <a:masterClrMapping/>
   </p:clrMapOvr>
-  <p:timing>
-    <p:tnLst>
-      <p:par>
-        <p:cTn id="1" dur="indefinite" restart="never" nodeType="tmRoot"/>
-      </p:par>
-    </p:tnLst>
-  </p:timing>
 </p:sld>
 </file>
 
@@ -15807,7 +15754,7 @@
           <p:cNvPr id="4" name="TextBox 3">
             <a:extLst>
               <a:ext uri="{FF2B5EF4-FFF2-40B4-BE49-F238E27FC236}">
-                <a16:creationId xmlns="" xmlns:a16="http://schemas.microsoft.com/office/drawing/2014/main" id="{37C30BAF-D498-C798-BC14-1718488A3435}"/>
+                <a16:creationId xmlns:a16="http://schemas.microsoft.com/office/drawing/2014/main" id="{37C30BAF-D498-C798-BC14-1718488A3435}"/>
               </a:ext>
             </a:extLst>
           </p:cNvPr>
@@ -15858,7 +15805,7 @@
           <p:cNvPr id="9" name="TextBox 8">
             <a:extLst>
               <a:ext uri="{FF2B5EF4-FFF2-40B4-BE49-F238E27FC236}">
-                <a16:creationId xmlns="" xmlns:a16="http://schemas.microsoft.com/office/drawing/2014/main" id="{A2AD056B-97A4-5BCC-4460-250160F3E171}"/>
+                <a16:creationId xmlns:a16="http://schemas.microsoft.com/office/drawing/2014/main" id="{A2AD056B-97A4-5BCC-4460-250160F3E171}"/>
               </a:ext>
             </a:extLst>
           </p:cNvPr>
@@ -15882,7 +15829,7 @@
           <a:lstStyle/>
           <a:p>
             <a:r>
-              <a:rPr lang="en-US" altLang="ko-KR" sz="3200" smtClean="0">
+              <a:rPr lang="en-US" altLang="ko-KR" sz="3200">
                 <a:solidFill>
                   <a:srgbClr val="4C50BC"/>
                 </a:solidFill>
@@ -15899,50 +15846,40 @@
                 <a:latin typeface="G마켓 산스 Medium" panose="02000000000000000000" pitchFamily="50" charset="-127"/>
                 <a:ea typeface="G마켓 산스 Medium" panose="02000000000000000000" pitchFamily="50" charset="-127"/>
               </a:rPr>
-              <a:t> </a:t>
-            </a:r>
-            <a:r>
-              <a:rPr lang="ko-KR" altLang="en-US" sz="3200" smtClean="0">
+              <a:t> 아래의 정보를 참고하여 </a:t>
+            </a:r>
+            <a:r>
+              <a:rPr lang="en-US" altLang="ko-KR" sz="3200">
                 <a:solidFill>
                   <a:srgbClr val="4C50BC"/>
                 </a:solidFill>
                 <a:latin typeface="G마켓 산스 Medium" panose="02000000000000000000" pitchFamily="50" charset="-127"/>
                 <a:ea typeface="G마켓 산스 Medium" panose="02000000000000000000" pitchFamily="50" charset="-127"/>
               </a:rPr>
-              <a:t>아래의 정보를 참고하여 </a:t>
-            </a:r>
-            <a:r>
-              <a:rPr lang="en-US" altLang="ko-KR" sz="3200" smtClean="0">
+              <a:t>TV </a:t>
+            </a:r>
+            <a:r>
+              <a:rPr lang="ko-KR" altLang="en-US" sz="3200">
                 <a:solidFill>
                   <a:srgbClr val="4C50BC"/>
                 </a:solidFill>
                 <a:latin typeface="G마켓 산스 Medium" panose="02000000000000000000" pitchFamily="50" charset="-127"/>
                 <a:ea typeface="G마켓 산스 Medium" panose="02000000000000000000" pitchFamily="50" charset="-127"/>
               </a:rPr>
-              <a:t>TV </a:t>
-            </a:r>
-            <a:r>
-              <a:rPr lang="ko-KR" altLang="en-US" sz="3200" smtClean="0">
+              <a:t>클래스를 만들고 객체를 생성하여 채널 값을 변경해보자</a:t>
+            </a:r>
+            <a:r>
+              <a:rPr lang="en-US" altLang="ko-KR" sz="3200">
                 <a:solidFill>
                   <a:srgbClr val="4C50BC"/>
                 </a:solidFill>
                 <a:latin typeface="G마켓 산스 Medium" panose="02000000000000000000" pitchFamily="50" charset="-127"/>
                 <a:ea typeface="G마켓 산스 Medium" panose="02000000000000000000" pitchFamily="50" charset="-127"/>
               </a:rPr>
-              <a:t>클래스를 만들고 객체를 생성하여 채널 값을 변경해보자</a:t>
-            </a:r>
-            <a:r>
-              <a:rPr lang="en-US" altLang="ko-KR" sz="3200" smtClean="0">
-                <a:solidFill>
-                  <a:srgbClr val="4C50BC"/>
-                </a:solidFill>
-                <a:latin typeface="G마켓 산스 Medium" panose="02000000000000000000" pitchFamily="50" charset="-127"/>
-                <a:ea typeface="G마켓 산스 Medium" panose="02000000000000000000" pitchFamily="50" charset="-127"/>
-              </a:rPr>
               <a:t>.</a:t>
             </a:r>
             <a:r>
-              <a:rPr lang="en-US" altLang="ko-KR" sz="3200" smtClean="0">
+              <a:rPr lang="en-US" altLang="ko-KR" sz="3200">
                 <a:solidFill>
                   <a:srgbClr val="FF0000"/>
                 </a:solidFill>
@@ -15958,7 +15895,7 @@
               <a:buChar char="-"/>
             </a:pPr>
             <a:r>
-              <a:rPr lang="ko-KR" altLang="en-US" sz="3200" smtClean="0">
+              <a:rPr lang="ko-KR" altLang="en-US" sz="3200">
                 <a:solidFill>
                   <a:schemeClr val="bg1">
                     <a:lumMod val="50000"/>
@@ -15970,7 +15907,7 @@
               <a:t>클래스명 </a:t>
             </a:r>
             <a:r>
-              <a:rPr lang="en-US" altLang="ko-KR" sz="3200" smtClean="0">
+              <a:rPr lang="en-US" altLang="ko-KR" sz="3200">
                 <a:solidFill>
                   <a:schemeClr val="bg1">
                     <a:lumMod val="50000"/>
@@ -15988,7 +15925,7 @@
               <a:buChar char="-"/>
             </a:pPr>
             <a:r>
-              <a:rPr lang="ko-KR" altLang="en-US" sz="3200" smtClean="0">
+              <a:rPr lang="ko-KR" altLang="en-US" sz="3200">
                 <a:solidFill>
                   <a:schemeClr val="bg1">
                     <a:lumMod val="50000"/>
@@ -16000,7 +15937,7 @@
               <a:t>멤버변수 </a:t>
             </a:r>
             <a:r>
-              <a:rPr lang="en-US" altLang="ko-KR" sz="3200" smtClean="0">
+              <a:rPr lang="en-US" altLang="ko-KR" sz="3200">
                 <a:solidFill>
                   <a:schemeClr val="bg1">
                     <a:lumMod val="50000"/>
@@ -16457,7 +16394,7 @@
           <p:cNvPr id="2" name="TextBox 1">
             <a:extLst>
               <a:ext uri="{FF2B5EF4-FFF2-40B4-BE49-F238E27FC236}">
-                <a16:creationId xmlns="" xmlns:a16="http://schemas.microsoft.com/office/drawing/2014/main" id="{76F36AE5-79B5-0B9F-E510-1C27AAC4B649}"/>
+                <a16:creationId xmlns:a16="http://schemas.microsoft.com/office/drawing/2014/main" id="{76F36AE5-79B5-0B9F-E510-1C27AAC4B649}"/>
               </a:ext>
             </a:extLst>
           </p:cNvPr>
@@ -16510,13 +16447,6 @@
   <p:clrMapOvr>
     <a:masterClrMapping/>
   </p:clrMapOvr>
-  <p:timing>
-    <p:tnLst>
-      <p:par>
-        <p:cTn id="1" dur="indefinite" restart="never" nodeType="tmRoot"/>
-      </p:par>
-    </p:tnLst>
-  </p:timing>
 </p:sld>
 </file>
 
@@ -16607,7 +16537,7 @@
           <p:cNvPr id="10" name="직선 화살표 연결선 9">
             <a:extLst>
               <a:ext uri="{FF2B5EF4-FFF2-40B4-BE49-F238E27FC236}">
-                <a16:creationId xmlns="" xmlns:a16="http://schemas.microsoft.com/office/drawing/2014/main" id="{299DF5EC-9DF4-5255-06AC-0A7CE4FF58C3}"/>
+                <a16:creationId xmlns:a16="http://schemas.microsoft.com/office/drawing/2014/main" id="{299DF5EC-9DF4-5255-06AC-0A7CE4FF58C3}"/>
               </a:ext>
             </a:extLst>
           </p:cNvPr>
@@ -16648,7 +16578,7 @@
           <p:cNvPr id="12" name="직선 화살표 연결선 11">
             <a:extLst>
               <a:ext uri="{FF2B5EF4-FFF2-40B4-BE49-F238E27FC236}">
-                <a16:creationId xmlns="" xmlns:a16="http://schemas.microsoft.com/office/drawing/2014/main" id="{299DF5EC-9DF4-5255-06AC-0A7CE4FF58C3}"/>
+                <a16:creationId xmlns:a16="http://schemas.microsoft.com/office/drawing/2014/main" id="{299DF5EC-9DF4-5255-06AC-0A7CE4FF58C3}"/>
               </a:ext>
             </a:extLst>
           </p:cNvPr>
@@ -16689,7 +16619,7 @@
           <p:cNvPr id="15" name="TextBox 14">
             <a:extLst>
               <a:ext uri="{FF2B5EF4-FFF2-40B4-BE49-F238E27FC236}">
-                <a16:creationId xmlns="" xmlns:a16="http://schemas.microsoft.com/office/drawing/2014/main" id="{37C30BAF-D498-C798-BC14-1718488A3435}"/>
+                <a16:creationId xmlns:a16="http://schemas.microsoft.com/office/drawing/2014/main" id="{37C30BAF-D498-C798-BC14-1718488A3435}"/>
               </a:ext>
             </a:extLst>
           </p:cNvPr>
@@ -16742,13 +16672,6 @@
   <p:clrMapOvr>
     <a:masterClrMapping/>
   </p:clrMapOvr>
-  <p:timing>
-    <p:tnLst>
-      <p:par>
-        <p:cTn id="1" dur="indefinite" restart="never" nodeType="tmRoot"/>
-      </p:par>
-    </p:tnLst>
-  </p:timing>
 </p:sld>
 </file>
 
@@ -16798,7 +16721,7 @@
           <p:cNvPr id="6" name="직선 화살표 연결선 5">
             <a:extLst>
               <a:ext uri="{FF2B5EF4-FFF2-40B4-BE49-F238E27FC236}">
-                <a16:creationId xmlns="" xmlns:a16="http://schemas.microsoft.com/office/drawing/2014/main" id="{299DF5EC-9DF4-5255-06AC-0A7CE4FF58C3}"/>
+                <a16:creationId xmlns:a16="http://schemas.microsoft.com/office/drawing/2014/main" id="{299DF5EC-9DF4-5255-06AC-0A7CE4FF58C3}"/>
               </a:ext>
             </a:extLst>
           </p:cNvPr>
@@ -16839,7 +16762,7 @@
           <p:cNvPr id="7" name="직사각형 6">
             <a:extLst>
               <a:ext uri="{FF2B5EF4-FFF2-40B4-BE49-F238E27FC236}">
-                <a16:creationId xmlns="" xmlns:a16="http://schemas.microsoft.com/office/drawing/2014/main" id="{FFF506F9-840A-0508-4CAF-3AC711D8D5CE}"/>
+                <a16:creationId xmlns:a16="http://schemas.microsoft.com/office/drawing/2014/main" id="{FFF506F9-840A-0508-4CAF-3AC711D8D5CE}"/>
               </a:ext>
             </a:extLst>
           </p:cNvPr>
@@ -16891,7 +16814,7 @@
           <p:cNvPr id="8" name="TextBox 7">
             <a:extLst>
               <a:ext uri="{FF2B5EF4-FFF2-40B4-BE49-F238E27FC236}">
-                <a16:creationId xmlns="" xmlns:a16="http://schemas.microsoft.com/office/drawing/2014/main" id="{C6D113C6-EA5C-788F-0C77-E7CE6EBB865F}"/>
+                <a16:creationId xmlns:a16="http://schemas.microsoft.com/office/drawing/2014/main" id="{C6D113C6-EA5C-788F-0C77-E7CE6EBB865F}"/>
               </a:ext>
             </a:extLst>
           </p:cNvPr>
@@ -16915,7 +16838,7 @@
           <a:lstStyle/>
           <a:p>
             <a:r>
-              <a:rPr lang="ko-KR" altLang="en-US" sz="3600" smtClean="0">
+              <a:rPr lang="ko-KR" altLang="en-US" sz="3600">
                 <a:solidFill>
                   <a:srgbClr val="FF0000"/>
                 </a:solidFill>
@@ -16925,7 +16848,7 @@
               <a:t>객체에서 기능을 담당한다</a:t>
             </a:r>
             <a:r>
-              <a:rPr lang="en-US" altLang="ko-KR" sz="3600" smtClean="0">
+              <a:rPr lang="en-US" altLang="ko-KR" sz="3600">
                 <a:solidFill>
                   <a:srgbClr val="FF0000"/>
                 </a:solidFill>
@@ -16978,13 +16901,6 @@
   <p:clrMapOvr>
     <a:masterClrMapping/>
   </p:clrMapOvr>
-  <p:timing>
-    <p:tnLst>
-      <p:par>
-        <p:cTn id="1" dur="indefinite" restart="never" nodeType="tmRoot"/>
-      </p:par>
-    </p:tnLst>
-  </p:timing>
 </p:sld>
 </file>
 
@@ -17010,7 +16926,7 @@
           <p:cNvPr id="4" name="TextBox 3">
             <a:extLst>
               <a:ext uri="{FF2B5EF4-FFF2-40B4-BE49-F238E27FC236}">
-                <a16:creationId xmlns="" xmlns:a16="http://schemas.microsoft.com/office/drawing/2014/main" id="{37C30BAF-D498-C798-BC14-1718488A3435}"/>
+                <a16:creationId xmlns:a16="http://schemas.microsoft.com/office/drawing/2014/main" id="{37C30BAF-D498-C798-BC14-1718488A3435}"/>
               </a:ext>
             </a:extLst>
           </p:cNvPr>
@@ -17034,7 +16950,7 @@
           <a:lstStyle/>
           <a:p>
             <a:r>
-              <a:rPr lang="ko-KR" altLang="en-US" sz="4800" smtClean="0">
+              <a:rPr lang="ko-KR" altLang="en-US" sz="4800">
                 <a:solidFill>
                   <a:srgbClr val="4C50BC"/>
                 </a:solidFill>
@@ -17044,7 +16960,7 @@
               <a:t>그냥 직접 변수값을 변경하면 안되는가</a:t>
             </a:r>
             <a:r>
-              <a:rPr lang="en-US" altLang="ko-KR" sz="4800" smtClean="0">
+              <a:rPr lang="en-US" altLang="ko-KR" sz="4800">
                 <a:solidFill>
                   <a:srgbClr val="4C50BC"/>
                 </a:solidFill>
@@ -17116,7 +17032,7 @@
           <p:cNvPr id="7" name="TextBox 6">
             <a:extLst>
               <a:ext uri="{FF2B5EF4-FFF2-40B4-BE49-F238E27FC236}">
-                <a16:creationId xmlns="" xmlns:a16="http://schemas.microsoft.com/office/drawing/2014/main" id="{37C30BAF-D498-C798-BC14-1718488A3435}"/>
+                <a16:creationId xmlns:a16="http://schemas.microsoft.com/office/drawing/2014/main" id="{37C30BAF-D498-C798-BC14-1718488A3435}"/>
               </a:ext>
             </a:extLst>
           </p:cNvPr>
@@ -17140,7 +17056,7 @@
           <a:lstStyle/>
           <a:p>
             <a:r>
-              <a:rPr lang="en-US" altLang="ko-KR" sz="4800" smtClean="0">
+              <a:rPr lang="en-US" altLang="ko-KR" sz="4800">
                 <a:solidFill>
                   <a:srgbClr val="4C50BC"/>
                 </a:solidFill>
@@ -17169,13 +17085,6 @@
   <p:clrMapOvr>
     <a:masterClrMapping/>
   </p:clrMapOvr>
-  <p:timing>
-    <p:tnLst>
-      <p:par>
-        <p:cTn id="1" dur="indefinite" restart="never" nodeType="tmRoot"/>
-      </p:par>
-    </p:tnLst>
-  </p:timing>
 </p:sld>
 </file>
 
@@ -17201,7 +17110,7 @@
           <p:cNvPr id="4" name="TextBox 3">
             <a:extLst>
               <a:ext uri="{FF2B5EF4-FFF2-40B4-BE49-F238E27FC236}">
-                <a16:creationId xmlns="" xmlns:a16="http://schemas.microsoft.com/office/drawing/2014/main" id="{37C30BAF-D498-C798-BC14-1718488A3435}"/>
+                <a16:creationId xmlns:a16="http://schemas.microsoft.com/office/drawing/2014/main" id="{37C30BAF-D498-C798-BC14-1718488A3435}"/>
               </a:ext>
             </a:extLst>
           </p:cNvPr>
@@ -17326,13 +17235,6 @@
   <p:clrMapOvr>
     <a:masterClrMapping/>
   </p:clrMapOvr>
-  <p:timing>
-    <p:tnLst>
-      <p:par>
-        <p:cTn id="1" dur="indefinite" restart="never" nodeType="tmRoot"/>
-      </p:par>
-    </p:tnLst>
-  </p:timing>
 </p:sld>
 </file>
 
@@ -17382,7 +17284,7 @@
           <p:cNvPr id="7" name="직선 화살표 연결선 6">
             <a:extLst>
               <a:ext uri="{FF2B5EF4-FFF2-40B4-BE49-F238E27FC236}">
-                <a16:creationId xmlns="" xmlns:a16="http://schemas.microsoft.com/office/drawing/2014/main" id="{299DF5EC-9DF4-5255-06AC-0A7CE4FF58C3}"/>
+                <a16:creationId xmlns:a16="http://schemas.microsoft.com/office/drawing/2014/main" id="{299DF5EC-9DF4-5255-06AC-0A7CE4FF58C3}"/>
               </a:ext>
             </a:extLst>
           </p:cNvPr>
@@ -17423,7 +17325,7 @@
           <p:cNvPr id="8" name="직사각형 7">
             <a:extLst>
               <a:ext uri="{FF2B5EF4-FFF2-40B4-BE49-F238E27FC236}">
-                <a16:creationId xmlns="" xmlns:a16="http://schemas.microsoft.com/office/drawing/2014/main" id="{FFF506F9-840A-0508-4CAF-3AC711D8D5CE}"/>
+                <a16:creationId xmlns:a16="http://schemas.microsoft.com/office/drawing/2014/main" id="{FFF506F9-840A-0508-4CAF-3AC711D8D5CE}"/>
               </a:ext>
             </a:extLst>
           </p:cNvPr>
@@ -17475,7 +17377,7 @@
           <p:cNvPr id="9" name="TextBox 8">
             <a:extLst>
               <a:ext uri="{FF2B5EF4-FFF2-40B4-BE49-F238E27FC236}">
-                <a16:creationId xmlns="" xmlns:a16="http://schemas.microsoft.com/office/drawing/2014/main" id="{C6D113C6-EA5C-788F-0C77-E7CE6EBB865F}"/>
+                <a16:creationId xmlns:a16="http://schemas.microsoft.com/office/drawing/2014/main" id="{C6D113C6-EA5C-788F-0C77-E7CE6EBB865F}"/>
               </a:ext>
             </a:extLst>
           </p:cNvPr>
@@ -17499,7 +17401,7 @@
           <a:lstStyle/>
           <a:p>
             <a:r>
-              <a:rPr lang="ko-KR" altLang="en-US" sz="3600" smtClean="0">
+              <a:rPr lang="ko-KR" altLang="en-US" sz="3600">
                 <a:solidFill>
                   <a:srgbClr val="FF0000"/>
                 </a:solidFill>
@@ -17523,7 +17425,7 @@
           <p:cNvPr id="11" name="직선 화살표 연결선 10">
             <a:extLst>
               <a:ext uri="{FF2B5EF4-FFF2-40B4-BE49-F238E27FC236}">
-                <a16:creationId xmlns="" xmlns:a16="http://schemas.microsoft.com/office/drawing/2014/main" id="{299DF5EC-9DF4-5255-06AC-0A7CE4FF58C3}"/>
+                <a16:creationId xmlns:a16="http://schemas.microsoft.com/office/drawing/2014/main" id="{299DF5EC-9DF4-5255-06AC-0A7CE4FF58C3}"/>
               </a:ext>
             </a:extLst>
           </p:cNvPr>
@@ -17564,7 +17466,7 @@
           <p:cNvPr id="12" name="TextBox 11">
             <a:extLst>
               <a:ext uri="{FF2B5EF4-FFF2-40B4-BE49-F238E27FC236}">
-                <a16:creationId xmlns="" xmlns:a16="http://schemas.microsoft.com/office/drawing/2014/main" id="{C6D113C6-EA5C-788F-0C77-E7CE6EBB865F}"/>
+                <a16:creationId xmlns:a16="http://schemas.microsoft.com/office/drawing/2014/main" id="{C6D113C6-EA5C-788F-0C77-E7CE6EBB865F}"/>
               </a:ext>
             </a:extLst>
           </p:cNvPr>
@@ -17588,7 +17490,7 @@
           <a:lstStyle/>
           <a:p>
             <a:r>
-              <a:rPr lang="ko-KR" altLang="en-US" sz="3600" smtClean="0">
+              <a:rPr lang="ko-KR" altLang="en-US" sz="3600">
                 <a:solidFill>
                   <a:srgbClr val="FF0000"/>
                 </a:solidFill>
@@ -17612,7 +17514,7 @@
           <p:cNvPr id="13" name="직사각형 12">
             <a:extLst>
               <a:ext uri="{FF2B5EF4-FFF2-40B4-BE49-F238E27FC236}">
-                <a16:creationId xmlns="" xmlns:a16="http://schemas.microsoft.com/office/drawing/2014/main" id="{FFF506F9-840A-0508-4CAF-3AC711D8D5CE}"/>
+                <a16:creationId xmlns:a16="http://schemas.microsoft.com/office/drawing/2014/main" id="{FFF506F9-840A-0508-4CAF-3AC711D8D5CE}"/>
               </a:ext>
             </a:extLst>
           </p:cNvPr>
@@ -17664,7 +17566,7 @@
           <p:cNvPr id="15" name="직선 화살표 연결선 14">
             <a:extLst>
               <a:ext uri="{FF2B5EF4-FFF2-40B4-BE49-F238E27FC236}">
-                <a16:creationId xmlns="" xmlns:a16="http://schemas.microsoft.com/office/drawing/2014/main" id="{299DF5EC-9DF4-5255-06AC-0A7CE4FF58C3}"/>
+                <a16:creationId xmlns:a16="http://schemas.microsoft.com/office/drawing/2014/main" id="{299DF5EC-9DF4-5255-06AC-0A7CE4FF58C3}"/>
               </a:ext>
             </a:extLst>
           </p:cNvPr>
@@ -17705,7 +17607,7 @@
           <p:cNvPr id="16" name="TextBox 15">
             <a:extLst>
               <a:ext uri="{FF2B5EF4-FFF2-40B4-BE49-F238E27FC236}">
-                <a16:creationId xmlns="" xmlns:a16="http://schemas.microsoft.com/office/drawing/2014/main" id="{C6D113C6-EA5C-788F-0C77-E7CE6EBB865F}"/>
+                <a16:creationId xmlns:a16="http://schemas.microsoft.com/office/drawing/2014/main" id="{C6D113C6-EA5C-788F-0C77-E7CE6EBB865F}"/>
               </a:ext>
             </a:extLst>
           </p:cNvPr>
@@ -17729,7 +17631,7 @@
           <a:lstStyle/>
           <a:p>
             <a:r>
-              <a:rPr lang="ko-KR" altLang="en-US" sz="3600" smtClean="0">
+              <a:rPr lang="ko-KR" altLang="en-US" sz="3600">
                 <a:solidFill>
                   <a:srgbClr val="FF0000"/>
                 </a:solidFill>
@@ -17738,7 +17640,7 @@
               </a:rPr>
               <a:t>메서드의 매개변수</a:t>
             </a:r>
-            <a:endParaRPr lang="en-US" altLang="ko-KR" sz="3600" smtClean="0">
+            <a:endParaRPr lang="en-US" altLang="ko-KR" sz="3600">
               <a:solidFill>
                 <a:srgbClr val="FF0000"/>
               </a:solidFill>
@@ -17748,7 +17650,7 @@
           </a:p>
           <a:p>
             <a:r>
-              <a:rPr lang="en-US" altLang="ko-KR" sz="3600" smtClean="0">
+              <a:rPr lang="en-US" altLang="ko-KR" sz="3600">
                 <a:solidFill>
                   <a:srgbClr val="FF0000"/>
                 </a:solidFill>
@@ -17758,7 +17660,7 @@
               <a:t>(</a:t>
             </a:r>
             <a:r>
-              <a:rPr lang="ko-KR" altLang="en-US" sz="3600" smtClean="0">
+              <a:rPr lang="ko-KR" altLang="en-US" sz="3600">
                 <a:solidFill>
                   <a:srgbClr val="FF0000"/>
                 </a:solidFill>
@@ -17768,7 +17670,7 @@
               <a:t>메서드 내부에서 사용할수 있는 변수</a:t>
             </a:r>
             <a:r>
-              <a:rPr lang="en-US" altLang="ko-KR" sz="3600" smtClean="0">
+              <a:rPr lang="en-US" altLang="ko-KR" sz="3600">
                 <a:solidFill>
                   <a:srgbClr val="FF0000"/>
                 </a:solidFill>
@@ -17792,7 +17694,7 @@
           <p:cNvPr id="17" name="직사각형 16">
             <a:extLst>
               <a:ext uri="{FF2B5EF4-FFF2-40B4-BE49-F238E27FC236}">
-                <a16:creationId xmlns="" xmlns:a16="http://schemas.microsoft.com/office/drawing/2014/main" id="{FFF506F9-840A-0508-4CAF-3AC711D8D5CE}"/>
+                <a16:creationId xmlns:a16="http://schemas.microsoft.com/office/drawing/2014/main" id="{FFF506F9-840A-0508-4CAF-3AC711D8D5CE}"/>
               </a:ext>
             </a:extLst>
           </p:cNvPr>
@@ -17844,7 +17746,7 @@
           <p:cNvPr id="19" name="직사각형 18">
             <a:extLst>
               <a:ext uri="{FF2B5EF4-FFF2-40B4-BE49-F238E27FC236}">
-                <a16:creationId xmlns="" xmlns:a16="http://schemas.microsoft.com/office/drawing/2014/main" id="{FFF506F9-840A-0508-4CAF-3AC711D8D5CE}"/>
+                <a16:creationId xmlns:a16="http://schemas.microsoft.com/office/drawing/2014/main" id="{FFF506F9-840A-0508-4CAF-3AC711D8D5CE}"/>
               </a:ext>
             </a:extLst>
           </p:cNvPr>
@@ -17896,7 +17798,7 @@
           <p:cNvPr id="20" name="직선 화살표 연결선 19">
             <a:extLst>
               <a:ext uri="{FF2B5EF4-FFF2-40B4-BE49-F238E27FC236}">
-                <a16:creationId xmlns="" xmlns:a16="http://schemas.microsoft.com/office/drawing/2014/main" id="{299DF5EC-9DF4-5255-06AC-0A7CE4FF58C3}"/>
+                <a16:creationId xmlns:a16="http://schemas.microsoft.com/office/drawing/2014/main" id="{299DF5EC-9DF4-5255-06AC-0A7CE4FF58C3}"/>
               </a:ext>
             </a:extLst>
           </p:cNvPr>
@@ -17937,7 +17839,7 @@
           <p:cNvPr id="21" name="TextBox 20">
             <a:extLst>
               <a:ext uri="{FF2B5EF4-FFF2-40B4-BE49-F238E27FC236}">
-                <a16:creationId xmlns="" xmlns:a16="http://schemas.microsoft.com/office/drawing/2014/main" id="{C6D113C6-EA5C-788F-0C77-E7CE6EBB865F}"/>
+                <a16:creationId xmlns:a16="http://schemas.microsoft.com/office/drawing/2014/main" id="{C6D113C6-EA5C-788F-0C77-E7CE6EBB865F}"/>
               </a:ext>
             </a:extLst>
           </p:cNvPr>
@@ -17961,7 +17863,7 @@
           <a:lstStyle/>
           <a:p>
             <a:r>
-              <a:rPr lang="ko-KR" altLang="en-US" sz="3600" smtClean="0">
+              <a:rPr lang="ko-KR" altLang="en-US" sz="3600">
                 <a:solidFill>
                   <a:srgbClr val="FF0000"/>
                 </a:solidFill>
@@ -17985,7 +17887,7 @@
           <p:cNvPr id="24" name="직사각형 23">
             <a:extLst>
               <a:ext uri="{FF2B5EF4-FFF2-40B4-BE49-F238E27FC236}">
-                <a16:creationId xmlns="" xmlns:a16="http://schemas.microsoft.com/office/drawing/2014/main" id="{FFF506F9-840A-0508-4CAF-3AC711D8D5CE}"/>
+                <a16:creationId xmlns:a16="http://schemas.microsoft.com/office/drawing/2014/main" id="{FFF506F9-840A-0508-4CAF-3AC711D8D5CE}"/>
               </a:ext>
             </a:extLst>
           </p:cNvPr>
@@ -18037,7 +17939,7 @@
           <p:cNvPr id="25" name="직선 화살표 연결선 24">
             <a:extLst>
               <a:ext uri="{FF2B5EF4-FFF2-40B4-BE49-F238E27FC236}">
-                <a16:creationId xmlns="" xmlns:a16="http://schemas.microsoft.com/office/drawing/2014/main" id="{299DF5EC-9DF4-5255-06AC-0A7CE4FF58C3}"/>
+                <a16:creationId xmlns:a16="http://schemas.microsoft.com/office/drawing/2014/main" id="{299DF5EC-9DF4-5255-06AC-0A7CE4FF58C3}"/>
               </a:ext>
             </a:extLst>
           </p:cNvPr>
@@ -18078,7 +17980,7 @@
           <p:cNvPr id="26" name="TextBox 25">
             <a:extLst>
               <a:ext uri="{FF2B5EF4-FFF2-40B4-BE49-F238E27FC236}">
-                <a16:creationId xmlns="" xmlns:a16="http://schemas.microsoft.com/office/drawing/2014/main" id="{C6D113C6-EA5C-788F-0C77-E7CE6EBB865F}"/>
+                <a16:creationId xmlns:a16="http://schemas.microsoft.com/office/drawing/2014/main" id="{C6D113C6-EA5C-788F-0C77-E7CE6EBB865F}"/>
               </a:ext>
             </a:extLst>
           </p:cNvPr>
@@ -18102,7 +18004,7 @@
           <a:lstStyle/>
           <a:p>
             <a:r>
-              <a:rPr lang="ko-KR" altLang="en-US" sz="3600" smtClean="0">
+              <a:rPr lang="ko-KR" altLang="en-US" sz="3600">
                 <a:solidFill>
                   <a:srgbClr val="FF0000"/>
                 </a:solidFill>
@@ -18131,13 +18033,6 @@
   <p:clrMapOvr>
     <a:masterClrMapping/>
   </p:clrMapOvr>
-  <p:timing>
-    <p:tnLst>
-      <p:par>
-        <p:cTn id="1" dur="indefinite" restart="never" nodeType="tmRoot"/>
-      </p:par>
-    </p:tnLst>
-  </p:timing>
 </p:sld>
 </file>
 
@@ -18163,7 +18058,7 @@
           <p:cNvPr id="4" name="TextBox 3">
             <a:extLst>
               <a:ext uri="{FF2B5EF4-FFF2-40B4-BE49-F238E27FC236}">
-                <a16:creationId xmlns="" xmlns:a16="http://schemas.microsoft.com/office/drawing/2014/main" id="{37C30BAF-D498-C798-BC14-1718488A3435}"/>
+                <a16:creationId xmlns:a16="http://schemas.microsoft.com/office/drawing/2014/main" id="{37C30BAF-D498-C798-BC14-1718488A3435}"/>
               </a:ext>
             </a:extLst>
           </p:cNvPr>
@@ -18235,7 +18130,7 @@
           <p:cNvPr id="6" name="직선 화살표 연결선 5">
             <a:extLst>
               <a:ext uri="{FF2B5EF4-FFF2-40B4-BE49-F238E27FC236}">
-                <a16:creationId xmlns="" xmlns:a16="http://schemas.microsoft.com/office/drawing/2014/main" id="{299DF5EC-9DF4-5255-06AC-0A7CE4FF58C3}"/>
+                <a16:creationId xmlns:a16="http://schemas.microsoft.com/office/drawing/2014/main" id="{299DF5EC-9DF4-5255-06AC-0A7CE4FF58C3}"/>
               </a:ext>
             </a:extLst>
           </p:cNvPr>
@@ -18276,7 +18171,7 @@
           <p:cNvPr id="7" name="직사각형 6">
             <a:extLst>
               <a:ext uri="{FF2B5EF4-FFF2-40B4-BE49-F238E27FC236}">
-                <a16:creationId xmlns="" xmlns:a16="http://schemas.microsoft.com/office/drawing/2014/main" id="{FFF506F9-840A-0508-4CAF-3AC711D8D5CE}"/>
+                <a16:creationId xmlns:a16="http://schemas.microsoft.com/office/drawing/2014/main" id="{FFF506F9-840A-0508-4CAF-3AC711D8D5CE}"/>
               </a:ext>
             </a:extLst>
           </p:cNvPr>
@@ -18328,7 +18223,7 @@
           <p:cNvPr id="8" name="TextBox 7">
             <a:extLst>
               <a:ext uri="{FF2B5EF4-FFF2-40B4-BE49-F238E27FC236}">
-                <a16:creationId xmlns="" xmlns:a16="http://schemas.microsoft.com/office/drawing/2014/main" id="{C6D113C6-EA5C-788F-0C77-E7CE6EBB865F}"/>
+                <a16:creationId xmlns:a16="http://schemas.microsoft.com/office/drawing/2014/main" id="{C6D113C6-EA5C-788F-0C77-E7CE6EBB865F}"/>
               </a:ext>
             </a:extLst>
           </p:cNvPr>
@@ -18386,7 +18281,7 @@
           <p:cNvPr id="9" name="직선 화살표 연결선 8">
             <a:extLst>
               <a:ext uri="{FF2B5EF4-FFF2-40B4-BE49-F238E27FC236}">
-                <a16:creationId xmlns="" xmlns:a16="http://schemas.microsoft.com/office/drawing/2014/main" id="{299DF5EC-9DF4-5255-06AC-0A7CE4FF58C3}"/>
+                <a16:creationId xmlns:a16="http://schemas.microsoft.com/office/drawing/2014/main" id="{299DF5EC-9DF4-5255-06AC-0A7CE4FF58C3}"/>
               </a:ext>
             </a:extLst>
           </p:cNvPr>
@@ -18427,7 +18322,7 @@
           <p:cNvPr id="10" name="직사각형 9">
             <a:extLst>
               <a:ext uri="{FF2B5EF4-FFF2-40B4-BE49-F238E27FC236}">
-                <a16:creationId xmlns="" xmlns:a16="http://schemas.microsoft.com/office/drawing/2014/main" id="{FFF506F9-840A-0508-4CAF-3AC711D8D5CE}"/>
+                <a16:creationId xmlns:a16="http://schemas.microsoft.com/office/drawing/2014/main" id="{FFF506F9-840A-0508-4CAF-3AC711D8D5CE}"/>
               </a:ext>
             </a:extLst>
           </p:cNvPr>
@@ -18479,7 +18374,7 @@
           <p:cNvPr id="11" name="TextBox 10">
             <a:extLst>
               <a:ext uri="{FF2B5EF4-FFF2-40B4-BE49-F238E27FC236}">
-                <a16:creationId xmlns="" xmlns:a16="http://schemas.microsoft.com/office/drawing/2014/main" id="{C6D113C6-EA5C-788F-0C77-E7CE6EBB865F}"/>
+                <a16:creationId xmlns:a16="http://schemas.microsoft.com/office/drawing/2014/main" id="{C6D113C6-EA5C-788F-0C77-E7CE6EBB865F}"/>
               </a:ext>
             </a:extLst>
           </p:cNvPr>
@@ -18724,7 +18619,7 @@
           <p:cNvPr id="4" name="TextBox 3">
             <a:extLst>
               <a:ext uri="{FF2B5EF4-FFF2-40B4-BE49-F238E27FC236}">
-                <a16:creationId xmlns="" xmlns:a16="http://schemas.microsoft.com/office/drawing/2014/main" id="{37C30BAF-D498-C798-BC14-1718488A3435}"/>
+                <a16:creationId xmlns:a16="http://schemas.microsoft.com/office/drawing/2014/main" id="{37C30BAF-D498-C798-BC14-1718488A3435}"/>
               </a:ext>
             </a:extLst>
           </p:cNvPr>
@@ -18855,7 +18750,7 @@
           <p:cNvPr id="6" name="직사각형 5">
             <a:extLst>
               <a:ext uri="{FF2B5EF4-FFF2-40B4-BE49-F238E27FC236}">
-                <a16:creationId xmlns="" xmlns:a16="http://schemas.microsoft.com/office/drawing/2014/main" id="{FFF506F9-840A-0508-4CAF-3AC711D8D5CE}"/>
+                <a16:creationId xmlns:a16="http://schemas.microsoft.com/office/drawing/2014/main" id="{FFF506F9-840A-0508-4CAF-3AC711D8D5CE}"/>
               </a:ext>
             </a:extLst>
           </p:cNvPr>
@@ -18907,7 +18802,7 @@
           <p:cNvPr id="8" name="TextBox 7">
             <a:extLst>
               <a:ext uri="{FF2B5EF4-FFF2-40B4-BE49-F238E27FC236}">
-                <a16:creationId xmlns="" xmlns:a16="http://schemas.microsoft.com/office/drawing/2014/main" id="{37C30BAF-D498-C798-BC14-1718488A3435}"/>
+                <a16:creationId xmlns:a16="http://schemas.microsoft.com/office/drawing/2014/main" id="{37C30BAF-D498-C798-BC14-1718488A3435}"/>
               </a:ext>
             </a:extLst>
           </p:cNvPr>
@@ -18938,17 +18833,7 @@
                 <a:latin typeface="G마켓 산스 Medium" panose="02000000000000000000" pitchFamily="50" charset="-127"/>
                 <a:ea typeface="G마켓 산스 Medium" panose="02000000000000000000" pitchFamily="50" charset="-127"/>
               </a:rPr>
-              <a:t>같은 클래스 안에 시그니처가 동일한 </a:t>
-            </a:r>
-            <a:r>
-              <a:rPr lang="ko-KR" altLang="en-US" sz="4800" smtClean="0">
-                <a:solidFill>
-                  <a:srgbClr val="4C50BC"/>
-                </a:solidFill>
-                <a:latin typeface="G마켓 산스 Medium" panose="02000000000000000000" pitchFamily="50" charset="-127"/>
-                <a:ea typeface="G마켓 산스 Medium" panose="02000000000000000000" pitchFamily="50" charset="-127"/>
-              </a:rPr>
-              <a:t>메서드를 </a:t>
+              <a:t>같은 클래스 안에 시그니처가 동일한 메서드를 </a:t>
             </a:r>
             <a:r>
               <a:rPr lang="en-US" altLang="ko-KR" sz="4800">
@@ -18995,7 +18880,7 @@
           <p:cNvPr id="10" name="그룹 1008">
             <a:extLst>
               <a:ext uri="{FF2B5EF4-FFF2-40B4-BE49-F238E27FC236}">
-                <a16:creationId xmlns="" xmlns:a16="http://schemas.microsoft.com/office/drawing/2014/main" id="{678F6342-C505-E8AD-ADA4-022CB2C2088E}"/>
+                <a16:creationId xmlns:a16="http://schemas.microsoft.com/office/drawing/2014/main" id="{678F6342-C505-E8AD-ADA4-022CB2C2088E}"/>
               </a:ext>
             </a:extLst>
           </p:cNvPr>
@@ -19015,7 +18900,7 @@
             <p:cNvPr id="11" name="그룹 1009">
               <a:extLst>
                 <a:ext uri="{FF2B5EF4-FFF2-40B4-BE49-F238E27FC236}">
-                  <a16:creationId xmlns="" xmlns:a16="http://schemas.microsoft.com/office/drawing/2014/main" id="{4E1F1FED-812B-9BBB-925A-84B54A077414}"/>
+                  <a16:creationId xmlns:a16="http://schemas.microsoft.com/office/drawing/2014/main" id="{4E1F1FED-812B-9BBB-925A-84B54A077414}"/>
                 </a:ext>
               </a:extLst>
             </p:cNvPr>
@@ -19035,7 +18920,7 @@
               <p:cNvPr id="16" name="Object 29">
                 <a:extLst>
                   <a:ext uri="{FF2B5EF4-FFF2-40B4-BE49-F238E27FC236}">
-                    <a16:creationId xmlns="" xmlns:a16="http://schemas.microsoft.com/office/drawing/2014/main" id="{7B078609-4286-7B00-51EB-809C8E2DE289}"/>
+                    <a16:creationId xmlns:a16="http://schemas.microsoft.com/office/drawing/2014/main" id="{7B078609-4286-7B00-51EB-809C8E2DE289}"/>
                   </a:ext>
                 </a:extLst>
               </p:cNvPr>
@@ -19066,7 +18951,7 @@
             <p:cNvPr id="12" name="그룹 1010">
               <a:extLst>
                 <a:ext uri="{FF2B5EF4-FFF2-40B4-BE49-F238E27FC236}">
-                  <a16:creationId xmlns="" xmlns:a16="http://schemas.microsoft.com/office/drawing/2014/main" id="{02A649BF-B5B5-FBAF-7DFD-E118A4DF8907}"/>
+                  <a16:creationId xmlns:a16="http://schemas.microsoft.com/office/drawing/2014/main" id="{02A649BF-B5B5-FBAF-7DFD-E118A4DF8907}"/>
                 </a:ext>
               </a:extLst>
             </p:cNvPr>
@@ -19086,7 +18971,7 @@
               <p:cNvPr id="15" name="Object 32">
                 <a:extLst>
                   <a:ext uri="{FF2B5EF4-FFF2-40B4-BE49-F238E27FC236}">
-                    <a16:creationId xmlns="" xmlns:a16="http://schemas.microsoft.com/office/drawing/2014/main" id="{2A0FFF23-B3C9-3EA0-1C1B-A87D4FF098AE}"/>
+                    <a16:creationId xmlns:a16="http://schemas.microsoft.com/office/drawing/2014/main" id="{2A0FFF23-B3C9-3EA0-1C1B-A87D4FF098AE}"/>
                   </a:ext>
                 </a:extLst>
               </p:cNvPr>
@@ -19117,7 +19002,7 @@
             <p:cNvPr id="13" name="그룹 1011">
               <a:extLst>
                 <a:ext uri="{FF2B5EF4-FFF2-40B4-BE49-F238E27FC236}">
-                  <a16:creationId xmlns="" xmlns:a16="http://schemas.microsoft.com/office/drawing/2014/main" id="{881F5410-F7FB-F261-A584-707359BAC593}"/>
+                  <a16:creationId xmlns:a16="http://schemas.microsoft.com/office/drawing/2014/main" id="{881F5410-F7FB-F261-A584-707359BAC593}"/>
                 </a:ext>
               </a:extLst>
             </p:cNvPr>
@@ -19137,7 +19022,7 @@
               <p:cNvPr id="14" name="Object 35">
                 <a:extLst>
                   <a:ext uri="{FF2B5EF4-FFF2-40B4-BE49-F238E27FC236}">
-                    <a16:creationId xmlns="" xmlns:a16="http://schemas.microsoft.com/office/drawing/2014/main" id="{4E99E669-73EB-F9F4-EFE8-DC107035C265}"/>
+                    <a16:creationId xmlns:a16="http://schemas.microsoft.com/office/drawing/2014/main" id="{4E99E669-73EB-F9F4-EFE8-DC107035C265}"/>
                   </a:ext>
                 </a:extLst>
               </p:cNvPr>
@@ -19193,7 +19078,7 @@
           <p:cNvPr id="3" name="그림 2">
             <a:extLst>
               <a:ext uri="{FF2B5EF4-FFF2-40B4-BE49-F238E27FC236}">
-                <a16:creationId xmlns="" xmlns:a16="http://schemas.microsoft.com/office/drawing/2014/main" id="{C85DFD94-7DEB-7BA9-EEDC-E6113A99C80C}"/>
+                <a16:creationId xmlns:a16="http://schemas.microsoft.com/office/drawing/2014/main" id="{C85DFD94-7DEB-7BA9-EEDC-E6113A99C80C}"/>
               </a:ext>
             </a:extLst>
           </p:cNvPr>
@@ -19591,7 +19476,7 @@
           <p:cNvPr id="2" name="TextBox 1">
             <a:extLst>
               <a:ext uri="{FF2B5EF4-FFF2-40B4-BE49-F238E27FC236}">
-                <a16:creationId xmlns="" xmlns:a16="http://schemas.microsoft.com/office/drawing/2014/main" id="{8D19D88B-9541-32D7-90F1-0C45C993E21C}"/>
+                <a16:creationId xmlns:a16="http://schemas.microsoft.com/office/drawing/2014/main" id="{8D19D88B-9541-32D7-90F1-0C45C993E21C}"/>
               </a:ext>
             </a:extLst>
           </p:cNvPr>
@@ -19639,13 +19524,6 @@
   <p:clrMapOvr>
     <a:masterClrMapping/>
   </p:clrMapOvr>
-  <p:timing>
-    <p:tnLst>
-      <p:par>
-        <p:cTn id="1" dur="indefinite" restart="never" nodeType="tmRoot"/>
-      </p:par>
-    </p:tnLst>
-  </p:timing>
 </p:sld>
 </file>
 
@@ -19671,7 +19549,7 @@
           <p:cNvPr id="5" name="그림 4">
             <a:extLst>
               <a:ext uri="{FF2B5EF4-FFF2-40B4-BE49-F238E27FC236}">
-                <a16:creationId xmlns="" xmlns:a16="http://schemas.microsoft.com/office/drawing/2014/main" id="{5800D7CB-7243-2BE7-E09F-3CE8B142071D}"/>
+                <a16:creationId xmlns:a16="http://schemas.microsoft.com/office/drawing/2014/main" id="{5800D7CB-7243-2BE7-E09F-3CE8B142071D}"/>
               </a:ext>
             </a:extLst>
           </p:cNvPr>
@@ -19701,7 +19579,7 @@
           <p:cNvPr id="8" name="TextBox 7">
             <a:extLst>
               <a:ext uri="{FF2B5EF4-FFF2-40B4-BE49-F238E27FC236}">
-                <a16:creationId xmlns="" xmlns:a16="http://schemas.microsoft.com/office/drawing/2014/main" id="{A4133906-7502-9BC0-F6CB-B924688D157A}"/>
+                <a16:creationId xmlns:a16="http://schemas.microsoft.com/office/drawing/2014/main" id="{A4133906-7502-9BC0-F6CB-B924688D157A}"/>
               </a:ext>
             </a:extLst>
           </p:cNvPr>
@@ -19777,13 +19655,6 @@
   <p:clrMapOvr>
     <a:masterClrMapping/>
   </p:clrMapOvr>
-  <p:timing>
-    <p:tnLst>
-      <p:par>
-        <p:cTn id="1" dur="indefinite" restart="never" nodeType="tmRoot"/>
-      </p:par>
-    </p:tnLst>
-  </p:timing>
 </p:sld>
 </file>
 
@@ -19857,7 +19728,7 @@
           <p:cNvPr id="4" name="TextBox 3">
             <a:extLst>
               <a:ext uri="{FF2B5EF4-FFF2-40B4-BE49-F238E27FC236}">
-                <a16:creationId xmlns="" xmlns:a16="http://schemas.microsoft.com/office/drawing/2014/main" id="{37C30BAF-D498-C798-BC14-1718488A3435}"/>
+                <a16:creationId xmlns:a16="http://schemas.microsoft.com/office/drawing/2014/main" id="{37C30BAF-D498-C798-BC14-1718488A3435}"/>
               </a:ext>
             </a:extLst>
           </p:cNvPr>
@@ -19905,7 +19776,7 @@
           <p:cNvPr id="7" name="직선 화살표 연결선 6">
             <a:extLst>
               <a:ext uri="{FF2B5EF4-FFF2-40B4-BE49-F238E27FC236}">
-                <a16:creationId xmlns="" xmlns:a16="http://schemas.microsoft.com/office/drawing/2014/main" id="{299DF5EC-9DF4-5255-06AC-0A7CE4FF58C3}"/>
+                <a16:creationId xmlns:a16="http://schemas.microsoft.com/office/drawing/2014/main" id="{299DF5EC-9DF4-5255-06AC-0A7CE4FF58C3}"/>
               </a:ext>
             </a:extLst>
           </p:cNvPr>
@@ -19946,7 +19817,7 @@
           <p:cNvPr id="8" name="직사각형 7">
             <a:extLst>
               <a:ext uri="{FF2B5EF4-FFF2-40B4-BE49-F238E27FC236}">
-                <a16:creationId xmlns="" xmlns:a16="http://schemas.microsoft.com/office/drawing/2014/main" id="{FFF506F9-840A-0508-4CAF-3AC711D8D5CE}"/>
+                <a16:creationId xmlns:a16="http://schemas.microsoft.com/office/drawing/2014/main" id="{FFF506F9-840A-0508-4CAF-3AC711D8D5CE}"/>
               </a:ext>
             </a:extLst>
           </p:cNvPr>
@@ -19998,7 +19869,7 @@
           <p:cNvPr id="9" name="TextBox 8">
             <a:extLst>
               <a:ext uri="{FF2B5EF4-FFF2-40B4-BE49-F238E27FC236}">
-                <a16:creationId xmlns="" xmlns:a16="http://schemas.microsoft.com/office/drawing/2014/main" id="{C6D113C6-EA5C-788F-0C77-E7CE6EBB865F}"/>
+                <a16:creationId xmlns:a16="http://schemas.microsoft.com/office/drawing/2014/main" id="{C6D113C6-EA5C-788F-0C77-E7CE6EBB865F}"/>
               </a:ext>
             </a:extLst>
           </p:cNvPr>
@@ -20056,7 +19927,7 @@
           <p:cNvPr id="10" name="직선 화살표 연결선 9">
             <a:extLst>
               <a:ext uri="{FF2B5EF4-FFF2-40B4-BE49-F238E27FC236}">
-                <a16:creationId xmlns="" xmlns:a16="http://schemas.microsoft.com/office/drawing/2014/main" id="{299DF5EC-9DF4-5255-06AC-0A7CE4FF58C3}"/>
+                <a16:creationId xmlns:a16="http://schemas.microsoft.com/office/drawing/2014/main" id="{299DF5EC-9DF4-5255-06AC-0A7CE4FF58C3}"/>
               </a:ext>
             </a:extLst>
           </p:cNvPr>
@@ -20097,7 +19968,7 @@
           <p:cNvPr id="11" name="직사각형 10">
             <a:extLst>
               <a:ext uri="{FF2B5EF4-FFF2-40B4-BE49-F238E27FC236}">
-                <a16:creationId xmlns="" xmlns:a16="http://schemas.microsoft.com/office/drawing/2014/main" id="{FFF506F9-840A-0508-4CAF-3AC711D8D5CE}"/>
+                <a16:creationId xmlns:a16="http://schemas.microsoft.com/office/drawing/2014/main" id="{FFF506F9-840A-0508-4CAF-3AC711D8D5CE}"/>
               </a:ext>
             </a:extLst>
           </p:cNvPr>
@@ -20149,7 +20020,7 @@
           <p:cNvPr id="12" name="TextBox 11">
             <a:extLst>
               <a:ext uri="{FF2B5EF4-FFF2-40B4-BE49-F238E27FC236}">
-                <a16:creationId xmlns="" xmlns:a16="http://schemas.microsoft.com/office/drawing/2014/main" id="{C6D113C6-EA5C-788F-0C77-E7CE6EBB865F}"/>
+                <a16:creationId xmlns:a16="http://schemas.microsoft.com/office/drawing/2014/main" id="{C6D113C6-EA5C-788F-0C77-E7CE6EBB865F}"/>
               </a:ext>
             </a:extLst>
           </p:cNvPr>
@@ -20232,13 +20103,6 @@
   <p:clrMapOvr>
     <a:masterClrMapping/>
   </p:clrMapOvr>
-  <p:timing>
-    <p:tnLst>
-      <p:par>
-        <p:cTn id="1" dur="indefinite" restart="never" nodeType="tmRoot"/>
-      </p:par>
-    </p:tnLst>
-  </p:timing>
 </p:sld>
 </file>
 
@@ -20288,7 +20152,7 @@
           <p:cNvPr id="6" name="직선 화살표 연결선 5">
             <a:extLst>
               <a:ext uri="{FF2B5EF4-FFF2-40B4-BE49-F238E27FC236}">
-                <a16:creationId xmlns="" xmlns:a16="http://schemas.microsoft.com/office/drawing/2014/main" id="{299DF5EC-9DF4-5255-06AC-0A7CE4FF58C3}"/>
+                <a16:creationId xmlns:a16="http://schemas.microsoft.com/office/drawing/2014/main" id="{299DF5EC-9DF4-5255-06AC-0A7CE4FF58C3}"/>
               </a:ext>
             </a:extLst>
           </p:cNvPr>
@@ -20329,7 +20193,7 @@
           <p:cNvPr id="7" name="직사각형 6">
             <a:extLst>
               <a:ext uri="{FF2B5EF4-FFF2-40B4-BE49-F238E27FC236}">
-                <a16:creationId xmlns="" xmlns:a16="http://schemas.microsoft.com/office/drawing/2014/main" id="{FFF506F9-840A-0508-4CAF-3AC711D8D5CE}"/>
+                <a16:creationId xmlns:a16="http://schemas.microsoft.com/office/drawing/2014/main" id="{FFF506F9-840A-0508-4CAF-3AC711D8D5CE}"/>
               </a:ext>
             </a:extLst>
           </p:cNvPr>
@@ -20381,7 +20245,7 @@
           <p:cNvPr id="8" name="TextBox 7">
             <a:extLst>
               <a:ext uri="{FF2B5EF4-FFF2-40B4-BE49-F238E27FC236}">
-                <a16:creationId xmlns="" xmlns:a16="http://schemas.microsoft.com/office/drawing/2014/main" id="{C6D113C6-EA5C-788F-0C77-E7CE6EBB865F}"/>
+                <a16:creationId xmlns:a16="http://schemas.microsoft.com/office/drawing/2014/main" id="{C6D113C6-EA5C-788F-0C77-E7CE6EBB865F}"/>
               </a:ext>
             </a:extLst>
           </p:cNvPr>
@@ -20463,7 +20327,7 @@
           <p:cNvPr id="10" name="직선 화살표 연결선 9">
             <a:extLst>
               <a:ext uri="{FF2B5EF4-FFF2-40B4-BE49-F238E27FC236}">
-                <a16:creationId xmlns="" xmlns:a16="http://schemas.microsoft.com/office/drawing/2014/main" id="{299DF5EC-9DF4-5255-06AC-0A7CE4FF58C3}"/>
+                <a16:creationId xmlns:a16="http://schemas.microsoft.com/office/drawing/2014/main" id="{299DF5EC-9DF4-5255-06AC-0A7CE4FF58C3}"/>
               </a:ext>
             </a:extLst>
           </p:cNvPr>
@@ -20505,7 +20369,7 @@
           <p:cNvPr id="11" name="TextBox 10">
             <a:extLst>
               <a:ext uri="{FF2B5EF4-FFF2-40B4-BE49-F238E27FC236}">
-                <a16:creationId xmlns="" xmlns:a16="http://schemas.microsoft.com/office/drawing/2014/main" id="{C6D113C6-EA5C-788F-0C77-E7CE6EBB865F}"/>
+                <a16:creationId xmlns:a16="http://schemas.microsoft.com/office/drawing/2014/main" id="{C6D113C6-EA5C-788F-0C77-E7CE6EBB865F}"/>
               </a:ext>
             </a:extLst>
           </p:cNvPr>
@@ -20587,7 +20451,7 @@
           <p:cNvPr id="14" name="직선 화살표 연결선 13">
             <a:extLst>
               <a:ext uri="{FF2B5EF4-FFF2-40B4-BE49-F238E27FC236}">
-                <a16:creationId xmlns="" xmlns:a16="http://schemas.microsoft.com/office/drawing/2014/main" id="{299DF5EC-9DF4-5255-06AC-0A7CE4FF58C3}"/>
+                <a16:creationId xmlns:a16="http://schemas.microsoft.com/office/drawing/2014/main" id="{299DF5EC-9DF4-5255-06AC-0A7CE4FF58C3}"/>
               </a:ext>
             </a:extLst>
           </p:cNvPr>
@@ -20630,7 +20494,7 @@
           <p:cNvPr id="15" name="TextBox 14">
             <a:extLst>
               <a:ext uri="{FF2B5EF4-FFF2-40B4-BE49-F238E27FC236}">
-                <a16:creationId xmlns="" xmlns:a16="http://schemas.microsoft.com/office/drawing/2014/main" id="{C6D113C6-EA5C-788F-0C77-E7CE6EBB865F}"/>
+                <a16:creationId xmlns:a16="http://schemas.microsoft.com/office/drawing/2014/main" id="{C6D113C6-EA5C-788F-0C77-E7CE6EBB865F}"/>
               </a:ext>
             </a:extLst>
           </p:cNvPr>
@@ -20948,7 +20812,7 @@
           <p:cNvPr id="19" name="그림 18">
             <a:extLst>
               <a:ext uri="{FF2B5EF4-FFF2-40B4-BE49-F238E27FC236}">
-                <a16:creationId xmlns="" xmlns:a16="http://schemas.microsoft.com/office/drawing/2014/main" id="{73EA9AD5-652A-E633-4DF9-DE18E43E5236}"/>
+                <a16:creationId xmlns:a16="http://schemas.microsoft.com/office/drawing/2014/main" id="{73EA9AD5-652A-E633-4DF9-DE18E43E5236}"/>
               </a:ext>
             </a:extLst>
           </p:cNvPr>
@@ -20978,7 +20842,7 @@
           <p:cNvPr id="6" name="직선 화살표 연결선 5">
             <a:extLst>
               <a:ext uri="{FF2B5EF4-FFF2-40B4-BE49-F238E27FC236}">
-                <a16:creationId xmlns="" xmlns:a16="http://schemas.microsoft.com/office/drawing/2014/main" id="{B454D3EE-79E4-3E9B-C0E9-E6F440C2E6D9}"/>
+                <a16:creationId xmlns:a16="http://schemas.microsoft.com/office/drawing/2014/main" id="{B454D3EE-79E4-3E9B-C0E9-E6F440C2E6D9}"/>
               </a:ext>
             </a:extLst>
           </p:cNvPr>
@@ -21019,7 +20883,7 @@
           <p:cNvPr id="7" name="직사각형 6">
             <a:extLst>
               <a:ext uri="{FF2B5EF4-FFF2-40B4-BE49-F238E27FC236}">
-                <a16:creationId xmlns="" xmlns:a16="http://schemas.microsoft.com/office/drawing/2014/main" id="{49102FF6-64E0-3A65-8A38-3CDE903E1B3D}"/>
+                <a16:creationId xmlns:a16="http://schemas.microsoft.com/office/drawing/2014/main" id="{49102FF6-64E0-3A65-8A38-3CDE903E1B3D}"/>
               </a:ext>
             </a:extLst>
           </p:cNvPr>
@@ -21071,7 +20935,7 @@
           <p:cNvPr id="8" name="TextBox 7">
             <a:extLst>
               <a:ext uri="{FF2B5EF4-FFF2-40B4-BE49-F238E27FC236}">
-                <a16:creationId xmlns="" xmlns:a16="http://schemas.microsoft.com/office/drawing/2014/main" id="{707F4EFA-3C95-00C7-9741-B85907CE299C}"/>
+                <a16:creationId xmlns:a16="http://schemas.microsoft.com/office/drawing/2014/main" id="{707F4EFA-3C95-00C7-9741-B85907CE299C}"/>
               </a:ext>
             </a:extLst>
           </p:cNvPr>
@@ -21132,19 +20996,9 @@
                 <a:latin typeface="G마켓 산스 Medium" panose="02000000000000000000" pitchFamily="50" charset="-127"/>
                 <a:ea typeface="G마켓 산스 Medium" panose="02000000000000000000" pitchFamily="50" charset="-127"/>
               </a:rPr>
-              <a:t>그냥 </a:t>
-            </a:r>
-            <a:r>
-              <a:rPr lang="ko-KR" altLang="en-US" sz="4000" smtClean="0">
-                <a:solidFill>
-                  <a:srgbClr val="FF0000"/>
-                </a:solidFill>
-                <a:latin typeface="G마켓 산스 Medium" panose="02000000000000000000" pitchFamily="50" charset="-127"/>
-                <a:ea typeface="G마켓 산스 Medium" panose="02000000000000000000" pitchFamily="50" charset="-127"/>
-              </a:rPr>
-              <a:t>사용한다</a:t>
-            </a:r>
-            <a:endParaRPr lang="en-US" altLang="ko-KR" sz="4000" smtClean="0">
+              <a:t>그냥 사용한다</a:t>
+            </a:r>
+            <a:endParaRPr lang="en-US" altLang="ko-KR" sz="4000">
               <a:solidFill>
                 <a:srgbClr val="FF0000"/>
               </a:solidFill>
@@ -21154,7 +21008,7 @@
           </a:p>
           <a:p>
             <a:r>
-              <a:rPr lang="en-US" altLang="ko-KR" sz="4000" smtClean="0">
+              <a:rPr lang="en-US" altLang="ko-KR" sz="4000">
                 <a:solidFill>
                   <a:srgbClr val="FF0000"/>
                 </a:solidFill>
@@ -21164,7 +21018,7 @@
               <a:t>(</a:t>
             </a:r>
             <a:r>
-              <a:rPr lang="ko-KR" altLang="en-US" sz="4000" smtClean="0">
+              <a:rPr lang="ko-KR" altLang="en-US" sz="4000">
                 <a:solidFill>
                   <a:srgbClr val="FF0000"/>
                 </a:solidFill>
@@ -21174,7 +21028,7 @@
               <a:t>실제 실행이 아닌 설계도를 만드는것이기때문</a:t>
             </a:r>
             <a:r>
-              <a:rPr lang="en-US" altLang="ko-KR" sz="4000" smtClean="0">
+              <a:rPr lang="en-US" altLang="ko-KR" sz="4000">
                 <a:solidFill>
                   <a:srgbClr val="FF0000"/>
                 </a:solidFill>
@@ -21198,7 +21052,7 @@
           <p:cNvPr id="17" name="TextBox 16">
             <a:extLst>
               <a:ext uri="{FF2B5EF4-FFF2-40B4-BE49-F238E27FC236}">
-                <a16:creationId xmlns="" xmlns:a16="http://schemas.microsoft.com/office/drawing/2014/main" id="{4510504D-D75A-B25A-F54D-62EB885FF6BC}"/>
+                <a16:creationId xmlns:a16="http://schemas.microsoft.com/office/drawing/2014/main" id="{4510504D-D75A-B25A-F54D-62EB885FF6BC}"/>
               </a:ext>
             </a:extLst>
           </p:cNvPr>
@@ -21409,7 +21263,7 @@
           <p:cNvPr id="16" name="그림 15">
             <a:extLst>
               <a:ext uri="{FF2B5EF4-FFF2-40B4-BE49-F238E27FC236}">
-                <a16:creationId xmlns="" xmlns:a16="http://schemas.microsoft.com/office/drawing/2014/main" id="{5D682A7D-C013-47D5-B98C-043624107A0C}"/>
+                <a16:creationId xmlns:a16="http://schemas.microsoft.com/office/drawing/2014/main" id="{5D682A7D-C013-47D5-B98C-043624107A0C}"/>
               </a:ext>
             </a:extLst>
           </p:cNvPr>
@@ -21439,7 +21293,7 @@
           <p:cNvPr id="5" name="직선 화살표 연결선 4">
             <a:extLst>
               <a:ext uri="{FF2B5EF4-FFF2-40B4-BE49-F238E27FC236}">
-                <a16:creationId xmlns="" xmlns:a16="http://schemas.microsoft.com/office/drawing/2014/main" id="{849FF84F-5E2E-13B0-C5F0-E0C2C521985E}"/>
+                <a16:creationId xmlns:a16="http://schemas.microsoft.com/office/drawing/2014/main" id="{849FF84F-5E2E-13B0-C5F0-E0C2C521985E}"/>
               </a:ext>
             </a:extLst>
           </p:cNvPr>
@@ -21480,7 +21334,7 @@
           <p:cNvPr id="6" name="직사각형 5">
             <a:extLst>
               <a:ext uri="{FF2B5EF4-FFF2-40B4-BE49-F238E27FC236}">
-                <a16:creationId xmlns="" xmlns:a16="http://schemas.microsoft.com/office/drawing/2014/main" id="{BCBF0863-B701-91CD-9E69-D294D555B027}"/>
+                <a16:creationId xmlns:a16="http://schemas.microsoft.com/office/drawing/2014/main" id="{BCBF0863-B701-91CD-9E69-D294D555B027}"/>
               </a:ext>
             </a:extLst>
           </p:cNvPr>
@@ -21532,7 +21386,7 @@
           <p:cNvPr id="7" name="TextBox 6">
             <a:extLst>
               <a:ext uri="{FF2B5EF4-FFF2-40B4-BE49-F238E27FC236}">
-                <a16:creationId xmlns="" xmlns:a16="http://schemas.microsoft.com/office/drawing/2014/main" id="{82CA2684-25EE-0D78-9BC7-923D687A3B16}"/>
+                <a16:creationId xmlns:a16="http://schemas.microsoft.com/office/drawing/2014/main" id="{82CA2684-25EE-0D78-9BC7-923D687A3B16}"/>
               </a:ext>
             </a:extLst>
           </p:cNvPr>
@@ -21556,7 +21410,7 @@
           <a:lstStyle/>
           <a:p>
             <a:r>
-              <a:rPr lang="ko-KR" altLang="en-US" sz="4000" smtClean="0">
+              <a:rPr lang="ko-KR" altLang="en-US" sz="4000">
                 <a:solidFill>
                   <a:srgbClr val="FF0000"/>
                 </a:solidFill>
@@ -21566,7 +21420,7 @@
               <a:t>클래스가 다르므로 객체생성 없이 그냥 사용할수 없다</a:t>
             </a:r>
             <a:r>
-              <a:rPr lang="en-US" altLang="ko-KR" sz="4000" smtClean="0">
+              <a:rPr lang="en-US" altLang="ko-KR" sz="4000">
                 <a:solidFill>
                   <a:srgbClr val="FF0000"/>
                 </a:solidFill>
@@ -21590,7 +21444,7 @@
           <p:cNvPr id="8" name="그룹 1008">
             <a:extLst>
               <a:ext uri="{FF2B5EF4-FFF2-40B4-BE49-F238E27FC236}">
-                <a16:creationId xmlns="" xmlns:a16="http://schemas.microsoft.com/office/drawing/2014/main" id="{2D9296B5-342D-0AD4-0D62-4ECA9D8945E1}"/>
+                <a16:creationId xmlns:a16="http://schemas.microsoft.com/office/drawing/2014/main" id="{2D9296B5-342D-0AD4-0D62-4ECA9D8945E1}"/>
               </a:ext>
             </a:extLst>
           </p:cNvPr>
@@ -21610,7 +21464,7 @@
             <p:cNvPr id="9" name="그룹 1009">
               <a:extLst>
                 <a:ext uri="{FF2B5EF4-FFF2-40B4-BE49-F238E27FC236}">
-                  <a16:creationId xmlns="" xmlns:a16="http://schemas.microsoft.com/office/drawing/2014/main" id="{5209375F-E531-2D26-89C2-D0D0F1662046}"/>
+                  <a16:creationId xmlns:a16="http://schemas.microsoft.com/office/drawing/2014/main" id="{5209375F-E531-2D26-89C2-D0D0F1662046}"/>
                 </a:ext>
               </a:extLst>
             </p:cNvPr>
@@ -21630,7 +21484,7 @@
               <p:cNvPr id="14" name="Object 29">
                 <a:extLst>
                   <a:ext uri="{FF2B5EF4-FFF2-40B4-BE49-F238E27FC236}">
-                    <a16:creationId xmlns="" xmlns:a16="http://schemas.microsoft.com/office/drawing/2014/main" id="{3253EA13-9867-F960-B461-0D31ED8736A6}"/>
+                    <a16:creationId xmlns:a16="http://schemas.microsoft.com/office/drawing/2014/main" id="{3253EA13-9867-F960-B461-0D31ED8736A6}"/>
                   </a:ext>
                 </a:extLst>
               </p:cNvPr>
@@ -21661,7 +21515,7 @@
             <p:cNvPr id="10" name="그룹 1010">
               <a:extLst>
                 <a:ext uri="{FF2B5EF4-FFF2-40B4-BE49-F238E27FC236}">
-                  <a16:creationId xmlns="" xmlns:a16="http://schemas.microsoft.com/office/drawing/2014/main" id="{20C6E498-D690-BF83-088D-DA5C5F9845FD}"/>
+                  <a16:creationId xmlns:a16="http://schemas.microsoft.com/office/drawing/2014/main" id="{20C6E498-D690-BF83-088D-DA5C5F9845FD}"/>
                 </a:ext>
               </a:extLst>
             </p:cNvPr>
@@ -21681,7 +21535,7 @@
               <p:cNvPr id="13" name="Object 32">
                 <a:extLst>
                   <a:ext uri="{FF2B5EF4-FFF2-40B4-BE49-F238E27FC236}">
-                    <a16:creationId xmlns="" xmlns:a16="http://schemas.microsoft.com/office/drawing/2014/main" id="{F97412D2-E4BC-9ED9-AC67-674C66CE7B90}"/>
+                    <a16:creationId xmlns:a16="http://schemas.microsoft.com/office/drawing/2014/main" id="{F97412D2-E4BC-9ED9-AC67-674C66CE7B90}"/>
                   </a:ext>
                 </a:extLst>
               </p:cNvPr>
@@ -21712,7 +21566,7 @@
             <p:cNvPr id="11" name="그룹 1011">
               <a:extLst>
                 <a:ext uri="{FF2B5EF4-FFF2-40B4-BE49-F238E27FC236}">
-                  <a16:creationId xmlns="" xmlns:a16="http://schemas.microsoft.com/office/drawing/2014/main" id="{23C3A701-1BBC-7D96-7E2E-B65A0171F907}"/>
+                  <a16:creationId xmlns:a16="http://schemas.microsoft.com/office/drawing/2014/main" id="{23C3A701-1BBC-7D96-7E2E-B65A0171F907}"/>
                 </a:ext>
               </a:extLst>
             </p:cNvPr>
@@ -21732,7 +21586,7 @@
               <p:cNvPr id="12" name="Object 35">
                 <a:extLst>
                   <a:ext uri="{FF2B5EF4-FFF2-40B4-BE49-F238E27FC236}">
-                    <a16:creationId xmlns="" xmlns:a16="http://schemas.microsoft.com/office/drawing/2014/main" id="{00ABB164-581B-E3B7-55B9-28AAD0DD719E}"/>
+                    <a16:creationId xmlns:a16="http://schemas.microsoft.com/office/drawing/2014/main" id="{00ABB164-581B-E3B7-55B9-28AAD0DD719E}"/>
                   </a:ext>
                 </a:extLst>
               </p:cNvPr>
@@ -21764,7 +21618,7 @@
           <p:cNvPr id="19" name="그림 18">
             <a:extLst>
               <a:ext uri="{FF2B5EF4-FFF2-40B4-BE49-F238E27FC236}">
-                <a16:creationId xmlns="" xmlns:a16="http://schemas.microsoft.com/office/drawing/2014/main" id="{49E82C32-8C16-80B8-55ED-01DE21B59655}"/>
+                <a16:creationId xmlns:a16="http://schemas.microsoft.com/office/drawing/2014/main" id="{49E82C32-8C16-80B8-55ED-01DE21B59655}"/>
               </a:ext>
             </a:extLst>
           </p:cNvPr>
@@ -22019,7 +21873,7 @@
           <p:cNvPr id="4" name="TextBox 3">
             <a:extLst>
               <a:ext uri="{FF2B5EF4-FFF2-40B4-BE49-F238E27FC236}">
-                <a16:creationId xmlns="" xmlns:a16="http://schemas.microsoft.com/office/drawing/2014/main" id="{37C30BAF-D498-C798-BC14-1718488A3435}"/>
+                <a16:creationId xmlns:a16="http://schemas.microsoft.com/office/drawing/2014/main" id="{37C30BAF-D498-C798-BC14-1718488A3435}"/>
               </a:ext>
             </a:extLst>
           </p:cNvPr>
@@ -22091,7 +21945,7 @@
           <p:cNvPr id="6" name="직선 화살표 연결선 5">
             <a:extLst>
               <a:ext uri="{FF2B5EF4-FFF2-40B4-BE49-F238E27FC236}">
-                <a16:creationId xmlns="" xmlns:a16="http://schemas.microsoft.com/office/drawing/2014/main" id="{299DF5EC-9DF4-5255-06AC-0A7CE4FF58C3}"/>
+                <a16:creationId xmlns:a16="http://schemas.microsoft.com/office/drawing/2014/main" id="{299DF5EC-9DF4-5255-06AC-0A7CE4FF58C3}"/>
               </a:ext>
             </a:extLst>
           </p:cNvPr>
@@ -22133,7 +21987,7 @@
           <p:cNvPr id="7" name="직사각형 6">
             <a:extLst>
               <a:ext uri="{FF2B5EF4-FFF2-40B4-BE49-F238E27FC236}">
-                <a16:creationId xmlns="" xmlns:a16="http://schemas.microsoft.com/office/drawing/2014/main" id="{FFF506F9-840A-0508-4CAF-3AC711D8D5CE}"/>
+                <a16:creationId xmlns:a16="http://schemas.microsoft.com/office/drawing/2014/main" id="{FFF506F9-840A-0508-4CAF-3AC711D8D5CE}"/>
               </a:ext>
             </a:extLst>
           </p:cNvPr>
@@ -22185,7 +22039,7 @@
           <p:cNvPr id="8" name="TextBox 7">
             <a:extLst>
               <a:ext uri="{FF2B5EF4-FFF2-40B4-BE49-F238E27FC236}">
-                <a16:creationId xmlns="" xmlns:a16="http://schemas.microsoft.com/office/drawing/2014/main" id="{C6D113C6-EA5C-788F-0C77-E7CE6EBB865F}"/>
+                <a16:creationId xmlns:a16="http://schemas.microsoft.com/office/drawing/2014/main" id="{C6D113C6-EA5C-788F-0C77-E7CE6EBB865F}"/>
               </a:ext>
             </a:extLst>
           </p:cNvPr>
@@ -22277,7 +22131,7 @@
           <p:cNvPr id="12" name="직선 화살표 연결선 11">
             <a:extLst>
               <a:ext uri="{FF2B5EF4-FFF2-40B4-BE49-F238E27FC236}">
-                <a16:creationId xmlns="" xmlns:a16="http://schemas.microsoft.com/office/drawing/2014/main" id="{299DF5EC-9DF4-5255-06AC-0A7CE4FF58C3}"/>
+                <a16:creationId xmlns:a16="http://schemas.microsoft.com/office/drawing/2014/main" id="{299DF5EC-9DF4-5255-06AC-0A7CE4FF58C3}"/>
               </a:ext>
             </a:extLst>
           </p:cNvPr>
@@ -22319,7 +22173,7 @@
           <p:cNvPr id="13" name="직사각형 12">
             <a:extLst>
               <a:ext uri="{FF2B5EF4-FFF2-40B4-BE49-F238E27FC236}">
-                <a16:creationId xmlns="" xmlns:a16="http://schemas.microsoft.com/office/drawing/2014/main" id="{FFF506F9-840A-0508-4CAF-3AC711D8D5CE}"/>
+                <a16:creationId xmlns:a16="http://schemas.microsoft.com/office/drawing/2014/main" id="{FFF506F9-840A-0508-4CAF-3AC711D8D5CE}"/>
               </a:ext>
             </a:extLst>
           </p:cNvPr>
@@ -22371,7 +22225,7 @@
           <p:cNvPr id="14" name="TextBox 13">
             <a:extLst>
               <a:ext uri="{FF2B5EF4-FFF2-40B4-BE49-F238E27FC236}">
-                <a16:creationId xmlns="" xmlns:a16="http://schemas.microsoft.com/office/drawing/2014/main" id="{C6D113C6-EA5C-788F-0C77-E7CE6EBB865F}"/>
+                <a16:creationId xmlns:a16="http://schemas.microsoft.com/office/drawing/2014/main" id="{C6D113C6-EA5C-788F-0C77-E7CE6EBB865F}"/>
               </a:ext>
             </a:extLst>
           </p:cNvPr>
@@ -22656,7 +22510,7 @@
           <p:cNvPr id="6" name="직선 화살표 연결선 5">
             <a:extLst>
               <a:ext uri="{FF2B5EF4-FFF2-40B4-BE49-F238E27FC236}">
-                <a16:creationId xmlns="" xmlns:a16="http://schemas.microsoft.com/office/drawing/2014/main" id="{299DF5EC-9DF4-5255-06AC-0A7CE4FF58C3}"/>
+                <a16:creationId xmlns:a16="http://schemas.microsoft.com/office/drawing/2014/main" id="{299DF5EC-9DF4-5255-06AC-0A7CE4FF58C3}"/>
               </a:ext>
             </a:extLst>
           </p:cNvPr>
@@ -22697,7 +22551,7 @@
           <p:cNvPr id="7" name="직사각형 6">
             <a:extLst>
               <a:ext uri="{FF2B5EF4-FFF2-40B4-BE49-F238E27FC236}">
-                <a16:creationId xmlns="" xmlns:a16="http://schemas.microsoft.com/office/drawing/2014/main" id="{FFF506F9-840A-0508-4CAF-3AC711D8D5CE}"/>
+                <a16:creationId xmlns:a16="http://schemas.microsoft.com/office/drawing/2014/main" id="{FFF506F9-840A-0508-4CAF-3AC711D8D5CE}"/>
               </a:ext>
             </a:extLst>
           </p:cNvPr>
@@ -22749,7 +22603,7 @@
           <p:cNvPr id="8" name="TextBox 7">
             <a:extLst>
               <a:ext uri="{FF2B5EF4-FFF2-40B4-BE49-F238E27FC236}">
-                <a16:creationId xmlns="" xmlns:a16="http://schemas.microsoft.com/office/drawing/2014/main" id="{C6D113C6-EA5C-788F-0C77-E7CE6EBB865F}"/>
+                <a16:creationId xmlns:a16="http://schemas.microsoft.com/office/drawing/2014/main" id="{C6D113C6-EA5C-788F-0C77-E7CE6EBB865F}"/>
               </a:ext>
             </a:extLst>
           </p:cNvPr>
@@ -22889,7 +22743,7 @@
           <p:cNvPr id="14" name="직선 화살표 연결선 13">
             <a:extLst>
               <a:ext uri="{FF2B5EF4-FFF2-40B4-BE49-F238E27FC236}">
-                <a16:creationId xmlns="" xmlns:a16="http://schemas.microsoft.com/office/drawing/2014/main" id="{299DF5EC-9DF4-5255-06AC-0A7CE4FF58C3}"/>
+                <a16:creationId xmlns:a16="http://schemas.microsoft.com/office/drawing/2014/main" id="{299DF5EC-9DF4-5255-06AC-0A7CE4FF58C3}"/>
               </a:ext>
             </a:extLst>
           </p:cNvPr>
@@ -22930,7 +22784,7 @@
           <p:cNvPr id="15" name="직사각형 14">
             <a:extLst>
               <a:ext uri="{FF2B5EF4-FFF2-40B4-BE49-F238E27FC236}">
-                <a16:creationId xmlns="" xmlns:a16="http://schemas.microsoft.com/office/drawing/2014/main" id="{FFF506F9-840A-0508-4CAF-3AC711D8D5CE}"/>
+                <a16:creationId xmlns:a16="http://schemas.microsoft.com/office/drawing/2014/main" id="{FFF506F9-840A-0508-4CAF-3AC711D8D5CE}"/>
               </a:ext>
             </a:extLst>
           </p:cNvPr>
@@ -22982,7 +22836,7 @@
           <p:cNvPr id="16" name="TextBox 15">
             <a:extLst>
               <a:ext uri="{FF2B5EF4-FFF2-40B4-BE49-F238E27FC236}">
-                <a16:creationId xmlns="" xmlns:a16="http://schemas.microsoft.com/office/drawing/2014/main" id="{C6D113C6-EA5C-788F-0C77-E7CE6EBB865F}"/>
+                <a16:creationId xmlns:a16="http://schemas.microsoft.com/office/drawing/2014/main" id="{C6D113C6-EA5C-788F-0C77-E7CE6EBB865F}"/>
               </a:ext>
             </a:extLst>
           </p:cNvPr>
@@ -23421,7 +23275,7 @@
           <p:cNvPr id="5" name="TextBox 4">
             <a:extLst>
               <a:ext uri="{FF2B5EF4-FFF2-40B4-BE49-F238E27FC236}">
-                <a16:creationId xmlns="" xmlns:a16="http://schemas.microsoft.com/office/drawing/2014/main" id="{37C30BAF-D498-C798-BC14-1718488A3435}"/>
+                <a16:creationId xmlns:a16="http://schemas.microsoft.com/office/drawing/2014/main" id="{37C30BAF-D498-C798-BC14-1718488A3435}"/>
               </a:ext>
             </a:extLst>
           </p:cNvPr>
@@ -23493,7 +23347,7 @@
           <p:cNvPr id="7" name="직선 화살표 연결선 6">
             <a:extLst>
               <a:ext uri="{FF2B5EF4-FFF2-40B4-BE49-F238E27FC236}">
-                <a16:creationId xmlns="" xmlns:a16="http://schemas.microsoft.com/office/drawing/2014/main" id="{299DF5EC-9DF4-5255-06AC-0A7CE4FF58C3}"/>
+                <a16:creationId xmlns:a16="http://schemas.microsoft.com/office/drawing/2014/main" id="{299DF5EC-9DF4-5255-06AC-0A7CE4FF58C3}"/>
               </a:ext>
             </a:extLst>
           </p:cNvPr>
@@ -23534,7 +23388,7 @@
           <p:cNvPr id="8" name="직사각형 7">
             <a:extLst>
               <a:ext uri="{FF2B5EF4-FFF2-40B4-BE49-F238E27FC236}">
-                <a16:creationId xmlns="" xmlns:a16="http://schemas.microsoft.com/office/drawing/2014/main" id="{FFF506F9-840A-0508-4CAF-3AC711D8D5CE}"/>
+                <a16:creationId xmlns:a16="http://schemas.microsoft.com/office/drawing/2014/main" id="{FFF506F9-840A-0508-4CAF-3AC711D8D5CE}"/>
               </a:ext>
             </a:extLst>
           </p:cNvPr>
@@ -23586,7 +23440,7 @@
           <p:cNvPr id="9" name="TextBox 8">
             <a:extLst>
               <a:ext uri="{FF2B5EF4-FFF2-40B4-BE49-F238E27FC236}">
-                <a16:creationId xmlns="" xmlns:a16="http://schemas.microsoft.com/office/drawing/2014/main" id="{C6D113C6-EA5C-788F-0C77-E7CE6EBB865F}"/>
+                <a16:creationId xmlns:a16="http://schemas.microsoft.com/office/drawing/2014/main" id="{C6D113C6-EA5C-788F-0C77-E7CE6EBB865F}"/>
               </a:ext>
             </a:extLst>
           </p:cNvPr>
@@ -23658,7 +23512,7 @@
           <p:cNvPr id="11" name="직선 화살표 연결선 10">
             <a:extLst>
               <a:ext uri="{FF2B5EF4-FFF2-40B4-BE49-F238E27FC236}">
-                <a16:creationId xmlns="" xmlns:a16="http://schemas.microsoft.com/office/drawing/2014/main" id="{299DF5EC-9DF4-5255-06AC-0A7CE4FF58C3}"/>
+                <a16:creationId xmlns:a16="http://schemas.microsoft.com/office/drawing/2014/main" id="{299DF5EC-9DF4-5255-06AC-0A7CE4FF58C3}"/>
               </a:ext>
             </a:extLst>
           </p:cNvPr>
@@ -23699,7 +23553,7 @@
           <p:cNvPr id="12" name="직사각형 11">
             <a:extLst>
               <a:ext uri="{FF2B5EF4-FFF2-40B4-BE49-F238E27FC236}">
-                <a16:creationId xmlns="" xmlns:a16="http://schemas.microsoft.com/office/drawing/2014/main" id="{FFF506F9-840A-0508-4CAF-3AC711D8D5CE}"/>
+                <a16:creationId xmlns:a16="http://schemas.microsoft.com/office/drawing/2014/main" id="{FFF506F9-840A-0508-4CAF-3AC711D8D5CE}"/>
               </a:ext>
             </a:extLst>
           </p:cNvPr>
@@ -23751,7 +23605,7 @@
           <p:cNvPr id="13" name="TextBox 12">
             <a:extLst>
               <a:ext uri="{FF2B5EF4-FFF2-40B4-BE49-F238E27FC236}">
-                <a16:creationId xmlns="" xmlns:a16="http://schemas.microsoft.com/office/drawing/2014/main" id="{C6D113C6-EA5C-788F-0C77-E7CE6EBB865F}"/>
+                <a16:creationId xmlns:a16="http://schemas.microsoft.com/office/drawing/2014/main" id="{C6D113C6-EA5C-788F-0C77-E7CE6EBB865F}"/>
               </a:ext>
             </a:extLst>
           </p:cNvPr>
@@ -23828,21 +23682,6 @@
   <p:clrMapOvr>
     <a:masterClrMapping/>
   </p:clrMapOvr>
-  <mc:AlternateContent xmlns:mc="http://schemas.openxmlformats.org/markup-compatibility/2006" xmlns:p14="http://schemas.microsoft.com/office/powerpoint/2010/main">
-    <mc:Choice Requires="p14">
-      <p:transition spd="slow" p14:dur="2000"/>
-    </mc:Choice>
-    <mc:Fallback xmlns="">
-      <p:transition spd="slow"/>
-    </mc:Fallback>
-  </mc:AlternateContent>
-  <p:timing>
-    <p:tnLst>
-      <p:par>
-        <p:cTn id="1" dur="indefinite" restart="never" nodeType="tmRoot"/>
-      </p:par>
-    </p:tnLst>
-  </p:timing>
 </p:sld>
 </file>
 
@@ -23892,7 +23731,7 @@
           <p:cNvPr id="4" name="TextBox 3">
             <a:extLst>
               <a:ext uri="{FF2B5EF4-FFF2-40B4-BE49-F238E27FC236}">
-                <a16:creationId xmlns="" xmlns:a16="http://schemas.microsoft.com/office/drawing/2014/main" id="{37C30BAF-D498-C798-BC14-1718488A3435}"/>
+                <a16:creationId xmlns:a16="http://schemas.microsoft.com/office/drawing/2014/main" id="{37C30BAF-D498-C798-BC14-1718488A3435}"/>
               </a:ext>
             </a:extLst>
           </p:cNvPr>
@@ -23964,7 +23803,7 @@
           <p:cNvPr id="7" name="직선 화살표 연결선 6">
             <a:extLst>
               <a:ext uri="{FF2B5EF4-FFF2-40B4-BE49-F238E27FC236}">
-                <a16:creationId xmlns="" xmlns:a16="http://schemas.microsoft.com/office/drawing/2014/main" id="{299DF5EC-9DF4-5255-06AC-0A7CE4FF58C3}"/>
+                <a16:creationId xmlns:a16="http://schemas.microsoft.com/office/drawing/2014/main" id="{299DF5EC-9DF4-5255-06AC-0A7CE4FF58C3}"/>
               </a:ext>
             </a:extLst>
           </p:cNvPr>
@@ -24006,7 +23845,7 @@
           <p:cNvPr id="8" name="직사각형 7">
             <a:extLst>
               <a:ext uri="{FF2B5EF4-FFF2-40B4-BE49-F238E27FC236}">
-                <a16:creationId xmlns="" xmlns:a16="http://schemas.microsoft.com/office/drawing/2014/main" id="{FFF506F9-840A-0508-4CAF-3AC711D8D5CE}"/>
+                <a16:creationId xmlns:a16="http://schemas.microsoft.com/office/drawing/2014/main" id="{FFF506F9-840A-0508-4CAF-3AC711D8D5CE}"/>
               </a:ext>
             </a:extLst>
           </p:cNvPr>
@@ -24058,7 +23897,7 @@
           <p:cNvPr id="9" name="TextBox 8">
             <a:extLst>
               <a:ext uri="{FF2B5EF4-FFF2-40B4-BE49-F238E27FC236}">
-                <a16:creationId xmlns="" xmlns:a16="http://schemas.microsoft.com/office/drawing/2014/main" id="{C6D113C6-EA5C-788F-0C77-E7CE6EBB865F}"/>
+                <a16:creationId xmlns:a16="http://schemas.microsoft.com/office/drawing/2014/main" id="{C6D113C6-EA5C-788F-0C77-E7CE6EBB865F}"/>
               </a:ext>
             </a:extLst>
           </p:cNvPr>
@@ -24180,7 +24019,7 @@
           <p:cNvPr id="12" name="그룹 1018">
             <a:extLst>
               <a:ext uri="{FF2B5EF4-FFF2-40B4-BE49-F238E27FC236}">
-                <a16:creationId xmlns="" xmlns:a16="http://schemas.microsoft.com/office/drawing/2014/main" id="{0804D430-F42E-AE32-A065-FFA8C471F092}"/>
+                <a16:creationId xmlns:a16="http://schemas.microsoft.com/office/drawing/2014/main" id="{0804D430-F42E-AE32-A065-FFA8C471F092}"/>
               </a:ext>
             </a:extLst>
           </p:cNvPr>
@@ -24200,7 +24039,7 @@
             <p:cNvPr id="13" name="Object 61">
               <a:extLst>
                 <a:ext uri="{FF2B5EF4-FFF2-40B4-BE49-F238E27FC236}">
-                  <a16:creationId xmlns="" xmlns:a16="http://schemas.microsoft.com/office/drawing/2014/main" id="{334A4C3A-641C-7CD9-8FEE-5EC92B28D640}"/>
+                  <a16:creationId xmlns:a16="http://schemas.microsoft.com/office/drawing/2014/main" id="{334A4C3A-641C-7CD9-8FEE-5EC92B28D640}"/>
                 </a:ext>
               </a:extLst>
             </p:cNvPr>
@@ -24231,7 +24070,7 @@
           <p:cNvPr id="14" name="TextBox 13">
             <a:extLst>
               <a:ext uri="{FF2B5EF4-FFF2-40B4-BE49-F238E27FC236}">
-                <a16:creationId xmlns="" xmlns:a16="http://schemas.microsoft.com/office/drawing/2014/main" id="{A2AD056B-97A4-5BCC-4460-250160F3E171}"/>
+                <a16:creationId xmlns:a16="http://schemas.microsoft.com/office/drawing/2014/main" id="{A2AD056B-97A4-5BCC-4460-250160F3E171}"/>
               </a:ext>
             </a:extLst>
           </p:cNvPr>
@@ -24285,7 +24124,7 @@
           <p:cNvPr id="15" name="TextBox 14">
             <a:extLst>
               <a:ext uri="{FF2B5EF4-FFF2-40B4-BE49-F238E27FC236}">
-                <a16:creationId xmlns="" xmlns:a16="http://schemas.microsoft.com/office/drawing/2014/main" id="{52176D31-35F7-8916-46FA-6095EFEC1E49}"/>
+                <a16:creationId xmlns:a16="http://schemas.microsoft.com/office/drawing/2014/main" id="{52176D31-35F7-8916-46FA-6095EFEC1E49}"/>
               </a:ext>
             </a:extLst>
           </p:cNvPr>
@@ -24400,14 +24239,14 @@
                 <a:gridCol w="1295400">
                   <a:extLst>
                     <a:ext uri="{9D8B030D-6E8A-4147-A177-3AD203B41FA5}">
-                      <a16:colId xmlns="" xmlns:a16="http://schemas.microsoft.com/office/drawing/2014/main" val="20000"/>
+                      <a16:colId xmlns:a16="http://schemas.microsoft.com/office/drawing/2014/main" val="20000"/>
                     </a:ext>
                   </a:extLst>
                 </a:gridCol>
                 <a:gridCol w="2133600">
                   <a:extLst>
                     <a:ext uri="{9D8B030D-6E8A-4147-A177-3AD203B41FA5}">
-                      <a16:colId xmlns="" xmlns:a16="http://schemas.microsoft.com/office/drawing/2014/main" val="20001"/>
+                      <a16:colId xmlns:a16="http://schemas.microsoft.com/office/drawing/2014/main" val="20001"/>
                     </a:ext>
                   </a:extLst>
                 </a:gridCol>
@@ -24533,7 +24372,7 @@
                 </a:tc>
                 <a:extLst>
                   <a:ext uri="{0D108BD9-81ED-4DB2-BD59-A6C34878D82A}">
-                    <a16:rowId xmlns="" xmlns:a16="http://schemas.microsoft.com/office/drawing/2014/main" val="10000"/>
+                    <a16:rowId xmlns:a16="http://schemas.microsoft.com/office/drawing/2014/main" val="10000"/>
                   </a:ext>
                 </a:extLst>
               </a:tr>
@@ -24666,7 +24505,7 @@
                 </a:tc>
                 <a:extLst>
                   <a:ext uri="{0D108BD9-81ED-4DB2-BD59-A6C34878D82A}">
-                    <a16:rowId xmlns="" xmlns:a16="http://schemas.microsoft.com/office/drawing/2014/main" val="10001"/>
+                    <a16:rowId xmlns:a16="http://schemas.microsoft.com/office/drawing/2014/main" val="10001"/>
                   </a:ext>
                 </a:extLst>
               </a:tr>
@@ -24783,7 +24622,7 @@
                 </a:tc>
                 <a:extLst>
                   <a:ext uri="{0D108BD9-81ED-4DB2-BD59-A6C34878D82A}">
-                    <a16:rowId xmlns="" xmlns:a16="http://schemas.microsoft.com/office/drawing/2014/main" val="10002"/>
+                    <a16:rowId xmlns:a16="http://schemas.microsoft.com/office/drawing/2014/main" val="10002"/>
                   </a:ext>
                 </a:extLst>
               </a:tr>
@@ -24892,7 +24731,7 @@
                 </a:tc>
                 <a:extLst>
                   <a:ext uri="{0D108BD9-81ED-4DB2-BD59-A6C34878D82A}">
-                    <a16:rowId xmlns="" xmlns:a16="http://schemas.microsoft.com/office/drawing/2014/main" val="10003"/>
+                    <a16:rowId xmlns:a16="http://schemas.microsoft.com/office/drawing/2014/main" val="10003"/>
                   </a:ext>
                 </a:extLst>
               </a:tr>
@@ -25001,7 +24840,7 @@
                 </a:tc>
                 <a:extLst>
                   <a:ext uri="{0D108BD9-81ED-4DB2-BD59-A6C34878D82A}">
-                    <a16:rowId xmlns="" xmlns:a16="http://schemas.microsoft.com/office/drawing/2014/main" val="10004"/>
+                    <a16:rowId xmlns:a16="http://schemas.microsoft.com/office/drawing/2014/main" val="10004"/>
                   </a:ext>
                 </a:extLst>
               </a:tr>
@@ -25014,7 +24853,7 @@
           <p:cNvPr id="20" name="그룹 1018">
             <a:extLst>
               <a:ext uri="{FF2B5EF4-FFF2-40B4-BE49-F238E27FC236}">
-                <a16:creationId xmlns="" xmlns:a16="http://schemas.microsoft.com/office/drawing/2014/main" id="{0804D430-F42E-AE32-A065-FFA8C471F092}"/>
+                <a16:creationId xmlns:a16="http://schemas.microsoft.com/office/drawing/2014/main" id="{0804D430-F42E-AE32-A065-FFA8C471F092}"/>
               </a:ext>
             </a:extLst>
           </p:cNvPr>
@@ -25034,7 +24873,7 @@
             <p:cNvPr id="21" name="Object 61">
               <a:extLst>
                 <a:ext uri="{FF2B5EF4-FFF2-40B4-BE49-F238E27FC236}">
-                  <a16:creationId xmlns="" xmlns:a16="http://schemas.microsoft.com/office/drawing/2014/main" id="{334A4C3A-641C-7CD9-8FEE-5EC92B28D640}"/>
+                  <a16:creationId xmlns:a16="http://schemas.microsoft.com/office/drawing/2014/main" id="{334A4C3A-641C-7CD9-8FEE-5EC92B28D640}"/>
                 </a:ext>
               </a:extLst>
             </p:cNvPr>
@@ -25065,7 +24904,7 @@
           <p:cNvPr id="22" name="TextBox 21">
             <a:extLst>
               <a:ext uri="{FF2B5EF4-FFF2-40B4-BE49-F238E27FC236}">
-                <a16:creationId xmlns="" xmlns:a16="http://schemas.microsoft.com/office/drawing/2014/main" id="{A2AD056B-97A4-5BCC-4460-250160F3E171}"/>
+                <a16:creationId xmlns:a16="http://schemas.microsoft.com/office/drawing/2014/main" id="{A2AD056B-97A4-5BCC-4460-250160F3E171}"/>
               </a:ext>
             </a:extLst>
           </p:cNvPr>
@@ -25119,7 +24958,7 @@
           <p:cNvPr id="23" name="TextBox 22">
             <a:extLst>
               <a:ext uri="{FF2B5EF4-FFF2-40B4-BE49-F238E27FC236}">
-                <a16:creationId xmlns="" xmlns:a16="http://schemas.microsoft.com/office/drawing/2014/main" id="{52176D31-35F7-8916-46FA-6095EFEC1E49}"/>
+                <a16:creationId xmlns:a16="http://schemas.microsoft.com/office/drawing/2014/main" id="{52176D31-35F7-8916-46FA-6095EFEC1E49}"/>
               </a:ext>
             </a:extLst>
           </p:cNvPr>
@@ -25163,7 +25002,7 @@
           <p:cNvPr id="25" name="직선 화살표 연결선 24">
             <a:extLst>
               <a:ext uri="{FF2B5EF4-FFF2-40B4-BE49-F238E27FC236}">
-                <a16:creationId xmlns="" xmlns:a16="http://schemas.microsoft.com/office/drawing/2014/main" id="{299DF5EC-9DF4-5255-06AC-0A7CE4FF58C3}"/>
+                <a16:creationId xmlns:a16="http://schemas.microsoft.com/office/drawing/2014/main" id="{299DF5EC-9DF4-5255-06AC-0A7CE4FF58C3}"/>
               </a:ext>
             </a:extLst>
           </p:cNvPr>
@@ -25204,7 +25043,7 @@
           <p:cNvPr id="27" name="직선 화살표 연결선 26">
             <a:extLst>
               <a:ext uri="{FF2B5EF4-FFF2-40B4-BE49-F238E27FC236}">
-                <a16:creationId xmlns="" xmlns:a16="http://schemas.microsoft.com/office/drawing/2014/main" id="{299DF5EC-9DF4-5255-06AC-0A7CE4FF58C3}"/>
+                <a16:creationId xmlns:a16="http://schemas.microsoft.com/office/drawing/2014/main" id="{299DF5EC-9DF4-5255-06AC-0A7CE4FF58C3}"/>
               </a:ext>
             </a:extLst>
           </p:cNvPr>
@@ -25250,14 +25089,6 @@
   <p:clrMapOvr>
     <a:masterClrMapping/>
   </p:clrMapOvr>
-  <mc:AlternateContent xmlns:mc="http://schemas.openxmlformats.org/markup-compatibility/2006" xmlns:p14="http://schemas.microsoft.com/office/powerpoint/2010/main">
-    <mc:Choice Requires="p14">
-      <p:transition spd="slow" p14:dur="2000"/>
-    </mc:Choice>
-    <mc:Fallback xmlns="">
-      <p:transition spd="slow"/>
-    </mc:Fallback>
-  </mc:AlternateContent>
   <p:timing>
     <p:tnLst>
       <p:par>
@@ -25840,7 +25671,7 @@
           <p:cNvPr id="4" name="TextBox 3">
             <a:extLst>
               <a:ext uri="{FF2B5EF4-FFF2-40B4-BE49-F238E27FC236}">
-                <a16:creationId xmlns="" xmlns:a16="http://schemas.microsoft.com/office/drawing/2014/main" id="{37C30BAF-D498-C798-BC14-1718488A3435}"/>
+                <a16:creationId xmlns:a16="http://schemas.microsoft.com/office/drawing/2014/main" id="{37C30BAF-D498-C798-BC14-1718488A3435}"/>
               </a:ext>
             </a:extLst>
           </p:cNvPr>
@@ -25936,7 +25767,7 @@
           <p:cNvPr id="8" name="직선 화살표 연결선 7">
             <a:extLst>
               <a:ext uri="{FF2B5EF4-FFF2-40B4-BE49-F238E27FC236}">
-                <a16:creationId xmlns="" xmlns:a16="http://schemas.microsoft.com/office/drawing/2014/main" id="{299DF5EC-9DF4-5255-06AC-0A7CE4FF58C3}"/>
+                <a16:creationId xmlns:a16="http://schemas.microsoft.com/office/drawing/2014/main" id="{299DF5EC-9DF4-5255-06AC-0A7CE4FF58C3}"/>
               </a:ext>
             </a:extLst>
           </p:cNvPr>
@@ -25977,7 +25808,7 @@
           <p:cNvPr id="11" name="직선 화살표 연결선 10">
             <a:extLst>
               <a:ext uri="{FF2B5EF4-FFF2-40B4-BE49-F238E27FC236}">
-                <a16:creationId xmlns="" xmlns:a16="http://schemas.microsoft.com/office/drawing/2014/main" id="{299DF5EC-9DF4-5255-06AC-0A7CE4FF58C3}"/>
+                <a16:creationId xmlns:a16="http://schemas.microsoft.com/office/drawing/2014/main" id="{299DF5EC-9DF4-5255-06AC-0A7CE4FF58C3}"/>
               </a:ext>
             </a:extLst>
           </p:cNvPr>
@@ -26023,21 +25854,6 @@
   <p:clrMapOvr>
     <a:masterClrMapping/>
   </p:clrMapOvr>
-  <mc:AlternateContent xmlns:mc="http://schemas.openxmlformats.org/markup-compatibility/2006" xmlns:p14="http://schemas.microsoft.com/office/powerpoint/2010/main">
-    <mc:Choice Requires="p14">
-      <p:transition spd="slow" p14:dur="2000"/>
-    </mc:Choice>
-    <mc:Fallback xmlns="">
-      <p:transition spd="slow"/>
-    </mc:Fallback>
-  </mc:AlternateContent>
-  <p:timing>
-    <p:tnLst>
-      <p:par>
-        <p:cTn id="1" dur="indefinite" restart="never" nodeType="tmRoot"/>
-      </p:par>
-    </p:tnLst>
-  </p:timing>
 </p:sld>
 </file>
 
@@ -26063,7 +25879,7 @@
           <p:cNvPr id="4" name="TextBox 3">
             <a:extLst>
               <a:ext uri="{FF2B5EF4-FFF2-40B4-BE49-F238E27FC236}">
-                <a16:creationId xmlns="" xmlns:a16="http://schemas.microsoft.com/office/drawing/2014/main" id="{DF7DDD33-9412-2802-339A-E55446AC2DA7}"/>
+                <a16:creationId xmlns:a16="http://schemas.microsoft.com/office/drawing/2014/main" id="{DF7DDD33-9412-2802-339A-E55446AC2DA7}"/>
               </a:ext>
             </a:extLst>
           </p:cNvPr>
@@ -26136,13 +25952,6 @@
   <p:clrMapOvr>
     <a:masterClrMapping/>
   </p:clrMapOvr>
-  <p:timing>
-    <p:tnLst>
-      <p:par>
-        <p:cTn id="1" dur="indefinite" restart="never" nodeType="tmRoot"/>
-      </p:par>
-    </p:tnLst>
-  </p:timing>
 </p:sld>
 </file>
 
@@ -26168,7 +25977,7 @@
           <p:cNvPr id="4" name="TextBox 3">
             <a:extLst>
               <a:ext uri="{FF2B5EF4-FFF2-40B4-BE49-F238E27FC236}">
-                <a16:creationId xmlns="" xmlns:a16="http://schemas.microsoft.com/office/drawing/2014/main" id="{285026BA-691B-4C6B-7FE4-C079A30ABF7D}"/>
+                <a16:creationId xmlns:a16="http://schemas.microsoft.com/office/drawing/2014/main" id="{285026BA-691B-4C6B-7FE4-C079A30ABF7D}"/>
               </a:ext>
             </a:extLst>
           </p:cNvPr>
@@ -26216,7 +26025,7 @@
           <p:cNvPr id="6" name="그림 5">
             <a:extLst>
               <a:ext uri="{FF2B5EF4-FFF2-40B4-BE49-F238E27FC236}">
-                <a16:creationId xmlns="" xmlns:a16="http://schemas.microsoft.com/office/drawing/2014/main" id="{57B34894-D873-26C0-EBAE-9AB3C4973910}"/>
+                <a16:creationId xmlns:a16="http://schemas.microsoft.com/office/drawing/2014/main" id="{57B34894-D873-26C0-EBAE-9AB3C4973910}"/>
               </a:ext>
             </a:extLst>
           </p:cNvPr>
@@ -26246,7 +26055,7 @@
           <p:cNvPr id="7" name="그룹 1008">
             <a:extLst>
               <a:ext uri="{FF2B5EF4-FFF2-40B4-BE49-F238E27FC236}">
-                <a16:creationId xmlns="" xmlns:a16="http://schemas.microsoft.com/office/drawing/2014/main" id="{675FF79A-CC06-55F6-0EA3-4BEE3D62798B}"/>
+                <a16:creationId xmlns:a16="http://schemas.microsoft.com/office/drawing/2014/main" id="{675FF79A-CC06-55F6-0EA3-4BEE3D62798B}"/>
               </a:ext>
             </a:extLst>
           </p:cNvPr>
@@ -26266,7 +26075,7 @@
             <p:cNvPr id="8" name="그룹 1009">
               <a:extLst>
                 <a:ext uri="{FF2B5EF4-FFF2-40B4-BE49-F238E27FC236}">
-                  <a16:creationId xmlns="" xmlns:a16="http://schemas.microsoft.com/office/drawing/2014/main" id="{3281A4DC-BBA0-8CBD-9EFD-FE6461B490F3}"/>
+                  <a16:creationId xmlns:a16="http://schemas.microsoft.com/office/drawing/2014/main" id="{3281A4DC-BBA0-8CBD-9EFD-FE6461B490F3}"/>
                 </a:ext>
               </a:extLst>
             </p:cNvPr>
@@ -26286,7 +26095,7 @@
               <p:cNvPr id="13" name="Object 29">
                 <a:extLst>
                   <a:ext uri="{FF2B5EF4-FFF2-40B4-BE49-F238E27FC236}">
-                    <a16:creationId xmlns="" xmlns:a16="http://schemas.microsoft.com/office/drawing/2014/main" id="{FE82FD63-28CE-1823-FF05-60E6DC99F07D}"/>
+                    <a16:creationId xmlns:a16="http://schemas.microsoft.com/office/drawing/2014/main" id="{FE82FD63-28CE-1823-FF05-60E6DC99F07D}"/>
                   </a:ext>
                 </a:extLst>
               </p:cNvPr>
@@ -26317,7 +26126,7 @@
             <p:cNvPr id="9" name="그룹 1010">
               <a:extLst>
                 <a:ext uri="{FF2B5EF4-FFF2-40B4-BE49-F238E27FC236}">
-                  <a16:creationId xmlns="" xmlns:a16="http://schemas.microsoft.com/office/drawing/2014/main" id="{936DBA6D-D2E1-74F6-3F3D-F641987B8E7C}"/>
+                  <a16:creationId xmlns:a16="http://schemas.microsoft.com/office/drawing/2014/main" id="{936DBA6D-D2E1-74F6-3F3D-F641987B8E7C}"/>
                 </a:ext>
               </a:extLst>
             </p:cNvPr>
@@ -26337,7 +26146,7 @@
               <p:cNvPr id="12" name="Object 32">
                 <a:extLst>
                   <a:ext uri="{FF2B5EF4-FFF2-40B4-BE49-F238E27FC236}">
-                    <a16:creationId xmlns="" xmlns:a16="http://schemas.microsoft.com/office/drawing/2014/main" id="{9016AA37-3384-54A6-5811-2F29A254C878}"/>
+                    <a16:creationId xmlns:a16="http://schemas.microsoft.com/office/drawing/2014/main" id="{9016AA37-3384-54A6-5811-2F29A254C878}"/>
                   </a:ext>
                 </a:extLst>
               </p:cNvPr>
@@ -26368,7 +26177,7 @@
             <p:cNvPr id="10" name="그룹 1011">
               <a:extLst>
                 <a:ext uri="{FF2B5EF4-FFF2-40B4-BE49-F238E27FC236}">
-                  <a16:creationId xmlns="" xmlns:a16="http://schemas.microsoft.com/office/drawing/2014/main" id="{CFF9506A-B157-5C3E-94A8-690B8E737F40}"/>
+                  <a16:creationId xmlns:a16="http://schemas.microsoft.com/office/drawing/2014/main" id="{CFF9506A-B157-5C3E-94A8-690B8E737F40}"/>
                 </a:ext>
               </a:extLst>
             </p:cNvPr>
@@ -26388,7 +26197,7 @@
               <p:cNvPr id="11" name="Object 35">
                 <a:extLst>
                   <a:ext uri="{FF2B5EF4-FFF2-40B4-BE49-F238E27FC236}">
-                    <a16:creationId xmlns="" xmlns:a16="http://schemas.microsoft.com/office/drawing/2014/main" id="{6E31A9ED-06CF-71F7-1C23-93DDEB6E1610}"/>
+                    <a16:creationId xmlns:a16="http://schemas.microsoft.com/office/drawing/2014/main" id="{6E31A9ED-06CF-71F7-1C23-93DDEB6E1610}"/>
                   </a:ext>
                 </a:extLst>
               </p:cNvPr>
@@ -26420,7 +26229,7 @@
           <p:cNvPr id="15" name="그림 14">
             <a:extLst>
               <a:ext uri="{FF2B5EF4-FFF2-40B4-BE49-F238E27FC236}">
-                <a16:creationId xmlns="" xmlns:a16="http://schemas.microsoft.com/office/drawing/2014/main" id="{AF844051-AEF1-D9BE-B040-F725EF659824}"/>
+                <a16:creationId xmlns:a16="http://schemas.microsoft.com/office/drawing/2014/main" id="{AF844051-AEF1-D9BE-B040-F725EF659824}"/>
               </a:ext>
             </a:extLst>
           </p:cNvPr>
@@ -26450,7 +26259,7 @@
           <p:cNvPr id="17" name="그림 16">
             <a:extLst>
               <a:ext uri="{FF2B5EF4-FFF2-40B4-BE49-F238E27FC236}">
-                <a16:creationId xmlns="" xmlns:a16="http://schemas.microsoft.com/office/drawing/2014/main" id="{1E5E9906-31C5-B3CF-1652-AE7B069979D1}"/>
+                <a16:creationId xmlns:a16="http://schemas.microsoft.com/office/drawing/2014/main" id="{1E5E9906-31C5-B3CF-1652-AE7B069979D1}"/>
               </a:ext>
             </a:extLst>
           </p:cNvPr>
@@ -26480,7 +26289,7 @@
           <p:cNvPr id="19" name="그림 18">
             <a:extLst>
               <a:ext uri="{FF2B5EF4-FFF2-40B4-BE49-F238E27FC236}">
-                <a16:creationId xmlns="" xmlns:a16="http://schemas.microsoft.com/office/drawing/2014/main" id="{4D230BDC-9685-A6B9-0B73-5A689B8AF20B}"/>
+                <a16:creationId xmlns:a16="http://schemas.microsoft.com/office/drawing/2014/main" id="{4D230BDC-9685-A6B9-0B73-5A689B8AF20B}"/>
               </a:ext>
             </a:extLst>
           </p:cNvPr>
@@ -26510,7 +26319,7 @@
           <p:cNvPr id="21" name="그림 20">
             <a:extLst>
               <a:ext uri="{FF2B5EF4-FFF2-40B4-BE49-F238E27FC236}">
-                <a16:creationId xmlns="" xmlns:a16="http://schemas.microsoft.com/office/drawing/2014/main" id="{9BA489AA-5F58-89FC-C78B-73E8EE58E1EA}"/>
+                <a16:creationId xmlns:a16="http://schemas.microsoft.com/office/drawing/2014/main" id="{9BA489AA-5F58-89FC-C78B-73E8EE58E1EA}"/>
               </a:ext>
             </a:extLst>
           </p:cNvPr>
@@ -26540,7 +26349,7 @@
           <p:cNvPr id="22" name="직선 화살표 연결선 21">
             <a:extLst>
               <a:ext uri="{FF2B5EF4-FFF2-40B4-BE49-F238E27FC236}">
-                <a16:creationId xmlns="" xmlns:a16="http://schemas.microsoft.com/office/drawing/2014/main" id="{26D066D3-DD05-BC85-E587-62C624651B60}"/>
+                <a16:creationId xmlns:a16="http://schemas.microsoft.com/office/drawing/2014/main" id="{26D066D3-DD05-BC85-E587-62C624651B60}"/>
               </a:ext>
             </a:extLst>
           </p:cNvPr>
@@ -26581,7 +26390,7 @@
           <p:cNvPr id="23" name="직사각형 22">
             <a:extLst>
               <a:ext uri="{FF2B5EF4-FFF2-40B4-BE49-F238E27FC236}">
-                <a16:creationId xmlns="" xmlns:a16="http://schemas.microsoft.com/office/drawing/2014/main" id="{7CFAD552-2193-DA33-3DA7-0F624E7D3246}"/>
+                <a16:creationId xmlns:a16="http://schemas.microsoft.com/office/drawing/2014/main" id="{7CFAD552-2193-DA33-3DA7-0F624E7D3246}"/>
               </a:ext>
             </a:extLst>
           </p:cNvPr>
@@ -26633,7 +26442,7 @@
           <p:cNvPr id="24" name="TextBox 23">
             <a:extLst>
               <a:ext uri="{FF2B5EF4-FFF2-40B4-BE49-F238E27FC236}">
-                <a16:creationId xmlns="" xmlns:a16="http://schemas.microsoft.com/office/drawing/2014/main" id="{F458A569-51FA-5919-3C87-7002835C20D6}"/>
+                <a16:creationId xmlns:a16="http://schemas.microsoft.com/office/drawing/2014/main" id="{F458A569-51FA-5919-3C87-7002835C20D6}"/>
               </a:ext>
             </a:extLst>
           </p:cNvPr>
@@ -26704,7 +26513,7 @@
           <p:cNvPr id="26" name="직선 화살표 연결선 25">
             <a:extLst>
               <a:ext uri="{FF2B5EF4-FFF2-40B4-BE49-F238E27FC236}">
-                <a16:creationId xmlns="" xmlns:a16="http://schemas.microsoft.com/office/drawing/2014/main" id="{9CB099DF-F76F-F806-55AB-58039A746071}"/>
+                <a16:creationId xmlns:a16="http://schemas.microsoft.com/office/drawing/2014/main" id="{9CB099DF-F76F-F806-55AB-58039A746071}"/>
               </a:ext>
             </a:extLst>
           </p:cNvPr>
@@ -26745,7 +26554,7 @@
           <p:cNvPr id="27" name="직사각형 26">
             <a:extLst>
               <a:ext uri="{FF2B5EF4-FFF2-40B4-BE49-F238E27FC236}">
-                <a16:creationId xmlns="" xmlns:a16="http://schemas.microsoft.com/office/drawing/2014/main" id="{5A7AAD2F-31D1-08A9-91F4-43557D7E1E37}"/>
+                <a16:creationId xmlns:a16="http://schemas.microsoft.com/office/drawing/2014/main" id="{5A7AAD2F-31D1-08A9-91F4-43557D7E1E37}"/>
               </a:ext>
             </a:extLst>
           </p:cNvPr>
@@ -26797,7 +26606,7 @@
           <p:cNvPr id="28" name="TextBox 27">
             <a:extLst>
               <a:ext uri="{FF2B5EF4-FFF2-40B4-BE49-F238E27FC236}">
-                <a16:creationId xmlns="" xmlns:a16="http://schemas.microsoft.com/office/drawing/2014/main" id="{63FFCB2A-A17A-1B03-53D3-074DB4282B6D}"/>
+                <a16:creationId xmlns:a16="http://schemas.microsoft.com/office/drawing/2014/main" id="{63FFCB2A-A17A-1B03-53D3-074DB4282B6D}"/>
               </a:ext>
             </a:extLst>
           </p:cNvPr>
@@ -26868,7 +26677,7 @@
           <p:cNvPr id="29" name="직선 화살표 연결선 28">
             <a:extLst>
               <a:ext uri="{FF2B5EF4-FFF2-40B4-BE49-F238E27FC236}">
-                <a16:creationId xmlns="" xmlns:a16="http://schemas.microsoft.com/office/drawing/2014/main" id="{FDA538EC-2136-2F05-EDD0-9341A93EBA3C}"/>
+                <a16:creationId xmlns:a16="http://schemas.microsoft.com/office/drawing/2014/main" id="{FDA538EC-2136-2F05-EDD0-9341A93EBA3C}"/>
               </a:ext>
             </a:extLst>
           </p:cNvPr>
@@ -26909,7 +26718,7 @@
           <p:cNvPr id="30" name="직사각형 29">
             <a:extLst>
               <a:ext uri="{FF2B5EF4-FFF2-40B4-BE49-F238E27FC236}">
-                <a16:creationId xmlns="" xmlns:a16="http://schemas.microsoft.com/office/drawing/2014/main" id="{BC8C2B1F-D3CB-C021-0AA9-9134F2920BF2}"/>
+                <a16:creationId xmlns:a16="http://schemas.microsoft.com/office/drawing/2014/main" id="{BC8C2B1F-D3CB-C021-0AA9-9134F2920BF2}"/>
               </a:ext>
             </a:extLst>
           </p:cNvPr>
@@ -26961,7 +26770,7 @@
           <p:cNvPr id="31" name="TextBox 30">
             <a:extLst>
               <a:ext uri="{FF2B5EF4-FFF2-40B4-BE49-F238E27FC236}">
-                <a16:creationId xmlns="" xmlns:a16="http://schemas.microsoft.com/office/drawing/2014/main" id="{B7B8453C-ED90-DA53-786C-114068471BA4}"/>
+                <a16:creationId xmlns:a16="http://schemas.microsoft.com/office/drawing/2014/main" id="{B7B8453C-ED90-DA53-786C-114068471BA4}"/>
               </a:ext>
             </a:extLst>
           </p:cNvPr>
@@ -27047,13 +26856,6 @@
   <p:clrMapOvr>
     <a:masterClrMapping/>
   </p:clrMapOvr>
-  <p:timing>
-    <p:tnLst>
-      <p:par>
-        <p:cTn id="1" dur="indefinite" restart="never" nodeType="tmRoot"/>
-      </p:par>
-    </p:tnLst>
-  </p:timing>
 </p:sld>
 </file>
 
@@ -27079,7 +26881,7 @@
           <p:cNvPr id="4" name="TextBox 3">
             <a:extLst>
               <a:ext uri="{FF2B5EF4-FFF2-40B4-BE49-F238E27FC236}">
-                <a16:creationId xmlns="" xmlns:a16="http://schemas.microsoft.com/office/drawing/2014/main" id="{F136A7AB-2DB9-1BA5-4C06-B1C1755E48BA}"/>
+                <a16:creationId xmlns:a16="http://schemas.microsoft.com/office/drawing/2014/main" id="{F136A7AB-2DB9-1BA5-4C06-B1C1755E48BA}"/>
               </a:ext>
             </a:extLst>
           </p:cNvPr>
@@ -27127,7 +26929,7 @@
           <p:cNvPr id="6" name="그림 5">
             <a:extLst>
               <a:ext uri="{FF2B5EF4-FFF2-40B4-BE49-F238E27FC236}">
-                <a16:creationId xmlns="" xmlns:a16="http://schemas.microsoft.com/office/drawing/2014/main" id="{5147447C-EC79-73BC-A921-D260D974856E}"/>
+                <a16:creationId xmlns:a16="http://schemas.microsoft.com/office/drawing/2014/main" id="{5147447C-EC79-73BC-A921-D260D974856E}"/>
               </a:ext>
             </a:extLst>
           </p:cNvPr>
@@ -27157,7 +26959,7 @@
           <p:cNvPr id="8" name="그림 7">
             <a:extLst>
               <a:ext uri="{FF2B5EF4-FFF2-40B4-BE49-F238E27FC236}">
-                <a16:creationId xmlns="" xmlns:a16="http://schemas.microsoft.com/office/drawing/2014/main" id="{B7E400F5-22A2-CD02-A59A-208CD483A2E5}"/>
+                <a16:creationId xmlns:a16="http://schemas.microsoft.com/office/drawing/2014/main" id="{B7E400F5-22A2-CD02-A59A-208CD483A2E5}"/>
               </a:ext>
             </a:extLst>
           </p:cNvPr>
@@ -27187,7 +26989,7 @@
           <p:cNvPr id="9" name="직선 화살표 연결선 8">
             <a:extLst>
               <a:ext uri="{FF2B5EF4-FFF2-40B4-BE49-F238E27FC236}">
-                <a16:creationId xmlns="" xmlns:a16="http://schemas.microsoft.com/office/drawing/2014/main" id="{2FC66BE3-5CEA-38C7-E0F8-CCCC0CEA6FFE}"/>
+                <a16:creationId xmlns:a16="http://schemas.microsoft.com/office/drawing/2014/main" id="{2FC66BE3-5CEA-38C7-E0F8-CCCC0CEA6FFE}"/>
               </a:ext>
             </a:extLst>
           </p:cNvPr>
@@ -27228,7 +27030,7 @@
           <p:cNvPr id="10" name="직사각형 9">
             <a:extLst>
               <a:ext uri="{FF2B5EF4-FFF2-40B4-BE49-F238E27FC236}">
-                <a16:creationId xmlns="" xmlns:a16="http://schemas.microsoft.com/office/drawing/2014/main" id="{1216D2CB-8460-FDDF-2209-1657E94BA337}"/>
+                <a16:creationId xmlns:a16="http://schemas.microsoft.com/office/drawing/2014/main" id="{1216D2CB-8460-FDDF-2209-1657E94BA337}"/>
               </a:ext>
             </a:extLst>
           </p:cNvPr>
@@ -27280,7 +27082,7 @@
           <p:cNvPr id="11" name="TextBox 10">
             <a:extLst>
               <a:ext uri="{FF2B5EF4-FFF2-40B4-BE49-F238E27FC236}">
-                <a16:creationId xmlns="" xmlns:a16="http://schemas.microsoft.com/office/drawing/2014/main" id="{FE0D57FE-2BC4-7E5B-790B-E9C4129EF7BA}"/>
+                <a16:creationId xmlns:a16="http://schemas.microsoft.com/office/drawing/2014/main" id="{FE0D57FE-2BC4-7E5B-790B-E9C4129EF7BA}"/>
               </a:ext>
             </a:extLst>
           </p:cNvPr>
@@ -27395,13 +27197,6 @@
   <p:clrMapOvr>
     <a:masterClrMapping/>
   </p:clrMapOvr>
-  <p:timing>
-    <p:tnLst>
-      <p:par>
-        <p:cTn id="1" dur="indefinite" restart="never" nodeType="tmRoot"/>
-      </p:par>
-    </p:tnLst>
-  </p:timing>
 </p:sld>
 </file>
 
@@ -27427,7 +27222,7 @@
           <p:cNvPr id="4" name="TextBox 3">
             <a:extLst>
               <a:ext uri="{FF2B5EF4-FFF2-40B4-BE49-F238E27FC236}">
-                <a16:creationId xmlns="" xmlns:a16="http://schemas.microsoft.com/office/drawing/2014/main" id="{A2AD056B-97A4-5BCC-4460-250160F3E171}"/>
+                <a16:creationId xmlns:a16="http://schemas.microsoft.com/office/drawing/2014/main" id="{A2AD056B-97A4-5BCC-4460-250160F3E171}"/>
               </a:ext>
             </a:extLst>
           </p:cNvPr>
@@ -27451,7 +27246,7 @@
           <a:lstStyle/>
           <a:p>
             <a:r>
-              <a:rPr lang="en-US" altLang="ko-KR" sz="3200" smtClean="0">
+              <a:rPr lang="en-US" altLang="ko-KR" sz="3200">
                 <a:solidFill>
                   <a:srgbClr val="4C50BC"/>
                 </a:solidFill>
@@ -27461,7 +27256,7 @@
               <a:t>2-1 MyMath</a:t>
             </a:r>
             <a:r>
-              <a:rPr lang="ko-KR" altLang="en-US" sz="3200" smtClean="0">
+              <a:rPr lang="ko-KR" altLang="en-US" sz="3200">
                 <a:solidFill>
                   <a:srgbClr val="4C50BC"/>
                 </a:solidFill>
@@ -27488,82 +27283,52 @@
                 <a:latin typeface="G마켓 산스 Medium" panose="02000000000000000000" pitchFamily="50" charset="-127"/>
                 <a:ea typeface="G마켓 산스 Medium" panose="02000000000000000000" pitchFamily="50" charset="-127"/>
               </a:rPr>
-              <a:t>답을 </a:t>
-            </a:r>
-            <a:r>
-              <a:rPr lang="ko-KR" altLang="en-US" sz="3200" smtClean="0">
-                <a:solidFill>
-                  <a:srgbClr val="4C50BC"/>
+              <a:t>답을 출력하자 </a:t>
+            </a:r>
+            <a:r>
+              <a:rPr lang="en-US" altLang="ko-KR" sz="3200">
+                <a:solidFill>
+                  <a:srgbClr val="FF0000"/>
                 </a:solidFill>
                 <a:latin typeface="G마켓 산스 Medium" panose="02000000000000000000" pitchFamily="50" charset="-127"/>
                 <a:ea typeface="G마켓 산스 Medium" panose="02000000000000000000" pitchFamily="50" charset="-127"/>
               </a:rPr>
-              <a:t>출력하자 </a:t>
-            </a:r>
-            <a:r>
-              <a:rPr lang="en-US" altLang="ko-KR" sz="3200" smtClean="0">
-                <a:solidFill>
-                  <a:srgbClr val="FF0000"/>
+              <a:t>(normal)</a:t>
+            </a:r>
+          </a:p>
+          <a:p>
+            <a:r>
+              <a:rPr lang="en-US" altLang="ko-KR" sz="3200">
+                <a:solidFill>
+                  <a:srgbClr val="4D4848"/>
                 </a:solidFill>
                 <a:latin typeface="G마켓 산스 Medium" panose="02000000000000000000" pitchFamily="50" charset="-127"/>
                 <a:ea typeface="G마켓 산스 Medium" panose="02000000000000000000" pitchFamily="50" charset="-127"/>
               </a:rPr>
-              <a:t>(</a:t>
-            </a:r>
-            <a:r>
-              <a:rPr lang="en-US" altLang="ko-KR" sz="3200" smtClean="0">
-                <a:solidFill>
-                  <a:srgbClr val="FF0000"/>
+              <a:t>- </a:t>
+            </a:r>
+            <a:r>
+              <a:rPr lang="ko-KR" altLang="en-US" sz="3200">
+                <a:solidFill>
+                  <a:srgbClr val="4D4848"/>
                 </a:solidFill>
                 <a:latin typeface="G마켓 산스 Medium" panose="02000000000000000000" pitchFamily="50" charset="-127"/>
                 <a:ea typeface="G마켓 산스 Medium" panose="02000000000000000000" pitchFamily="50" charset="-127"/>
               </a:rPr>
-              <a:t>normal</a:t>
-            </a:r>
-            <a:r>
-              <a:rPr lang="en-US" altLang="ko-KR" sz="3200" smtClean="0">
-                <a:solidFill>
-                  <a:srgbClr val="FF0000"/>
+              <a:t>사칙연산 연산자 대신 </a:t>
+            </a:r>
+            <a:r>
+              <a:rPr lang="en-US" altLang="ko-KR" sz="3200">
+                <a:solidFill>
+                  <a:srgbClr val="4D4848"/>
                 </a:solidFill>
                 <a:latin typeface="G마켓 산스 Medium" panose="02000000000000000000" pitchFamily="50" charset="-127"/>
                 <a:ea typeface="G마켓 산스 Medium" panose="02000000000000000000" pitchFamily="50" charset="-127"/>
               </a:rPr>
-              <a:t>)</a:t>
-            </a:r>
-          </a:p>
-          <a:p>
-            <a:r>
-              <a:rPr lang="en-US" altLang="ko-KR" sz="3200" smtClean="0">
-                <a:solidFill>
-                  <a:srgbClr val="4D4848"/>
-                </a:solidFill>
-                <a:latin typeface="G마켓 산스 Medium" panose="02000000000000000000" pitchFamily="50" charset="-127"/>
-                <a:ea typeface="G마켓 산스 Medium" panose="02000000000000000000" pitchFamily="50" charset="-127"/>
-              </a:rPr>
-              <a:t>- </a:t>
-            </a:r>
-            <a:r>
-              <a:rPr lang="ko-KR" altLang="en-US" sz="3200" smtClean="0">
-                <a:solidFill>
-                  <a:srgbClr val="4D4848"/>
-                </a:solidFill>
-                <a:latin typeface="G마켓 산스 Medium" panose="02000000000000000000" pitchFamily="50" charset="-127"/>
-                <a:ea typeface="G마켓 산스 Medium" panose="02000000000000000000" pitchFamily="50" charset="-127"/>
-              </a:rPr>
-              <a:t>사칙연산 연산자 대신 </a:t>
-            </a:r>
-            <a:r>
-              <a:rPr lang="en-US" altLang="ko-KR" sz="3200" smtClean="0">
-                <a:solidFill>
-                  <a:srgbClr val="4D4848"/>
-                </a:solidFill>
-                <a:latin typeface="G마켓 산스 Medium" panose="02000000000000000000" pitchFamily="50" charset="-127"/>
-                <a:ea typeface="G마켓 산스 Medium" panose="02000000000000000000" pitchFamily="50" charset="-127"/>
-              </a:rPr>
               <a:t>MyMath </a:t>
             </a:r>
             <a:r>
-              <a:rPr lang="ko-KR" altLang="en-US" sz="3200" smtClean="0">
+              <a:rPr lang="ko-KR" altLang="en-US" sz="3200">
                 <a:solidFill>
                   <a:srgbClr val="4D4848"/>
                 </a:solidFill>
@@ -27587,16 +27352,14 @@
           <p:cNvPr id="5" name="표 2">
             <a:extLst>
               <a:ext uri="{FF2B5EF4-FFF2-40B4-BE49-F238E27FC236}">
-                <a16:creationId xmlns="" xmlns:a16="http://schemas.microsoft.com/office/drawing/2014/main" id="{875F795B-D8D4-554B-4108-B6D9B3AF35C2}"/>
+                <a16:creationId xmlns:a16="http://schemas.microsoft.com/office/drawing/2014/main" id="{875F795B-D8D4-554B-4108-B6D9B3AF35C2}"/>
               </a:ext>
             </a:extLst>
           </p:cNvPr>
           <p:cNvGraphicFramePr>
             <a:graphicFrameLocks noGrp="1"/>
           </p:cNvGraphicFramePr>
-          <p:nvPr>
-            <p:extLst/>
-          </p:nvPr>
+          <p:nvPr/>
         </p:nvGraphicFramePr>
         <p:xfrm>
           <a:off x="7620000" y="6057900"/>
@@ -27612,21 +27375,21 @@
                 <a:gridCol w="1648638">
                   <a:extLst>
                     <a:ext uri="{9D8B030D-6E8A-4147-A177-3AD203B41FA5}">
-                      <a16:colId xmlns="" xmlns:a16="http://schemas.microsoft.com/office/drawing/2014/main" val="1960770391"/>
+                      <a16:colId xmlns:a16="http://schemas.microsoft.com/office/drawing/2014/main" val="1960770391"/>
                     </a:ext>
                   </a:extLst>
                 </a:gridCol>
                 <a:gridCol w="1668750">
                   <a:extLst>
                     <a:ext uri="{9D8B030D-6E8A-4147-A177-3AD203B41FA5}">
-                      <a16:colId xmlns="" xmlns:a16="http://schemas.microsoft.com/office/drawing/2014/main" val="733308553"/>
+                      <a16:colId xmlns:a16="http://schemas.microsoft.com/office/drawing/2014/main" val="733308553"/>
                     </a:ext>
                   </a:extLst>
                 </a:gridCol>
                 <a:gridCol w="2898356">
                   <a:extLst>
                     <a:ext uri="{9D8B030D-6E8A-4147-A177-3AD203B41FA5}">
-                      <a16:colId xmlns="" xmlns:a16="http://schemas.microsoft.com/office/drawing/2014/main" val="1661322813"/>
+                      <a16:colId xmlns:a16="http://schemas.microsoft.com/office/drawing/2014/main" val="1661322813"/>
                     </a:ext>
                   </a:extLst>
                 </a:gridCol>
@@ -27814,7 +27577,7 @@
                 </a:tc>
                 <a:extLst>
                   <a:ext uri="{0D108BD9-81ED-4DB2-BD59-A6C34878D82A}">
-                    <a16:rowId xmlns="" xmlns:a16="http://schemas.microsoft.com/office/drawing/2014/main" val="2452905565"/>
+                    <a16:rowId xmlns:a16="http://schemas.microsoft.com/office/drawing/2014/main" val="2452905565"/>
                   </a:ext>
                 </a:extLst>
               </a:tr>
@@ -28012,7 +27775,7 @@
                 </a:tc>
                 <a:extLst>
                   <a:ext uri="{0D108BD9-81ED-4DB2-BD59-A6C34878D82A}">
-                    <a16:rowId xmlns="" xmlns:a16="http://schemas.microsoft.com/office/drawing/2014/main" val="3551452526"/>
+                    <a16:rowId xmlns:a16="http://schemas.microsoft.com/office/drawing/2014/main" val="3551452526"/>
                   </a:ext>
                 </a:extLst>
               </a:tr>
@@ -28232,7 +27995,7 @@
                 </a:tc>
                 <a:extLst>
                   <a:ext uri="{0D108BD9-81ED-4DB2-BD59-A6C34878D82A}">
-                    <a16:rowId xmlns="" xmlns:a16="http://schemas.microsoft.com/office/drawing/2014/main" val="3645064171"/>
+                    <a16:rowId xmlns:a16="http://schemas.microsoft.com/office/drawing/2014/main" val="3645064171"/>
                   </a:ext>
                 </a:extLst>
               </a:tr>
@@ -28295,7 +28058,7 @@
                     <a:p>
                       <a:pPr latinLnBrk="1"/>
                       <a:r>
-                        <a:rPr lang="en-US" altLang="ko-KR" sz="2200" smtClean="0">
+                        <a:rPr lang="en-US" altLang="ko-KR" sz="2200">
                           <a:ea typeface="G마켓 산스 Medium" panose="02000000000000000000"/>
                         </a:rPr>
                         <a:t>subtract</a:t>
@@ -28455,7 +28218,7 @@
                 </a:tc>
                 <a:extLst>
                   <a:ext uri="{0D108BD9-81ED-4DB2-BD59-A6C34878D82A}">
-                    <a16:rowId xmlns="" xmlns:a16="http://schemas.microsoft.com/office/drawing/2014/main" val="1362299918"/>
+                    <a16:rowId xmlns:a16="http://schemas.microsoft.com/office/drawing/2014/main" val="1362299918"/>
                   </a:ext>
                 </a:extLst>
               </a:tr>
@@ -28672,7 +28435,7 @@
                 </a:tc>
                 <a:extLst>
                   <a:ext uri="{0D108BD9-81ED-4DB2-BD59-A6C34878D82A}">
-                    <a16:rowId xmlns="" xmlns:a16="http://schemas.microsoft.com/office/drawing/2014/main" val="2488866604"/>
+                    <a16:rowId xmlns:a16="http://schemas.microsoft.com/office/drawing/2014/main" val="2488866604"/>
                   </a:ext>
                 </a:extLst>
               </a:tr>
@@ -28889,7 +28652,7 @@
                 </a:tc>
                 <a:extLst>
                   <a:ext uri="{0D108BD9-81ED-4DB2-BD59-A6C34878D82A}">
-                    <a16:rowId xmlns="" xmlns:a16="http://schemas.microsoft.com/office/drawing/2014/main" val="2632365449"/>
+                    <a16:rowId xmlns:a16="http://schemas.microsoft.com/office/drawing/2014/main" val="2632365449"/>
                   </a:ext>
                 </a:extLst>
               </a:tr>
@@ -28902,7 +28665,7 @@
           <p:cNvPr id="7" name="그림 6">
             <a:extLst>
               <a:ext uri="{FF2B5EF4-FFF2-40B4-BE49-F238E27FC236}">
-                <a16:creationId xmlns="" xmlns:a16="http://schemas.microsoft.com/office/drawing/2014/main" id="{D669BF8B-28CB-C031-EC33-EC1103111E97}"/>
+                <a16:creationId xmlns:a16="http://schemas.microsoft.com/office/drawing/2014/main" id="{D669BF8B-28CB-C031-EC33-EC1103111E97}"/>
               </a:ext>
             </a:extLst>
           </p:cNvPr>
@@ -28991,7 +28754,7 @@
           <p:cNvPr id="10" name="TextBox 9">
             <a:extLst>
               <a:ext uri="{FF2B5EF4-FFF2-40B4-BE49-F238E27FC236}">
-                <a16:creationId xmlns="" xmlns:a16="http://schemas.microsoft.com/office/drawing/2014/main" id="{37C30BAF-D498-C798-BC14-1718488A3435}"/>
+                <a16:creationId xmlns:a16="http://schemas.microsoft.com/office/drawing/2014/main" id="{37C30BAF-D498-C798-BC14-1718488A3435}"/>
               </a:ext>
             </a:extLst>
           </p:cNvPr>
@@ -29015,7 +28778,7 @@
           <a:lstStyle/>
           <a:p>
             <a:r>
-              <a:rPr lang="ko-KR" altLang="en-US" sz="4800" smtClean="0">
+              <a:rPr lang="ko-KR" altLang="en-US" sz="4800">
                 <a:solidFill>
                   <a:srgbClr val="4C50BC"/>
                 </a:solidFill>
@@ -29147,7 +28910,7 @@
           <p:cNvPr id="4" name="TextBox 3">
             <a:extLst>
               <a:ext uri="{FF2B5EF4-FFF2-40B4-BE49-F238E27FC236}">
-                <a16:creationId xmlns="" xmlns:a16="http://schemas.microsoft.com/office/drawing/2014/main" id="{CB1290AD-28C5-5AE5-FB1A-6013AB973312}"/>
+                <a16:creationId xmlns:a16="http://schemas.microsoft.com/office/drawing/2014/main" id="{CB1290AD-28C5-5AE5-FB1A-6013AB973312}"/>
               </a:ext>
             </a:extLst>
           </p:cNvPr>
@@ -29171,7 +28934,7 @@
           <a:lstStyle/>
           <a:p>
             <a:r>
-              <a:rPr lang="en-US" altLang="ko-KR" sz="3200" smtClean="0">
+              <a:rPr lang="en-US" altLang="ko-KR" sz="3200">
                 <a:solidFill>
                   <a:srgbClr val="4C50BC"/>
                 </a:solidFill>
@@ -29241,7 +29004,7 @@
               <a:t> </a:t>
             </a:r>
             <a:r>
-              <a:rPr lang="en-US" altLang="ko-KR" sz="3200" smtClean="0">
+              <a:rPr lang="en-US" altLang="ko-KR" sz="3200">
                 <a:solidFill>
                   <a:srgbClr val="FF0000"/>
                 </a:solidFill>
@@ -29253,7 +29016,7 @@
           </a:p>
           <a:p>
             <a:r>
-              <a:rPr lang="en-US" altLang="ko-KR" sz="3200" smtClean="0">
+              <a:rPr lang="en-US" altLang="ko-KR" sz="3200">
                 <a:solidFill>
                   <a:srgbClr val="4D4848"/>
                 </a:solidFill>
@@ -29270,60 +29033,40 @@
                 <a:latin typeface="G마켓 산스 Medium" panose="02000000000000000000" pitchFamily="50" charset="-127"/>
                 <a:ea typeface="G마켓 산스 Medium" panose="02000000000000000000" pitchFamily="50" charset="-127"/>
               </a:rPr>
-              <a:t>객체배열 </a:t>
-            </a:r>
-            <a:r>
-              <a:rPr lang="ko-KR" altLang="en-US" sz="3200" smtClean="0">
+              <a:t>객체배열 활용하고</a:t>
+            </a:r>
+            <a:r>
+              <a:rPr lang="en-US" altLang="ko-KR" sz="3200">
                 <a:solidFill>
                   <a:srgbClr val="4D4848"/>
                 </a:solidFill>
                 <a:latin typeface="G마켓 산스 Medium" panose="02000000000000000000" pitchFamily="50" charset="-127"/>
                 <a:ea typeface="G마켓 산스 Medium" panose="02000000000000000000" pitchFamily="50" charset="-127"/>
               </a:rPr>
-              <a:t>활용하고</a:t>
-            </a:r>
-            <a:r>
-              <a:rPr lang="en-US" altLang="ko-KR" sz="3200" smtClean="0">
+              <a:t>  </a:t>
+            </a:r>
+            <a:r>
+              <a:rPr lang="ko-KR" altLang="en-US" sz="3200">
                 <a:solidFill>
                   <a:srgbClr val="4D4848"/>
                 </a:solidFill>
                 <a:latin typeface="G마켓 산스 Medium" panose="02000000000000000000" pitchFamily="50" charset="-127"/>
                 <a:ea typeface="G마켓 산스 Medium" panose="02000000000000000000" pitchFamily="50" charset="-127"/>
               </a:rPr>
-              <a:t>  </a:t>
-            </a:r>
-            <a:r>
-              <a:rPr lang="ko-KR" altLang="en-US" sz="3200" smtClean="0">
+              <a:t>성적은 </a:t>
+            </a:r>
+            <a:r>
+              <a:rPr lang="en-US" altLang="ko-KR" sz="3200">
                 <a:solidFill>
                   <a:srgbClr val="4D4848"/>
                 </a:solidFill>
                 <a:latin typeface="G마켓 산스 Medium" panose="02000000000000000000" pitchFamily="50" charset="-127"/>
                 <a:ea typeface="G마켓 산스 Medium" panose="02000000000000000000" pitchFamily="50" charset="-127"/>
               </a:rPr>
-              <a:t>성적은 </a:t>
-            </a:r>
-            <a:r>
-              <a:rPr lang="en-US" altLang="ko-KR" sz="3200">
-                <a:solidFill>
-                  <a:srgbClr val="4D4848"/>
-                </a:solidFill>
-                <a:latin typeface="G마켓 산스 Medium" panose="02000000000000000000" pitchFamily="50" charset="-127"/>
-                <a:ea typeface="G마켓 산스 Medium" panose="02000000000000000000" pitchFamily="50" charset="-127"/>
-              </a:rPr>
-              <a:t>Math.random() </a:t>
-            </a:r>
-            <a:r>
-              <a:rPr lang="en-US" altLang="ko-KR" sz="3200" smtClean="0">
-                <a:solidFill>
-                  <a:srgbClr val="4D4848"/>
-                </a:solidFill>
-                <a:latin typeface="G마켓 산스 Medium" panose="02000000000000000000" pitchFamily="50" charset="-127"/>
-                <a:ea typeface="G마켓 산스 Medium" panose="02000000000000000000" pitchFamily="50" charset="-127"/>
-              </a:rPr>
-              <a:t> </a:t>
-            </a:r>
-            <a:r>
-              <a:rPr lang="ko-KR" altLang="en-US" sz="3200" smtClean="0">
+              <a:t>Math.random()  </a:t>
+            </a:r>
+            <a:r>
+              <a:rPr lang="ko-KR" altLang="en-US" sz="3200">
                 <a:solidFill>
                   <a:srgbClr val="4D4848"/>
                 </a:solidFill>
@@ -29376,7 +29119,7 @@
           <p:cNvPr id="10" name="표 2">
             <a:extLst>
               <a:ext uri="{FF2B5EF4-FFF2-40B4-BE49-F238E27FC236}">
-                <a16:creationId xmlns="" xmlns:a16="http://schemas.microsoft.com/office/drawing/2014/main" id="{D2CC6F32-611A-E22D-EB8C-52D626A5B319}"/>
+                <a16:creationId xmlns:a16="http://schemas.microsoft.com/office/drawing/2014/main" id="{D2CC6F32-611A-E22D-EB8C-52D626A5B319}"/>
               </a:ext>
             </a:extLst>
           </p:cNvPr>
@@ -29405,21 +29148,21 @@
                 <a:gridCol w="1731833">
                   <a:extLst>
                     <a:ext uri="{9D8B030D-6E8A-4147-A177-3AD203B41FA5}">
-                      <a16:colId xmlns="" xmlns:a16="http://schemas.microsoft.com/office/drawing/2014/main" val="1960770391"/>
+                      <a16:colId xmlns:a16="http://schemas.microsoft.com/office/drawing/2014/main" val="1960770391"/>
                     </a:ext>
                   </a:extLst>
                 </a:gridCol>
                 <a:gridCol w="1752960">
                   <a:extLst>
                     <a:ext uri="{9D8B030D-6E8A-4147-A177-3AD203B41FA5}">
-                      <a16:colId xmlns="" xmlns:a16="http://schemas.microsoft.com/office/drawing/2014/main" val="733308553"/>
+                      <a16:colId xmlns:a16="http://schemas.microsoft.com/office/drawing/2014/main" val="733308553"/>
                     </a:ext>
                   </a:extLst>
                 </a:gridCol>
                 <a:gridCol w="2730951">
                   <a:extLst>
                     <a:ext uri="{9D8B030D-6E8A-4147-A177-3AD203B41FA5}">
-                      <a16:colId xmlns="" xmlns:a16="http://schemas.microsoft.com/office/drawing/2014/main" val="1661322813"/>
+                      <a16:colId xmlns:a16="http://schemas.microsoft.com/office/drawing/2014/main" val="1661322813"/>
                     </a:ext>
                   </a:extLst>
                 </a:gridCol>
@@ -29607,7 +29350,7 @@
                 </a:tc>
                 <a:extLst>
                   <a:ext uri="{0D108BD9-81ED-4DB2-BD59-A6C34878D82A}">
-                    <a16:rowId xmlns="" xmlns:a16="http://schemas.microsoft.com/office/drawing/2014/main" val="2452905565"/>
+                    <a16:rowId xmlns:a16="http://schemas.microsoft.com/office/drawing/2014/main" val="2452905565"/>
                   </a:ext>
                 </a:extLst>
               </a:tr>
@@ -29811,7 +29554,7 @@
                 </a:tc>
                 <a:extLst>
                   <a:ext uri="{0D108BD9-81ED-4DB2-BD59-A6C34878D82A}">
-                    <a16:rowId xmlns="" xmlns:a16="http://schemas.microsoft.com/office/drawing/2014/main" val="3551452526"/>
+                    <a16:rowId xmlns:a16="http://schemas.microsoft.com/office/drawing/2014/main" val="3551452526"/>
                   </a:ext>
                 </a:extLst>
               </a:tr>
@@ -29986,7 +29729,7 @@
                 </a:tc>
                 <a:extLst>
                   <a:ext uri="{0D108BD9-81ED-4DB2-BD59-A6C34878D82A}">
-                    <a16:rowId xmlns="" xmlns:a16="http://schemas.microsoft.com/office/drawing/2014/main" val="3645064171"/>
+                    <a16:rowId xmlns:a16="http://schemas.microsoft.com/office/drawing/2014/main" val="3645064171"/>
                   </a:ext>
                 </a:extLst>
               </a:tr>
@@ -30161,7 +29904,7 @@
                 </a:tc>
                 <a:extLst>
                   <a:ext uri="{0D108BD9-81ED-4DB2-BD59-A6C34878D82A}">
-                    <a16:rowId xmlns="" xmlns:a16="http://schemas.microsoft.com/office/drawing/2014/main" val="2802120283"/>
+                    <a16:rowId xmlns:a16="http://schemas.microsoft.com/office/drawing/2014/main" val="2802120283"/>
                   </a:ext>
                 </a:extLst>
               </a:tr>
@@ -30330,7 +30073,7 @@
                 </a:tc>
                 <a:extLst>
                   <a:ext uri="{0D108BD9-81ED-4DB2-BD59-A6C34878D82A}">
-                    <a16:rowId xmlns="" xmlns:a16="http://schemas.microsoft.com/office/drawing/2014/main" val="1362299918"/>
+                    <a16:rowId xmlns:a16="http://schemas.microsoft.com/office/drawing/2014/main" val="1362299918"/>
                   </a:ext>
                 </a:extLst>
               </a:tr>
@@ -30566,7 +30309,7 @@
                 </a:tc>
                 <a:extLst>
                   <a:ext uri="{0D108BD9-81ED-4DB2-BD59-A6C34878D82A}">
-                    <a16:rowId xmlns="" xmlns:a16="http://schemas.microsoft.com/office/drawing/2014/main" val="2488866604"/>
+                    <a16:rowId xmlns:a16="http://schemas.microsoft.com/office/drawing/2014/main" val="2488866604"/>
                   </a:ext>
                 </a:extLst>
               </a:tr>
@@ -30698,19 +30441,19 @@
                         <a:t>매개변수</a:t>
                       </a:r>
                       <a:r>
-                        <a:rPr lang="en-US" altLang="ko-KR" sz="2000" smtClean="0">
+                        <a:rPr lang="en-US" altLang="ko-KR" sz="2000">
                           <a:ea typeface="G마켓 산스 Medium" panose="02000000000000000000"/>
                         </a:rPr>
                         <a:t>:</a:t>
                       </a:r>
                       <a:r>
-                        <a:rPr lang="en-US" altLang="ko-KR" sz="2000" baseline="0" smtClean="0">
+                        <a:rPr lang="en-US" altLang="ko-KR" sz="2000" baseline="0">
                           <a:ea typeface="G마켓 산스 Medium" panose="02000000000000000000"/>
                         </a:rPr>
                         <a:t> </a:t>
                       </a:r>
                       <a:r>
-                        <a:rPr lang="ko-KR" altLang="en-US" sz="2000" baseline="0" smtClean="0">
+                        <a:rPr lang="ko-KR" altLang="en-US" sz="2000" baseline="0">
                           <a:ea typeface="G마켓 산스 Medium" panose="02000000000000000000"/>
                         </a:rPr>
                         <a:t>없음</a:t>
@@ -30783,7 +30526,7 @@
                 </a:tc>
                 <a:extLst>
                   <a:ext uri="{0D108BD9-81ED-4DB2-BD59-A6C34878D82A}">
-                    <a16:rowId xmlns="" xmlns:a16="http://schemas.microsoft.com/office/drawing/2014/main" val="2632365449"/>
+                    <a16:rowId xmlns:a16="http://schemas.microsoft.com/office/drawing/2014/main" val="2632365449"/>
                   </a:ext>
                 </a:extLst>
               </a:tr>
@@ -30980,7 +30723,7 @@
           <p:cNvPr id="4" name="Object 1">
             <a:extLst>
               <a:ext uri="{FF2B5EF4-FFF2-40B4-BE49-F238E27FC236}">
-                <a16:creationId xmlns="" xmlns:a16="http://schemas.microsoft.com/office/drawing/2014/main" id="{B0329035-BE76-33A8-0F2E-44624FCC1DED}"/>
+                <a16:creationId xmlns:a16="http://schemas.microsoft.com/office/drawing/2014/main" id="{B0329035-BE76-33A8-0F2E-44624FCC1DED}"/>
               </a:ext>
             </a:extLst>
           </p:cNvPr>
@@ -31010,7 +30753,7 @@
           <p:cNvPr id="7" name="그룹 1001">
             <a:extLst>
               <a:ext uri="{FF2B5EF4-FFF2-40B4-BE49-F238E27FC236}">
-                <a16:creationId xmlns="" xmlns:a16="http://schemas.microsoft.com/office/drawing/2014/main" id="{CD24CE9D-AC18-B6CD-F397-7E8E03D6FE26}"/>
+                <a16:creationId xmlns:a16="http://schemas.microsoft.com/office/drawing/2014/main" id="{CD24CE9D-AC18-B6CD-F397-7E8E03D6FE26}"/>
               </a:ext>
             </a:extLst>
           </p:cNvPr>
@@ -31030,7 +30773,7 @@
             <p:cNvPr id="8" name="Object 5">
               <a:extLst>
                 <a:ext uri="{FF2B5EF4-FFF2-40B4-BE49-F238E27FC236}">
-                  <a16:creationId xmlns="" xmlns:a16="http://schemas.microsoft.com/office/drawing/2014/main" id="{0EEF25E8-3BA8-EBAA-6DC2-66D70C3F9F4D}"/>
+                  <a16:creationId xmlns:a16="http://schemas.microsoft.com/office/drawing/2014/main" id="{0EEF25E8-3BA8-EBAA-6DC2-66D70C3F9F4D}"/>
                 </a:ext>
               </a:extLst>
             </p:cNvPr>
@@ -31061,7 +30804,7 @@
           <p:cNvPr id="9" name="그룹 1002">
             <a:extLst>
               <a:ext uri="{FF2B5EF4-FFF2-40B4-BE49-F238E27FC236}">
-                <a16:creationId xmlns="" xmlns:a16="http://schemas.microsoft.com/office/drawing/2014/main" id="{0F281BC9-DE1F-D1FE-E64C-C4640398F00C}"/>
+                <a16:creationId xmlns:a16="http://schemas.microsoft.com/office/drawing/2014/main" id="{0F281BC9-DE1F-D1FE-E64C-C4640398F00C}"/>
               </a:ext>
             </a:extLst>
           </p:cNvPr>
@@ -31081,7 +30824,7 @@
             <p:cNvPr id="10" name="Object 8">
               <a:extLst>
                 <a:ext uri="{FF2B5EF4-FFF2-40B4-BE49-F238E27FC236}">
-                  <a16:creationId xmlns="" xmlns:a16="http://schemas.microsoft.com/office/drawing/2014/main" id="{F669DCEF-04BB-7046-3F7F-5B513213556E}"/>
+                  <a16:creationId xmlns:a16="http://schemas.microsoft.com/office/drawing/2014/main" id="{F669DCEF-04BB-7046-3F7F-5B513213556E}"/>
                 </a:ext>
               </a:extLst>
             </p:cNvPr>
@@ -31112,7 +30855,7 @@
           <p:cNvPr id="11" name="그룹 1003">
             <a:extLst>
               <a:ext uri="{FF2B5EF4-FFF2-40B4-BE49-F238E27FC236}">
-                <a16:creationId xmlns="" xmlns:a16="http://schemas.microsoft.com/office/drawing/2014/main" id="{1F91EEF9-13EA-BB7F-B056-D35E7DB989AC}"/>
+                <a16:creationId xmlns:a16="http://schemas.microsoft.com/office/drawing/2014/main" id="{1F91EEF9-13EA-BB7F-B056-D35E7DB989AC}"/>
               </a:ext>
             </a:extLst>
           </p:cNvPr>
@@ -31132,7 +30875,7 @@
             <p:cNvPr id="12" name="Object 11">
               <a:extLst>
                 <a:ext uri="{FF2B5EF4-FFF2-40B4-BE49-F238E27FC236}">
-                  <a16:creationId xmlns="" xmlns:a16="http://schemas.microsoft.com/office/drawing/2014/main" id="{2CFFB217-AEFB-2C9E-5F86-6EE19510FFC6}"/>
+                  <a16:creationId xmlns:a16="http://schemas.microsoft.com/office/drawing/2014/main" id="{2CFFB217-AEFB-2C9E-5F86-6EE19510FFC6}"/>
                 </a:ext>
               </a:extLst>
             </p:cNvPr>
@@ -31163,7 +30906,7 @@
           <p:cNvPr id="13" name="그룹 1004">
             <a:extLst>
               <a:ext uri="{FF2B5EF4-FFF2-40B4-BE49-F238E27FC236}">
-                <a16:creationId xmlns="" xmlns:a16="http://schemas.microsoft.com/office/drawing/2014/main" id="{123B9C7E-94E8-E7E1-81BE-D59EA0299187}"/>
+                <a16:creationId xmlns:a16="http://schemas.microsoft.com/office/drawing/2014/main" id="{123B9C7E-94E8-E7E1-81BE-D59EA0299187}"/>
               </a:ext>
             </a:extLst>
           </p:cNvPr>
@@ -31183,7 +30926,7 @@
             <p:cNvPr id="14" name="Object 14">
               <a:extLst>
                 <a:ext uri="{FF2B5EF4-FFF2-40B4-BE49-F238E27FC236}">
-                  <a16:creationId xmlns="" xmlns:a16="http://schemas.microsoft.com/office/drawing/2014/main" id="{B6291552-2D89-A79F-7ACD-EA0EF9A4C389}"/>
+                  <a16:creationId xmlns:a16="http://schemas.microsoft.com/office/drawing/2014/main" id="{B6291552-2D89-A79F-7ACD-EA0EF9A4C389}"/>
                 </a:ext>
               </a:extLst>
             </p:cNvPr>
@@ -31214,7 +30957,7 @@
           <p:cNvPr id="15" name="TextBox 14">
             <a:extLst>
               <a:ext uri="{FF2B5EF4-FFF2-40B4-BE49-F238E27FC236}">
-                <a16:creationId xmlns="" xmlns:a16="http://schemas.microsoft.com/office/drawing/2014/main" id="{7D99763A-FC24-23F5-5BA9-D7B042E0F323}"/>
+                <a16:creationId xmlns:a16="http://schemas.microsoft.com/office/drawing/2014/main" id="{7D99763A-FC24-23F5-5BA9-D7B042E0F323}"/>
               </a:ext>
             </a:extLst>
           </p:cNvPr>
@@ -31267,13 +31010,6 @@
   <p:clrMapOvr>
     <a:masterClrMapping/>
   </p:clrMapOvr>
-  <p:timing>
-    <p:tnLst>
-      <p:par>
-        <p:cTn id="1" dur="indefinite" restart="never" nodeType="tmRoot"/>
-      </p:par>
-    </p:tnLst>
-  </p:timing>
 </p:sld>
 </file>
 
@@ -31299,7 +31035,7 @@
           <p:cNvPr id="4" name="TextBox 3">
             <a:extLst>
               <a:ext uri="{FF2B5EF4-FFF2-40B4-BE49-F238E27FC236}">
-                <a16:creationId xmlns="" xmlns:a16="http://schemas.microsoft.com/office/drawing/2014/main" id="{76F06958-28E9-486A-AA9F-B499E4463946}"/>
+                <a16:creationId xmlns:a16="http://schemas.microsoft.com/office/drawing/2014/main" id="{76F06958-28E9-486A-AA9F-B499E4463946}"/>
               </a:ext>
             </a:extLst>
           </p:cNvPr>
@@ -31347,7 +31083,7 @@
           <p:cNvPr id="2" name="TextBox 1">
             <a:extLst>
               <a:ext uri="{FF2B5EF4-FFF2-40B4-BE49-F238E27FC236}">
-                <a16:creationId xmlns="" xmlns:a16="http://schemas.microsoft.com/office/drawing/2014/main" id="{0E86E673-C349-1F90-5FF0-A0C001424B03}"/>
+                <a16:creationId xmlns:a16="http://schemas.microsoft.com/office/drawing/2014/main" id="{0E86E673-C349-1F90-5FF0-A0C001424B03}"/>
               </a:ext>
             </a:extLst>
           </p:cNvPr>
@@ -31414,7 +31150,7 @@
           <p:cNvPr id="5" name="그림 4">
             <a:extLst>
               <a:ext uri="{FF2B5EF4-FFF2-40B4-BE49-F238E27FC236}">
-                <a16:creationId xmlns="" xmlns:a16="http://schemas.microsoft.com/office/drawing/2014/main" id="{65FE89ED-EA83-DC74-81B9-24974163F7D9}"/>
+                <a16:creationId xmlns:a16="http://schemas.microsoft.com/office/drawing/2014/main" id="{65FE89ED-EA83-DC74-81B9-24974163F7D9}"/>
               </a:ext>
             </a:extLst>
           </p:cNvPr>
@@ -31444,7 +31180,7 @@
           <p:cNvPr id="6" name="TextBox 5">
             <a:extLst>
               <a:ext uri="{FF2B5EF4-FFF2-40B4-BE49-F238E27FC236}">
-                <a16:creationId xmlns="" xmlns:a16="http://schemas.microsoft.com/office/drawing/2014/main" id="{4DC5D4D7-4330-CA07-29D7-2FC957BDDF60}"/>
+                <a16:creationId xmlns:a16="http://schemas.microsoft.com/office/drawing/2014/main" id="{4DC5D4D7-4330-CA07-29D7-2FC957BDDF60}"/>
               </a:ext>
             </a:extLst>
           </p:cNvPr>
@@ -31495,7 +31231,7 @@
           <p:cNvPr id="23" name="그룹 1008">
             <a:extLst>
               <a:ext uri="{FF2B5EF4-FFF2-40B4-BE49-F238E27FC236}">
-                <a16:creationId xmlns="" xmlns:a16="http://schemas.microsoft.com/office/drawing/2014/main" id="{81DFFA05-EE6E-3CD5-4810-DF5B88AAACAF}"/>
+                <a16:creationId xmlns:a16="http://schemas.microsoft.com/office/drawing/2014/main" id="{81DFFA05-EE6E-3CD5-4810-DF5B88AAACAF}"/>
               </a:ext>
             </a:extLst>
           </p:cNvPr>
@@ -31515,7 +31251,7 @@
             <p:cNvPr id="24" name="그룹 1009">
               <a:extLst>
                 <a:ext uri="{FF2B5EF4-FFF2-40B4-BE49-F238E27FC236}">
-                  <a16:creationId xmlns="" xmlns:a16="http://schemas.microsoft.com/office/drawing/2014/main" id="{7CA6D16F-9A33-AB5D-EA54-3D75899D43AE}"/>
+                  <a16:creationId xmlns:a16="http://schemas.microsoft.com/office/drawing/2014/main" id="{7CA6D16F-9A33-AB5D-EA54-3D75899D43AE}"/>
                 </a:ext>
               </a:extLst>
             </p:cNvPr>
@@ -31535,7 +31271,7 @@
               <p:cNvPr id="29" name="Object 29">
                 <a:extLst>
                   <a:ext uri="{FF2B5EF4-FFF2-40B4-BE49-F238E27FC236}">
-                    <a16:creationId xmlns="" xmlns:a16="http://schemas.microsoft.com/office/drawing/2014/main" id="{F581A80B-F53B-1FDB-0BFE-B49ED3AB0D93}"/>
+                    <a16:creationId xmlns:a16="http://schemas.microsoft.com/office/drawing/2014/main" id="{F581A80B-F53B-1FDB-0BFE-B49ED3AB0D93}"/>
                   </a:ext>
                 </a:extLst>
               </p:cNvPr>
@@ -31566,7 +31302,7 @@
             <p:cNvPr id="25" name="그룹 1010">
               <a:extLst>
                 <a:ext uri="{FF2B5EF4-FFF2-40B4-BE49-F238E27FC236}">
-                  <a16:creationId xmlns="" xmlns:a16="http://schemas.microsoft.com/office/drawing/2014/main" id="{263445D0-0D59-DAB0-326A-FA9A22E6A702}"/>
+                  <a16:creationId xmlns:a16="http://schemas.microsoft.com/office/drawing/2014/main" id="{263445D0-0D59-DAB0-326A-FA9A22E6A702}"/>
                 </a:ext>
               </a:extLst>
             </p:cNvPr>
@@ -31586,7 +31322,7 @@
               <p:cNvPr id="28" name="Object 32">
                 <a:extLst>
                   <a:ext uri="{FF2B5EF4-FFF2-40B4-BE49-F238E27FC236}">
-                    <a16:creationId xmlns="" xmlns:a16="http://schemas.microsoft.com/office/drawing/2014/main" id="{D036B9F8-9AE6-73A9-4C97-51D48FFE55CF}"/>
+                    <a16:creationId xmlns:a16="http://schemas.microsoft.com/office/drawing/2014/main" id="{D036B9F8-9AE6-73A9-4C97-51D48FFE55CF}"/>
                   </a:ext>
                 </a:extLst>
               </p:cNvPr>
@@ -31617,7 +31353,7 @@
             <p:cNvPr id="26" name="그룹 1011">
               <a:extLst>
                 <a:ext uri="{FF2B5EF4-FFF2-40B4-BE49-F238E27FC236}">
-                  <a16:creationId xmlns="" xmlns:a16="http://schemas.microsoft.com/office/drawing/2014/main" id="{92A9988F-B3F3-D61E-C60A-0C1BEA761B1B}"/>
+                  <a16:creationId xmlns:a16="http://schemas.microsoft.com/office/drawing/2014/main" id="{92A9988F-B3F3-D61E-C60A-0C1BEA761B1B}"/>
                 </a:ext>
               </a:extLst>
             </p:cNvPr>
@@ -31637,7 +31373,7 @@
               <p:cNvPr id="27" name="Object 35">
                 <a:extLst>
                   <a:ext uri="{FF2B5EF4-FFF2-40B4-BE49-F238E27FC236}">
-                    <a16:creationId xmlns="" xmlns:a16="http://schemas.microsoft.com/office/drawing/2014/main" id="{9B375B0F-F41D-95EC-D329-D3C401A98EF3}"/>
+                    <a16:creationId xmlns:a16="http://schemas.microsoft.com/office/drawing/2014/main" id="{9B375B0F-F41D-95EC-D329-D3C401A98EF3}"/>
                   </a:ext>
                 </a:extLst>
               </p:cNvPr>
@@ -31669,7 +31405,7 @@
           <p:cNvPr id="31" name="그림 30">
             <a:extLst>
               <a:ext uri="{FF2B5EF4-FFF2-40B4-BE49-F238E27FC236}">
-                <a16:creationId xmlns="" xmlns:a16="http://schemas.microsoft.com/office/drawing/2014/main" id="{620A2D5B-49C7-1419-105E-661767528874}"/>
+                <a16:creationId xmlns:a16="http://schemas.microsoft.com/office/drawing/2014/main" id="{620A2D5B-49C7-1419-105E-661767528874}"/>
               </a:ext>
             </a:extLst>
           </p:cNvPr>
@@ -31879,7 +31615,7 @@
           <p:cNvPr id="5" name="그림 4">
             <a:extLst>
               <a:ext uri="{FF2B5EF4-FFF2-40B4-BE49-F238E27FC236}">
-                <a16:creationId xmlns="" xmlns:a16="http://schemas.microsoft.com/office/drawing/2014/main" id="{DB0C8385-E0E7-4893-7A6A-722C740EB2A9}"/>
+                <a16:creationId xmlns:a16="http://schemas.microsoft.com/office/drawing/2014/main" id="{DB0C8385-E0E7-4893-7A6A-722C740EB2A9}"/>
               </a:ext>
             </a:extLst>
           </p:cNvPr>
@@ -31909,7 +31645,7 @@
           <p:cNvPr id="6" name="TextBox 5">
             <a:extLst>
               <a:ext uri="{FF2B5EF4-FFF2-40B4-BE49-F238E27FC236}">
-                <a16:creationId xmlns="" xmlns:a16="http://schemas.microsoft.com/office/drawing/2014/main" id="{9A8229E9-EB65-F905-4261-66E50BCA2CF3}"/>
+                <a16:creationId xmlns:a16="http://schemas.microsoft.com/office/drawing/2014/main" id="{9A8229E9-EB65-F905-4261-66E50BCA2CF3}"/>
               </a:ext>
             </a:extLst>
           </p:cNvPr>
@@ -31987,7 +31723,7 @@
           <p:cNvPr id="4" name="TextBox 3">
             <a:extLst>
               <a:ext uri="{FF2B5EF4-FFF2-40B4-BE49-F238E27FC236}">
-                <a16:creationId xmlns="" xmlns:a16="http://schemas.microsoft.com/office/drawing/2014/main" id="{F1478710-E2EE-B0C7-6BBB-1625FA088142}"/>
+                <a16:creationId xmlns:a16="http://schemas.microsoft.com/office/drawing/2014/main" id="{F1478710-E2EE-B0C7-6BBB-1625FA088142}"/>
               </a:ext>
             </a:extLst>
           </p:cNvPr>
@@ -32095,7 +31831,7 @@
           <p:cNvPr id="36" name="그룹 1016">
             <a:extLst>
               <a:ext uri="{FF2B5EF4-FFF2-40B4-BE49-F238E27FC236}">
-                <a16:creationId xmlns="" xmlns:a16="http://schemas.microsoft.com/office/drawing/2014/main" id="{54A67850-E454-4FB6-9972-D45AD5944D22}"/>
+                <a16:creationId xmlns:a16="http://schemas.microsoft.com/office/drawing/2014/main" id="{54A67850-E454-4FB6-9972-D45AD5944D22}"/>
               </a:ext>
             </a:extLst>
           </p:cNvPr>
@@ -32115,7 +31851,7 @@
             <p:cNvPr id="37" name="Object 49">
               <a:extLst>
                 <a:ext uri="{FF2B5EF4-FFF2-40B4-BE49-F238E27FC236}">
-                  <a16:creationId xmlns="" xmlns:a16="http://schemas.microsoft.com/office/drawing/2014/main" id="{5F0358BD-68D5-2C8A-01A9-8CF584C61C7C}"/>
+                  <a16:creationId xmlns:a16="http://schemas.microsoft.com/office/drawing/2014/main" id="{5F0358BD-68D5-2C8A-01A9-8CF584C61C7C}"/>
                 </a:ext>
               </a:extLst>
             </p:cNvPr>
@@ -32146,7 +31882,7 @@
           <p:cNvPr id="45" name="그룹 1019">
             <a:extLst>
               <a:ext uri="{FF2B5EF4-FFF2-40B4-BE49-F238E27FC236}">
-                <a16:creationId xmlns="" xmlns:a16="http://schemas.microsoft.com/office/drawing/2014/main" id="{6B69C343-DD18-F34E-F12E-D0774B8EF435}"/>
+                <a16:creationId xmlns:a16="http://schemas.microsoft.com/office/drawing/2014/main" id="{6B69C343-DD18-F34E-F12E-D0774B8EF435}"/>
               </a:ext>
             </a:extLst>
           </p:cNvPr>
@@ -32166,7 +31902,7 @@
             <p:cNvPr id="46" name="Object 61">
               <a:extLst>
                 <a:ext uri="{FF2B5EF4-FFF2-40B4-BE49-F238E27FC236}">
-                  <a16:creationId xmlns="" xmlns:a16="http://schemas.microsoft.com/office/drawing/2014/main" id="{600B8B3A-726A-4DED-B19E-3C68D18CF8CA}"/>
+                  <a16:creationId xmlns:a16="http://schemas.microsoft.com/office/drawing/2014/main" id="{600B8B3A-726A-4DED-B19E-3C68D18CF8CA}"/>
                 </a:ext>
               </a:extLst>
             </p:cNvPr>
@@ -32197,7 +31933,7 @@
           <p:cNvPr id="53" name="그룹 1023">
             <a:extLst>
               <a:ext uri="{FF2B5EF4-FFF2-40B4-BE49-F238E27FC236}">
-                <a16:creationId xmlns="" xmlns:a16="http://schemas.microsoft.com/office/drawing/2014/main" id="{AAB2255C-7D6F-0E11-6FB5-ED3977EAEC85}"/>
+                <a16:creationId xmlns:a16="http://schemas.microsoft.com/office/drawing/2014/main" id="{AAB2255C-7D6F-0E11-6FB5-ED3977EAEC85}"/>
               </a:ext>
             </a:extLst>
           </p:cNvPr>
@@ -32217,7 +31953,7 @@
             <p:cNvPr id="54" name="Object 73">
               <a:extLst>
                 <a:ext uri="{FF2B5EF4-FFF2-40B4-BE49-F238E27FC236}">
-                  <a16:creationId xmlns="" xmlns:a16="http://schemas.microsoft.com/office/drawing/2014/main" id="{0D22F622-37E6-1712-C655-58E26D4A68DD}"/>
+                  <a16:creationId xmlns:a16="http://schemas.microsoft.com/office/drawing/2014/main" id="{0D22F622-37E6-1712-C655-58E26D4A68DD}"/>
                 </a:ext>
               </a:extLst>
             </p:cNvPr>
@@ -32248,7 +31984,7 @@
           <p:cNvPr id="55" name="그룹 1024">
             <a:extLst>
               <a:ext uri="{FF2B5EF4-FFF2-40B4-BE49-F238E27FC236}">
-                <a16:creationId xmlns="" xmlns:a16="http://schemas.microsoft.com/office/drawing/2014/main" id="{219CB247-D712-B844-304C-A4AA71074F3A}"/>
+                <a16:creationId xmlns:a16="http://schemas.microsoft.com/office/drawing/2014/main" id="{219CB247-D712-B844-304C-A4AA71074F3A}"/>
               </a:ext>
             </a:extLst>
           </p:cNvPr>
@@ -32268,7 +32004,7 @@
             <p:cNvPr id="56" name="Object 76">
               <a:extLst>
                 <a:ext uri="{FF2B5EF4-FFF2-40B4-BE49-F238E27FC236}">
-                  <a16:creationId xmlns="" xmlns:a16="http://schemas.microsoft.com/office/drawing/2014/main" id="{C854F900-0C6C-097F-89BE-6CC66DAB7E53}"/>
+                  <a16:creationId xmlns:a16="http://schemas.microsoft.com/office/drawing/2014/main" id="{C854F900-0C6C-097F-89BE-6CC66DAB7E53}"/>
                 </a:ext>
               </a:extLst>
             </p:cNvPr>
@@ -32299,7 +32035,7 @@
           <p:cNvPr id="57" name="그룹 1025">
             <a:extLst>
               <a:ext uri="{FF2B5EF4-FFF2-40B4-BE49-F238E27FC236}">
-                <a16:creationId xmlns="" xmlns:a16="http://schemas.microsoft.com/office/drawing/2014/main" id="{FF4EEDBD-F51A-D06C-372A-9976F07A98BC}"/>
+                <a16:creationId xmlns:a16="http://schemas.microsoft.com/office/drawing/2014/main" id="{FF4EEDBD-F51A-D06C-372A-9976F07A98BC}"/>
               </a:ext>
             </a:extLst>
           </p:cNvPr>
@@ -32319,7 +32055,7 @@
             <p:cNvPr id="58" name="Object 79">
               <a:extLst>
                 <a:ext uri="{FF2B5EF4-FFF2-40B4-BE49-F238E27FC236}">
-                  <a16:creationId xmlns="" xmlns:a16="http://schemas.microsoft.com/office/drawing/2014/main" id="{4FD9F1F7-F9F4-373A-31D8-AFD094055F49}"/>
+                  <a16:creationId xmlns:a16="http://schemas.microsoft.com/office/drawing/2014/main" id="{4FD9F1F7-F9F4-373A-31D8-AFD094055F49}"/>
                 </a:ext>
               </a:extLst>
             </p:cNvPr>
@@ -32350,7 +32086,7 @@
           <p:cNvPr id="64" name="그룹 1029">
             <a:extLst>
               <a:ext uri="{FF2B5EF4-FFF2-40B4-BE49-F238E27FC236}">
-                <a16:creationId xmlns="" xmlns:a16="http://schemas.microsoft.com/office/drawing/2014/main" id="{A90A8FF5-E3F5-F795-C0E8-AC530FF7C8B1}"/>
+                <a16:creationId xmlns:a16="http://schemas.microsoft.com/office/drawing/2014/main" id="{A90A8FF5-E3F5-F795-C0E8-AC530FF7C8B1}"/>
               </a:ext>
             </a:extLst>
           </p:cNvPr>
@@ -32370,7 +32106,7 @@
             <p:cNvPr id="65" name="Object 90">
               <a:extLst>
                 <a:ext uri="{FF2B5EF4-FFF2-40B4-BE49-F238E27FC236}">
-                  <a16:creationId xmlns="" xmlns:a16="http://schemas.microsoft.com/office/drawing/2014/main" id="{3BC9E597-19B0-39F9-44D3-9AC6937AE8E9}"/>
+                  <a16:creationId xmlns:a16="http://schemas.microsoft.com/office/drawing/2014/main" id="{3BC9E597-19B0-39F9-44D3-9AC6937AE8E9}"/>
                 </a:ext>
               </a:extLst>
             </p:cNvPr>
@@ -32401,7 +32137,7 @@
           <p:cNvPr id="67" name="그룹 1030">
             <a:extLst>
               <a:ext uri="{FF2B5EF4-FFF2-40B4-BE49-F238E27FC236}">
-                <a16:creationId xmlns="" xmlns:a16="http://schemas.microsoft.com/office/drawing/2014/main" id="{04004D30-1162-EEA0-B5DE-2B7AA5D6852D}"/>
+                <a16:creationId xmlns:a16="http://schemas.microsoft.com/office/drawing/2014/main" id="{04004D30-1162-EEA0-B5DE-2B7AA5D6852D}"/>
               </a:ext>
             </a:extLst>
           </p:cNvPr>
@@ -32421,7 +32157,7 @@
             <p:cNvPr id="68" name="Object 94">
               <a:extLst>
                 <a:ext uri="{FF2B5EF4-FFF2-40B4-BE49-F238E27FC236}">
-                  <a16:creationId xmlns="" xmlns:a16="http://schemas.microsoft.com/office/drawing/2014/main" id="{D4D931A9-B041-86A3-F804-C999954CEF07}"/>
+                  <a16:creationId xmlns:a16="http://schemas.microsoft.com/office/drawing/2014/main" id="{D4D931A9-B041-86A3-F804-C999954CEF07}"/>
                 </a:ext>
               </a:extLst>
             </p:cNvPr>
@@ -32452,7 +32188,7 @@
           <p:cNvPr id="76" name="그룹 1033">
             <a:extLst>
               <a:ext uri="{FF2B5EF4-FFF2-40B4-BE49-F238E27FC236}">
-                <a16:creationId xmlns="" xmlns:a16="http://schemas.microsoft.com/office/drawing/2014/main" id="{A3029704-98EF-DB97-2587-888E5A70AC7B}"/>
+                <a16:creationId xmlns:a16="http://schemas.microsoft.com/office/drawing/2014/main" id="{A3029704-98EF-DB97-2587-888E5A70AC7B}"/>
               </a:ext>
             </a:extLst>
           </p:cNvPr>
@@ -32472,7 +32208,7 @@
             <p:cNvPr id="77" name="Object 106">
               <a:extLst>
                 <a:ext uri="{FF2B5EF4-FFF2-40B4-BE49-F238E27FC236}">
-                  <a16:creationId xmlns="" xmlns:a16="http://schemas.microsoft.com/office/drawing/2014/main" id="{17D0DB0F-095C-9B1B-BBE3-F6437F47A712}"/>
+                  <a16:creationId xmlns:a16="http://schemas.microsoft.com/office/drawing/2014/main" id="{17D0DB0F-095C-9B1B-BBE3-F6437F47A712}"/>
                 </a:ext>
               </a:extLst>
             </p:cNvPr>
@@ -32502,7 +32238,7 @@
             <p:cNvPr id="78" name="Object 107">
               <a:extLst>
                 <a:ext uri="{FF2B5EF4-FFF2-40B4-BE49-F238E27FC236}">
-                  <a16:creationId xmlns="" xmlns:a16="http://schemas.microsoft.com/office/drawing/2014/main" id="{B5F5C157-D6A9-9B33-D522-803803AB10EF}"/>
+                  <a16:creationId xmlns:a16="http://schemas.microsoft.com/office/drawing/2014/main" id="{B5F5C157-D6A9-9B33-D522-803803AB10EF}"/>
                 </a:ext>
               </a:extLst>
             </p:cNvPr>
@@ -32533,7 +32269,7 @@
           <p:cNvPr id="79" name="그룹 1034">
             <a:extLst>
               <a:ext uri="{FF2B5EF4-FFF2-40B4-BE49-F238E27FC236}">
-                <a16:creationId xmlns="" xmlns:a16="http://schemas.microsoft.com/office/drawing/2014/main" id="{85A7CAAF-B959-1338-755E-BF20C4AC7A1E}"/>
+                <a16:creationId xmlns:a16="http://schemas.microsoft.com/office/drawing/2014/main" id="{85A7CAAF-B959-1338-755E-BF20C4AC7A1E}"/>
               </a:ext>
             </a:extLst>
           </p:cNvPr>
@@ -32553,7 +32289,7 @@
             <p:cNvPr id="80" name="Object 110">
               <a:extLst>
                 <a:ext uri="{FF2B5EF4-FFF2-40B4-BE49-F238E27FC236}">
-                  <a16:creationId xmlns="" xmlns:a16="http://schemas.microsoft.com/office/drawing/2014/main" id="{EB44F4BD-6CB6-3C58-A07A-97BEFA44C307}"/>
+                  <a16:creationId xmlns:a16="http://schemas.microsoft.com/office/drawing/2014/main" id="{EB44F4BD-6CB6-3C58-A07A-97BEFA44C307}"/>
                 </a:ext>
               </a:extLst>
             </p:cNvPr>
@@ -32584,7 +32320,7 @@
           <p:cNvPr id="81" name="TextBox 80">
             <a:extLst>
               <a:ext uri="{FF2B5EF4-FFF2-40B4-BE49-F238E27FC236}">
-                <a16:creationId xmlns="" xmlns:a16="http://schemas.microsoft.com/office/drawing/2014/main" id="{E0322117-BBD0-A4C9-7376-4301DB7A556B}"/>
+                <a16:creationId xmlns:a16="http://schemas.microsoft.com/office/drawing/2014/main" id="{E0322117-BBD0-A4C9-7376-4301DB7A556B}"/>
               </a:ext>
             </a:extLst>
           </p:cNvPr>
@@ -32632,7 +32368,7 @@
           <p:cNvPr id="82" name="TextBox 81">
             <a:extLst>
               <a:ext uri="{FF2B5EF4-FFF2-40B4-BE49-F238E27FC236}">
-                <a16:creationId xmlns="" xmlns:a16="http://schemas.microsoft.com/office/drawing/2014/main" id="{C8D84E21-806E-AEC6-DE72-4082AA67ABDB}"/>
+                <a16:creationId xmlns:a16="http://schemas.microsoft.com/office/drawing/2014/main" id="{C8D84E21-806E-AEC6-DE72-4082AA67ABDB}"/>
               </a:ext>
             </a:extLst>
           </p:cNvPr>
@@ -32680,7 +32416,7 @@
           <p:cNvPr id="84" name="그룹 1015">
             <a:extLst>
               <a:ext uri="{FF2B5EF4-FFF2-40B4-BE49-F238E27FC236}">
-                <a16:creationId xmlns="" xmlns:a16="http://schemas.microsoft.com/office/drawing/2014/main" id="{A0D4ABA4-4695-3E9D-1609-83C613A9FA7E}"/>
+                <a16:creationId xmlns:a16="http://schemas.microsoft.com/office/drawing/2014/main" id="{A0D4ABA4-4695-3E9D-1609-83C613A9FA7E}"/>
               </a:ext>
             </a:extLst>
           </p:cNvPr>
@@ -32700,7 +32436,7 @@
             <p:cNvPr id="86" name="Object 44">
               <a:extLst>
                 <a:ext uri="{FF2B5EF4-FFF2-40B4-BE49-F238E27FC236}">
-                  <a16:creationId xmlns="" xmlns:a16="http://schemas.microsoft.com/office/drawing/2014/main" id="{50E5CCC1-019B-CDBF-8450-40D17909D944}"/>
+                  <a16:creationId xmlns:a16="http://schemas.microsoft.com/office/drawing/2014/main" id="{50E5CCC1-019B-CDBF-8450-40D17909D944}"/>
                 </a:ext>
               </a:extLst>
             </p:cNvPr>
@@ -32731,7 +32467,7 @@
           <p:cNvPr id="87" name="TextBox 86">
             <a:extLst>
               <a:ext uri="{FF2B5EF4-FFF2-40B4-BE49-F238E27FC236}">
-                <a16:creationId xmlns="" xmlns:a16="http://schemas.microsoft.com/office/drawing/2014/main" id="{095BDCA4-3049-CECE-826A-80CAA82B4FB1}"/>
+                <a16:creationId xmlns:a16="http://schemas.microsoft.com/office/drawing/2014/main" id="{095BDCA4-3049-CECE-826A-80CAA82B4FB1}"/>
               </a:ext>
             </a:extLst>
           </p:cNvPr>
@@ -32785,7 +32521,7 @@
           <p:cNvPr id="88" name="TextBox 87">
             <a:extLst>
               <a:ext uri="{FF2B5EF4-FFF2-40B4-BE49-F238E27FC236}">
-                <a16:creationId xmlns="" xmlns:a16="http://schemas.microsoft.com/office/drawing/2014/main" id="{3CDD64B9-6609-FC6C-C85F-70D28C60A1D4}"/>
+                <a16:creationId xmlns:a16="http://schemas.microsoft.com/office/drawing/2014/main" id="{3CDD64B9-6609-FC6C-C85F-70D28C60A1D4}"/>
               </a:ext>
             </a:extLst>
           </p:cNvPr>
@@ -32842,7 +32578,7 @@
           <p:cNvPr id="89" name="TextBox 88">
             <a:extLst>
               <a:ext uri="{FF2B5EF4-FFF2-40B4-BE49-F238E27FC236}">
-                <a16:creationId xmlns="" xmlns:a16="http://schemas.microsoft.com/office/drawing/2014/main" id="{E1378157-8663-9B56-AC3D-C7404C0AD4B0}"/>
+                <a16:creationId xmlns:a16="http://schemas.microsoft.com/office/drawing/2014/main" id="{E1378157-8663-9B56-AC3D-C7404C0AD4B0}"/>
               </a:ext>
             </a:extLst>
           </p:cNvPr>
@@ -32899,7 +32635,7 @@
           <p:cNvPr id="90" name="TextBox 89">
             <a:extLst>
               <a:ext uri="{FF2B5EF4-FFF2-40B4-BE49-F238E27FC236}">
-                <a16:creationId xmlns="" xmlns:a16="http://schemas.microsoft.com/office/drawing/2014/main" id="{BF2BF8EF-B7E3-72AE-11F4-614B6AAF39E5}"/>
+                <a16:creationId xmlns:a16="http://schemas.microsoft.com/office/drawing/2014/main" id="{BF2BF8EF-B7E3-72AE-11F4-614B6AAF39E5}"/>
               </a:ext>
             </a:extLst>
           </p:cNvPr>
@@ -32986,7 +32722,7 @@
           <p:cNvPr id="4" name="TextBox 3">
             <a:extLst>
               <a:ext uri="{FF2B5EF4-FFF2-40B4-BE49-F238E27FC236}">
-                <a16:creationId xmlns="" xmlns:a16="http://schemas.microsoft.com/office/drawing/2014/main" id="{3F415FE5-76FD-FB97-5474-3CDB77C77FA9}"/>
+                <a16:creationId xmlns:a16="http://schemas.microsoft.com/office/drawing/2014/main" id="{3F415FE5-76FD-FB97-5474-3CDB77C77FA9}"/>
               </a:ext>
             </a:extLst>
           </p:cNvPr>
@@ -33054,7 +32790,7 @@
           <p:cNvPr id="5" name="TextBox 4">
             <a:extLst>
               <a:ext uri="{FF2B5EF4-FFF2-40B4-BE49-F238E27FC236}">
-                <a16:creationId xmlns="" xmlns:a16="http://schemas.microsoft.com/office/drawing/2014/main" id="{D2E052D2-F463-06C3-07F5-83CB390D3112}"/>
+                <a16:creationId xmlns:a16="http://schemas.microsoft.com/office/drawing/2014/main" id="{D2E052D2-F463-06C3-07F5-83CB390D3112}"/>
               </a:ext>
             </a:extLst>
           </p:cNvPr>
@@ -33098,7 +32834,7 @@
           <p:cNvPr id="7" name="그림 6">
             <a:extLst>
               <a:ext uri="{FF2B5EF4-FFF2-40B4-BE49-F238E27FC236}">
-                <a16:creationId xmlns="" xmlns:a16="http://schemas.microsoft.com/office/drawing/2014/main" id="{7C003FF6-E554-6F96-DE2A-C4F74DA566CA}"/>
+                <a16:creationId xmlns:a16="http://schemas.microsoft.com/office/drawing/2014/main" id="{7C003FF6-E554-6F96-DE2A-C4F74DA566CA}"/>
               </a:ext>
             </a:extLst>
           </p:cNvPr>
@@ -33128,7 +32864,7 @@
           <p:cNvPr id="17" name="그림 16">
             <a:extLst>
               <a:ext uri="{FF2B5EF4-FFF2-40B4-BE49-F238E27FC236}">
-                <a16:creationId xmlns="" xmlns:a16="http://schemas.microsoft.com/office/drawing/2014/main" id="{8CC7E3E3-89E3-4515-2FA8-EA80F6A58D47}"/>
+                <a16:creationId xmlns:a16="http://schemas.microsoft.com/office/drawing/2014/main" id="{8CC7E3E3-89E3-4515-2FA8-EA80F6A58D47}"/>
               </a:ext>
             </a:extLst>
           </p:cNvPr>
@@ -33158,7 +32894,7 @@
           <p:cNvPr id="18" name="그림 17">
             <a:extLst>
               <a:ext uri="{FF2B5EF4-FFF2-40B4-BE49-F238E27FC236}">
-                <a16:creationId xmlns="" xmlns:a16="http://schemas.microsoft.com/office/drawing/2014/main" id="{C53618FB-7FB8-AD3E-3445-384D020D97B3}"/>
+                <a16:creationId xmlns:a16="http://schemas.microsoft.com/office/drawing/2014/main" id="{C53618FB-7FB8-AD3E-3445-384D020D97B3}"/>
               </a:ext>
             </a:extLst>
           </p:cNvPr>
@@ -33188,7 +32924,7 @@
           <p:cNvPr id="19" name="그림 18">
             <a:extLst>
               <a:ext uri="{FF2B5EF4-FFF2-40B4-BE49-F238E27FC236}">
-                <a16:creationId xmlns="" xmlns:a16="http://schemas.microsoft.com/office/drawing/2014/main" id="{74FDD2A2-1FF5-D08D-445F-4BD16209F1D3}"/>
+                <a16:creationId xmlns:a16="http://schemas.microsoft.com/office/drawing/2014/main" id="{74FDD2A2-1FF5-D08D-445F-4BD16209F1D3}"/>
               </a:ext>
             </a:extLst>
           </p:cNvPr>
@@ -33218,7 +32954,7 @@
           <p:cNvPr id="20" name="그림 19">
             <a:extLst>
               <a:ext uri="{FF2B5EF4-FFF2-40B4-BE49-F238E27FC236}">
-                <a16:creationId xmlns="" xmlns:a16="http://schemas.microsoft.com/office/drawing/2014/main" id="{179B4922-2424-08AA-5BBF-BD43FD18E551}"/>
+                <a16:creationId xmlns:a16="http://schemas.microsoft.com/office/drawing/2014/main" id="{179B4922-2424-08AA-5BBF-BD43FD18E551}"/>
               </a:ext>
             </a:extLst>
           </p:cNvPr>
@@ -33248,7 +32984,7 @@
           <p:cNvPr id="21" name="그림 20">
             <a:extLst>
               <a:ext uri="{FF2B5EF4-FFF2-40B4-BE49-F238E27FC236}">
-                <a16:creationId xmlns="" xmlns:a16="http://schemas.microsoft.com/office/drawing/2014/main" id="{FC1A38A8-F255-BF2A-F5D8-F66BABD7B277}"/>
+                <a16:creationId xmlns:a16="http://schemas.microsoft.com/office/drawing/2014/main" id="{FC1A38A8-F255-BF2A-F5D8-F66BABD7B277}"/>
               </a:ext>
             </a:extLst>
           </p:cNvPr>
@@ -33278,7 +33014,7 @@
           <p:cNvPr id="22" name="TextBox 21">
             <a:extLst>
               <a:ext uri="{FF2B5EF4-FFF2-40B4-BE49-F238E27FC236}">
-                <a16:creationId xmlns="" xmlns:a16="http://schemas.microsoft.com/office/drawing/2014/main" id="{CFF7A884-BA8D-FF71-4905-99ED2A9B46B1}"/>
+                <a16:creationId xmlns:a16="http://schemas.microsoft.com/office/drawing/2014/main" id="{CFF7A884-BA8D-FF71-4905-99ED2A9B46B1}"/>
               </a:ext>
             </a:extLst>
           </p:cNvPr>
@@ -33319,7 +33055,7 @@
           <p:cNvPr id="23" name="TextBox 22">
             <a:extLst>
               <a:ext uri="{FF2B5EF4-FFF2-40B4-BE49-F238E27FC236}">
-                <a16:creationId xmlns="" xmlns:a16="http://schemas.microsoft.com/office/drawing/2014/main" id="{DA940BE0-753B-E21B-7F31-F220E357478A}"/>
+                <a16:creationId xmlns:a16="http://schemas.microsoft.com/office/drawing/2014/main" id="{DA940BE0-753B-E21B-7F31-F220E357478A}"/>
               </a:ext>
             </a:extLst>
           </p:cNvPr>
@@ -33360,7 +33096,7 @@
           <p:cNvPr id="24" name="TextBox 23">
             <a:extLst>
               <a:ext uri="{FF2B5EF4-FFF2-40B4-BE49-F238E27FC236}">
-                <a16:creationId xmlns="" xmlns:a16="http://schemas.microsoft.com/office/drawing/2014/main" id="{252B4051-490D-F760-F48A-14AFC0110187}"/>
+                <a16:creationId xmlns:a16="http://schemas.microsoft.com/office/drawing/2014/main" id="{252B4051-490D-F760-F48A-14AFC0110187}"/>
               </a:ext>
             </a:extLst>
           </p:cNvPr>
@@ -33401,7 +33137,7 @@
           <p:cNvPr id="25" name="TextBox 24">
             <a:extLst>
               <a:ext uri="{FF2B5EF4-FFF2-40B4-BE49-F238E27FC236}">
-                <a16:creationId xmlns="" xmlns:a16="http://schemas.microsoft.com/office/drawing/2014/main" id="{42002CF9-F120-A996-7FF6-01FE79FC6695}"/>
+                <a16:creationId xmlns:a16="http://schemas.microsoft.com/office/drawing/2014/main" id="{42002CF9-F120-A996-7FF6-01FE79FC6695}"/>
               </a:ext>
             </a:extLst>
           </p:cNvPr>
@@ -33442,7 +33178,7 @@
           <p:cNvPr id="26" name="TextBox 25">
             <a:extLst>
               <a:ext uri="{FF2B5EF4-FFF2-40B4-BE49-F238E27FC236}">
-                <a16:creationId xmlns="" xmlns:a16="http://schemas.microsoft.com/office/drawing/2014/main" id="{615B5811-236B-BEA4-02F0-1CADCB6EBDB9}"/>
+                <a16:creationId xmlns:a16="http://schemas.microsoft.com/office/drawing/2014/main" id="{615B5811-236B-BEA4-02F0-1CADCB6EBDB9}"/>
               </a:ext>
             </a:extLst>
           </p:cNvPr>
@@ -33483,7 +33219,7 @@
           <p:cNvPr id="27" name="TextBox 26">
             <a:extLst>
               <a:ext uri="{FF2B5EF4-FFF2-40B4-BE49-F238E27FC236}">
-                <a16:creationId xmlns="" xmlns:a16="http://schemas.microsoft.com/office/drawing/2014/main" id="{34F87272-6EB0-4FBA-3852-85D0DE167050}"/>
+                <a16:creationId xmlns:a16="http://schemas.microsoft.com/office/drawing/2014/main" id="{34F87272-6EB0-4FBA-3852-85D0DE167050}"/>
               </a:ext>
             </a:extLst>
           </p:cNvPr>
@@ -33524,7 +33260,7 @@
           <p:cNvPr id="28" name="TextBox 27">
             <a:extLst>
               <a:ext uri="{FF2B5EF4-FFF2-40B4-BE49-F238E27FC236}">
-                <a16:creationId xmlns="" xmlns:a16="http://schemas.microsoft.com/office/drawing/2014/main" id="{A3AD7700-2068-CFCD-CCF3-54B2F6C46BFD}"/>
+                <a16:creationId xmlns:a16="http://schemas.microsoft.com/office/drawing/2014/main" id="{A3AD7700-2068-CFCD-CCF3-54B2F6C46BFD}"/>
               </a:ext>
             </a:extLst>
           </p:cNvPr>
@@ -33565,7 +33301,7 @@
           <p:cNvPr id="29" name="TextBox 28">
             <a:extLst>
               <a:ext uri="{FF2B5EF4-FFF2-40B4-BE49-F238E27FC236}">
-                <a16:creationId xmlns="" xmlns:a16="http://schemas.microsoft.com/office/drawing/2014/main" id="{4197ADEC-5FE2-838C-63B7-08A3103635ED}"/>
+                <a16:creationId xmlns:a16="http://schemas.microsoft.com/office/drawing/2014/main" id="{4197ADEC-5FE2-838C-63B7-08A3103635ED}"/>
               </a:ext>
             </a:extLst>
           </p:cNvPr>
@@ -33606,7 +33342,7 @@
           <p:cNvPr id="30" name="TextBox 29">
             <a:extLst>
               <a:ext uri="{FF2B5EF4-FFF2-40B4-BE49-F238E27FC236}">
-                <a16:creationId xmlns="" xmlns:a16="http://schemas.microsoft.com/office/drawing/2014/main" id="{5DB8A77A-28EF-00B7-40CC-3E52C306196C}"/>
+                <a16:creationId xmlns:a16="http://schemas.microsoft.com/office/drawing/2014/main" id="{5DB8A77A-28EF-00B7-40CC-3E52C306196C}"/>
               </a:ext>
             </a:extLst>
           </p:cNvPr>
@@ -33647,7 +33383,7 @@
           <p:cNvPr id="31" name="TextBox 30">
             <a:extLst>
               <a:ext uri="{FF2B5EF4-FFF2-40B4-BE49-F238E27FC236}">
-                <a16:creationId xmlns="" xmlns:a16="http://schemas.microsoft.com/office/drawing/2014/main" id="{5C771742-C17A-0D40-3B69-3A2C56008BD0}"/>
+                <a16:creationId xmlns:a16="http://schemas.microsoft.com/office/drawing/2014/main" id="{5C771742-C17A-0D40-3B69-3A2C56008BD0}"/>
               </a:ext>
             </a:extLst>
           </p:cNvPr>
@@ -33688,7 +33424,7 @@
           <p:cNvPr id="32" name="TextBox 31">
             <a:extLst>
               <a:ext uri="{FF2B5EF4-FFF2-40B4-BE49-F238E27FC236}">
-                <a16:creationId xmlns="" xmlns:a16="http://schemas.microsoft.com/office/drawing/2014/main" id="{DD00BD43-0250-B3D9-49D0-B0DFAD56C193}"/>
+                <a16:creationId xmlns:a16="http://schemas.microsoft.com/office/drawing/2014/main" id="{DD00BD43-0250-B3D9-49D0-B0DFAD56C193}"/>
               </a:ext>
             </a:extLst>
           </p:cNvPr>
@@ -33729,7 +33465,7 @@
           <p:cNvPr id="33" name="TextBox 32">
             <a:extLst>
               <a:ext uri="{FF2B5EF4-FFF2-40B4-BE49-F238E27FC236}">
-                <a16:creationId xmlns="" xmlns:a16="http://schemas.microsoft.com/office/drawing/2014/main" id="{ED079721-F936-F673-44F3-C99E8C84C06C}"/>
+                <a16:creationId xmlns:a16="http://schemas.microsoft.com/office/drawing/2014/main" id="{ED079721-F936-F673-44F3-C99E8C84C06C}"/>
               </a:ext>
             </a:extLst>
           </p:cNvPr>
@@ -33770,7 +33506,7 @@
           <p:cNvPr id="34" name="TextBox 33">
             <a:extLst>
               <a:ext uri="{FF2B5EF4-FFF2-40B4-BE49-F238E27FC236}">
-                <a16:creationId xmlns="" xmlns:a16="http://schemas.microsoft.com/office/drawing/2014/main" id="{D925FB5E-792F-9FDD-BD3E-99CFCEBA20D3}"/>
+                <a16:creationId xmlns:a16="http://schemas.microsoft.com/office/drawing/2014/main" id="{D925FB5E-792F-9FDD-BD3E-99CFCEBA20D3}"/>
               </a:ext>
             </a:extLst>
           </p:cNvPr>
@@ -33811,7 +33547,7 @@
           <p:cNvPr id="35" name="TextBox 34">
             <a:extLst>
               <a:ext uri="{FF2B5EF4-FFF2-40B4-BE49-F238E27FC236}">
-                <a16:creationId xmlns="" xmlns:a16="http://schemas.microsoft.com/office/drawing/2014/main" id="{DF6AA7ED-5665-8EF9-3A66-AC8A2C361B48}"/>
+                <a16:creationId xmlns:a16="http://schemas.microsoft.com/office/drawing/2014/main" id="{DF6AA7ED-5665-8EF9-3A66-AC8A2C361B48}"/>
               </a:ext>
             </a:extLst>
           </p:cNvPr>
@@ -34783,7 +34519,7 @@
           <p:cNvPr id="4" name="그룹 1001">
             <a:extLst>
               <a:ext uri="{FF2B5EF4-FFF2-40B4-BE49-F238E27FC236}">
-                <a16:creationId xmlns="" xmlns:a16="http://schemas.microsoft.com/office/drawing/2014/main" id="{E0956EEE-BA6A-E249-6516-8E257FFD49E1}"/>
+                <a16:creationId xmlns:a16="http://schemas.microsoft.com/office/drawing/2014/main" id="{E0956EEE-BA6A-E249-6516-8E257FFD49E1}"/>
               </a:ext>
             </a:extLst>
           </p:cNvPr>
@@ -34803,7 +34539,7 @@
             <p:cNvPr id="5" name="그룹 1002">
               <a:extLst>
                 <a:ext uri="{FF2B5EF4-FFF2-40B4-BE49-F238E27FC236}">
-                  <a16:creationId xmlns="" xmlns:a16="http://schemas.microsoft.com/office/drawing/2014/main" id="{42BB6755-4490-ECB9-C760-68D4CA4D1D99}"/>
+                  <a16:creationId xmlns:a16="http://schemas.microsoft.com/office/drawing/2014/main" id="{42BB6755-4490-ECB9-C760-68D4CA4D1D99}"/>
                 </a:ext>
               </a:extLst>
             </p:cNvPr>
@@ -34823,7 +34559,7 @@
               <p:cNvPr id="30" name="Object 3">
                 <a:extLst>
                   <a:ext uri="{FF2B5EF4-FFF2-40B4-BE49-F238E27FC236}">
-                    <a16:creationId xmlns="" xmlns:a16="http://schemas.microsoft.com/office/drawing/2014/main" id="{435F3972-F6FE-6E95-390D-FE2951A201A5}"/>
+                    <a16:creationId xmlns:a16="http://schemas.microsoft.com/office/drawing/2014/main" id="{435F3972-F6FE-6E95-390D-FE2951A201A5}"/>
                   </a:ext>
                 </a:extLst>
               </p:cNvPr>
@@ -34854,7 +34590,7 @@
             <p:cNvPr id="6" name="그룹 1003">
               <a:extLst>
                 <a:ext uri="{FF2B5EF4-FFF2-40B4-BE49-F238E27FC236}">
-                  <a16:creationId xmlns="" xmlns:a16="http://schemas.microsoft.com/office/drawing/2014/main" id="{CEA14FEC-F70F-8BB1-3229-8B289D46B1BE}"/>
+                  <a16:creationId xmlns:a16="http://schemas.microsoft.com/office/drawing/2014/main" id="{CEA14FEC-F70F-8BB1-3229-8B289D46B1BE}"/>
                 </a:ext>
               </a:extLst>
             </p:cNvPr>
@@ -34874,7 +34610,7 @@
               <p:cNvPr id="29" name="Object 6">
                 <a:extLst>
                   <a:ext uri="{FF2B5EF4-FFF2-40B4-BE49-F238E27FC236}">
-                    <a16:creationId xmlns="" xmlns:a16="http://schemas.microsoft.com/office/drawing/2014/main" id="{7D8DFEA3-B447-FD80-229B-FE3F8B762A48}"/>
+                    <a16:creationId xmlns:a16="http://schemas.microsoft.com/office/drawing/2014/main" id="{7D8DFEA3-B447-FD80-229B-FE3F8B762A48}"/>
                   </a:ext>
                 </a:extLst>
               </p:cNvPr>
@@ -34905,7 +34641,7 @@
             <p:cNvPr id="7" name="그룹 1004">
               <a:extLst>
                 <a:ext uri="{FF2B5EF4-FFF2-40B4-BE49-F238E27FC236}">
-                  <a16:creationId xmlns="" xmlns:a16="http://schemas.microsoft.com/office/drawing/2014/main" id="{61049BDD-D8AB-1C05-3476-E0A7DFF10D1E}"/>
+                  <a16:creationId xmlns:a16="http://schemas.microsoft.com/office/drawing/2014/main" id="{61049BDD-D8AB-1C05-3476-E0A7DFF10D1E}"/>
                 </a:ext>
               </a:extLst>
             </p:cNvPr>
@@ -34925,7 +34661,7 @@
               <p:cNvPr id="28" name="Object 9">
                 <a:extLst>
                   <a:ext uri="{FF2B5EF4-FFF2-40B4-BE49-F238E27FC236}">
-                    <a16:creationId xmlns="" xmlns:a16="http://schemas.microsoft.com/office/drawing/2014/main" id="{BB75E1E0-AA47-136B-0062-3B2923DF50CC}"/>
+                    <a16:creationId xmlns:a16="http://schemas.microsoft.com/office/drawing/2014/main" id="{BB75E1E0-AA47-136B-0062-3B2923DF50CC}"/>
                   </a:ext>
                 </a:extLst>
               </p:cNvPr>
@@ -34956,7 +34692,7 @@
             <p:cNvPr id="8" name="그룹 1005">
               <a:extLst>
                 <a:ext uri="{FF2B5EF4-FFF2-40B4-BE49-F238E27FC236}">
-                  <a16:creationId xmlns="" xmlns:a16="http://schemas.microsoft.com/office/drawing/2014/main" id="{BBD37CDE-0996-DC37-B82B-81259E8E68F6}"/>
+                  <a16:creationId xmlns:a16="http://schemas.microsoft.com/office/drawing/2014/main" id="{BBD37CDE-0996-DC37-B82B-81259E8E68F6}"/>
                 </a:ext>
               </a:extLst>
             </p:cNvPr>
@@ -34976,7 +34712,7 @@
               <p:cNvPr id="27" name="Object 12">
                 <a:extLst>
                   <a:ext uri="{FF2B5EF4-FFF2-40B4-BE49-F238E27FC236}">
-                    <a16:creationId xmlns="" xmlns:a16="http://schemas.microsoft.com/office/drawing/2014/main" id="{2FEDB64D-D92F-9F75-699A-70AC411BF360}"/>
+                    <a16:creationId xmlns:a16="http://schemas.microsoft.com/office/drawing/2014/main" id="{2FEDB64D-D92F-9F75-699A-70AC411BF360}"/>
                   </a:ext>
                 </a:extLst>
               </p:cNvPr>
@@ -35007,7 +34743,7 @@
             <p:cNvPr id="9" name="그룹 1006">
               <a:extLst>
                 <a:ext uri="{FF2B5EF4-FFF2-40B4-BE49-F238E27FC236}">
-                  <a16:creationId xmlns="" xmlns:a16="http://schemas.microsoft.com/office/drawing/2014/main" id="{933FE248-46E3-EAFB-8CC8-C7AFD57C7A32}"/>
+                  <a16:creationId xmlns:a16="http://schemas.microsoft.com/office/drawing/2014/main" id="{933FE248-46E3-EAFB-8CC8-C7AFD57C7A32}"/>
                 </a:ext>
               </a:extLst>
             </p:cNvPr>
@@ -35027,7 +34763,7 @@
               <p:cNvPr id="26" name="Object 15">
                 <a:extLst>
                   <a:ext uri="{FF2B5EF4-FFF2-40B4-BE49-F238E27FC236}">
-                    <a16:creationId xmlns="" xmlns:a16="http://schemas.microsoft.com/office/drawing/2014/main" id="{0A60F11D-2A8F-8B6F-0287-13F728DEFE3B}"/>
+                    <a16:creationId xmlns:a16="http://schemas.microsoft.com/office/drawing/2014/main" id="{0A60F11D-2A8F-8B6F-0287-13F728DEFE3B}"/>
                   </a:ext>
                 </a:extLst>
               </p:cNvPr>
@@ -35058,7 +34794,7 @@
             <p:cNvPr id="10" name="그룹 1007">
               <a:extLst>
                 <a:ext uri="{FF2B5EF4-FFF2-40B4-BE49-F238E27FC236}">
-                  <a16:creationId xmlns="" xmlns:a16="http://schemas.microsoft.com/office/drawing/2014/main" id="{1109224B-448B-1B5F-6D84-E893DC2E1534}"/>
+                  <a16:creationId xmlns:a16="http://schemas.microsoft.com/office/drawing/2014/main" id="{1109224B-448B-1B5F-6D84-E893DC2E1534}"/>
                 </a:ext>
               </a:extLst>
             </p:cNvPr>
@@ -35078,7 +34814,7 @@
               <p:cNvPr id="25" name="Object 18">
                 <a:extLst>
                   <a:ext uri="{FF2B5EF4-FFF2-40B4-BE49-F238E27FC236}">
-                    <a16:creationId xmlns="" xmlns:a16="http://schemas.microsoft.com/office/drawing/2014/main" id="{C96F2A94-6828-264E-E3EE-3E7BB9D71EC0}"/>
+                    <a16:creationId xmlns:a16="http://schemas.microsoft.com/office/drawing/2014/main" id="{C96F2A94-6828-264E-E3EE-3E7BB9D71EC0}"/>
                   </a:ext>
                 </a:extLst>
               </p:cNvPr>
@@ -35109,7 +34845,7 @@
             <p:cNvPr id="11" name="그룹 1008">
               <a:extLst>
                 <a:ext uri="{FF2B5EF4-FFF2-40B4-BE49-F238E27FC236}">
-                  <a16:creationId xmlns="" xmlns:a16="http://schemas.microsoft.com/office/drawing/2014/main" id="{FA91F934-44D9-BE2C-2C9A-365BAD760020}"/>
+                  <a16:creationId xmlns:a16="http://schemas.microsoft.com/office/drawing/2014/main" id="{FA91F934-44D9-BE2C-2C9A-365BAD760020}"/>
                 </a:ext>
               </a:extLst>
             </p:cNvPr>
@@ -35129,7 +34865,7 @@
               <p:cNvPr id="24" name="Object 21">
                 <a:extLst>
                   <a:ext uri="{FF2B5EF4-FFF2-40B4-BE49-F238E27FC236}">
-                    <a16:creationId xmlns="" xmlns:a16="http://schemas.microsoft.com/office/drawing/2014/main" id="{B6A2858F-8DFA-9E99-8FD9-0EDD78662F6B}"/>
+                    <a16:creationId xmlns:a16="http://schemas.microsoft.com/office/drawing/2014/main" id="{B6A2858F-8DFA-9E99-8FD9-0EDD78662F6B}"/>
                   </a:ext>
                 </a:extLst>
               </p:cNvPr>
@@ -35160,7 +34896,7 @@
             <p:cNvPr id="12" name="그룹 1009">
               <a:extLst>
                 <a:ext uri="{FF2B5EF4-FFF2-40B4-BE49-F238E27FC236}">
-                  <a16:creationId xmlns="" xmlns:a16="http://schemas.microsoft.com/office/drawing/2014/main" id="{D6B3B607-7E92-1BF6-57D2-850B5FA959EC}"/>
+                  <a16:creationId xmlns:a16="http://schemas.microsoft.com/office/drawing/2014/main" id="{D6B3B607-7E92-1BF6-57D2-850B5FA959EC}"/>
                 </a:ext>
               </a:extLst>
             </p:cNvPr>
@@ -35180,7 +34916,7 @@
               <p:cNvPr id="23" name="Object 24">
                 <a:extLst>
                   <a:ext uri="{FF2B5EF4-FFF2-40B4-BE49-F238E27FC236}">
-                    <a16:creationId xmlns="" xmlns:a16="http://schemas.microsoft.com/office/drawing/2014/main" id="{F5824643-CE86-9262-BE34-479ABA316793}"/>
+                    <a16:creationId xmlns:a16="http://schemas.microsoft.com/office/drawing/2014/main" id="{F5824643-CE86-9262-BE34-479ABA316793}"/>
                   </a:ext>
                 </a:extLst>
               </p:cNvPr>
@@ -35211,7 +34947,7 @@
             <p:cNvPr id="13" name="그룹 1010">
               <a:extLst>
                 <a:ext uri="{FF2B5EF4-FFF2-40B4-BE49-F238E27FC236}">
-                  <a16:creationId xmlns="" xmlns:a16="http://schemas.microsoft.com/office/drawing/2014/main" id="{0F3DB597-C995-2892-6BB8-0676EAB1A7BE}"/>
+                  <a16:creationId xmlns:a16="http://schemas.microsoft.com/office/drawing/2014/main" id="{0F3DB597-C995-2892-6BB8-0676EAB1A7BE}"/>
                 </a:ext>
               </a:extLst>
             </p:cNvPr>
@@ -35231,7 +34967,7 @@
               <p:cNvPr id="22" name="Object 27">
                 <a:extLst>
                   <a:ext uri="{FF2B5EF4-FFF2-40B4-BE49-F238E27FC236}">
-                    <a16:creationId xmlns="" xmlns:a16="http://schemas.microsoft.com/office/drawing/2014/main" id="{1D952FFE-8620-6B1A-4A09-8A3CE15C92A2}"/>
+                    <a16:creationId xmlns:a16="http://schemas.microsoft.com/office/drawing/2014/main" id="{1D952FFE-8620-6B1A-4A09-8A3CE15C92A2}"/>
                   </a:ext>
                 </a:extLst>
               </p:cNvPr>
@@ -35262,7 +34998,7 @@
             <p:cNvPr id="14" name="그룹 1011">
               <a:extLst>
                 <a:ext uri="{FF2B5EF4-FFF2-40B4-BE49-F238E27FC236}">
-                  <a16:creationId xmlns="" xmlns:a16="http://schemas.microsoft.com/office/drawing/2014/main" id="{A47E0769-9D20-82DD-7450-2AFB133EA7F5}"/>
+                  <a16:creationId xmlns:a16="http://schemas.microsoft.com/office/drawing/2014/main" id="{A47E0769-9D20-82DD-7450-2AFB133EA7F5}"/>
                 </a:ext>
               </a:extLst>
             </p:cNvPr>
@@ -35282,7 +35018,7 @@
               <p:cNvPr id="21" name="Object 30">
                 <a:extLst>
                   <a:ext uri="{FF2B5EF4-FFF2-40B4-BE49-F238E27FC236}">
-                    <a16:creationId xmlns="" xmlns:a16="http://schemas.microsoft.com/office/drawing/2014/main" id="{D36DE068-EB6E-5849-A526-9C2090CED621}"/>
+                    <a16:creationId xmlns:a16="http://schemas.microsoft.com/office/drawing/2014/main" id="{D36DE068-EB6E-5849-A526-9C2090CED621}"/>
                   </a:ext>
                 </a:extLst>
               </p:cNvPr>
@@ -35313,7 +35049,7 @@
             <p:cNvPr id="15" name="그룹 1012">
               <a:extLst>
                 <a:ext uri="{FF2B5EF4-FFF2-40B4-BE49-F238E27FC236}">
-                  <a16:creationId xmlns="" xmlns:a16="http://schemas.microsoft.com/office/drawing/2014/main" id="{B0985FAA-83C7-085A-C309-FCB345532BDE}"/>
+                  <a16:creationId xmlns:a16="http://schemas.microsoft.com/office/drawing/2014/main" id="{B0985FAA-83C7-085A-C309-FCB345532BDE}"/>
                 </a:ext>
               </a:extLst>
             </p:cNvPr>
@@ -35333,7 +35069,7 @@
               <p:cNvPr id="20" name="Object 33">
                 <a:extLst>
                   <a:ext uri="{FF2B5EF4-FFF2-40B4-BE49-F238E27FC236}">
-                    <a16:creationId xmlns="" xmlns:a16="http://schemas.microsoft.com/office/drawing/2014/main" id="{D6517835-A230-5685-A8A5-D1DB8335CBFA}"/>
+                    <a16:creationId xmlns:a16="http://schemas.microsoft.com/office/drawing/2014/main" id="{D6517835-A230-5685-A8A5-D1DB8335CBFA}"/>
                   </a:ext>
                 </a:extLst>
               </p:cNvPr>
@@ -35364,7 +35100,7 @@
             <p:cNvPr id="16" name="그룹 1013">
               <a:extLst>
                 <a:ext uri="{FF2B5EF4-FFF2-40B4-BE49-F238E27FC236}">
-                  <a16:creationId xmlns="" xmlns:a16="http://schemas.microsoft.com/office/drawing/2014/main" id="{3D8CA25A-772D-749A-A22E-879E4C63D9E6}"/>
+                  <a16:creationId xmlns:a16="http://schemas.microsoft.com/office/drawing/2014/main" id="{3D8CA25A-772D-749A-A22E-879E4C63D9E6}"/>
                 </a:ext>
               </a:extLst>
             </p:cNvPr>
@@ -35384,7 +35120,7 @@
               <p:cNvPr id="19" name="Object 36">
                 <a:extLst>
                   <a:ext uri="{FF2B5EF4-FFF2-40B4-BE49-F238E27FC236}">
-                    <a16:creationId xmlns="" xmlns:a16="http://schemas.microsoft.com/office/drawing/2014/main" id="{2198454E-4F7C-8389-A1EA-B413F46643F4}"/>
+                    <a16:creationId xmlns:a16="http://schemas.microsoft.com/office/drawing/2014/main" id="{2198454E-4F7C-8389-A1EA-B413F46643F4}"/>
                   </a:ext>
                 </a:extLst>
               </p:cNvPr>
@@ -35415,7 +35151,7 @@
             <p:cNvPr id="17" name="그룹 1014">
               <a:extLst>
                 <a:ext uri="{FF2B5EF4-FFF2-40B4-BE49-F238E27FC236}">
-                  <a16:creationId xmlns="" xmlns:a16="http://schemas.microsoft.com/office/drawing/2014/main" id="{7B5B8359-6370-CD61-04F7-E7332B1269F8}"/>
+                  <a16:creationId xmlns:a16="http://schemas.microsoft.com/office/drawing/2014/main" id="{7B5B8359-6370-CD61-04F7-E7332B1269F8}"/>
                 </a:ext>
               </a:extLst>
             </p:cNvPr>
@@ -35435,7 +35171,7 @@
               <p:cNvPr id="18" name="Object 39">
                 <a:extLst>
                   <a:ext uri="{FF2B5EF4-FFF2-40B4-BE49-F238E27FC236}">
-                    <a16:creationId xmlns="" xmlns:a16="http://schemas.microsoft.com/office/drawing/2014/main" id="{6EC25CEC-C244-9ED0-1EA4-51E1C4D2C870}"/>
+                    <a16:creationId xmlns:a16="http://schemas.microsoft.com/office/drawing/2014/main" id="{6EC25CEC-C244-9ED0-1EA4-51E1C4D2C870}"/>
                   </a:ext>
                 </a:extLst>
               </p:cNvPr>
@@ -35467,7 +35203,7 @@
           <p:cNvPr id="31" name="그룹 1016">
             <a:extLst>
               <a:ext uri="{FF2B5EF4-FFF2-40B4-BE49-F238E27FC236}">
-                <a16:creationId xmlns="" xmlns:a16="http://schemas.microsoft.com/office/drawing/2014/main" id="{1DE47C6F-21FC-47D6-3F82-AD3D367DC4CB}"/>
+                <a16:creationId xmlns:a16="http://schemas.microsoft.com/office/drawing/2014/main" id="{1DE47C6F-21FC-47D6-3F82-AD3D367DC4CB}"/>
               </a:ext>
             </a:extLst>
           </p:cNvPr>
@@ -35487,7 +35223,7 @@
             <p:cNvPr id="32" name="Object 46">
               <a:extLst>
                 <a:ext uri="{FF2B5EF4-FFF2-40B4-BE49-F238E27FC236}">
-                  <a16:creationId xmlns="" xmlns:a16="http://schemas.microsoft.com/office/drawing/2014/main" id="{ADB560C1-17C4-1D68-5BD7-2DBA66CCB673}"/>
+                  <a16:creationId xmlns:a16="http://schemas.microsoft.com/office/drawing/2014/main" id="{ADB560C1-17C4-1D68-5BD7-2DBA66CCB673}"/>
                 </a:ext>
               </a:extLst>
             </p:cNvPr>
@@ -35518,7 +35254,7 @@
           <p:cNvPr id="33" name="그룹 1023">
             <a:extLst>
               <a:ext uri="{FF2B5EF4-FFF2-40B4-BE49-F238E27FC236}">
-                <a16:creationId xmlns="" xmlns:a16="http://schemas.microsoft.com/office/drawing/2014/main" id="{D6AF35F1-646F-F8C5-0E9B-773311A51399}"/>
+                <a16:creationId xmlns:a16="http://schemas.microsoft.com/office/drawing/2014/main" id="{D6AF35F1-646F-F8C5-0E9B-773311A51399}"/>
               </a:ext>
             </a:extLst>
           </p:cNvPr>
@@ -35538,7 +35274,7 @@
             <p:cNvPr id="34" name="그룹 1024">
               <a:extLst>
                 <a:ext uri="{FF2B5EF4-FFF2-40B4-BE49-F238E27FC236}">
-                  <a16:creationId xmlns="" xmlns:a16="http://schemas.microsoft.com/office/drawing/2014/main" id="{8C60895A-83EB-CF77-3918-E56384BB5793}"/>
+                  <a16:creationId xmlns:a16="http://schemas.microsoft.com/office/drawing/2014/main" id="{8C60895A-83EB-CF77-3918-E56384BB5793}"/>
                 </a:ext>
               </a:extLst>
             </p:cNvPr>
@@ -35558,7 +35294,7 @@
               <p:cNvPr id="39" name="Object 73">
                 <a:extLst>
                   <a:ext uri="{FF2B5EF4-FFF2-40B4-BE49-F238E27FC236}">
-                    <a16:creationId xmlns="" xmlns:a16="http://schemas.microsoft.com/office/drawing/2014/main" id="{A33A8D58-9259-76B4-574F-DC3FD3C09ED5}"/>
+                    <a16:creationId xmlns:a16="http://schemas.microsoft.com/office/drawing/2014/main" id="{A33A8D58-9259-76B4-574F-DC3FD3C09ED5}"/>
                   </a:ext>
                 </a:extLst>
               </p:cNvPr>
@@ -35589,7 +35325,7 @@
             <p:cNvPr id="35" name="그룹 1025">
               <a:extLst>
                 <a:ext uri="{FF2B5EF4-FFF2-40B4-BE49-F238E27FC236}">
-                  <a16:creationId xmlns="" xmlns:a16="http://schemas.microsoft.com/office/drawing/2014/main" id="{6DF0752A-0964-9D56-6135-A3D850ADA990}"/>
+                  <a16:creationId xmlns:a16="http://schemas.microsoft.com/office/drawing/2014/main" id="{6DF0752A-0964-9D56-6135-A3D850ADA990}"/>
                 </a:ext>
               </a:extLst>
             </p:cNvPr>
@@ -35609,7 +35345,7 @@
               <p:cNvPr id="38" name="Object 76">
                 <a:extLst>
                   <a:ext uri="{FF2B5EF4-FFF2-40B4-BE49-F238E27FC236}">
-                    <a16:creationId xmlns="" xmlns:a16="http://schemas.microsoft.com/office/drawing/2014/main" id="{26A406E1-6890-046D-41BA-A84840C6E21B}"/>
+                    <a16:creationId xmlns:a16="http://schemas.microsoft.com/office/drawing/2014/main" id="{26A406E1-6890-046D-41BA-A84840C6E21B}"/>
                   </a:ext>
                 </a:extLst>
               </p:cNvPr>
@@ -35640,7 +35376,7 @@
             <p:cNvPr id="36" name="그룹 1026">
               <a:extLst>
                 <a:ext uri="{FF2B5EF4-FFF2-40B4-BE49-F238E27FC236}">
-                  <a16:creationId xmlns="" xmlns:a16="http://schemas.microsoft.com/office/drawing/2014/main" id="{54D791D7-08A3-C1A7-0EB0-EF7BF07A2162}"/>
+                  <a16:creationId xmlns:a16="http://schemas.microsoft.com/office/drawing/2014/main" id="{54D791D7-08A3-C1A7-0EB0-EF7BF07A2162}"/>
                 </a:ext>
               </a:extLst>
             </p:cNvPr>
@@ -35660,7 +35396,7 @@
               <p:cNvPr id="37" name="Object 79">
                 <a:extLst>
                   <a:ext uri="{FF2B5EF4-FFF2-40B4-BE49-F238E27FC236}">
-                    <a16:creationId xmlns="" xmlns:a16="http://schemas.microsoft.com/office/drawing/2014/main" id="{7A0DE37B-7809-26D9-A54A-2B1CA6F13488}"/>
+                    <a16:creationId xmlns:a16="http://schemas.microsoft.com/office/drawing/2014/main" id="{7A0DE37B-7809-26D9-A54A-2B1CA6F13488}"/>
                   </a:ext>
                 </a:extLst>
               </p:cNvPr>
@@ -35692,7 +35428,7 @@
           <p:cNvPr id="40" name="TextBox 39">
             <a:extLst>
               <a:ext uri="{FF2B5EF4-FFF2-40B4-BE49-F238E27FC236}">
-                <a16:creationId xmlns="" xmlns:a16="http://schemas.microsoft.com/office/drawing/2014/main" id="{67776577-8BF8-BCED-C13C-73FAE8F81DC9}"/>
+                <a16:creationId xmlns:a16="http://schemas.microsoft.com/office/drawing/2014/main" id="{67776577-8BF8-BCED-C13C-73FAE8F81DC9}"/>
               </a:ext>
             </a:extLst>
           </p:cNvPr>
@@ -35760,7 +35496,7 @@
           <p:cNvPr id="41" name="TextBox 40">
             <a:extLst>
               <a:ext uri="{FF2B5EF4-FFF2-40B4-BE49-F238E27FC236}">
-                <a16:creationId xmlns="" xmlns:a16="http://schemas.microsoft.com/office/drawing/2014/main" id="{BDB5FB4E-65AD-F1CF-7B45-1EE76F100F92}"/>
+                <a16:creationId xmlns:a16="http://schemas.microsoft.com/office/drawing/2014/main" id="{BDB5FB4E-65AD-F1CF-7B45-1EE76F100F92}"/>
               </a:ext>
             </a:extLst>
           </p:cNvPr>
@@ -35813,13 +35549,6 @@
   <p:clrMapOvr>
     <a:masterClrMapping/>
   </p:clrMapOvr>
-  <p:timing>
-    <p:tnLst>
-      <p:par>
-        <p:cTn id="1" dur="indefinite" restart="never" nodeType="tmRoot"/>
-      </p:par>
-    </p:tnLst>
-  </p:timing>
 </p:sld>
 </file>
 
@@ -35845,7 +35574,7 @@
           <p:cNvPr id="5" name="그림 4">
             <a:extLst>
               <a:ext uri="{FF2B5EF4-FFF2-40B4-BE49-F238E27FC236}">
-                <a16:creationId xmlns="" xmlns:a16="http://schemas.microsoft.com/office/drawing/2014/main" id="{CEE2DE3F-058D-C522-8D11-5AB0CCBF2B08}"/>
+                <a16:creationId xmlns:a16="http://schemas.microsoft.com/office/drawing/2014/main" id="{CEE2DE3F-058D-C522-8D11-5AB0CCBF2B08}"/>
               </a:ext>
             </a:extLst>
           </p:cNvPr>
@@ -35875,7 +35604,7 @@
           <p:cNvPr id="6" name="직선 화살표 연결선 5">
             <a:extLst>
               <a:ext uri="{FF2B5EF4-FFF2-40B4-BE49-F238E27FC236}">
-                <a16:creationId xmlns="" xmlns:a16="http://schemas.microsoft.com/office/drawing/2014/main" id="{DACE99B5-2B6E-2D61-1FA2-17305EEC34F4}"/>
+                <a16:creationId xmlns:a16="http://schemas.microsoft.com/office/drawing/2014/main" id="{DACE99B5-2B6E-2D61-1FA2-17305EEC34F4}"/>
               </a:ext>
             </a:extLst>
           </p:cNvPr>
@@ -35916,7 +35645,7 @@
           <p:cNvPr id="7" name="직사각형 6">
             <a:extLst>
               <a:ext uri="{FF2B5EF4-FFF2-40B4-BE49-F238E27FC236}">
-                <a16:creationId xmlns="" xmlns:a16="http://schemas.microsoft.com/office/drawing/2014/main" id="{4469FA68-206D-3A87-3872-B35D14D8136C}"/>
+                <a16:creationId xmlns:a16="http://schemas.microsoft.com/office/drawing/2014/main" id="{4469FA68-206D-3A87-3872-B35D14D8136C}"/>
               </a:ext>
             </a:extLst>
           </p:cNvPr>
@@ -35968,7 +35697,7 @@
           <p:cNvPr id="8" name="TextBox 7">
             <a:extLst>
               <a:ext uri="{FF2B5EF4-FFF2-40B4-BE49-F238E27FC236}">
-                <a16:creationId xmlns="" xmlns:a16="http://schemas.microsoft.com/office/drawing/2014/main" id="{3639943C-2D6D-9CBF-67F7-16ADE685FFFB}"/>
+                <a16:creationId xmlns:a16="http://schemas.microsoft.com/office/drawing/2014/main" id="{3639943C-2D6D-9CBF-67F7-16ADE685FFFB}"/>
               </a:ext>
             </a:extLst>
           </p:cNvPr>
@@ -36074,13 +35803,6 @@
   <p:clrMapOvr>
     <a:masterClrMapping/>
   </p:clrMapOvr>
-  <p:timing>
-    <p:tnLst>
-      <p:par>
-        <p:cTn id="1" dur="indefinite" restart="never" nodeType="tmRoot"/>
-      </p:par>
-    </p:tnLst>
-  </p:timing>
 </p:sld>
 </file>
 
@@ -36106,7 +35828,7 @@
           <p:cNvPr id="24" name="그림 23">
             <a:extLst>
               <a:ext uri="{FF2B5EF4-FFF2-40B4-BE49-F238E27FC236}">
-                <a16:creationId xmlns="" xmlns:a16="http://schemas.microsoft.com/office/drawing/2014/main" id="{253C9234-233D-2B45-BDE3-4715CDA6F520}"/>
+                <a16:creationId xmlns:a16="http://schemas.microsoft.com/office/drawing/2014/main" id="{253C9234-233D-2B45-BDE3-4715CDA6F520}"/>
               </a:ext>
             </a:extLst>
           </p:cNvPr>
@@ -36136,7 +35858,7 @@
           <p:cNvPr id="4" name="TextBox 3">
             <a:extLst>
               <a:ext uri="{FF2B5EF4-FFF2-40B4-BE49-F238E27FC236}">
-                <a16:creationId xmlns="" xmlns:a16="http://schemas.microsoft.com/office/drawing/2014/main" id="{1001AA19-EB49-83CD-69C8-9716F9EF3D96}"/>
+                <a16:creationId xmlns:a16="http://schemas.microsoft.com/office/drawing/2014/main" id="{1001AA19-EB49-83CD-69C8-9716F9EF3D96}"/>
               </a:ext>
             </a:extLst>
           </p:cNvPr>
@@ -36184,7 +35906,7 @@
           <p:cNvPr id="5" name="TextBox 4">
             <a:extLst>
               <a:ext uri="{FF2B5EF4-FFF2-40B4-BE49-F238E27FC236}">
-                <a16:creationId xmlns="" xmlns:a16="http://schemas.microsoft.com/office/drawing/2014/main" id="{7E939D8B-373F-458C-69BF-5BFA8EABD4A8}"/>
+                <a16:creationId xmlns:a16="http://schemas.microsoft.com/office/drawing/2014/main" id="{7E939D8B-373F-458C-69BF-5BFA8EABD4A8}"/>
               </a:ext>
             </a:extLst>
           </p:cNvPr>
@@ -36306,7 +36028,7 @@
           <p:cNvPr id="10" name="직선 화살표 연결선 9">
             <a:extLst>
               <a:ext uri="{FF2B5EF4-FFF2-40B4-BE49-F238E27FC236}">
-                <a16:creationId xmlns="" xmlns:a16="http://schemas.microsoft.com/office/drawing/2014/main" id="{9F202F4A-2F19-E98B-17D7-D60E83B7D3B1}"/>
+                <a16:creationId xmlns:a16="http://schemas.microsoft.com/office/drawing/2014/main" id="{9F202F4A-2F19-E98B-17D7-D60E83B7D3B1}"/>
               </a:ext>
             </a:extLst>
           </p:cNvPr>
@@ -36347,7 +36069,7 @@
           <p:cNvPr id="11" name="직사각형 10">
             <a:extLst>
               <a:ext uri="{FF2B5EF4-FFF2-40B4-BE49-F238E27FC236}">
-                <a16:creationId xmlns="" xmlns:a16="http://schemas.microsoft.com/office/drawing/2014/main" id="{16D82765-091C-9A16-BCA1-DAF404C058B8}"/>
+                <a16:creationId xmlns:a16="http://schemas.microsoft.com/office/drawing/2014/main" id="{16D82765-091C-9A16-BCA1-DAF404C058B8}"/>
               </a:ext>
             </a:extLst>
           </p:cNvPr>
@@ -36399,7 +36121,7 @@
           <p:cNvPr id="12" name="TextBox 11">
             <a:extLst>
               <a:ext uri="{FF2B5EF4-FFF2-40B4-BE49-F238E27FC236}">
-                <a16:creationId xmlns="" xmlns:a16="http://schemas.microsoft.com/office/drawing/2014/main" id="{09A473CF-93CE-C5F5-C3C1-2013620AC2D2}"/>
+                <a16:creationId xmlns:a16="http://schemas.microsoft.com/office/drawing/2014/main" id="{09A473CF-93CE-C5F5-C3C1-2013620AC2D2}"/>
               </a:ext>
             </a:extLst>
           </p:cNvPr>
@@ -36447,7 +36169,7 @@
           <p:cNvPr id="14" name="직선 화살표 연결선 13">
             <a:extLst>
               <a:ext uri="{FF2B5EF4-FFF2-40B4-BE49-F238E27FC236}">
-                <a16:creationId xmlns="" xmlns:a16="http://schemas.microsoft.com/office/drawing/2014/main" id="{37C134AC-B056-F261-4166-6DECF03F86B0}"/>
+                <a16:creationId xmlns:a16="http://schemas.microsoft.com/office/drawing/2014/main" id="{37C134AC-B056-F261-4166-6DECF03F86B0}"/>
               </a:ext>
             </a:extLst>
           </p:cNvPr>
@@ -36488,7 +36210,7 @@
           <p:cNvPr id="15" name="직사각형 14">
             <a:extLst>
               <a:ext uri="{FF2B5EF4-FFF2-40B4-BE49-F238E27FC236}">
-                <a16:creationId xmlns="" xmlns:a16="http://schemas.microsoft.com/office/drawing/2014/main" id="{FCE6D1B2-A592-84B9-6F0D-48A1EB40288A}"/>
+                <a16:creationId xmlns:a16="http://schemas.microsoft.com/office/drawing/2014/main" id="{FCE6D1B2-A592-84B9-6F0D-48A1EB40288A}"/>
               </a:ext>
             </a:extLst>
           </p:cNvPr>
@@ -36540,7 +36262,7 @@
           <p:cNvPr id="16" name="TextBox 15">
             <a:extLst>
               <a:ext uri="{FF2B5EF4-FFF2-40B4-BE49-F238E27FC236}">
-                <a16:creationId xmlns="" xmlns:a16="http://schemas.microsoft.com/office/drawing/2014/main" id="{B508FE84-70CF-B7F2-9D30-242856A55685}"/>
+                <a16:creationId xmlns:a16="http://schemas.microsoft.com/office/drawing/2014/main" id="{B508FE84-70CF-B7F2-9D30-242856A55685}"/>
               </a:ext>
             </a:extLst>
           </p:cNvPr>
@@ -36608,7 +36330,7 @@
           <p:cNvPr id="17" name="직선 화살표 연결선 16">
             <a:extLst>
               <a:ext uri="{FF2B5EF4-FFF2-40B4-BE49-F238E27FC236}">
-                <a16:creationId xmlns="" xmlns:a16="http://schemas.microsoft.com/office/drawing/2014/main" id="{50CD9ED6-2484-6806-EFE3-47FC9B9C53AC}"/>
+                <a16:creationId xmlns:a16="http://schemas.microsoft.com/office/drawing/2014/main" id="{50CD9ED6-2484-6806-EFE3-47FC9B9C53AC}"/>
               </a:ext>
             </a:extLst>
           </p:cNvPr>
@@ -36649,7 +36371,7 @@
           <p:cNvPr id="18" name="직사각형 17">
             <a:extLst>
               <a:ext uri="{FF2B5EF4-FFF2-40B4-BE49-F238E27FC236}">
-                <a16:creationId xmlns="" xmlns:a16="http://schemas.microsoft.com/office/drawing/2014/main" id="{A9460056-5F7E-CBAE-0178-6A4DDFB4983E}"/>
+                <a16:creationId xmlns:a16="http://schemas.microsoft.com/office/drawing/2014/main" id="{A9460056-5F7E-CBAE-0178-6A4DDFB4983E}"/>
               </a:ext>
             </a:extLst>
           </p:cNvPr>
@@ -36701,7 +36423,7 @@
           <p:cNvPr id="19" name="TextBox 18">
             <a:extLst>
               <a:ext uri="{FF2B5EF4-FFF2-40B4-BE49-F238E27FC236}">
-                <a16:creationId xmlns="" xmlns:a16="http://schemas.microsoft.com/office/drawing/2014/main" id="{72A02F68-954B-3873-F0E9-85464875A691}"/>
+                <a16:creationId xmlns:a16="http://schemas.microsoft.com/office/drawing/2014/main" id="{72A02F68-954B-3873-F0E9-85464875A691}"/>
               </a:ext>
             </a:extLst>
           </p:cNvPr>
@@ -36749,7 +36471,7 @@
           <p:cNvPr id="20" name="직선 화살표 연결선 19">
             <a:extLst>
               <a:ext uri="{FF2B5EF4-FFF2-40B4-BE49-F238E27FC236}">
-                <a16:creationId xmlns="" xmlns:a16="http://schemas.microsoft.com/office/drawing/2014/main" id="{FA904C2A-F419-20D6-F26E-879577D2F4A1}"/>
+                <a16:creationId xmlns:a16="http://schemas.microsoft.com/office/drawing/2014/main" id="{FA904C2A-F419-20D6-F26E-879577D2F4A1}"/>
               </a:ext>
             </a:extLst>
           </p:cNvPr>
@@ -36790,7 +36512,7 @@
           <p:cNvPr id="21" name="직사각형 20">
             <a:extLst>
               <a:ext uri="{FF2B5EF4-FFF2-40B4-BE49-F238E27FC236}">
-                <a16:creationId xmlns="" xmlns:a16="http://schemas.microsoft.com/office/drawing/2014/main" id="{B69DBF7A-885F-D633-7CD6-79B3CCDD0DC9}"/>
+                <a16:creationId xmlns:a16="http://schemas.microsoft.com/office/drawing/2014/main" id="{B69DBF7A-885F-D633-7CD6-79B3CCDD0DC9}"/>
               </a:ext>
             </a:extLst>
           </p:cNvPr>
@@ -36842,7 +36564,7 @@
           <p:cNvPr id="22" name="TextBox 21">
             <a:extLst>
               <a:ext uri="{FF2B5EF4-FFF2-40B4-BE49-F238E27FC236}">
-                <a16:creationId xmlns="" xmlns:a16="http://schemas.microsoft.com/office/drawing/2014/main" id="{E961A43C-5328-47FE-9361-8032ACFDDE1D}"/>
+                <a16:creationId xmlns:a16="http://schemas.microsoft.com/office/drawing/2014/main" id="{E961A43C-5328-47FE-9361-8032ACFDDE1D}"/>
               </a:ext>
             </a:extLst>
           </p:cNvPr>
@@ -36923,7 +36645,7 @@
           <p:cNvPr id="28" name="직선 화살표 연결선 27">
             <a:extLst>
               <a:ext uri="{FF2B5EF4-FFF2-40B4-BE49-F238E27FC236}">
-                <a16:creationId xmlns="" xmlns:a16="http://schemas.microsoft.com/office/drawing/2014/main" id="{8206E367-7BF3-41C1-5304-E8237D3E4725}"/>
+                <a16:creationId xmlns:a16="http://schemas.microsoft.com/office/drawing/2014/main" id="{8206E367-7BF3-41C1-5304-E8237D3E4725}"/>
               </a:ext>
             </a:extLst>
           </p:cNvPr>
@@ -36964,7 +36686,7 @@
           <p:cNvPr id="29" name="직사각형 28">
             <a:extLst>
               <a:ext uri="{FF2B5EF4-FFF2-40B4-BE49-F238E27FC236}">
-                <a16:creationId xmlns="" xmlns:a16="http://schemas.microsoft.com/office/drawing/2014/main" id="{CB1753CB-2DBE-5169-310F-67C4DE02622D}"/>
+                <a16:creationId xmlns:a16="http://schemas.microsoft.com/office/drawing/2014/main" id="{CB1753CB-2DBE-5169-310F-67C4DE02622D}"/>
               </a:ext>
             </a:extLst>
           </p:cNvPr>
@@ -37016,7 +36738,7 @@
           <p:cNvPr id="30" name="TextBox 29">
             <a:extLst>
               <a:ext uri="{FF2B5EF4-FFF2-40B4-BE49-F238E27FC236}">
-                <a16:creationId xmlns="" xmlns:a16="http://schemas.microsoft.com/office/drawing/2014/main" id="{C7B1E8B8-920B-F182-7A54-4EC4C49D4C67}"/>
+                <a16:creationId xmlns:a16="http://schemas.microsoft.com/office/drawing/2014/main" id="{C7B1E8B8-920B-F182-7A54-4EC4C49D4C67}"/>
               </a:ext>
             </a:extLst>
           </p:cNvPr>
@@ -37089,7 +36811,7 @@
           <p:cNvPr id="32" name="그림 31">
             <a:extLst>
               <a:ext uri="{FF2B5EF4-FFF2-40B4-BE49-F238E27FC236}">
-                <a16:creationId xmlns="" xmlns:a16="http://schemas.microsoft.com/office/drawing/2014/main" id="{53FF96D3-B2CF-234B-D580-E9BD7020DD00}"/>
+                <a16:creationId xmlns:a16="http://schemas.microsoft.com/office/drawing/2014/main" id="{53FF96D3-B2CF-234B-D580-E9BD7020DD00}"/>
               </a:ext>
             </a:extLst>
           </p:cNvPr>
@@ -37686,7 +37408,7 @@
           <p:cNvPr id="2" name="TextBox 1">
             <a:extLst>
               <a:ext uri="{FF2B5EF4-FFF2-40B4-BE49-F238E27FC236}">
-                <a16:creationId xmlns="" xmlns:a16="http://schemas.microsoft.com/office/drawing/2014/main" id="{1001AA19-EB49-83CD-69C8-9716F9EF3D96}"/>
+                <a16:creationId xmlns:a16="http://schemas.microsoft.com/office/drawing/2014/main" id="{1001AA19-EB49-83CD-69C8-9716F9EF3D96}"/>
               </a:ext>
             </a:extLst>
           </p:cNvPr>
@@ -37734,7 +37456,7 @@
           <p:cNvPr id="3" name="TextBox 2">
             <a:extLst>
               <a:ext uri="{FF2B5EF4-FFF2-40B4-BE49-F238E27FC236}">
-                <a16:creationId xmlns="" xmlns:a16="http://schemas.microsoft.com/office/drawing/2014/main" id="{7E939D8B-373F-458C-69BF-5BFA8EABD4A8}"/>
+                <a16:creationId xmlns:a16="http://schemas.microsoft.com/office/drawing/2014/main" id="{7E939D8B-373F-458C-69BF-5BFA8EABD4A8}"/>
               </a:ext>
             </a:extLst>
           </p:cNvPr>
@@ -37880,7 +37602,7 @@
           <p:cNvPr id="6" name="직선 화살표 연결선 5">
             <a:extLst>
               <a:ext uri="{FF2B5EF4-FFF2-40B4-BE49-F238E27FC236}">
-                <a16:creationId xmlns="" xmlns:a16="http://schemas.microsoft.com/office/drawing/2014/main" id="{299DF5EC-9DF4-5255-06AC-0A7CE4FF58C3}"/>
+                <a16:creationId xmlns:a16="http://schemas.microsoft.com/office/drawing/2014/main" id="{299DF5EC-9DF4-5255-06AC-0A7CE4FF58C3}"/>
               </a:ext>
             </a:extLst>
           </p:cNvPr>
@@ -37921,7 +37643,7 @@
           <p:cNvPr id="7" name="직사각형 6">
             <a:extLst>
               <a:ext uri="{FF2B5EF4-FFF2-40B4-BE49-F238E27FC236}">
-                <a16:creationId xmlns="" xmlns:a16="http://schemas.microsoft.com/office/drawing/2014/main" id="{FFF506F9-840A-0508-4CAF-3AC711D8D5CE}"/>
+                <a16:creationId xmlns:a16="http://schemas.microsoft.com/office/drawing/2014/main" id="{FFF506F9-840A-0508-4CAF-3AC711D8D5CE}"/>
               </a:ext>
             </a:extLst>
           </p:cNvPr>
@@ -37973,7 +37695,7 @@
           <p:cNvPr id="8" name="TextBox 7">
             <a:extLst>
               <a:ext uri="{FF2B5EF4-FFF2-40B4-BE49-F238E27FC236}">
-                <a16:creationId xmlns="" xmlns:a16="http://schemas.microsoft.com/office/drawing/2014/main" id="{C6D113C6-EA5C-788F-0C77-E7CE6EBB865F}"/>
+                <a16:creationId xmlns:a16="http://schemas.microsoft.com/office/drawing/2014/main" id="{C6D113C6-EA5C-788F-0C77-E7CE6EBB865F}"/>
               </a:ext>
             </a:extLst>
           </p:cNvPr>
@@ -38056,13 +37778,6 @@
   <p:clrMapOvr>
     <a:masterClrMapping/>
   </p:clrMapOvr>
-  <p:timing>
-    <p:tnLst>
-      <p:par>
-        <p:cTn id="1" dur="indefinite" restart="never" nodeType="tmRoot"/>
-      </p:par>
-    </p:tnLst>
-  </p:timing>
 </p:sld>
 </file>
 
@@ -38112,7 +37827,7 @@
           <p:cNvPr id="5" name="직선 화살표 연결선 4">
             <a:extLst>
               <a:ext uri="{FF2B5EF4-FFF2-40B4-BE49-F238E27FC236}">
-                <a16:creationId xmlns="" xmlns:a16="http://schemas.microsoft.com/office/drawing/2014/main" id="{299DF5EC-9DF4-5255-06AC-0A7CE4FF58C3}"/>
+                <a16:creationId xmlns:a16="http://schemas.microsoft.com/office/drawing/2014/main" id="{299DF5EC-9DF4-5255-06AC-0A7CE4FF58C3}"/>
               </a:ext>
             </a:extLst>
           </p:cNvPr>
@@ -38153,7 +37868,7 @@
           <p:cNvPr id="6" name="직사각형 5">
             <a:extLst>
               <a:ext uri="{FF2B5EF4-FFF2-40B4-BE49-F238E27FC236}">
-                <a16:creationId xmlns="" xmlns:a16="http://schemas.microsoft.com/office/drawing/2014/main" id="{FFF506F9-840A-0508-4CAF-3AC711D8D5CE}"/>
+                <a16:creationId xmlns:a16="http://schemas.microsoft.com/office/drawing/2014/main" id="{FFF506F9-840A-0508-4CAF-3AC711D8D5CE}"/>
               </a:ext>
             </a:extLst>
           </p:cNvPr>
@@ -38205,7 +37920,7 @@
           <p:cNvPr id="7" name="TextBox 6">
             <a:extLst>
               <a:ext uri="{FF2B5EF4-FFF2-40B4-BE49-F238E27FC236}">
-                <a16:creationId xmlns="" xmlns:a16="http://schemas.microsoft.com/office/drawing/2014/main" id="{C6D113C6-EA5C-788F-0C77-E7CE6EBB865F}"/>
+                <a16:creationId xmlns:a16="http://schemas.microsoft.com/office/drawing/2014/main" id="{C6D113C6-EA5C-788F-0C77-E7CE6EBB865F}"/>
               </a:ext>
             </a:extLst>
           </p:cNvPr>
@@ -38377,7 +38092,7 @@
           <p:cNvPr id="11" name="직선 화살표 연결선 10">
             <a:extLst>
               <a:ext uri="{FF2B5EF4-FFF2-40B4-BE49-F238E27FC236}">
-                <a16:creationId xmlns="" xmlns:a16="http://schemas.microsoft.com/office/drawing/2014/main" id="{299DF5EC-9DF4-5255-06AC-0A7CE4FF58C3}"/>
+                <a16:creationId xmlns:a16="http://schemas.microsoft.com/office/drawing/2014/main" id="{299DF5EC-9DF4-5255-06AC-0A7CE4FF58C3}"/>
               </a:ext>
             </a:extLst>
           </p:cNvPr>
@@ -38418,7 +38133,7 @@
           <p:cNvPr id="13" name="TextBox 12">
             <a:extLst>
               <a:ext uri="{FF2B5EF4-FFF2-40B4-BE49-F238E27FC236}">
-                <a16:creationId xmlns="" xmlns:a16="http://schemas.microsoft.com/office/drawing/2014/main" id="{C6D113C6-EA5C-788F-0C77-E7CE6EBB865F}"/>
+                <a16:creationId xmlns:a16="http://schemas.microsoft.com/office/drawing/2014/main" id="{C6D113C6-EA5C-788F-0C77-E7CE6EBB865F}"/>
               </a:ext>
             </a:extLst>
           </p:cNvPr>
@@ -38500,7 +38215,7 @@
           <p:cNvPr id="15" name="직선 화살표 연결선 14">
             <a:extLst>
               <a:ext uri="{FF2B5EF4-FFF2-40B4-BE49-F238E27FC236}">
-                <a16:creationId xmlns="" xmlns:a16="http://schemas.microsoft.com/office/drawing/2014/main" id="{299DF5EC-9DF4-5255-06AC-0A7CE4FF58C3}"/>
+                <a16:creationId xmlns:a16="http://schemas.microsoft.com/office/drawing/2014/main" id="{299DF5EC-9DF4-5255-06AC-0A7CE4FF58C3}"/>
               </a:ext>
             </a:extLst>
           </p:cNvPr>
@@ -38541,7 +38256,7 @@
           <p:cNvPr id="16" name="TextBox 15">
             <a:extLst>
               <a:ext uri="{FF2B5EF4-FFF2-40B4-BE49-F238E27FC236}">
-                <a16:creationId xmlns="" xmlns:a16="http://schemas.microsoft.com/office/drawing/2014/main" id="{C6D113C6-EA5C-788F-0C77-E7CE6EBB865F}"/>
+                <a16:creationId xmlns:a16="http://schemas.microsoft.com/office/drawing/2014/main" id="{C6D113C6-EA5C-788F-0C77-E7CE6EBB865F}"/>
               </a:ext>
             </a:extLst>
           </p:cNvPr>
@@ -38667,7 +38382,7 @@
           <p:cNvPr id="19" name="직선 화살표 연결선 18">
             <a:extLst>
               <a:ext uri="{FF2B5EF4-FFF2-40B4-BE49-F238E27FC236}">
-                <a16:creationId xmlns="" xmlns:a16="http://schemas.microsoft.com/office/drawing/2014/main" id="{299DF5EC-9DF4-5255-06AC-0A7CE4FF58C3}"/>
+                <a16:creationId xmlns:a16="http://schemas.microsoft.com/office/drawing/2014/main" id="{299DF5EC-9DF4-5255-06AC-0A7CE4FF58C3}"/>
               </a:ext>
             </a:extLst>
           </p:cNvPr>
@@ -38708,7 +38423,7 @@
           <p:cNvPr id="20" name="TextBox 19">
             <a:extLst>
               <a:ext uri="{FF2B5EF4-FFF2-40B4-BE49-F238E27FC236}">
-                <a16:creationId xmlns="" xmlns:a16="http://schemas.microsoft.com/office/drawing/2014/main" id="{C6D113C6-EA5C-788F-0C77-E7CE6EBB865F}"/>
+                <a16:creationId xmlns:a16="http://schemas.microsoft.com/office/drawing/2014/main" id="{C6D113C6-EA5C-788F-0C77-E7CE6EBB865F}"/>
               </a:ext>
             </a:extLst>
           </p:cNvPr>
@@ -39328,7 +39043,7 @@
           <p:cNvPr id="4" name="TextBox 3">
             <a:extLst>
               <a:ext uri="{FF2B5EF4-FFF2-40B4-BE49-F238E27FC236}">
-                <a16:creationId xmlns="" xmlns:a16="http://schemas.microsoft.com/office/drawing/2014/main" id="{F2BD73FC-CE60-89D8-0057-91C1B7653DFF}"/>
+                <a16:creationId xmlns:a16="http://schemas.microsoft.com/office/drawing/2014/main" id="{F2BD73FC-CE60-89D8-0057-91C1B7653DFF}"/>
               </a:ext>
             </a:extLst>
           </p:cNvPr>
@@ -39463,13 +39178,6 @@
   <p:clrMapOvr>
     <a:masterClrMapping/>
   </p:clrMapOvr>
-  <p:timing>
-    <p:tnLst>
-      <p:par>
-        <p:cTn id="1" dur="indefinite" restart="never" nodeType="tmRoot"/>
-      </p:par>
-    </p:tnLst>
-  </p:timing>
 </p:sld>
 </file>
 
@@ -39495,7 +39203,7 @@
           <p:cNvPr id="4" name="TextBox 3">
             <a:extLst>
               <a:ext uri="{FF2B5EF4-FFF2-40B4-BE49-F238E27FC236}">
-                <a16:creationId xmlns="" xmlns:a16="http://schemas.microsoft.com/office/drawing/2014/main" id="{F2BD73FC-CE60-89D8-0057-91C1B7653DFF}"/>
+                <a16:creationId xmlns:a16="http://schemas.microsoft.com/office/drawing/2014/main" id="{F2BD73FC-CE60-89D8-0057-91C1B7653DFF}"/>
               </a:ext>
             </a:extLst>
           </p:cNvPr>
@@ -39591,7 +39299,7 @@
           <p:cNvPr id="7" name="TextBox 6">
             <a:extLst>
               <a:ext uri="{FF2B5EF4-FFF2-40B4-BE49-F238E27FC236}">
-                <a16:creationId xmlns="" xmlns:a16="http://schemas.microsoft.com/office/drawing/2014/main" id="{F2BD73FC-CE60-89D8-0057-91C1B7653DFF}"/>
+                <a16:creationId xmlns:a16="http://schemas.microsoft.com/office/drawing/2014/main" id="{F2BD73FC-CE60-89D8-0057-91C1B7653DFF}"/>
               </a:ext>
             </a:extLst>
           </p:cNvPr>
@@ -39644,13 +39352,6 @@
   <p:clrMapOvr>
     <a:masterClrMapping/>
   </p:clrMapOvr>
-  <p:timing>
-    <p:tnLst>
-      <p:par>
-        <p:cTn id="1" dur="indefinite" restart="never" nodeType="tmRoot"/>
-      </p:par>
-    </p:tnLst>
-  </p:timing>
 </p:sld>
 </file>
 
@@ -39676,7 +39377,7 @@
           <p:cNvPr id="5" name="TextBox 4">
             <a:extLst>
               <a:ext uri="{FF2B5EF4-FFF2-40B4-BE49-F238E27FC236}">
-                <a16:creationId xmlns="" xmlns:a16="http://schemas.microsoft.com/office/drawing/2014/main" id="{F2BD73FC-CE60-89D8-0057-91C1B7653DFF}"/>
+                <a16:creationId xmlns:a16="http://schemas.microsoft.com/office/drawing/2014/main" id="{F2BD73FC-CE60-89D8-0057-91C1B7653DFF}"/>
               </a:ext>
             </a:extLst>
           </p:cNvPr>
@@ -39700,7 +39401,7 @@
           <a:lstStyle/>
           <a:p>
             <a:r>
-              <a:rPr lang="ko-KR" altLang="en-US" sz="4800" smtClean="0">
+              <a:rPr lang="ko-KR" altLang="en-US" sz="4800">
                 <a:solidFill>
                   <a:srgbClr val="4C50BC"/>
                 </a:solidFill>
@@ -39727,7 +39428,7 @@
           <p:cNvPr id="4" name="TextBox 3">
             <a:extLst>
               <a:ext uri="{FF2B5EF4-FFF2-40B4-BE49-F238E27FC236}">
-                <a16:creationId xmlns="" xmlns:a16="http://schemas.microsoft.com/office/drawing/2014/main" id="{F0FF9E4E-0550-E648-378E-A52F5B0499D4}"/>
+                <a16:creationId xmlns:a16="http://schemas.microsoft.com/office/drawing/2014/main" id="{F0FF9E4E-0550-E648-378E-A52F5B0499D4}"/>
               </a:ext>
             </a:extLst>
           </p:cNvPr>
@@ -39751,7 +39452,7 @@
           <a:lstStyle/>
           <a:p>
             <a:r>
-              <a:rPr lang="en-US" altLang="ko-KR" sz="3600" smtClean="0">
+              <a:rPr lang="en-US" altLang="ko-KR" sz="3600">
                 <a:solidFill>
                   <a:srgbClr val="4C50BC"/>
                 </a:solidFill>
@@ -39761,7 +39462,7 @@
               <a:t>3-1 </a:t>
             </a:r>
             <a:r>
-              <a:rPr lang="ko-KR" altLang="en-US" sz="3600" smtClean="0">
+              <a:rPr lang="ko-KR" altLang="en-US" sz="3600">
                 <a:solidFill>
                   <a:srgbClr val="4C50BC"/>
                 </a:solidFill>
@@ -39868,20 +39569,10 @@
                 <a:latin typeface="G마켓 산스 Medium" panose="02000000000000000000" pitchFamily="50" charset="-127"/>
                 <a:ea typeface="G마켓 산스 Medium" panose="02000000000000000000" pitchFamily="50" charset="-127"/>
               </a:rPr>
-              <a:t>도 가능하도록 오버로딩 </a:t>
-            </a:r>
-            <a:r>
-              <a:rPr lang="ko-KR" altLang="en-US" sz="3600" smtClean="0">
-                <a:solidFill>
-                  <a:srgbClr val="4C50BC"/>
-                </a:solidFill>
-                <a:latin typeface="G마켓 산스 Medium" panose="02000000000000000000" pitchFamily="50" charset="-127"/>
-                <a:ea typeface="G마켓 산스 Medium" panose="02000000000000000000" pitchFamily="50" charset="-127"/>
-              </a:rPr>
-              <a:t>해보자</a:t>
-            </a:r>
-            <a:r>
-              <a:rPr lang="en-US" altLang="ko-KR" sz="3600" smtClean="0">
+              <a:t>도 가능하도록 오버로딩 해보자</a:t>
+            </a:r>
+            <a:r>
+              <a:rPr lang="en-US" altLang="ko-KR" sz="3600">
                 <a:solidFill>
                   <a:srgbClr val="FF0000"/>
                 </a:solidFill>
@@ -39958,13 +39649,6 @@
   <p:clrMapOvr>
     <a:masterClrMapping/>
   </p:clrMapOvr>
-  <p:timing>
-    <p:tnLst>
-      <p:par>
-        <p:cTn id="1" dur="indefinite" restart="never" nodeType="tmRoot"/>
-      </p:par>
-    </p:tnLst>
-  </p:timing>
 </p:sld>
 </file>
 
@@ -40050,7 +39734,7 @@
           <p:cNvPr id="6" name="TextBox 5">
             <a:extLst>
               <a:ext uri="{FF2B5EF4-FFF2-40B4-BE49-F238E27FC236}">
-                <a16:creationId xmlns="" xmlns:a16="http://schemas.microsoft.com/office/drawing/2014/main" id="{F0FF9E4E-0550-E648-378E-A52F5B0499D4}"/>
+                <a16:creationId xmlns:a16="http://schemas.microsoft.com/office/drawing/2014/main" id="{F0FF9E4E-0550-E648-378E-A52F5B0499D4}"/>
               </a:ext>
             </a:extLst>
           </p:cNvPr>
@@ -40074,7 +39758,7 @@
           <a:lstStyle/>
           <a:p>
             <a:r>
-              <a:rPr lang="ko-KR" altLang="en-US" sz="3600" smtClean="0">
+              <a:rPr lang="ko-KR" altLang="en-US" sz="3600">
                 <a:solidFill>
                   <a:srgbClr val="4C50BC"/>
                 </a:solidFill>
@@ -40203,7 +39887,7 @@
           <p:cNvPr id="6" name="TextBox 5">
             <a:extLst>
               <a:ext uri="{FF2B5EF4-FFF2-40B4-BE49-F238E27FC236}">
-                <a16:creationId xmlns="" xmlns:a16="http://schemas.microsoft.com/office/drawing/2014/main" id="{F0FF9E4E-0550-E648-378E-A52F5B0499D4}"/>
+                <a16:creationId xmlns:a16="http://schemas.microsoft.com/office/drawing/2014/main" id="{F0FF9E4E-0550-E648-378E-A52F5B0499D4}"/>
               </a:ext>
             </a:extLst>
           </p:cNvPr>
@@ -40227,7 +39911,7 @@
           <a:lstStyle/>
           <a:p>
             <a:r>
-              <a:rPr lang="en-US" altLang="ko-KR" sz="2800" smtClean="0">
+              <a:rPr lang="en-US" altLang="ko-KR" sz="2800">
                 <a:solidFill>
                   <a:srgbClr val="4C50BC"/>
                 </a:solidFill>
@@ -40284,62 +39968,52 @@
                 <a:latin typeface="G마켓 산스 Medium" panose="02000000000000000000" pitchFamily="50" charset="-127"/>
                 <a:ea typeface="G마켓 산스 Medium" panose="02000000000000000000" pitchFamily="50" charset="-127"/>
               </a:rPr>
-              <a:t>최소값을 구하는 메서드를 추가 </a:t>
-            </a:r>
-            <a:r>
-              <a:rPr lang="ko-KR" altLang="en-US" sz="2800" smtClean="0">
-                <a:solidFill>
-                  <a:srgbClr val="4C50BC"/>
+              <a:t>최소값을 구하는 메서드를 추가 하자</a:t>
+            </a:r>
+            <a:r>
+              <a:rPr lang="en-US" altLang="ko-KR" sz="2800">
+                <a:solidFill>
+                  <a:srgbClr val="FF0000"/>
                 </a:solidFill>
                 <a:latin typeface="G마켓 산스 Medium" panose="02000000000000000000" pitchFamily="50" charset="-127"/>
                 <a:ea typeface="G마켓 산스 Medium" panose="02000000000000000000" pitchFamily="50" charset="-127"/>
               </a:rPr>
-              <a:t>하자</a:t>
-            </a:r>
-            <a:r>
-              <a:rPr lang="en-US" altLang="ko-KR" sz="2800" smtClean="0">
-                <a:solidFill>
-                  <a:srgbClr val="FF0000"/>
+              <a:t>(normal)</a:t>
+            </a:r>
+            <a:r>
+              <a:rPr lang="en-US" altLang="ko-KR" sz="2800">
+                <a:solidFill>
+                  <a:srgbClr val="4C50BC"/>
                 </a:solidFill>
                 <a:latin typeface="G마켓 산스 Medium" panose="02000000000000000000" pitchFamily="50" charset="-127"/>
                 <a:ea typeface="G마켓 산스 Medium" panose="02000000000000000000" pitchFamily="50" charset="-127"/>
               </a:rPr>
-              <a:t>(normal)</a:t>
-            </a:r>
-            <a:r>
-              <a:rPr lang="en-US" altLang="ko-KR" sz="2800" smtClean="0">
+              <a:t> </a:t>
+            </a:r>
+          </a:p>
+          <a:p>
+            <a:r>
+              <a:rPr lang="en-US" altLang="ko-KR" sz="2800">
                 <a:solidFill>
                   <a:srgbClr val="4C50BC"/>
                 </a:solidFill>
                 <a:latin typeface="G마켓 산스 Medium" panose="02000000000000000000" pitchFamily="50" charset="-127"/>
                 <a:ea typeface="G마켓 산스 Medium" panose="02000000000000000000" pitchFamily="50" charset="-127"/>
               </a:rPr>
-              <a:t> </a:t>
-            </a:r>
-          </a:p>
-          <a:p>
-            <a:r>
-              <a:rPr lang="en-US" altLang="ko-KR" sz="2800" smtClean="0">
+              <a:t>(</a:t>
+            </a:r>
+            <a:r>
+              <a:rPr lang="ko-KR" altLang="en-US" sz="2800">
                 <a:solidFill>
                   <a:srgbClr val="4C50BC"/>
                 </a:solidFill>
                 <a:latin typeface="G마켓 산스 Medium" panose="02000000000000000000" pitchFamily="50" charset="-127"/>
                 <a:ea typeface="G마켓 산스 Medium" panose="02000000000000000000" pitchFamily="50" charset="-127"/>
               </a:rPr>
-              <a:t>(</a:t>
-            </a:r>
-            <a:r>
-              <a:rPr lang="ko-KR" altLang="en-US" sz="2800" smtClean="0">
-                <a:solidFill>
-                  <a:srgbClr val="4C50BC"/>
-                </a:solidFill>
-                <a:latin typeface="G마켓 산스 Medium" panose="02000000000000000000" pitchFamily="50" charset="-127"/>
-                <a:ea typeface="G마켓 산스 Medium" panose="02000000000000000000" pitchFamily="50" charset="-127"/>
-              </a:rPr>
               <a:t>매개 변수의 개수는 제한없이 늘어나야 한다</a:t>
             </a:r>
             <a:r>
-              <a:rPr lang="en-US" altLang="ko-KR" sz="2800" smtClean="0">
+              <a:rPr lang="en-US" altLang="ko-KR" sz="2800">
                 <a:solidFill>
                   <a:srgbClr val="4C50BC"/>
                 </a:solidFill>
@@ -40363,7 +40037,7 @@
           <p:cNvPr id="7" name="표 2">
             <a:extLst>
               <a:ext uri="{FF2B5EF4-FFF2-40B4-BE49-F238E27FC236}">
-                <a16:creationId xmlns="" xmlns:a16="http://schemas.microsoft.com/office/drawing/2014/main" id="{D2CC6F32-611A-E22D-EB8C-52D626A5B319}"/>
+                <a16:creationId xmlns:a16="http://schemas.microsoft.com/office/drawing/2014/main" id="{D2CC6F32-611A-E22D-EB8C-52D626A5B319}"/>
               </a:ext>
             </a:extLst>
           </p:cNvPr>
@@ -40392,21 +40066,21 @@
                 <a:gridCol w="1731833">
                   <a:extLst>
                     <a:ext uri="{9D8B030D-6E8A-4147-A177-3AD203B41FA5}">
-                      <a16:colId xmlns="" xmlns:a16="http://schemas.microsoft.com/office/drawing/2014/main" val="1960770391"/>
+                      <a16:colId xmlns:a16="http://schemas.microsoft.com/office/drawing/2014/main" val="1960770391"/>
                     </a:ext>
                   </a:extLst>
                 </a:gridCol>
                 <a:gridCol w="1752960">
                   <a:extLst>
                     <a:ext uri="{9D8B030D-6E8A-4147-A177-3AD203B41FA5}">
-                      <a16:colId xmlns="" xmlns:a16="http://schemas.microsoft.com/office/drawing/2014/main" val="733308553"/>
+                      <a16:colId xmlns:a16="http://schemas.microsoft.com/office/drawing/2014/main" val="733308553"/>
                     </a:ext>
                   </a:extLst>
                 </a:gridCol>
                 <a:gridCol w="2730951">
                   <a:extLst>
                     <a:ext uri="{9D8B030D-6E8A-4147-A177-3AD203B41FA5}">
-                      <a16:colId xmlns="" xmlns:a16="http://schemas.microsoft.com/office/drawing/2014/main" val="1661322813"/>
+                      <a16:colId xmlns:a16="http://schemas.microsoft.com/office/drawing/2014/main" val="1661322813"/>
                     </a:ext>
                   </a:extLst>
                 </a:gridCol>
@@ -40594,7 +40268,7 @@
                 </a:tc>
                 <a:extLst>
                   <a:ext uri="{0D108BD9-81ED-4DB2-BD59-A6C34878D82A}">
-                    <a16:rowId xmlns="" xmlns:a16="http://schemas.microsoft.com/office/drawing/2014/main" val="2452905565"/>
+                    <a16:rowId xmlns:a16="http://schemas.microsoft.com/office/drawing/2014/main" val="2452905565"/>
                   </a:ext>
                 </a:extLst>
               </a:tr>
@@ -40845,7 +40519,7 @@
                 </a:tc>
                 <a:extLst>
                   <a:ext uri="{0D108BD9-81ED-4DB2-BD59-A6C34878D82A}">
-                    <a16:rowId xmlns="" xmlns:a16="http://schemas.microsoft.com/office/drawing/2014/main" val="2488866604"/>
+                    <a16:rowId xmlns:a16="http://schemas.microsoft.com/office/drawing/2014/main" val="2488866604"/>
                   </a:ext>
                 </a:extLst>
               </a:tr>
@@ -41053,7 +40727,7 @@
                 </a:tc>
                 <a:extLst>
                   <a:ext uri="{0D108BD9-81ED-4DB2-BD59-A6C34878D82A}">
-                    <a16:rowId xmlns="" xmlns:a16="http://schemas.microsoft.com/office/drawing/2014/main" val="10002"/>
+                    <a16:rowId xmlns:a16="http://schemas.microsoft.com/office/drawing/2014/main" val="10002"/>
                   </a:ext>
                 </a:extLst>
               </a:tr>
@@ -41261,7 +40935,7 @@
                 </a:tc>
                 <a:extLst>
                   <a:ext uri="{0D108BD9-81ED-4DB2-BD59-A6C34878D82A}">
-                    <a16:rowId xmlns="" xmlns:a16="http://schemas.microsoft.com/office/drawing/2014/main" val="10003"/>
+                    <a16:rowId xmlns:a16="http://schemas.microsoft.com/office/drawing/2014/main" val="10003"/>
                   </a:ext>
                 </a:extLst>
               </a:tr>
@@ -41327,13 +41001,6 @@
   <p:clrMapOvr>
     <a:masterClrMapping/>
   </p:clrMapOvr>
-  <p:timing>
-    <p:tnLst>
-      <p:par>
-        <p:cTn id="1" dur="indefinite" restart="never" nodeType="tmRoot"/>
-      </p:par>
-    </p:tnLst>
-  </p:timing>
 </p:sld>
 </file>
 
@@ -41431,7 +41098,7 @@
           <p:cNvPr id="10" name="TextBox 9">
             <a:extLst>
               <a:ext uri="{FF2B5EF4-FFF2-40B4-BE49-F238E27FC236}">
-                <a16:creationId xmlns="" xmlns:a16="http://schemas.microsoft.com/office/drawing/2014/main" id="{F0FF9E4E-0550-E648-378E-A52F5B0499D4}"/>
+                <a16:creationId xmlns:a16="http://schemas.microsoft.com/office/drawing/2014/main" id="{F0FF9E4E-0550-E648-378E-A52F5B0499D4}"/>
               </a:ext>
             </a:extLst>
           </p:cNvPr>
@@ -41455,7 +41122,7 @@
           <a:lstStyle/>
           <a:p>
             <a:r>
-              <a:rPr lang="ko-KR" altLang="en-US" sz="3600" smtClean="0">
+              <a:rPr lang="ko-KR" altLang="en-US" sz="3600">
                 <a:solidFill>
                   <a:srgbClr val="4C50BC"/>
                 </a:solidFill>
@@ -41479,7 +41146,7 @@
           <p:cNvPr id="11" name="직사각형 10">
             <a:extLst>
               <a:ext uri="{FF2B5EF4-FFF2-40B4-BE49-F238E27FC236}">
-                <a16:creationId xmlns="" xmlns:a16="http://schemas.microsoft.com/office/drawing/2014/main" id="{A44A5771-B6CC-5534-0799-EA9B09045F81}"/>
+                <a16:creationId xmlns:a16="http://schemas.microsoft.com/office/drawing/2014/main" id="{A44A5771-B6CC-5534-0799-EA9B09045F81}"/>
               </a:ext>
             </a:extLst>
           </p:cNvPr>
@@ -41639,7 +41306,7 @@
           <p:cNvPr id="6" name="그룹 1018">
             <a:extLst>
               <a:ext uri="{FF2B5EF4-FFF2-40B4-BE49-F238E27FC236}">
-                <a16:creationId xmlns="" xmlns:a16="http://schemas.microsoft.com/office/drawing/2014/main" id="{0804D430-F42E-AE32-A065-FFA8C471F092}"/>
+                <a16:creationId xmlns:a16="http://schemas.microsoft.com/office/drawing/2014/main" id="{0804D430-F42E-AE32-A065-FFA8C471F092}"/>
               </a:ext>
             </a:extLst>
           </p:cNvPr>
@@ -41659,7 +41326,7 @@
             <p:cNvPr id="7" name="Object 61">
               <a:extLst>
                 <a:ext uri="{FF2B5EF4-FFF2-40B4-BE49-F238E27FC236}">
-                  <a16:creationId xmlns="" xmlns:a16="http://schemas.microsoft.com/office/drawing/2014/main" id="{334A4C3A-641C-7CD9-8FEE-5EC92B28D640}"/>
+                  <a16:creationId xmlns:a16="http://schemas.microsoft.com/office/drawing/2014/main" id="{334A4C3A-641C-7CD9-8FEE-5EC92B28D640}"/>
                 </a:ext>
               </a:extLst>
             </p:cNvPr>
@@ -41731,7 +41398,7 @@
           <p:cNvPr id="5" name="TextBox 4">
             <a:extLst>
               <a:ext uri="{FF2B5EF4-FFF2-40B4-BE49-F238E27FC236}">
-                <a16:creationId xmlns="" xmlns:a16="http://schemas.microsoft.com/office/drawing/2014/main" id="{DF7DDD33-9412-2802-339A-E55446AC2DA7}"/>
+                <a16:creationId xmlns:a16="http://schemas.microsoft.com/office/drawing/2014/main" id="{DF7DDD33-9412-2802-339A-E55446AC2DA7}"/>
               </a:ext>
             </a:extLst>
           </p:cNvPr>
@@ -41839,7 +41506,7 @@
           <p:cNvPr id="10" name="TextBox 9">
             <a:extLst>
               <a:ext uri="{FF2B5EF4-FFF2-40B4-BE49-F238E27FC236}">
-                <a16:creationId xmlns="" xmlns:a16="http://schemas.microsoft.com/office/drawing/2014/main" id="{DF7DDD33-9412-2802-339A-E55446AC2DA7}"/>
+                <a16:creationId xmlns:a16="http://schemas.microsoft.com/office/drawing/2014/main" id="{DF7DDD33-9412-2802-339A-E55446AC2DA7}"/>
               </a:ext>
             </a:extLst>
           </p:cNvPr>
@@ -41897,7 +41564,7 @@
           <p:cNvPr id="11" name="그룹 1018">
             <a:extLst>
               <a:ext uri="{FF2B5EF4-FFF2-40B4-BE49-F238E27FC236}">
-                <a16:creationId xmlns="" xmlns:a16="http://schemas.microsoft.com/office/drawing/2014/main" id="{0804D430-F42E-AE32-A065-FFA8C471F092}"/>
+                <a16:creationId xmlns:a16="http://schemas.microsoft.com/office/drawing/2014/main" id="{0804D430-F42E-AE32-A065-FFA8C471F092}"/>
               </a:ext>
             </a:extLst>
           </p:cNvPr>
@@ -41917,7 +41584,7 @@
             <p:cNvPr id="12" name="Object 61">
               <a:extLst>
                 <a:ext uri="{FF2B5EF4-FFF2-40B4-BE49-F238E27FC236}">
-                  <a16:creationId xmlns="" xmlns:a16="http://schemas.microsoft.com/office/drawing/2014/main" id="{334A4C3A-641C-7CD9-8FEE-5EC92B28D640}"/>
+                  <a16:creationId xmlns:a16="http://schemas.microsoft.com/office/drawing/2014/main" id="{334A4C3A-641C-7CD9-8FEE-5EC92B28D640}"/>
                 </a:ext>
               </a:extLst>
             </p:cNvPr>
@@ -41948,7 +41615,7 @@
           <p:cNvPr id="13" name="TextBox 12">
             <a:extLst>
               <a:ext uri="{FF2B5EF4-FFF2-40B4-BE49-F238E27FC236}">
-                <a16:creationId xmlns="" xmlns:a16="http://schemas.microsoft.com/office/drawing/2014/main" id="{DF7DDD33-9412-2802-339A-E55446AC2DA7}"/>
+                <a16:creationId xmlns:a16="http://schemas.microsoft.com/office/drawing/2014/main" id="{DF7DDD33-9412-2802-339A-E55446AC2DA7}"/>
               </a:ext>
             </a:extLst>
           </p:cNvPr>
@@ -42056,7 +41723,7 @@
           <p:cNvPr id="14" name="TextBox 13">
             <a:extLst>
               <a:ext uri="{FF2B5EF4-FFF2-40B4-BE49-F238E27FC236}">
-                <a16:creationId xmlns="" xmlns:a16="http://schemas.microsoft.com/office/drawing/2014/main" id="{DF7DDD33-9412-2802-339A-E55446AC2DA7}"/>
+                <a16:creationId xmlns:a16="http://schemas.microsoft.com/office/drawing/2014/main" id="{DF7DDD33-9412-2802-339A-E55446AC2DA7}"/>
               </a:ext>
             </a:extLst>
           </p:cNvPr>
@@ -42119,13 +41786,6 @@
   <p:clrMapOvr>
     <a:masterClrMapping/>
   </p:clrMapOvr>
-  <p:timing>
-    <p:tnLst>
-      <p:par>
-        <p:cTn id="1" dur="indefinite" restart="never" nodeType="tmRoot"/>
-      </p:par>
-    </p:tnLst>
-  </p:timing>
 </p:sld>
 </file>
 
@@ -42151,7 +41811,7 @@
           <p:cNvPr id="4" name="TextBox 3">
             <a:extLst>
               <a:ext uri="{FF2B5EF4-FFF2-40B4-BE49-F238E27FC236}">
-                <a16:creationId xmlns="" xmlns:a16="http://schemas.microsoft.com/office/drawing/2014/main" id="{F0FF9E4E-0550-E648-378E-A52F5B0499D4}"/>
+                <a16:creationId xmlns:a16="http://schemas.microsoft.com/office/drawing/2014/main" id="{F0FF9E4E-0550-E648-378E-A52F5B0499D4}"/>
               </a:ext>
             </a:extLst>
           </p:cNvPr>
@@ -42175,77 +41835,57 @@
           <a:lstStyle/>
           <a:p>
             <a:r>
-              <a:rPr lang="en-US" altLang="ko-KR" sz="2800" smtClean="0">
+              <a:rPr lang="en-US" altLang="ko-KR" sz="2800">
                 <a:solidFill>
                   <a:srgbClr val="4C50BC"/>
                 </a:solidFill>
                 <a:latin typeface="G마켓 산스 Medium" panose="02000000000000000000" pitchFamily="50" charset="-127"/>
                 <a:ea typeface="G마켓 산스 Medium" panose="02000000000000000000" pitchFamily="50" charset="-127"/>
               </a:rPr>
-              <a:t>3-3 </a:t>
-            </a:r>
-            <a:r>
-              <a:rPr lang="en-US" altLang="ko-KR" sz="2800">
+              <a:t>3-3 MyMath </a:t>
+            </a:r>
+            <a:r>
+              <a:rPr lang="ko-KR" altLang="en-US" sz="2800">
                 <a:solidFill>
                   <a:srgbClr val="4C50BC"/>
                 </a:solidFill>
                 <a:latin typeface="G마켓 산스 Medium" panose="02000000000000000000" pitchFamily="50" charset="-127"/>
                 <a:ea typeface="G마켓 산스 Medium" panose="02000000000000000000" pitchFamily="50" charset="-127"/>
               </a:rPr>
-              <a:t>MyMath </a:t>
-            </a:r>
-            <a:r>
-              <a:rPr lang="ko-KR" altLang="en-US" sz="2800">
+              <a:t>클래스에 거듭제곱을 계산하는 메서드를 만들자</a:t>
+            </a:r>
+            <a:r>
+              <a:rPr lang="en-US" altLang="ko-KR" sz="2800">
                 <a:solidFill>
                   <a:srgbClr val="4C50BC"/>
                 </a:solidFill>
                 <a:latin typeface="G마켓 산스 Medium" panose="02000000000000000000" pitchFamily="50" charset="-127"/>
                 <a:ea typeface="G마켓 산스 Medium" panose="02000000000000000000" pitchFamily="50" charset="-127"/>
               </a:rPr>
-              <a:t>클래스에 거듭제곱을 계산하는 메서드를 </a:t>
-            </a:r>
-            <a:r>
-              <a:rPr lang="ko-KR" altLang="en-US" sz="2800" smtClean="0">
-                <a:solidFill>
-                  <a:srgbClr val="4C50BC"/>
+              <a:t> </a:t>
+            </a:r>
+            <a:r>
+              <a:rPr lang="en-US" altLang="ko-KR" sz="2800">
+                <a:solidFill>
+                  <a:srgbClr val="FF0000"/>
                 </a:solidFill>
                 <a:latin typeface="G마켓 산스 Medium" panose="02000000000000000000" pitchFamily="50" charset="-127"/>
                 <a:ea typeface="G마켓 산스 Medium" panose="02000000000000000000" pitchFamily="50" charset="-127"/>
               </a:rPr>
-              <a:t>만들자</a:t>
-            </a:r>
-            <a:r>
-              <a:rPr lang="en-US" altLang="ko-KR" sz="2800">
-                <a:solidFill>
-                  <a:srgbClr val="4C50BC"/>
+              <a:t>(</a:t>
+            </a:r>
+            <a:r>
+              <a:rPr lang="ko-KR" altLang="en-US" sz="2800">
+                <a:solidFill>
+                  <a:srgbClr val="FF0000"/>
                 </a:solidFill>
                 <a:latin typeface="G마켓 산스 Medium" panose="02000000000000000000" pitchFamily="50" charset="-127"/>
                 <a:ea typeface="G마켓 산스 Medium" panose="02000000000000000000" pitchFamily="50" charset="-127"/>
               </a:rPr>
-              <a:t> </a:t>
-            </a:r>
-            <a:r>
-              <a:rPr lang="en-US" altLang="ko-KR" sz="2800" smtClean="0">
-                <a:solidFill>
-                  <a:srgbClr val="FF0000"/>
-                </a:solidFill>
-                <a:latin typeface="G마켓 산스 Medium" panose="02000000000000000000" pitchFamily="50" charset="-127"/>
-                <a:ea typeface="G마켓 산스 Medium" panose="02000000000000000000" pitchFamily="50" charset="-127"/>
-              </a:rPr>
-              <a:t>(</a:t>
-            </a:r>
-            <a:r>
-              <a:rPr lang="ko-KR" altLang="en-US" sz="2800">
-                <a:solidFill>
-                  <a:srgbClr val="FF0000"/>
-                </a:solidFill>
-                <a:latin typeface="G마켓 산스 Medium" panose="02000000000000000000" pitchFamily="50" charset="-127"/>
-                <a:ea typeface="G마켓 산스 Medium" panose="02000000000000000000" pitchFamily="50" charset="-127"/>
-              </a:rPr>
               <a:t>재귀호출 사용할것</a:t>
             </a:r>
             <a:r>
-              <a:rPr lang="en-US" altLang="ko-KR" sz="2800" smtClean="0">
+              <a:rPr lang="en-US" altLang="ko-KR" sz="2800">
                 <a:solidFill>
                   <a:srgbClr val="FF0000"/>
                 </a:solidFill>
@@ -42284,7 +41924,7 @@
           <p:cNvPr id="5" name="표 2">
             <a:extLst>
               <a:ext uri="{FF2B5EF4-FFF2-40B4-BE49-F238E27FC236}">
-                <a16:creationId xmlns="" xmlns:a16="http://schemas.microsoft.com/office/drawing/2014/main" id="{D2CC6F32-611A-E22D-EB8C-52D626A5B319}"/>
+                <a16:creationId xmlns:a16="http://schemas.microsoft.com/office/drawing/2014/main" id="{D2CC6F32-611A-E22D-EB8C-52D626A5B319}"/>
               </a:ext>
             </a:extLst>
           </p:cNvPr>
@@ -42313,21 +41953,21 @@
                 <a:gridCol w="1447800">
                   <a:extLst>
                     <a:ext uri="{9D8B030D-6E8A-4147-A177-3AD203B41FA5}">
-                      <a16:colId xmlns="" xmlns:a16="http://schemas.microsoft.com/office/drawing/2014/main" val="1960770391"/>
+                      <a16:colId xmlns:a16="http://schemas.microsoft.com/office/drawing/2014/main" val="1960770391"/>
                     </a:ext>
                   </a:extLst>
                 </a:gridCol>
                 <a:gridCol w="1295400">
                   <a:extLst>
                     <a:ext uri="{9D8B030D-6E8A-4147-A177-3AD203B41FA5}">
-                      <a16:colId xmlns="" xmlns:a16="http://schemas.microsoft.com/office/drawing/2014/main" val="733308553"/>
+                      <a16:colId xmlns:a16="http://schemas.microsoft.com/office/drawing/2014/main" val="733308553"/>
                     </a:ext>
                   </a:extLst>
                 </a:gridCol>
                 <a:gridCol w="3472544">
                   <a:extLst>
                     <a:ext uri="{9D8B030D-6E8A-4147-A177-3AD203B41FA5}">
-                      <a16:colId xmlns="" xmlns:a16="http://schemas.microsoft.com/office/drawing/2014/main" val="1661322813"/>
+                      <a16:colId xmlns:a16="http://schemas.microsoft.com/office/drawing/2014/main" val="1661322813"/>
                     </a:ext>
                   </a:extLst>
                 </a:gridCol>
@@ -42515,7 +42155,7 @@
                 </a:tc>
                 <a:extLst>
                   <a:ext uri="{0D108BD9-81ED-4DB2-BD59-A6C34878D82A}">
-                    <a16:rowId xmlns="" xmlns:a16="http://schemas.microsoft.com/office/drawing/2014/main" val="2452905565"/>
+                    <a16:rowId xmlns:a16="http://schemas.microsoft.com/office/drawing/2014/main" val="2452905565"/>
                   </a:ext>
                 </a:extLst>
               </a:tr>
@@ -42772,7 +42412,7 @@
                 </a:tc>
                 <a:extLst>
                   <a:ext uri="{0D108BD9-81ED-4DB2-BD59-A6C34878D82A}">
-                    <a16:rowId xmlns="" xmlns:a16="http://schemas.microsoft.com/office/drawing/2014/main" val="2488866604"/>
+                    <a16:rowId xmlns:a16="http://schemas.microsoft.com/office/drawing/2014/main" val="2488866604"/>
                   </a:ext>
                 </a:extLst>
               </a:tr>
@@ -42838,13 +42478,6 @@
   <p:clrMapOvr>
     <a:masterClrMapping/>
   </p:clrMapOvr>
-  <p:timing>
-    <p:tnLst>
-      <p:par>
-        <p:cTn id="1" dur="indefinite" restart="never" nodeType="tmRoot"/>
-      </p:par>
-    </p:tnLst>
-  </p:timing>
 </p:sld>
 </file>
 
@@ -42918,7 +42551,7 @@
           <p:cNvPr id="6" name="TextBox 5">
             <a:extLst>
               <a:ext uri="{FF2B5EF4-FFF2-40B4-BE49-F238E27FC236}">
-                <a16:creationId xmlns="" xmlns:a16="http://schemas.microsoft.com/office/drawing/2014/main" id="{CFF7A884-BA8D-FF71-4905-99ED2A9B46B1}"/>
+                <a16:creationId xmlns:a16="http://schemas.microsoft.com/office/drawing/2014/main" id="{CFF7A884-BA8D-FF71-4905-99ED2A9B46B1}"/>
               </a:ext>
             </a:extLst>
           </p:cNvPr>
@@ -42959,7 +42592,7 @@
           <p:cNvPr id="7" name="TextBox 6">
             <a:extLst>
               <a:ext uri="{FF2B5EF4-FFF2-40B4-BE49-F238E27FC236}">
-                <a16:creationId xmlns="" xmlns:a16="http://schemas.microsoft.com/office/drawing/2014/main" id="{CFF7A884-BA8D-FF71-4905-99ED2A9B46B1}"/>
+                <a16:creationId xmlns:a16="http://schemas.microsoft.com/office/drawing/2014/main" id="{CFF7A884-BA8D-FF71-4905-99ED2A9B46B1}"/>
               </a:ext>
             </a:extLst>
           </p:cNvPr>
@@ -43000,7 +42633,7 @@
           <p:cNvPr id="8" name="TextBox 7">
             <a:extLst>
               <a:ext uri="{FF2B5EF4-FFF2-40B4-BE49-F238E27FC236}">
-                <a16:creationId xmlns="" xmlns:a16="http://schemas.microsoft.com/office/drawing/2014/main" id="{CFF7A884-BA8D-FF71-4905-99ED2A9B46B1}"/>
+                <a16:creationId xmlns:a16="http://schemas.microsoft.com/office/drawing/2014/main" id="{CFF7A884-BA8D-FF71-4905-99ED2A9B46B1}"/>
               </a:ext>
             </a:extLst>
           </p:cNvPr>
@@ -43041,7 +42674,7 @@
           <p:cNvPr id="9" name="TextBox 8">
             <a:extLst>
               <a:ext uri="{FF2B5EF4-FFF2-40B4-BE49-F238E27FC236}">
-                <a16:creationId xmlns="" xmlns:a16="http://schemas.microsoft.com/office/drawing/2014/main" id="{CFF7A884-BA8D-FF71-4905-99ED2A9B46B1}"/>
+                <a16:creationId xmlns:a16="http://schemas.microsoft.com/office/drawing/2014/main" id="{CFF7A884-BA8D-FF71-4905-99ED2A9B46B1}"/>
               </a:ext>
             </a:extLst>
           </p:cNvPr>
@@ -43082,7 +42715,7 @@
           <p:cNvPr id="10" name="TextBox 9">
             <a:extLst>
               <a:ext uri="{FF2B5EF4-FFF2-40B4-BE49-F238E27FC236}">
-                <a16:creationId xmlns="" xmlns:a16="http://schemas.microsoft.com/office/drawing/2014/main" id="{CFF7A884-BA8D-FF71-4905-99ED2A9B46B1}"/>
+                <a16:creationId xmlns:a16="http://schemas.microsoft.com/office/drawing/2014/main" id="{CFF7A884-BA8D-FF71-4905-99ED2A9B46B1}"/>
               </a:ext>
             </a:extLst>
           </p:cNvPr>
@@ -43147,7 +42780,7 @@
           <p:cNvPr id="12" name="TextBox 11">
             <a:extLst>
               <a:ext uri="{FF2B5EF4-FFF2-40B4-BE49-F238E27FC236}">
-                <a16:creationId xmlns="" xmlns:a16="http://schemas.microsoft.com/office/drawing/2014/main" id="{CFF7A884-BA8D-FF71-4905-99ED2A9B46B1}"/>
+                <a16:creationId xmlns:a16="http://schemas.microsoft.com/office/drawing/2014/main" id="{CFF7A884-BA8D-FF71-4905-99ED2A9B46B1}"/>
               </a:ext>
             </a:extLst>
           </p:cNvPr>
@@ -43188,7 +42821,7 @@
           <p:cNvPr id="13" name="TextBox 12">
             <a:extLst>
               <a:ext uri="{FF2B5EF4-FFF2-40B4-BE49-F238E27FC236}">
-                <a16:creationId xmlns="" xmlns:a16="http://schemas.microsoft.com/office/drawing/2014/main" id="{CFF7A884-BA8D-FF71-4905-99ED2A9B46B1}"/>
+                <a16:creationId xmlns:a16="http://schemas.microsoft.com/office/drawing/2014/main" id="{CFF7A884-BA8D-FF71-4905-99ED2A9B46B1}"/>
               </a:ext>
             </a:extLst>
           </p:cNvPr>
@@ -43229,7 +42862,7 @@
           <p:cNvPr id="14" name="TextBox 13">
             <a:extLst>
               <a:ext uri="{FF2B5EF4-FFF2-40B4-BE49-F238E27FC236}">
-                <a16:creationId xmlns="" xmlns:a16="http://schemas.microsoft.com/office/drawing/2014/main" id="{CFF7A884-BA8D-FF71-4905-99ED2A9B46B1}"/>
+                <a16:creationId xmlns:a16="http://schemas.microsoft.com/office/drawing/2014/main" id="{CFF7A884-BA8D-FF71-4905-99ED2A9B46B1}"/>
               </a:ext>
             </a:extLst>
           </p:cNvPr>
@@ -43270,7 +42903,7 @@
           <p:cNvPr id="15" name="TextBox 14">
             <a:extLst>
               <a:ext uri="{FF2B5EF4-FFF2-40B4-BE49-F238E27FC236}">
-                <a16:creationId xmlns="" xmlns:a16="http://schemas.microsoft.com/office/drawing/2014/main" id="{CFF7A884-BA8D-FF71-4905-99ED2A9B46B1}"/>
+                <a16:creationId xmlns:a16="http://schemas.microsoft.com/office/drawing/2014/main" id="{CFF7A884-BA8D-FF71-4905-99ED2A9B46B1}"/>
               </a:ext>
             </a:extLst>
           </p:cNvPr>
@@ -43311,7 +42944,7 @@
           <p:cNvPr id="16" name="TextBox 15">
             <a:extLst>
               <a:ext uri="{FF2B5EF4-FFF2-40B4-BE49-F238E27FC236}">
-                <a16:creationId xmlns="" xmlns:a16="http://schemas.microsoft.com/office/drawing/2014/main" id="{CFF7A884-BA8D-FF71-4905-99ED2A9B46B1}"/>
+                <a16:creationId xmlns:a16="http://schemas.microsoft.com/office/drawing/2014/main" id="{CFF7A884-BA8D-FF71-4905-99ED2A9B46B1}"/>
               </a:ext>
             </a:extLst>
           </p:cNvPr>
@@ -43335,7 +42968,7 @@
           <a:lstStyle/>
           <a:p>
             <a:r>
-              <a:rPr lang="en-US" altLang="ko-KR" sz="4000" smtClean="0">
+              <a:rPr lang="en-US" altLang="ko-KR" sz="4000">
                 <a:solidFill>
                   <a:srgbClr val="FF0000"/>
                 </a:solidFill>
@@ -43383,7 +43016,7 @@
           <p:cNvPr id="18" name="TextBox 17">
             <a:extLst>
               <a:ext uri="{FF2B5EF4-FFF2-40B4-BE49-F238E27FC236}">
-                <a16:creationId xmlns="" xmlns:a16="http://schemas.microsoft.com/office/drawing/2014/main" id="{CFF7A884-BA8D-FF71-4905-99ED2A9B46B1}"/>
+                <a16:creationId xmlns:a16="http://schemas.microsoft.com/office/drawing/2014/main" id="{CFF7A884-BA8D-FF71-4905-99ED2A9B46B1}"/>
               </a:ext>
             </a:extLst>
           </p:cNvPr>
@@ -43424,7 +43057,7 @@
           <p:cNvPr id="19" name="TextBox 18">
             <a:extLst>
               <a:ext uri="{FF2B5EF4-FFF2-40B4-BE49-F238E27FC236}">
-                <a16:creationId xmlns="" xmlns:a16="http://schemas.microsoft.com/office/drawing/2014/main" id="{CFF7A884-BA8D-FF71-4905-99ED2A9B46B1}"/>
+                <a16:creationId xmlns:a16="http://schemas.microsoft.com/office/drawing/2014/main" id="{CFF7A884-BA8D-FF71-4905-99ED2A9B46B1}"/>
               </a:ext>
             </a:extLst>
           </p:cNvPr>
@@ -43465,7 +43098,7 @@
           <p:cNvPr id="20" name="TextBox 19">
             <a:extLst>
               <a:ext uri="{FF2B5EF4-FFF2-40B4-BE49-F238E27FC236}">
-                <a16:creationId xmlns="" xmlns:a16="http://schemas.microsoft.com/office/drawing/2014/main" id="{CFF7A884-BA8D-FF71-4905-99ED2A9B46B1}"/>
+                <a16:creationId xmlns:a16="http://schemas.microsoft.com/office/drawing/2014/main" id="{CFF7A884-BA8D-FF71-4905-99ED2A9B46B1}"/>
               </a:ext>
             </a:extLst>
           </p:cNvPr>
@@ -43506,7 +43139,7 @@
           <p:cNvPr id="21" name="TextBox 20">
             <a:extLst>
               <a:ext uri="{FF2B5EF4-FFF2-40B4-BE49-F238E27FC236}">
-                <a16:creationId xmlns="" xmlns:a16="http://schemas.microsoft.com/office/drawing/2014/main" id="{CFF7A884-BA8D-FF71-4905-99ED2A9B46B1}"/>
+                <a16:creationId xmlns:a16="http://schemas.microsoft.com/office/drawing/2014/main" id="{CFF7A884-BA8D-FF71-4905-99ED2A9B46B1}"/>
               </a:ext>
             </a:extLst>
           </p:cNvPr>
@@ -43547,7 +43180,7 @@
           <p:cNvPr id="22" name="TextBox 21">
             <a:extLst>
               <a:ext uri="{FF2B5EF4-FFF2-40B4-BE49-F238E27FC236}">
-                <a16:creationId xmlns="" xmlns:a16="http://schemas.microsoft.com/office/drawing/2014/main" id="{CFF7A884-BA8D-FF71-4905-99ED2A9B46B1}"/>
+                <a16:creationId xmlns:a16="http://schemas.microsoft.com/office/drawing/2014/main" id="{CFF7A884-BA8D-FF71-4905-99ED2A9B46B1}"/>
               </a:ext>
             </a:extLst>
           </p:cNvPr>
@@ -43619,7 +43252,7 @@
           <p:cNvPr id="24" name="TextBox 23">
             <a:extLst>
               <a:ext uri="{FF2B5EF4-FFF2-40B4-BE49-F238E27FC236}">
-                <a16:creationId xmlns="" xmlns:a16="http://schemas.microsoft.com/office/drawing/2014/main" id="{CFF7A884-BA8D-FF71-4905-99ED2A9B46B1}"/>
+                <a16:creationId xmlns:a16="http://schemas.microsoft.com/office/drawing/2014/main" id="{CFF7A884-BA8D-FF71-4905-99ED2A9B46B1}"/>
               </a:ext>
             </a:extLst>
           </p:cNvPr>
@@ -43660,7 +43293,7 @@
           <p:cNvPr id="25" name="TextBox 24">
             <a:extLst>
               <a:ext uri="{FF2B5EF4-FFF2-40B4-BE49-F238E27FC236}">
-                <a16:creationId xmlns="" xmlns:a16="http://schemas.microsoft.com/office/drawing/2014/main" id="{CFF7A884-BA8D-FF71-4905-99ED2A9B46B1}"/>
+                <a16:creationId xmlns:a16="http://schemas.microsoft.com/office/drawing/2014/main" id="{CFF7A884-BA8D-FF71-4905-99ED2A9B46B1}"/>
               </a:ext>
             </a:extLst>
           </p:cNvPr>
@@ -43701,7 +43334,7 @@
           <p:cNvPr id="29" name="TextBox 28">
             <a:extLst>
               <a:ext uri="{FF2B5EF4-FFF2-40B4-BE49-F238E27FC236}">
-                <a16:creationId xmlns="" xmlns:a16="http://schemas.microsoft.com/office/drawing/2014/main" id="{CFF7A884-BA8D-FF71-4905-99ED2A9B46B1}"/>
+                <a16:creationId xmlns:a16="http://schemas.microsoft.com/office/drawing/2014/main" id="{CFF7A884-BA8D-FF71-4905-99ED2A9B46B1}"/>
               </a:ext>
             </a:extLst>
           </p:cNvPr>
@@ -43785,7 +43418,7 @@
           <p:cNvPr id="26" name="TextBox 25">
             <a:extLst>
               <a:ext uri="{FF2B5EF4-FFF2-40B4-BE49-F238E27FC236}">
-                <a16:creationId xmlns="" xmlns:a16="http://schemas.microsoft.com/office/drawing/2014/main" id="{F0FF9E4E-0550-E648-378E-A52F5B0499D4}"/>
+                <a16:creationId xmlns:a16="http://schemas.microsoft.com/office/drawing/2014/main" id="{F0FF9E4E-0550-E648-378E-A52F5B0499D4}"/>
               </a:ext>
             </a:extLst>
           </p:cNvPr>
@@ -43809,7 +43442,7 @@
           <a:lstStyle/>
           <a:p>
             <a:r>
-              <a:rPr lang="ko-KR" altLang="en-US" sz="3600" smtClean="0">
+              <a:rPr lang="ko-KR" altLang="en-US" sz="3600">
                 <a:solidFill>
                   <a:srgbClr val="4C50BC"/>
                 </a:solidFill>
@@ -44961,7 +44594,7 @@
           <p:cNvPr id="6" name="TextBox 5">
             <a:extLst>
               <a:ext uri="{FF2B5EF4-FFF2-40B4-BE49-F238E27FC236}">
-                <a16:creationId xmlns="" xmlns:a16="http://schemas.microsoft.com/office/drawing/2014/main" id="{CFF7A884-BA8D-FF71-4905-99ED2A9B46B1}"/>
+                <a16:creationId xmlns:a16="http://schemas.microsoft.com/office/drawing/2014/main" id="{CFF7A884-BA8D-FF71-4905-99ED2A9B46B1}"/>
               </a:ext>
             </a:extLst>
           </p:cNvPr>
@@ -45002,7 +44635,7 @@
           <p:cNvPr id="7" name="TextBox 6">
             <a:extLst>
               <a:ext uri="{FF2B5EF4-FFF2-40B4-BE49-F238E27FC236}">
-                <a16:creationId xmlns="" xmlns:a16="http://schemas.microsoft.com/office/drawing/2014/main" id="{CFF7A884-BA8D-FF71-4905-99ED2A9B46B1}"/>
+                <a16:creationId xmlns:a16="http://schemas.microsoft.com/office/drawing/2014/main" id="{CFF7A884-BA8D-FF71-4905-99ED2A9B46B1}"/>
               </a:ext>
             </a:extLst>
           </p:cNvPr>
@@ -45043,7 +44676,7 @@
           <p:cNvPr id="8" name="TextBox 7">
             <a:extLst>
               <a:ext uri="{FF2B5EF4-FFF2-40B4-BE49-F238E27FC236}">
-                <a16:creationId xmlns="" xmlns:a16="http://schemas.microsoft.com/office/drawing/2014/main" id="{CFF7A884-BA8D-FF71-4905-99ED2A9B46B1}"/>
+                <a16:creationId xmlns:a16="http://schemas.microsoft.com/office/drawing/2014/main" id="{CFF7A884-BA8D-FF71-4905-99ED2A9B46B1}"/>
               </a:ext>
             </a:extLst>
           </p:cNvPr>
@@ -45084,7 +44717,7 @@
           <p:cNvPr id="9" name="TextBox 8">
             <a:extLst>
               <a:ext uri="{FF2B5EF4-FFF2-40B4-BE49-F238E27FC236}">
-                <a16:creationId xmlns="" xmlns:a16="http://schemas.microsoft.com/office/drawing/2014/main" id="{CFF7A884-BA8D-FF71-4905-99ED2A9B46B1}"/>
+                <a16:creationId xmlns:a16="http://schemas.microsoft.com/office/drawing/2014/main" id="{CFF7A884-BA8D-FF71-4905-99ED2A9B46B1}"/>
               </a:ext>
             </a:extLst>
           </p:cNvPr>
@@ -45125,7 +44758,7 @@
           <p:cNvPr id="10" name="TextBox 9">
             <a:extLst>
               <a:ext uri="{FF2B5EF4-FFF2-40B4-BE49-F238E27FC236}">
-                <a16:creationId xmlns="" xmlns:a16="http://schemas.microsoft.com/office/drawing/2014/main" id="{CFF7A884-BA8D-FF71-4905-99ED2A9B46B1}"/>
+                <a16:creationId xmlns:a16="http://schemas.microsoft.com/office/drawing/2014/main" id="{CFF7A884-BA8D-FF71-4905-99ED2A9B46B1}"/>
               </a:ext>
             </a:extLst>
           </p:cNvPr>
@@ -45149,7 +44782,7 @@
           <a:lstStyle/>
           <a:p>
             <a:r>
-              <a:rPr lang="en-US" altLang="ko-KR" sz="4000" smtClean="0">
+              <a:rPr lang="en-US" altLang="ko-KR" sz="4000">
                 <a:solidFill>
                   <a:srgbClr val="FF0000"/>
                 </a:solidFill>
@@ -45173,7 +44806,7 @@
           <p:cNvPr id="11" name="TextBox 10">
             <a:extLst>
               <a:ext uri="{FF2B5EF4-FFF2-40B4-BE49-F238E27FC236}">
-                <a16:creationId xmlns="" xmlns:a16="http://schemas.microsoft.com/office/drawing/2014/main" id="{CFF7A884-BA8D-FF71-4905-99ED2A9B46B1}"/>
+                <a16:creationId xmlns:a16="http://schemas.microsoft.com/office/drawing/2014/main" id="{CFF7A884-BA8D-FF71-4905-99ED2A9B46B1}"/>
               </a:ext>
             </a:extLst>
           </p:cNvPr>
@@ -45214,7 +44847,7 @@
           <p:cNvPr id="12" name="TextBox 11">
             <a:extLst>
               <a:ext uri="{FF2B5EF4-FFF2-40B4-BE49-F238E27FC236}">
-                <a16:creationId xmlns="" xmlns:a16="http://schemas.microsoft.com/office/drawing/2014/main" id="{CFF7A884-BA8D-FF71-4905-99ED2A9B46B1}"/>
+                <a16:creationId xmlns:a16="http://schemas.microsoft.com/office/drawing/2014/main" id="{CFF7A884-BA8D-FF71-4905-99ED2A9B46B1}"/>
               </a:ext>
             </a:extLst>
           </p:cNvPr>
@@ -45255,7 +44888,7 @@
           <p:cNvPr id="13" name="TextBox 12">
             <a:extLst>
               <a:ext uri="{FF2B5EF4-FFF2-40B4-BE49-F238E27FC236}">
-                <a16:creationId xmlns="" xmlns:a16="http://schemas.microsoft.com/office/drawing/2014/main" id="{CFF7A884-BA8D-FF71-4905-99ED2A9B46B1}"/>
+                <a16:creationId xmlns:a16="http://schemas.microsoft.com/office/drawing/2014/main" id="{CFF7A884-BA8D-FF71-4905-99ED2A9B46B1}"/>
               </a:ext>
             </a:extLst>
           </p:cNvPr>
@@ -45296,7 +44929,7 @@
           <p:cNvPr id="14" name="TextBox 13">
             <a:extLst>
               <a:ext uri="{FF2B5EF4-FFF2-40B4-BE49-F238E27FC236}">
-                <a16:creationId xmlns="" xmlns:a16="http://schemas.microsoft.com/office/drawing/2014/main" id="{CFF7A884-BA8D-FF71-4905-99ED2A9B46B1}"/>
+                <a16:creationId xmlns:a16="http://schemas.microsoft.com/office/drawing/2014/main" id="{CFF7A884-BA8D-FF71-4905-99ED2A9B46B1}"/>
               </a:ext>
             </a:extLst>
           </p:cNvPr>
@@ -45320,7 +44953,7 @@
           <a:lstStyle/>
           <a:p>
             <a:r>
-              <a:rPr lang="en-US" altLang="ko-KR" sz="4000" smtClean="0">
+              <a:rPr lang="en-US" altLang="ko-KR" sz="4000">
                 <a:solidFill>
                   <a:srgbClr val="FF0000"/>
                 </a:solidFill>
@@ -45368,7 +45001,7 @@
           <p:cNvPr id="16" name="TextBox 15">
             <a:extLst>
               <a:ext uri="{FF2B5EF4-FFF2-40B4-BE49-F238E27FC236}">
-                <a16:creationId xmlns="" xmlns:a16="http://schemas.microsoft.com/office/drawing/2014/main" id="{CFF7A884-BA8D-FF71-4905-99ED2A9B46B1}"/>
+                <a16:creationId xmlns:a16="http://schemas.microsoft.com/office/drawing/2014/main" id="{CFF7A884-BA8D-FF71-4905-99ED2A9B46B1}"/>
               </a:ext>
             </a:extLst>
           </p:cNvPr>
@@ -45409,7 +45042,7 @@
           <p:cNvPr id="17" name="TextBox 16">
             <a:extLst>
               <a:ext uri="{FF2B5EF4-FFF2-40B4-BE49-F238E27FC236}">
-                <a16:creationId xmlns="" xmlns:a16="http://schemas.microsoft.com/office/drawing/2014/main" id="{CFF7A884-BA8D-FF71-4905-99ED2A9B46B1}"/>
+                <a16:creationId xmlns:a16="http://schemas.microsoft.com/office/drawing/2014/main" id="{CFF7A884-BA8D-FF71-4905-99ED2A9B46B1}"/>
               </a:ext>
             </a:extLst>
           </p:cNvPr>
@@ -45450,7 +45083,7 @@
           <p:cNvPr id="20" name="TextBox 19">
             <a:extLst>
               <a:ext uri="{FF2B5EF4-FFF2-40B4-BE49-F238E27FC236}">
-                <a16:creationId xmlns="" xmlns:a16="http://schemas.microsoft.com/office/drawing/2014/main" id="{CFF7A884-BA8D-FF71-4905-99ED2A9B46B1}"/>
+                <a16:creationId xmlns:a16="http://schemas.microsoft.com/office/drawing/2014/main" id="{CFF7A884-BA8D-FF71-4905-99ED2A9B46B1}"/>
               </a:ext>
             </a:extLst>
           </p:cNvPr>
@@ -46395,7 +46028,7 @@
           <p:cNvPr id="12" name="TextBox 11">
             <a:extLst>
               <a:ext uri="{FF2B5EF4-FFF2-40B4-BE49-F238E27FC236}">
-                <a16:creationId xmlns="" xmlns:a16="http://schemas.microsoft.com/office/drawing/2014/main" id="{F2BD73FC-CE60-89D8-0057-91C1B7653DFF}"/>
+                <a16:creationId xmlns:a16="http://schemas.microsoft.com/office/drawing/2014/main" id="{F2BD73FC-CE60-89D8-0057-91C1B7653DFF}"/>
               </a:ext>
             </a:extLst>
           </p:cNvPr>
@@ -46453,7 +46086,7 @@
           <p:cNvPr id="13" name="TextBox 12">
             <a:extLst>
               <a:ext uri="{FF2B5EF4-FFF2-40B4-BE49-F238E27FC236}">
-                <a16:creationId xmlns="" xmlns:a16="http://schemas.microsoft.com/office/drawing/2014/main" id="{F2BD73FC-CE60-89D8-0057-91C1B7653DFF}"/>
+                <a16:creationId xmlns:a16="http://schemas.microsoft.com/office/drawing/2014/main" id="{F2BD73FC-CE60-89D8-0057-91C1B7653DFF}"/>
               </a:ext>
             </a:extLst>
           </p:cNvPr>
@@ -46715,7 +46348,7 @@
           <p:cNvPr id="4" name="TextBox 3">
             <a:extLst>
               <a:ext uri="{FF2B5EF4-FFF2-40B4-BE49-F238E27FC236}">
-                <a16:creationId xmlns="" xmlns:a16="http://schemas.microsoft.com/office/drawing/2014/main" id="{F0FF9E4E-0550-E648-378E-A52F5B0499D4}"/>
+                <a16:creationId xmlns:a16="http://schemas.microsoft.com/office/drawing/2014/main" id="{F0FF9E4E-0550-E648-378E-A52F5B0499D4}"/>
               </a:ext>
             </a:extLst>
           </p:cNvPr>
@@ -46739,7 +46372,7 @@
           <a:lstStyle/>
           <a:p>
             <a:r>
-              <a:rPr lang="en-US" altLang="ko-KR" sz="3200" smtClean="0">
+              <a:rPr lang="en-US" altLang="ko-KR" sz="3200">
                 <a:solidFill>
                   <a:srgbClr val="4C50BC"/>
                 </a:solidFill>
@@ -46789,7 +46422,7 @@
               <a:t>원판의 개수가 늘어나도 풀려야 한다</a:t>
             </a:r>
             <a:r>
-              <a:rPr lang="en-US" altLang="ko-KR" sz="3200" smtClean="0">
+              <a:rPr lang="en-US" altLang="ko-KR" sz="3200">
                 <a:solidFill>
                   <a:srgbClr val="FF0000"/>
                 </a:solidFill>
@@ -46798,13 +46431,6 @@
               </a:rPr>
               <a:t>.)(Expert)</a:t>
             </a:r>
-            <a:endParaRPr lang="en-US" altLang="ko-KR" sz="3200">
-              <a:solidFill>
-                <a:srgbClr val="FF0000"/>
-              </a:solidFill>
-              <a:latin typeface="G마켓 산스 Medium" panose="02000000000000000000" pitchFamily="50" charset="-127"/>
-              <a:ea typeface="G마켓 산스 Medium" panose="02000000000000000000" pitchFamily="50" charset="-127"/>
-            </a:endParaRPr>
           </a:p>
           <a:p>
             <a:r>
@@ -47010,7 +46636,7 @@
           <p:cNvPr id="7" name="그룹 1008">
             <a:extLst>
               <a:ext uri="{FF2B5EF4-FFF2-40B4-BE49-F238E27FC236}">
-                <a16:creationId xmlns="" xmlns:a16="http://schemas.microsoft.com/office/drawing/2014/main" id="{678F6342-C505-E8AD-ADA4-022CB2C2088E}"/>
+                <a16:creationId xmlns:a16="http://schemas.microsoft.com/office/drawing/2014/main" id="{678F6342-C505-E8AD-ADA4-022CB2C2088E}"/>
               </a:ext>
             </a:extLst>
           </p:cNvPr>
@@ -47030,7 +46656,7 @@
             <p:cNvPr id="8" name="그룹 1009">
               <a:extLst>
                 <a:ext uri="{FF2B5EF4-FFF2-40B4-BE49-F238E27FC236}">
-                  <a16:creationId xmlns="" xmlns:a16="http://schemas.microsoft.com/office/drawing/2014/main" id="{4E1F1FED-812B-9BBB-925A-84B54A077414}"/>
+                  <a16:creationId xmlns:a16="http://schemas.microsoft.com/office/drawing/2014/main" id="{4E1F1FED-812B-9BBB-925A-84B54A077414}"/>
                 </a:ext>
               </a:extLst>
             </p:cNvPr>
@@ -47050,7 +46676,7 @@
               <p:cNvPr id="13" name="Object 29">
                 <a:extLst>
                   <a:ext uri="{FF2B5EF4-FFF2-40B4-BE49-F238E27FC236}">
-                    <a16:creationId xmlns="" xmlns:a16="http://schemas.microsoft.com/office/drawing/2014/main" id="{7B078609-4286-7B00-51EB-809C8E2DE289}"/>
+                    <a16:creationId xmlns:a16="http://schemas.microsoft.com/office/drawing/2014/main" id="{7B078609-4286-7B00-51EB-809C8E2DE289}"/>
                   </a:ext>
                 </a:extLst>
               </p:cNvPr>
@@ -47081,7 +46707,7 @@
             <p:cNvPr id="9" name="그룹 1010">
               <a:extLst>
                 <a:ext uri="{FF2B5EF4-FFF2-40B4-BE49-F238E27FC236}">
-                  <a16:creationId xmlns="" xmlns:a16="http://schemas.microsoft.com/office/drawing/2014/main" id="{02A649BF-B5B5-FBAF-7DFD-E118A4DF8907}"/>
+                  <a16:creationId xmlns:a16="http://schemas.microsoft.com/office/drawing/2014/main" id="{02A649BF-B5B5-FBAF-7DFD-E118A4DF8907}"/>
                 </a:ext>
               </a:extLst>
             </p:cNvPr>
@@ -47101,7 +46727,7 @@
               <p:cNvPr id="12" name="Object 32">
                 <a:extLst>
                   <a:ext uri="{FF2B5EF4-FFF2-40B4-BE49-F238E27FC236}">
-                    <a16:creationId xmlns="" xmlns:a16="http://schemas.microsoft.com/office/drawing/2014/main" id="{2A0FFF23-B3C9-3EA0-1C1B-A87D4FF098AE}"/>
+                    <a16:creationId xmlns:a16="http://schemas.microsoft.com/office/drawing/2014/main" id="{2A0FFF23-B3C9-3EA0-1C1B-A87D4FF098AE}"/>
                   </a:ext>
                 </a:extLst>
               </p:cNvPr>
@@ -47132,7 +46758,7 @@
             <p:cNvPr id="10" name="그룹 1011">
               <a:extLst>
                 <a:ext uri="{FF2B5EF4-FFF2-40B4-BE49-F238E27FC236}">
-                  <a16:creationId xmlns="" xmlns:a16="http://schemas.microsoft.com/office/drawing/2014/main" id="{881F5410-F7FB-F261-A584-707359BAC593}"/>
+                  <a16:creationId xmlns:a16="http://schemas.microsoft.com/office/drawing/2014/main" id="{881F5410-F7FB-F261-A584-707359BAC593}"/>
                 </a:ext>
               </a:extLst>
             </p:cNvPr>
@@ -47152,7 +46778,7 @@
               <p:cNvPr id="11" name="Object 35">
                 <a:extLst>
                   <a:ext uri="{FF2B5EF4-FFF2-40B4-BE49-F238E27FC236}">
-                    <a16:creationId xmlns="" xmlns:a16="http://schemas.microsoft.com/office/drawing/2014/main" id="{4E99E669-73EB-F9F4-EFE8-DC107035C265}"/>
+                    <a16:creationId xmlns:a16="http://schemas.microsoft.com/office/drawing/2014/main" id="{4E99E669-73EB-F9F4-EFE8-DC107035C265}"/>
                   </a:ext>
                 </a:extLst>
               </p:cNvPr>
@@ -47208,7 +46834,7 @@
           <p:cNvPr id="15" name="표 2">
             <a:extLst>
               <a:ext uri="{FF2B5EF4-FFF2-40B4-BE49-F238E27FC236}">
-                <a16:creationId xmlns="" xmlns:a16="http://schemas.microsoft.com/office/drawing/2014/main" id="{D2CC6F32-611A-E22D-EB8C-52D626A5B319}"/>
+                <a16:creationId xmlns:a16="http://schemas.microsoft.com/office/drawing/2014/main" id="{D2CC6F32-611A-E22D-EB8C-52D626A5B319}"/>
               </a:ext>
             </a:extLst>
           </p:cNvPr>
@@ -47237,21 +46863,21 @@
                 <a:gridCol w="1360600">
                   <a:extLst>
                     <a:ext uri="{9D8B030D-6E8A-4147-A177-3AD203B41FA5}">
-                      <a16:colId xmlns="" xmlns:a16="http://schemas.microsoft.com/office/drawing/2014/main" val="1960770391"/>
+                      <a16:colId xmlns:a16="http://schemas.microsoft.com/office/drawing/2014/main" val="1960770391"/>
                     </a:ext>
                   </a:extLst>
                 </a:gridCol>
                 <a:gridCol w="1246559">
                   <a:extLst>
                     <a:ext uri="{9D8B030D-6E8A-4147-A177-3AD203B41FA5}">
-                      <a16:colId xmlns="" xmlns:a16="http://schemas.microsoft.com/office/drawing/2014/main" val="733308553"/>
+                      <a16:colId xmlns:a16="http://schemas.microsoft.com/office/drawing/2014/main" val="733308553"/>
                     </a:ext>
                   </a:extLst>
                 </a:gridCol>
                 <a:gridCol w="3748068">
                   <a:extLst>
                     <a:ext uri="{9D8B030D-6E8A-4147-A177-3AD203B41FA5}">
-                      <a16:colId xmlns="" xmlns:a16="http://schemas.microsoft.com/office/drawing/2014/main" val="1661322813"/>
+                      <a16:colId xmlns:a16="http://schemas.microsoft.com/office/drawing/2014/main" val="1661322813"/>
                     </a:ext>
                   </a:extLst>
                 </a:gridCol>
@@ -47439,7 +47065,7 @@
                 </a:tc>
                 <a:extLst>
                   <a:ext uri="{0D108BD9-81ED-4DB2-BD59-A6C34878D82A}">
-                    <a16:rowId xmlns="" xmlns:a16="http://schemas.microsoft.com/office/drawing/2014/main" val="2452905565"/>
+                    <a16:rowId xmlns:a16="http://schemas.microsoft.com/office/drawing/2014/main" val="2452905565"/>
                   </a:ext>
                 </a:extLst>
               </a:tr>
@@ -47738,7 +47364,7 @@
                 </a:tc>
                 <a:extLst>
                   <a:ext uri="{0D108BD9-81ED-4DB2-BD59-A6C34878D82A}">
-                    <a16:rowId xmlns="" xmlns:a16="http://schemas.microsoft.com/office/drawing/2014/main" val="2488866604"/>
+                    <a16:rowId xmlns:a16="http://schemas.microsoft.com/office/drawing/2014/main" val="2488866604"/>
                   </a:ext>
                 </a:extLst>
               </a:tr>
@@ -47780,13 +47406,6 @@
   <p:clrMapOvr>
     <a:masterClrMapping/>
   </p:clrMapOvr>
-  <p:timing>
-    <p:tnLst>
-      <p:par>
-        <p:cTn id="1" dur="indefinite" restart="never" nodeType="tmRoot"/>
-      </p:par>
-    </p:tnLst>
-  </p:timing>
 </p:sld>
 </file>
 
@@ -48078,7 +47697,7 @@
           <p:cNvPr id="2" name="TextBox 1">
             <a:extLst>
               <a:ext uri="{FF2B5EF4-FFF2-40B4-BE49-F238E27FC236}">
-                <a16:creationId xmlns="" xmlns:a16="http://schemas.microsoft.com/office/drawing/2014/main" id="{715D88A2-BD52-978B-A00A-540446126E3D}"/>
+                <a16:creationId xmlns:a16="http://schemas.microsoft.com/office/drawing/2014/main" id="{715D88A2-BD52-978B-A00A-540446126E3D}"/>
               </a:ext>
             </a:extLst>
           </p:cNvPr>
@@ -48126,13 +47745,6 @@
   <p:clrMapOvr>
     <a:masterClrMapping/>
   </p:clrMapOvr>
-  <p:timing>
-    <p:tnLst>
-      <p:par>
-        <p:cTn id="1" dur="indefinite" restart="never" nodeType="tmRoot"/>
-      </p:par>
-    </p:tnLst>
-  </p:timing>
 </p:sld>
 </file>
 
@@ -48158,7 +47770,7 @@
           <p:cNvPr id="4" name="TextBox 3">
             <a:extLst>
               <a:ext uri="{FF2B5EF4-FFF2-40B4-BE49-F238E27FC236}">
-                <a16:creationId xmlns="" xmlns:a16="http://schemas.microsoft.com/office/drawing/2014/main" id="{DF7DDD33-9412-2802-339A-E55446AC2DA7}"/>
+                <a16:creationId xmlns:a16="http://schemas.microsoft.com/office/drawing/2014/main" id="{DF7DDD33-9412-2802-339A-E55446AC2DA7}"/>
               </a:ext>
             </a:extLst>
           </p:cNvPr>
@@ -48211,13 +47823,6 @@
   <p:clrMapOvr>
     <a:masterClrMapping/>
   </p:clrMapOvr>
-  <p:timing>
-    <p:tnLst>
-      <p:par>
-        <p:cTn id="1" dur="indefinite" restart="never" nodeType="tmRoot"/>
-      </p:par>
-    </p:tnLst>
-  </p:timing>
 </p:sld>
 </file>
 
@@ -48243,7 +47848,7 @@
           <p:cNvPr id="4" name="그룹 1016">
             <a:extLst>
               <a:ext uri="{FF2B5EF4-FFF2-40B4-BE49-F238E27FC236}">
-                <a16:creationId xmlns="" xmlns:a16="http://schemas.microsoft.com/office/drawing/2014/main" id="{AA13A3EF-F488-87B4-3F87-5B52552891A6}"/>
+                <a16:creationId xmlns:a16="http://schemas.microsoft.com/office/drawing/2014/main" id="{AA13A3EF-F488-87B4-3F87-5B52552891A6}"/>
               </a:ext>
             </a:extLst>
           </p:cNvPr>
@@ -48263,7 +47868,7 @@
             <p:cNvPr id="5" name="그룹 1017">
               <a:extLst>
                 <a:ext uri="{FF2B5EF4-FFF2-40B4-BE49-F238E27FC236}">
-                  <a16:creationId xmlns="" xmlns:a16="http://schemas.microsoft.com/office/drawing/2014/main" id="{DD5B6348-D6C2-1E43-47F2-F015E70C50D0}"/>
+                  <a16:creationId xmlns:a16="http://schemas.microsoft.com/office/drawing/2014/main" id="{DD5B6348-D6C2-1E43-47F2-F015E70C50D0}"/>
                 </a:ext>
               </a:extLst>
             </p:cNvPr>
@@ -48283,7 +47888,7 @@
               <p:cNvPr id="8" name="Object 58">
                 <a:extLst>
                   <a:ext uri="{FF2B5EF4-FFF2-40B4-BE49-F238E27FC236}">
-                    <a16:creationId xmlns="" xmlns:a16="http://schemas.microsoft.com/office/drawing/2014/main" id="{E926E84F-387D-D73A-959B-A7BBDEA707C6}"/>
+                    <a16:creationId xmlns:a16="http://schemas.microsoft.com/office/drawing/2014/main" id="{E926E84F-387D-D73A-959B-A7BBDEA707C6}"/>
                   </a:ext>
                 </a:extLst>
               </p:cNvPr>
@@ -48314,7 +47919,7 @@
             <p:cNvPr id="6" name="그룹 1018">
               <a:extLst>
                 <a:ext uri="{FF2B5EF4-FFF2-40B4-BE49-F238E27FC236}">
-                  <a16:creationId xmlns="" xmlns:a16="http://schemas.microsoft.com/office/drawing/2014/main" id="{B51CCF3A-1468-51BC-27EE-7ACC4E2D0E92}"/>
+                  <a16:creationId xmlns:a16="http://schemas.microsoft.com/office/drawing/2014/main" id="{B51CCF3A-1468-51BC-27EE-7ACC4E2D0E92}"/>
                 </a:ext>
               </a:extLst>
             </p:cNvPr>
@@ -48334,7 +47939,7 @@
               <p:cNvPr id="7" name="Object 61">
                 <a:extLst>
                   <a:ext uri="{FF2B5EF4-FFF2-40B4-BE49-F238E27FC236}">
-                    <a16:creationId xmlns="" xmlns:a16="http://schemas.microsoft.com/office/drawing/2014/main" id="{7384DDFE-27C6-B967-21FA-834078595458}"/>
+                    <a16:creationId xmlns:a16="http://schemas.microsoft.com/office/drawing/2014/main" id="{7384DDFE-27C6-B967-21FA-834078595458}"/>
                   </a:ext>
                 </a:extLst>
               </p:cNvPr>
@@ -48366,7 +47971,7 @@
           <p:cNvPr id="9" name="그룹 1006">
             <a:extLst>
               <a:ext uri="{FF2B5EF4-FFF2-40B4-BE49-F238E27FC236}">
-                <a16:creationId xmlns="" xmlns:a16="http://schemas.microsoft.com/office/drawing/2014/main" id="{DA5AECD5-4C6B-C6E0-9057-4A4BB838FB29}"/>
+                <a16:creationId xmlns:a16="http://schemas.microsoft.com/office/drawing/2014/main" id="{DA5AECD5-4C6B-C6E0-9057-4A4BB838FB29}"/>
               </a:ext>
             </a:extLst>
           </p:cNvPr>
@@ -48386,7 +47991,7 @@
             <p:cNvPr id="10" name="Object 18">
               <a:extLst>
                 <a:ext uri="{FF2B5EF4-FFF2-40B4-BE49-F238E27FC236}">
-                  <a16:creationId xmlns="" xmlns:a16="http://schemas.microsoft.com/office/drawing/2014/main" id="{F33E73BC-B877-CC26-0C7F-B5AF2D91EACC}"/>
+                  <a16:creationId xmlns:a16="http://schemas.microsoft.com/office/drawing/2014/main" id="{F33E73BC-B877-CC26-0C7F-B5AF2D91EACC}"/>
                 </a:ext>
               </a:extLst>
             </p:cNvPr>
@@ -48417,7 +48022,7 @@
           <p:cNvPr id="11" name="그룹 1007">
             <a:extLst>
               <a:ext uri="{FF2B5EF4-FFF2-40B4-BE49-F238E27FC236}">
-                <a16:creationId xmlns="" xmlns:a16="http://schemas.microsoft.com/office/drawing/2014/main" id="{DD95D7BB-8D63-9E75-4010-C518E4FDBAD6}"/>
+                <a16:creationId xmlns:a16="http://schemas.microsoft.com/office/drawing/2014/main" id="{DD95D7BB-8D63-9E75-4010-C518E4FDBAD6}"/>
               </a:ext>
             </a:extLst>
           </p:cNvPr>
@@ -48437,7 +48042,7 @@
             <p:cNvPr id="12" name="Object 21">
               <a:extLst>
                 <a:ext uri="{FF2B5EF4-FFF2-40B4-BE49-F238E27FC236}">
-                  <a16:creationId xmlns="" xmlns:a16="http://schemas.microsoft.com/office/drawing/2014/main" id="{EEEB3107-045B-4D5F-02F6-7F9BAB218DBA}"/>
+                  <a16:creationId xmlns:a16="http://schemas.microsoft.com/office/drawing/2014/main" id="{EEEB3107-045B-4D5F-02F6-7F9BAB218DBA}"/>
                 </a:ext>
               </a:extLst>
             </p:cNvPr>
@@ -48468,7 +48073,7 @@
           <p:cNvPr id="13" name="그룹 1008">
             <a:extLst>
               <a:ext uri="{FF2B5EF4-FFF2-40B4-BE49-F238E27FC236}">
-                <a16:creationId xmlns="" xmlns:a16="http://schemas.microsoft.com/office/drawing/2014/main" id="{98838A85-E5D7-77FE-4B20-58C3FF9B6C5E}"/>
+                <a16:creationId xmlns:a16="http://schemas.microsoft.com/office/drawing/2014/main" id="{98838A85-E5D7-77FE-4B20-58C3FF9B6C5E}"/>
               </a:ext>
             </a:extLst>
           </p:cNvPr>
@@ -48488,7 +48093,7 @@
             <p:cNvPr id="14" name="Object 24">
               <a:extLst>
                 <a:ext uri="{FF2B5EF4-FFF2-40B4-BE49-F238E27FC236}">
-                  <a16:creationId xmlns="" xmlns:a16="http://schemas.microsoft.com/office/drawing/2014/main" id="{468F2CB3-563F-9B41-1294-A0B328A9C03F}"/>
+                  <a16:creationId xmlns:a16="http://schemas.microsoft.com/office/drawing/2014/main" id="{468F2CB3-563F-9B41-1294-A0B328A9C03F}"/>
                 </a:ext>
               </a:extLst>
             </p:cNvPr>
@@ -48519,7 +48124,7 @@
           <p:cNvPr id="17" name="그룹 1019">
             <a:extLst>
               <a:ext uri="{FF2B5EF4-FFF2-40B4-BE49-F238E27FC236}">
-                <a16:creationId xmlns="" xmlns:a16="http://schemas.microsoft.com/office/drawing/2014/main" id="{29E0DFB5-4178-3B03-0A70-95EE17DCE53D}"/>
+                <a16:creationId xmlns:a16="http://schemas.microsoft.com/office/drawing/2014/main" id="{29E0DFB5-4178-3B03-0A70-95EE17DCE53D}"/>
               </a:ext>
             </a:extLst>
           </p:cNvPr>
@@ -48539,7 +48144,7 @@
             <p:cNvPr id="18" name="Object 61">
               <a:extLst>
                 <a:ext uri="{FF2B5EF4-FFF2-40B4-BE49-F238E27FC236}">
-                  <a16:creationId xmlns="" xmlns:a16="http://schemas.microsoft.com/office/drawing/2014/main" id="{3CE8DCA4-38A6-DE0E-C169-95883351E90B}"/>
+                  <a16:creationId xmlns:a16="http://schemas.microsoft.com/office/drawing/2014/main" id="{3CE8DCA4-38A6-DE0E-C169-95883351E90B}"/>
                 </a:ext>
               </a:extLst>
             </p:cNvPr>
@@ -48570,7 +48175,7 @@
           <p:cNvPr id="19" name="그룹 1024">
             <a:extLst>
               <a:ext uri="{FF2B5EF4-FFF2-40B4-BE49-F238E27FC236}">
-                <a16:creationId xmlns="" xmlns:a16="http://schemas.microsoft.com/office/drawing/2014/main" id="{D63117C1-65D4-0F5A-875E-7A548566C74C}"/>
+                <a16:creationId xmlns:a16="http://schemas.microsoft.com/office/drawing/2014/main" id="{D63117C1-65D4-0F5A-875E-7A548566C74C}"/>
               </a:ext>
             </a:extLst>
           </p:cNvPr>
@@ -48590,7 +48195,7 @@
             <p:cNvPr id="20" name="Object 76">
               <a:extLst>
                 <a:ext uri="{FF2B5EF4-FFF2-40B4-BE49-F238E27FC236}">
-                  <a16:creationId xmlns="" xmlns:a16="http://schemas.microsoft.com/office/drawing/2014/main" id="{3EB012B7-6446-A40C-6894-F9969F5F72B5}"/>
+                  <a16:creationId xmlns:a16="http://schemas.microsoft.com/office/drawing/2014/main" id="{3EB012B7-6446-A40C-6894-F9969F5F72B5}"/>
                 </a:ext>
               </a:extLst>
             </p:cNvPr>
@@ -48621,7 +48226,7 @@
           <p:cNvPr id="21" name="그룹 1025">
             <a:extLst>
               <a:ext uri="{FF2B5EF4-FFF2-40B4-BE49-F238E27FC236}">
-                <a16:creationId xmlns="" xmlns:a16="http://schemas.microsoft.com/office/drawing/2014/main" id="{CDAC6F02-2AB4-415D-5A43-9517998CEC9C}"/>
+                <a16:creationId xmlns:a16="http://schemas.microsoft.com/office/drawing/2014/main" id="{CDAC6F02-2AB4-415D-5A43-9517998CEC9C}"/>
               </a:ext>
             </a:extLst>
           </p:cNvPr>
@@ -48641,7 +48246,7 @@
             <p:cNvPr id="22" name="Object 79">
               <a:extLst>
                 <a:ext uri="{FF2B5EF4-FFF2-40B4-BE49-F238E27FC236}">
-                  <a16:creationId xmlns="" xmlns:a16="http://schemas.microsoft.com/office/drawing/2014/main" id="{1C226E7E-F1AB-0597-037F-A83B97CA9C34}"/>
+                  <a16:creationId xmlns:a16="http://schemas.microsoft.com/office/drawing/2014/main" id="{1C226E7E-F1AB-0597-037F-A83B97CA9C34}"/>
                 </a:ext>
               </a:extLst>
             </p:cNvPr>
@@ -48672,7 +48277,7 @@
           <p:cNvPr id="23" name="그룹 1033">
             <a:extLst>
               <a:ext uri="{FF2B5EF4-FFF2-40B4-BE49-F238E27FC236}">
-                <a16:creationId xmlns="" xmlns:a16="http://schemas.microsoft.com/office/drawing/2014/main" id="{6EE9B338-E8AD-C370-2B87-7DDE74453CE8}"/>
+                <a16:creationId xmlns:a16="http://schemas.microsoft.com/office/drawing/2014/main" id="{6EE9B338-E8AD-C370-2B87-7DDE74453CE8}"/>
               </a:ext>
             </a:extLst>
           </p:cNvPr>
@@ -48692,7 +48297,7 @@
             <p:cNvPr id="24" name="Object 106">
               <a:extLst>
                 <a:ext uri="{FF2B5EF4-FFF2-40B4-BE49-F238E27FC236}">
-                  <a16:creationId xmlns="" xmlns:a16="http://schemas.microsoft.com/office/drawing/2014/main" id="{4D1CFF03-41AC-FC94-C020-AE39D7B9ACB0}"/>
+                  <a16:creationId xmlns:a16="http://schemas.microsoft.com/office/drawing/2014/main" id="{4D1CFF03-41AC-FC94-C020-AE39D7B9ACB0}"/>
                 </a:ext>
               </a:extLst>
             </p:cNvPr>
@@ -48722,7 +48327,7 @@
             <p:cNvPr id="25" name="Object 107">
               <a:extLst>
                 <a:ext uri="{FF2B5EF4-FFF2-40B4-BE49-F238E27FC236}">
-                  <a16:creationId xmlns="" xmlns:a16="http://schemas.microsoft.com/office/drawing/2014/main" id="{F5995CE4-9E5D-6746-11D0-F309607BA6DB}"/>
+                  <a16:creationId xmlns:a16="http://schemas.microsoft.com/office/drawing/2014/main" id="{F5995CE4-9E5D-6746-11D0-F309607BA6DB}"/>
                 </a:ext>
               </a:extLst>
             </p:cNvPr>
@@ -48753,7 +48358,7 @@
           <p:cNvPr id="26" name="그룹 1034">
             <a:extLst>
               <a:ext uri="{FF2B5EF4-FFF2-40B4-BE49-F238E27FC236}">
-                <a16:creationId xmlns="" xmlns:a16="http://schemas.microsoft.com/office/drawing/2014/main" id="{6BFD2D92-9058-F5E7-B251-3AF21D631A80}"/>
+                <a16:creationId xmlns:a16="http://schemas.microsoft.com/office/drawing/2014/main" id="{6BFD2D92-9058-F5E7-B251-3AF21D631A80}"/>
               </a:ext>
             </a:extLst>
           </p:cNvPr>
@@ -48773,7 +48378,7 @@
             <p:cNvPr id="27" name="Object 110">
               <a:extLst>
                 <a:ext uri="{FF2B5EF4-FFF2-40B4-BE49-F238E27FC236}">
-                  <a16:creationId xmlns="" xmlns:a16="http://schemas.microsoft.com/office/drawing/2014/main" id="{2C9A0473-B72D-885C-161C-FD9A7B5B3181}"/>
+                  <a16:creationId xmlns:a16="http://schemas.microsoft.com/office/drawing/2014/main" id="{2C9A0473-B72D-885C-161C-FD9A7B5B3181}"/>
                 </a:ext>
               </a:extLst>
             </p:cNvPr>
@@ -48804,7 +48409,7 @@
           <p:cNvPr id="28" name="TextBox 27">
             <a:extLst>
               <a:ext uri="{FF2B5EF4-FFF2-40B4-BE49-F238E27FC236}">
-                <a16:creationId xmlns="" xmlns:a16="http://schemas.microsoft.com/office/drawing/2014/main" id="{D3A03209-5681-7969-A244-E4CA8DA6226E}"/>
+                <a16:creationId xmlns:a16="http://schemas.microsoft.com/office/drawing/2014/main" id="{D3A03209-5681-7969-A244-E4CA8DA6226E}"/>
               </a:ext>
             </a:extLst>
           </p:cNvPr>
@@ -48882,7 +48487,7 @@
           <p:cNvPr id="30" name="그룹 1016">
             <a:extLst>
               <a:ext uri="{FF2B5EF4-FFF2-40B4-BE49-F238E27FC236}">
-                <a16:creationId xmlns="" xmlns:a16="http://schemas.microsoft.com/office/drawing/2014/main" id="{5891CDDE-F777-31FE-014E-6E79EFE369BC}"/>
+                <a16:creationId xmlns:a16="http://schemas.microsoft.com/office/drawing/2014/main" id="{5891CDDE-F777-31FE-014E-6E79EFE369BC}"/>
               </a:ext>
             </a:extLst>
           </p:cNvPr>
@@ -48902,7 +48507,7 @@
             <p:cNvPr id="31" name="그룹 1017">
               <a:extLst>
                 <a:ext uri="{FF2B5EF4-FFF2-40B4-BE49-F238E27FC236}">
-                  <a16:creationId xmlns="" xmlns:a16="http://schemas.microsoft.com/office/drawing/2014/main" id="{A40B3531-B460-1F2F-9DC7-76FFEA96A365}"/>
+                  <a16:creationId xmlns:a16="http://schemas.microsoft.com/office/drawing/2014/main" id="{A40B3531-B460-1F2F-9DC7-76FFEA96A365}"/>
                 </a:ext>
               </a:extLst>
             </p:cNvPr>
@@ -48922,7 +48527,7 @@
               <p:cNvPr id="34" name="Object 58">
                 <a:extLst>
                   <a:ext uri="{FF2B5EF4-FFF2-40B4-BE49-F238E27FC236}">
-                    <a16:creationId xmlns="" xmlns:a16="http://schemas.microsoft.com/office/drawing/2014/main" id="{77EDB72F-2E14-2BB1-1340-A5E5E4C6270D}"/>
+                    <a16:creationId xmlns:a16="http://schemas.microsoft.com/office/drawing/2014/main" id="{77EDB72F-2E14-2BB1-1340-A5E5E4C6270D}"/>
                   </a:ext>
                 </a:extLst>
               </p:cNvPr>
@@ -48953,7 +48558,7 @@
             <p:cNvPr id="32" name="그룹 1018">
               <a:extLst>
                 <a:ext uri="{FF2B5EF4-FFF2-40B4-BE49-F238E27FC236}">
-                  <a16:creationId xmlns="" xmlns:a16="http://schemas.microsoft.com/office/drawing/2014/main" id="{1A00891F-AAB3-D218-8730-F8F1C5A32DDE}"/>
+                  <a16:creationId xmlns:a16="http://schemas.microsoft.com/office/drawing/2014/main" id="{1A00891F-AAB3-D218-8730-F8F1C5A32DDE}"/>
                 </a:ext>
               </a:extLst>
             </p:cNvPr>
@@ -48973,7 +48578,7 @@
               <p:cNvPr id="33" name="Object 61">
                 <a:extLst>
                   <a:ext uri="{FF2B5EF4-FFF2-40B4-BE49-F238E27FC236}">
-                    <a16:creationId xmlns="" xmlns:a16="http://schemas.microsoft.com/office/drawing/2014/main" id="{6E058ED6-3BFB-26F7-3F79-68521C3CCDC8}"/>
+                    <a16:creationId xmlns:a16="http://schemas.microsoft.com/office/drawing/2014/main" id="{6E058ED6-3BFB-26F7-3F79-68521C3CCDC8}"/>
                   </a:ext>
                 </a:extLst>
               </p:cNvPr>
@@ -49005,7 +48610,7 @@
           <p:cNvPr id="35" name="TextBox 34">
             <a:extLst>
               <a:ext uri="{FF2B5EF4-FFF2-40B4-BE49-F238E27FC236}">
-                <a16:creationId xmlns="" xmlns:a16="http://schemas.microsoft.com/office/drawing/2014/main" id="{A6DFFD1A-E672-81C5-2C05-729C2701FE05}"/>
+                <a16:creationId xmlns:a16="http://schemas.microsoft.com/office/drawing/2014/main" id="{A6DFFD1A-E672-81C5-2C05-729C2701FE05}"/>
               </a:ext>
             </a:extLst>
           </p:cNvPr>
@@ -49063,7 +48668,7 @@
           <p:cNvPr id="36" name="그룹 1016">
             <a:extLst>
               <a:ext uri="{FF2B5EF4-FFF2-40B4-BE49-F238E27FC236}">
-                <a16:creationId xmlns="" xmlns:a16="http://schemas.microsoft.com/office/drawing/2014/main" id="{E90C37B5-C463-F705-13B7-5806753E01F5}"/>
+                <a16:creationId xmlns:a16="http://schemas.microsoft.com/office/drawing/2014/main" id="{E90C37B5-C463-F705-13B7-5806753E01F5}"/>
               </a:ext>
             </a:extLst>
           </p:cNvPr>
@@ -49083,7 +48688,7 @@
             <p:cNvPr id="37" name="그룹 1017">
               <a:extLst>
                 <a:ext uri="{FF2B5EF4-FFF2-40B4-BE49-F238E27FC236}">
-                  <a16:creationId xmlns="" xmlns:a16="http://schemas.microsoft.com/office/drawing/2014/main" id="{C717D910-BE22-50C2-22B1-75E7C62B4282}"/>
+                  <a16:creationId xmlns:a16="http://schemas.microsoft.com/office/drawing/2014/main" id="{C717D910-BE22-50C2-22B1-75E7C62B4282}"/>
                 </a:ext>
               </a:extLst>
             </p:cNvPr>
@@ -49103,7 +48708,7 @@
               <p:cNvPr id="40" name="Object 58">
                 <a:extLst>
                   <a:ext uri="{FF2B5EF4-FFF2-40B4-BE49-F238E27FC236}">
-                    <a16:creationId xmlns="" xmlns:a16="http://schemas.microsoft.com/office/drawing/2014/main" id="{B80EC2FE-CC22-6DD2-9B7E-C79E1A12BE1A}"/>
+                    <a16:creationId xmlns:a16="http://schemas.microsoft.com/office/drawing/2014/main" id="{B80EC2FE-CC22-6DD2-9B7E-C79E1A12BE1A}"/>
                   </a:ext>
                 </a:extLst>
               </p:cNvPr>
@@ -49134,7 +48739,7 @@
             <p:cNvPr id="38" name="그룹 1018">
               <a:extLst>
                 <a:ext uri="{FF2B5EF4-FFF2-40B4-BE49-F238E27FC236}">
-                  <a16:creationId xmlns="" xmlns:a16="http://schemas.microsoft.com/office/drawing/2014/main" id="{055D9BC8-6D51-F88C-C523-40F76A7807E1}"/>
+                  <a16:creationId xmlns:a16="http://schemas.microsoft.com/office/drawing/2014/main" id="{055D9BC8-6D51-F88C-C523-40F76A7807E1}"/>
                 </a:ext>
               </a:extLst>
             </p:cNvPr>
@@ -49154,7 +48759,7 @@
               <p:cNvPr id="39" name="Object 61">
                 <a:extLst>
                   <a:ext uri="{FF2B5EF4-FFF2-40B4-BE49-F238E27FC236}">
-                    <a16:creationId xmlns="" xmlns:a16="http://schemas.microsoft.com/office/drawing/2014/main" id="{2F7B0521-2B3F-98C3-0A5E-E5A11D8E57DC}"/>
+                    <a16:creationId xmlns:a16="http://schemas.microsoft.com/office/drawing/2014/main" id="{2F7B0521-2B3F-98C3-0A5E-E5A11D8E57DC}"/>
                   </a:ext>
                 </a:extLst>
               </p:cNvPr>
@@ -49186,7 +48791,7 @@
           <p:cNvPr id="41" name="그룹 1016">
             <a:extLst>
               <a:ext uri="{FF2B5EF4-FFF2-40B4-BE49-F238E27FC236}">
-                <a16:creationId xmlns="" xmlns:a16="http://schemas.microsoft.com/office/drawing/2014/main" id="{2B593D9F-D2EA-2555-8A3A-3ED72B2E7EE3}"/>
+                <a16:creationId xmlns:a16="http://schemas.microsoft.com/office/drawing/2014/main" id="{2B593D9F-D2EA-2555-8A3A-3ED72B2E7EE3}"/>
               </a:ext>
             </a:extLst>
           </p:cNvPr>
@@ -49206,7 +48811,7 @@
             <p:cNvPr id="42" name="그룹 1017">
               <a:extLst>
                 <a:ext uri="{FF2B5EF4-FFF2-40B4-BE49-F238E27FC236}">
-                  <a16:creationId xmlns="" xmlns:a16="http://schemas.microsoft.com/office/drawing/2014/main" id="{9A0A01D1-DBBB-F313-F83F-ABFC80F3DE3C}"/>
+                  <a16:creationId xmlns:a16="http://schemas.microsoft.com/office/drawing/2014/main" id="{9A0A01D1-DBBB-F313-F83F-ABFC80F3DE3C}"/>
                 </a:ext>
               </a:extLst>
             </p:cNvPr>
@@ -49226,7 +48831,7 @@
               <p:cNvPr id="45" name="Object 58">
                 <a:extLst>
                   <a:ext uri="{FF2B5EF4-FFF2-40B4-BE49-F238E27FC236}">
-                    <a16:creationId xmlns="" xmlns:a16="http://schemas.microsoft.com/office/drawing/2014/main" id="{0999AD20-B928-C547-61AB-CA61815CA03A}"/>
+                    <a16:creationId xmlns:a16="http://schemas.microsoft.com/office/drawing/2014/main" id="{0999AD20-B928-C547-61AB-CA61815CA03A}"/>
                   </a:ext>
                 </a:extLst>
               </p:cNvPr>
@@ -49257,7 +48862,7 @@
             <p:cNvPr id="43" name="그룹 1018">
               <a:extLst>
                 <a:ext uri="{FF2B5EF4-FFF2-40B4-BE49-F238E27FC236}">
-                  <a16:creationId xmlns="" xmlns:a16="http://schemas.microsoft.com/office/drawing/2014/main" id="{4DE0DCA4-01F9-5A32-0A53-A8456AEC9493}"/>
+                  <a16:creationId xmlns:a16="http://schemas.microsoft.com/office/drawing/2014/main" id="{4DE0DCA4-01F9-5A32-0A53-A8456AEC9493}"/>
                 </a:ext>
               </a:extLst>
             </p:cNvPr>
@@ -49277,7 +48882,7 @@
               <p:cNvPr id="44" name="Object 61">
                 <a:extLst>
                   <a:ext uri="{FF2B5EF4-FFF2-40B4-BE49-F238E27FC236}">
-                    <a16:creationId xmlns="" xmlns:a16="http://schemas.microsoft.com/office/drawing/2014/main" id="{90E9B152-337D-7C64-558F-06AABB13A135}"/>
+                    <a16:creationId xmlns:a16="http://schemas.microsoft.com/office/drawing/2014/main" id="{90E9B152-337D-7C64-558F-06AABB13A135}"/>
                   </a:ext>
                 </a:extLst>
               </p:cNvPr>
@@ -49309,7 +48914,7 @@
           <p:cNvPr id="46" name="그룹 1016">
             <a:extLst>
               <a:ext uri="{FF2B5EF4-FFF2-40B4-BE49-F238E27FC236}">
-                <a16:creationId xmlns="" xmlns:a16="http://schemas.microsoft.com/office/drawing/2014/main" id="{E3CB7968-9415-2E6C-5C0C-4E7DF79F1C25}"/>
+                <a16:creationId xmlns:a16="http://schemas.microsoft.com/office/drawing/2014/main" id="{E3CB7968-9415-2E6C-5C0C-4E7DF79F1C25}"/>
               </a:ext>
             </a:extLst>
           </p:cNvPr>
@@ -49329,7 +48934,7 @@
             <p:cNvPr id="47" name="그룹 1017">
               <a:extLst>
                 <a:ext uri="{FF2B5EF4-FFF2-40B4-BE49-F238E27FC236}">
-                  <a16:creationId xmlns="" xmlns:a16="http://schemas.microsoft.com/office/drawing/2014/main" id="{2488BEC8-3BC9-3560-F28C-E0E606FBA514}"/>
+                  <a16:creationId xmlns:a16="http://schemas.microsoft.com/office/drawing/2014/main" id="{2488BEC8-3BC9-3560-F28C-E0E606FBA514}"/>
                 </a:ext>
               </a:extLst>
             </p:cNvPr>
@@ -49349,7 +48954,7 @@
               <p:cNvPr id="50" name="Object 58">
                 <a:extLst>
                   <a:ext uri="{FF2B5EF4-FFF2-40B4-BE49-F238E27FC236}">
-                    <a16:creationId xmlns="" xmlns:a16="http://schemas.microsoft.com/office/drawing/2014/main" id="{35A72115-3E91-417D-FFDD-F36E29A5ABEE}"/>
+                    <a16:creationId xmlns:a16="http://schemas.microsoft.com/office/drawing/2014/main" id="{35A72115-3E91-417D-FFDD-F36E29A5ABEE}"/>
                   </a:ext>
                 </a:extLst>
               </p:cNvPr>
@@ -49380,7 +48985,7 @@
             <p:cNvPr id="48" name="그룹 1018">
               <a:extLst>
                 <a:ext uri="{FF2B5EF4-FFF2-40B4-BE49-F238E27FC236}">
-                  <a16:creationId xmlns="" xmlns:a16="http://schemas.microsoft.com/office/drawing/2014/main" id="{DC5102D5-5BDC-F72A-FD92-7C240AAA2D82}"/>
+                  <a16:creationId xmlns:a16="http://schemas.microsoft.com/office/drawing/2014/main" id="{DC5102D5-5BDC-F72A-FD92-7C240AAA2D82}"/>
                 </a:ext>
               </a:extLst>
             </p:cNvPr>
@@ -49400,7 +49005,7 @@
               <p:cNvPr id="49" name="Object 61">
                 <a:extLst>
                   <a:ext uri="{FF2B5EF4-FFF2-40B4-BE49-F238E27FC236}">
-                    <a16:creationId xmlns="" xmlns:a16="http://schemas.microsoft.com/office/drawing/2014/main" id="{B33C3869-DD62-2C8D-2ACE-11DBF57D6578}"/>
+                    <a16:creationId xmlns:a16="http://schemas.microsoft.com/office/drawing/2014/main" id="{B33C3869-DD62-2C8D-2ACE-11DBF57D6578}"/>
                   </a:ext>
                 </a:extLst>
               </p:cNvPr>
@@ -49432,7 +49037,7 @@
           <p:cNvPr id="51" name="그룹 1016">
             <a:extLst>
               <a:ext uri="{FF2B5EF4-FFF2-40B4-BE49-F238E27FC236}">
-                <a16:creationId xmlns="" xmlns:a16="http://schemas.microsoft.com/office/drawing/2014/main" id="{7D12892B-D582-2EEF-6B33-947113859020}"/>
+                <a16:creationId xmlns:a16="http://schemas.microsoft.com/office/drawing/2014/main" id="{7D12892B-D582-2EEF-6B33-947113859020}"/>
               </a:ext>
             </a:extLst>
           </p:cNvPr>
@@ -49452,7 +49057,7 @@
             <p:cNvPr id="52" name="그룹 1017">
               <a:extLst>
                 <a:ext uri="{FF2B5EF4-FFF2-40B4-BE49-F238E27FC236}">
-                  <a16:creationId xmlns="" xmlns:a16="http://schemas.microsoft.com/office/drawing/2014/main" id="{8E932CDC-F225-9C47-4A89-7C313F9E3014}"/>
+                  <a16:creationId xmlns:a16="http://schemas.microsoft.com/office/drawing/2014/main" id="{8E932CDC-F225-9C47-4A89-7C313F9E3014}"/>
                 </a:ext>
               </a:extLst>
             </p:cNvPr>
@@ -49472,7 +49077,7 @@
               <p:cNvPr id="55" name="Object 58">
                 <a:extLst>
                   <a:ext uri="{FF2B5EF4-FFF2-40B4-BE49-F238E27FC236}">
-                    <a16:creationId xmlns="" xmlns:a16="http://schemas.microsoft.com/office/drawing/2014/main" id="{A98A2839-132F-DFE8-C17C-FAD43B1DFC0A}"/>
+                    <a16:creationId xmlns:a16="http://schemas.microsoft.com/office/drawing/2014/main" id="{A98A2839-132F-DFE8-C17C-FAD43B1DFC0A}"/>
                   </a:ext>
                 </a:extLst>
               </p:cNvPr>
@@ -49503,7 +49108,7 @@
             <p:cNvPr id="53" name="그룹 1018">
               <a:extLst>
                 <a:ext uri="{FF2B5EF4-FFF2-40B4-BE49-F238E27FC236}">
-                  <a16:creationId xmlns="" xmlns:a16="http://schemas.microsoft.com/office/drawing/2014/main" id="{6A74811F-8897-B181-B2E5-40D21D44B42D}"/>
+                  <a16:creationId xmlns:a16="http://schemas.microsoft.com/office/drawing/2014/main" id="{6A74811F-8897-B181-B2E5-40D21D44B42D}"/>
                 </a:ext>
               </a:extLst>
             </p:cNvPr>
@@ -49523,7 +49128,7 @@
               <p:cNvPr id="54" name="Object 61">
                 <a:extLst>
                   <a:ext uri="{FF2B5EF4-FFF2-40B4-BE49-F238E27FC236}">
-                    <a16:creationId xmlns="" xmlns:a16="http://schemas.microsoft.com/office/drawing/2014/main" id="{1142DB2F-DE69-AFD9-91A6-C47AFF2732BD}"/>
+                    <a16:creationId xmlns:a16="http://schemas.microsoft.com/office/drawing/2014/main" id="{1142DB2F-DE69-AFD9-91A6-C47AFF2732BD}"/>
                   </a:ext>
                 </a:extLst>
               </p:cNvPr>
@@ -49555,7 +49160,7 @@
           <p:cNvPr id="56" name="그룹 1016">
             <a:extLst>
               <a:ext uri="{FF2B5EF4-FFF2-40B4-BE49-F238E27FC236}">
-                <a16:creationId xmlns="" xmlns:a16="http://schemas.microsoft.com/office/drawing/2014/main" id="{A1A74DF9-E422-DCC7-3412-4F6ACCC0BCEA}"/>
+                <a16:creationId xmlns:a16="http://schemas.microsoft.com/office/drawing/2014/main" id="{A1A74DF9-E422-DCC7-3412-4F6ACCC0BCEA}"/>
               </a:ext>
             </a:extLst>
           </p:cNvPr>
@@ -49575,7 +49180,7 @@
             <p:cNvPr id="57" name="그룹 1017">
               <a:extLst>
                 <a:ext uri="{FF2B5EF4-FFF2-40B4-BE49-F238E27FC236}">
-                  <a16:creationId xmlns="" xmlns:a16="http://schemas.microsoft.com/office/drawing/2014/main" id="{EDBC55D9-1456-43C8-E429-D52936395A28}"/>
+                  <a16:creationId xmlns:a16="http://schemas.microsoft.com/office/drawing/2014/main" id="{EDBC55D9-1456-43C8-E429-D52936395A28}"/>
                 </a:ext>
               </a:extLst>
             </p:cNvPr>
@@ -49595,7 +49200,7 @@
               <p:cNvPr id="60" name="Object 58">
                 <a:extLst>
                   <a:ext uri="{FF2B5EF4-FFF2-40B4-BE49-F238E27FC236}">
-                    <a16:creationId xmlns="" xmlns:a16="http://schemas.microsoft.com/office/drawing/2014/main" id="{2065DFBB-9BB8-57A2-BCB5-9A79A6A7A47C}"/>
+                    <a16:creationId xmlns:a16="http://schemas.microsoft.com/office/drawing/2014/main" id="{2065DFBB-9BB8-57A2-BCB5-9A79A6A7A47C}"/>
                   </a:ext>
                 </a:extLst>
               </p:cNvPr>
@@ -49626,7 +49231,7 @@
             <p:cNvPr id="58" name="그룹 1018">
               <a:extLst>
                 <a:ext uri="{FF2B5EF4-FFF2-40B4-BE49-F238E27FC236}">
-                  <a16:creationId xmlns="" xmlns:a16="http://schemas.microsoft.com/office/drawing/2014/main" id="{153806A5-0D25-91AA-ECDF-1706E0C0F66B}"/>
+                  <a16:creationId xmlns:a16="http://schemas.microsoft.com/office/drawing/2014/main" id="{153806A5-0D25-91AA-ECDF-1706E0C0F66B}"/>
                 </a:ext>
               </a:extLst>
             </p:cNvPr>
@@ -49646,7 +49251,7 @@
               <p:cNvPr id="59" name="Object 61">
                 <a:extLst>
                   <a:ext uri="{FF2B5EF4-FFF2-40B4-BE49-F238E27FC236}">
-                    <a16:creationId xmlns="" xmlns:a16="http://schemas.microsoft.com/office/drawing/2014/main" id="{48702012-A54A-9A16-297C-00E155C252AD}"/>
+                    <a16:creationId xmlns:a16="http://schemas.microsoft.com/office/drawing/2014/main" id="{48702012-A54A-9A16-297C-00E155C252AD}"/>
                   </a:ext>
                 </a:extLst>
               </p:cNvPr>
@@ -49678,7 +49283,7 @@
           <p:cNvPr id="61" name="그룹 1018">
             <a:extLst>
               <a:ext uri="{FF2B5EF4-FFF2-40B4-BE49-F238E27FC236}">
-                <a16:creationId xmlns="" xmlns:a16="http://schemas.microsoft.com/office/drawing/2014/main" id="{BDF13B2A-7FC7-DAC8-84D6-AEAC5AE48574}"/>
+                <a16:creationId xmlns:a16="http://schemas.microsoft.com/office/drawing/2014/main" id="{BDF13B2A-7FC7-DAC8-84D6-AEAC5AE48574}"/>
               </a:ext>
             </a:extLst>
           </p:cNvPr>
@@ -49698,7 +49303,7 @@
             <p:cNvPr id="62" name="Object 61">
               <a:extLst>
                 <a:ext uri="{FF2B5EF4-FFF2-40B4-BE49-F238E27FC236}">
-                  <a16:creationId xmlns="" xmlns:a16="http://schemas.microsoft.com/office/drawing/2014/main" id="{23BB730F-780C-23E0-79BA-846E92196D84}"/>
+                  <a16:creationId xmlns:a16="http://schemas.microsoft.com/office/drawing/2014/main" id="{23BB730F-780C-23E0-79BA-846E92196D84}"/>
                 </a:ext>
               </a:extLst>
             </p:cNvPr>
@@ -49729,7 +49334,7 @@
           <p:cNvPr id="63" name="TextBox 62">
             <a:extLst>
               <a:ext uri="{FF2B5EF4-FFF2-40B4-BE49-F238E27FC236}">
-                <a16:creationId xmlns="" xmlns:a16="http://schemas.microsoft.com/office/drawing/2014/main" id="{F94679FE-4488-B2BF-0783-917E7119A982}"/>
+                <a16:creationId xmlns:a16="http://schemas.microsoft.com/office/drawing/2014/main" id="{F94679FE-4488-B2BF-0783-917E7119A982}"/>
               </a:ext>
             </a:extLst>
           </p:cNvPr>
@@ -49790,7 +49395,7 @@
           <p:cNvPr id="64" name="TextBox 63">
             <a:extLst>
               <a:ext uri="{FF2B5EF4-FFF2-40B4-BE49-F238E27FC236}">
-                <a16:creationId xmlns="" xmlns:a16="http://schemas.microsoft.com/office/drawing/2014/main" id="{ABF802F2-2D37-4E45-7059-BA98668B76CD}"/>
+                <a16:creationId xmlns:a16="http://schemas.microsoft.com/office/drawing/2014/main" id="{ABF802F2-2D37-4E45-7059-BA98668B76CD}"/>
               </a:ext>
             </a:extLst>
           </p:cNvPr>
@@ -49858,7 +49463,7 @@
           <p:cNvPr id="65" name="TextBox 64">
             <a:extLst>
               <a:ext uri="{FF2B5EF4-FFF2-40B4-BE49-F238E27FC236}">
-                <a16:creationId xmlns="" xmlns:a16="http://schemas.microsoft.com/office/drawing/2014/main" id="{1FA790F7-4DCB-BA82-2A67-D0763E624C8A}"/>
+                <a16:creationId xmlns:a16="http://schemas.microsoft.com/office/drawing/2014/main" id="{1FA790F7-4DCB-BA82-2A67-D0763E624C8A}"/>
               </a:ext>
             </a:extLst>
           </p:cNvPr>
@@ -49919,7 +49524,7 @@
           <p:cNvPr id="66" name="TextBox 65">
             <a:extLst>
               <a:ext uri="{FF2B5EF4-FFF2-40B4-BE49-F238E27FC236}">
-                <a16:creationId xmlns="" xmlns:a16="http://schemas.microsoft.com/office/drawing/2014/main" id="{1EF947EA-FD3F-232D-DFAE-F773DAC05E69}"/>
+                <a16:creationId xmlns:a16="http://schemas.microsoft.com/office/drawing/2014/main" id="{1EF947EA-FD3F-232D-DFAE-F773DAC05E69}"/>
               </a:ext>
             </a:extLst>
           </p:cNvPr>
@@ -49987,7 +49592,7 @@
           <p:cNvPr id="67" name="TextBox 66">
             <a:extLst>
               <a:ext uri="{FF2B5EF4-FFF2-40B4-BE49-F238E27FC236}">
-                <a16:creationId xmlns="" xmlns:a16="http://schemas.microsoft.com/office/drawing/2014/main" id="{AED2596D-7610-E0EA-C0AA-8B3C1E5F4C89}"/>
+                <a16:creationId xmlns:a16="http://schemas.microsoft.com/office/drawing/2014/main" id="{AED2596D-7610-E0EA-C0AA-8B3C1E5F4C89}"/>
               </a:ext>
             </a:extLst>
           </p:cNvPr>
@@ -50055,7 +49660,7 @@
           <p:cNvPr id="68" name="TextBox 67">
             <a:extLst>
               <a:ext uri="{FF2B5EF4-FFF2-40B4-BE49-F238E27FC236}">
-                <a16:creationId xmlns="" xmlns:a16="http://schemas.microsoft.com/office/drawing/2014/main" id="{F7B8511E-1ED4-7A98-9B66-EF90A6185908}"/>
+                <a16:creationId xmlns:a16="http://schemas.microsoft.com/office/drawing/2014/main" id="{F7B8511E-1ED4-7A98-9B66-EF90A6185908}"/>
               </a:ext>
             </a:extLst>
           </p:cNvPr>
@@ -50133,7 +49738,7 @@
           <p:cNvPr id="69" name="TextBox 68">
             <a:extLst>
               <a:ext uri="{FF2B5EF4-FFF2-40B4-BE49-F238E27FC236}">
-                <a16:creationId xmlns="" xmlns:a16="http://schemas.microsoft.com/office/drawing/2014/main" id="{E291A416-AE72-7E8E-EB2B-0F1C1FD17ED4}"/>
+                <a16:creationId xmlns:a16="http://schemas.microsoft.com/office/drawing/2014/main" id="{E291A416-AE72-7E8E-EB2B-0F1C1FD17ED4}"/>
               </a:ext>
             </a:extLst>
           </p:cNvPr>
@@ -50211,7 +49816,7 @@
           <p:cNvPr id="70" name="Object 61">
             <a:extLst>
               <a:ext uri="{FF2B5EF4-FFF2-40B4-BE49-F238E27FC236}">
-                <a16:creationId xmlns="" xmlns:a16="http://schemas.microsoft.com/office/drawing/2014/main" id="{FF3898E8-B556-0008-847A-EF0AB57277F7}"/>
+                <a16:creationId xmlns:a16="http://schemas.microsoft.com/office/drawing/2014/main" id="{FF3898E8-B556-0008-847A-EF0AB57277F7}"/>
               </a:ext>
             </a:extLst>
           </p:cNvPr>
@@ -50241,7 +49846,7 @@
           <p:cNvPr id="71" name="TextBox 70">
             <a:extLst>
               <a:ext uri="{FF2B5EF4-FFF2-40B4-BE49-F238E27FC236}">
-                <a16:creationId xmlns="" xmlns:a16="http://schemas.microsoft.com/office/drawing/2014/main" id="{568B1923-E98F-B42E-EC9B-71CF7062B1EF}"/>
+                <a16:creationId xmlns:a16="http://schemas.microsoft.com/office/drawing/2014/main" id="{568B1923-E98F-B42E-EC9B-71CF7062B1EF}"/>
               </a:ext>
             </a:extLst>
           </p:cNvPr>
@@ -50321,7 +49926,7 @@
           <p:cNvPr id="72" name="TextBox 71">
             <a:extLst>
               <a:ext uri="{FF2B5EF4-FFF2-40B4-BE49-F238E27FC236}">
-                <a16:creationId xmlns="" xmlns:a16="http://schemas.microsoft.com/office/drawing/2014/main" id="{39902223-A073-1031-4CC7-6ED4D7DA1F24}"/>
+                <a16:creationId xmlns:a16="http://schemas.microsoft.com/office/drawing/2014/main" id="{39902223-A073-1031-4CC7-6ED4D7DA1F24}"/>
               </a:ext>
             </a:extLst>
           </p:cNvPr>
@@ -50369,7 +49974,7 @@
           <p:cNvPr id="73" name="Object 61">
             <a:extLst>
               <a:ext uri="{FF2B5EF4-FFF2-40B4-BE49-F238E27FC236}">
-                <a16:creationId xmlns="" xmlns:a16="http://schemas.microsoft.com/office/drawing/2014/main" id="{F1490AD6-C9E8-C7C9-4B68-1E508CDC029D}"/>
+                <a16:creationId xmlns:a16="http://schemas.microsoft.com/office/drawing/2014/main" id="{F1490AD6-C9E8-C7C9-4B68-1E508CDC029D}"/>
               </a:ext>
             </a:extLst>
           </p:cNvPr>
@@ -50399,7 +50004,7 @@
           <p:cNvPr id="74" name="TextBox 73">
             <a:extLst>
               <a:ext uri="{FF2B5EF4-FFF2-40B4-BE49-F238E27FC236}">
-                <a16:creationId xmlns="" xmlns:a16="http://schemas.microsoft.com/office/drawing/2014/main" id="{659AEB15-7EF8-CBF8-44EF-88B6D968D6EA}"/>
+                <a16:creationId xmlns:a16="http://schemas.microsoft.com/office/drawing/2014/main" id="{659AEB15-7EF8-CBF8-44EF-88B6D968D6EA}"/>
               </a:ext>
             </a:extLst>
           </p:cNvPr>
@@ -50472,7 +50077,7 @@
           <p:cNvPr id="75" name="TextBox 74">
             <a:extLst>
               <a:ext uri="{FF2B5EF4-FFF2-40B4-BE49-F238E27FC236}">
-                <a16:creationId xmlns="" xmlns:a16="http://schemas.microsoft.com/office/drawing/2014/main" id="{2516D735-AD54-AB7D-D67A-A05A702441E9}"/>
+                <a16:creationId xmlns:a16="http://schemas.microsoft.com/office/drawing/2014/main" id="{2516D735-AD54-AB7D-D67A-A05A702441E9}"/>
               </a:ext>
             </a:extLst>
           </p:cNvPr>
@@ -50520,7 +50125,7 @@
           <p:cNvPr id="76" name="Object 61">
             <a:extLst>
               <a:ext uri="{FF2B5EF4-FFF2-40B4-BE49-F238E27FC236}">
-                <a16:creationId xmlns="" xmlns:a16="http://schemas.microsoft.com/office/drawing/2014/main" id="{D209C632-9165-38C0-9BAB-E0B2E7F7C56F}"/>
+                <a16:creationId xmlns:a16="http://schemas.microsoft.com/office/drawing/2014/main" id="{D209C632-9165-38C0-9BAB-E0B2E7F7C56F}"/>
               </a:ext>
             </a:extLst>
           </p:cNvPr>
@@ -50550,7 +50155,7 @@
           <p:cNvPr id="77" name="TextBox 76">
             <a:extLst>
               <a:ext uri="{FF2B5EF4-FFF2-40B4-BE49-F238E27FC236}">
-                <a16:creationId xmlns="" xmlns:a16="http://schemas.microsoft.com/office/drawing/2014/main" id="{83BC3C99-3712-7BAC-9AEF-6935945BD9DD}"/>
+                <a16:creationId xmlns:a16="http://schemas.microsoft.com/office/drawing/2014/main" id="{83BC3C99-3712-7BAC-9AEF-6935945BD9DD}"/>
               </a:ext>
             </a:extLst>
           </p:cNvPr>
@@ -50623,7 +50228,7 @@
           <p:cNvPr id="78" name="TextBox 77">
             <a:extLst>
               <a:ext uri="{FF2B5EF4-FFF2-40B4-BE49-F238E27FC236}">
-                <a16:creationId xmlns="" xmlns:a16="http://schemas.microsoft.com/office/drawing/2014/main" id="{2FFA887A-95A0-BAD8-7227-333B5FC09348}"/>
+                <a16:creationId xmlns:a16="http://schemas.microsoft.com/office/drawing/2014/main" id="{2FFA887A-95A0-BAD8-7227-333B5FC09348}"/>
               </a:ext>
             </a:extLst>
           </p:cNvPr>
@@ -50671,7 +50276,7 @@
           <p:cNvPr id="79" name="그룹 1016">
             <a:extLst>
               <a:ext uri="{FF2B5EF4-FFF2-40B4-BE49-F238E27FC236}">
-                <a16:creationId xmlns="" xmlns:a16="http://schemas.microsoft.com/office/drawing/2014/main" id="{084DE66F-0839-ED1D-6033-747A1F186CFA}"/>
+                <a16:creationId xmlns:a16="http://schemas.microsoft.com/office/drawing/2014/main" id="{084DE66F-0839-ED1D-6033-747A1F186CFA}"/>
               </a:ext>
             </a:extLst>
           </p:cNvPr>
@@ -50691,7 +50296,7 @@
             <p:cNvPr id="80" name="Object 46">
               <a:extLst>
                 <a:ext uri="{FF2B5EF4-FFF2-40B4-BE49-F238E27FC236}">
-                  <a16:creationId xmlns="" xmlns:a16="http://schemas.microsoft.com/office/drawing/2014/main" id="{35A55889-D7B2-DE9B-6F1B-5F37F6DEFA60}"/>
+                  <a16:creationId xmlns:a16="http://schemas.microsoft.com/office/drawing/2014/main" id="{35A55889-D7B2-DE9B-6F1B-5F37F6DEFA60}"/>
                 </a:ext>
               </a:extLst>
             </p:cNvPr>
@@ -50722,7 +50327,7 @@
           <p:cNvPr id="81" name="그룹 1023">
             <a:extLst>
               <a:ext uri="{FF2B5EF4-FFF2-40B4-BE49-F238E27FC236}">
-                <a16:creationId xmlns="" xmlns:a16="http://schemas.microsoft.com/office/drawing/2014/main" id="{708B6D14-F782-5F95-F978-8091F086F26C}"/>
+                <a16:creationId xmlns:a16="http://schemas.microsoft.com/office/drawing/2014/main" id="{708B6D14-F782-5F95-F978-8091F086F26C}"/>
               </a:ext>
             </a:extLst>
           </p:cNvPr>
@@ -50742,7 +50347,7 @@
             <p:cNvPr id="82" name="그룹 1024">
               <a:extLst>
                 <a:ext uri="{FF2B5EF4-FFF2-40B4-BE49-F238E27FC236}">
-                  <a16:creationId xmlns="" xmlns:a16="http://schemas.microsoft.com/office/drawing/2014/main" id="{E3A6C851-4B69-F552-2BD9-689B46EE1C14}"/>
+                  <a16:creationId xmlns:a16="http://schemas.microsoft.com/office/drawing/2014/main" id="{E3A6C851-4B69-F552-2BD9-689B46EE1C14}"/>
                 </a:ext>
               </a:extLst>
             </p:cNvPr>
@@ -50762,7 +50367,7 @@
               <p:cNvPr id="87" name="Object 73">
                 <a:extLst>
                   <a:ext uri="{FF2B5EF4-FFF2-40B4-BE49-F238E27FC236}">
-                    <a16:creationId xmlns="" xmlns:a16="http://schemas.microsoft.com/office/drawing/2014/main" id="{5A930143-E783-9F58-AA14-91792A63AFFF}"/>
+                    <a16:creationId xmlns:a16="http://schemas.microsoft.com/office/drawing/2014/main" id="{5A930143-E783-9F58-AA14-91792A63AFFF}"/>
                   </a:ext>
                 </a:extLst>
               </p:cNvPr>
@@ -50793,7 +50398,7 @@
             <p:cNvPr id="83" name="그룹 1025">
               <a:extLst>
                 <a:ext uri="{FF2B5EF4-FFF2-40B4-BE49-F238E27FC236}">
-                  <a16:creationId xmlns="" xmlns:a16="http://schemas.microsoft.com/office/drawing/2014/main" id="{8082DEAA-9215-6545-05A9-0588BA8A78AE}"/>
+                  <a16:creationId xmlns:a16="http://schemas.microsoft.com/office/drawing/2014/main" id="{8082DEAA-9215-6545-05A9-0588BA8A78AE}"/>
                 </a:ext>
               </a:extLst>
             </p:cNvPr>
@@ -50813,7 +50418,7 @@
               <p:cNvPr id="86" name="Object 76">
                 <a:extLst>
                   <a:ext uri="{FF2B5EF4-FFF2-40B4-BE49-F238E27FC236}">
-                    <a16:creationId xmlns="" xmlns:a16="http://schemas.microsoft.com/office/drawing/2014/main" id="{7937164E-263C-063C-E226-B1AE844DCB1E}"/>
+                    <a16:creationId xmlns:a16="http://schemas.microsoft.com/office/drawing/2014/main" id="{7937164E-263C-063C-E226-B1AE844DCB1E}"/>
                   </a:ext>
                 </a:extLst>
               </p:cNvPr>
@@ -50844,7 +50449,7 @@
             <p:cNvPr id="84" name="그룹 1026">
               <a:extLst>
                 <a:ext uri="{FF2B5EF4-FFF2-40B4-BE49-F238E27FC236}">
-                  <a16:creationId xmlns="" xmlns:a16="http://schemas.microsoft.com/office/drawing/2014/main" id="{04C77165-7711-37FA-379F-50994B648F86}"/>
+                  <a16:creationId xmlns:a16="http://schemas.microsoft.com/office/drawing/2014/main" id="{04C77165-7711-37FA-379F-50994B648F86}"/>
                 </a:ext>
               </a:extLst>
             </p:cNvPr>
@@ -50864,7 +50469,7 @@
               <p:cNvPr id="85" name="Object 79">
                 <a:extLst>
                   <a:ext uri="{FF2B5EF4-FFF2-40B4-BE49-F238E27FC236}">
-                    <a16:creationId xmlns="" xmlns:a16="http://schemas.microsoft.com/office/drawing/2014/main" id="{8EEB598A-ABD1-B4EA-2ADB-1A49BCCBFD8A}"/>
+                    <a16:creationId xmlns:a16="http://schemas.microsoft.com/office/drawing/2014/main" id="{8EEB598A-ABD1-B4EA-2ADB-1A49BCCBFD8A}"/>
                   </a:ext>
                 </a:extLst>
               </p:cNvPr>
@@ -50896,7 +50501,7 @@
           <p:cNvPr id="88" name="TextBox 87">
             <a:extLst>
               <a:ext uri="{FF2B5EF4-FFF2-40B4-BE49-F238E27FC236}">
-                <a16:creationId xmlns="" xmlns:a16="http://schemas.microsoft.com/office/drawing/2014/main" id="{6F51D7F0-F6BB-8D16-9E54-1C8CB35E41BE}"/>
+                <a16:creationId xmlns:a16="http://schemas.microsoft.com/office/drawing/2014/main" id="{6F51D7F0-F6BB-8D16-9E54-1C8CB35E41BE}"/>
               </a:ext>
             </a:extLst>
           </p:cNvPr>
@@ -50947,7 +50552,7 @@
           <p:cNvPr id="89" name="TextBox 88">
             <a:extLst>
               <a:ext uri="{FF2B5EF4-FFF2-40B4-BE49-F238E27FC236}">
-                <a16:creationId xmlns="" xmlns:a16="http://schemas.microsoft.com/office/drawing/2014/main" id="{32F281A7-8CA8-205F-D1E4-F8FB16044C1F}"/>
+                <a16:creationId xmlns:a16="http://schemas.microsoft.com/office/drawing/2014/main" id="{32F281A7-8CA8-205F-D1E4-F8FB16044C1F}"/>
               </a:ext>
             </a:extLst>
           </p:cNvPr>
@@ -50995,7 +50600,7 @@
           <p:cNvPr id="90" name="TextBox 89">
             <a:extLst>
               <a:ext uri="{FF2B5EF4-FFF2-40B4-BE49-F238E27FC236}">
-                <a16:creationId xmlns="" xmlns:a16="http://schemas.microsoft.com/office/drawing/2014/main" id="{CD044177-5399-419E-C189-ED4BEF268240}"/>
+                <a16:creationId xmlns:a16="http://schemas.microsoft.com/office/drawing/2014/main" id="{CD044177-5399-419E-C189-ED4BEF268240}"/>
               </a:ext>
             </a:extLst>
           </p:cNvPr>
@@ -51048,13 +50653,6 @@
   <p:clrMapOvr>
     <a:masterClrMapping/>
   </p:clrMapOvr>
-  <p:timing>
-    <p:tnLst>
-      <p:par>
-        <p:cTn id="1" dur="indefinite" restart="never" nodeType="tmRoot"/>
-      </p:par>
-    </p:tnLst>
-  </p:timing>
 </p:sld>
 </file>
 
@@ -51080,7 +50678,7 @@
           <p:cNvPr id="4" name="TextBox 3">
             <a:extLst>
               <a:ext uri="{FF2B5EF4-FFF2-40B4-BE49-F238E27FC236}">
-                <a16:creationId xmlns="" xmlns:a16="http://schemas.microsoft.com/office/drawing/2014/main" id="{6E4771BE-09DF-3E15-A9B6-2ADE45DB9301}"/>
+                <a16:creationId xmlns:a16="http://schemas.microsoft.com/office/drawing/2014/main" id="{6E4771BE-09DF-3E15-A9B6-2ADE45DB9301}"/>
               </a:ext>
             </a:extLst>
           </p:cNvPr>
@@ -51128,7 +50726,7 @@
           <p:cNvPr id="5" name="그룹 1008">
             <a:extLst>
               <a:ext uri="{FF2B5EF4-FFF2-40B4-BE49-F238E27FC236}">
-                <a16:creationId xmlns="" xmlns:a16="http://schemas.microsoft.com/office/drawing/2014/main" id="{E8E9C254-782A-FBC1-55AF-F4C24417CFC9}"/>
+                <a16:creationId xmlns:a16="http://schemas.microsoft.com/office/drawing/2014/main" id="{E8E9C254-782A-FBC1-55AF-F4C24417CFC9}"/>
               </a:ext>
             </a:extLst>
           </p:cNvPr>
@@ -51148,7 +50746,7 @@
             <p:cNvPr id="6" name="그룹 1009">
               <a:extLst>
                 <a:ext uri="{FF2B5EF4-FFF2-40B4-BE49-F238E27FC236}">
-                  <a16:creationId xmlns="" xmlns:a16="http://schemas.microsoft.com/office/drawing/2014/main" id="{3CA2B294-22E1-B252-200F-DD750B2F7A87}"/>
+                  <a16:creationId xmlns:a16="http://schemas.microsoft.com/office/drawing/2014/main" id="{3CA2B294-22E1-B252-200F-DD750B2F7A87}"/>
                 </a:ext>
               </a:extLst>
             </p:cNvPr>
@@ -51168,7 +50766,7 @@
               <p:cNvPr id="11" name="Object 29">
                 <a:extLst>
                   <a:ext uri="{FF2B5EF4-FFF2-40B4-BE49-F238E27FC236}">
-                    <a16:creationId xmlns="" xmlns:a16="http://schemas.microsoft.com/office/drawing/2014/main" id="{6B409735-98BE-1B36-586B-4F9EF716FDDD}"/>
+                    <a16:creationId xmlns:a16="http://schemas.microsoft.com/office/drawing/2014/main" id="{6B409735-98BE-1B36-586B-4F9EF716FDDD}"/>
                   </a:ext>
                 </a:extLst>
               </p:cNvPr>
@@ -51199,7 +50797,7 @@
             <p:cNvPr id="7" name="그룹 1010">
               <a:extLst>
                 <a:ext uri="{FF2B5EF4-FFF2-40B4-BE49-F238E27FC236}">
-                  <a16:creationId xmlns="" xmlns:a16="http://schemas.microsoft.com/office/drawing/2014/main" id="{2F0FF62E-BE82-B028-45C5-E34CF026296A}"/>
+                  <a16:creationId xmlns:a16="http://schemas.microsoft.com/office/drawing/2014/main" id="{2F0FF62E-BE82-B028-45C5-E34CF026296A}"/>
                 </a:ext>
               </a:extLst>
             </p:cNvPr>
@@ -51219,7 +50817,7 @@
               <p:cNvPr id="10" name="Object 32">
                 <a:extLst>
                   <a:ext uri="{FF2B5EF4-FFF2-40B4-BE49-F238E27FC236}">
-                    <a16:creationId xmlns="" xmlns:a16="http://schemas.microsoft.com/office/drawing/2014/main" id="{E1B6A43A-991F-7AEE-FFB7-8FF7B74BF5FB}"/>
+                    <a16:creationId xmlns:a16="http://schemas.microsoft.com/office/drawing/2014/main" id="{E1B6A43A-991F-7AEE-FFB7-8FF7B74BF5FB}"/>
                   </a:ext>
                 </a:extLst>
               </p:cNvPr>
@@ -51250,7 +50848,7 @@
             <p:cNvPr id="8" name="그룹 1011">
               <a:extLst>
                 <a:ext uri="{FF2B5EF4-FFF2-40B4-BE49-F238E27FC236}">
-                  <a16:creationId xmlns="" xmlns:a16="http://schemas.microsoft.com/office/drawing/2014/main" id="{BA042914-01E9-46DE-808E-0745148414A3}"/>
+                  <a16:creationId xmlns:a16="http://schemas.microsoft.com/office/drawing/2014/main" id="{BA042914-01E9-46DE-808E-0745148414A3}"/>
                 </a:ext>
               </a:extLst>
             </p:cNvPr>
@@ -51270,7 +50868,7 @@
               <p:cNvPr id="9" name="Object 35">
                 <a:extLst>
                   <a:ext uri="{FF2B5EF4-FFF2-40B4-BE49-F238E27FC236}">
-                    <a16:creationId xmlns="" xmlns:a16="http://schemas.microsoft.com/office/drawing/2014/main" id="{01A65668-30BA-528E-0B2F-B165CE76C550}"/>
+                    <a16:creationId xmlns:a16="http://schemas.microsoft.com/office/drawing/2014/main" id="{01A65668-30BA-528E-0B2F-B165CE76C550}"/>
                   </a:ext>
                 </a:extLst>
               </p:cNvPr>
@@ -51302,7 +50900,7 @@
           <p:cNvPr id="12" name="TextBox 11">
             <a:extLst>
               <a:ext uri="{FF2B5EF4-FFF2-40B4-BE49-F238E27FC236}">
-                <a16:creationId xmlns="" xmlns:a16="http://schemas.microsoft.com/office/drawing/2014/main" id="{181EA334-B1AD-2028-A3D8-FA8B4093DA7C}"/>
+                <a16:creationId xmlns:a16="http://schemas.microsoft.com/office/drawing/2014/main" id="{181EA334-B1AD-2028-A3D8-FA8B4093DA7C}"/>
               </a:ext>
             </a:extLst>
           </p:cNvPr>
@@ -51350,7 +50948,7 @@
           <p:cNvPr id="13" name="TextBox 12">
             <a:extLst>
               <a:ext uri="{FF2B5EF4-FFF2-40B4-BE49-F238E27FC236}">
-                <a16:creationId xmlns="" xmlns:a16="http://schemas.microsoft.com/office/drawing/2014/main" id="{7EEA8891-3A23-D49B-90DA-7E8C1C088F3B}"/>
+                <a16:creationId xmlns:a16="http://schemas.microsoft.com/office/drawing/2014/main" id="{7EEA8891-3A23-D49B-90DA-7E8C1C088F3B}"/>
               </a:ext>
             </a:extLst>
           </p:cNvPr>
@@ -51398,7 +50996,7 @@
           <p:cNvPr id="14" name="그룹 1008">
             <a:extLst>
               <a:ext uri="{FF2B5EF4-FFF2-40B4-BE49-F238E27FC236}">
-                <a16:creationId xmlns="" xmlns:a16="http://schemas.microsoft.com/office/drawing/2014/main" id="{7AD220EA-989C-A03E-35E2-3E1C89CE832F}"/>
+                <a16:creationId xmlns:a16="http://schemas.microsoft.com/office/drawing/2014/main" id="{7AD220EA-989C-A03E-35E2-3E1C89CE832F}"/>
               </a:ext>
             </a:extLst>
           </p:cNvPr>
@@ -51418,7 +51016,7 @@
             <p:cNvPr id="15" name="그룹 1009">
               <a:extLst>
                 <a:ext uri="{FF2B5EF4-FFF2-40B4-BE49-F238E27FC236}">
-                  <a16:creationId xmlns="" xmlns:a16="http://schemas.microsoft.com/office/drawing/2014/main" id="{068815AF-E19C-E57B-B49A-7F9C7ECBB6F5}"/>
+                  <a16:creationId xmlns:a16="http://schemas.microsoft.com/office/drawing/2014/main" id="{068815AF-E19C-E57B-B49A-7F9C7ECBB6F5}"/>
                 </a:ext>
               </a:extLst>
             </p:cNvPr>
@@ -51438,7 +51036,7 @@
               <p:cNvPr id="20" name="Object 29">
                 <a:extLst>
                   <a:ext uri="{FF2B5EF4-FFF2-40B4-BE49-F238E27FC236}">
-                    <a16:creationId xmlns="" xmlns:a16="http://schemas.microsoft.com/office/drawing/2014/main" id="{7068BEFE-DEF3-4498-0B24-75B57099F18E}"/>
+                    <a16:creationId xmlns:a16="http://schemas.microsoft.com/office/drawing/2014/main" id="{7068BEFE-DEF3-4498-0B24-75B57099F18E}"/>
                   </a:ext>
                 </a:extLst>
               </p:cNvPr>
@@ -51469,7 +51067,7 @@
             <p:cNvPr id="16" name="그룹 1010">
               <a:extLst>
                 <a:ext uri="{FF2B5EF4-FFF2-40B4-BE49-F238E27FC236}">
-                  <a16:creationId xmlns="" xmlns:a16="http://schemas.microsoft.com/office/drawing/2014/main" id="{49A21C64-1979-6CD0-5AFB-2197D9BC56DA}"/>
+                  <a16:creationId xmlns:a16="http://schemas.microsoft.com/office/drawing/2014/main" id="{49A21C64-1979-6CD0-5AFB-2197D9BC56DA}"/>
                 </a:ext>
               </a:extLst>
             </p:cNvPr>
@@ -51489,7 +51087,7 @@
               <p:cNvPr id="19" name="Object 32">
                 <a:extLst>
                   <a:ext uri="{FF2B5EF4-FFF2-40B4-BE49-F238E27FC236}">
-                    <a16:creationId xmlns="" xmlns:a16="http://schemas.microsoft.com/office/drawing/2014/main" id="{E38D1436-77FD-6470-968D-737D22EC338E}"/>
+                    <a16:creationId xmlns:a16="http://schemas.microsoft.com/office/drawing/2014/main" id="{E38D1436-77FD-6470-968D-737D22EC338E}"/>
                   </a:ext>
                 </a:extLst>
               </p:cNvPr>
@@ -51520,7 +51118,7 @@
             <p:cNvPr id="17" name="그룹 1011">
               <a:extLst>
                 <a:ext uri="{FF2B5EF4-FFF2-40B4-BE49-F238E27FC236}">
-                  <a16:creationId xmlns="" xmlns:a16="http://schemas.microsoft.com/office/drawing/2014/main" id="{79DA82F1-FC84-20B7-EB0B-C76926DB8862}"/>
+                  <a16:creationId xmlns:a16="http://schemas.microsoft.com/office/drawing/2014/main" id="{79DA82F1-FC84-20B7-EB0B-C76926DB8862}"/>
                 </a:ext>
               </a:extLst>
             </p:cNvPr>
@@ -51540,7 +51138,7 @@
               <p:cNvPr id="18" name="Object 35">
                 <a:extLst>
                   <a:ext uri="{FF2B5EF4-FFF2-40B4-BE49-F238E27FC236}">
-                    <a16:creationId xmlns="" xmlns:a16="http://schemas.microsoft.com/office/drawing/2014/main" id="{AEC81504-BC52-D5D0-3109-8B4F983D7456}"/>
+                    <a16:creationId xmlns:a16="http://schemas.microsoft.com/office/drawing/2014/main" id="{AEC81504-BC52-D5D0-3109-8B4F983D7456}"/>
                   </a:ext>
                 </a:extLst>
               </p:cNvPr>
@@ -51577,13 +51175,6 @@
   <p:clrMapOvr>
     <a:masterClrMapping/>
   </p:clrMapOvr>
-  <p:timing>
-    <p:tnLst>
-      <p:par>
-        <p:cTn id="1" dur="indefinite" restart="never" nodeType="tmRoot"/>
-      </p:par>
-    </p:tnLst>
-  </p:timing>
 </p:sld>
 </file>
 
